--- a/ScalaCL_Chissel.pptx
+++ b/ScalaCL_Chissel.pptx
@@ -5,14 +5,16 @@
     <p:sldMasterId id="2147483648" r:id="rId1"/>
   </p:sldMasterIdLst>
   <p:notesMasterIdLst>
-    <p:notesMasterId r:id="rId7"/>
+    <p:notesMasterId r:id="rId9"/>
   </p:notesMasterIdLst>
   <p:sldIdLst>
     <p:sldId id="351" r:id="rId2"/>
     <p:sldId id="446" r:id="rId3"/>
     <p:sldId id="447" r:id="rId4"/>
     <p:sldId id="448" r:id="rId5"/>
-    <p:sldId id="445" r:id="rId6"/>
+    <p:sldId id="450" r:id="rId6"/>
+    <p:sldId id="449" r:id="rId7"/>
+    <p:sldId id="445" r:id="rId8"/>
   </p:sldIdLst>
   <p:sldSz cx="9144000" cy="6858000" type="screen4x3"/>
   <p:notesSz cx="6858000" cy="9144000"/>
@@ -3561,6 +3563,187 @@
           </a:p>
         </p:txBody>
       </p:sp>
+      <p:sp>
+        <p:nvSpPr>
+          <p:cNvPr id="4" name="TextBox 3"/>
+          <p:cNvSpPr txBox="1"/>
+          <p:nvPr/>
+        </p:nvSpPr>
+        <p:spPr>
+          <a:xfrm>
+            <a:off x="889348" y="1691014"/>
+            <a:ext cx="5320687" cy="1754326"/>
+          </a:xfrm>
+          <a:prstGeom prst="rect">
+            <a:avLst/>
+          </a:prstGeom>
+          <a:noFill/>
+        </p:spPr>
+        <p:txBody>
+          <a:bodyPr wrap="none" rtlCol="0">
+            <a:spAutoFit/>
+          </a:bodyPr>
+          <a:lstStyle/>
+          <a:p>
+            <a:pPr marL="285750" indent="-285750">
+              <a:buFont typeface="Arial" panose="020B0604020202020204" pitchFamily="34" charset="0"/>
+              <a:buChar char="•"/>
+            </a:pPr>
+            <a:r>
+              <a:rPr lang="en-GB" dirty="0" smtClean="0">
+                <a:latin typeface="Comic Sans MS" panose="030F0702030302020204" pitchFamily="66" charset="0"/>
+                <a:cs typeface="Consolas" panose="020B0609020204030204" pitchFamily="49" charset="0"/>
+              </a:rPr>
+              <a:t>Not to be confused with </a:t>
+            </a:r>
+            <a:r>
+              <a:rPr lang="en-GB" dirty="0">
+                <a:latin typeface="Comic Sans MS" panose="030F0702030302020204" pitchFamily="66" charset="0"/>
+                <a:cs typeface="Consolas" panose="020B0609020204030204" pitchFamily="49" charset="0"/>
+              </a:rPr>
+              <a:t>O</a:t>
+            </a:r>
+            <a:r>
+              <a:rPr lang="en-GB" dirty="0" smtClean="0">
+                <a:latin typeface="Comic Sans MS" panose="030F0702030302020204" pitchFamily="66" charset="0"/>
+                <a:cs typeface="Consolas" panose="020B0609020204030204" pitchFamily="49" charset="0"/>
+              </a:rPr>
+              <a:t>penGL</a:t>
+            </a:r>
+          </a:p>
+          <a:p>
+            <a:pPr marL="285750" indent="-285750">
+              <a:buFont typeface="Arial" panose="020B0604020202020204" pitchFamily="34" charset="0"/>
+              <a:buChar char="•"/>
+            </a:pPr>
+            <a:r>
+              <a:rPr lang="en-GB" dirty="0" smtClean="0">
+                <a:latin typeface="Comic Sans MS" panose="030F0702030302020204" pitchFamily="66" charset="0"/>
+                <a:cs typeface="Consolas" panose="020B0609020204030204" pitchFamily="49" charset="0"/>
+              </a:rPr>
+              <a:t>CLC </a:t>
+            </a:r>
+            <a:r>
+              <a:rPr lang="en-GB" dirty="0">
+                <a:latin typeface="Comic Sans MS" panose="030F0702030302020204" pitchFamily="66" charset="0"/>
+                <a:cs typeface="Consolas" panose="020B0609020204030204" pitchFamily="49" charset="0"/>
+              </a:rPr>
+              <a:t>code (i.e</a:t>
+            </a:r>
+            <a:r>
+              <a:rPr lang="en-GB" dirty="0" smtClean="0">
+                <a:latin typeface="Comic Sans MS" panose="030F0702030302020204" pitchFamily="66" charset="0"/>
+                <a:cs typeface="Consolas" panose="020B0609020204030204" pitchFamily="49" charset="0"/>
+              </a:rPr>
+              <a:t>. the </a:t>
+            </a:r>
+            <a:r>
+              <a:rPr lang="en-GB" dirty="0">
+                <a:latin typeface="Comic Sans MS" panose="030F0702030302020204" pitchFamily="66" charset="0"/>
+                <a:cs typeface="Consolas" panose="020B0609020204030204" pitchFamily="49" charset="0"/>
+              </a:rPr>
+              <a:t>kernels</a:t>
+            </a:r>
+            <a:r>
+              <a:rPr lang="en-GB" dirty="0" smtClean="0">
+                <a:latin typeface="Comic Sans MS" panose="030F0702030302020204" pitchFamily="66" charset="0"/>
+                <a:cs typeface="Consolas" panose="020B0609020204030204" pitchFamily="49" charset="0"/>
+              </a:rPr>
+              <a:t>) </a:t>
+            </a:r>
+            <a:r>
+              <a:rPr lang="en-GB" dirty="0">
+                <a:latin typeface="Comic Sans MS" panose="030F0702030302020204" pitchFamily="66" charset="0"/>
+                <a:cs typeface="Consolas" panose="020B0609020204030204" pitchFamily="49" charset="0"/>
+              </a:rPr>
+              <a:t>runs on the device</a:t>
+            </a:r>
+          </a:p>
+          <a:p>
+            <a:pPr marL="285750" indent="-285750">
+              <a:buFont typeface="Arial" panose="020B0604020202020204" pitchFamily="34" charset="0"/>
+              <a:buChar char="•"/>
+            </a:pPr>
+            <a:r>
+              <a:rPr lang="en-GB" dirty="0" smtClean="0">
+                <a:latin typeface="Comic Sans MS" panose="030F0702030302020204" pitchFamily="66" charset="0"/>
+                <a:cs typeface="Consolas" panose="020B0609020204030204" pitchFamily="49" charset="0"/>
+              </a:rPr>
+              <a:t>The kernels are called by using a C/C++ API</a:t>
+            </a:r>
+          </a:p>
+          <a:p>
+            <a:pPr marL="285750" indent="-285750">
+              <a:buFont typeface="Arial" panose="020B0604020202020204" pitchFamily="34" charset="0"/>
+              <a:buChar char="•"/>
+            </a:pPr>
+            <a:r>
+              <a:rPr lang="en-GB" dirty="0" smtClean="0">
+                <a:latin typeface="Comic Sans MS" panose="030F0702030302020204" pitchFamily="66" charset="0"/>
+                <a:cs typeface="Consolas" panose="020B0609020204030204" pitchFamily="49" charset="0"/>
+              </a:rPr>
+              <a:t>Supported devices:</a:t>
+            </a:r>
+          </a:p>
+          <a:p>
+            <a:pPr marL="742950" lvl="1" indent="-285750">
+              <a:buFont typeface="Arial" panose="020B0604020202020204" pitchFamily="34" charset="0"/>
+              <a:buChar char="•"/>
+            </a:pPr>
+            <a:r>
+              <a:rPr lang="en-GB" smtClean="0">
+                <a:latin typeface="Comic Sans MS" panose="030F0702030302020204" pitchFamily="66" charset="0"/>
+                <a:cs typeface="Consolas" panose="020B0609020204030204" pitchFamily="49" charset="0"/>
+              </a:rPr>
+              <a:t>Most graphics cards</a:t>
+            </a:r>
+            <a:endParaRPr lang="en-GB" dirty="0" smtClean="0">
+              <a:latin typeface="Comic Sans MS" panose="030F0702030302020204" pitchFamily="66" charset="0"/>
+              <a:cs typeface="Consolas" panose="020B0609020204030204" pitchFamily="49" charset="0"/>
+            </a:endParaRPr>
+          </a:p>
+          <a:p>
+            <a:pPr marL="742950" lvl="1" indent="-285750">
+              <a:buFont typeface="Arial" panose="020B0604020202020204" pitchFamily="34" charset="0"/>
+              <a:buChar char="•"/>
+            </a:pPr>
+            <a:endParaRPr lang="lv-LV" dirty="0">
+              <a:latin typeface="Comic Sans MS" panose="030F0702030302020204" pitchFamily="66" charset="0"/>
+              <a:cs typeface="Consolas" panose="020B0609020204030204" pitchFamily="49" charset="0"/>
+            </a:endParaRPr>
+          </a:p>
+        </p:txBody>
+      </p:sp>
+      <p:sp>
+        <p:nvSpPr>
+          <p:cNvPr id="5" name="TextBox 4"/>
+          <p:cNvSpPr txBox="1"/>
+          <p:nvPr/>
+        </p:nvSpPr>
+        <p:spPr>
+          <a:xfrm>
+            <a:off x="1402915" y="4058433"/>
+            <a:ext cx="1544077" cy="369332"/>
+          </a:xfrm>
+          <a:prstGeom prst="rect">
+            <a:avLst/>
+          </a:prstGeom>
+          <a:noFill/>
+        </p:spPr>
+        <p:txBody>
+          <a:bodyPr wrap="none" rtlCol="0">
+            <a:spAutoFit/>
+          </a:bodyPr>
+          <a:lstStyle/>
+          <a:p>
+            <a:r>
+              <a:rPr lang="en-GB" dirty="0" smtClean="0"/>
+              <a:t>TODO pictures</a:t>
+            </a:r>
+            <a:endParaRPr lang="lv-LV" dirty="0"/>
+          </a:p>
+        </p:txBody>
+      </p:sp>
     </p:spTree>
     <p:extLst>
       <p:ext uri="{BB962C8B-B14F-4D97-AF65-F5344CB8AC3E}">
@@ -3633,8 +3816,8 @@
           <a:p>
             <a:pPr algn="ctr"/>
             <a:r>
-              <a:rPr lang="lv-LV" dirty="0" err="1" smtClean="0"/>
-              <a:t>Main.scala</a:t>
+              <a:rPr lang="en-GB" dirty="0" err="1" smtClean="0"/>
+              <a:t>Test.scala</a:t>
             </a:r>
             <a:endParaRPr lang="en-US" dirty="0"/>
           </a:p>
@@ -3674,6 +3857,18 @@
                 <a:cs typeface="Comic Sans MS"/>
               </a:rPr>
               <a:t>ScalaCL</a:t>
+            </a:r>
+            <a:r>
+              <a:rPr lang="en-GB" dirty="0">
+                <a:solidFill>
+                  <a:schemeClr val="bg1">
+                    <a:lumMod val="50000"/>
+                  </a:schemeClr>
+                </a:solidFill>
+                <a:latin typeface="Comic Sans MS"/>
+                <a:cs typeface="Comic Sans MS"/>
+              </a:rPr>
+              <a:t> syntax</a:t>
             </a:r>
             <a:endParaRPr lang="en-US" dirty="0"/>
           </a:p>
@@ -4318,7 +4513,7 @@
         <p:spPr>
           <a:xfrm>
             <a:off x="1265129" y="5649238"/>
-            <a:ext cx="4070959" cy="369332"/>
+            <a:ext cx="5349713" cy="461665"/>
           </a:xfrm>
           <a:prstGeom prst="rect">
             <a:avLst/>
@@ -4332,41 +4527,41 @@
           <a:lstStyle/>
           <a:p>
             <a:r>
-              <a:rPr lang="en-GB" dirty="0">
+              <a:rPr lang="en-GB" sz="2400" dirty="0">
                 <a:latin typeface="Comic Sans MS" panose="030F0702030302020204" pitchFamily="66" charset="0"/>
                 <a:cs typeface="Consolas" panose="020B0609020204030204" pitchFamily="49" charset="0"/>
               </a:rPr>
               <a:t>Exercise</a:t>
             </a:r>
             <a:r>
-              <a:rPr lang="lv-LV" dirty="0">
+              <a:rPr lang="lv-LV" sz="2400" dirty="0">
                 <a:latin typeface="Comic Sans MS" panose="030F0702030302020204" pitchFamily="66" charset="0"/>
                 <a:cs typeface="Consolas" panose="020B0609020204030204" pitchFamily="49" charset="0"/>
               </a:rPr>
               <a:t>: s</a:t>
             </a:r>
             <a:r>
-              <a:rPr lang="en-GB" dirty="0">
+              <a:rPr lang="en-GB" sz="2400" dirty="0">
                 <a:latin typeface="Comic Sans MS" panose="030F0702030302020204" pitchFamily="66" charset="0"/>
                 <a:cs typeface="Consolas" panose="020B0609020204030204" pitchFamily="49" charset="0"/>
               </a:rPr>
               <a:t>pot the </a:t>
             </a:r>
             <a:r>
-              <a:rPr lang="en-GB" dirty="0" err="1">
+              <a:rPr lang="en-GB" sz="2400" dirty="0" err="1">
                 <a:latin typeface="Comic Sans MS" panose="030F0702030302020204" pitchFamily="66" charset="0"/>
                 <a:cs typeface="Consolas" panose="020B0609020204030204" pitchFamily="49" charset="0"/>
               </a:rPr>
               <a:t>OpenCL</a:t>
             </a:r>
             <a:r>
-              <a:rPr lang="en-GB" dirty="0">
+              <a:rPr lang="en-GB" sz="2400" dirty="0">
                 <a:latin typeface="Comic Sans MS" panose="030F0702030302020204" pitchFamily="66" charset="0"/>
                 <a:cs typeface="Consolas" panose="020B0609020204030204" pitchFamily="49" charset="0"/>
               </a:rPr>
               <a:t> here! </a:t>
             </a:r>
-            <a:endParaRPr lang="en-GB" dirty="0">
+            <a:endParaRPr lang="en-GB" sz="2400" dirty="0">
               <a:latin typeface="Comic Sans MS" panose="030F0702030302020204" pitchFamily="66" charset="0"/>
               <a:cs typeface="Consolas" panose="020B0609020204030204" pitchFamily="49" charset="0"/>
             </a:endParaRPr>
@@ -4495,6 +4690,18 @@
               </a:rPr>
               <a:t>ScalaCL</a:t>
             </a:r>
+            <a:r>
+              <a:rPr lang="en-GB" dirty="0">
+                <a:solidFill>
+                  <a:schemeClr val="bg1">
+                    <a:lumMod val="50000"/>
+                  </a:schemeClr>
+                </a:solidFill>
+                <a:latin typeface="Comic Sans MS"/>
+                <a:cs typeface="Comic Sans MS"/>
+              </a:rPr>
+              <a:t> syntax</a:t>
+            </a:r>
             <a:endParaRPr lang="en-US" dirty="0"/>
           </a:p>
         </p:txBody>
@@ -5158,7 +5365,7 @@
         <p:spPr>
           <a:xfrm>
             <a:off x="7803716" y="2560638"/>
-            <a:ext cx="751560" cy="646331"/>
+            <a:ext cx="1114816" cy="830997"/>
           </a:xfrm>
           <a:prstGeom prst="rect">
             <a:avLst/>
@@ -5172,7 +5379,7 @@
           <a:lstStyle/>
           <a:p>
             <a:r>
-              <a:rPr lang="en-GB" dirty="0" smtClean="0">
+              <a:rPr lang="en-GB" sz="2400" dirty="0" smtClean="0">
                 <a:solidFill>
                   <a:schemeClr val="accent1"/>
                 </a:solidFill>
@@ -5181,7 +5388,7 @@
               </a:rPr>
               <a:t>Here it is! </a:t>
             </a:r>
-            <a:endParaRPr lang="en-GB" dirty="0">
+            <a:endParaRPr lang="en-GB" sz="2400" dirty="0">
               <a:solidFill>
                 <a:schemeClr val="accent1"/>
               </a:solidFill>
@@ -5201,8 +5408,8 @@
         </p:nvCxnSpPr>
         <p:spPr>
           <a:xfrm rot="16200000" flipV="1">
-            <a:off x="5417162" y="-201697"/>
-            <a:ext cx="576889" cy="4947781"/>
+            <a:off x="5507977" y="-292509"/>
+            <a:ext cx="576888" cy="5129406"/>
           </a:xfrm>
           <a:prstGeom prst="curvedConnector2">
             <a:avLst/>
@@ -5236,8 +5443,8 @@
         </p:nvCxnSpPr>
         <p:spPr>
           <a:xfrm rot="10800000" flipV="1">
-            <a:off x="5874708" y="2883804"/>
-            <a:ext cx="1929009" cy="253724"/>
+            <a:off x="5874718" y="2976137"/>
+            <a:ext cx="1928999" cy="161390"/>
           </a:xfrm>
           <a:prstGeom prst="curvedConnector3">
             <a:avLst>
@@ -5273,8 +5480,8 @@
         </p:nvCxnSpPr>
         <p:spPr>
           <a:xfrm rot="5400000">
-            <a:off x="6718611" y="1999810"/>
-            <a:ext cx="253727" cy="2668044"/>
+            <a:off x="6901760" y="2001331"/>
+            <a:ext cx="69061" cy="2849669"/>
           </a:xfrm>
           <a:prstGeom prst="curvedConnector2">
             <a:avLst/>
@@ -5319,6 +5526,3132 @@
 </file>
 
 <file path=ppt/slides/slide5.xml><?xml version="1.0" encoding="utf-8"?>
+<p:sld xmlns:a="http://schemas.openxmlformats.org/drawingml/2006/main" xmlns:r="http://schemas.openxmlformats.org/officeDocument/2006/relationships" xmlns:p="http://schemas.openxmlformats.org/presentationml/2006/main">
+  <p:cSld>
+    <p:spTree>
+      <p:nvGrpSpPr>
+        <p:cNvPr id="1" name=""/>
+        <p:cNvGrpSpPr/>
+        <p:nvPr/>
+      </p:nvGrpSpPr>
+      <p:grpSpPr>
+        <a:xfrm>
+          <a:off x="0" y="0"/>
+          <a:ext cx="0" cy="0"/>
+          <a:chOff x="0" y="0"/>
+          <a:chExt cx="0" cy="0"/>
+        </a:xfrm>
+      </p:grpSpPr>
+      <p:sp>
+        <p:nvSpPr>
+          <p:cNvPr id="20" name="Rectangle 19"/>
+          <p:cNvSpPr/>
+          <p:nvPr/>
+        </p:nvSpPr>
+        <p:spPr>
+          <a:xfrm>
+            <a:off x="457201" y="1416620"/>
+            <a:ext cx="3045448" cy="360040"/>
+          </a:xfrm>
+          <a:prstGeom prst="rect">
+            <a:avLst/>
+          </a:prstGeom>
+        </p:spPr>
+        <p:style>
+          <a:lnRef idx="2">
+            <a:schemeClr val="accent1"/>
+          </a:lnRef>
+          <a:fillRef idx="1">
+            <a:schemeClr val="lt1"/>
+          </a:fillRef>
+          <a:effectRef idx="0">
+            <a:schemeClr val="accent1"/>
+          </a:effectRef>
+          <a:fontRef idx="minor">
+            <a:schemeClr val="dk1"/>
+          </a:fontRef>
+        </p:style>
+        <p:txBody>
+          <a:bodyPr rtlCol="0" anchor="ctr"/>
+          <a:lstStyle/>
+          <a:p>
+            <a:pPr algn="ctr"/>
+            <a:r>
+              <a:rPr lang="en-GB" dirty="0"/>
+              <a:t>ArraySum.java</a:t>
+            </a:r>
+            <a:endParaRPr lang="en-US" dirty="0"/>
+          </a:p>
+        </p:txBody>
+      </p:sp>
+      <p:sp>
+        <p:nvSpPr>
+          <p:cNvPr id="13" name="Title 1"/>
+          <p:cNvSpPr>
+            <a:spLocks noGrp="1"/>
+          </p:cNvSpPr>
+          <p:nvPr>
+            <p:ph type="title"/>
+          </p:nvPr>
+        </p:nvSpPr>
+        <p:spPr>
+          <a:xfrm>
+            <a:off x="457200" y="274638"/>
+            <a:ext cx="8229600" cy="1143000"/>
+          </a:xfrm>
+        </p:spPr>
+        <p:txBody>
+          <a:bodyPr>
+            <a:normAutofit/>
+          </a:bodyPr>
+          <a:lstStyle/>
+          <a:p>
+            <a:pPr algn="l"/>
+            <a:r>
+              <a:rPr lang="en-GB" dirty="0" smtClean="0">
+                <a:solidFill>
+                  <a:schemeClr val="bg1">
+                    <a:lumMod val="50000"/>
+                  </a:schemeClr>
+                </a:solidFill>
+                <a:latin typeface="Comic Sans MS"/>
+                <a:cs typeface="Comic Sans MS"/>
+              </a:rPr>
+              <a:t>Vs </a:t>
+            </a:r>
+            <a:r>
+              <a:rPr lang="en-GB" dirty="0" err="1" smtClean="0">
+                <a:solidFill>
+                  <a:schemeClr val="bg1">
+                    <a:lumMod val="50000"/>
+                  </a:schemeClr>
+                </a:solidFill>
+                <a:latin typeface="Comic Sans MS"/>
+                <a:cs typeface="Comic Sans MS"/>
+              </a:rPr>
+              <a:t>Rootbeer</a:t>
+            </a:r>
+            <a:endParaRPr lang="en-US" dirty="0"/>
+          </a:p>
+        </p:txBody>
+      </p:sp>
+      <p:sp>
+        <p:nvSpPr>
+          <p:cNvPr id="10" name="Rectangle 9"/>
+          <p:cNvSpPr/>
+          <p:nvPr/>
+        </p:nvSpPr>
+        <p:spPr>
+          <a:xfrm>
+            <a:off x="457201" y="1750564"/>
+            <a:ext cx="4039644" cy="3970318"/>
+          </a:xfrm>
+          <a:prstGeom prst="rect">
+            <a:avLst/>
+          </a:prstGeom>
+        </p:spPr>
+        <p:style>
+          <a:lnRef idx="3">
+            <a:schemeClr val="lt1"/>
+          </a:lnRef>
+          <a:fillRef idx="1">
+            <a:schemeClr val="dk1"/>
+          </a:fillRef>
+          <a:effectRef idx="1">
+            <a:schemeClr val="dk1"/>
+          </a:effectRef>
+          <a:fontRef idx="minor">
+            <a:schemeClr val="lt1"/>
+          </a:fontRef>
+        </p:style>
+        <p:txBody>
+          <a:bodyPr wrap="square" rtlCol="0" anchor="t">
+            <a:spAutoFit/>
+          </a:bodyPr>
+          <a:lstStyle/>
+          <a:p>
+            <a:r>
+              <a:rPr lang="en-US" sz="1050" dirty="0">
+                <a:solidFill>
+                  <a:srgbClr val="92D050"/>
+                </a:solidFill>
+                <a:latin typeface="Courier New" panose="02070309020205020404" pitchFamily="49" charset="0"/>
+                <a:cs typeface="Courier New" panose="02070309020205020404" pitchFamily="49" charset="0"/>
+              </a:rPr>
+              <a:t>package </a:t>
+            </a:r>
+            <a:r>
+              <a:rPr lang="en-US" sz="1050" dirty="0" err="1">
+                <a:solidFill>
+                  <a:srgbClr val="92D050"/>
+                </a:solidFill>
+                <a:latin typeface="Courier New" panose="02070309020205020404" pitchFamily="49" charset="0"/>
+                <a:cs typeface="Courier New" panose="02070309020205020404" pitchFamily="49" charset="0"/>
+              </a:rPr>
+              <a:t>rootbeer.examples.arraysum</a:t>
+            </a:r>
+            <a:r>
+              <a:rPr lang="en-US" sz="1050" dirty="0">
+                <a:solidFill>
+                  <a:srgbClr val="92D050"/>
+                </a:solidFill>
+                <a:latin typeface="Courier New" panose="02070309020205020404" pitchFamily="49" charset="0"/>
+                <a:cs typeface="Courier New" panose="02070309020205020404" pitchFamily="49" charset="0"/>
+              </a:rPr>
+              <a:t>;</a:t>
+            </a:r>
+          </a:p>
+          <a:p>
+            <a:endParaRPr lang="en-US" sz="1050" dirty="0">
+              <a:solidFill>
+                <a:srgbClr val="92D050"/>
+              </a:solidFill>
+              <a:latin typeface="Courier New" panose="02070309020205020404" pitchFamily="49" charset="0"/>
+              <a:cs typeface="Courier New" panose="02070309020205020404" pitchFamily="49" charset="0"/>
+            </a:endParaRPr>
+          </a:p>
+          <a:p>
+            <a:r>
+              <a:rPr lang="en-US" sz="1050" dirty="0">
+                <a:solidFill>
+                  <a:srgbClr val="92D050"/>
+                </a:solidFill>
+                <a:latin typeface="Courier New" panose="02070309020205020404" pitchFamily="49" charset="0"/>
+                <a:cs typeface="Courier New" panose="02070309020205020404" pitchFamily="49" charset="0"/>
+              </a:rPr>
+              <a:t>import </a:t>
+            </a:r>
+            <a:r>
+              <a:rPr lang="en-US" sz="1050" dirty="0" err="1">
+                <a:solidFill>
+                  <a:srgbClr val="92D050"/>
+                </a:solidFill>
+                <a:latin typeface="Courier New" panose="02070309020205020404" pitchFamily="49" charset="0"/>
+                <a:cs typeface="Courier New" panose="02070309020205020404" pitchFamily="49" charset="0"/>
+              </a:rPr>
+              <a:t>java.util.List</a:t>
+            </a:r>
+            <a:r>
+              <a:rPr lang="en-US" sz="1050" dirty="0">
+                <a:solidFill>
+                  <a:srgbClr val="92D050"/>
+                </a:solidFill>
+                <a:latin typeface="Courier New" panose="02070309020205020404" pitchFamily="49" charset="0"/>
+                <a:cs typeface="Courier New" panose="02070309020205020404" pitchFamily="49" charset="0"/>
+              </a:rPr>
+              <a:t>;</a:t>
+            </a:r>
+          </a:p>
+          <a:p>
+            <a:r>
+              <a:rPr lang="en-US" sz="1050" dirty="0">
+                <a:solidFill>
+                  <a:srgbClr val="92D050"/>
+                </a:solidFill>
+                <a:latin typeface="Courier New" panose="02070309020205020404" pitchFamily="49" charset="0"/>
+                <a:cs typeface="Courier New" panose="02070309020205020404" pitchFamily="49" charset="0"/>
+              </a:rPr>
+              <a:t>import </a:t>
+            </a:r>
+            <a:r>
+              <a:rPr lang="en-US" sz="1050" dirty="0" err="1">
+                <a:solidFill>
+                  <a:srgbClr val="92D050"/>
+                </a:solidFill>
+                <a:latin typeface="Courier New" panose="02070309020205020404" pitchFamily="49" charset="0"/>
+                <a:cs typeface="Courier New" panose="02070309020205020404" pitchFamily="49" charset="0"/>
+              </a:rPr>
+              <a:t>java.util.ArrayList</a:t>
+            </a:r>
+            <a:r>
+              <a:rPr lang="en-US" sz="1050" dirty="0">
+                <a:solidFill>
+                  <a:srgbClr val="92D050"/>
+                </a:solidFill>
+                <a:latin typeface="Courier New" panose="02070309020205020404" pitchFamily="49" charset="0"/>
+                <a:cs typeface="Courier New" panose="02070309020205020404" pitchFamily="49" charset="0"/>
+              </a:rPr>
+              <a:t>;</a:t>
+            </a:r>
+          </a:p>
+          <a:p>
+            <a:r>
+              <a:rPr lang="en-US" sz="1050" b="1" i="1" dirty="0">
+                <a:solidFill>
+                  <a:schemeClr val="accent1"/>
+                </a:solidFill>
+                <a:latin typeface="Courier New" panose="02070309020205020404" pitchFamily="49" charset="0"/>
+                <a:cs typeface="Courier New" panose="02070309020205020404" pitchFamily="49" charset="0"/>
+              </a:rPr>
+              <a:t>import </a:t>
+            </a:r>
+            <a:r>
+              <a:rPr lang="en-US" sz="1050" b="1" i="1" dirty="0" err="1">
+                <a:solidFill>
+                  <a:schemeClr val="accent1"/>
+                </a:solidFill>
+                <a:latin typeface="Courier New" panose="02070309020205020404" pitchFamily="49" charset="0"/>
+                <a:cs typeface="Courier New" panose="02070309020205020404" pitchFamily="49" charset="0"/>
+              </a:rPr>
+              <a:t>org.trifort.rootbeer.runtime.Kernel</a:t>
+            </a:r>
+            <a:r>
+              <a:rPr lang="en-US" sz="1050" b="1" i="1" dirty="0">
+                <a:solidFill>
+                  <a:schemeClr val="accent1"/>
+                </a:solidFill>
+                <a:latin typeface="Courier New" panose="02070309020205020404" pitchFamily="49" charset="0"/>
+                <a:cs typeface="Courier New" panose="02070309020205020404" pitchFamily="49" charset="0"/>
+              </a:rPr>
+              <a:t>;</a:t>
+            </a:r>
+          </a:p>
+          <a:p>
+            <a:endParaRPr lang="en-US" sz="1050" dirty="0">
+              <a:solidFill>
+                <a:srgbClr val="92D050"/>
+              </a:solidFill>
+              <a:latin typeface="Courier New" panose="02070309020205020404" pitchFamily="49" charset="0"/>
+              <a:cs typeface="Courier New" panose="02070309020205020404" pitchFamily="49" charset="0"/>
+            </a:endParaRPr>
+          </a:p>
+          <a:p>
+            <a:r>
+              <a:rPr lang="en-US" sz="1050" dirty="0">
+                <a:solidFill>
+                  <a:srgbClr val="92D050"/>
+                </a:solidFill>
+                <a:latin typeface="Courier New" panose="02070309020205020404" pitchFamily="49" charset="0"/>
+                <a:cs typeface="Courier New" panose="02070309020205020404" pitchFamily="49" charset="0"/>
+              </a:rPr>
+              <a:t>public class </a:t>
+            </a:r>
+            <a:r>
+              <a:rPr lang="en-US" sz="1050" dirty="0" err="1">
+                <a:solidFill>
+                  <a:srgbClr val="92D050"/>
+                </a:solidFill>
+                <a:latin typeface="Courier New" panose="02070309020205020404" pitchFamily="49" charset="0"/>
+                <a:cs typeface="Courier New" panose="02070309020205020404" pitchFamily="49" charset="0"/>
+              </a:rPr>
+              <a:t>ArraySum</a:t>
+            </a:r>
+            <a:r>
+              <a:rPr lang="en-US" sz="1050" dirty="0">
+                <a:solidFill>
+                  <a:srgbClr val="92D050"/>
+                </a:solidFill>
+                <a:latin typeface="Courier New" panose="02070309020205020404" pitchFamily="49" charset="0"/>
+                <a:cs typeface="Courier New" panose="02070309020205020404" pitchFamily="49" charset="0"/>
+              </a:rPr>
+              <a:t> </a:t>
+            </a:r>
+            <a:r>
+              <a:rPr lang="en-US" sz="1050" b="1" i="1" dirty="0">
+                <a:solidFill>
+                  <a:schemeClr val="accent1"/>
+                </a:solidFill>
+                <a:latin typeface="Courier New" panose="02070309020205020404" pitchFamily="49" charset="0"/>
+                <a:cs typeface="Courier New" panose="02070309020205020404" pitchFamily="49" charset="0"/>
+              </a:rPr>
+              <a:t>implements Kernel </a:t>
+            </a:r>
+            <a:r>
+              <a:rPr lang="en-US" sz="1050" dirty="0">
+                <a:solidFill>
+                  <a:srgbClr val="92D050"/>
+                </a:solidFill>
+                <a:latin typeface="Courier New" panose="02070309020205020404" pitchFamily="49" charset="0"/>
+                <a:cs typeface="Courier New" panose="02070309020205020404" pitchFamily="49" charset="0"/>
+              </a:rPr>
+              <a:t>{</a:t>
+            </a:r>
+          </a:p>
+          <a:p>
+            <a:r>
+              <a:rPr lang="en-US" sz="1050" dirty="0">
+                <a:solidFill>
+                  <a:srgbClr val="92D050"/>
+                </a:solidFill>
+                <a:latin typeface="Courier New" panose="02070309020205020404" pitchFamily="49" charset="0"/>
+                <a:cs typeface="Courier New" panose="02070309020205020404" pitchFamily="49" charset="0"/>
+              </a:rPr>
+              <a:t>  </a:t>
+            </a:r>
+          </a:p>
+          <a:p>
+            <a:r>
+              <a:rPr lang="en-US" sz="1050" dirty="0">
+                <a:solidFill>
+                  <a:srgbClr val="92D050"/>
+                </a:solidFill>
+                <a:latin typeface="Courier New" panose="02070309020205020404" pitchFamily="49" charset="0"/>
+                <a:cs typeface="Courier New" panose="02070309020205020404" pitchFamily="49" charset="0"/>
+              </a:rPr>
+              <a:t>  private </a:t>
+            </a:r>
+            <a:r>
+              <a:rPr lang="en-US" sz="1050" dirty="0" err="1">
+                <a:solidFill>
+                  <a:srgbClr val="92D050"/>
+                </a:solidFill>
+                <a:latin typeface="Courier New" panose="02070309020205020404" pitchFamily="49" charset="0"/>
+                <a:cs typeface="Courier New" panose="02070309020205020404" pitchFamily="49" charset="0"/>
+              </a:rPr>
+              <a:t>int</a:t>
+            </a:r>
+            <a:r>
+              <a:rPr lang="en-US" sz="1050" dirty="0">
+                <a:solidFill>
+                  <a:srgbClr val="92D050"/>
+                </a:solidFill>
+                <a:latin typeface="Courier New" panose="02070309020205020404" pitchFamily="49" charset="0"/>
+                <a:cs typeface="Courier New" panose="02070309020205020404" pitchFamily="49" charset="0"/>
+              </a:rPr>
+              <a:t>[] source; </a:t>
+            </a:r>
+          </a:p>
+          <a:p>
+            <a:r>
+              <a:rPr lang="en-US" sz="1050" dirty="0">
+                <a:solidFill>
+                  <a:srgbClr val="92D050"/>
+                </a:solidFill>
+                <a:latin typeface="Courier New" panose="02070309020205020404" pitchFamily="49" charset="0"/>
+                <a:cs typeface="Courier New" panose="02070309020205020404" pitchFamily="49" charset="0"/>
+              </a:rPr>
+              <a:t>  private </a:t>
+            </a:r>
+            <a:r>
+              <a:rPr lang="en-US" sz="1050" dirty="0" err="1">
+                <a:solidFill>
+                  <a:srgbClr val="92D050"/>
+                </a:solidFill>
+                <a:latin typeface="Courier New" panose="02070309020205020404" pitchFamily="49" charset="0"/>
+                <a:cs typeface="Courier New" panose="02070309020205020404" pitchFamily="49" charset="0"/>
+              </a:rPr>
+              <a:t>int</a:t>
+            </a:r>
+            <a:r>
+              <a:rPr lang="en-US" sz="1050" dirty="0">
+                <a:solidFill>
+                  <a:srgbClr val="92D050"/>
+                </a:solidFill>
+                <a:latin typeface="Courier New" panose="02070309020205020404" pitchFamily="49" charset="0"/>
+                <a:cs typeface="Courier New" panose="02070309020205020404" pitchFamily="49" charset="0"/>
+              </a:rPr>
+              <a:t>[] ret; </a:t>
+            </a:r>
+          </a:p>
+          <a:p>
+            <a:r>
+              <a:rPr lang="en-US" sz="1050" dirty="0">
+                <a:solidFill>
+                  <a:srgbClr val="92D050"/>
+                </a:solidFill>
+                <a:latin typeface="Courier New" panose="02070309020205020404" pitchFamily="49" charset="0"/>
+                <a:cs typeface="Courier New" panose="02070309020205020404" pitchFamily="49" charset="0"/>
+              </a:rPr>
+              <a:t>  private </a:t>
+            </a:r>
+            <a:r>
+              <a:rPr lang="en-US" sz="1050" dirty="0" err="1">
+                <a:solidFill>
+                  <a:srgbClr val="92D050"/>
+                </a:solidFill>
+                <a:latin typeface="Courier New" panose="02070309020205020404" pitchFamily="49" charset="0"/>
+                <a:cs typeface="Courier New" panose="02070309020205020404" pitchFamily="49" charset="0"/>
+              </a:rPr>
+              <a:t>int</a:t>
+            </a:r>
+            <a:r>
+              <a:rPr lang="en-US" sz="1050" dirty="0">
+                <a:solidFill>
+                  <a:srgbClr val="92D050"/>
+                </a:solidFill>
+                <a:latin typeface="Courier New" panose="02070309020205020404" pitchFamily="49" charset="0"/>
+                <a:cs typeface="Courier New" panose="02070309020205020404" pitchFamily="49" charset="0"/>
+              </a:rPr>
+              <a:t> index;</a:t>
+            </a:r>
+          </a:p>
+          <a:p>
+            <a:r>
+              <a:rPr lang="en-US" sz="1050" dirty="0">
+                <a:solidFill>
+                  <a:srgbClr val="92D050"/>
+                </a:solidFill>
+                <a:latin typeface="Courier New" panose="02070309020205020404" pitchFamily="49" charset="0"/>
+                <a:cs typeface="Courier New" panose="02070309020205020404" pitchFamily="49" charset="0"/>
+              </a:rPr>
+              <a:t>  </a:t>
+            </a:r>
+          </a:p>
+          <a:p>
+            <a:r>
+              <a:rPr lang="en-US" sz="1050" dirty="0">
+                <a:solidFill>
+                  <a:srgbClr val="92D050"/>
+                </a:solidFill>
+                <a:latin typeface="Courier New" panose="02070309020205020404" pitchFamily="49" charset="0"/>
+                <a:cs typeface="Courier New" panose="02070309020205020404" pitchFamily="49" charset="0"/>
+              </a:rPr>
+              <a:t>  public </a:t>
+            </a:r>
+            <a:r>
+              <a:rPr lang="en-US" sz="1050" dirty="0" err="1">
+                <a:solidFill>
+                  <a:srgbClr val="92D050"/>
+                </a:solidFill>
+                <a:latin typeface="Courier New" panose="02070309020205020404" pitchFamily="49" charset="0"/>
+                <a:cs typeface="Courier New" panose="02070309020205020404" pitchFamily="49" charset="0"/>
+              </a:rPr>
+              <a:t>ArraySum</a:t>
+            </a:r>
+            <a:r>
+              <a:rPr lang="en-US" sz="1050" dirty="0">
+                <a:solidFill>
+                  <a:srgbClr val="92D050"/>
+                </a:solidFill>
+                <a:latin typeface="Courier New" panose="02070309020205020404" pitchFamily="49" charset="0"/>
+                <a:cs typeface="Courier New" panose="02070309020205020404" pitchFamily="49" charset="0"/>
+              </a:rPr>
+              <a:t> (</a:t>
+            </a:r>
+            <a:r>
+              <a:rPr lang="en-US" sz="1050" dirty="0" err="1">
+                <a:solidFill>
+                  <a:srgbClr val="92D050"/>
+                </a:solidFill>
+                <a:latin typeface="Courier New" panose="02070309020205020404" pitchFamily="49" charset="0"/>
+                <a:cs typeface="Courier New" panose="02070309020205020404" pitchFamily="49" charset="0"/>
+              </a:rPr>
+              <a:t>int</a:t>
+            </a:r>
+            <a:r>
+              <a:rPr lang="en-US" sz="1050" dirty="0">
+                <a:solidFill>
+                  <a:srgbClr val="92D050"/>
+                </a:solidFill>
+                <a:latin typeface="Courier New" panose="02070309020205020404" pitchFamily="49" charset="0"/>
+                <a:cs typeface="Courier New" panose="02070309020205020404" pitchFamily="49" charset="0"/>
+              </a:rPr>
+              <a:t>[] </a:t>
+            </a:r>
+            <a:r>
+              <a:rPr lang="en-US" sz="1050" dirty="0" err="1">
+                <a:solidFill>
+                  <a:srgbClr val="92D050"/>
+                </a:solidFill>
+                <a:latin typeface="Courier New" panose="02070309020205020404" pitchFamily="49" charset="0"/>
+                <a:cs typeface="Courier New" panose="02070309020205020404" pitchFamily="49" charset="0"/>
+              </a:rPr>
+              <a:t>src</a:t>
+            </a:r>
+            <a:r>
+              <a:rPr lang="en-US" sz="1050" dirty="0">
+                <a:solidFill>
+                  <a:srgbClr val="92D050"/>
+                </a:solidFill>
+                <a:latin typeface="Courier New" panose="02070309020205020404" pitchFamily="49" charset="0"/>
+                <a:cs typeface="Courier New" panose="02070309020205020404" pitchFamily="49" charset="0"/>
+              </a:rPr>
+              <a:t>, </a:t>
+            </a:r>
+            <a:r>
+              <a:rPr lang="en-US" sz="1050" dirty="0" err="1">
+                <a:solidFill>
+                  <a:srgbClr val="92D050"/>
+                </a:solidFill>
+                <a:latin typeface="Courier New" panose="02070309020205020404" pitchFamily="49" charset="0"/>
+                <a:cs typeface="Courier New" panose="02070309020205020404" pitchFamily="49" charset="0"/>
+              </a:rPr>
+              <a:t>int</a:t>
+            </a:r>
+            <a:r>
+              <a:rPr lang="en-US" sz="1050" dirty="0">
+                <a:solidFill>
+                  <a:srgbClr val="92D050"/>
+                </a:solidFill>
+                <a:latin typeface="Courier New" panose="02070309020205020404" pitchFamily="49" charset="0"/>
+                <a:cs typeface="Courier New" panose="02070309020205020404" pitchFamily="49" charset="0"/>
+              </a:rPr>
+              <a:t>[] </a:t>
+            </a:r>
+            <a:r>
+              <a:rPr lang="en-US" sz="1050" dirty="0" err="1">
+                <a:solidFill>
+                  <a:srgbClr val="92D050"/>
+                </a:solidFill>
+                <a:latin typeface="Courier New" panose="02070309020205020404" pitchFamily="49" charset="0"/>
+                <a:cs typeface="Courier New" panose="02070309020205020404" pitchFamily="49" charset="0"/>
+              </a:rPr>
+              <a:t>dst</a:t>
+            </a:r>
+            <a:r>
+              <a:rPr lang="en-US" sz="1050" dirty="0">
+                <a:solidFill>
+                  <a:srgbClr val="92D050"/>
+                </a:solidFill>
+                <a:latin typeface="Courier New" panose="02070309020205020404" pitchFamily="49" charset="0"/>
+                <a:cs typeface="Courier New" panose="02070309020205020404" pitchFamily="49" charset="0"/>
+              </a:rPr>
+              <a:t>, </a:t>
+            </a:r>
+            <a:r>
+              <a:rPr lang="en-US" sz="1050" dirty="0" err="1">
+                <a:solidFill>
+                  <a:srgbClr val="92D050"/>
+                </a:solidFill>
+                <a:latin typeface="Courier New" panose="02070309020205020404" pitchFamily="49" charset="0"/>
+                <a:cs typeface="Courier New" panose="02070309020205020404" pitchFamily="49" charset="0"/>
+              </a:rPr>
+              <a:t>int</a:t>
+            </a:r>
+            <a:r>
+              <a:rPr lang="en-US" sz="1050" dirty="0">
+                <a:solidFill>
+                  <a:srgbClr val="92D050"/>
+                </a:solidFill>
+                <a:latin typeface="Courier New" panose="02070309020205020404" pitchFamily="49" charset="0"/>
+                <a:cs typeface="Courier New" panose="02070309020205020404" pitchFamily="49" charset="0"/>
+              </a:rPr>
+              <a:t> </a:t>
+            </a:r>
+            <a:r>
+              <a:rPr lang="en-US" sz="1050" dirty="0" err="1">
+                <a:solidFill>
+                  <a:srgbClr val="92D050"/>
+                </a:solidFill>
+                <a:latin typeface="Courier New" panose="02070309020205020404" pitchFamily="49" charset="0"/>
+                <a:cs typeface="Courier New" panose="02070309020205020404" pitchFamily="49" charset="0"/>
+              </a:rPr>
+              <a:t>i</a:t>
+            </a:r>
+            <a:r>
+              <a:rPr lang="en-US" sz="1050" dirty="0">
+                <a:solidFill>
+                  <a:srgbClr val="92D050"/>
+                </a:solidFill>
+                <a:latin typeface="Courier New" panose="02070309020205020404" pitchFamily="49" charset="0"/>
+                <a:cs typeface="Courier New" panose="02070309020205020404" pitchFamily="49" charset="0"/>
+              </a:rPr>
+              <a:t>){</a:t>
+            </a:r>
+          </a:p>
+          <a:p>
+            <a:r>
+              <a:rPr lang="en-US" sz="1050" dirty="0">
+                <a:solidFill>
+                  <a:srgbClr val="92D050"/>
+                </a:solidFill>
+                <a:latin typeface="Courier New" panose="02070309020205020404" pitchFamily="49" charset="0"/>
+                <a:cs typeface="Courier New" panose="02070309020205020404" pitchFamily="49" charset="0"/>
+              </a:rPr>
+              <a:t>    source = </a:t>
+            </a:r>
+            <a:r>
+              <a:rPr lang="en-US" sz="1050" dirty="0" err="1">
+                <a:solidFill>
+                  <a:srgbClr val="92D050"/>
+                </a:solidFill>
+                <a:latin typeface="Courier New" panose="02070309020205020404" pitchFamily="49" charset="0"/>
+                <a:cs typeface="Courier New" panose="02070309020205020404" pitchFamily="49" charset="0"/>
+              </a:rPr>
+              <a:t>src</a:t>
+            </a:r>
+            <a:r>
+              <a:rPr lang="en-US" sz="1050" dirty="0">
+                <a:solidFill>
+                  <a:srgbClr val="92D050"/>
+                </a:solidFill>
+                <a:latin typeface="Courier New" panose="02070309020205020404" pitchFamily="49" charset="0"/>
+                <a:cs typeface="Courier New" panose="02070309020205020404" pitchFamily="49" charset="0"/>
+              </a:rPr>
+              <a:t>; ret = </a:t>
+            </a:r>
+            <a:r>
+              <a:rPr lang="en-US" sz="1050" dirty="0" err="1">
+                <a:solidFill>
+                  <a:srgbClr val="92D050"/>
+                </a:solidFill>
+                <a:latin typeface="Courier New" panose="02070309020205020404" pitchFamily="49" charset="0"/>
+                <a:cs typeface="Courier New" panose="02070309020205020404" pitchFamily="49" charset="0"/>
+              </a:rPr>
+              <a:t>dst</a:t>
+            </a:r>
+            <a:r>
+              <a:rPr lang="en-US" sz="1050" dirty="0">
+                <a:solidFill>
+                  <a:srgbClr val="92D050"/>
+                </a:solidFill>
+                <a:latin typeface="Courier New" panose="02070309020205020404" pitchFamily="49" charset="0"/>
+                <a:cs typeface="Courier New" panose="02070309020205020404" pitchFamily="49" charset="0"/>
+              </a:rPr>
+              <a:t>; index = </a:t>
+            </a:r>
+            <a:r>
+              <a:rPr lang="en-US" sz="1050" dirty="0" err="1">
+                <a:solidFill>
+                  <a:srgbClr val="92D050"/>
+                </a:solidFill>
+                <a:latin typeface="Courier New" panose="02070309020205020404" pitchFamily="49" charset="0"/>
+                <a:cs typeface="Courier New" panose="02070309020205020404" pitchFamily="49" charset="0"/>
+              </a:rPr>
+              <a:t>i</a:t>
+            </a:r>
+            <a:r>
+              <a:rPr lang="en-US" sz="1050" dirty="0">
+                <a:solidFill>
+                  <a:srgbClr val="92D050"/>
+                </a:solidFill>
+                <a:latin typeface="Courier New" panose="02070309020205020404" pitchFamily="49" charset="0"/>
+                <a:cs typeface="Courier New" panose="02070309020205020404" pitchFamily="49" charset="0"/>
+              </a:rPr>
+              <a:t>;</a:t>
+            </a:r>
+          </a:p>
+          <a:p>
+            <a:r>
+              <a:rPr lang="en-US" sz="1050" dirty="0">
+                <a:solidFill>
+                  <a:srgbClr val="92D050"/>
+                </a:solidFill>
+                <a:latin typeface="Courier New" panose="02070309020205020404" pitchFamily="49" charset="0"/>
+                <a:cs typeface="Courier New" panose="02070309020205020404" pitchFamily="49" charset="0"/>
+              </a:rPr>
+              <a:t>  }</a:t>
+            </a:r>
+          </a:p>
+          <a:p>
+            <a:r>
+              <a:rPr lang="en-US" sz="1050" dirty="0">
+                <a:solidFill>
+                  <a:srgbClr val="92D050"/>
+                </a:solidFill>
+                <a:latin typeface="Courier New" panose="02070309020205020404" pitchFamily="49" charset="0"/>
+                <a:cs typeface="Courier New" panose="02070309020205020404" pitchFamily="49" charset="0"/>
+              </a:rPr>
+              <a:t>  </a:t>
+            </a:r>
+          </a:p>
+          <a:p>
+            <a:r>
+              <a:rPr lang="en-US" sz="1050" dirty="0">
+                <a:solidFill>
+                  <a:srgbClr val="92D050"/>
+                </a:solidFill>
+                <a:latin typeface="Courier New" panose="02070309020205020404" pitchFamily="49" charset="0"/>
+                <a:cs typeface="Courier New" panose="02070309020205020404" pitchFamily="49" charset="0"/>
+              </a:rPr>
+              <a:t>  </a:t>
+            </a:r>
+            <a:r>
+              <a:rPr lang="en-US" sz="1050" b="1" i="1" dirty="0">
+                <a:solidFill>
+                  <a:schemeClr val="accent1"/>
+                </a:solidFill>
+                <a:latin typeface="Courier New" panose="02070309020205020404" pitchFamily="49" charset="0"/>
+                <a:cs typeface="Courier New" panose="02070309020205020404" pitchFamily="49" charset="0"/>
+              </a:rPr>
+              <a:t>public void </a:t>
+            </a:r>
+            <a:r>
+              <a:rPr lang="en-US" sz="1050" b="1" i="1" dirty="0" err="1">
+                <a:solidFill>
+                  <a:schemeClr val="accent1"/>
+                </a:solidFill>
+                <a:latin typeface="Courier New" panose="02070309020205020404" pitchFamily="49" charset="0"/>
+                <a:cs typeface="Courier New" panose="02070309020205020404" pitchFamily="49" charset="0"/>
+              </a:rPr>
+              <a:t>gpuMethod</a:t>
+            </a:r>
+            <a:r>
+              <a:rPr lang="en-US" sz="1050" b="1" i="1" dirty="0">
+                <a:solidFill>
+                  <a:schemeClr val="accent1"/>
+                </a:solidFill>
+                <a:latin typeface="Courier New" panose="02070309020205020404" pitchFamily="49" charset="0"/>
+                <a:cs typeface="Courier New" panose="02070309020205020404" pitchFamily="49" charset="0"/>
+              </a:rPr>
+              <a:t>(){</a:t>
+            </a:r>
+          </a:p>
+          <a:p>
+            <a:r>
+              <a:rPr lang="en-US" sz="1050" dirty="0">
+                <a:solidFill>
+                  <a:srgbClr val="92D050"/>
+                </a:solidFill>
+                <a:latin typeface="Courier New" panose="02070309020205020404" pitchFamily="49" charset="0"/>
+                <a:cs typeface="Courier New" panose="02070309020205020404" pitchFamily="49" charset="0"/>
+              </a:rPr>
+              <a:t>    </a:t>
+            </a:r>
+            <a:r>
+              <a:rPr lang="en-US" sz="1050" dirty="0" err="1">
+                <a:solidFill>
+                  <a:srgbClr val="92D050"/>
+                </a:solidFill>
+                <a:latin typeface="Courier New" panose="02070309020205020404" pitchFamily="49" charset="0"/>
+                <a:cs typeface="Courier New" panose="02070309020205020404" pitchFamily="49" charset="0"/>
+              </a:rPr>
+              <a:t>int</a:t>
+            </a:r>
+            <a:r>
+              <a:rPr lang="en-US" sz="1050" dirty="0">
+                <a:solidFill>
+                  <a:srgbClr val="92D050"/>
+                </a:solidFill>
+                <a:latin typeface="Courier New" panose="02070309020205020404" pitchFamily="49" charset="0"/>
+                <a:cs typeface="Courier New" panose="02070309020205020404" pitchFamily="49" charset="0"/>
+              </a:rPr>
+              <a:t> sum = 0;</a:t>
+            </a:r>
+          </a:p>
+          <a:p>
+            <a:r>
+              <a:rPr lang="en-US" sz="1050" dirty="0">
+                <a:solidFill>
+                  <a:srgbClr val="92D050"/>
+                </a:solidFill>
+                <a:latin typeface="Courier New" panose="02070309020205020404" pitchFamily="49" charset="0"/>
+                <a:cs typeface="Courier New" panose="02070309020205020404" pitchFamily="49" charset="0"/>
+              </a:rPr>
+              <a:t>    for(</a:t>
+            </a:r>
+            <a:r>
+              <a:rPr lang="en-US" sz="1050" dirty="0" err="1">
+                <a:solidFill>
+                  <a:srgbClr val="92D050"/>
+                </a:solidFill>
+                <a:latin typeface="Courier New" panose="02070309020205020404" pitchFamily="49" charset="0"/>
+                <a:cs typeface="Courier New" panose="02070309020205020404" pitchFamily="49" charset="0"/>
+              </a:rPr>
+              <a:t>int</a:t>
+            </a:r>
+            <a:r>
+              <a:rPr lang="en-US" sz="1050" dirty="0">
+                <a:solidFill>
+                  <a:srgbClr val="92D050"/>
+                </a:solidFill>
+                <a:latin typeface="Courier New" panose="02070309020205020404" pitchFamily="49" charset="0"/>
+                <a:cs typeface="Courier New" panose="02070309020205020404" pitchFamily="49" charset="0"/>
+              </a:rPr>
+              <a:t> </a:t>
+            </a:r>
+            <a:r>
+              <a:rPr lang="en-US" sz="1050" dirty="0" err="1">
+                <a:solidFill>
+                  <a:srgbClr val="92D050"/>
+                </a:solidFill>
+                <a:latin typeface="Courier New" panose="02070309020205020404" pitchFamily="49" charset="0"/>
+                <a:cs typeface="Courier New" panose="02070309020205020404" pitchFamily="49" charset="0"/>
+              </a:rPr>
+              <a:t>i</a:t>
+            </a:r>
+            <a:r>
+              <a:rPr lang="en-US" sz="1050" dirty="0">
+                <a:solidFill>
+                  <a:srgbClr val="92D050"/>
+                </a:solidFill>
+                <a:latin typeface="Courier New" panose="02070309020205020404" pitchFamily="49" charset="0"/>
+                <a:cs typeface="Courier New" panose="02070309020205020404" pitchFamily="49" charset="0"/>
+              </a:rPr>
+              <a:t> = 0; </a:t>
+            </a:r>
+            <a:r>
+              <a:rPr lang="en-US" sz="1050" dirty="0" err="1">
+                <a:solidFill>
+                  <a:srgbClr val="92D050"/>
+                </a:solidFill>
+                <a:latin typeface="Courier New" panose="02070309020205020404" pitchFamily="49" charset="0"/>
+                <a:cs typeface="Courier New" panose="02070309020205020404" pitchFamily="49" charset="0"/>
+              </a:rPr>
+              <a:t>i</a:t>
+            </a:r>
+            <a:r>
+              <a:rPr lang="en-US" sz="1050" dirty="0">
+                <a:solidFill>
+                  <a:srgbClr val="92D050"/>
+                </a:solidFill>
+                <a:latin typeface="Courier New" panose="02070309020205020404" pitchFamily="49" charset="0"/>
+                <a:cs typeface="Courier New" panose="02070309020205020404" pitchFamily="49" charset="0"/>
+              </a:rPr>
+              <a:t> &lt; </a:t>
+            </a:r>
+            <a:r>
+              <a:rPr lang="en-US" sz="1050" dirty="0" err="1">
+                <a:solidFill>
+                  <a:srgbClr val="92D050"/>
+                </a:solidFill>
+                <a:latin typeface="Courier New" panose="02070309020205020404" pitchFamily="49" charset="0"/>
+                <a:cs typeface="Courier New" panose="02070309020205020404" pitchFamily="49" charset="0"/>
+              </a:rPr>
+              <a:t>source.length</a:t>
+            </a:r>
+            <a:r>
+              <a:rPr lang="en-US" sz="1050" dirty="0">
+                <a:solidFill>
+                  <a:srgbClr val="92D050"/>
+                </a:solidFill>
+                <a:latin typeface="Courier New" panose="02070309020205020404" pitchFamily="49" charset="0"/>
+                <a:cs typeface="Courier New" panose="02070309020205020404" pitchFamily="49" charset="0"/>
+              </a:rPr>
+              <a:t>; ++</a:t>
+            </a:r>
+            <a:r>
+              <a:rPr lang="en-US" sz="1050" dirty="0" err="1">
+                <a:solidFill>
+                  <a:srgbClr val="92D050"/>
+                </a:solidFill>
+                <a:latin typeface="Courier New" panose="02070309020205020404" pitchFamily="49" charset="0"/>
+                <a:cs typeface="Courier New" panose="02070309020205020404" pitchFamily="49" charset="0"/>
+              </a:rPr>
+              <a:t>i</a:t>
+            </a:r>
+            <a:r>
+              <a:rPr lang="en-US" sz="1050" dirty="0">
+                <a:solidFill>
+                  <a:srgbClr val="92D050"/>
+                </a:solidFill>
+                <a:latin typeface="Courier New" panose="02070309020205020404" pitchFamily="49" charset="0"/>
+                <a:cs typeface="Courier New" panose="02070309020205020404" pitchFamily="49" charset="0"/>
+              </a:rPr>
+              <a:t>){</a:t>
+            </a:r>
+          </a:p>
+          <a:p>
+            <a:r>
+              <a:rPr lang="en-US" sz="1050" dirty="0">
+                <a:solidFill>
+                  <a:srgbClr val="92D050"/>
+                </a:solidFill>
+                <a:latin typeface="Courier New" panose="02070309020205020404" pitchFamily="49" charset="0"/>
+                <a:cs typeface="Courier New" panose="02070309020205020404" pitchFamily="49" charset="0"/>
+              </a:rPr>
+              <a:t>      sum += source[</a:t>
+            </a:r>
+            <a:r>
+              <a:rPr lang="en-US" sz="1050" dirty="0" err="1">
+                <a:solidFill>
+                  <a:srgbClr val="92D050"/>
+                </a:solidFill>
+                <a:latin typeface="Courier New" panose="02070309020205020404" pitchFamily="49" charset="0"/>
+                <a:cs typeface="Courier New" panose="02070309020205020404" pitchFamily="49" charset="0"/>
+              </a:rPr>
+              <a:t>i</a:t>
+            </a:r>
+            <a:r>
+              <a:rPr lang="en-US" sz="1050" dirty="0">
+                <a:solidFill>
+                  <a:srgbClr val="92D050"/>
+                </a:solidFill>
+                <a:latin typeface="Courier New" panose="02070309020205020404" pitchFamily="49" charset="0"/>
+                <a:cs typeface="Courier New" panose="02070309020205020404" pitchFamily="49" charset="0"/>
+              </a:rPr>
+              <a:t>];</a:t>
+            </a:r>
+          </a:p>
+          <a:p>
+            <a:r>
+              <a:rPr lang="en-US" sz="1050" dirty="0">
+                <a:solidFill>
+                  <a:srgbClr val="92D050"/>
+                </a:solidFill>
+                <a:latin typeface="Courier New" panose="02070309020205020404" pitchFamily="49" charset="0"/>
+                <a:cs typeface="Courier New" panose="02070309020205020404" pitchFamily="49" charset="0"/>
+              </a:rPr>
+              <a:t>    }</a:t>
+            </a:r>
+          </a:p>
+          <a:p>
+            <a:r>
+              <a:rPr lang="en-US" sz="1050" dirty="0">
+                <a:solidFill>
+                  <a:srgbClr val="92D050"/>
+                </a:solidFill>
+                <a:latin typeface="Courier New" panose="02070309020205020404" pitchFamily="49" charset="0"/>
+                <a:cs typeface="Courier New" panose="02070309020205020404" pitchFamily="49" charset="0"/>
+              </a:rPr>
+              <a:t>    ret[index] = sum;</a:t>
+            </a:r>
+          </a:p>
+          <a:p>
+            <a:r>
+              <a:rPr lang="en-US" sz="1050" dirty="0">
+                <a:solidFill>
+                  <a:srgbClr val="92D050"/>
+                </a:solidFill>
+                <a:latin typeface="Courier New" panose="02070309020205020404" pitchFamily="49" charset="0"/>
+                <a:cs typeface="Courier New" panose="02070309020205020404" pitchFamily="49" charset="0"/>
+              </a:rPr>
+              <a:t> </a:t>
+            </a:r>
+            <a:r>
+              <a:rPr lang="en-US" sz="1050" dirty="0">
+                <a:solidFill>
+                  <a:schemeClr val="accent1"/>
+                </a:solidFill>
+                <a:latin typeface="Courier New" panose="02070309020205020404" pitchFamily="49" charset="0"/>
+                <a:cs typeface="Courier New" panose="02070309020205020404" pitchFamily="49" charset="0"/>
+              </a:rPr>
+              <a:t> </a:t>
+            </a:r>
+            <a:r>
+              <a:rPr lang="en-US" sz="1050" b="1" i="1" dirty="0">
+                <a:solidFill>
+                  <a:schemeClr val="accent1"/>
+                </a:solidFill>
+                <a:latin typeface="Courier New" panose="02070309020205020404" pitchFamily="49" charset="0"/>
+                <a:cs typeface="Courier New" panose="02070309020205020404" pitchFamily="49" charset="0"/>
+              </a:rPr>
+              <a:t>}</a:t>
+            </a:r>
+          </a:p>
+          <a:p>
+            <a:r>
+              <a:rPr lang="en-US" sz="1050" dirty="0">
+                <a:solidFill>
+                  <a:srgbClr val="92D050"/>
+                </a:solidFill>
+                <a:latin typeface="Courier New" panose="02070309020205020404" pitchFamily="49" charset="0"/>
+                <a:cs typeface="Courier New" panose="02070309020205020404" pitchFamily="49" charset="0"/>
+              </a:rPr>
+              <a:t>}</a:t>
+            </a:r>
+            <a:endParaRPr lang="en-US" sz="1050" dirty="0">
+              <a:solidFill>
+                <a:srgbClr val="92D050"/>
+              </a:solidFill>
+              <a:latin typeface="Courier New" panose="02070309020205020404" pitchFamily="49" charset="0"/>
+              <a:cs typeface="Courier New" panose="02070309020205020404" pitchFamily="49" charset="0"/>
+            </a:endParaRPr>
+          </a:p>
+        </p:txBody>
+      </p:sp>
+      <p:sp>
+        <p:nvSpPr>
+          <p:cNvPr id="12" name="Rectangle 11"/>
+          <p:cNvSpPr/>
+          <p:nvPr/>
+        </p:nvSpPr>
+        <p:spPr>
+          <a:xfrm>
+            <a:off x="4496845" y="4253"/>
+            <a:ext cx="3045448" cy="360040"/>
+          </a:xfrm>
+          <a:prstGeom prst="rect">
+            <a:avLst/>
+          </a:prstGeom>
+        </p:spPr>
+        <p:style>
+          <a:lnRef idx="2">
+            <a:schemeClr val="accent1"/>
+          </a:lnRef>
+          <a:fillRef idx="1">
+            <a:schemeClr val="lt1"/>
+          </a:fillRef>
+          <a:effectRef idx="0">
+            <a:schemeClr val="accent1"/>
+          </a:effectRef>
+          <a:fontRef idx="minor">
+            <a:schemeClr val="dk1"/>
+          </a:fontRef>
+        </p:style>
+        <p:txBody>
+          <a:bodyPr rtlCol="0" anchor="ctr"/>
+          <a:lstStyle/>
+          <a:p>
+            <a:pPr algn="ctr"/>
+            <a:r>
+              <a:rPr lang="en-GB" dirty="0" smtClean="0"/>
+              <a:t>ArraySumApp.java</a:t>
+            </a:r>
+            <a:endParaRPr lang="en-US" dirty="0"/>
+          </a:p>
+        </p:txBody>
+      </p:sp>
+      <p:sp>
+        <p:nvSpPr>
+          <p:cNvPr id="15" name="Rectangle 14"/>
+          <p:cNvSpPr/>
+          <p:nvPr/>
+        </p:nvSpPr>
+        <p:spPr>
+          <a:xfrm>
+            <a:off x="4496845" y="338197"/>
+            <a:ext cx="4039644" cy="6186309"/>
+          </a:xfrm>
+          <a:prstGeom prst="rect">
+            <a:avLst/>
+          </a:prstGeom>
+        </p:spPr>
+        <p:style>
+          <a:lnRef idx="3">
+            <a:schemeClr val="lt1"/>
+          </a:lnRef>
+          <a:fillRef idx="1">
+            <a:schemeClr val="dk1"/>
+          </a:fillRef>
+          <a:effectRef idx="1">
+            <a:schemeClr val="dk1"/>
+          </a:effectRef>
+          <a:fontRef idx="minor">
+            <a:schemeClr val="lt1"/>
+          </a:fontRef>
+        </p:style>
+        <p:txBody>
+          <a:bodyPr wrap="square" rtlCol="0" anchor="t">
+            <a:spAutoFit/>
+          </a:bodyPr>
+          <a:lstStyle/>
+          <a:p>
+            <a:r>
+              <a:rPr lang="en-US" sz="900" dirty="0">
+                <a:solidFill>
+                  <a:srgbClr val="92D050"/>
+                </a:solidFill>
+                <a:latin typeface="Courier New" panose="02070309020205020404" pitchFamily="49" charset="0"/>
+                <a:cs typeface="Courier New" panose="02070309020205020404" pitchFamily="49" charset="0"/>
+              </a:rPr>
+              <a:t>package </a:t>
+            </a:r>
+            <a:r>
+              <a:rPr lang="en-US" sz="900" dirty="0" err="1">
+                <a:solidFill>
+                  <a:srgbClr val="92D050"/>
+                </a:solidFill>
+                <a:latin typeface="Courier New" panose="02070309020205020404" pitchFamily="49" charset="0"/>
+                <a:cs typeface="Courier New" panose="02070309020205020404" pitchFamily="49" charset="0"/>
+              </a:rPr>
+              <a:t>rootbeer.examples.arraysum</a:t>
+            </a:r>
+            <a:r>
+              <a:rPr lang="en-US" sz="900" dirty="0">
+                <a:solidFill>
+                  <a:srgbClr val="92D050"/>
+                </a:solidFill>
+                <a:latin typeface="Courier New" panose="02070309020205020404" pitchFamily="49" charset="0"/>
+                <a:cs typeface="Courier New" panose="02070309020205020404" pitchFamily="49" charset="0"/>
+              </a:rPr>
+              <a:t>;</a:t>
+            </a:r>
+          </a:p>
+          <a:p>
+            <a:endParaRPr lang="en-US" sz="900" dirty="0">
+              <a:solidFill>
+                <a:srgbClr val="92D050"/>
+              </a:solidFill>
+              <a:latin typeface="Courier New" panose="02070309020205020404" pitchFamily="49" charset="0"/>
+              <a:cs typeface="Courier New" panose="02070309020205020404" pitchFamily="49" charset="0"/>
+            </a:endParaRPr>
+          </a:p>
+          <a:p>
+            <a:r>
+              <a:rPr lang="en-US" sz="900" dirty="0">
+                <a:solidFill>
+                  <a:srgbClr val="92D050"/>
+                </a:solidFill>
+                <a:latin typeface="Courier New" panose="02070309020205020404" pitchFamily="49" charset="0"/>
+                <a:cs typeface="Courier New" panose="02070309020205020404" pitchFamily="49" charset="0"/>
+              </a:rPr>
+              <a:t>import </a:t>
+            </a:r>
+            <a:r>
+              <a:rPr lang="en-US" sz="900" dirty="0" err="1">
+                <a:solidFill>
+                  <a:srgbClr val="92D050"/>
+                </a:solidFill>
+                <a:latin typeface="Courier New" panose="02070309020205020404" pitchFamily="49" charset="0"/>
+                <a:cs typeface="Courier New" panose="02070309020205020404" pitchFamily="49" charset="0"/>
+              </a:rPr>
+              <a:t>java.util.List</a:t>
+            </a:r>
+            <a:r>
+              <a:rPr lang="en-US" sz="900" dirty="0">
+                <a:solidFill>
+                  <a:srgbClr val="92D050"/>
+                </a:solidFill>
+                <a:latin typeface="Courier New" panose="02070309020205020404" pitchFamily="49" charset="0"/>
+                <a:cs typeface="Courier New" panose="02070309020205020404" pitchFamily="49" charset="0"/>
+              </a:rPr>
+              <a:t>;</a:t>
+            </a:r>
+          </a:p>
+          <a:p>
+            <a:r>
+              <a:rPr lang="en-US" sz="900" dirty="0">
+                <a:solidFill>
+                  <a:srgbClr val="92D050"/>
+                </a:solidFill>
+                <a:latin typeface="Courier New" panose="02070309020205020404" pitchFamily="49" charset="0"/>
+                <a:cs typeface="Courier New" panose="02070309020205020404" pitchFamily="49" charset="0"/>
+              </a:rPr>
+              <a:t>import </a:t>
+            </a:r>
+            <a:r>
+              <a:rPr lang="en-US" sz="900" dirty="0" err="1">
+                <a:solidFill>
+                  <a:srgbClr val="92D050"/>
+                </a:solidFill>
+                <a:latin typeface="Courier New" panose="02070309020205020404" pitchFamily="49" charset="0"/>
+                <a:cs typeface="Courier New" panose="02070309020205020404" pitchFamily="49" charset="0"/>
+              </a:rPr>
+              <a:t>java.util.ArrayList</a:t>
+            </a:r>
+            <a:r>
+              <a:rPr lang="en-US" sz="900" dirty="0">
+                <a:solidFill>
+                  <a:srgbClr val="92D050"/>
+                </a:solidFill>
+                <a:latin typeface="Courier New" panose="02070309020205020404" pitchFamily="49" charset="0"/>
+                <a:cs typeface="Courier New" panose="02070309020205020404" pitchFamily="49" charset="0"/>
+              </a:rPr>
+              <a:t>;</a:t>
+            </a:r>
+          </a:p>
+          <a:p>
+            <a:r>
+              <a:rPr lang="en-US" sz="900" b="1" i="1" dirty="0">
+                <a:solidFill>
+                  <a:schemeClr val="accent1"/>
+                </a:solidFill>
+                <a:latin typeface="Courier New" panose="02070309020205020404" pitchFamily="49" charset="0"/>
+                <a:cs typeface="Courier New" panose="02070309020205020404" pitchFamily="49" charset="0"/>
+              </a:rPr>
+              <a:t>import </a:t>
+            </a:r>
+            <a:r>
+              <a:rPr lang="en-US" sz="900" b="1" i="1" dirty="0" err="1">
+                <a:solidFill>
+                  <a:schemeClr val="accent1"/>
+                </a:solidFill>
+                <a:latin typeface="Courier New" panose="02070309020205020404" pitchFamily="49" charset="0"/>
+                <a:cs typeface="Courier New" panose="02070309020205020404" pitchFamily="49" charset="0"/>
+              </a:rPr>
+              <a:t>org.trifort.rootbeer.runtime.Kernel</a:t>
+            </a:r>
+            <a:r>
+              <a:rPr lang="en-US" sz="900" b="1" i="1" dirty="0">
+                <a:solidFill>
+                  <a:schemeClr val="accent1"/>
+                </a:solidFill>
+                <a:latin typeface="Courier New" panose="02070309020205020404" pitchFamily="49" charset="0"/>
+                <a:cs typeface="Courier New" panose="02070309020205020404" pitchFamily="49" charset="0"/>
+              </a:rPr>
+              <a:t>;</a:t>
+            </a:r>
+          </a:p>
+          <a:p>
+            <a:r>
+              <a:rPr lang="en-US" sz="900" b="1" i="1" dirty="0">
+                <a:solidFill>
+                  <a:schemeClr val="accent1"/>
+                </a:solidFill>
+                <a:latin typeface="Courier New" panose="02070309020205020404" pitchFamily="49" charset="0"/>
+                <a:cs typeface="Courier New" panose="02070309020205020404" pitchFamily="49" charset="0"/>
+              </a:rPr>
+              <a:t>import </a:t>
+            </a:r>
+            <a:r>
+              <a:rPr lang="en-US" sz="900" b="1" i="1" dirty="0" err="1">
+                <a:solidFill>
+                  <a:schemeClr val="accent1"/>
+                </a:solidFill>
+                <a:latin typeface="Courier New" panose="02070309020205020404" pitchFamily="49" charset="0"/>
+                <a:cs typeface="Courier New" panose="02070309020205020404" pitchFamily="49" charset="0"/>
+              </a:rPr>
+              <a:t>org.trifort.rootbeer.runtime.Rootbeer</a:t>
+            </a:r>
+            <a:r>
+              <a:rPr lang="en-US" sz="900" b="1" i="1" dirty="0">
+                <a:solidFill>
+                  <a:schemeClr val="accent1"/>
+                </a:solidFill>
+                <a:latin typeface="Courier New" panose="02070309020205020404" pitchFamily="49" charset="0"/>
+                <a:cs typeface="Courier New" panose="02070309020205020404" pitchFamily="49" charset="0"/>
+              </a:rPr>
+              <a:t>;</a:t>
+            </a:r>
+          </a:p>
+          <a:p>
+            <a:r>
+              <a:rPr lang="en-US" sz="900" b="1" i="1" dirty="0">
+                <a:solidFill>
+                  <a:schemeClr val="accent1"/>
+                </a:solidFill>
+                <a:latin typeface="Courier New" panose="02070309020205020404" pitchFamily="49" charset="0"/>
+                <a:cs typeface="Courier New" panose="02070309020205020404" pitchFamily="49" charset="0"/>
+              </a:rPr>
+              <a:t>import </a:t>
+            </a:r>
+            <a:r>
+              <a:rPr lang="en-US" sz="900" b="1" i="1" dirty="0" err="1">
+                <a:solidFill>
+                  <a:schemeClr val="accent1"/>
+                </a:solidFill>
+                <a:latin typeface="Courier New" panose="02070309020205020404" pitchFamily="49" charset="0"/>
+                <a:cs typeface="Courier New" panose="02070309020205020404" pitchFamily="49" charset="0"/>
+              </a:rPr>
+              <a:t>org.trifort.rootbeer.runtime.Context</a:t>
+            </a:r>
+            <a:r>
+              <a:rPr lang="en-US" sz="900" b="1" i="1" dirty="0">
+                <a:solidFill>
+                  <a:schemeClr val="accent1"/>
+                </a:solidFill>
+                <a:latin typeface="Courier New" panose="02070309020205020404" pitchFamily="49" charset="0"/>
+                <a:cs typeface="Courier New" panose="02070309020205020404" pitchFamily="49" charset="0"/>
+              </a:rPr>
+              <a:t>;</a:t>
+            </a:r>
+          </a:p>
+          <a:p>
+            <a:endParaRPr lang="en-US" sz="900" dirty="0">
+              <a:solidFill>
+                <a:srgbClr val="92D050"/>
+              </a:solidFill>
+              <a:latin typeface="Courier New" panose="02070309020205020404" pitchFamily="49" charset="0"/>
+              <a:cs typeface="Courier New" panose="02070309020205020404" pitchFamily="49" charset="0"/>
+            </a:endParaRPr>
+          </a:p>
+          <a:p>
+            <a:r>
+              <a:rPr lang="en-US" sz="900" dirty="0">
+                <a:solidFill>
+                  <a:srgbClr val="92D050"/>
+                </a:solidFill>
+                <a:latin typeface="Courier New" panose="02070309020205020404" pitchFamily="49" charset="0"/>
+                <a:cs typeface="Courier New" panose="02070309020205020404" pitchFamily="49" charset="0"/>
+              </a:rPr>
+              <a:t>public class </a:t>
+            </a:r>
+            <a:r>
+              <a:rPr lang="en-US" sz="900" dirty="0" err="1">
+                <a:solidFill>
+                  <a:srgbClr val="92D050"/>
+                </a:solidFill>
+                <a:latin typeface="Courier New" panose="02070309020205020404" pitchFamily="49" charset="0"/>
+                <a:cs typeface="Courier New" panose="02070309020205020404" pitchFamily="49" charset="0"/>
+              </a:rPr>
+              <a:t>ArraySumApp</a:t>
+            </a:r>
+            <a:r>
+              <a:rPr lang="en-US" sz="900" dirty="0">
+                <a:solidFill>
+                  <a:srgbClr val="92D050"/>
+                </a:solidFill>
+                <a:latin typeface="Courier New" panose="02070309020205020404" pitchFamily="49" charset="0"/>
+                <a:cs typeface="Courier New" panose="02070309020205020404" pitchFamily="49" charset="0"/>
+              </a:rPr>
+              <a:t> {</a:t>
+            </a:r>
+          </a:p>
+          <a:p>
+            <a:endParaRPr lang="en-US" sz="900" dirty="0">
+              <a:solidFill>
+                <a:srgbClr val="92D050"/>
+              </a:solidFill>
+              <a:latin typeface="Courier New" panose="02070309020205020404" pitchFamily="49" charset="0"/>
+              <a:cs typeface="Courier New" panose="02070309020205020404" pitchFamily="49" charset="0"/>
+            </a:endParaRPr>
+          </a:p>
+          <a:p>
+            <a:r>
+              <a:rPr lang="en-US" sz="900" dirty="0">
+                <a:solidFill>
+                  <a:srgbClr val="92D050"/>
+                </a:solidFill>
+                <a:latin typeface="Courier New" panose="02070309020205020404" pitchFamily="49" charset="0"/>
+                <a:cs typeface="Courier New" panose="02070309020205020404" pitchFamily="49" charset="0"/>
+              </a:rPr>
+              <a:t>  public </a:t>
+            </a:r>
+            <a:r>
+              <a:rPr lang="en-US" sz="900" dirty="0" err="1">
+                <a:solidFill>
+                  <a:srgbClr val="92D050"/>
+                </a:solidFill>
+                <a:latin typeface="Courier New" panose="02070309020205020404" pitchFamily="49" charset="0"/>
+                <a:cs typeface="Courier New" panose="02070309020205020404" pitchFamily="49" charset="0"/>
+              </a:rPr>
+              <a:t>int</a:t>
+            </a:r>
+            <a:r>
+              <a:rPr lang="en-US" sz="900" dirty="0">
+                <a:solidFill>
+                  <a:srgbClr val="92D050"/>
+                </a:solidFill>
+                <a:latin typeface="Courier New" panose="02070309020205020404" pitchFamily="49" charset="0"/>
+                <a:cs typeface="Courier New" panose="02070309020205020404" pitchFamily="49" charset="0"/>
+              </a:rPr>
+              <a:t>[] </a:t>
+            </a:r>
+            <a:r>
+              <a:rPr lang="en-US" sz="900" dirty="0" err="1">
+                <a:solidFill>
+                  <a:srgbClr val="92D050"/>
+                </a:solidFill>
+                <a:latin typeface="Courier New" panose="02070309020205020404" pitchFamily="49" charset="0"/>
+                <a:cs typeface="Courier New" panose="02070309020205020404" pitchFamily="49" charset="0"/>
+              </a:rPr>
+              <a:t>sumArrays</a:t>
+            </a:r>
+            <a:r>
+              <a:rPr lang="en-US" sz="900" dirty="0">
+                <a:solidFill>
+                  <a:srgbClr val="92D050"/>
+                </a:solidFill>
+                <a:latin typeface="Courier New" panose="02070309020205020404" pitchFamily="49" charset="0"/>
+                <a:cs typeface="Courier New" panose="02070309020205020404" pitchFamily="49" charset="0"/>
+              </a:rPr>
+              <a:t>(List&lt;</a:t>
+            </a:r>
+            <a:r>
+              <a:rPr lang="en-US" sz="900" dirty="0" err="1">
+                <a:solidFill>
+                  <a:srgbClr val="92D050"/>
+                </a:solidFill>
+                <a:latin typeface="Courier New" panose="02070309020205020404" pitchFamily="49" charset="0"/>
+                <a:cs typeface="Courier New" panose="02070309020205020404" pitchFamily="49" charset="0"/>
+              </a:rPr>
+              <a:t>int</a:t>
+            </a:r>
+            <a:r>
+              <a:rPr lang="en-US" sz="900" dirty="0">
+                <a:solidFill>
+                  <a:srgbClr val="92D050"/>
+                </a:solidFill>
+                <a:latin typeface="Courier New" panose="02070309020205020404" pitchFamily="49" charset="0"/>
+                <a:cs typeface="Courier New" panose="02070309020205020404" pitchFamily="49" charset="0"/>
+              </a:rPr>
+              <a:t>[]&gt; arrays){</a:t>
+            </a:r>
+          </a:p>
+          <a:p>
+            <a:endParaRPr lang="en-US" sz="900" dirty="0">
+              <a:solidFill>
+                <a:srgbClr val="92D050"/>
+              </a:solidFill>
+              <a:latin typeface="Courier New" panose="02070309020205020404" pitchFamily="49" charset="0"/>
+              <a:cs typeface="Courier New" panose="02070309020205020404" pitchFamily="49" charset="0"/>
+            </a:endParaRPr>
+          </a:p>
+          <a:p>
+            <a:r>
+              <a:rPr lang="en-US" sz="900" b="1" i="1" dirty="0">
+                <a:solidFill>
+                  <a:schemeClr val="accent1"/>
+                </a:solidFill>
+                <a:latin typeface="Courier New" panose="02070309020205020404" pitchFamily="49" charset="0"/>
+                <a:cs typeface="Courier New" panose="02070309020205020404" pitchFamily="49" charset="0"/>
+              </a:rPr>
+              <a:t>     List&lt;Kernel&gt; jobs = new </a:t>
+            </a:r>
+            <a:r>
+              <a:rPr lang="en-US" sz="900" b="1" i="1" dirty="0" err="1">
+                <a:solidFill>
+                  <a:schemeClr val="accent1"/>
+                </a:solidFill>
+                <a:latin typeface="Courier New" panose="02070309020205020404" pitchFamily="49" charset="0"/>
+                <a:cs typeface="Courier New" panose="02070309020205020404" pitchFamily="49" charset="0"/>
+              </a:rPr>
+              <a:t>ArrayList</a:t>
+            </a:r>
+            <a:r>
+              <a:rPr lang="en-US" sz="900" b="1" i="1" dirty="0">
+                <a:solidFill>
+                  <a:schemeClr val="accent1"/>
+                </a:solidFill>
+                <a:latin typeface="Courier New" panose="02070309020205020404" pitchFamily="49" charset="0"/>
+                <a:cs typeface="Courier New" panose="02070309020205020404" pitchFamily="49" charset="0"/>
+              </a:rPr>
+              <a:t>&lt;Kernel&gt;();</a:t>
+            </a:r>
+          </a:p>
+          <a:p>
+            <a:r>
+              <a:rPr lang="en-US" sz="900" dirty="0">
+                <a:solidFill>
+                  <a:srgbClr val="92D050"/>
+                </a:solidFill>
+                <a:latin typeface="Courier New" panose="02070309020205020404" pitchFamily="49" charset="0"/>
+                <a:cs typeface="Courier New" panose="02070309020205020404" pitchFamily="49" charset="0"/>
+              </a:rPr>
+              <a:t>     </a:t>
+            </a:r>
+            <a:r>
+              <a:rPr lang="en-US" sz="900" dirty="0" err="1">
+                <a:solidFill>
+                  <a:srgbClr val="92D050"/>
+                </a:solidFill>
+                <a:latin typeface="Courier New" panose="02070309020205020404" pitchFamily="49" charset="0"/>
+                <a:cs typeface="Courier New" panose="02070309020205020404" pitchFamily="49" charset="0"/>
+              </a:rPr>
+              <a:t>int</a:t>
+            </a:r>
+            <a:r>
+              <a:rPr lang="en-US" sz="900" dirty="0">
+                <a:solidFill>
+                  <a:srgbClr val="92D050"/>
+                </a:solidFill>
+                <a:latin typeface="Courier New" panose="02070309020205020404" pitchFamily="49" charset="0"/>
+                <a:cs typeface="Courier New" panose="02070309020205020404" pitchFamily="49" charset="0"/>
+              </a:rPr>
+              <a:t>[] ret = new </a:t>
+            </a:r>
+            <a:r>
+              <a:rPr lang="en-US" sz="900" dirty="0" err="1">
+                <a:solidFill>
+                  <a:srgbClr val="92D050"/>
+                </a:solidFill>
+                <a:latin typeface="Courier New" panose="02070309020205020404" pitchFamily="49" charset="0"/>
+                <a:cs typeface="Courier New" panose="02070309020205020404" pitchFamily="49" charset="0"/>
+              </a:rPr>
+              <a:t>int</a:t>
+            </a:r>
+            <a:r>
+              <a:rPr lang="en-US" sz="900" dirty="0">
+                <a:solidFill>
+                  <a:srgbClr val="92D050"/>
+                </a:solidFill>
+                <a:latin typeface="Courier New" panose="02070309020205020404" pitchFamily="49" charset="0"/>
+                <a:cs typeface="Courier New" panose="02070309020205020404" pitchFamily="49" charset="0"/>
+              </a:rPr>
+              <a:t>[</a:t>
+            </a:r>
+            <a:r>
+              <a:rPr lang="en-US" sz="900" dirty="0" err="1">
+                <a:solidFill>
+                  <a:srgbClr val="92D050"/>
+                </a:solidFill>
+                <a:latin typeface="Courier New" panose="02070309020205020404" pitchFamily="49" charset="0"/>
+                <a:cs typeface="Courier New" panose="02070309020205020404" pitchFamily="49" charset="0"/>
+              </a:rPr>
+              <a:t>arrays.size</a:t>
+            </a:r>
+            <a:r>
+              <a:rPr lang="en-US" sz="900" dirty="0">
+                <a:solidFill>
+                  <a:srgbClr val="92D050"/>
+                </a:solidFill>
+                <a:latin typeface="Courier New" panose="02070309020205020404" pitchFamily="49" charset="0"/>
+                <a:cs typeface="Courier New" panose="02070309020205020404" pitchFamily="49" charset="0"/>
+              </a:rPr>
+              <a:t>()];</a:t>
+            </a:r>
+          </a:p>
+          <a:p>
+            <a:r>
+              <a:rPr lang="en-US" sz="900" b="1" i="1" dirty="0">
+                <a:solidFill>
+                  <a:schemeClr val="accent1"/>
+                </a:solidFill>
+                <a:latin typeface="Courier New" panose="02070309020205020404" pitchFamily="49" charset="0"/>
+                <a:cs typeface="Courier New" panose="02070309020205020404" pitchFamily="49" charset="0"/>
+              </a:rPr>
+              <a:t>     for(</a:t>
+            </a:r>
+            <a:r>
+              <a:rPr lang="en-US" sz="900" b="1" i="1" dirty="0" err="1">
+                <a:solidFill>
+                  <a:schemeClr val="accent1"/>
+                </a:solidFill>
+                <a:latin typeface="Courier New" panose="02070309020205020404" pitchFamily="49" charset="0"/>
+                <a:cs typeface="Courier New" panose="02070309020205020404" pitchFamily="49" charset="0"/>
+              </a:rPr>
+              <a:t>int</a:t>
+            </a:r>
+            <a:r>
+              <a:rPr lang="en-US" sz="900" b="1" i="1" dirty="0">
+                <a:solidFill>
+                  <a:schemeClr val="accent1"/>
+                </a:solidFill>
+                <a:latin typeface="Courier New" panose="02070309020205020404" pitchFamily="49" charset="0"/>
+                <a:cs typeface="Courier New" panose="02070309020205020404" pitchFamily="49" charset="0"/>
+              </a:rPr>
+              <a:t> </a:t>
+            </a:r>
+            <a:r>
+              <a:rPr lang="en-US" sz="900" b="1" i="1" dirty="0" err="1">
+                <a:solidFill>
+                  <a:schemeClr val="accent1"/>
+                </a:solidFill>
+                <a:latin typeface="Courier New" panose="02070309020205020404" pitchFamily="49" charset="0"/>
+                <a:cs typeface="Courier New" panose="02070309020205020404" pitchFamily="49" charset="0"/>
+              </a:rPr>
+              <a:t>i</a:t>
+            </a:r>
+            <a:r>
+              <a:rPr lang="en-US" sz="900" b="1" i="1" dirty="0">
+                <a:solidFill>
+                  <a:schemeClr val="accent1"/>
+                </a:solidFill>
+                <a:latin typeface="Courier New" panose="02070309020205020404" pitchFamily="49" charset="0"/>
+                <a:cs typeface="Courier New" panose="02070309020205020404" pitchFamily="49" charset="0"/>
+              </a:rPr>
+              <a:t> = 0; </a:t>
+            </a:r>
+            <a:r>
+              <a:rPr lang="en-US" sz="900" b="1" i="1" dirty="0" err="1">
+                <a:solidFill>
+                  <a:schemeClr val="accent1"/>
+                </a:solidFill>
+                <a:latin typeface="Courier New" panose="02070309020205020404" pitchFamily="49" charset="0"/>
+                <a:cs typeface="Courier New" panose="02070309020205020404" pitchFamily="49" charset="0"/>
+              </a:rPr>
+              <a:t>i</a:t>
+            </a:r>
+            <a:r>
+              <a:rPr lang="en-US" sz="900" b="1" i="1" dirty="0">
+                <a:solidFill>
+                  <a:schemeClr val="accent1"/>
+                </a:solidFill>
+                <a:latin typeface="Courier New" panose="02070309020205020404" pitchFamily="49" charset="0"/>
+                <a:cs typeface="Courier New" panose="02070309020205020404" pitchFamily="49" charset="0"/>
+              </a:rPr>
+              <a:t> &lt; </a:t>
+            </a:r>
+            <a:r>
+              <a:rPr lang="en-US" sz="900" b="1" i="1" dirty="0" err="1">
+                <a:solidFill>
+                  <a:schemeClr val="accent1"/>
+                </a:solidFill>
+                <a:latin typeface="Courier New" panose="02070309020205020404" pitchFamily="49" charset="0"/>
+                <a:cs typeface="Courier New" panose="02070309020205020404" pitchFamily="49" charset="0"/>
+              </a:rPr>
+              <a:t>arrays.size</a:t>
+            </a:r>
+            <a:r>
+              <a:rPr lang="en-US" sz="900" b="1" i="1" dirty="0">
+                <a:solidFill>
+                  <a:schemeClr val="accent1"/>
+                </a:solidFill>
+                <a:latin typeface="Courier New" panose="02070309020205020404" pitchFamily="49" charset="0"/>
+                <a:cs typeface="Courier New" panose="02070309020205020404" pitchFamily="49" charset="0"/>
+              </a:rPr>
+              <a:t>(); ++</a:t>
+            </a:r>
+            <a:r>
+              <a:rPr lang="en-US" sz="900" b="1" i="1" dirty="0" err="1">
+                <a:solidFill>
+                  <a:schemeClr val="accent1"/>
+                </a:solidFill>
+                <a:latin typeface="Courier New" panose="02070309020205020404" pitchFamily="49" charset="0"/>
+                <a:cs typeface="Courier New" panose="02070309020205020404" pitchFamily="49" charset="0"/>
+              </a:rPr>
+              <a:t>i</a:t>
+            </a:r>
+            <a:r>
+              <a:rPr lang="en-US" sz="900" b="1" i="1" dirty="0">
+                <a:solidFill>
+                  <a:schemeClr val="accent1"/>
+                </a:solidFill>
+                <a:latin typeface="Courier New" panose="02070309020205020404" pitchFamily="49" charset="0"/>
+                <a:cs typeface="Courier New" panose="02070309020205020404" pitchFamily="49" charset="0"/>
+              </a:rPr>
+              <a:t>){</a:t>
+            </a:r>
+          </a:p>
+          <a:p>
+            <a:r>
+              <a:rPr lang="en-US" sz="900" b="1" i="1" dirty="0">
+                <a:solidFill>
+                  <a:schemeClr val="accent1"/>
+                </a:solidFill>
+                <a:latin typeface="Courier New" panose="02070309020205020404" pitchFamily="49" charset="0"/>
+                <a:cs typeface="Courier New" panose="02070309020205020404" pitchFamily="49" charset="0"/>
+              </a:rPr>
+              <a:t>        </a:t>
+            </a:r>
+            <a:r>
+              <a:rPr lang="en-US" sz="900" b="1" i="1" dirty="0" err="1">
+                <a:solidFill>
+                  <a:schemeClr val="accent1"/>
+                </a:solidFill>
+                <a:latin typeface="Courier New" panose="02070309020205020404" pitchFamily="49" charset="0"/>
+                <a:cs typeface="Courier New" panose="02070309020205020404" pitchFamily="49" charset="0"/>
+              </a:rPr>
+              <a:t>jobs.add</a:t>
+            </a:r>
+            <a:r>
+              <a:rPr lang="en-US" sz="900" b="1" i="1" dirty="0">
+                <a:solidFill>
+                  <a:schemeClr val="accent1"/>
+                </a:solidFill>
+                <a:latin typeface="Courier New" panose="02070309020205020404" pitchFamily="49" charset="0"/>
+                <a:cs typeface="Courier New" panose="02070309020205020404" pitchFamily="49" charset="0"/>
+              </a:rPr>
+              <a:t>(new </a:t>
+            </a:r>
+            <a:r>
+              <a:rPr lang="en-US" sz="900" b="1" i="1" dirty="0" err="1">
+                <a:solidFill>
+                  <a:schemeClr val="accent1"/>
+                </a:solidFill>
+                <a:latin typeface="Courier New" panose="02070309020205020404" pitchFamily="49" charset="0"/>
+                <a:cs typeface="Courier New" panose="02070309020205020404" pitchFamily="49" charset="0"/>
+              </a:rPr>
+              <a:t>ArraySum</a:t>
+            </a:r>
+            <a:r>
+              <a:rPr lang="en-US" sz="900" b="1" i="1" dirty="0">
+                <a:solidFill>
+                  <a:schemeClr val="accent1"/>
+                </a:solidFill>
+                <a:latin typeface="Courier New" panose="02070309020205020404" pitchFamily="49" charset="0"/>
+                <a:cs typeface="Courier New" panose="02070309020205020404" pitchFamily="49" charset="0"/>
+              </a:rPr>
+              <a:t>(</a:t>
+            </a:r>
+            <a:r>
+              <a:rPr lang="en-US" sz="900" b="1" i="1" dirty="0" err="1">
+                <a:solidFill>
+                  <a:schemeClr val="accent1"/>
+                </a:solidFill>
+                <a:latin typeface="Courier New" panose="02070309020205020404" pitchFamily="49" charset="0"/>
+                <a:cs typeface="Courier New" panose="02070309020205020404" pitchFamily="49" charset="0"/>
+              </a:rPr>
+              <a:t>arrays.get</a:t>
+            </a:r>
+            <a:r>
+              <a:rPr lang="en-US" sz="900" b="1" i="1" dirty="0">
+                <a:solidFill>
+                  <a:schemeClr val="accent1"/>
+                </a:solidFill>
+                <a:latin typeface="Courier New" panose="02070309020205020404" pitchFamily="49" charset="0"/>
+                <a:cs typeface="Courier New" panose="02070309020205020404" pitchFamily="49" charset="0"/>
+              </a:rPr>
+              <a:t>(</a:t>
+            </a:r>
+            <a:r>
+              <a:rPr lang="en-US" sz="900" b="1" i="1" dirty="0" err="1">
+                <a:solidFill>
+                  <a:schemeClr val="accent1"/>
+                </a:solidFill>
+                <a:latin typeface="Courier New" panose="02070309020205020404" pitchFamily="49" charset="0"/>
+                <a:cs typeface="Courier New" panose="02070309020205020404" pitchFamily="49" charset="0"/>
+              </a:rPr>
+              <a:t>i</a:t>
+            </a:r>
+            <a:r>
+              <a:rPr lang="en-US" sz="900" b="1" i="1" dirty="0">
+                <a:solidFill>
+                  <a:schemeClr val="accent1"/>
+                </a:solidFill>
+                <a:latin typeface="Courier New" panose="02070309020205020404" pitchFamily="49" charset="0"/>
+                <a:cs typeface="Courier New" panose="02070309020205020404" pitchFamily="49" charset="0"/>
+              </a:rPr>
+              <a:t>), ret, </a:t>
+            </a:r>
+            <a:r>
+              <a:rPr lang="en-US" sz="900" b="1" i="1" dirty="0" err="1">
+                <a:solidFill>
+                  <a:schemeClr val="accent1"/>
+                </a:solidFill>
+                <a:latin typeface="Courier New" panose="02070309020205020404" pitchFamily="49" charset="0"/>
+                <a:cs typeface="Courier New" panose="02070309020205020404" pitchFamily="49" charset="0"/>
+              </a:rPr>
+              <a:t>i</a:t>
+            </a:r>
+            <a:r>
+              <a:rPr lang="en-US" sz="900" b="1" i="1" dirty="0">
+                <a:solidFill>
+                  <a:schemeClr val="accent1"/>
+                </a:solidFill>
+                <a:latin typeface="Courier New" panose="02070309020205020404" pitchFamily="49" charset="0"/>
+                <a:cs typeface="Courier New" panose="02070309020205020404" pitchFamily="49" charset="0"/>
+              </a:rPr>
+              <a:t>));</a:t>
+            </a:r>
+          </a:p>
+          <a:p>
+            <a:r>
+              <a:rPr lang="en-US" sz="900" b="1" i="1" dirty="0">
+                <a:solidFill>
+                  <a:schemeClr val="accent1"/>
+                </a:solidFill>
+                <a:latin typeface="Courier New" panose="02070309020205020404" pitchFamily="49" charset="0"/>
+                <a:cs typeface="Courier New" panose="02070309020205020404" pitchFamily="49" charset="0"/>
+              </a:rPr>
+              <a:t>     }</a:t>
+            </a:r>
+          </a:p>
+          <a:p>
+            <a:endParaRPr lang="en-US" sz="900" dirty="0">
+              <a:solidFill>
+                <a:srgbClr val="92D050"/>
+              </a:solidFill>
+              <a:latin typeface="Courier New" panose="02070309020205020404" pitchFamily="49" charset="0"/>
+              <a:cs typeface="Courier New" panose="02070309020205020404" pitchFamily="49" charset="0"/>
+            </a:endParaRPr>
+          </a:p>
+          <a:p>
+            <a:r>
+              <a:rPr lang="en-US" sz="900" b="1" i="1" dirty="0">
+                <a:solidFill>
+                  <a:srgbClr val="92D050"/>
+                </a:solidFill>
+                <a:latin typeface="Courier New" panose="02070309020205020404" pitchFamily="49" charset="0"/>
+                <a:cs typeface="Courier New" panose="02070309020205020404" pitchFamily="49" charset="0"/>
+              </a:rPr>
+              <a:t>     </a:t>
+            </a:r>
+            <a:r>
+              <a:rPr lang="en-US" sz="900" b="1" i="1" dirty="0" err="1">
+                <a:solidFill>
+                  <a:schemeClr val="accent1"/>
+                </a:solidFill>
+                <a:latin typeface="Courier New" panose="02070309020205020404" pitchFamily="49" charset="0"/>
+                <a:cs typeface="Courier New" panose="02070309020205020404" pitchFamily="49" charset="0"/>
+              </a:rPr>
+              <a:t>Rootbeer</a:t>
+            </a:r>
+            <a:r>
+              <a:rPr lang="en-US" sz="900" b="1" i="1" dirty="0">
+                <a:solidFill>
+                  <a:schemeClr val="accent1"/>
+                </a:solidFill>
+                <a:latin typeface="Courier New" panose="02070309020205020404" pitchFamily="49" charset="0"/>
+                <a:cs typeface="Courier New" panose="02070309020205020404" pitchFamily="49" charset="0"/>
+              </a:rPr>
+              <a:t> </a:t>
+            </a:r>
+            <a:r>
+              <a:rPr lang="en-US" sz="900" b="1" i="1" dirty="0" err="1">
+                <a:solidFill>
+                  <a:schemeClr val="accent1"/>
+                </a:solidFill>
+                <a:latin typeface="Courier New" panose="02070309020205020404" pitchFamily="49" charset="0"/>
+                <a:cs typeface="Courier New" panose="02070309020205020404" pitchFamily="49" charset="0"/>
+              </a:rPr>
+              <a:t>rootbeer</a:t>
+            </a:r>
+            <a:r>
+              <a:rPr lang="en-US" sz="900" b="1" i="1" dirty="0">
+                <a:solidFill>
+                  <a:schemeClr val="accent1"/>
+                </a:solidFill>
+                <a:latin typeface="Courier New" panose="02070309020205020404" pitchFamily="49" charset="0"/>
+                <a:cs typeface="Courier New" panose="02070309020205020404" pitchFamily="49" charset="0"/>
+              </a:rPr>
+              <a:t> = new </a:t>
+            </a:r>
+            <a:r>
+              <a:rPr lang="en-US" sz="900" b="1" i="1" dirty="0" err="1">
+                <a:solidFill>
+                  <a:schemeClr val="accent1"/>
+                </a:solidFill>
+                <a:latin typeface="Courier New" panose="02070309020205020404" pitchFamily="49" charset="0"/>
+                <a:cs typeface="Courier New" panose="02070309020205020404" pitchFamily="49" charset="0"/>
+              </a:rPr>
+              <a:t>Rootbeer</a:t>
+            </a:r>
+            <a:r>
+              <a:rPr lang="en-US" sz="900" b="1" i="1" dirty="0">
+                <a:solidFill>
+                  <a:schemeClr val="accent1"/>
+                </a:solidFill>
+                <a:latin typeface="Courier New" panose="02070309020205020404" pitchFamily="49" charset="0"/>
+                <a:cs typeface="Courier New" panose="02070309020205020404" pitchFamily="49" charset="0"/>
+              </a:rPr>
+              <a:t>();</a:t>
+            </a:r>
+          </a:p>
+          <a:p>
+            <a:r>
+              <a:rPr lang="en-US" sz="900" b="1" i="1" dirty="0">
+                <a:solidFill>
+                  <a:srgbClr val="92D050"/>
+                </a:solidFill>
+                <a:latin typeface="Courier New" panose="02070309020205020404" pitchFamily="49" charset="0"/>
+                <a:cs typeface="Courier New" panose="02070309020205020404" pitchFamily="49" charset="0"/>
+              </a:rPr>
+              <a:t>     </a:t>
+            </a:r>
+            <a:r>
+              <a:rPr lang="en-US" sz="900" b="1" i="1" dirty="0">
+                <a:solidFill>
+                  <a:schemeClr val="accent1"/>
+                </a:solidFill>
+                <a:latin typeface="Courier New" panose="02070309020205020404" pitchFamily="49" charset="0"/>
+                <a:cs typeface="Courier New" panose="02070309020205020404" pitchFamily="49" charset="0"/>
+              </a:rPr>
+              <a:t>Context </a:t>
+            </a:r>
+            <a:r>
+              <a:rPr lang="en-US" sz="900" b="1" i="1" dirty="0" err="1">
+                <a:solidFill>
+                  <a:schemeClr val="accent1"/>
+                </a:solidFill>
+                <a:latin typeface="Courier New" panose="02070309020205020404" pitchFamily="49" charset="0"/>
+                <a:cs typeface="Courier New" panose="02070309020205020404" pitchFamily="49" charset="0"/>
+              </a:rPr>
+              <a:t>context</a:t>
+            </a:r>
+            <a:r>
+              <a:rPr lang="en-US" sz="900" b="1" i="1" dirty="0">
+                <a:solidFill>
+                  <a:schemeClr val="accent1"/>
+                </a:solidFill>
+                <a:latin typeface="Courier New" panose="02070309020205020404" pitchFamily="49" charset="0"/>
+                <a:cs typeface="Courier New" panose="02070309020205020404" pitchFamily="49" charset="0"/>
+              </a:rPr>
+              <a:t> = </a:t>
+            </a:r>
+            <a:r>
+              <a:rPr lang="en-US" sz="900" b="1" i="1" dirty="0" err="1">
+                <a:solidFill>
+                  <a:schemeClr val="accent1"/>
+                </a:solidFill>
+                <a:latin typeface="Courier New" panose="02070309020205020404" pitchFamily="49" charset="0"/>
+                <a:cs typeface="Courier New" panose="02070309020205020404" pitchFamily="49" charset="0"/>
+              </a:rPr>
+              <a:t>rootbeer.createDefaultContext</a:t>
+            </a:r>
+            <a:r>
+              <a:rPr lang="en-US" sz="900" b="1" i="1" dirty="0">
+                <a:solidFill>
+                  <a:schemeClr val="accent1"/>
+                </a:solidFill>
+                <a:latin typeface="Courier New" panose="02070309020205020404" pitchFamily="49" charset="0"/>
+                <a:cs typeface="Courier New" panose="02070309020205020404" pitchFamily="49" charset="0"/>
+              </a:rPr>
+              <a:t>();</a:t>
+            </a:r>
+          </a:p>
+          <a:p>
+            <a:r>
+              <a:rPr lang="en-US" sz="900" b="1" i="1" dirty="0">
+                <a:solidFill>
+                  <a:schemeClr val="accent1"/>
+                </a:solidFill>
+                <a:latin typeface="Courier New" panose="02070309020205020404" pitchFamily="49" charset="0"/>
+                <a:cs typeface="Courier New" panose="02070309020205020404" pitchFamily="49" charset="0"/>
+              </a:rPr>
+              <a:t>     </a:t>
+            </a:r>
+            <a:r>
+              <a:rPr lang="en-US" sz="900" b="1" i="1" dirty="0" err="1">
+                <a:solidFill>
+                  <a:schemeClr val="accent1"/>
+                </a:solidFill>
+                <a:latin typeface="Courier New" panose="02070309020205020404" pitchFamily="49" charset="0"/>
+                <a:cs typeface="Courier New" panose="02070309020205020404" pitchFamily="49" charset="0"/>
+              </a:rPr>
+              <a:t>context.init</a:t>
+            </a:r>
+            <a:r>
+              <a:rPr lang="en-US" sz="900" b="1" i="1" dirty="0">
+                <a:solidFill>
+                  <a:schemeClr val="accent1"/>
+                </a:solidFill>
+                <a:latin typeface="Courier New" panose="02070309020205020404" pitchFamily="49" charset="0"/>
+                <a:cs typeface="Courier New" panose="02070309020205020404" pitchFamily="49" charset="0"/>
+              </a:rPr>
+              <a:t>(1024*1024*4);</a:t>
+            </a:r>
+          </a:p>
+          <a:p>
+            <a:r>
+              <a:rPr lang="en-US" sz="900" b="1" i="1" dirty="0">
+                <a:solidFill>
+                  <a:schemeClr val="accent1"/>
+                </a:solidFill>
+                <a:latin typeface="Courier New" panose="02070309020205020404" pitchFamily="49" charset="0"/>
+                <a:cs typeface="Courier New" panose="02070309020205020404" pitchFamily="49" charset="0"/>
+              </a:rPr>
+              <a:t>     </a:t>
+            </a:r>
+            <a:r>
+              <a:rPr lang="en-US" sz="900" b="1" i="1" dirty="0" err="1">
+                <a:solidFill>
+                  <a:schemeClr val="accent1"/>
+                </a:solidFill>
+                <a:latin typeface="Courier New" panose="02070309020205020404" pitchFamily="49" charset="0"/>
+                <a:cs typeface="Courier New" panose="02070309020205020404" pitchFamily="49" charset="0"/>
+              </a:rPr>
+              <a:t>rootbeer.run</a:t>
+            </a:r>
+            <a:r>
+              <a:rPr lang="en-US" sz="900" b="1" i="1" dirty="0">
+                <a:solidFill>
+                  <a:schemeClr val="accent1"/>
+                </a:solidFill>
+                <a:latin typeface="Courier New" panose="02070309020205020404" pitchFamily="49" charset="0"/>
+                <a:cs typeface="Courier New" panose="02070309020205020404" pitchFamily="49" charset="0"/>
+              </a:rPr>
+              <a:t>(jobs, context);</a:t>
+            </a:r>
+          </a:p>
+          <a:p>
+            <a:r>
+              <a:rPr lang="en-US" sz="900" dirty="0">
+                <a:solidFill>
+                  <a:srgbClr val="92D050"/>
+                </a:solidFill>
+                <a:latin typeface="Courier New" panose="02070309020205020404" pitchFamily="49" charset="0"/>
+                <a:cs typeface="Courier New" panose="02070309020205020404" pitchFamily="49" charset="0"/>
+              </a:rPr>
+              <a:t>     return ret;</a:t>
+            </a:r>
+          </a:p>
+          <a:p>
+            <a:r>
+              <a:rPr lang="en-US" sz="900" dirty="0">
+                <a:solidFill>
+                  <a:srgbClr val="92D050"/>
+                </a:solidFill>
+                <a:latin typeface="Courier New" panose="02070309020205020404" pitchFamily="49" charset="0"/>
+                <a:cs typeface="Courier New" panose="02070309020205020404" pitchFamily="49" charset="0"/>
+              </a:rPr>
+              <a:t>  }</a:t>
+            </a:r>
+          </a:p>
+          <a:p>
+            <a:r>
+              <a:rPr lang="en-US" sz="900" dirty="0">
+                <a:solidFill>
+                  <a:srgbClr val="92D050"/>
+                </a:solidFill>
+                <a:latin typeface="Courier New" panose="02070309020205020404" pitchFamily="49" charset="0"/>
+                <a:cs typeface="Courier New" panose="02070309020205020404" pitchFamily="49" charset="0"/>
+              </a:rPr>
+              <a:t>  </a:t>
+            </a:r>
+          </a:p>
+          <a:p>
+            <a:r>
+              <a:rPr lang="en-US" sz="900" dirty="0">
+                <a:solidFill>
+                  <a:srgbClr val="92D050"/>
+                </a:solidFill>
+                <a:latin typeface="Courier New" panose="02070309020205020404" pitchFamily="49" charset="0"/>
+                <a:cs typeface="Courier New" panose="02070309020205020404" pitchFamily="49" charset="0"/>
+              </a:rPr>
+              <a:t>  public static void main(String[] </a:t>
+            </a:r>
+            <a:r>
+              <a:rPr lang="en-US" sz="900" dirty="0" err="1">
+                <a:solidFill>
+                  <a:srgbClr val="92D050"/>
+                </a:solidFill>
+                <a:latin typeface="Courier New" panose="02070309020205020404" pitchFamily="49" charset="0"/>
+                <a:cs typeface="Courier New" panose="02070309020205020404" pitchFamily="49" charset="0"/>
+              </a:rPr>
+              <a:t>args</a:t>
+            </a:r>
+            <a:r>
+              <a:rPr lang="en-US" sz="900" dirty="0">
+                <a:solidFill>
+                  <a:srgbClr val="92D050"/>
+                </a:solidFill>
+                <a:latin typeface="Courier New" panose="02070309020205020404" pitchFamily="49" charset="0"/>
+                <a:cs typeface="Courier New" panose="02070309020205020404" pitchFamily="49" charset="0"/>
+              </a:rPr>
+              <a:t>){</a:t>
+            </a:r>
+          </a:p>
+          <a:p>
+            <a:r>
+              <a:rPr lang="en-US" sz="900" dirty="0">
+                <a:solidFill>
+                  <a:srgbClr val="92D050"/>
+                </a:solidFill>
+                <a:latin typeface="Courier New" panose="02070309020205020404" pitchFamily="49" charset="0"/>
+                <a:cs typeface="Courier New" panose="02070309020205020404" pitchFamily="49" charset="0"/>
+              </a:rPr>
+              <a:t>    </a:t>
+            </a:r>
+            <a:r>
+              <a:rPr lang="en-US" sz="900" dirty="0" err="1">
+                <a:solidFill>
+                  <a:srgbClr val="92D050"/>
+                </a:solidFill>
+                <a:latin typeface="Courier New" panose="02070309020205020404" pitchFamily="49" charset="0"/>
+                <a:cs typeface="Courier New" panose="02070309020205020404" pitchFamily="49" charset="0"/>
+              </a:rPr>
+              <a:t>ArraySumApp</a:t>
+            </a:r>
+            <a:r>
+              <a:rPr lang="en-US" sz="900" dirty="0">
+                <a:solidFill>
+                  <a:srgbClr val="92D050"/>
+                </a:solidFill>
+                <a:latin typeface="Courier New" panose="02070309020205020404" pitchFamily="49" charset="0"/>
+                <a:cs typeface="Courier New" panose="02070309020205020404" pitchFamily="49" charset="0"/>
+              </a:rPr>
+              <a:t> app = new </a:t>
+            </a:r>
+            <a:r>
+              <a:rPr lang="en-US" sz="900" dirty="0" err="1">
+                <a:solidFill>
+                  <a:srgbClr val="92D050"/>
+                </a:solidFill>
+                <a:latin typeface="Courier New" panose="02070309020205020404" pitchFamily="49" charset="0"/>
+                <a:cs typeface="Courier New" panose="02070309020205020404" pitchFamily="49" charset="0"/>
+              </a:rPr>
+              <a:t>ArraySumApp</a:t>
+            </a:r>
+            <a:r>
+              <a:rPr lang="en-US" sz="900" dirty="0">
+                <a:solidFill>
+                  <a:srgbClr val="92D050"/>
+                </a:solidFill>
+                <a:latin typeface="Courier New" panose="02070309020205020404" pitchFamily="49" charset="0"/>
+                <a:cs typeface="Courier New" panose="02070309020205020404" pitchFamily="49" charset="0"/>
+              </a:rPr>
+              <a:t>();</a:t>
+            </a:r>
+          </a:p>
+          <a:p>
+            <a:r>
+              <a:rPr lang="en-US" sz="900" dirty="0">
+                <a:solidFill>
+                  <a:srgbClr val="92D050"/>
+                </a:solidFill>
+                <a:latin typeface="Courier New" panose="02070309020205020404" pitchFamily="49" charset="0"/>
+                <a:cs typeface="Courier New" panose="02070309020205020404" pitchFamily="49" charset="0"/>
+              </a:rPr>
+              <a:t>    List&lt;</a:t>
+            </a:r>
+            <a:r>
+              <a:rPr lang="en-US" sz="900" dirty="0" err="1">
+                <a:solidFill>
+                  <a:srgbClr val="92D050"/>
+                </a:solidFill>
+                <a:latin typeface="Courier New" panose="02070309020205020404" pitchFamily="49" charset="0"/>
+                <a:cs typeface="Courier New" panose="02070309020205020404" pitchFamily="49" charset="0"/>
+              </a:rPr>
+              <a:t>int</a:t>
+            </a:r>
+            <a:r>
+              <a:rPr lang="en-US" sz="900" dirty="0">
+                <a:solidFill>
+                  <a:srgbClr val="92D050"/>
+                </a:solidFill>
+                <a:latin typeface="Courier New" panose="02070309020205020404" pitchFamily="49" charset="0"/>
+                <a:cs typeface="Courier New" panose="02070309020205020404" pitchFamily="49" charset="0"/>
+              </a:rPr>
+              <a:t>[]&gt; arrays = new </a:t>
+            </a:r>
+            <a:r>
+              <a:rPr lang="en-US" sz="900" dirty="0" err="1">
+                <a:solidFill>
+                  <a:srgbClr val="92D050"/>
+                </a:solidFill>
+                <a:latin typeface="Courier New" panose="02070309020205020404" pitchFamily="49" charset="0"/>
+                <a:cs typeface="Courier New" panose="02070309020205020404" pitchFamily="49" charset="0"/>
+              </a:rPr>
+              <a:t>ArrayList</a:t>
+            </a:r>
+            <a:r>
+              <a:rPr lang="en-US" sz="900" dirty="0">
+                <a:solidFill>
+                  <a:srgbClr val="92D050"/>
+                </a:solidFill>
+                <a:latin typeface="Courier New" panose="02070309020205020404" pitchFamily="49" charset="0"/>
+                <a:cs typeface="Courier New" panose="02070309020205020404" pitchFamily="49" charset="0"/>
+              </a:rPr>
+              <a:t>&lt;</a:t>
+            </a:r>
+            <a:r>
+              <a:rPr lang="en-US" sz="900" dirty="0" err="1">
+                <a:solidFill>
+                  <a:srgbClr val="92D050"/>
+                </a:solidFill>
+                <a:latin typeface="Courier New" panose="02070309020205020404" pitchFamily="49" charset="0"/>
+                <a:cs typeface="Courier New" panose="02070309020205020404" pitchFamily="49" charset="0"/>
+              </a:rPr>
+              <a:t>int</a:t>
+            </a:r>
+            <a:r>
+              <a:rPr lang="en-US" sz="900" dirty="0">
+                <a:solidFill>
+                  <a:srgbClr val="92D050"/>
+                </a:solidFill>
+                <a:latin typeface="Courier New" panose="02070309020205020404" pitchFamily="49" charset="0"/>
+                <a:cs typeface="Courier New" panose="02070309020205020404" pitchFamily="49" charset="0"/>
+              </a:rPr>
+              <a:t>[]&gt;();</a:t>
+            </a:r>
+          </a:p>
+          <a:p>
+            <a:r>
+              <a:rPr lang="en-US" sz="900" dirty="0">
+                <a:solidFill>
+                  <a:srgbClr val="92D050"/>
+                </a:solidFill>
+                <a:latin typeface="Courier New" panose="02070309020205020404" pitchFamily="49" charset="0"/>
+                <a:cs typeface="Courier New" panose="02070309020205020404" pitchFamily="49" charset="0"/>
+              </a:rPr>
+              <a:t>    </a:t>
+            </a:r>
+          </a:p>
+          <a:p>
+            <a:r>
+              <a:rPr lang="en-US" sz="900" dirty="0" smtClean="0">
+                <a:solidFill>
+                  <a:srgbClr val="92D050"/>
+                </a:solidFill>
+                <a:latin typeface="Courier New" panose="02070309020205020404" pitchFamily="49" charset="0"/>
+                <a:cs typeface="Courier New" panose="02070309020205020404" pitchFamily="49" charset="0"/>
+              </a:rPr>
+              <a:t>for(</a:t>
+            </a:r>
+            <a:r>
+              <a:rPr lang="en-US" sz="900" dirty="0" err="1" smtClean="0">
+                <a:solidFill>
+                  <a:srgbClr val="92D050"/>
+                </a:solidFill>
+                <a:latin typeface="Courier New" panose="02070309020205020404" pitchFamily="49" charset="0"/>
+                <a:cs typeface="Courier New" panose="02070309020205020404" pitchFamily="49" charset="0"/>
+              </a:rPr>
+              <a:t>int</a:t>
+            </a:r>
+            <a:r>
+              <a:rPr lang="en-US" sz="900" dirty="0" smtClean="0">
+                <a:solidFill>
+                  <a:srgbClr val="92D050"/>
+                </a:solidFill>
+                <a:latin typeface="Courier New" panose="02070309020205020404" pitchFamily="49" charset="0"/>
+                <a:cs typeface="Courier New" panose="02070309020205020404" pitchFamily="49" charset="0"/>
+              </a:rPr>
+              <a:t> </a:t>
+            </a:r>
+            <a:r>
+              <a:rPr lang="en-US" sz="900" dirty="0" err="1">
+                <a:solidFill>
+                  <a:srgbClr val="92D050"/>
+                </a:solidFill>
+                <a:latin typeface="Courier New" panose="02070309020205020404" pitchFamily="49" charset="0"/>
+                <a:cs typeface="Courier New" panose="02070309020205020404" pitchFamily="49" charset="0"/>
+              </a:rPr>
+              <a:t>i</a:t>
+            </a:r>
+            <a:r>
+              <a:rPr lang="en-US" sz="900" dirty="0">
+                <a:solidFill>
+                  <a:srgbClr val="92D050"/>
+                </a:solidFill>
+                <a:latin typeface="Courier New" panose="02070309020205020404" pitchFamily="49" charset="0"/>
+                <a:cs typeface="Courier New" panose="02070309020205020404" pitchFamily="49" charset="0"/>
+              </a:rPr>
+              <a:t> = 0; </a:t>
+            </a:r>
+            <a:r>
+              <a:rPr lang="en-US" sz="900" dirty="0" err="1">
+                <a:solidFill>
+                  <a:srgbClr val="92D050"/>
+                </a:solidFill>
+                <a:latin typeface="Courier New" panose="02070309020205020404" pitchFamily="49" charset="0"/>
+                <a:cs typeface="Courier New" panose="02070309020205020404" pitchFamily="49" charset="0"/>
+              </a:rPr>
+              <a:t>i</a:t>
+            </a:r>
+            <a:r>
+              <a:rPr lang="en-US" sz="900" dirty="0">
+                <a:solidFill>
+                  <a:srgbClr val="92D050"/>
+                </a:solidFill>
+                <a:latin typeface="Courier New" panose="02070309020205020404" pitchFamily="49" charset="0"/>
+                <a:cs typeface="Courier New" panose="02070309020205020404" pitchFamily="49" charset="0"/>
+              </a:rPr>
+              <a:t> &lt; 1024; ++</a:t>
+            </a:r>
+            <a:r>
+              <a:rPr lang="en-US" sz="900" dirty="0" err="1">
+                <a:solidFill>
+                  <a:srgbClr val="92D050"/>
+                </a:solidFill>
+                <a:latin typeface="Courier New" panose="02070309020205020404" pitchFamily="49" charset="0"/>
+                <a:cs typeface="Courier New" panose="02070309020205020404" pitchFamily="49" charset="0"/>
+              </a:rPr>
+              <a:t>i</a:t>
+            </a:r>
+            <a:r>
+              <a:rPr lang="en-US" sz="900" dirty="0">
+                <a:solidFill>
+                  <a:srgbClr val="92D050"/>
+                </a:solidFill>
+                <a:latin typeface="Courier New" panose="02070309020205020404" pitchFamily="49" charset="0"/>
+                <a:cs typeface="Courier New" panose="02070309020205020404" pitchFamily="49" charset="0"/>
+              </a:rPr>
+              <a:t>){</a:t>
+            </a:r>
+          </a:p>
+          <a:p>
+            <a:r>
+              <a:rPr lang="en-US" sz="900" dirty="0">
+                <a:solidFill>
+                  <a:srgbClr val="92D050"/>
+                </a:solidFill>
+                <a:latin typeface="Courier New" panose="02070309020205020404" pitchFamily="49" charset="0"/>
+                <a:cs typeface="Courier New" panose="02070309020205020404" pitchFamily="49" charset="0"/>
+              </a:rPr>
+              <a:t>      </a:t>
+            </a:r>
+            <a:r>
+              <a:rPr lang="en-US" sz="900" dirty="0" err="1">
+                <a:solidFill>
+                  <a:srgbClr val="92D050"/>
+                </a:solidFill>
+                <a:latin typeface="Courier New" panose="02070309020205020404" pitchFamily="49" charset="0"/>
+                <a:cs typeface="Courier New" panose="02070309020205020404" pitchFamily="49" charset="0"/>
+              </a:rPr>
+              <a:t>int</a:t>
+            </a:r>
+            <a:r>
+              <a:rPr lang="en-US" sz="900" dirty="0">
+                <a:solidFill>
+                  <a:srgbClr val="92D050"/>
+                </a:solidFill>
+                <a:latin typeface="Courier New" panose="02070309020205020404" pitchFamily="49" charset="0"/>
+                <a:cs typeface="Courier New" panose="02070309020205020404" pitchFamily="49" charset="0"/>
+              </a:rPr>
+              <a:t>[] array = new </a:t>
+            </a:r>
+            <a:r>
+              <a:rPr lang="en-US" sz="900" dirty="0" err="1">
+                <a:solidFill>
+                  <a:srgbClr val="92D050"/>
+                </a:solidFill>
+                <a:latin typeface="Courier New" panose="02070309020205020404" pitchFamily="49" charset="0"/>
+                <a:cs typeface="Courier New" panose="02070309020205020404" pitchFamily="49" charset="0"/>
+              </a:rPr>
+              <a:t>int</a:t>
+            </a:r>
+            <a:r>
+              <a:rPr lang="en-US" sz="900" dirty="0">
+                <a:solidFill>
+                  <a:srgbClr val="92D050"/>
+                </a:solidFill>
+                <a:latin typeface="Courier New" panose="02070309020205020404" pitchFamily="49" charset="0"/>
+                <a:cs typeface="Courier New" panose="02070309020205020404" pitchFamily="49" charset="0"/>
+              </a:rPr>
+              <a:t>[512];</a:t>
+            </a:r>
+          </a:p>
+          <a:p>
+            <a:r>
+              <a:rPr lang="en-US" sz="900" dirty="0">
+                <a:solidFill>
+                  <a:srgbClr val="92D050"/>
+                </a:solidFill>
+                <a:latin typeface="Courier New" panose="02070309020205020404" pitchFamily="49" charset="0"/>
+                <a:cs typeface="Courier New" panose="02070309020205020404" pitchFamily="49" charset="0"/>
+              </a:rPr>
+              <a:t>      for(</a:t>
+            </a:r>
+            <a:r>
+              <a:rPr lang="en-US" sz="900" dirty="0" err="1">
+                <a:solidFill>
+                  <a:srgbClr val="92D050"/>
+                </a:solidFill>
+                <a:latin typeface="Courier New" panose="02070309020205020404" pitchFamily="49" charset="0"/>
+                <a:cs typeface="Courier New" panose="02070309020205020404" pitchFamily="49" charset="0"/>
+              </a:rPr>
+              <a:t>int</a:t>
+            </a:r>
+            <a:r>
+              <a:rPr lang="en-US" sz="900" dirty="0">
+                <a:solidFill>
+                  <a:srgbClr val="92D050"/>
+                </a:solidFill>
+                <a:latin typeface="Courier New" panose="02070309020205020404" pitchFamily="49" charset="0"/>
+                <a:cs typeface="Courier New" panose="02070309020205020404" pitchFamily="49" charset="0"/>
+              </a:rPr>
+              <a:t> j = 0; j &lt; </a:t>
+            </a:r>
+            <a:r>
+              <a:rPr lang="en-US" sz="900" dirty="0" err="1">
+                <a:solidFill>
+                  <a:srgbClr val="92D050"/>
+                </a:solidFill>
+                <a:latin typeface="Courier New" panose="02070309020205020404" pitchFamily="49" charset="0"/>
+                <a:cs typeface="Courier New" panose="02070309020205020404" pitchFamily="49" charset="0"/>
+              </a:rPr>
+              <a:t>array.length</a:t>
+            </a:r>
+            <a:r>
+              <a:rPr lang="en-US" sz="900" dirty="0">
+                <a:solidFill>
+                  <a:srgbClr val="92D050"/>
+                </a:solidFill>
+                <a:latin typeface="Courier New" panose="02070309020205020404" pitchFamily="49" charset="0"/>
+                <a:cs typeface="Courier New" panose="02070309020205020404" pitchFamily="49" charset="0"/>
+              </a:rPr>
+              <a:t>; ++j){</a:t>
+            </a:r>
+          </a:p>
+          <a:p>
+            <a:r>
+              <a:rPr lang="en-US" sz="900" dirty="0">
+                <a:solidFill>
+                  <a:srgbClr val="92D050"/>
+                </a:solidFill>
+                <a:latin typeface="Courier New" panose="02070309020205020404" pitchFamily="49" charset="0"/>
+                <a:cs typeface="Courier New" panose="02070309020205020404" pitchFamily="49" charset="0"/>
+              </a:rPr>
+              <a:t>        array[j] = j;</a:t>
+            </a:r>
+          </a:p>
+          <a:p>
+            <a:r>
+              <a:rPr lang="en-US" sz="900" dirty="0">
+                <a:solidFill>
+                  <a:srgbClr val="92D050"/>
+                </a:solidFill>
+                <a:latin typeface="Courier New" panose="02070309020205020404" pitchFamily="49" charset="0"/>
+                <a:cs typeface="Courier New" panose="02070309020205020404" pitchFamily="49" charset="0"/>
+              </a:rPr>
+              <a:t>      }</a:t>
+            </a:r>
+          </a:p>
+          <a:p>
+            <a:r>
+              <a:rPr lang="en-US" sz="900" dirty="0">
+                <a:solidFill>
+                  <a:srgbClr val="92D050"/>
+                </a:solidFill>
+                <a:latin typeface="Courier New" panose="02070309020205020404" pitchFamily="49" charset="0"/>
+                <a:cs typeface="Courier New" panose="02070309020205020404" pitchFamily="49" charset="0"/>
+              </a:rPr>
+              <a:t>      </a:t>
+            </a:r>
+            <a:r>
+              <a:rPr lang="en-US" sz="900" dirty="0" err="1">
+                <a:solidFill>
+                  <a:srgbClr val="92D050"/>
+                </a:solidFill>
+                <a:latin typeface="Courier New" panose="02070309020205020404" pitchFamily="49" charset="0"/>
+                <a:cs typeface="Courier New" panose="02070309020205020404" pitchFamily="49" charset="0"/>
+              </a:rPr>
+              <a:t>arrays.add</a:t>
+            </a:r>
+            <a:r>
+              <a:rPr lang="en-US" sz="900" dirty="0">
+                <a:solidFill>
+                  <a:srgbClr val="92D050"/>
+                </a:solidFill>
+                <a:latin typeface="Courier New" panose="02070309020205020404" pitchFamily="49" charset="0"/>
+                <a:cs typeface="Courier New" panose="02070309020205020404" pitchFamily="49" charset="0"/>
+              </a:rPr>
+              <a:t>(array);</a:t>
+            </a:r>
+          </a:p>
+          <a:p>
+            <a:r>
+              <a:rPr lang="en-US" sz="900" dirty="0">
+                <a:solidFill>
+                  <a:srgbClr val="92D050"/>
+                </a:solidFill>
+                <a:latin typeface="Courier New" panose="02070309020205020404" pitchFamily="49" charset="0"/>
+                <a:cs typeface="Courier New" panose="02070309020205020404" pitchFamily="49" charset="0"/>
+              </a:rPr>
+              <a:t>    }</a:t>
+            </a:r>
+          </a:p>
+          <a:p>
+            <a:r>
+              <a:rPr lang="en-US" sz="900" dirty="0">
+                <a:solidFill>
+                  <a:srgbClr val="92D050"/>
+                </a:solidFill>
+                <a:latin typeface="Courier New" panose="02070309020205020404" pitchFamily="49" charset="0"/>
+                <a:cs typeface="Courier New" panose="02070309020205020404" pitchFamily="49" charset="0"/>
+              </a:rPr>
+              <a:t>    </a:t>
+            </a:r>
+          </a:p>
+          <a:p>
+            <a:r>
+              <a:rPr lang="en-US" sz="900" dirty="0">
+                <a:solidFill>
+                  <a:srgbClr val="92D050"/>
+                </a:solidFill>
+                <a:latin typeface="Courier New" panose="02070309020205020404" pitchFamily="49" charset="0"/>
+                <a:cs typeface="Courier New" panose="02070309020205020404" pitchFamily="49" charset="0"/>
+              </a:rPr>
+              <a:t>    </a:t>
+            </a:r>
+            <a:r>
+              <a:rPr lang="en-US" sz="900" dirty="0" err="1">
+                <a:solidFill>
+                  <a:srgbClr val="92D050"/>
+                </a:solidFill>
+                <a:latin typeface="Courier New" panose="02070309020205020404" pitchFamily="49" charset="0"/>
+                <a:cs typeface="Courier New" panose="02070309020205020404" pitchFamily="49" charset="0"/>
+              </a:rPr>
+              <a:t>int</a:t>
+            </a:r>
+            <a:r>
+              <a:rPr lang="en-US" sz="900" dirty="0">
+                <a:solidFill>
+                  <a:srgbClr val="92D050"/>
+                </a:solidFill>
+                <a:latin typeface="Courier New" panose="02070309020205020404" pitchFamily="49" charset="0"/>
+                <a:cs typeface="Courier New" panose="02070309020205020404" pitchFamily="49" charset="0"/>
+              </a:rPr>
+              <a:t>[] sums = </a:t>
+            </a:r>
+            <a:r>
+              <a:rPr lang="en-US" sz="900" dirty="0" err="1">
+                <a:solidFill>
+                  <a:srgbClr val="92D050"/>
+                </a:solidFill>
+                <a:latin typeface="Courier New" panose="02070309020205020404" pitchFamily="49" charset="0"/>
+                <a:cs typeface="Courier New" panose="02070309020205020404" pitchFamily="49" charset="0"/>
+              </a:rPr>
+              <a:t>app.sumArrays</a:t>
+            </a:r>
+            <a:r>
+              <a:rPr lang="en-US" sz="900" dirty="0">
+                <a:solidFill>
+                  <a:srgbClr val="92D050"/>
+                </a:solidFill>
+                <a:latin typeface="Courier New" panose="02070309020205020404" pitchFamily="49" charset="0"/>
+                <a:cs typeface="Courier New" panose="02070309020205020404" pitchFamily="49" charset="0"/>
+              </a:rPr>
+              <a:t>(arrays);</a:t>
+            </a:r>
+          </a:p>
+          <a:p>
+            <a:r>
+              <a:rPr lang="en-US" sz="900" dirty="0">
+                <a:solidFill>
+                  <a:srgbClr val="92D050"/>
+                </a:solidFill>
+                <a:latin typeface="Courier New" panose="02070309020205020404" pitchFamily="49" charset="0"/>
+                <a:cs typeface="Courier New" panose="02070309020205020404" pitchFamily="49" charset="0"/>
+              </a:rPr>
+              <a:t>    for(</a:t>
+            </a:r>
+            <a:r>
+              <a:rPr lang="en-US" sz="900" dirty="0" err="1">
+                <a:solidFill>
+                  <a:srgbClr val="92D050"/>
+                </a:solidFill>
+                <a:latin typeface="Courier New" panose="02070309020205020404" pitchFamily="49" charset="0"/>
+                <a:cs typeface="Courier New" panose="02070309020205020404" pitchFamily="49" charset="0"/>
+              </a:rPr>
+              <a:t>int</a:t>
+            </a:r>
+            <a:r>
+              <a:rPr lang="en-US" sz="900" dirty="0">
+                <a:solidFill>
+                  <a:srgbClr val="92D050"/>
+                </a:solidFill>
+                <a:latin typeface="Courier New" panose="02070309020205020404" pitchFamily="49" charset="0"/>
+                <a:cs typeface="Courier New" panose="02070309020205020404" pitchFamily="49" charset="0"/>
+              </a:rPr>
+              <a:t> </a:t>
+            </a:r>
+            <a:r>
+              <a:rPr lang="en-US" sz="900" dirty="0" err="1">
+                <a:solidFill>
+                  <a:srgbClr val="92D050"/>
+                </a:solidFill>
+                <a:latin typeface="Courier New" panose="02070309020205020404" pitchFamily="49" charset="0"/>
+                <a:cs typeface="Courier New" panose="02070309020205020404" pitchFamily="49" charset="0"/>
+              </a:rPr>
+              <a:t>i</a:t>
+            </a:r>
+            <a:r>
+              <a:rPr lang="en-US" sz="900" dirty="0">
+                <a:solidFill>
+                  <a:srgbClr val="92D050"/>
+                </a:solidFill>
+                <a:latin typeface="Courier New" panose="02070309020205020404" pitchFamily="49" charset="0"/>
+                <a:cs typeface="Courier New" panose="02070309020205020404" pitchFamily="49" charset="0"/>
+              </a:rPr>
+              <a:t> = 0; </a:t>
+            </a:r>
+            <a:r>
+              <a:rPr lang="en-US" sz="900" dirty="0" err="1">
+                <a:solidFill>
+                  <a:srgbClr val="92D050"/>
+                </a:solidFill>
+                <a:latin typeface="Courier New" panose="02070309020205020404" pitchFamily="49" charset="0"/>
+                <a:cs typeface="Courier New" panose="02070309020205020404" pitchFamily="49" charset="0"/>
+              </a:rPr>
+              <a:t>i</a:t>
+            </a:r>
+            <a:r>
+              <a:rPr lang="en-US" sz="900" dirty="0">
+                <a:solidFill>
+                  <a:srgbClr val="92D050"/>
+                </a:solidFill>
+                <a:latin typeface="Courier New" panose="02070309020205020404" pitchFamily="49" charset="0"/>
+                <a:cs typeface="Courier New" panose="02070309020205020404" pitchFamily="49" charset="0"/>
+              </a:rPr>
+              <a:t> &lt; </a:t>
+            </a:r>
+            <a:r>
+              <a:rPr lang="en-US" sz="900" dirty="0" err="1">
+                <a:solidFill>
+                  <a:srgbClr val="92D050"/>
+                </a:solidFill>
+                <a:latin typeface="Courier New" panose="02070309020205020404" pitchFamily="49" charset="0"/>
+                <a:cs typeface="Courier New" panose="02070309020205020404" pitchFamily="49" charset="0"/>
+              </a:rPr>
+              <a:t>sums.length</a:t>
+            </a:r>
+            <a:r>
+              <a:rPr lang="en-US" sz="900" dirty="0">
+                <a:solidFill>
+                  <a:srgbClr val="92D050"/>
+                </a:solidFill>
+                <a:latin typeface="Courier New" panose="02070309020205020404" pitchFamily="49" charset="0"/>
+                <a:cs typeface="Courier New" panose="02070309020205020404" pitchFamily="49" charset="0"/>
+              </a:rPr>
+              <a:t>; ++</a:t>
+            </a:r>
+            <a:r>
+              <a:rPr lang="en-US" sz="900" dirty="0" err="1">
+                <a:solidFill>
+                  <a:srgbClr val="92D050"/>
+                </a:solidFill>
+                <a:latin typeface="Courier New" panose="02070309020205020404" pitchFamily="49" charset="0"/>
+                <a:cs typeface="Courier New" panose="02070309020205020404" pitchFamily="49" charset="0"/>
+              </a:rPr>
+              <a:t>i</a:t>
+            </a:r>
+            <a:r>
+              <a:rPr lang="en-US" sz="900" dirty="0">
+                <a:solidFill>
+                  <a:srgbClr val="92D050"/>
+                </a:solidFill>
+                <a:latin typeface="Courier New" panose="02070309020205020404" pitchFamily="49" charset="0"/>
+                <a:cs typeface="Courier New" panose="02070309020205020404" pitchFamily="49" charset="0"/>
+              </a:rPr>
+              <a:t>){</a:t>
+            </a:r>
+          </a:p>
+          <a:p>
+            <a:r>
+              <a:rPr lang="en-US" sz="900" dirty="0">
+                <a:solidFill>
+                  <a:srgbClr val="92D050"/>
+                </a:solidFill>
+                <a:latin typeface="Courier New" panose="02070309020205020404" pitchFamily="49" charset="0"/>
+                <a:cs typeface="Courier New" panose="02070309020205020404" pitchFamily="49" charset="0"/>
+              </a:rPr>
+              <a:t>      </a:t>
+            </a:r>
+            <a:r>
+              <a:rPr lang="en-US" sz="900" dirty="0" err="1">
+                <a:solidFill>
+                  <a:srgbClr val="92D050"/>
+                </a:solidFill>
+                <a:latin typeface="Courier New" panose="02070309020205020404" pitchFamily="49" charset="0"/>
+                <a:cs typeface="Courier New" panose="02070309020205020404" pitchFamily="49" charset="0"/>
+              </a:rPr>
+              <a:t>System.out.println</a:t>
+            </a:r>
+            <a:r>
+              <a:rPr lang="en-US" sz="900" dirty="0">
+                <a:solidFill>
+                  <a:srgbClr val="92D050"/>
+                </a:solidFill>
+                <a:latin typeface="Courier New" panose="02070309020205020404" pitchFamily="49" charset="0"/>
+                <a:cs typeface="Courier New" panose="02070309020205020404" pitchFamily="49" charset="0"/>
+              </a:rPr>
+              <a:t>("sum for arrays["+</a:t>
+            </a:r>
+            <a:r>
+              <a:rPr lang="en-US" sz="900" dirty="0" err="1">
+                <a:solidFill>
+                  <a:srgbClr val="92D050"/>
+                </a:solidFill>
+                <a:latin typeface="Courier New" panose="02070309020205020404" pitchFamily="49" charset="0"/>
+                <a:cs typeface="Courier New" panose="02070309020205020404" pitchFamily="49" charset="0"/>
+              </a:rPr>
+              <a:t>i</a:t>
+            </a:r>
+            <a:r>
+              <a:rPr lang="en-US" sz="900" dirty="0">
+                <a:solidFill>
+                  <a:srgbClr val="92D050"/>
+                </a:solidFill>
+                <a:latin typeface="Courier New" panose="02070309020205020404" pitchFamily="49" charset="0"/>
+                <a:cs typeface="Courier New" panose="02070309020205020404" pitchFamily="49" charset="0"/>
+              </a:rPr>
+              <a:t>+"]: "+sums[</a:t>
+            </a:r>
+            <a:r>
+              <a:rPr lang="en-US" sz="900" dirty="0" err="1">
+                <a:solidFill>
+                  <a:srgbClr val="92D050"/>
+                </a:solidFill>
+                <a:latin typeface="Courier New" panose="02070309020205020404" pitchFamily="49" charset="0"/>
+                <a:cs typeface="Courier New" panose="02070309020205020404" pitchFamily="49" charset="0"/>
+              </a:rPr>
+              <a:t>i</a:t>
+            </a:r>
+            <a:r>
+              <a:rPr lang="en-US" sz="900" dirty="0">
+                <a:solidFill>
+                  <a:srgbClr val="92D050"/>
+                </a:solidFill>
+                <a:latin typeface="Courier New" panose="02070309020205020404" pitchFamily="49" charset="0"/>
+                <a:cs typeface="Courier New" panose="02070309020205020404" pitchFamily="49" charset="0"/>
+              </a:rPr>
+              <a:t>]);</a:t>
+            </a:r>
+          </a:p>
+          <a:p>
+            <a:r>
+              <a:rPr lang="en-US" sz="900" dirty="0">
+                <a:solidFill>
+                  <a:srgbClr val="92D050"/>
+                </a:solidFill>
+                <a:latin typeface="Courier New" panose="02070309020205020404" pitchFamily="49" charset="0"/>
+                <a:cs typeface="Courier New" panose="02070309020205020404" pitchFamily="49" charset="0"/>
+              </a:rPr>
+              <a:t>    }</a:t>
+            </a:r>
+          </a:p>
+          <a:p>
+            <a:r>
+              <a:rPr lang="en-US" sz="900" dirty="0">
+                <a:solidFill>
+                  <a:srgbClr val="92D050"/>
+                </a:solidFill>
+                <a:latin typeface="Courier New" panose="02070309020205020404" pitchFamily="49" charset="0"/>
+                <a:cs typeface="Courier New" panose="02070309020205020404" pitchFamily="49" charset="0"/>
+              </a:rPr>
+              <a:t>  }</a:t>
+            </a:r>
+          </a:p>
+          <a:p>
+            <a:r>
+              <a:rPr lang="en-US" sz="900" dirty="0">
+                <a:solidFill>
+                  <a:srgbClr val="92D050"/>
+                </a:solidFill>
+                <a:latin typeface="Courier New" panose="02070309020205020404" pitchFamily="49" charset="0"/>
+                <a:cs typeface="Courier New" panose="02070309020205020404" pitchFamily="49" charset="0"/>
+              </a:rPr>
+              <a:t>}</a:t>
+            </a:r>
+          </a:p>
+        </p:txBody>
+      </p:sp>
+      <p:sp>
+        <p:nvSpPr>
+          <p:cNvPr id="16" name="TextBox 15"/>
+          <p:cNvSpPr txBox="1"/>
+          <p:nvPr/>
+        </p:nvSpPr>
+        <p:spPr>
+          <a:xfrm>
+            <a:off x="134829" y="5880070"/>
+            <a:ext cx="4211705" cy="830997"/>
+          </a:xfrm>
+          <a:prstGeom prst="rect">
+            <a:avLst/>
+          </a:prstGeom>
+          <a:noFill/>
+        </p:spPr>
+        <p:txBody>
+          <a:bodyPr wrap="square" rtlCol="0">
+            <a:spAutoFit/>
+          </a:bodyPr>
+          <a:lstStyle/>
+          <a:p>
+            <a:r>
+              <a:rPr lang="en-GB" sz="2400" dirty="0" smtClean="0">
+                <a:latin typeface="Comic Sans MS" panose="030F0702030302020204" pitchFamily="66" charset="0"/>
+                <a:cs typeface="Consolas" panose="020B0609020204030204" pitchFamily="49" charset="0"/>
+              </a:rPr>
+              <a:t>…instead of</a:t>
+            </a:r>
+          </a:p>
+          <a:p>
+            <a:r>
+              <a:rPr lang="en-GB" sz="2400" dirty="0" smtClean="0">
+                <a:latin typeface="Comic Sans MS" panose="030F0702030302020204" pitchFamily="66" charset="0"/>
+                <a:cs typeface="Consolas" panose="020B0609020204030204" pitchFamily="49" charset="0"/>
+              </a:rPr>
+              <a:t>“(0 until 512).</a:t>
+            </a:r>
+            <a:r>
+              <a:rPr lang="en-GB" sz="2400" dirty="0" err="1" smtClean="0">
+                <a:latin typeface="Comic Sans MS" panose="030F0702030302020204" pitchFamily="66" charset="0"/>
+                <a:cs typeface="Consolas" panose="020B0609020204030204" pitchFamily="49" charset="0"/>
+              </a:rPr>
+              <a:t>cl.sum</a:t>
+            </a:r>
+            <a:r>
+              <a:rPr lang="en-GB" sz="2400" dirty="0" smtClean="0">
+                <a:latin typeface="Comic Sans MS" panose="030F0702030302020204" pitchFamily="66" charset="0"/>
+                <a:cs typeface="Consolas" panose="020B0609020204030204" pitchFamily="49" charset="0"/>
+              </a:rPr>
+              <a:t>”</a:t>
+            </a:r>
+            <a:endParaRPr lang="en-GB" sz="2400" dirty="0">
+              <a:latin typeface="Comic Sans MS" panose="030F0702030302020204" pitchFamily="66" charset="0"/>
+              <a:cs typeface="Consolas" panose="020B0609020204030204" pitchFamily="49" charset="0"/>
+            </a:endParaRPr>
+          </a:p>
+        </p:txBody>
+      </p:sp>
+    </p:spTree>
+    <p:extLst>
+      <p:ext uri="{BB962C8B-B14F-4D97-AF65-F5344CB8AC3E}">
+        <p14:creationId xmlns:p14="http://schemas.microsoft.com/office/powerpoint/2010/main" val="2230775740"/>
+      </p:ext>
+    </p:extLst>
+  </p:cSld>
+  <p:clrMapOvr>
+    <a:masterClrMapping/>
+  </p:clrMapOvr>
+  <p:timing>
+    <p:tnLst>
+      <p:par>
+        <p:cTn id="1" dur="indefinite" restart="never" nodeType="tmRoot"/>
+      </p:par>
+    </p:tnLst>
+  </p:timing>
+</p:sld>
+</file>
+
+<file path=ppt/slides/slide6.xml><?xml version="1.0" encoding="utf-8"?>
+<p:sld xmlns:a="http://schemas.openxmlformats.org/drawingml/2006/main" xmlns:r="http://schemas.openxmlformats.org/officeDocument/2006/relationships" xmlns:p="http://schemas.openxmlformats.org/presentationml/2006/main">
+  <p:cSld>
+    <p:spTree>
+      <p:nvGrpSpPr>
+        <p:cNvPr id="1" name=""/>
+        <p:cNvGrpSpPr/>
+        <p:nvPr/>
+      </p:nvGrpSpPr>
+      <p:grpSpPr>
+        <a:xfrm>
+          <a:off x="0" y="0"/>
+          <a:ext cx="0" cy="0"/>
+          <a:chOff x="0" y="0"/>
+          <a:chExt cx="0" cy="0"/>
+        </a:xfrm>
+      </p:grpSpPr>
+      <p:sp>
+        <p:nvSpPr>
+          <p:cNvPr id="13" name="Title 1"/>
+          <p:cNvSpPr>
+            <a:spLocks noGrp="1"/>
+          </p:cNvSpPr>
+          <p:nvPr>
+            <p:ph type="title"/>
+          </p:nvPr>
+        </p:nvSpPr>
+        <p:spPr>
+          <a:xfrm>
+            <a:off x="457200" y="274638"/>
+            <a:ext cx="8229600" cy="1143000"/>
+          </a:xfrm>
+        </p:spPr>
+        <p:txBody>
+          <a:bodyPr>
+            <a:normAutofit/>
+          </a:bodyPr>
+          <a:lstStyle/>
+          <a:p>
+            <a:pPr algn="l"/>
+            <a:r>
+              <a:rPr lang="en-GB" dirty="0" err="1" smtClean="0">
+                <a:solidFill>
+                  <a:schemeClr val="bg1">
+                    <a:lumMod val="50000"/>
+                  </a:schemeClr>
+                </a:solidFill>
+                <a:latin typeface="Comic Sans MS"/>
+              </a:rPr>
+              <a:t>ScalaCL</a:t>
+            </a:r>
+            <a:r>
+              <a:rPr lang="en-GB" dirty="0" smtClean="0">
+                <a:solidFill>
+                  <a:schemeClr val="bg1">
+                    <a:lumMod val="50000"/>
+                  </a:schemeClr>
+                </a:solidFill>
+                <a:latin typeface="Comic Sans MS"/>
+              </a:rPr>
+              <a:t> status</a:t>
+            </a:r>
+            <a:endParaRPr lang="en-US" dirty="0"/>
+          </a:p>
+        </p:txBody>
+      </p:sp>
+      <p:sp>
+        <p:nvSpPr>
+          <p:cNvPr id="4" name="TextBox 3"/>
+          <p:cNvSpPr txBox="1"/>
+          <p:nvPr/>
+        </p:nvSpPr>
+        <p:spPr>
+          <a:xfrm>
+            <a:off x="563672" y="1691014"/>
+            <a:ext cx="5715294" cy="3970318"/>
+          </a:xfrm>
+          <a:prstGeom prst="rect">
+            <a:avLst/>
+          </a:prstGeom>
+          <a:noFill/>
+        </p:spPr>
+        <p:txBody>
+          <a:bodyPr wrap="square" rtlCol="0">
+            <a:spAutoFit/>
+          </a:bodyPr>
+          <a:lstStyle/>
+          <a:p>
+            <a:pPr marL="285750" indent="-285750">
+              <a:buFont typeface="Arial" panose="020B0604020202020204" pitchFamily="34" charset="0"/>
+              <a:buChar char="•"/>
+            </a:pPr>
+            <a:r>
+              <a:rPr lang="en-GB" dirty="0" smtClean="0">
+                <a:latin typeface="Comic Sans MS" panose="030F0702030302020204" pitchFamily="66" charset="0"/>
+                <a:cs typeface="Consolas" panose="020B0609020204030204" pitchFamily="49" charset="0"/>
+              </a:rPr>
+              <a:t>Free and open source</a:t>
+            </a:r>
+          </a:p>
+          <a:p>
+            <a:pPr marL="285750" indent="-285750">
+              <a:buFont typeface="Arial" panose="020B0604020202020204" pitchFamily="34" charset="0"/>
+              <a:buChar char="•"/>
+            </a:pPr>
+            <a:r>
+              <a:rPr lang="en-GB" dirty="0" smtClean="0">
+                <a:latin typeface="Comic Sans MS" panose="030F0702030302020204" pitchFamily="66" charset="0"/>
+                <a:cs typeface="Consolas" panose="020B0609020204030204" pitchFamily="49" charset="0"/>
+              </a:rPr>
+              <a:t>6 lines to enable in a SBT project</a:t>
+            </a:r>
+          </a:p>
+          <a:p>
+            <a:pPr marL="285750" indent="-285750">
+              <a:buFont typeface="Arial" panose="020B0604020202020204" pitchFamily="34" charset="0"/>
+              <a:buChar char="•"/>
+            </a:pPr>
+            <a:r>
+              <a:rPr lang="en-GB" dirty="0" smtClean="0">
+                <a:latin typeface="Comic Sans MS" panose="030F0702030302020204" pitchFamily="66" charset="0"/>
+                <a:cs typeface="Consolas" panose="020B0609020204030204" pitchFamily="49" charset="0"/>
+              </a:rPr>
+              <a:t>Some operations might still be running on the CPU.  The compiler can warn you.</a:t>
+            </a:r>
+          </a:p>
+          <a:p>
+            <a:pPr marL="285750" indent="-285750">
+              <a:buFont typeface="Arial" panose="020B0604020202020204" pitchFamily="34" charset="0"/>
+              <a:buChar char="•"/>
+            </a:pPr>
+            <a:endParaRPr lang="en-GB" dirty="0">
+              <a:latin typeface="Comic Sans MS" panose="030F0702030302020204" pitchFamily="66" charset="0"/>
+              <a:cs typeface="Consolas" panose="020B0609020204030204" pitchFamily="49" charset="0"/>
+            </a:endParaRPr>
+          </a:p>
+          <a:p>
+            <a:pPr marL="285750" indent="-285750">
+              <a:buFont typeface="Arial" panose="020B0604020202020204" pitchFamily="34" charset="0"/>
+              <a:buChar char="•"/>
+            </a:pPr>
+            <a:endParaRPr lang="en-GB" dirty="0" smtClean="0">
+              <a:latin typeface="Comic Sans MS" panose="030F0702030302020204" pitchFamily="66" charset="0"/>
+              <a:cs typeface="Consolas" panose="020B0609020204030204" pitchFamily="49" charset="0"/>
+            </a:endParaRPr>
+          </a:p>
+          <a:p>
+            <a:pPr marL="285750" indent="-285750">
+              <a:buFont typeface="Arial" panose="020B0604020202020204" pitchFamily="34" charset="0"/>
+              <a:buChar char="•"/>
+            </a:pPr>
+            <a:r>
+              <a:rPr lang="en-GB" dirty="0" smtClean="0">
+                <a:latin typeface="Comic Sans MS" panose="030F0702030302020204" pitchFamily="66" charset="0"/>
+                <a:cs typeface="Consolas" panose="020B0609020204030204" pitchFamily="49" charset="0"/>
+              </a:rPr>
+              <a:t>Two different versions</a:t>
+            </a:r>
+            <a:endParaRPr lang="en-GB" dirty="0">
+              <a:latin typeface="Comic Sans MS" panose="030F0702030302020204" pitchFamily="66" charset="0"/>
+              <a:cs typeface="Consolas" panose="020B0609020204030204" pitchFamily="49" charset="0"/>
+            </a:endParaRPr>
+          </a:p>
+          <a:p>
+            <a:pPr marL="285750" indent="-285750">
+              <a:buFont typeface="Arial" panose="020B0604020202020204" pitchFamily="34" charset="0"/>
+              <a:buChar char="•"/>
+            </a:pPr>
+            <a:r>
+              <a:rPr lang="en-GB" dirty="0" smtClean="0">
+                <a:latin typeface="Comic Sans MS" panose="030F0702030302020204" pitchFamily="66" charset="0"/>
+                <a:cs typeface="Consolas" panose="020B0609020204030204" pitchFamily="49" charset="0"/>
+                <a:hlinkClick r:id="rId2"/>
+              </a:rPr>
+              <a:t>https</a:t>
+            </a:r>
+            <a:r>
+              <a:rPr lang="en-GB" dirty="0">
+                <a:latin typeface="Comic Sans MS" panose="030F0702030302020204" pitchFamily="66" charset="0"/>
+                <a:cs typeface="Consolas" panose="020B0609020204030204" pitchFamily="49" charset="0"/>
+                <a:hlinkClick r:id="rId2"/>
+              </a:rPr>
+              <a:t>://code.google.com/p/scalacl</a:t>
+            </a:r>
+            <a:r>
+              <a:rPr lang="en-GB" dirty="0" smtClean="0">
+                <a:latin typeface="Comic Sans MS" panose="030F0702030302020204" pitchFamily="66" charset="0"/>
+                <a:cs typeface="Consolas" panose="020B0609020204030204" pitchFamily="49" charset="0"/>
+                <a:hlinkClick r:id="rId2"/>
+              </a:rPr>
+              <a:t>/</a:t>
+            </a:r>
+            <a:endParaRPr lang="en-GB" dirty="0" smtClean="0">
+              <a:latin typeface="Comic Sans MS" panose="030F0702030302020204" pitchFamily="66" charset="0"/>
+              <a:cs typeface="Consolas" panose="020B0609020204030204" pitchFamily="49" charset="0"/>
+            </a:endParaRPr>
+          </a:p>
+          <a:p>
+            <a:pPr marL="742950" lvl="1" indent="-285750">
+              <a:buFont typeface="Arial" panose="020B0604020202020204" pitchFamily="34" charset="0"/>
+              <a:buChar char="•"/>
+            </a:pPr>
+            <a:r>
+              <a:rPr lang="en-GB" dirty="0">
+                <a:latin typeface="Comic Sans MS" panose="030F0702030302020204" pitchFamily="66" charset="0"/>
+                <a:cs typeface="Consolas" panose="020B0609020204030204" pitchFamily="49" charset="0"/>
+              </a:rPr>
+              <a:t>A Scala compiler </a:t>
+            </a:r>
+            <a:r>
+              <a:rPr lang="en-GB" dirty="0" smtClean="0">
+                <a:latin typeface="Comic Sans MS" panose="030F0702030302020204" pitchFamily="66" charset="0"/>
+                <a:cs typeface="Consolas" panose="020B0609020204030204" pitchFamily="49" charset="0"/>
+              </a:rPr>
+              <a:t>plugin</a:t>
+            </a:r>
+          </a:p>
+          <a:p>
+            <a:pPr marL="742950" lvl="1" indent="-285750">
+              <a:buFont typeface="Arial" panose="020B0604020202020204" pitchFamily="34" charset="0"/>
+              <a:buChar char="•"/>
+            </a:pPr>
+            <a:r>
+              <a:rPr lang="en-GB" dirty="0" smtClean="0">
+                <a:latin typeface="Comic Sans MS" panose="030F0702030302020204" pitchFamily="66" charset="0"/>
+                <a:cs typeface="Consolas" panose="020B0609020204030204" pitchFamily="49" charset="0"/>
+              </a:rPr>
+              <a:t>Functional, </a:t>
+            </a:r>
+            <a:r>
+              <a:rPr lang="en-GB" dirty="0">
+                <a:latin typeface="Comic Sans MS" panose="030F0702030302020204" pitchFamily="66" charset="0"/>
+                <a:cs typeface="Consolas" panose="020B0609020204030204" pitchFamily="49" charset="0"/>
+              </a:rPr>
+              <a:t>not production ready</a:t>
+            </a:r>
+            <a:endParaRPr lang="en-GB" dirty="0" smtClean="0">
+              <a:latin typeface="Comic Sans MS" panose="030F0702030302020204" pitchFamily="66" charset="0"/>
+              <a:cs typeface="Consolas" panose="020B0609020204030204" pitchFamily="49" charset="0"/>
+            </a:endParaRPr>
+          </a:p>
+          <a:p>
+            <a:pPr marL="285750" indent="-285750">
+              <a:buFont typeface="Arial" panose="020B0604020202020204" pitchFamily="34" charset="0"/>
+              <a:buChar char="•"/>
+            </a:pPr>
+            <a:r>
+              <a:rPr lang="en-GB" dirty="0" smtClean="0">
+                <a:latin typeface="Comic Sans MS" panose="030F0702030302020204" pitchFamily="66" charset="0"/>
+                <a:cs typeface="Consolas" panose="020B0609020204030204" pitchFamily="49" charset="0"/>
+                <a:hlinkClick r:id="rId3"/>
+              </a:rPr>
+              <a:t>https</a:t>
+            </a:r>
+            <a:r>
+              <a:rPr lang="en-GB" dirty="0">
+                <a:latin typeface="Comic Sans MS" panose="030F0702030302020204" pitchFamily="66" charset="0"/>
+                <a:cs typeface="Consolas" panose="020B0609020204030204" pitchFamily="49" charset="0"/>
+                <a:hlinkClick r:id="rId3"/>
+              </a:rPr>
+              <a:t>://</a:t>
+            </a:r>
+            <a:r>
+              <a:rPr lang="en-GB" dirty="0" smtClean="0">
+                <a:latin typeface="Comic Sans MS" panose="030F0702030302020204" pitchFamily="66" charset="0"/>
+                <a:cs typeface="Consolas" panose="020B0609020204030204" pitchFamily="49" charset="0"/>
+                <a:hlinkClick r:id="rId3"/>
+              </a:rPr>
+              <a:t>github.com/ochafik/ScalaCL</a:t>
+            </a:r>
+            <a:endParaRPr lang="en-GB" dirty="0" smtClean="0">
+              <a:latin typeface="Comic Sans MS" panose="030F0702030302020204" pitchFamily="66" charset="0"/>
+              <a:cs typeface="Consolas" panose="020B0609020204030204" pitchFamily="49" charset="0"/>
+            </a:endParaRPr>
+          </a:p>
+          <a:p>
+            <a:pPr marL="742950" lvl="1" indent="-285750">
+              <a:buFont typeface="Arial" panose="020B0604020202020204" pitchFamily="34" charset="0"/>
+              <a:buChar char="•"/>
+            </a:pPr>
+            <a:r>
+              <a:rPr lang="en-GB" dirty="0" smtClean="0">
+                <a:latin typeface="Comic Sans MS" panose="030F0702030302020204" pitchFamily="66" charset="0"/>
+                <a:cs typeface="Consolas" panose="020B0609020204030204" pitchFamily="49" charset="0"/>
+              </a:rPr>
+              <a:t>Implemented using Scala macros</a:t>
+            </a:r>
+          </a:p>
+          <a:p>
+            <a:pPr marL="742950" lvl="1" indent="-285750">
+              <a:buFont typeface="Arial" panose="020B0604020202020204" pitchFamily="34" charset="0"/>
+              <a:buChar char="•"/>
+            </a:pPr>
+            <a:r>
+              <a:rPr lang="en-GB" dirty="0" smtClean="0">
+                <a:latin typeface="Comic Sans MS" panose="030F0702030302020204" pitchFamily="66" charset="0"/>
+                <a:cs typeface="Consolas" panose="020B0609020204030204" pitchFamily="49" charset="0"/>
+              </a:rPr>
+              <a:t>Work-in-progress, not yet functional</a:t>
+            </a:r>
+          </a:p>
+          <a:p>
+            <a:pPr marL="285750" indent="-285750">
+              <a:buFont typeface="Arial" panose="020B0604020202020204" pitchFamily="34" charset="0"/>
+              <a:buChar char="•"/>
+            </a:pPr>
+            <a:endParaRPr lang="en-GB" dirty="0">
+              <a:latin typeface="Comic Sans MS" panose="030F0702030302020204" pitchFamily="66" charset="0"/>
+              <a:cs typeface="Consolas" panose="020B0609020204030204" pitchFamily="49" charset="0"/>
+            </a:endParaRPr>
+          </a:p>
+        </p:txBody>
+      </p:sp>
+    </p:spTree>
+    <p:extLst>
+      <p:ext uri="{BB962C8B-B14F-4D97-AF65-F5344CB8AC3E}">
+        <p14:creationId xmlns:p14="http://schemas.microsoft.com/office/powerpoint/2010/main" val="428300527"/>
+      </p:ext>
+    </p:extLst>
+  </p:cSld>
+  <p:clrMapOvr>
+    <a:masterClrMapping/>
+  </p:clrMapOvr>
+  <p:timing>
+    <p:tnLst>
+      <p:par>
+        <p:cTn id="1" dur="indefinite" restart="never" nodeType="tmRoot"/>
+      </p:par>
+    </p:tnLst>
+  </p:timing>
+</p:sld>
+</file>
+
+<file path=ppt/slides/slide7.xml><?xml version="1.0" encoding="utf-8"?>
 <p:sld xmlns:a="http://schemas.openxmlformats.org/drawingml/2006/main" xmlns:r="http://schemas.openxmlformats.org/officeDocument/2006/relationships" xmlns:p="http://schemas.openxmlformats.org/presentationml/2006/main">
   <p:cSld>
     <p:spTree>

--- a/ScalaCL_Chissel.pptx
+++ b/ScalaCL_Chissel.pptx
@@ -3572,7 +3572,7 @@
         <p:spPr>
           <a:xfrm>
             <a:off x="889348" y="1691014"/>
-            <a:ext cx="5320687" cy="1754326"/>
+            <a:ext cx="5320687" cy="2031325"/>
           </a:xfrm>
           <a:prstGeom prst="rect">
             <a:avLst/>
@@ -3691,12 +3691,18 @@
               <a:buChar char="•"/>
             </a:pPr>
             <a:r>
-              <a:rPr lang="en-GB" smtClean="0">
+              <a:rPr lang="en-GB" dirty="0" smtClean="0">
                 <a:latin typeface="Comic Sans MS" panose="030F0702030302020204" pitchFamily="66" charset="0"/>
                 <a:cs typeface="Consolas" panose="020B0609020204030204" pitchFamily="49" charset="0"/>
               </a:rPr>
               <a:t>Most graphics cards</a:t>
             </a:r>
+          </a:p>
+          <a:p>
+            <a:pPr marL="742950" lvl="1" indent="-285750">
+              <a:buFont typeface="Arial" panose="020B0604020202020204" pitchFamily="34" charset="0"/>
+              <a:buChar char="•"/>
+            </a:pPr>
             <a:endParaRPr lang="en-GB" dirty="0" smtClean="0">
               <a:latin typeface="Comic Sans MS" panose="030F0702030302020204" pitchFamily="66" charset="0"/>
               <a:cs typeface="Consolas" panose="020B0609020204030204" pitchFamily="49" charset="0"/>

--- a/ScalaCL_Chissel.pptx
+++ b/ScalaCL_Chissel.pptx
@@ -5,16 +5,18 @@
     <p:sldMasterId id="2147483648" r:id="rId1"/>
   </p:sldMasterIdLst>
   <p:notesMasterIdLst>
-    <p:notesMasterId r:id="rId9"/>
+    <p:notesMasterId r:id="rId11"/>
   </p:notesMasterIdLst>
   <p:sldIdLst>
     <p:sldId id="351" r:id="rId2"/>
     <p:sldId id="446" r:id="rId3"/>
-    <p:sldId id="447" r:id="rId4"/>
-    <p:sldId id="448" r:id="rId5"/>
-    <p:sldId id="450" r:id="rId6"/>
-    <p:sldId id="449" r:id="rId7"/>
-    <p:sldId id="445" r:id="rId8"/>
+    <p:sldId id="451" r:id="rId4"/>
+    <p:sldId id="447" r:id="rId5"/>
+    <p:sldId id="448" r:id="rId6"/>
+    <p:sldId id="450" r:id="rId7"/>
+    <p:sldId id="449" r:id="rId8"/>
+    <p:sldId id="452" r:id="rId9"/>
+    <p:sldId id="445" r:id="rId10"/>
   </p:sldIdLst>
   <p:sldSz cx="9144000" cy="6858000" type="screen4x3"/>
   <p:notesSz cx="6858000" cy="9144000"/>
@@ -132,6 +134,6186 @@
 </p:presentation>
 </file>
 
+<file path=ppt/diagrams/colors1.xml><?xml version="1.0" encoding="utf-8"?>
+<dgm:colorsDef xmlns:dgm="http://schemas.openxmlformats.org/drawingml/2006/diagram" xmlns:a="http://schemas.openxmlformats.org/drawingml/2006/main" uniqueId="urn:microsoft.com/office/officeart/2005/8/colors/accent1_2">
+  <dgm:title val=""/>
+  <dgm:desc val=""/>
+  <dgm:catLst>
+    <dgm:cat type="accent1" pri="11200"/>
+  </dgm:catLst>
+  <dgm:styleLbl name="node0">
+    <dgm:fillClrLst meth="repeat">
+      <a:schemeClr val="accent1"/>
+    </dgm:fillClrLst>
+    <dgm:linClrLst meth="repeat">
+      <a:schemeClr val="lt1"/>
+    </dgm:linClrLst>
+    <dgm:effectClrLst/>
+    <dgm:txLinClrLst/>
+    <dgm:txFillClrLst/>
+    <dgm:txEffectClrLst/>
+  </dgm:styleLbl>
+  <dgm:styleLbl name="alignNode1">
+    <dgm:fillClrLst meth="repeat">
+      <a:schemeClr val="accent1"/>
+    </dgm:fillClrLst>
+    <dgm:linClrLst meth="repeat">
+      <a:schemeClr val="accent1"/>
+    </dgm:linClrLst>
+    <dgm:effectClrLst/>
+    <dgm:txLinClrLst/>
+    <dgm:txFillClrLst/>
+    <dgm:txEffectClrLst/>
+  </dgm:styleLbl>
+  <dgm:styleLbl name="node1">
+    <dgm:fillClrLst meth="repeat">
+      <a:schemeClr val="accent1"/>
+    </dgm:fillClrLst>
+    <dgm:linClrLst meth="repeat">
+      <a:schemeClr val="lt1"/>
+    </dgm:linClrLst>
+    <dgm:effectClrLst/>
+    <dgm:txLinClrLst/>
+    <dgm:txFillClrLst/>
+    <dgm:txEffectClrLst/>
+  </dgm:styleLbl>
+  <dgm:styleLbl name="lnNode1">
+    <dgm:fillClrLst meth="repeat">
+      <a:schemeClr val="accent1"/>
+    </dgm:fillClrLst>
+    <dgm:linClrLst meth="repeat">
+      <a:schemeClr val="lt1"/>
+    </dgm:linClrLst>
+    <dgm:effectClrLst/>
+    <dgm:txLinClrLst/>
+    <dgm:txFillClrLst/>
+    <dgm:txEffectClrLst/>
+  </dgm:styleLbl>
+  <dgm:styleLbl name="vennNode1">
+    <dgm:fillClrLst meth="repeat">
+      <a:schemeClr val="accent1">
+        <a:alpha val="50000"/>
+      </a:schemeClr>
+    </dgm:fillClrLst>
+    <dgm:linClrLst meth="repeat">
+      <a:schemeClr val="lt1"/>
+    </dgm:linClrLst>
+    <dgm:effectClrLst/>
+    <dgm:txLinClrLst/>
+    <dgm:txFillClrLst/>
+    <dgm:txEffectClrLst/>
+  </dgm:styleLbl>
+  <dgm:styleLbl name="node2">
+    <dgm:fillClrLst meth="repeat">
+      <a:schemeClr val="accent1"/>
+    </dgm:fillClrLst>
+    <dgm:linClrLst meth="repeat">
+      <a:schemeClr val="lt1"/>
+    </dgm:linClrLst>
+    <dgm:effectClrLst/>
+    <dgm:txLinClrLst/>
+    <dgm:txFillClrLst/>
+    <dgm:txEffectClrLst/>
+  </dgm:styleLbl>
+  <dgm:styleLbl name="node3">
+    <dgm:fillClrLst meth="repeat">
+      <a:schemeClr val="accent1"/>
+    </dgm:fillClrLst>
+    <dgm:linClrLst meth="repeat">
+      <a:schemeClr val="lt1"/>
+    </dgm:linClrLst>
+    <dgm:effectClrLst/>
+    <dgm:txLinClrLst/>
+    <dgm:txFillClrLst/>
+    <dgm:txEffectClrLst/>
+  </dgm:styleLbl>
+  <dgm:styleLbl name="node4">
+    <dgm:fillClrLst meth="repeat">
+      <a:schemeClr val="accent1"/>
+    </dgm:fillClrLst>
+    <dgm:linClrLst meth="repeat">
+      <a:schemeClr val="lt1"/>
+    </dgm:linClrLst>
+    <dgm:effectClrLst/>
+    <dgm:txLinClrLst/>
+    <dgm:txFillClrLst/>
+    <dgm:txEffectClrLst/>
+  </dgm:styleLbl>
+  <dgm:styleLbl name="fgImgPlace1">
+    <dgm:fillClrLst meth="repeat">
+      <a:schemeClr val="accent1">
+        <a:tint val="50000"/>
+      </a:schemeClr>
+    </dgm:fillClrLst>
+    <dgm:linClrLst meth="repeat">
+      <a:schemeClr val="lt1"/>
+    </dgm:linClrLst>
+    <dgm:effectClrLst/>
+    <dgm:txLinClrLst/>
+    <dgm:txFillClrLst meth="repeat">
+      <a:schemeClr val="lt1"/>
+    </dgm:txFillClrLst>
+    <dgm:txEffectClrLst/>
+  </dgm:styleLbl>
+  <dgm:styleLbl name="alignImgPlace1">
+    <dgm:fillClrLst meth="repeat">
+      <a:schemeClr val="accent1">
+        <a:tint val="50000"/>
+      </a:schemeClr>
+    </dgm:fillClrLst>
+    <dgm:linClrLst meth="repeat">
+      <a:schemeClr val="lt1"/>
+    </dgm:linClrLst>
+    <dgm:effectClrLst/>
+    <dgm:txLinClrLst/>
+    <dgm:txFillClrLst meth="repeat">
+      <a:schemeClr val="lt1"/>
+    </dgm:txFillClrLst>
+    <dgm:txEffectClrLst/>
+  </dgm:styleLbl>
+  <dgm:styleLbl name="bgImgPlace1">
+    <dgm:fillClrLst meth="repeat">
+      <a:schemeClr val="accent1">
+        <a:tint val="50000"/>
+      </a:schemeClr>
+    </dgm:fillClrLst>
+    <dgm:linClrLst meth="repeat">
+      <a:schemeClr val="lt1"/>
+    </dgm:linClrLst>
+    <dgm:effectClrLst/>
+    <dgm:txLinClrLst/>
+    <dgm:txFillClrLst meth="repeat">
+      <a:schemeClr val="lt1"/>
+    </dgm:txFillClrLst>
+    <dgm:txEffectClrLst/>
+  </dgm:styleLbl>
+  <dgm:styleLbl name="sibTrans2D1">
+    <dgm:fillClrLst meth="repeat">
+      <a:schemeClr val="accent1">
+        <a:tint val="60000"/>
+      </a:schemeClr>
+    </dgm:fillClrLst>
+    <dgm:linClrLst meth="repeat">
+      <a:schemeClr val="accent1">
+        <a:tint val="60000"/>
+      </a:schemeClr>
+    </dgm:linClrLst>
+    <dgm:effectClrLst/>
+    <dgm:txLinClrLst/>
+    <dgm:txFillClrLst/>
+    <dgm:txEffectClrLst/>
+  </dgm:styleLbl>
+  <dgm:styleLbl name="fgSibTrans2D1">
+    <dgm:fillClrLst meth="repeat">
+      <a:schemeClr val="accent1">
+        <a:tint val="60000"/>
+      </a:schemeClr>
+    </dgm:fillClrLst>
+    <dgm:linClrLst meth="repeat">
+      <a:schemeClr val="accent1">
+        <a:tint val="60000"/>
+      </a:schemeClr>
+    </dgm:linClrLst>
+    <dgm:effectClrLst/>
+    <dgm:txLinClrLst/>
+    <dgm:txFillClrLst/>
+    <dgm:txEffectClrLst/>
+  </dgm:styleLbl>
+  <dgm:styleLbl name="bgSibTrans2D1">
+    <dgm:fillClrLst meth="repeat">
+      <a:schemeClr val="accent1">
+        <a:tint val="60000"/>
+      </a:schemeClr>
+    </dgm:fillClrLst>
+    <dgm:linClrLst meth="repeat">
+      <a:schemeClr val="accent1">
+        <a:tint val="60000"/>
+      </a:schemeClr>
+    </dgm:linClrLst>
+    <dgm:effectClrLst/>
+    <dgm:txLinClrLst/>
+    <dgm:txFillClrLst/>
+    <dgm:txEffectClrLst/>
+  </dgm:styleLbl>
+  <dgm:styleLbl name="sibTrans1D1">
+    <dgm:fillClrLst meth="repeat">
+      <a:schemeClr val="accent1"/>
+    </dgm:fillClrLst>
+    <dgm:linClrLst meth="repeat">
+      <a:schemeClr val="accent1"/>
+    </dgm:linClrLst>
+    <dgm:effectClrLst/>
+    <dgm:txLinClrLst/>
+    <dgm:txFillClrLst meth="repeat">
+      <a:schemeClr val="tx1"/>
+    </dgm:txFillClrLst>
+    <dgm:txEffectClrLst/>
+  </dgm:styleLbl>
+  <dgm:styleLbl name="callout">
+    <dgm:fillClrLst meth="repeat">
+      <a:schemeClr val="accent1"/>
+    </dgm:fillClrLst>
+    <dgm:linClrLst meth="repeat">
+      <a:schemeClr val="accent1">
+        <a:tint val="50000"/>
+      </a:schemeClr>
+    </dgm:linClrLst>
+    <dgm:effectClrLst/>
+    <dgm:txLinClrLst/>
+    <dgm:txFillClrLst meth="repeat">
+      <a:schemeClr val="tx1"/>
+    </dgm:txFillClrLst>
+    <dgm:txEffectClrLst/>
+  </dgm:styleLbl>
+  <dgm:styleLbl name="asst0">
+    <dgm:fillClrLst meth="repeat">
+      <a:schemeClr val="accent1"/>
+    </dgm:fillClrLst>
+    <dgm:linClrLst meth="repeat">
+      <a:schemeClr val="lt1"/>
+    </dgm:linClrLst>
+    <dgm:effectClrLst/>
+    <dgm:txLinClrLst/>
+    <dgm:txFillClrLst/>
+    <dgm:txEffectClrLst/>
+  </dgm:styleLbl>
+  <dgm:styleLbl name="asst1">
+    <dgm:fillClrLst meth="repeat">
+      <a:schemeClr val="accent1"/>
+    </dgm:fillClrLst>
+    <dgm:linClrLst meth="repeat">
+      <a:schemeClr val="lt1"/>
+    </dgm:linClrLst>
+    <dgm:effectClrLst/>
+    <dgm:txLinClrLst/>
+    <dgm:txFillClrLst/>
+    <dgm:txEffectClrLst/>
+  </dgm:styleLbl>
+  <dgm:styleLbl name="asst2">
+    <dgm:fillClrLst meth="repeat">
+      <a:schemeClr val="accent1"/>
+    </dgm:fillClrLst>
+    <dgm:linClrLst meth="repeat">
+      <a:schemeClr val="lt1"/>
+    </dgm:linClrLst>
+    <dgm:effectClrLst/>
+    <dgm:txLinClrLst/>
+    <dgm:txFillClrLst/>
+    <dgm:txEffectClrLst/>
+  </dgm:styleLbl>
+  <dgm:styleLbl name="asst3">
+    <dgm:fillClrLst meth="repeat">
+      <a:schemeClr val="accent1"/>
+    </dgm:fillClrLst>
+    <dgm:linClrLst meth="repeat">
+      <a:schemeClr val="lt1"/>
+    </dgm:linClrLst>
+    <dgm:effectClrLst/>
+    <dgm:txLinClrLst/>
+    <dgm:txFillClrLst/>
+    <dgm:txEffectClrLst/>
+  </dgm:styleLbl>
+  <dgm:styleLbl name="asst4">
+    <dgm:fillClrLst meth="repeat">
+      <a:schemeClr val="accent1"/>
+    </dgm:fillClrLst>
+    <dgm:linClrLst meth="repeat">
+      <a:schemeClr val="lt1"/>
+    </dgm:linClrLst>
+    <dgm:effectClrLst/>
+    <dgm:txLinClrLst/>
+    <dgm:txFillClrLst/>
+    <dgm:txEffectClrLst/>
+  </dgm:styleLbl>
+  <dgm:styleLbl name="parChTrans2D1">
+    <dgm:fillClrLst meth="repeat">
+      <a:schemeClr val="accent1">
+        <a:tint val="60000"/>
+      </a:schemeClr>
+    </dgm:fillClrLst>
+    <dgm:linClrLst meth="repeat">
+      <a:schemeClr val="accent1">
+        <a:tint val="60000"/>
+      </a:schemeClr>
+    </dgm:linClrLst>
+    <dgm:effectClrLst/>
+    <dgm:txLinClrLst/>
+    <dgm:txFillClrLst meth="repeat">
+      <a:schemeClr val="lt1"/>
+    </dgm:txFillClrLst>
+    <dgm:txEffectClrLst/>
+  </dgm:styleLbl>
+  <dgm:styleLbl name="parChTrans2D2">
+    <dgm:fillClrLst meth="repeat">
+      <a:schemeClr val="accent1"/>
+    </dgm:fillClrLst>
+    <dgm:linClrLst meth="repeat">
+      <a:schemeClr val="accent1"/>
+    </dgm:linClrLst>
+    <dgm:effectClrLst/>
+    <dgm:txLinClrLst/>
+    <dgm:txFillClrLst meth="repeat">
+      <a:schemeClr val="lt1"/>
+    </dgm:txFillClrLst>
+    <dgm:txEffectClrLst/>
+  </dgm:styleLbl>
+  <dgm:styleLbl name="parChTrans2D3">
+    <dgm:fillClrLst meth="repeat">
+      <a:schemeClr val="accent1"/>
+    </dgm:fillClrLst>
+    <dgm:linClrLst meth="repeat">
+      <a:schemeClr val="accent1"/>
+    </dgm:linClrLst>
+    <dgm:effectClrLst/>
+    <dgm:txLinClrLst/>
+    <dgm:txFillClrLst meth="repeat">
+      <a:schemeClr val="lt1"/>
+    </dgm:txFillClrLst>
+    <dgm:txEffectClrLst/>
+  </dgm:styleLbl>
+  <dgm:styleLbl name="parChTrans2D4">
+    <dgm:fillClrLst meth="repeat">
+      <a:schemeClr val="accent1"/>
+    </dgm:fillClrLst>
+    <dgm:linClrLst meth="repeat">
+      <a:schemeClr val="accent1"/>
+    </dgm:linClrLst>
+    <dgm:effectClrLst/>
+    <dgm:txLinClrLst/>
+    <dgm:txFillClrLst meth="repeat">
+      <a:schemeClr val="lt1"/>
+    </dgm:txFillClrLst>
+    <dgm:txEffectClrLst/>
+  </dgm:styleLbl>
+  <dgm:styleLbl name="parChTrans1D1">
+    <dgm:fillClrLst meth="repeat">
+      <a:schemeClr val="accent1"/>
+    </dgm:fillClrLst>
+    <dgm:linClrLst meth="repeat">
+      <a:schemeClr val="accent1">
+        <a:shade val="60000"/>
+      </a:schemeClr>
+    </dgm:linClrLst>
+    <dgm:effectClrLst/>
+    <dgm:txLinClrLst/>
+    <dgm:txFillClrLst meth="repeat">
+      <a:schemeClr val="tx1"/>
+    </dgm:txFillClrLst>
+    <dgm:txEffectClrLst/>
+  </dgm:styleLbl>
+  <dgm:styleLbl name="parChTrans1D2">
+    <dgm:fillClrLst meth="repeat">
+      <a:schemeClr val="accent1"/>
+    </dgm:fillClrLst>
+    <dgm:linClrLst meth="repeat">
+      <a:schemeClr val="accent1">
+        <a:shade val="60000"/>
+      </a:schemeClr>
+    </dgm:linClrLst>
+    <dgm:effectClrLst/>
+    <dgm:txLinClrLst/>
+    <dgm:txFillClrLst meth="repeat">
+      <a:schemeClr val="tx1"/>
+    </dgm:txFillClrLst>
+    <dgm:txEffectClrLst/>
+  </dgm:styleLbl>
+  <dgm:styleLbl name="parChTrans1D3">
+    <dgm:fillClrLst meth="repeat">
+      <a:schemeClr val="accent1"/>
+    </dgm:fillClrLst>
+    <dgm:linClrLst meth="repeat">
+      <a:schemeClr val="accent1">
+        <a:shade val="80000"/>
+      </a:schemeClr>
+    </dgm:linClrLst>
+    <dgm:effectClrLst/>
+    <dgm:txLinClrLst/>
+    <dgm:txFillClrLst meth="repeat">
+      <a:schemeClr val="tx1"/>
+    </dgm:txFillClrLst>
+    <dgm:txEffectClrLst/>
+  </dgm:styleLbl>
+  <dgm:styleLbl name="parChTrans1D4">
+    <dgm:fillClrLst meth="repeat">
+      <a:schemeClr val="accent1"/>
+    </dgm:fillClrLst>
+    <dgm:linClrLst meth="repeat">
+      <a:schemeClr val="accent1">
+        <a:shade val="80000"/>
+      </a:schemeClr>
+    </dgm:linClrLst>
+    <dgm:effectClrLst/>
+    <dgm:txLinClrLst/>
+    <dgm:txFillClrLst meth="repeat">
+      <a:schemeClr val="tx1"/>
+    </dgm:txFillClrLst>
+    <dgm:txEffectClrLst/>
+  </dgm:styleLbl>
+  <dgm:styleLbl name="fgAcc1">
+    <dgm:fillClrLst meth="repeat">
+      <a:schemeClr val="lt1">
+        <a:alpha val="90000"/>
+      </a:schemeClr>
+    </dgm:fillClrLst>
+    <dgm:linClrLst meth="repeat">
+      <a:schemeClr val="accent1"/>
+    </dgm:linClrLst>
+    <dgm:effectClrLst/>
+    <dgm:txLinClrLst/>
+    <dgm:txFillClrLst meth="repeat">
+      <a:schemeClr val="dk1"/>
+    </dgm:txFillClrLst>
+    <dgm:txEffectClrLst/>
+  </dgm:styleLbl>
+  <dgm:styleLbl name="conFgAcc1">
+    <dgm:fillClrLst meth="repeat">
+      <a:schemeClr val="lt1">
+        <a:alpha val="90000"/>
+      </a:schemeClr>
+    </dgm:fillClrLst>
+    <dgm:linClrLst meth="repeat">
+      <a:schemeClr val="accent1"/>
+    </dgm:linClrLst>
+    <dgm:effectClrLst/>
+    <dgm:txLinClrLst/>
+    <dgm:txFillClrLst meth="repeat">
+      <a:schemeClr val="dk1"/>
+    </dgm:txFillClrLst>
+    <dgm:txEffectClrLst/>
+  </dgm:styleLbl>
+  <dgm:styleLbl name="alignAcc1">
+    <dgm:fillClrLst meth="repeat">
+      <a:schemeClr val="lt1">
+        <a:alpha val="90000"/>
+      </a:schemeClr>
+    </dgm:fillClrLst>
+    <dgm:linClrLst meth="repeat">
+      <a:schemeClr val="accent1"/>
+    </dgm:linClrLst>
+    <dgm:effectClrLst/>
+    <dgm:txLinClrLst/>
+    <dgm:txFillClrLst meth="repeat">
+      <a:schemeClr val="dk1"/>
+    </dgm:txFillClrLst>
+    <dgm:txEffectClrLst/>
+  </dgm:styleLbl>
+  <dgm:styleLbl name="trAlignAcc1">
+    <dgm:fillClrLst meth="repeat">
+      <a:schemeClr val="lt1">
+        <a:alpha val="40000"/>
+      </a:schemeClr>
+    </dgm:fillClrLst>
+    <dgm:linClrLst meth="repeat">
+      <a:schemeClr val="accent1"/>
+    </dgm:linClrLst>
+    <dgm:effectClrLst/>
+    <dgm:txLinClrLst/>
+    <dgm:txFillClrLst meth="repeat">
+      <a:schemeClr val="dk1"/>
+    </dgm:txFillClrLst>
+    <dgm:txEffectClrLst/>
+  </dgm:styleLbl>
+  <dgm:styleLbl name="bgAcc1">
+    <dgm:fillClrLst meth="repeat">
+      <a:schemeClr val="lt1">
+        <a:alpha val="90000"/>
+      </a:schemeClr>
+    </dgm:fillClrLst>
+    <dgm:linClrLst meth="repeat">
+      <a:schemeClr val="accent1"/>
+    </dgm:linClrLst>
+    <dgm:effectClrLst/>
+    <dgm:txLinClrLst/>
+    <dgm:txFillClrLst meth="repeat">
+      <a:schemeClr val="dk1"/>
+    </dgm:txFillClrLst>
+    <dgm:txEffectClrLst/>
+  </dgm:styleLbl>
+  <dgm:styleLbl name="solidFgAcc1">
+    <dgm:fillClrLst meth="repeat">
+      <a:schemeClr val="lt1"/>
+    </dgm:fillClrLst>
+    <dgm:linClrLst meth="repeat">
+      <a:schemeClr val="accent1"/>
+    </dgm:linClrLst>
+    <dgm:effectClrLst/>
+    <dgm:txLinClrLst/>
+    <dgm:txFillClrLst meth="repeat">
+      <a:schemeClr val="dk1"/>
+    </dgm:txFillClrLst>
+    <dgm:txEffectClrLst/>
+  </dgm:styleLbl>
+  <dgm:styleLbl name="solidAlignAcc1">
+    <dgm:fillClrLst meth="repeat">
+      <a:schemeClr val="lt1"/>
+    </dgm:fillClrLst>
+    <dgm:linClrLst meth="repeat">
+      <a:schemeClr val="accent1"/>
+    </dgm:linClrLst>
+    <dgm:effectClrLst/>
+    <dgm:txLinClrLst/>
+    <dgm:txFillClrLst meth="repeat">
+      <a:schemeClr val="dk1"/>
+    </dgm:txFillClrLst>
+    <dgm:txEffectClrLst/>
+  </dgm:styleLbl>
+  <dgm:styleLbl name="solidBgAcc1">
+    <dgm:fillClrLst meth="repeat">
+      <a:schemeClr val="lt1"/>
+    </dgm:fillClrLst>
+    <dgm:linClrLst meth="repeat">
+      <a:schemeClr val="accent1"/>
+    </dgm:linClrLst>
+    <dgm:effectClrLst/>
+    <dgm:txLinClrLst/>
+    <dgm:txFillClrLst meth="repeat">
+      <a:schemeClr val="dk1"/>
+    </dgm:txFillClrLst>
+    <dgm:txEffectClrLst/>
+  </dgm:styleLbl>
+  <dgm:styleLbl name="fgAccFollowNode1">
+    <dgm:fillClrLst meth="repeat">
+      <a:schemeClr val="accent1">
+        <a:alpha val="90000"/>
+        <a:tint val="40000"/>
+      </a:schemeClr>
+    </dgm:fillClrLst>
+    <dgm:linClrLst meth="repeat">
+      <a:schemeClr val="accent1">
+        <a:alpha val="90000"/>
+        <a:tint val="40000"/>
+      </a:schemeClr>
+    </dgm:linClrLst>
+    <dgm:effectClrLst/>
+    <dgm:txLinClrLst/>
+    <dgm:txFillClrLst meth="repeat">
+      <a:schemeClr val="dk1"/>
+    </dgm:txFillClrLst>
+    <dgm:txEffectClrLst/>
+  </dgm:styleLbl>
+  <dgm:styleLbl name="alignAccFollowNode1">
+    <dgm:fillClrLst meth="repeat">
+      <a:schemeClr val="accent1">
+        <a:alpha val="90000"/>
+        <a:tint val="40000"/>
+      </a:schemeClr>
+    </dgm:fillClrLst>
+    <dgm:linClrLst meth="repeat">
+      <a:schemeClr val="accent1">
+        <a:alpha val="90000"/>
+        <a:tint val="40000"/>
+      </a:schemeClr>
+    </dgm:linClrLst>
+    <dgm:effectClrLst/>
+    <dgm:txLinClrLst/>
+    <dgm:txFillClrLst meth="repeat">
+      <a:schemeClr val="dk1"/>
+    </dgm:txFillClrLst>
+    <dgm:txEffectClrLst/>
+  </dgm:styleLbl>
+  <dgm:styleLbl name="bgAccFollowNode1">
+    <dgm:fillClrLst meth="repeat">
+      <a:schemeClr val="accent1">
+        <a:alpha val="90000"/>
+        <a:tint val="40000"/>
+      </a:schemeClr>
+    </dgm:fillClrLst>
+    <dgm:linClrLst meth="repeat">
+      <a:schemeClr val="accent1">
+        <a:alpha val="90000"/>
+        <a:tint val="40000"/>
+      </a:schemeClr>
+    </dgm:linClrLst>
+    <dgm:effectClrLst/>
+    <dgm:txLinClrLst/>
+    <dgm:txFillClrLst meth="repeat">
+      <a:schemeClr val="dk1"/>
+    </dgm:txFillClrLst>
+    <dgm:txEffectClrLst/>
+  </dgm:styleLbl>
+  <dgm:styleLbl name="fgAcc0">
+    <dgm:fillClrLst meth="repeat">
+      <a:schemeClr val="lt1">
+        <a:alpha val="90000"/>
+      </a:schemeClr>
+    </dgm:fillClrLst>
+    <dgm:linClrLst meth="repeat">
+      <a:schemeClr val="accent1"/>
+    </dgm:linClrLst>
+    <dgm:effectClrLst/>
+    <dgm:txLinClrLst/>
+    <dgm:txFillClrLst meth="repeat">
+      <a:schemeClr val="dk1"/>
+    </dgm:txFillClrLst>
+    <dgm:txEffectClrLst/>
+  </dgm:styleLbl>
+  <dgm:styleLbl name="fgAcc2">
+    <dgm:fillClrLst meth="repeat">
+      <a:schemeClr val="lt1">
+        <a:alpha val="90000"/>
+      </a:schemeClr>
+    </dgm:fillClrLst>
+    <dgm:linClrLst meth="repeat">
+      <a:schemeClr val="accent1"/>
+    </dgm:linClrLst>
+    <dgm:effectClrLst/>
+    <dgm:txLinClrLst/>
+    <dgm:txFillClrLst meth="repeat">
+      <a:schemeClr val="dk1"/>
+    </dgm:txFillClrLst>
+    <dgm:txEffectClrLst/>
+  </dgm:styleLbl>
+  <dgm:styleLbl name="fgAcc3">
+    <dgm:fillClrLst meth="repeat">
+      <a:schemeClr val="lt1">
+        <a:alpha val="90000"/>
+      </a:schemeClr>
+    </dgm:fillClrLst>
+    <dgm:linClrLst meth="repeat">
+      <a:schemeClr val="accent1"/>
+    </dgm:linClrLst>
+    <dgm:effectClrLst/>
+    <dgm:txLinClrLst/>
+    <dgm:txFillClrLst meth="repeat">
+      <a:schemeClr val="dk1"/>
+    </dgm:txFillClrLst>
+    <dgm:txEffectClrLst/>
+  </dgm:styleLbl>
+  <dgm:styleLbl name="fgAcc4">
+    <dgm:fillClrLst meth="repeat">
+      <a:schemeClr val="lt1">
+        <a:alpha val="90000"/>
+      </a:schemeClr>
+    </dgm:fillClrLst>
+    <dgm:linClrLst meth="repeat">
+      <a:schemeClr val="accent1"/>
+    </dgm:linClrLst>
+    <dgm:effectClrLst/>
+    <dgm:txLinClrLst/>
+    <dgm:txFillClrLst meth="repeat">
+      <a:schemeClr val="dk1"/>
+    </dgm:txFillClrLst>
+    <dgm:txEffectClrLst/>
+  </dgm:styleLbl>
+  <dgm:styleLbl name="bgShp">
+    <dgm:fillClrLst meth="repeat">
+      <a:schemeClr val="accent1">
+        <a:tint val="40000"/>
+      </a:schemeClr>
+    </dgm:fillClrLst>
+    <dgm:linClrLst meth="repeat">
+      <a:schemeClr val="accent1"/>
+    </dgm:linClrLst>
+    <dgm:effectClrLst/>
+    <dgm:txLinClrLst/>
+    <dgm:txFillClrLst meth="repeat">
+      <a:schemeClr val="dk1"/>
+    </dgm:txFillClrLst>
+    <dgm:txEffectClrLst/>
+  </dgm:styleLbl>
+  <dgm:styleLbl name="dkBgShp">
+    <dgm:fillClrLst meth="repeat">
+      <a:schemeClr val="accent1">
+        <a:shade val="80000"/>
+      </a:schemeClr>
+    </dgm:fillClrLst>
+    <dgm:linClrLst meth="repeat">
+      <a:schemeClr val="accent1"/>
+    </dgm:linClrLst>
+    <dgm:effectClrLst/>
+    <dgm:txLinClrLst/>
+    <dgm:txFillClrLst meth="repeat">
+      <a:schemeClr val="lt1"/>
+    </dgm:txFillClrLst>
+    <dgm:txEffectClrLst/>
+  </dgm:styleLbl>
+  <dgm:styleLbl name="trBgShp">
+    <dgm:fillClrLst meth="repeat">
+      <a:schemeClr val="accent1">
+        <a:tint val="50000"/>
+        <a:alpha val="40000"/>
+      </a:schemeClr>
+    </dgm:fillClrLst>
+    <dgm:linClrLst meth="repeat">
+      <a:schemeClr val="accent1"/>
+    </dgm:linClrLst>
+    <dgm:effectClrLst/>
+    <dgm:txLinClrLst/>
+    <dgm:txFillClrLst meth="repeat">
+      <a:schemeClr val="lt1"/>
+    </dgm:txFillClrLst>
+    <dgm:txEffectClrLst/>
+  </dgm:styleLbl>
+  <dgm:styleLbl name="fgShp">
+    <dgm:fillClrLst meth="repeat">
+      <a:schemeClr val="accent1">
+        <a:tint val="60000"/>
+      </a:schemeClr>
+    </dgm:fillClrLst>
+    <dgm:linClrLst meth="repeat">
+      <a:schemeClr val="lt1"/>
+    </dgm:linClrLst>
+    <dgm:effectClrLst/>
+    <dgm:txLinClrLst/>
+    <dgm:txFillClrLst meth="repeat">
+      <a:schemeClr val="dk1"/>
+    </dgm:txFillClrLst>
+    <dgm:txEffectClrLst/>
+  </dgm:styleLbl>
+  <dgm:styleLbl name="revTx">
+    <dgm:fillClrLst meth="repeat">
+      <a:schemeClr val="lt1">
+        <a:alpha val="0"/>
+      </a:schemeClr>
+    </dgm:fillClrLst>
+    <dgm:linClrLst meth="repeat">
+      <a:schemeClr val="dk1">
+        <a:alpha val="0"/>
+      </a:schemeClr>
+    </dgm:linClrLst>
+    <dgm:effectClrLst/>
+    <dgm:txLinClrLst/>
+    <dgm:txFillClrLst meth="repeat">
+      <a:schemeClr val="tx1"/>
+    </dgm:txFillClrLst>
+    <dgm:txEffectClrLst/>
+  </dgm:styleLbl>
+</dgm:colorsDef>
+</file>
+
+<file path=ppt/diagrams/data1.xml><?xml version="1.0" encoding="utf-8"?>
+<dgm:dataModel xmlns:dgm="http://schemas.openxmlformats.org/drawingml/2006/diagram" xmlns:a="http://schemas.openxmlformats.org/drawingml/2006/main">
+  <dgm:ptLst>
+    <dgm:pt modelId="{F1B2A119-D5AD-42C0-987F-A4D2D7DBAAD7}" type="doc">
+      <dgm:prSet loTypeId="urn:microsoft.com/office/officeart/2005/8/layout/architecture" loCatId="hierarchy" qsTypeId="urn:microsoft.com/office/officeart/2005/8/quickstyle/simple1" qsCatId="simple" csTypeId="urn:microsoft.com/office/officeart/2005/8/colors/accent1_2" csCatId="accent1" phldr="1"/>
+      <dgm:spPr/>
+      <dgm:t>
+        <a:bodyPr/>
+        <a:lstStyle/>
+        <a:p>
+          <a:endParaRPr lang="lv-LV"/>
+        </a:p>
+      </dgm:t>
+    </dgm:pt>
+    <dgm:pt modelId="{ADF22F6A-7ED7-4D48-972D-2FAE68857649}">
+      <dgm:prSet phldrT="[Text]"/>
+      <dgm:spPr/>
+      <dgm:t>
+        <a:bodyPr/>
+        <a:lstStyle/>
+        <a:p>
+          <a:r>
+            <a:rPr lang="en-GB" dirty="0" err="1" smtClean="0"/>
+            <a:t>Wavefront</a:t>
+          </a:r>
+          <a:r>
+            <a:rPr lang="en-GB" dirty="0" smtClean="0"/>
+            <a:t> (aka. Warp)</a:t>
+          </a:r>
+          <a:endParaRPr lang="lv-LV" dirty="0"/>
+        </a:p>
+      </dgm:t>
+    </dgm:pt>
+    <dgm:pt modelId="{2F00EE0F-2C19-49C5-AC85-FCA48A775036}" type="parTrans" cxnId="{B7334B45-D6BD-45C2-AF67-2039021835CE}">
+      <dgm:prSet/>
+      <dgm:spPr/>
+      <dgm:t>
+        <a:bodyPr/>
+        <a:lstStyle/>
+        <a:p>
+          <a:endParaRPr lang="lv-LV"/>
+        </a:p>
+      </dgm:t>
+    </dgm:pt>
+    <dgm:pt modelId="{93CAFCA9-3051-42D2-B5A5-BAA32B6F05F9}" type="sibTrans" cxnId="{B7334B45-D6BD-45C2-AF67-2039021835CE}">
+      <dgm:prSet/>
+      <dgm:spPr/>
+      <dgm:t>
+        <a:bodyPr/>
+        <a:lstStyle/>
+        <a:p>
+          <a:endParaRPr lang="lv-LV"/>
+        </a:p>
+      </dgm:t>
+    </dgm:pt>
+    <dgm:pt modelId="{E61C1320-D8DD-4FFE-8981-69EE7DF827E2}">
+      <dgm:prSet phldrT="[Text]"/>
+      <dgm:spPr/>
+      <dgm:t>
+        <a:bodyPr/>
+        <a:lstStyle/>
+        <a:p>
+          <a:r>
+            <a:rPr lang="en-GB" dirty="0" smtClean="0"/>
+            <a:t>Compute unit</a:t>
+          </a:r>
+          <a:endParaRPr lang="lv-LV" dirty="0"/>
+        </a:p>
+      </dgm:t>
+    </dgm:pt>
+    <dgm:pt modelId="{E79C1808-F0AA-4F27-85AA-D0E18596F241}" type="parTrans" cxnId="{7E099BCA-8781-4373-964E-C6DE1ED5B9DC}">
+      <dgm:prSet/>
+      <dgm:spPr/>
+      <dgm:t>
+        <a:bodyPr/>
+        <a:lstStyle/>
+        <a:p>
+          <a:endParaRPr lang="lv-LV"/>
+        </a:p>
+      </dgm:t>
+    </dgm:pt>
+    <dgm:pt modelId="{6F337A62-98F3-4285-B566-179A04B41C56}" type="sibTrans" cxnId="{7E099BCA-8781-4373-964E-C6DE1ED5B9DC}">
+      <dgm:prSet/>
+      <dgm:spPr/>
+      <dgm:t>
+        <a:bodyPr/>
+        <a:lstStyle/>
+        <a:p>
+          <a:endParaRPr lang="lv-LV"/>
+        </a:p>
+      </dgm:t>
+    </dgm:pt>
+    <dgm:pt modelId="{F7AA38A3-D7F8-4ECE-9C7E-1B6339330209}">
+      <dgm:prSet phldrT="[Text]"/>
+      <dgm:spPr/>
+      <dgm:t>
+        <a:bodyPr/>
+        <a:lstStyle/>
+        <a:p>
+          <a:r>
+            <a:rPr lang="en-GB" dirty="0" smtClean="0"/>
+            <a:t>PE “Core”</a:t>
+          </a:r>
+          <a:endParaRPr lang="lv-LV" dirty="0"/>
+        </a:p>
+      </dgm:t>
+    </dgm:pt>
+    <dgm:pt modelId="{F2AA0439-EEC5-49FA-B3EA-29755E771305}" type="parTrans" cxnId="{6BB1EB0E-BF72-48A3-A15D-6D81AA38FFD1}">
+      <dgm:prSet/>
+      <dgm:spPr/>
+      <dgm:t>
+        <a:bodyPr/>
+        <a:lstStyle/>
+        <a:p>
+          <a:endParaRPr lang="lv-LV"/>
+        </a:p>
+      </dgm:t>
+    </dgm:pt>
+    <dgm:pt modelId="{63A91FFE-340F-4854-9001-3AE8FD69C78B}" type="sibTrans" cxnId="{6BB1EB0E-BF72-48A3-A15D-6D81AA38FFD1}">
+      <dgm:prSet/>
+      <dgm:spPr/>
+      <dgm:t>
+        <a:bodyPr/>
+        <a:lstStyle/>
+        <a:p>
+          <a:endParaRPr lang="lv-LV"/>
+        </a:p>
+      </dgm:t>
+    </dgm:pt>
+    <dgm:pt modelId="{0DDA0BF9-D726-4089-BE10-DF1ECE465D2B}">
+      <dgm:prSet phldrT="[Text]"/>
+      <dgm:spPr/>
+      <dgm:t>
+        <a:bodyPr/>
+        <a:lstStyle/>
+        <a:p>
+          <a:r>
+            <a:rPr lang="en-GB" dirty="0" smtClean="0"/>
+            <a:t>PE “Core”</a:t>
+          </a:r>
+          <a:endParaRPr lang="lv-LV" dirty="0"/>
+        </a:p>
+      </dgm:t>
+    </dgm:pt>
+    <dgm:pt modelId="{E4E5166A-AF31-491A-8B9D-EBE4E966DF7D}" type="parTrans" cxnId="{10C7BEDE-7A56-4DD8-B7B4-1DE038C08DD3}">
+      <dgm:prSet/>
+      <dgm:spPr/>
+      <dgm:t>
+        <a:bodyPr/>
+        <a:lstStyle/>
+        <a:p>
+          <a:endParaRPr lang="lv-LV"/>
+        </a:p>
+      </dgm:t>
+    </dgm:pt>
+    <dgm:pt modelId="{C5670EE4-549F-42BE-B7D1-086497A2874F}" type="sibTrans" cxnId="{10C7BEDE-7A56-4DD8-B7B4-1DE038C08DD3}">
+      <dgm:prSet/>
+      <dgm:spPr/>
+      <dgm:t>
+        <a:bodyPr/>
+        <a:lstStyle/>
+        <a:p>
+          <a:endParaRPr lang="lv-LV"/>
+        </a:p>
+      </dgm:t>
+    </dgm:pt>
+    <dgm:pt modelId="{29F0E033-FD9A-4014-B05C-2CB013DF3760}">
+      <dgm:prSet phldrT="[Text]"/>
+      <dgm:spPr/>
+      <dgm:t>
+        <a:bodyPr/>
+        <a:lstStyle/>
+        <a:p>
+          <a:r>
+            <a:rPr lang="en-GB" dirty="0" smtClean="0"/>
+            <a:t>Compute unit</a:t>
+          </a:r>
+          <a:endParaRPr lang="lv-LV" dirty="0"/>
+        </a:p>
+      </dgm:t>
+    </dgm:pt>
+    <dgm:pt modelId="{F053B2BC-E4F3-499A-9AB6-F8E07BF3E329}" type="parTrans" cxnId="{631B1246-9548-4CDE-B7FE-20BEE1DB65F7}">
+      <dgm:prSet/>
+      <dgm:spPr/>
+      <dgm:t>
+        <a:bodyPr/>
+        <a:lstStyle/>
+        <a:p>
+          <a:endParaRPr lang="lv-LV"/>
+        </a:p>
+      </dgm:t>
+    </dgm:pt>
+    <dgm:pt modelId="{C99E6FF8-F090-4DB4-A944-ED244F8CCB63}" type="sibTrans" cxnId="{631B1246-9548-4CDE-B7FE-20BEE1DB65F7}">
+      <dgm:prSet/>
+      <dgm:spPr/>
+      <dgm:t>
+        <a:bodyPr/>
+        <a:lstStyle/>
+        <a:p>
+          <a:endParaRPr lang="lv-LV"/>
+        </a:p>
+      </dgm:t>
+    </dgm:pt>
+    <dgm:pt modelId="{84BB72F2-8662-4AE9-9C8D-913724FC41DB}">
+      <dgm:prSet phldrT="[Text]"/>
+      <dgm:spPr/>
+      <dgm:t>
+        <a:bodyPr/>
+        <a:lstStyle/>
+        <a:p>
+          <a:r>
+            <a:rPr lang="en-GB" dirty="0" smtClean="0"/>
+            <a:t>PE “Core”</a:t>
+          </a:r>
+          <a:endParaRPr lang="lv-LV" dirty="0"/>
+        </a:p>
+      </dgm:t>
+    </dgm:pt>
+    <dgm:pt modelId="{50F19FB9-B885-4825-9AB4-7CE14A1F52E6}" type="parTrans" cxnId="{DC81D429-1154-460D-A84F-B44AE3598ADD}">
+      <dgm:prSet/>
+      <dgm:spPr/>
+      <dgm:t>
+        <a:bodyPr/>
+        <a:lstStyle/>
+        <a:p>
+          <a:endParaRPr lang="lv-LV"/>
+        </a:p>
+      </dgm:t>
+    </dgm:pt>
+    <dgm:pt modelId="{58A69670-0504-4920-8EEC-7361AF909B88}" type="sibTrans" cxnId="{DC81D429-1154-460D-A84F-B44AE3598ADD}">
+      <dgm:prSet/>
+      <dgm:spPr/>
+      <dgm:t>
+        <a:bodyPr/>
+        <a:lstStyle/>
+        <a:p>
+          <a:endParaRPr lang="lv-LV"/>
+        </a:p>
+      </dgm:t>
+    </dgm:pt>
+    <dgm:pt modelId="{A821592E-17D0-46AE-8EF4-A248C6EA3BB5}">
+      <dgm:prSet phldrT="[Text]"/>
+      <dgm:spPr/>
+      <dgm:t>
+        <a:bodyPr/>
+        <a:lstStyle/>
+        <a:p>
+          <a:r>
+            <a:rPr lang="en-GB" dirty="0" smtClean="0"/>
+            <a:t>PE “Core”</a:t>
+          </a:r>
+          <a:endParaRPr lang="lv-LV" dirty="0"/>
+        </a:p>
+      </dgm:t>
+    </dgm:pt>
+    <dgm:pt modelId="{D4DB0C36-2A96-470A-BF9F-7D31EF162F18}" type="parTrans" cxnId="{041FC506-80EC-4E6F-A507-AC4E16719FFF}">
+      <dgm:prSet/>
+      <dgm:spPr/>
+      <dgm:t>
+        <a:bodyPr/>
+        <a:lstStyle/>
+        <a:p>
+          <a:endParaRPr lang="lv-LV"/>
+        </a:p>
+      </dgm:t>
+    </dgm:pt>
+    <dgm:pt modelId="{33A64124-5787-4949-905F-7C690FFB28E0}" type="sibTrans" cxnId="{041FC506-80EC-4E6F-A507-AC4E16719FFF}">
+      <dgm:prSet/>
+      <dgm:spPr/>
+      <dgm:t>
+        <a:bodyPr/>
+        <a:lstStyle/>
+        <a:p>
+          <a:endParaRPr lang="lv-LV"/>
+        </a:p>
+      </dgm:t>
+    </dgm:pt>
+    <dgm:pt modelId="{CDAB2BCB-3C6A-45A0-AC98-06974DFD73B0}">
+      <dgm:prSet phldrT="[Text]"/>
+      <dgm:spPr/>
+      <dgm:t>
+        <a:bodyPr/>
+        <a:lstStyle/>
+        <a:p>
+          <a:r>
+            <a:rPr lang="en-GB" dirty="0" smtClean="0"/>
+            <a:t>…</a:t>
+          </a:r>
+          <a:endParaRPr lang="lv-LV" dirty="0"/>
+        </a:p>
+      </dgm:t>
+    </dgm:pt>
+    <dgm:pt modelId="{A84EC539-B4EA-480F-A635-A2A806894DFD}" type="parTrans" cxnId="{C0C75FB5-69E8-4C0E-938B-179E93083262}">
+      <dgm:prSet/>
+      <dgm:spPr/>
+      <dgm:t>
+        <a:bodyPr/>
+        <a:lstStyle/>
+        <a:p>
+          <a:endParaRPr lang="lv-LV"/>
+        </a:p>
+      </dgm:t>
+    </dgm:pt>
+    <dgm:pt modelId="{DDB32936-FBA7-4FB1-BA26-C3FFB9AA0BB5}" type="sibTrans" cxnId="{C0C75FB5-69E8-4C0E-938B-179E93083262}">
+      <dgm:prSet/>
+      <dgm:spPr/>
+      <dgm:t>
+        <a:bodyPr/>
+        <a:lstStyle/>
+        <a:p>
+          <a:endParaRPr lang="lv-LV"/>
+        </a:p>
+      </dgm:t>
+    </dgm:pt>
+    <dgm:pt modelId="{F61E1512-79AE-4F33-9E15-8FC6EA232F72}">
+      <dgm:prSet phldrT="[Text]"/>
+      <dgm:spPr/>
+      <dgm:t>
+        <a:bodyPr/>
+        <a:lstStyle/>
+        <a:p>
+          <a:r>
+            <a:rPr lang="en-GB" dirty="0" smtClean="0"/>
+            <a:t>PE “Core”</a:t>
+          </a:r>
+          <a:endParaRPr lang="lv-LV" dirty="0"/>
+        </a:p>
+      </dgm:t>
+    </dgm:pt>
+    <dgm:pt modelId="{514B0214-CD2F-4BC5-9B30-CC6076CC0544}" type="parTrans" cxnId="{9690A908-8B48-4467-9B28-D0FE81E71C45}">
+      <dgm:prSet/>
+      <dgm:spPr/>
+      <dgm:t>
+        <a:bodyPr/>
+        <a:lstStyle/>
+        <a:p>
+          <a:endParaRPr lang="lv-LV"/>
+        </a:p>
+      </dgm:t>
+    </dgm:pt>
+    <dgm:pt modelId="{EF886BCD-E445-41B3-BD7F-64B05B7E8DE8}" type="sibTrans" cxnId="{9690A908-8B48-4467-9B28-D0FE81E71C45}">
+      <dgm:prSet/>
+      <dgm:spPr/>
+      <dgm:t>
+        <a:bodyPr/>
+        <a:lstStyle/>
+        <a:p>
+          <a:endParaRPr lang="lv-LV"/>
+        </a:p>
+      </dgm:t>
+    </dgm:pt>
+    <dgm:pt modelId="{6BF2128C-656F-4ADF-828E-ACCE81095BD6}">
+      <dgm:prSet phldrT="[Text]"/>
+      <dgm:spPr/>
+      <dgm:t>
+        <a:bodyPr/>
+        <a:lstStyle/>
+        <a:p>
+          <a:r>
+            <a:rPr lang="en-GB" dirty="0" smtClean="0"/>
+            <a:t>PE “Core”</a:t>
+          </a:r>
+          <a:endParaRPr lang="lv-LV" dirty="0"/>
+        </a:p>
+      </dgm:t>
+    </dgm:pt>
+    <dgm:pt modelId="{E442D880-2C10-477C-B799-15AB411C2DF0}" type="parTrans" cxnId="{7698BCD7-73B6-42B8-B128-D00A0790CF4E}">
+      <dgm:prSet/>
+      <dgm:spPr/>
+      <dgm:t>
+        <a:bodyPr/>
+        <a:lstStyle/>
+        <a:p>
+          <a:endParaRPr lang="lv-LV"/>
+        </a:p>
+      </dgm:t>
+    </dgm:pt>
+    <dgm:pt modelId="{4765C35F-DBD4-4A78-BDA1-F537FFBEAA4C}" type="sibTrans" cxnId="{7698BCD7-73B6-42B8-B128-D00A0790CF4E}">
+      <dgm:prSet/>
+      <dgm:spPr/>
+      <dgm:t>
+        <a:bodyPr/>
+        <a:lstStyle/>
+        <a:p>
+          <a:endParaRPr lang="lv-LV"/>
+        </a:p>
+      </dgm:t>
+    </dgm:pt>
+    <dgm:pt modelId="{80E4A2FF-22B9-4912-8024-31CED4B4E7A1}">
+      <dgm:prSet phldrT="[Text]"/>
+      <dgm:spPr/>
+      <dgm:t>
+        <a:bodyPr/>
+        <a:lstStyle/>
+        <a:p>
+          <a:r>
+            <a:rPr lang="en-GB" dirty="0" smtClean="0"/>
+            <a:t>PE “Core”</a:t>
+          </a:r>
+          <a:endParaRPr lang="lv-LV" dirty="0"/>
+        </a:p>
+      </dgm:t>
+    </dgm:pt>
+    <dgm:pt modelId="{4DF0F145-AE15-48DA-9120-07C5DE826E0C}" type="parTrans" cxnId="{79CC0135-26FB-4D0B-AD47-243FB2EB74DF}">
+      <dgm:prSet/>
+      <dgm:spPr/>
+      <dgm:t>
+        <a:bodyPr/>
+        <a:lstStyle/>
+        <a:p>
+          <a:endParaRPr lang="lv-LV"/>
+        </a:p>
+      </dgm:t>
+    </dgm:pt>
+    <dgm:pt modelId="{8A74A3EE-3284-4055-BB83-18D6A97BA7A9}" type="sibTrans" cxnId="{79CC0135-26FB-4D0B-AD47-243FB2EB74DF}">
+      <dgm:prSet/>
+      <dgm:spPr/>
+      <dgm:t>
+        <a:bodyPr/>
+        <a:lstStyle/>
+        <a:p>
+          <a:endParaRPr lang="lv-LV"/>
+        </a:p>
+      </dgm:t>
+    </dgm:pt>
+    <dgm:pt modelId="{8BEF7DED-18CB-48A1-A4DD-9D154E4F5C6E}">
+      <dgm:prSet phldrT="[Text]"/>
+      <dgm:spPr/>
+      <dgm:t>
+        <a:bodyPr/>
+        <a:lstStyle/>
+        <a:p>
+          <a:r>
+            <a:rPr lang="en-GB" dirty="0" smtClean="0"/>
+            <a:t>PE “Core”</a:t>
+          </a:r>
+          <a:endParaRPr lang="lv-LV" dirty="0"/>
+        </a:p>
+      </dgm:t>
+    </dgm:pt>
+    <dgm:pt modelId="{6C393C46-FB75-4AC2-8C6F-E82DBC3C7E8E}" type="parTrans" cxnId="{F8EFFF8D-A732-4B9A-9A20-8E42760FE3CB}">
+      <dgm:prSet/>
+      <dgm:spPr/>
+      <dgm:t>
+        <a:bodyPr/>
+        <a:lstStyle/>
+        <a:p>
+          <a:endParaRPr lang="lv-LV"/>
+        </a:p>
+      </dgm:t>
+    </dgm:pt>
+    <dgm:pt modelId="{22AD4A16-1C1C-4923-B339-8F6794153D1C}" type="sibTrans" cxnId="{F8EFFF8D-A732-4B9A-9A20-8E42760FE3CB}">
+      <dgm:prSet/>
+      <dgm:spPr/>
+      <dgm:t>
+        <a:bodyPr/>
+        <a:lstStyle/>
+        <a:p>
+          <a:endParaRPr lang="lv-LV"/>
+        </a:p>
+      </dgm:t>
+    </dgm:pt>
+    <dgm:pt modelId="{FBD632EB-A7D8-46EB-AA95-2440E9B2FFC8}">
+      <dgm:prSet phldrT="[Text]"/>
+      <dgm:spPr/>
+      <dgm:t>
+        <a:bodyPr/>
+        <a:lstStyle/>
+        <a:p>
+          <a:r>
+            <a:rPr lang="en-GB" dirty="0" smtClean="0"/>
+            <a:t>…</a:t>
+          </a:r>
+          <a:endParaRPr lang="lv-LV" dirty="0"/>
+        </a:p>
+      </dgm:t>
+    </dgm:pt>
+    <dgm:pt modelId="{5A01E76B-EB22-4C7B-9D46-5D1C445DA607}" type="parTrans" cxnId="{FA9B0DEA-F755-488E-90E0-6A262B3DC5FA}">
+      <dgm:prSet/>
+      <dgm:spPr/>
+      <dgm:t>
+        <a:bodyPr/>
+        <a:lstStyle/>
+        <a:p>
+          <a:endParaRPr lang="lv-LV"/>
+        </a:p>
+      </dgm:t>
+    </dgm:pt>
+    <dgm:pt modelId="{74B9FCA6-1324-4E95-A3B7-1118F1FDE807}" type="sibTrans" cxnId="{FA9B0DEA-F755-488E-90E0-6A262B3DC5FA}">
+      <dgm:prSet/>
+      <dgm:spPr/>
+      <dgm:t>
+        <a:bodyPr/>
+        <a:lstStyle/>
+        <a:p>
+          <a:endParaRPr lang="lv-LV"/>
+        </a:p>
+      </dgm:t>
+    </dgm:pt>
+    <dgm:pt modelId="{D24436CA-4050-4D42-9B48-7DBC8CE2417F}">
+      <dgm:prSet phldrT="[Text]"/>
+      <dgm:spPr/>
+      <dgm:t>
+        <a:bodyPr/>
+        <a:lstStyle/>
+        <a:p>
+          <a:r>
+            <a:rPr lang="en-GB" dirty="0" smtClean="0"/>
+            <a:t>…</a:t>
+          </a:r>
+          <a:endParaRPr lang="lv-LV" dirty="0"/>
+        </a:p>
+      </dgm:t>
+    </dgm:pt>
+    <dgm:pt modelId="{EB45D7C9-28CC-46D3-A80A-516DB0111DD2}" type="parTrans" cxnId="{6D0CF322-29A4-4ACF-8EF7-0054F2061F41}">
+      <dgm:prSet/>
+      <dgm:spPr/>
+      <dgm:t>
+        <a:bodyPr/>
+        <a:lstStyle/>
+        <a:p>
+          <a:endParaRPr lang="lv-LV"/>
+        </a:p>
+      </dgm:t>
+    </dgm:pt>
+    <dgm:pt modelId="{D26569F3-892B-4CB4-ADDC-993FA0719A0A}" type="sibTrans" cxnId="{6D0CF322-29A4-4ACF-8EF7-0054F2061F41}">
+      <dgm:prSet/>
+      <dgm:spPr/>
+      <dgm:t>
+        <a:bodyPr/>
+        <a:lstStyle/>
+        <a:p>
+          <a:endParaRPr lang="lv-LV"/>
+        </a:p>
+      </dgm:t>
+    </dgm:pt>
+    <dgm:pt modelId="{8F30FFF5-9F28-49E6-9697-A3C740854886}">
+      <dgm:prSet phldrT="[Text]"/>
+      <dgm:spPr/>
+      <dgm:t>
+        <a:bodyPr/>
+        <a:lstStyle/>
+        <a:p>
+          <a:r>
+            <a:rPr lang="en-GB" dirty="0" smtClean="0"/>
+            <a:t>…</a:t>
+          </a:r>
+          <a:endParaRPr lang="lv-LV" dirty="0"/>
+        </a:p>
+      </dgm:t>
+    </dgm:pt>
+    <dgm:pt modelId="{005EF98D-9101-4DAA-B7CE-059761749849}" type="parTrans" cxnId="{727A5652-769F-4860-B407-6313B6E8E169}">
+      <dgm:prSet/>
+      <dgm:spPr/>
+      <dgm:t>
+        <a:bodyPr/>
+        <a:lstStyle/>
+        <a:p>
+          <a:endParaRPr lang="lv-LV"/>
+        </a:p>
+      </dgm:t>
+    </dgm:pt>
+    <dgm:pt modelId="{C6BCEBD1-580A-41D4-98A2-FA93D31892BD}" type="sibTrans" cxnId="{727A5652-769F-4860-B407-6313B6E8E169}">
+      <dgm:prSet/>
+      <dgm:spPr/>
+      <dgm:t>
+        <a:bodyPr/>
+        <a:lstStyle/>
+        <a:p>
+          <a:endParaRPr lang="lv-LV"/>
+        </a:p>
+      </dgm:t>
+    </dgm:pt>
+    <dgm:pt modelId="{163E281D-895D-41D8-BDA4-BB18780A9852}">
+      <dgm:prSet phldrT="[Text]"/>
+      <dgm:spPr/>
+      <dgm:t>
+        <a:bodyPr/>
+        <a:lstStyle/>
+        <a:p>
+          <a:r>
+            <a:rPr lang="en-GB" dirty="0" smtClean="0"/>
+            <a:t>Task</a:t>
+          </a:r>
+          <a:endParaRPr lang="lv-LV" dirty="0"/>
+        </a:p>
+      </dgm:t>
+    </dgm:pt>
+    <dgm:pt modelId="{D967ADFF-060B-4211-A0AE-207FF82046E4}" type="parTrans" cxnId="{302FE709-8380-4830-9A1C-B65135EA879D}">
+      <dgm:prSet/>
+      <dgm:spPr/>
+      <dgm:t>
+        <a:bodyPr/>
+        <a:lstStyle/>
+        <a:p>
+          <a:endParaRPr lang="lv-LV"/>
+        </a:p>
+      </dgm:t>
+    </dgm:pt>
+    <dgm:pt modelId="{156BD247-0C12-4F99-8542-B3743A17A775}" type="sibTrans" cxnId="{302FE709-8380-4830-9A1C-B65135EA879D}">
+      <dgm:prSet/>
+      <dgm:spPr/>
+      <dgm:t>
+        <a:bodyPr/>
+        <a:lstStyle/>
+        <a:p>
+          <a:endParaRPr lang="lv-LV"/>
+        </a:p>
+      </dgm:t>
+    </dgm:pt>
+    <dgm:pt modelId="{592C5FAE-F77C-46FE-9EA0-A5CE0A4AFF02}">
+      <dgm:prSet phldrT="[Text]"/>
+      <dgm:spPr/>
+      <dgm:t>
+        <a:bodyPr/>
+        <a:lstStyle/>
+        <a:p>
+          <a:r>
+            <a:rPr lang="en-GB" dirty="0" smtClean="0"/>
+            <a:t>Task</a:t>
+          </a:r>
+          <a:endParaRPr lang="lv-LV" dirty="0"/>
+        </a:p>
+      </dgm:t>
+    </dgm:pt>
+    <dgm:pt modelId="{D2B9A9B3-FFA7-43AA-A04D-6A45D01F3DE3}" type="parTrans" cxnId="{DF668A5D-EACF-4651-BA76-6F8D087A5700}">
+      <dgm:prSet/>
+      <dgm:spPr/>
+      <dgm:t>
+        <a:bodyPr/>
+        <a:lstStyle/>
+        <a:p>
+          <a:endParaRPr lang="lv-LV"/>
+        </a:p>
+      </dgm:t>
+    </dgm:pt>
+    <dgm:pt modelId="{F720890B-CF79-4327-977E-1DAEC5164ED4}" type="sibTrans" cxnId="{DF668A5D-EACF-4651-BA76-6F8D087A5700}">
+      <dgm:prSet/>
+      <dgm:spPr/>
+      <dgm:t>
+        <a:bodyPr/>
+        <a:lstStyle/>
+        <a:p>
+          <a:endParaRPr lang="lv-LV"/>
+        </a:p>
+      </dgm:t>
+    </dgm:pt>
+    <dgm:pt modelId="{90CDBD93-0AFD-444D-9118-E14FA93E5023}">
+      <dgm:prSet phldrT="[Text]"/>
+      <dgm:spPr/>
+      <dgm:t>
+        <a:bodyPr/>
+        <a:lstStyle/>
+        <a:p>
+          <a:r>
+            <a:rPr lang="en-GB" smtClean="0"/>
+            <a:t>Task</a:t>
+          </a:r>
+          <a:endParaRPr lang="lv-LV" dirty="0"/>
+        </a:p>
+      </dgm:t>
+    </dgm:pt>
+    <dgm:pt modelId="{0001543D-F28A-4851-9ADA-C81B57DACA5E}" type="parTrans" cxnId="{14716492-DB52-4BFF-A313-DBBFB7F20B00}">
+      <dgm:prSet/>
+      <dgm:spPr/>
+      <dgm:t>
+        <a:bodyPr/>
+        <a:lstStyle/>
+        <a:p>
+          <a:endParaRPr lang="lv-LV"/>
+        </a:p>
+      </dgm:t>
+    </dgm:pt>
+    <dgm:pt modelId="{78F64582-E13F-42E4-AE20-497EE35FB010}" type="sibTrans" cxnId="{14716492-DB52-4BFF-A313-DBBFB7F20B00}">
+      <dgm:prSet/>
+      <dgm:spPr/>
+      <dgm:t>
+        <a:bodyPr/>
+        <a:lstStyle/>
+        <a:p>
+          <a:endParaRPr lang="lv-LV"/>
+        </a:p>
+      </dgm:t>
+    </dgm:pt>
+    <dgm:pt modelId="{416CB22B-242E-471F-BEB5-C9CE27A17DE8}">
+      <dgm:prSet phldrT="[Text]"/>
+      <dgm:spPr/>
+      <dgm:t>
+        <a:bodyPr/>
+        <a:lstStyle/>
+        <a:p>
+          <a:r>
+            <a:rPr lang="en-GB" smtClean="0"/>
+            <a:t>Task</a:t>
+          </a:r>
+          <a:endParaRPr lang="lv-LV" dirty="0"/>
+        </a:p>
+      </dgm:t>
+    </dgm:pt>
+    <dgm:pt modelId="{6DEF6842-F601-4812-BF6A-C1AF518E8A28}" type="parTrans" cxnId="{FD085E01-05FE-473E-BA9E-905337A91BCD}">
+      <dgm:prSet/>
+      <dgm:spPr/>
+      <dgm:t>
+        <a:bodyPr/>
+        <a:lstStyle/>
+        <a:p>
+          <a:endParaRPr lang="lv-LV"/>
+        </a:p>
+      </dgm:t>
+    </dgm:pt>
+    <dgm:pt modelId="{C9B54623-BB59-4FDF-8C50-782F2611CB38}" type="sibTrans" cxnId="{FD085E01-05FE-473E-BA9E-905337A91BCD}">
+      <dgm:prSet/>
+      <dgm:spPr/>
+      <dgm:t>
+        <a:bodyPr/>
+        <a:lstStyle/>
+        <a:p>
+          <a:endParaRPr lang="lv-LV"/>
+        </a:p>
+      </dgm:t>
+    </dgm:pt>
+    <dgm:pt modelId="{1719D34C-196C-49A2-A89A-355858F697C6}">
+      <dgm:prSet phldrT="[Text]"/>
+      <dgm:spPr/>
+      <dgm:t>
+        <a:bodyPr/>
+        <a:lstStyle/>
+        <a:p>
+          <a:r>
+            <a:rPr lang="en-GB" dirty="0" smtClean="0"/>
+            <a:t>…</a:t>
+          </a:r>
+          <a:endParaRPr lang="lv-LV" dirty="0"/>
+        </a:p>
+      </dgm:t>
+    </dgm:pt>
+    <dgm:pt modelId="{E56F8A34-A6B7-4017-BD00-E093BA5DE64A}" type="parTrans" cxnId="{73ACC0E1-CD86-43EF-AF17-EA9A5854314A}">
+      <dgm:prSet/>
+      <dgm:spPr/>
+      <dgm:t>
+        <a:bodyPr/>
+        <a:lstStyle/>
+        <a:p>
+          <a:endParaRPr lang="lv-LV"/>
+        </a:p>
+      </dgm:t>
+    </dgm:pt>
+    <dgm:pt modelId="{740883EE-CE46-4474-943F-06B463B2EAFD}" type="sibTrans" cxnId="{73ACC0E1-CD86-43EF-AF17-EA9A5854314A}">
+      <dgm:prSet/>
+      <dgm:spPr/>
+      <dgm:t>
+        <a:bodyPr/>
+        <a:lstStyle/>
+        <a:p>
+          <a:endParaRPr lang="lv-LV"/>
+        </a:p>
+      </dgm:t>
+    </dgm:pt>
+    <dgm:pt modelId="{F38E31E7-DFB6-4748-AACC-52FAEAF2A3BE}">
+      <dgm:prSet phldrT="[Text]"/>
+      <dgm:spPr/>
+      <dgm:t>
+        <a:bodyPr/>
+        <a:lstStyle/>
+        <a:p>
+          <a:r>
+            <a:rPr lang="en-GB" dirty="0" smtClean="0"/>
+            <a:t>Task</a:t>
+          </a:r>
+          <a:endParaRPr lang="lv-LV" dirty="0"/>
+        </a:p>
+      </dgm:t>
+    </dgm:pt>
+    <dgm:pt modelId="{3387CF44-8F62-4A7C-AB0C-AEBDC8A08F2E}" type="parTrans" cxnId="{43CFD645-1979-46F4-B9B1-E130D039C3B4}">
+      <dgm:prSet/>
+      <dgm:spPr/>
+      <dgm:t>
+        <a:bodyPr/>
+        <a:lstStyle/>
+        <a:p>
+          <a:endParaRPr lang="lv-LV"/>
+        </a:p>
+      </dgm:t>
+    </dgm:pt>
+    <dgm:pt modelId="{6C149174-1C54-43D6-AB98-D6B230A08127}" type="sibTrans" cxnId="{43CFD645-1979-46F4-B9B1-E130D039C3B4}">
+      <dgm:prSet/>
+      <dgm:spPr/>
+      <dgm:t>
+        <a:bodyPr/>
+        <a:lstStyle/>
+        <a:p>
+          <a:endParaRPr lang="lv-LV"/>
+        </a:p>
+      </dgm:t>
+    </dgm:pt>
+    <dgm:pt modelId="{56DB4253-DBE9-4F9E-8526-228E9BD6C0B0}">
+      <dgm:prSet phldrT="[Text]"/>
+      <dgm:spPr/>
+      <dgm:t>
+        <a:bodyPr/>
+        <a:lstStyle/>
+        <a:p>
+          <a:r>
+            <a:rPr lang="en-GB" dirty="0" smtClean="0"/>
+            <a:t>Task</a:t>
+          </a:r>
+          <a:endParaRPr lang="lv-LV" dirty="0"/>
+        </a:p>
+      </dgm:t>
+    </dgm:pt>
+    <dgm:pt modelId="{9CC4DC53-5C71-465C-9BA0-6BFFB125D448}" type="parTrans" cxnId="{69A6F8E6-EC29-4BB0-98A1-1AE335C865A5}">
+      <dgm:prSet/>
+      <dgm:spPr/>
+      <dgm:t>
+        <a:bodyPr/>
+        <a:lstStyle/>
+        <a:p>
+          <a:endParaRPr lang="lv-LV"/>
+        </a:p>
+      </dgm:t>
+    </dgm:pt>
+    <dgm:pt modelId="{21A46DC2-AD95-4DEB-98F1-292C75AE4244}" type="sibTrans" cxnId="{69A6F8E6-EC29-4BB0-98A1-1AE335C865A5}">
+      <dgm:prSet/>
+      <dgm:spPr/>
+      <dgm:t>
+        <a:bodyPr/>
+        <a:lstStyle/>
+        <a:p>
+          <a:endParaRPr lang="lv-LV"/>
+        </a:p>
+      </dgm:t>
+    </dgm:pt>
+    <dgm:pt modelId="{7EDD278C-C7AE-43E6-B841-5B4093E25396}">
+      <dgm:prSet phldrT="[Text]"/>
+      <dgm:spPr/>
+      <dgm:t>
+        <a:bodyPr/>
+        <a:lstStyle/>
+        <a:p>
+          <a:r>
+            <a:rPr lang="en-GB" dirty="0" smtClean="0"/>
+            <a:t>Task</a:t>
+          </a:r>
+          <a:endParaRPr lang="lv-LV" dirty="0"/>
+        </a:p>
+      </dgm:t>
+    </dgm:pt>
+    <dgm:pt modelId="{C580816F-0C5E-4A39-91E8-2BB60D0FC795}" type="parTrans" cxnId="{1BC4D010-C66B-49BF-AF27-13358610154D}">
+      <dgm:prSet/>
+      <dgm:spPr/>
+      <dgm:t>
+        <a:bodyPr/>
+        <a:lstStyle/>
+        <a:p>
+          <a:endParaRPr lang="lv-LV"/>
+        </a:p>
+      </dgm:t>
+    </dgm:pt>
+    <dgm:pt modelId="{B1C4CC76-36F4-46E5-8F51-FA4EE8BDD469}" type="sibTrans" cxnId="{1BC4D010-C66B-49BF-AF27-13358610154D}">
+      <dgm:prSet/>
+      <dgm:spPr/>
+      <dgm:t>
+        <a:bodyPr/>
+        <a:lstStyle/>
+        <a:p>
+          <a:endParaRPr lang="lv-LV"/>
+        </a:p>
+      </dgm:t>
+    </dgm:pt>
+    <dgm:pt modelId="{6788E626-6A67-4B3D-8937-179CCDD1A284}">
+      <dgm:prSet phldrT="[Text]"/>
+      <dgm:spPr/>
+      <dgm:t>
+        <a:bodyPr/>
+        <a:lstStyle/>
+        <a:p>
+          <a:r>
+            <a:rPr lang="en-GB" smtClean="0"/>
+            <a:t>Task</a:t>
+          </a:r>
+          <a:endParaRPr lang="lv-LV" dirty="0"/>
+        </a:p>
+      </dgm:t>
+    </dgm:pt>
+    <dgm:pt modelId="{87AD127C-8C9D-4143-BDAC-745DCAA576E5}" type="parTrans" cxnId="{C85BF7E3-D8D1-4AB0-A1F0-EE40E32293A2}">
+      <dgm:prSet/>
+      <dgm:spPr/>
+      <dgm:t>
+        <a:bodyPr/>
+        <a:lstStyle/>
+        <a:p>
+          <a:endParaRPr lang="lv-LV"/>
+        </a:p>
+      </dgm:t>
+    </dgm:pt>
+    <dgm:pt modelId="{07566AE0-8E60-4554-9C74-EFA996B889DB}" type="sibTrans" cxnId="{C85BF7E3-D8D1-4AB0-A1F0-EE40E32293A2}">
+      <dgm:prSet/>
+      <dgm:spPr/>
+      <dgm:t>
+        <a:bodyPr/>
+        <a:lstStyle/>
+        <a:p>
+          <a:endParaRPr lang="lv-LV"/>
+        </a:p>
+      </dgm:t>
+    </dgm:pt>
+    <dgm:pt modelId="{73B89225-0891-456B-9622-7D85C799C272}">
+      <dgm:prSet phldrT="[Text]"/>
+      <dgm:spPr/>
+      <dgm:t>
+        <a:bodyPr/>
+        <a:lstStyle/>
+        <a:p>
+          <a:r>
+            <a:rPr lang="en-GB" dirty="0" smtClean="0"/>
+            <a:t>…</a:t>
+          </a:r>
+          <a:endParaRPr lang="lv-LV" dirty="0"/>
+        </a:p>
+      </dgm:t>
+    </dgm:pt>
+    <dgm:pt modelId="{A6272573-EDA8-4DE6-B996-FAD0BD5D7C4B}" type="parTrans" cxnId="{CEC626AA-A361-4838-8BF9-343603986A09}">
+      <dgm:prSet/>
+      <dgm:spPr/>
+      <dgm:t>
+        <a:bodyPr/>
+        <a:lstStyle/>
+        <a:p>
+          <a:endParaRPr lang="lv-LV"/>
+        </a:p>
+      </dgm:t>
+    </dgm:pt>
+    <dgm:pt modelId="{EF6EB010-80BD-4DE0-9EE9-989B1BB84002}" type="sibTrans" cxnId="{CEC626AA-A361-4838-8BF9-343603986A09}">
+      <dgm:prSet/>
+      <dgm:spPr/>
+      <dgm:t>
+        <a:bodyPr/>
+        <a:lstStyle/>
+        <a:p>
+          <a:endParaRPr lang="lv-LV"/>
+        </a:p>
+      </dgm:t>
+    </dgm:pt>
+    <dgm:pt modelId="{9FD8616A-6A9A-475B-ADF8-0C86B84A4FA0}">
+      <dgm:prSet phldrT="[Text]"/>
+      <dgm:spPr/>
+      <dgm:t>
+        <a:bodyPr/>
+        <a:lstStyle/>
+        <a:p>
+          <a:r>
+            <a:rPr lang="en-GB" dirty="0" smtClean="0"/>
+            <a:t>…</a:t>
+          </a:r>
+          <a:endParaRPr lang="lv-LV" dirty="0"/>
+        </a:p>
+      </dgm:t>
+    </dgm:pt>
+    <dgm:pt modelId="{90DE8656-3146-4993-A839-39C88F115184}" type="parTrans" cxnId="{7F6ECB09-1FED-416F-B1CA-8245EC60655D}">
+      <dgm:prSet/>
+      <dgm:spPr/>
+      <dgm:t>
+        <a:bodyPr/>
+        <a:lstStyle/>
+        <a:p>
+          <a:endParaRPr lang="lv-LV"/>
+        </a:p>
+      </dgm:t>
+    </dgm:pt>
+    <dgm:pt modelId="{71D1416C-C71A-4FAA-A567-945C3F307C76}" type="sibTrans" cxnId="{7F6ECB09-1FED-416F-B1CA-8245EC60655D}">
+      <dgm:prSet/>
+      <dgm:spPr/>
+      <dgm:t>
+        <a:bodyPr/>
+        <a:lstStyle/>
+        <a:p>
+          <a:endParaRPr lang="lv-LV"/>
+        </a:p>
+      </dgm:t>
+    </dgm:pt>
+    <dgm:pt modelId="{5E64CC48-21FD-42BF-8699-82BFFFD556E1}" type="pres">
+      <dgm:prSet presAssocID="{F1B2A119-D5AD-42C0-987F-A4D2D7DBAAD7}" presName="Name0" presStyleCnt="0">
+        <dgm:presLayoutVars>
+          <dgm:chPref val="1"/>
+          <dgm:dir/>
+          <dgm:animOne val="branch"/>
+          <dgm:animLvl val="lvl"/>
+          <dgm:resizeHandles/>
+        </dgm:presLayoutVars>
+      </dgm:prSet>
+      <dgm:spPr/>
+    </dgm:pt>
+    <dgm:pt modelId="{85D8FE0C-EFFE-4F2F-BD02-18B5F25E0EB7}" type="pres">
+      <dgm:prSet presAssocID="{ADF22F6A-7ED7-4D48-972D-2FAE68857649}" presName="vertOne" presStyleCnt="0"/>
+      <dgm:spPr/>
+    </dgm:pt>
+    <dgm:pt modelId="{B5326312-7E99-4039-AFCE-AC8965EBB456}" type="pres">
+      <dgm:prSet presAssocID="{ADF22F6A-7ED7-4D48-972D-2FAE68857649}" presName="txOne" presStyleLbl="node0" presStyleIdx="0" presStyleCnt="1">
+        <dgm:presLayoutVars>
+          <dgm:chPref val="3"/>
+        </dgm:presLayoutVars>
+      </dgm:prSet>
+      <dgm:spPr/>
+      <dgm:t>
+        <a:bodyPr/>
+        <a:lstStyle/>
+        <a:p>
+          <a:endParaRPr lang="lv-LV"/>
+        </a:p>
+      </dgm:t>
+    </dgm:pt>
+    <dgm:pt modelId="{FF6DF6E6-C437-4C47-A908-BCAD16006942}" type="pres">
+      <dgm:prSet presAssocID="{ADF22F6A-7ED7-4D48-972D-2FAE68857649}" presName="parTransOne" presStyleCnt="0"/>
+      <dgm:spPr/>
+    </dgm:pt>
+    <dgm:pt modelId="{42191B07-3E80-46F8-B0B0-0897E880C918}" type="pres">
+      <dgm:prSet presAssocID="{ADF22F6A-7ED7-4D48-972D-2FAE68857649}" presName="horzOne" presStyleCnt="0"/>
+      <dgm:spPr/>
+    </dgm:pt>
+    <dgm:pt modelId="{B441C3B8-6601-46F0-9827-8CA1C8046F3F}" type="pres">
+      <dgm:prSet presAssocID="{E61C1320-D8DD-4FFE-8981-69EE7DF827E2}" presName="vertTwo" presStyleCnt="0"/>
+      <dgm:spPr/>
+    </dgm:pt>
+    <dgm:pt modelId="{AB7B2458-7E0D-4794-A908-15BE2F5E1B5F}" type="pres">
+      <dgm:prSet presAssocID="{E61C1320-D8DD-4FFE-8981-69EE7DF827E2}" presName="txTwo" presStyleLbl="node2" presStyleIdx="0" presStyleCnt="3">
+        <dgm:presLayoutVars>
+          <dgm:chPref val="3"/>
+        </dgm:presLayoutVars>
+      </dgm:prSet>
+      <dgm:spPr/>
+      <dgm:t>
+        <a:bodyPr/>
+        <a:lstStyle/>
+        <a:p>
+          <a:endParaRPr lang="lv-LV"/>
+        </a:p>
+      </dgm:t>
+    </dgm:pt>
+    <dgm:pt modelId="{91C3AB00-24E5-467B-A117-3AF5BCCC91DC}" type="pres">
+      <dgm:prSet presAssocID="{E61C1320-D8DD-4FFE-8981-69EE7DF827E2}" presName="parTransTwo" presStyleCnt="0"/>
+      <dgm:spPr/>
+    </dgm:pt>
+    <dgm:pt modelId="{A319AF31-5814-4F3D-BF16-CD162D5F6281}" type="pres">
+      <dgm:prSet presAssocID="{E61C1320-D8DD-4FFE-8981-69EE7DF827E2}" presName="horzTwo" presStyleCnt="0"/>
+      <dgm:spPr/>
+    </dgm:pt>
+    <dgm:pt modelId="{6F8748FB-6DAA-4A66-85F4-578060D39BD2}" type="pres">
+      <dgm:prSet presAssocID="{F7AA38A3-D7F8-4ECE-9C7E-1B6339330209}" presName="vertThree" presStyleCnt="0"/>
+      <dgm:spPr/>
+    </dgm:pt>
+    <dgm:pt modelId="{96FB1193-8D1F-4922-91E5-A7029736AED7}" type="pres">
+      <dgm:prSet presAssocID="{F7AA38A3-D7F8-4ECE-9C7E-1B6339330209}" presName="txThree" presStyleLbl="node3" presStyleIdx="0" presStyleCnt="11" custLinFactNeighborX="-36" custLinFactNeighborY="-485">
+        <dgm:presLayoutVars>
+          <dgm:chPref val="3"/>
+        </dgm:presLayoutVars>
+      </dgm:prSet>
+      <dgm:spPr/>
+      <dgm:t>
+        <a:bodyPr/>
+        <a:lstStyle/>
+        <a:p>
+          <a:endParaRPr lang="lv-LV"/>
+        </a:p>
+      </dgm:t>
+    </dgm:pt>
+    <dgm:pt modelId="{B88DDBC5-763B-475F-8D57-75F982A7FE05}" type="pres">
+      <dgm:prSet presAssocID="{F7AA38A3-D7F8-4ECE-9C7E-1B6339330209}" presName="parTransThree" presStyleCnt="0"/>
+      <dgm:spPr/>
+    </dgm:pt>
+    <dgm:pt modelId="{E3175A56-7671-4F3D-943E-A53055388158}" type="pres">
+      <dgm:prSet presAssocID="{F7AA38A3-D7F8-4ECE-9C7E-1B6339330209}" presName="horzThree" presStyleCnt="0"/>
+      <dgm:spPr/>
+    </dgm:pt>
+    <dgm:pt modelId="{B07F01CC-12CB-4E02-A92E-54A24E7C54C7}" type="pres">
+      <dgm:prSet presAssocID="{163E281D-895D-41D8-BDA4-BB18780A9852}" presName="vertFour" presStyleCnt="0">
+        <dgm:presLayoutVars>
+          <dgm:chPref val="3"/>
+        </dgm:presLayoutVars>
+      </dgm:prSet>
+      <dgm:spPr/>
+    </dgm:pt>
+    <dgm:pt modelId="{D34F9321-E05C-4D6C-8997-E71D65DD6A0E}" type="pres">
+      <dgm:prSet presAssocID="{163E281D-895D-41D8-BDA4-BB18780A9852}" presName="txFour" presStyleLbl="node4" presStyleIdx="0" presStyleCnt="11">
+        <dgm:presLayoutVars>
+          <dgm:chPref val="3"/>
+        </dgm:presLayoutVars>
+      </dgm:prSet>
+      <dgm:spPr>
+        <a:prstGeom prst="flowChartOffpageConnector">
+          <a:avLst/>
+        </a:prstGeom>
+      </dgm:spPr>
+    </dgm:pt>
+    <dgm:pt modelId="{9785DE87-9C2F-4365-9133-31A68AADDECD}" type="pres">
+      <dgm:prSet presAssocID="{163E281D-895D-41D8-BDA4-BB18780A9852}" presName="horzFour" presStyleCnt="0"/>
+      <dgm:spPr/>
+    </dgm:pt>
+    <dgm:pt modelId="{9875D169-0F3B-49AF-A7E5-B12A3F6CE2FB}" type="pres">
+      <dgm:prSet presAssocID="{63A91FFE-340F-4854-9001-3AE8FD69C78B}" presName="sibSpaceThree" presStyleCnt="0"/>
+      <dgm:spPr/>
+    </dgm:pt>
+    <dgm:pt modelId="{DC0F6032-28EE-48AD-A570-2C7850869E3B}" type="pres">
+      <dgm:prSet presAssocID="{0DDA0BF9-D726-4089-BE10-DF1ECE465D2B}" presName="vertThree" presStyleCnt="0"/>
+      <dgm:spPr/>
+    </dgm:pt>
+    <dgm:pt modelId="{ECB945CC-E646-44C9-8AF2-80EB45062F28}" type="pres">
+      <dgm:prSet presAssocID="{0DDA0BF9-D726-4089-BE10-DF1ECE465D2B}" presName="txThree" presStyleLbl="node3" presStyleIdx="1" presStyleCnt="11" custLinFactNeighborX="-36" custLinFactNeighborY="-485">
+        <dgm:presLayoutVars>
+          <dgm:chPref val="3"/>
+        </dgm:presLayoutVars>
+      </dgm:prSet>
+      <dgm:spPr/>
+      <dgm:t>
+        <a:bodyPr/>
+        <a:lstStyle/>
+        <a:p>
+          <a:endParaRPr lang="lv-LV"/>
+        </a:p>
+      </dgm:t>
+    </dgm:pt>
+    <dgm:pt modelId="{7AEA2E74-5D78-4513-B32B-D5F2E5278225}" type="pres">
+      <dgm:prSet presAssocID="{0DDA0BF9-D726-4089-BE10-DF1ECE465D2B}" presName="parTransThree" presStyleCnt="0"/>
+      <dgm:spPr/>
+    </dgm:pt>
+    <dgm:pt modelId="{E4012BF5-EE90-47BA-81D9-D1F38CACCC54}" type="pres">
+      <dgm:prSet presAssocID="{0DDA0BF9-D726-4089-BE10-DF1ECE465D2B}" presName="horzThree" presStyleCnt="0"/>
+      <dgm:spPr/>
+    </dgm:pt>
+    <dgm:pt modelId="{9B1CE27F-2812-428E-B439-237F8AE2206C}" type="pres">
+      <dgm:prSet presAssocID="{592C5FAE-F77C-46FE-9EA0-A5CE0A4AFF02}" presName="vertFour" presStyleCnt="0">
+        <dgm:presLayoutVars>
+          <dgm:chPref val="3"/>
+        </dgm:presLayoutVars>
+      </dgm:prSet>
+      <dgm:spPr/>
+    </dgm:pt>
+    <dgm:pt modelId="{711A6885-259C-40EC-AC09-17EDF2A83AF9}" type="pres">
+      <dgm:prSet presAssocID="{592C5FAE-F77C-46FE-9EA0-A5CE0A4AFF02}" presName="txFour" presStyleLbl="node4" presStyleIdx="1" presStyleCnt="11">
+        <dgm:presLayoutVars>
+          <dgm:chPref val="3"/>
+        </dgm:presLayoutVars>
+      </dgm:prSet>
+      <dgm:spPr>
+        <a:prstGeom prst="flowChartOffpageConnector">
+          <a:avLst/>
+        </a:prstGeom>
+      </dgm:spPr>
+    </dgm:pt>
+    <dgm:pt modelId="{C7FFA11C-CF7F-471A-857C-6663C76B60EE}" type="pres">
+      <dgm:prSet presAssocID="{592C5FAE-F77C-46FE-9EA0-A5CE0A4AFF02}" presName="horzFour" presStyleCnt="0"/>
+      <dgm:spPr/>
+    </dgm:pt>
+    <dgm:pt modelId="{099393A1-F4A3-4501-9621-96192096542C}" type="pres">
+      <dgm:prSet presAssocID="{C5670EE4-549F-42BE-B7D1-086497A2874F}" presName="sibSpaceThree" presStyleCnt="0"/>
+      <dgm:spPr/>
+    </dgm:pt>
+    <dgm:pt modelId="{EB668C47-BAC1-4A25-B822-F7EA7BF10772}" type="pres">
+      <dgm:prSet presAssocID="{84BB72F2-8662-4AE9-9C8D-913724FC41DB}" presName="vertThree" presStyleCnt="0"/>
+      <dgm:spPr/>
+    </dgm:pt>
+    <dgm:pt modelId="{E5E16191-18A9-4DD1-96C1-9E2E931E8179}" type="pres">
+      <dgm:prSet presAssocID="{84BB72F2-8662-4AE9-9C8D-913724FC41DB}" presName="txThree" presStyleLbl="node3" presStyleIdx="2" presStyleCnt="11" custLinFactNeighborX="-36" custLinFactNeighborY="-485">
+        <dgm:presLayoutVars>
+          <dgm:chPref val="3"/>
+        </dgm:presLayoutVars>
+      </dgm:prSet>
+      <dgm:spPr/>
+      <dgm:t>
+        <a:bodyPr/>
+        <a:lstStyle/>
+        <a:p>
+          <a:endParaRPr lang="lv-LV"/>
+        </a:p>
+      </dgm:t>
+    </dgm:pt>
+    <dgm:pt modelId="{64C595DA-9CF0-4C31-A7FB-D1B131F0B016}" type="pres">
+      <dgm:prSet presAssocID="{84BB72F2-8662-4AE9-9C8D-913724FC41DB}" presName="parTransThree" presStyleCnt="0"/>
+      <dgm:spPr/>
+    </dgm:pt>
+    <dgm:pt modelId="{E488F786-133C-4FF6-AE58-4EEE80ED6142}" type="pres">
+      <dgm:prSet presAssocID="{84BB72F2-8662-4AE9-9C8D-913724FC41DB}" presName="horzThree" presStyleCnt="0"/>
+      <dgm:spPr/>
+    </dgm:pt>
+    <dgm:pt modelId="{0666B748-CC4C-4864-948F-5D3F7F4B5406}" type="pres">
+      <dgm:prSet presAssocID="{90CDBD93-0AFD-444D-9118-E14FA93E5023}" presName="vertFour" presStyleCnt="0">
+        <dgm:presLayoutVars>
+          <dgm:chPref val="3"/>
+        </dgm:presLayoutVars>
+      </dgm:prSet>
+      <dgm:spPr/>
+    </dgm:pt>
+    <dgm:pt modelId="{B346889B-897C-4850-8A67-B970F7028392}" type="pres">
+      <dgm:prSet presAssocID="{90CDBD93-0AFD-444D-9118-E14FA93E5023}" presName="txFour" presStyleLbl="node4" presStyleIdx="2" presStyleCnt="11">
+        <dgm:presLayoutVars>
+          <dgm:chPref val="3"/>
+        </dgm:presLayoutVars>
+      </dgm:prSet>
+      <dgm:spPr>
+        <a:prstGeom prst="flowChartOffpageConnector">
+          <a:avLst/>
+        </a:prstGeom>
+      </dgm:spPr>
+    </dgm:pt>
+    <dgm:pt modelId="{D1E3B6A6-4D48-4833-B4A0-28DB9C3D761A}" type="pres">
+      <dgm:prSet presAssocID="{90CDBD93-0AFD-444D-9118-E14FA93E5023}" presName="horzFour" presStyleCnt="0"/>
+      <dgm:spPr/>
+    </dgm:pt>
+    <dgm:pt modelId="{EB2D0376-B7CD-4E2F-90B8-BD3C73283AA2}" type="pres">
+      <dgm:prSet presAssocID="{58A69670-0504-4920-8EEC-7361AF909B88}" presName="sibSpaceThree" presStyleCnt="0"/>
+      <dgm:spPr/>
+    </dgm:pt>
+    <dgm:pt modelId="{B4A62C2D-F683-4623-B619-8419134CEC20}" type="pres">
+      <dgm:prSet presAssocID="{A821592E-17D0-46AE-8EF4-A248C6EA3BB5}" presName="vertThree" presStyleCnt="0"/>
+      <dgm:spPr/>
+    </dgm:pt>
+    <dgm:pt modelId="{D1813C29-80A8-4F27-B5C9-A358707E514D}" type="pres">
+      <dgm:prSet presAssocID="{A821592E-17D0-46AE-8EF4-A248C6EA3BB5}" presName="txThree" presStyleLbl="node3" presStyleIdx="3" presStyleCnt="11" custLinFactNeighborX="-36" custLinFactNeighborY="-485">
+        <dgm:presLayoutVars>
+          <dgm:chPref val="3"/>
+        </dgm:presLayoutVars>
+      </dgm:prSet>
+      <dgm:spPr/>
+      <dgm:t>
+        <a:bodyPr/>
+        <a:lstStyle/>
+        <a:p>
+          <a:endParaRPr lang="lv-LV"/>
+        </a:p>
+      </dgm:t>
+    </dgm:pt>
+    <dgm:pt modelId="{AE7F062E-F77A-4349-93D5-72247A50AB4E}" type="pres">
+      <dgm:prSet presAssocID="{A821592E-17D0-46AE-8EF4-A248C6EA3BB5}" presName="parTransThree" presStyleCnt="0"/>
+      <dgm:spPr/>
+    </dgm:pt>
+    <dgm:pt modelId="{3440FC1B-560C-4F6E-A717-860DE7CB4AA1}" type="pres">
+      <dgm:prSet presAssocID="{A821592E-17D0-46AE-8EF4-A248C6EA3BB5}" presName="horzThree" presStyleCnt="0"/>
+      <dgm:spPr/>
+    </dgm:pt>
+    <dgm:pt modelId="{B6938472-ACE2-48C5-A418-136C831E44DA}" type="pres">
+      <dgm:prSet presAssocID="{416CB22B-242E-471F-BEB5-C9CE27A17DE8}" presName="vertFour" presStyleCnt="0">
+        <dgm:presLayoutVars>
+          <dgm:chPref val="3"/>
+        </dgm:presLayoutVars>
+      </dgm:prSet>
+      <dgm:spPr/>
+    </dgm:pt>
+    <dgm:pt modelId="{F6DFA980-6191-4028-8822-D30DBF108D7D}" type="pres">
+      <dgm:prSet presAssocID="{416CB22B-242E-471F-BEB5-C9CE27A17DE8}" presName="txFour" presStyleLbl="node4" presStyleIdx="3" presStyleCnt="11">
+        <dgm:presLayoutVars>
+          <dgm:chPref val="3"/>
+        </dgm:presLayoutVars>
+      </dgm:prSet>
+      <dgm:spPr>
+        <a:prstGeom prst="flowChartOffpageConnector">
+          <a:avLst/>
+        </a:prstGeom>
+      </dgm:spPr>
+    </dgm:pt>
+    <dgm:pt modelId="{1CEFD183-8769-4E44-96BA-69D737252F04}" type="pres">
+      <dgm:prSet presAssocID="{416CB22B-242E-471F-BEB5-C9CE27A17DE8}" presName="horzFour" presStyleCnt="0"/>
+      <dgm:spPr/>
+    </dgm:pt>
+    <dgm:pt modelId="{CFCE2B29-6276-44C9-BD0C-768678A95255}" type="pres">
+      <dgm:prSet presAssocID="{33A64124-5787-4949-905F-7C690FFB28E0}" presName="sibSpaceThree" presStyleCnt="0"/>
+      <dgm:spPr/>
+    </dgm:pt>
+    <dgm:pt modelId="{E57DE6B2-6311-4FFE-AF05-94F11F9EC9FA}" type="pres">
+      <dgm:prSet presAssocID="{CDAB2BCB-3C6A-45A0-AC98-06974DFD73B0}" presName="vertThree" presStyleCnt="0"/>
+      <dgm:spPr/>
+    </dgm:pt>
+    <dgm:pt modelId="{F89E0054-9EE3-4F18-A21B-54BBD1257618}" type="pres">
+      <dgm:prSet presAssocID="{CDAB2BCB-3C6A-45A0-AC98-06974DFD73B0}" presName="txThree" presStyleLbl="node3" presStyleIdx="4" presStyleCnt="11">
+        <dgm:presLayoutVars>
+          <dgm:chPref val="3"/>
+        </dgm:presLayoutVars>
+      </dgm:prSet>
+      <dgm:spPr/>
+    </dgm:pt>
+    <dgm:pt modelId="{3D9FD2FE-3738-4900-B52D-DCCDD14B8B9C}" type="pres">
+      <dgm:prSet presAssocID="{CDAB2BCB-3C6A-45A0-AC98-06974DFD73B0}" presName="parTransThree" presStyleCnt="0"/>
+      <dgm:spPr/>
+    </dgm:pt>
+    <dgm:pt modelId="{3C1295DE-974D-43F4-A3DE-A20E7C3807EB}" type="pres">
+      <dgm:prSet presAssocID="{CDAB2BCB-3C6A-45A0-AC98-06974DFD73B0}" presName="horzThree" presStyleCnt="0"/>
+      <dgm:spPr/>
+    </dgm:pt>
+    <dgm:pt modelId="{D472E22D-48DE-4911-A468-777C142E0F83}" type="pres">
+      <dgm:prSet presAssocID="{1719D34C-196C-49A2-A89A-355858F697C6}" presName="vertFour" presStyleCnt="0">
+        <dgm:presLayoutVars>
+          <dgm:chPref val="3"/>
+        </dgm:presLayoutVars>
+      </dgm:prSet>
+      <dgm:spPr/>
+    </dgm:pt>
+    <dgm:pt modelId="{813524EB-7DFB-4791-A4BB-9FC2ACD2681F}" type="pres">
+      <dgm:prSet presAssocID="{1719D34C-196C-49A2-A89A-355858F697C6}" presName="txFour" presStyleLbl="node4" presStyleIdx="4" presStyleCnt="11">
+        <dgm:presLayoutVars>
+          <dgm:chPref val="3"/>
+        </dgm:presLayoutVars>
+      </dgm:prSet>
+      <dgm:spPr>
+        <a:prstGeom prst="flowChartOffpageConnector">
+          <a:avLst/>
+        </a:prstGeom>
+      </dgm:spPr>
+    </dgm:pt>
+    <dgm:pt modelId="{77AD5241-8BC9-426F-84CF-AFAAFA282398}" type="pres">
+      <dgm:prSet presAssocID="{1719D34C-196C-49A2-A89A-355858F697C6}" presName="horzFour" presStyleCnt="0"/>
+      <dgm:spPr/>
+    </dgm:pt>
+    <dgm:pt modelId="{FB734FDB-2ED1-4018-8347-36936407336C}" type="pres">
+      <dgm:prSet presAssocID="{6F337A62-98F3-4285-B566-179A04B41C56}" presName="sibSpaceTwo" presStyleCnt="0"/>
+      <dgm:spPr/>
+    </dgm:pt>
+    <dgm:pt modelId="{8E9AE2EE-5282-460A-BDD0-B1F349747186}" type="pres">
+      <dgm:prSet presAssocID="{29F0E033-FD9A-4014-B05C-2CB013DF3760}" presName="vertTwo" presStyleCnt="0"/>
+      <dgm:spPr/>
+    </dgm:pt>
+    <dgm:pt modelId="{EFF9B8B5-4553-433B-9691-2B0EC3DEE077}" type="pres">
+      <dgm:prSet presAssocID="{29F0E033-FD9A-4014-B05C-2CB013DF3760}" presName="txTwo" presStyleLbl="node2" presStyleIdx="1" presStyleCnt="3">
+        <dgm:presLayoutVars>
+          <dgm:chPref val="3"/>
+        </dgm:presLayoutVars>
+      </dgm:prSet>
+      <dgm:spPr/>
+      <dgm:t>
+        <a:bodyPr/>
+        <a:lstStyle/>
+        <a:p>
+          <a:endParaRPr lang="lv-LV"/>
+        </a:p>
+      </dgm:t>
+    </dgm:pt>
+    <dgm:pt modelId="{9FA4D1BB-4973-4706-A1DE-D9F964C9F3A1}" type="pres">
+      <dgm:prSet presAssocID="{29F0E033-FD9A-4014-B05C-2CB013DF3760}" presName="parTransTwo" presStyleCnt="0"/>
+      <dgm:spPr/>
+    </dgm:pt>
+    <dgm:pt modelId="{E1DCD628-FD0F-4CF6-8D38-6A23A4081F34}" type="pres">
+      <dgm:prSet presAssocID="{29F0E033-FD9A-4014-B05C-2CB013DF3760}" presName="horzTwo" presStyleCnt="0"/>
+      <dgm:spPr/>
+    </dgm:pt>
+    <dgm:pt modelId="{64538BCE-6036-431A-B660-9877865E7D09}" type="pres">
+      <dgm:prSet presAssocID="{F61E1512-79AE-4F33-9E15-8FC6EA232F72}" presName="vertThree" presStyleCnt="0"/>
+      <dgm:spPr/>
+    </dgm:pt>
+    <dgm:pt modelId="{FECE9988-646B-4824-B695-1CFD0148B5D3}" type="pres">
+      <dgm:prSet presAssocID="{F61E1512-79AE-4F33-9E15-8FC6EA232F72}" presName="txThree" presStyleLbl="node3" presStyleIdx="5" presStyleCnt="11" custLinFactNeighborX="-36" custLinFactNeighborY="-485">
+        <dgm:presLayoutVars>
+          <dgm:chPref val="3"/>
+        </dgm:presLayoutVars>
+      </dgm:prSet>
+      <dgm:spPr/>
+    </dgm:pt>
+    <dgm:pt modelId="{0231B2A7-1132-4BCC-A1F1-011D432608FE}" type="pres">
+      <dgm:prSet presAssocID="{F61E1512-79AE-4F33-9E15-8FC6EA232F72}" presName="parTransThree" presStyleCnt="0"/>
+      <dgm:spPr/>
+    </dgm:pt>
+    <dgm:pt modelId="{37E21B18-46E9-41DE-8014-0DE9EFEA9EA7}" type="pres">
+      <dgm:prSet presAssocID="{F61E1512-79AE-4F33-9E15-8FC6EA232F72}" presName="horzThree" presStyleCnt="0"/>
+      <dgm:spPr/>
+    </dgm:pt>
+    <dgm:pt modelId="{3D63FAB8-C68A-490D-9B02-93CF5ACE40B9}" type="pres">
+      <dgm:prSet presAssocID="{F38E31E7-DFB6-4748-AACC-52FAEAF2A3BE}" presName="vertFour" presStyleCnt="0">
+        <dgm:presLayoutVars>
+          <dgm:chPref val="3"/>
+        </dgm:presLayoutVars>
+      </dgm:prSet>
+      <dgm:spPr/>
+    </dgm:pt>
+    <dgm:pt modelId="{0BA582AB-B19C-4084-87C0-79271C14F25F}" type="pres">
+      <dgm:prSet presAssocID="{F38E31E7-DFB6-4748-AACC-52FAEAF2A3BE}" presName="txFour" presStyleLbl="node4" presStyleIdx="5" presStyleCnt="11">
+        <dgm:presLayoutVars>
+          <dgm:chPref val="3"/>
+        </dgm:presLayoutVars>
+      </dgm:prSet>
+      <dgm:spPr>
+        <a:prstGeom prst="flowChartOffpageConnector">
+          <a:avLst/>
+        </a:prstGeom>
+      </dgm:spPr>
+    </dgm:pt>
+    <dgm:pt modelId="{3B1373E5-F30B-4CE4-A567-790D87ACA6BB}" type="pres">
+      <dgm:prSet presAssocID="{F38E31E7-DFB6-4748-AACC-52FAEAF2A3BE}" presName="horzFour" presStyleCnt="0"/>
+      <dgm:spPr/>
+    </dgm:pt>
+    <dgm:pt modelId="{55084E64-28A3-40C5-B363-D5B83CD5E6DC}" type="pres">
+      <dgm:prSet presAssocID="{EF886BCD-E445-41B3-BD7F-64B05B7E8DE8}" presName="sibSpaceThree" presStyleCnt="0"/>
+      <dgm:spPr/>
+    </dgm:pt>
+    <dgm:pt modelId="{7B6BC110-1818-4909-8082-0660546B6151}" type="pres">
+      <dgm:prSet presAssocID="{6BF2128C-656F-4ADF-828E-ACCE81095BD6}" presName="vertThree" presStyleCnt="0"/>
+      <dgm:spPr/>
+    </dgm:pt>
+    <dgm:pt modelId="{0A89EB91-EF61-405E-99D0-732ADA877D79}" type="pres">
+      <dgm:prSet presAssocID="{6BF2128C-656F-4ADF-828E-ACCE81095BD6}" presName="txThree" presStyleLbl="node3" presStyleIdx="6" presStyleCnt="11" custLinFactNeighborX="-36" custLinFactNeighborY="-485">
+        <dgm:presLayoutVars>
+          <dgm:chPref val="3"/>
+        </dgm:presLayoutVars>
+      </dgm:prSet>
+      <dgm:spPr/>
+    </dgm:pt>
+    <dgm:pt modelId="{A77DF8B5-6CF2-4162-B033-C252FF2365C0}" type="pres">
+      <dgm:prSet presAssocID="{6BF2128C-656F-4ADF-828E-ACCE81095BD6}" presName="parTransThree" presStyleCnt="0"/>
+      <dgm:spPr/>
+    </dgm:pt>
+    <dgm:pt modelId="{F007A687-C17C-4393-B433-0D25610F1DA7}" type="pres">
+      <dgm:prSet presAssocID="{6BF2128C-656F-4ADF-828E-ACCE81095BD6}" presName="horzThree" presStyleCnt="0"/>
+      <dgm:spPr/>
+    </dgm:pt>
+    <dgm:pt modelId="{3A44532A-7CD6-44E1-BC75-68B900A6597C}" type="pres">
+      <dgm:prSet presAssocID="{56DB4253-DBE9-4F9E-8526-228E9BD6C0B0}" presName="vertFour" presStyleCnt="0">
+        <dgm:presLayoutVars>
+          <dgm:chPref val="3"/>
+        </dgm:presLayoutVars>
+      </dgm:prSet>
+      <dgm:spPr/>
+    </dgm:pt>
+    <dgm:pt modelId="{2C16BB24-AE4F-4AA2-99E7-30610E504ED2}" type="pres">
+      <dgm:prSet presAssocID="{56DB4253-DBE9-4F9E-8526-228E9BD6C0B0}" presName="txFour" presStyleLbl="node4" presStyleIdx="6" presStyleCnt="11">
+        <dgm:presLayoutVars>
+          <dgm:chPref val="3"/>
+        </dgm:presLayoutVars>
+      </dgm:prSet>
+      <dgm:spPr>
+        <a:prstGeom prst="flowChartOffpageConnector">
+          <a:avLst/>
+        </a:prstGeom>
+      </dgm:spPr>
+    </dgm:pt>
+    <dgm:pt modelId="{0FC88170-0C40-4589-B414-6AB645A201E1}" type="pres">
+      <dgm:prSet presAssocID="{56DB4253-DBE9-4F9E-8526-228E9BD6C0B0}" presName="horzFour" presStyleCnt="0"/>
+      <dgm:spPr/>
+    </dgm:pt>
+    <dgm:pt modelId="{CA2F7690-9571-4F77-B2C5-C88151465565}" type="pres">
+      <dgm:prSet presAssocID="{4765C35F-DBD4-4A78-BDA1-F537FFBEAA4C}" presName="sibSpaceThree" presStyleCnt="0"/>
+      <dgm:spPr/>
+    </dgm:pt>
+    <dgm:pt modelId="{2CA70C50-A2D3-43C2-BCEC-B60FEA27D940}" type="pres">
+      <dgm:prSet presAssocID="{80E4A2FF-22B9-4912-8024-31CED4B4E7A1}" presName="vertThree" presStyleCnt="0"/>
+      <dgm:spPr/>
+    </dgm:pt>
+    <dgm:pt modelId="{0E2361F5-C08F-482C-9318-ACE43BD40691}" type="pres">
+      <dgm:prSet presAssocID="{80E4A2FF-22B9-4912-8024-31CED4B4E7A1}" presName="txThree" presStyleLbl="node3" presStyleIdx="7" presStyleCnt="11" custLinFactNeighborX="-36" custLinFactNeighborY="-485">
+        <dgm:presLayoutVars>
+          <dgm:chPref val="3"/>
+        </dgm:presLayoutVars>
+      </dgm:prSet>
+      <dgm:spPr/>
+    </dgm:pt>
+    <dgm:pt modelId="{85D3E3BE-1CF4-4C0F-A9C1-B2026D893097}" type="pres">
+      <dgm:prSet presAssocID="{80E4A2FF-22B9-4912-8024-31CED4B4E7A1}" presName="parTransThree" presStyleCnt="0"/>
+      <dgm:spPr/>
+    </dgm:pt>
+    <dgm:pt modelId="{D93A7DA3-B264-4FD8-86CB-22F92D4A5A5F}" type="pres">
+      <dgm:prSet presAssocID="{80E4A2FF-22B9-4912-8024-31CED4B4E7A1}" presName="horzThree" presStyleCnt="0"/>
+      <dgm:spPr/>
+    </dgm:pt>
+    <dgm:pt modelId="{F34BE03E-DA6C-4BC8-94C7-11AB0850D2B6}" type="pres">
+      <dgm:prSet presAssocID="{7EDD278C-C7AE-43E6-B841-5B4093E25396}" presName="vertFour" presStyleCnt="0">
+        <dgm:presLayoutVars>
+          <dgm:chPref val="3"/>
+        </dgm:presLayoutVars>
+      </dgm:prSet>
+      <dgm:spPr/>
+    </dgm:pt>
+    <dgm:pt modelId="{9618C31A-E27D-42B0-A2E1-EEC38F5D4C28}" type="pres">
+      <dgm:prSet presAssocID="{7EDD278C-C7AE-43E6-B841-5B4093E25396}" presName="txFour" presStyleLbl="node4" presStyleIdx="7" presStyleCnt="11">
+        <dgm:presLayoutVars>
+          <dgm:chPref val="3"/>
+        </dgm:presLayoutVars>
+      </dgm:prSet>
+      <dgm:spPr>
+        <a:prstGeom prst="flowChartOffpageConnector">
+          <a:avLst/>
+        </a:prstGeom>
+      </dgm:spPr>
+    </dgm:pt>
+    <dgm:pt modelId="{D98BAF97-267D-4F57-A0B2-4D054760ADD0}" type="pres">
+      <dgm:prSet presAssocID="{7EDD278C-C7AE-43E6-B841-5B4093E25396}" presName="horzFour" presStyleCnt="0"/>
+      <dgm:spPr/>
+    </dgm:pt>
+    <dgm:pt modelId="{B511A4EF-6E33-41F8-8C3A-165CAC0F1C99}" type="pres">
+      <dgm:prSet presAssocID="{8A74A3EE-3284-4055-BB83-18D6A97BA7A9}" presName="sibSpaceThree" presStyleCnt="0"/>
+      <dgm:spPr/>
+    </dgm:pt>
+    <dgm:pt modelId="{B6C90C82-519A-4471-8953-E4792F16093F}" type="pres">
+      <dgm:prSet presAssocID="{8BEF7DED-18CB-48A1-A4DD-9D154E4F5C6E}" presName="vertThree" presStyleCnt="0"/>
+      <dgm:spPr/>
+    </dgm:pt>
+    <dgm:pt modelId="{F4408782-5710-4D8D-898D-805F1023BBFC}" type="pres">
+      <dgm:prSet presAssocID="{8BEF7DED-18CB-48A1-A4DD-9D154E4F5C6E}" presName="txThree" presStyleLbl="node3" presStyleIdx="8" presStyleCnt="11" custLinFactNeighborX="-36" custLinFactNeighborY="-485">
+        <dgm:presLayoutVars>
+          <dgm:chPref val="3"/>
+        </dgm:presLayoutVars>
+      </dgm:prSet>
+      <dgm:spPr/>
+    </dgm:pt>
+    <dgm:pt modelId="{D6895A6B-B544-4184-8B72-5B62CFFB3470}" type="pres">
+      <dgm:prSet presAssocID="{8BEF7DED-18CB-48A1-A4DD-9D154E4F5C6E}" presName="parTransThree" presStyleCnt="0"/>
+      <dgm:spPr/>
+    </dgm:pt>
+    <dgm:pt modelId="{E83AC6BF-1174-424A-A97E-7ED8507D8C2E}" type="pres">
+      <dgm:prSet presAssocID="{8BEF7DED-18CB-48A1-A4DD-9D154E4F5C6E}" presName="horzThree" presStyleCnt="0"/>
+      <dgm:spPr/>
+    </dgm:pt>
+    <dgm:pt modelId="{CAA9652F-6B92-4BCA-82A3-CF5ABAC1B600}" type="pres">
+      <dgm:prSet presAssocID="{6788E626-6A67-4B3D-8937-179CCDD1A284}" presName="vertFour" presStyleCnt="0">
+        <dgm:presLayoutVars>
+          <dgm:chPref val="3"/>
+        </dgm:presLayoutVars>
+      </dgm:prSet>
+      <dgm:spPr/>
+    </dgm:pt>
+    <dgm:pt modelId="{2F02E625-6014-4E93-A6C1-AF7FDAA75108}" type="pres">
+      <dgm:prSet presAssocID="{6788E626-6A67-4B3D-8937-179CCDD1A284}" presName="txFour" presStyleLbl="node4" presStyleIdx="8" presStyleCnt="11">
+        <dgm:presLayoutVars>
+          <dgm:chPref val="3"/>
+        </dgm:presLayoutVars>
+      </dgm:prSet>
+      <dgm:spPr>
+        <a:prstGeom prst="flowChartOffpageConnector">
+          <a:avLst/>
+        </a:prstGeom>
+      </dgm:spPr>
+    </dgm:pt>
+    <dgm:pt modelId="{CCF7EF43-8152-4CAA-84F8-C1E2F0110D2C}" type="pres">
+      <dgm:prSet presAssocID="{6788E626-6A67-4B3D-8937-179CCDD1A284}" presName="horzFour" presStyleCnt="0"/>
+      <dgm:spPr/>
+    </dgm:pt>
+    <dgm:pt modelId="{29AFE3B9-2C61-458F-9297-6D1C241DBE8D}" type="pres">
+      <dgm:prSet presAssocID="{22AD4A16-1C1C-4923-B339-8F6794153D1C}" presName="sibSpaceThree" presStyleCnt="0"/>
+      <dgm:spPr/>
+    </dgm:pt>
+    <dgm:pt modelId="{E1A2BBFA-FEE4-4FCE-8EE4-5A621BBDBF3A}" type="pres">
+      <dgm:prSet presAssocID="{FBD632EB-A7D8-46EB-AA95-2440E9B2FFC8}" presName="vertThree" presStyleCnt="0"/>
+      <dgm:spPr/>
+    </dgm:pt>
+    <dgm:pt modelId="{BC510668-3EF3-4B39-BC11-0CEBF603F35F}" type="pres">
+      <dgm:prSet presAssocID="{FBD632EB-A7D8-46EB-AA95-2440E9B2FFC8}" presName="txThree" presStyleLbl="node3" presStyleIdx="9" presStyleCnt="11">
+        <dgm:presLayoutVars>
+          <dgm:chPref val="3"/>
+        </dgm:presLayoutVars>
+      </dgm:prSet>
+      <dgm:spPr/>
+      <dgm:t>
+        <a:bodyPr/>
+        <a:lstStyle/>
+        <a:p>
+          <a:endParaRPr lang="lv-LV"/>
+        </a:p>
+      </dgm:t>
+    </dgm:pt>
+    <dgm:pt modelId="{B1586B06-9734-491E-B8DF-FE40BB679B8A}" type="pres">
+      <dgm:prSet presAssocID="{FBD632EB-A7D8-46EB-AA95-2440E9B2FFC8}" presName="parTransThree" presStyleCnt="0"/>
+      <dgm:spPr/>
+    </dgm:pt>
+    <dgm:pt modelId="{48632F8E-D9E0-4DB3-B80E-F1828A5BC643}" type="pres">
+      <dgm:prSet presAssocID="{FBD632EB-A7D8-46EB-AA95-2440E9B2FFC8}" presName="horzThree" presStyleCnt="0"/>
+      <dgm:spPr/>
+    </dgm:pt>
+    <dgm:pt modelId="{F8170AA2-FC1D-41EE-AB83-CC20B3AD2AF5}" type="pres">
+      <dgm:prSet presAssocID="{73B89225-0891-456B-9622-7D85C799C272}" presName="vertFour" presStyleCnt="0">
+        <dgm:presLayoutVars>
+          <dgm:chPref val="3"/>
+        </dgm:presLayoutVars>
+      </dgm:prSet>
+      <dgm:spPr/>
+    </dgm:pt>
+    <dgm:pt modelId="{B4274971-6243-4878-9949-B6DB441E62A3}" type="pres">
+      <dgm:prSet presAssocID="{73B89225-0891-456B-9622-7D85C799C272}" presName="txFour" presStyleLbl="node4" presStyleIdx="9" presStyleCnt="11">
+        <dgm:presLayoutVars>
+          <dgm:chPref val="3"/>
+        </dgm:presLayoutVars>
+      </dgm:prSet>
+      <dgm:spPr>
+        <a:prstGeom prst="flowChartOffpageConnector">
+          <a:avLst/>
+        </a:prstGeom>
+      </dgm:spPr>
+    </dgm:pt>
+    <dgm:pt modelId="{DC8EDE88-9552-467C-999C-24297D7495B8}" type="pres">
+      <dgm:prSet presAssocID="{73B89225-0891-456B-9622-7D85C799C272}" presName="horzFour" presStyleCnt="0"/>
+      <dgm:spPr/>
+    </dgm:pt>
+    <dgm:pt modelId="{BE6715F4-1953-471D-8F8E-C5E3FB11F5B2}" type="pres">
+      <dgm:prSet presAssocID="{C99E6FF8-F090-4DB4-A944-ED244F8CCB63}" presName="sibSpaceTwo" presStyleCnt="0"/>
+      <dgm:spPr/>
+    </dgm:pt>
+    <dgm:pt modelId="{C170A0DF-06BE-4291-99BC-D7B23EE524B1}" type="pres">
+      <dgm:prSet presAssocID="{D24436CA-4050-4D42-9B48-7DBC8CE2417F}" presName="vertTwo" presStyleCnt="0"/>
+      <dgm:spPr/>
+    </dgm:pt>
+    <dgm:pt modelId="{BBCE1C62-DB27-454A-9CEF-688E33CF3052}" type="pres">
+      <dgm:prSet presAssocID="{D24436CA-4050-4D42-9B48-7DBC8CE2417F}" presName="txTwo" presStyleLbl="node2" presStyleIdx="2" presStyleCnt="3">
+        <dgm:presLayoutVars>
+          <dgm:chPref val="3"/>
+        </dgm:presLayoutVars>
+      </dgm:prSet>
+      <dgm:spPr/>
+    </dgm:pt>
+    <dgm:pt modelId="{50499380-2F9E-4B20-B7A2-8E02824C7718}" type="pres">
+      <dgm:prSet presAssocID="{D24436CA-4050-4D42-9B48-7DBC8CE2417F}" presName="parTransTwo" presStyleCnt="0"/>
+      <dgm:spPr/>
+    </dgm:pt>
+    <dgm:pt modelId="{4C8E2886-EF4D-49B1-BDD4-689B49FF5607}" type="pres">
+      <dgm:prSet presAssocID="{D24436CA-4050-4D42-9B48-7DBC8CE2417F}" presName="horzTwo" presStyleCnt="0"/>
+      <dgm:spPr/>
+    </dgm:pt>
+    <dgm:pt modelId="{9F3F816E-E0ED-4BA2-BC33-B5D2FCBD6549}" type="pres">
+      <dgm:prSet presAssocID="{8F30FFF5-9F28-49E6-9697-A3C740854886}" presName="vertThree" presStyleCnt="0"/>
+      <dgm:spPr/>
+    </dgm:pt>
+    <dgm:pt modelId="{3234883F-A727-41EE-B4E1-599A81CFFA3D}" type="pres">
+      <dgm:prSet presAssocID="{8F30FFF5-9F28-49E6-9697-A3C740854886}" presName="txThree" presStyleLbl="node3" presStyleIdx="10" presStyleCnt="11">
+        <dgm:presLayoutVars>
+          <dgm:chPref val="3"/>
+        </dgm:presLayoutVars>
+      </dgm:prSet>
+      <dgm:spPr/>
+    </dgm:pt>
+    <dgm:pt modelId="{4180DFA7-94EF-4B58-B4A6-BA5C65DBAFA1}" type="pres">
+      <dgm:prSet presAssocID="{8F30FFF5-9F28-49E6-9697-A3C740854886}" presName="parTransThree" presStyleCnt="0"/>
+      <dgm:spPr/>
+    </dgm:pt>
+    <dgm:pt modelId="{9A5C4FA1-471F-4454-94DD-F349C46EB42B}" type="pres">
+      <dgm:prSet presAssocID="{8F30FFF5-9F28-49E6-9697-A3C740854886}" presName="horzThree" presStyleCnt="0"/>
+      <dgm:spPr/>
+    </dgm:pt>
+    <dgm:pt modelId="{81B1EC1F-60C3-4983-97AB-3BCEB7BE4BDB}" type="pres">
+      <dgm:prSet presAssocID="{9FD8616A-6A9A-475B-ADF8-0C86B84A4FA0}" presName="vertFour" presStyleCnt="0">
+        <dgm:presLayoutVars>
+          <dgm:chPref val="3"/>
+        </dgm:presLayoutVars>
+      </dgm:prSet>
+      <dgm:spPr/>
+    </dgm:pt>
+    <dgm:pt modelId="{1507869D-D0A6-4C09-BDA5-1D1942D72EFD}" type="pres">
+      <dgm:prSet presAssocID="{9FD8616A-6A9A-475B-ADF8-0C86B84A4FA0}" presName="txFour" presStyleLbl="node4" presStyleIdx="10" presStyleCnt="11">
+        <dgm:presLayoutVars>
+          <dgm:chPref val="3"/>
+        </dgm:presLayoutVars>
+      </dgm:prSet>
+      <dgm:spPr>
+        <a:prstGeom prst="flowChartOffpageConnector">
+          <a:avLst/>
+        </a:prstGeom>
+      </dgm:spPr>
+      <dgm:t>
+        <a:bodyPr/>
+        <a:lstStyle/>
+        <a:p>
+          <a:endParaRPr lang="lv-LV"/>
+        </a:p>
+      </dgm:t>
+    </dgm:pt>
+    <dgm:pt modelId="{71CCCB90-2E14-4637-BF19-A19B1A02860C}" type="pres">
+      <dgm:prSet presAssocID="{9FD8616A-6A9A-475B-ADF8-0C86B84A4FA0}" presName="horzFour" presStyleCnt="0"/>
+      <dgm:spPr/>
+    </dgm:pt>
+  </dgm:ptLst>
+  <dgm:cxnLst>
+    <dgm:cxn modelId="{A0113686-C636-4ED6-9BF2-A52EBFAD30D7}" type="presOf" srcId="{E61C1320-D8DD-4FFE-8981-69EE7DF827E2}" destId="{AB7B2458-7E0D-4794-A908-15BE2F5E1B5F}" srcOrd="0" destOrd="0" presId="urn:microsoft.com/office/officeart/2005/8/layout/architecture"/>
+    <dgm:cxn modelId="{7E099BCA-8781-4373-964E-C6DE1ED5B9DC}" srcId="{ADF22F6A-7ED7-4D48-972D-2FAE68857649}" destId="{E61C1320-D8DD-4FFE-8981-69EE7DF827E2}" srcOrd="0" destOrd="0" parTransId="{E79C1808-F0AA-4F27-85AA-D0E18596F241}" sibTransId="{6F337A62-98F3-4285-B566-179A04B41C56}"/>
+    <dgm:cxn modelId="{FA9B0DEA-F755-488E-90E0-6A262B3DC5FA}" srcId="{29F0E033-FD9A-4014-B05C-2CB013DF3760}" destId="{FBD632EB-A7D8-46EB-AA95-2440E9B2FFC8}" srcOrd="4" destOrd="0" parTransId="{5A01E76B-EB22-4C7B-9D46-5D1C445DA607}" sibTransId="{74B9FCA6-1324-4E95-A3B7-1118F1FDE807}"/>
+    <dgm:cxn modelId="{AEFEC951-0FC0-478A-8A3A-8ADB08422325}" type="presOf" srcId="{6BF2128C-656F-4ADF-828E-ACCE81095BD6}" destId="{0A89EB91-EF61-405E-99D0-732ADA877D79}" srcOrd="0" destOrd="0" presId="urn:microsoft.com/office/officeart/2005/8/layout/architecture"/>
+    <dgm:cxn modelId="{B371E268-8513-4ACF-B68C-C354C32EFFDE}" type="presOf" srcId="{6788E626-6A67-4B3D-8937-179CCDD1A284}" destId="{2F02E625-6014-4E93-A6C1-AF7FDAA75108}" srcOrd="0" destOrd="0" presId="urn:microsoft.com/office/officeart/2005/8/layout/architecture"/>
+    <dgm:cxn modelId="{79CC0135-26FB-4D0B-AD47-243FB2EB74DF}" srcId="{29F0E033-FD9A-4014-B05C-2CB013DF3760}" destId="{80E4A2FF-22B9-4912-8024-31CED4B4E7A1}" srcOrd="2" destOrd="0" parTransId="{4DF0F145-AE15-48DA-9120-07C5DE826E0C}" sibTransId="{8A74A3EE-3284-4055-BB83-18D6A97BA7A9}"/>
+    <dgm:cxn modelId="{7698BCD7-73B6-42B8-B128-D00A0790CF4E}" srcId="{29F0E033-FD9A-4014-B05C-2CB013DF3760}" destId="{6BF2128C-656F-4ADF-828E-ACCE81095BD6}" srcOrd="1" destOrd="0" parTransId="{E442D880-2C10-477C-B799-15AB411C2DF0}" sibTransId="{4765C35F-DBD4-4A78-BDA1-F537FFBEAA4C}"/>
+    <dgm:cxn modelId="{43CFD645-1979-46F4-B9B1-E130D039C3B4}" srcId="{F61E1512-79AE-4F33-9E15-8FC6EA232F72}" destId="{F38E31E7-DFB6-4748-AACC-52FAEAF2A3BE}" srcOrd="0" destOrd="0" parTransId="{3387CF44-8F62-4A7C-AB0C-AEBDC8A08F2E}" sibTransId="{6C149174-1C54-43D6-AB98-D6B230A08127}"/>
+    <dgm:cxn modelId="{DC81D429-1154-460D-A84F-B44AE3598ADD}" srcId="{E61C1320-D8DD-4FFE-8981-69EE7DF827E2}" destId="{84BB72F2-8662-4AE9-9C8D-913724FC41DB}" srcOrd="2" destOrd="0" parTransId="{50F19FB9-B885-4825-9AB4-7CE14A1F52E6}" sibTransId="{58A69670-0504-4920-8EEC-7361AF909B88}"/>
+    <dgm:cxn modelId="{302FE709-8380-4830-9A1C-B65135EA879D}" srcId="{F7AA38A3-D7F8-4ECE-9C7E-1B6339330209}" destId="{163E281D-895D-41D8-BDA4-BB18780A9852}" srcOrd="0" destOrd="0" parTransId="{D967ADFF-060B-4211-A0AE-207FF82046E4}" sibTransId="{156BD247-0C12-4F99-8542-B3743A17A775}"/>
+    <dgm:cxn modelId="{596F5A21-4793-41B7-99C1-CAC82AC66DC2}" type="presOf" srcId="{7EDD278C-C7AE-43E6-B841-5B4093E25396}" destId="{9618C31A-E27D-42B0-A2E1-EEC38F5D4C28}" srcOrd="0" destOrd="0" presId="urn:microsoft.com/office/officeart/2005/8/layout/architecture"/>
+    <dgm:cxn modelId="{CF039CB3-6899-4A64-A3B9-462A5C8AA5B2}" type="presOf" srcId="{F7AA38A3-D7F8-4ECE-9C7E-1B6339330209}" destId="{96FB1193-8D1F-4922-91E5-A7029736AED7}" srcOrd="0" destOrd="0" presId="urn:microsoft.com/office/officeart/2005/8/layout/architecture"/>
+    <dgm:cxn modelId="{1BC4D010-C66B-49BF-AF27-13358610154D}" srcId="{80E4A2FF-22B9-4912-8024-31CED4B4E7A1}" destId="{7EDD278C-C7AE-43E6-B841-5B4093E25396}" srcOrd="0" destOrd="0" parTransId="{C580816F-0C5E-4A39-91E8-2BB60D0FC795}" sibTransId="{B1C4CC76-36F4-46E5-8F51-FA4EE8BDD469}"/>
+    <dgm:cxn modelId="{9690A908-8B48-4467-9B28-D0FE81E71C45}" srcId="{29F0E033-FD9A-4014-B05C-2CB013DF3760}" destId="{F61E1512-79AE-4F33-9E15-8FC6EA232F72}" srcOrd="0" destOrd="0" parTransId="{514B0214-CD2F-4BC5-9B30-CC6076CC0544}" sibTransId="{EF886BCD-E445-41B3-BD7F-64B05B7E8DE8}"/>
+    <dgm:cxn modelId="{041FC506-80EC-4E6F-A507-AC4E16719FFF}" srcId="{E61C1320-D8DD-4FFE-8981-69EE7DF827E2}" destId="{A821592E-17D0-46AE-8EF4-A248C6EA3BB5}" srcOrd="3" destOrd="0" parTransId="{D4DB0C36-2A96-470A-BF9F-7D31EF162F18}" sibTransId="{33A64124-5787-4949-905F-7C690FFB28E0}"/>
+    <dgm:cxn modelId="{CAE57CA5-96D5-4E6B-BB76-489F5951FA2F}" type="presOf" srcId="{1719D34C-196C-49A2-A89A-355858F697C6}" destId="{813524EB-7DFB-4791-A4BB-9FC2ACD2681F}" srcOrd="0" destOrd="0" presId="urn:microsoft.com/office/officeart/2005/8/layout/architecture"/>
+    <dgm:cxn modelId="{A581FF4C-6AAF-4830-B07D-8B92FB178C2D}" type="presOf" srcId="{D24436CA-4050-4D42-9B48-7DBC8CE2417F}" destId="{BBCE1C62-DB27-454A-9CEF-688E33CF3052}" srcOrd="0" destOrd="0" presId="urn:microsoft.com/office/officeart/2005/8/layout/architecture"/>
+    <dgm:cxn modelId="{7241EC73-3015-46AC-AA95-64DB622A0F52}" type="presOf" srcId="{ADF22F6A-7ED7-4D48-972D-2FAE68857649}" destId="{B5326312-7E99-4039-AFCE-AC8965EBB456}" srcOrd="0" destOrd="0" presId="urn:microsoft.com/office/officeart/2005/8/layout/architecture"/>
+    <dgm:cxn modelId="{727A5652-769F-4860-B407-6313B6E8E169}" srcId="{D24436CA-4050-4D42-9B48-7DBC8CE2417F}" destId="{8F30FFF5-9F28-49E6-9697-A3C740854886}" srcOrd="0" destOrd="0" parTransId="{005EF98D-9101-4DAA-B7CE-059761749849}" sibTransId="{C6BCEBD1-580A-41D4-98A2-FA93D31892BD}"/>
+    <dgm:cxn modelId="{F8EFFF8D-A732-4B9A-9A20-8E42760FE3CB}" srcId="{29F0E033-FD9A-4014-B05C-2CB013DF3760}" destId="{8BEF7DED-18CB-48A1-A4DD-9D154E4F5C6E}" srcOrd="3" destOrd="0" parTransId="{6C393C46-FB75-4AC2-8C6F-E82DBC3C7E8E}" sibTransId="{22AD4A16-1C1C-4923-B339-8F6794153D1C}"/>
+    <dgm:cxn modelId="{14716492-DB52-4BFF-A313-DBBFB7F20B00}" srcId="{84BB72F2-8662-4AE9-9C8D-913724FC41DB}" destId="{90CDBD93-0AFD-444D-9118-E14FA93E5023}" srcOrd="0" destOrd="0" parTransId="{0001543D-F28A-4851-9ADA-C81B57DACA5E}" sibTransId="{78F64582-E13F-42E4-AE20-497EE35FB010}"/>
+    <dgm:cxn modelId="{6D0CF322-29A4-4ACF-8EF7-0054F2061F41}" srcId="{ADF22F6A-7ED7-4D48-972D-2FAE68857649}" destId="{D24436CA-4050-4D42-9B48-7DBC8CE2417F}" srcOrd="2" destOrd="0" parTransId="{EB45D7C9-28CC-46D3-A80A-516DB0111DD2}" sibTransId="{D26569F3-892B-4CB4-ADDC-993FA0719A0A}"/>
+    <dgm:cxn modelId="{10C7BEDE-7A56-4DD8-B7B4-1DE038C08DD3}" srcId="{E61C1320-D8DD-4FFE-8981-69EE7DF827E2}" destId="{0DDA0BF9-D726-4089-BE10-DF1ECE465D2B}" srcOrd="1" destOrd="0" parTransId="{E4E5166A-AF31-491A-8B9D-EBE4E966DF7D}" sibTransId="{C5670EE4-549F-42BE-B7D1-086497A2874F}"/>
+    <dgm:cxn modelId="{01AB9DCC-9806-48BA-8EAF-D0B7B6F48454}" type="presOf" srcId="{56DB4253-DBE9-4F9E-8526-228E9BD6C0B0}" destId="{2C16BB24-AE4F-4AA2-99E7-30610E504ED2}" srcOrd="0" destOrd="0" presId="urn:microsoft.com/office/officeart/2005/8/layout/architecture"/>
+    <dgm:cxn modelId="{802A5C1D-DA09-480F-92FE-7D478EF7721D}" type="presOf" srcId="{FBD632EB-A7D8-46EB-AA95-2440E9B2FFC8}" destId="{BC510668-3EF3-4B39-BC11-0CEBF603F35F}" srcOrd="0" destOrd="0" presId="urn:microsoft.com/office/officeart/2005/8/layout/architecture"/>
+    <dgm:cxn modelId="{B7334B45-D6BD-45C2-AF67-2039021835CE}" srcId="{F1B2A119-D5AD-42C0-987F-A4D2D7DBAAD7}" destId="{ADF22F6A-7ED7-4D48-972D-2FAE68857649}" srcOrd="0" destOrd="0" parTransId="{2F00EE0F-2C19-49C5-AC85-FCA48A775036}" sibTransId="{93CAFCA9-3051-42D2-B5A5-BAA32B6F05F9}"/>
+    <dgm:cxn modelId="{69A6F8E6-EC29-4BB0-98A1-1AE335C865A5}" srcId="{6BF2128C-656F-4ADF-828E-ACCE81095BD6}" destId="{56DB4253-DBE9-4F9E-8526-228E9BD6C0B0}" srcOrd="0" destOrd="0" parTransId="{9CC4DC53-5C71-465C-9BA0-6BFFB125D448}" sibTransId="{21A46DC2-AD95-4DEB-98F1-292C75AE4244}"/>
+    <dgm:cxn modelId="{E53BDF51-724E-4E70-90E1-E91D385D4C90}" type="presOf" srcId="{73B89225-0891-456B-9622-7D85C799C272}" destId="{B4274971-6243-4878-9949-B6DB441E62A3}" srcOrd="0" destOrd="0" presId="urn:microsoft.com/office/officeart/2005/8/layout/architecture"/>
+    <dgm:cxn modelId="{C85BF7E3-D8D1-4AB0-A1F0-EE40E32293A2}" srcId="{8BEF7DED-18CB-48A1-A4DD-9D154E4F5C6E}" destId="{6788E626-6A67-4B3D-8937-179CCDD1A284}" srcOrd="0" destOrd="0" parTransId="{87AD127C-8C9D-4143-BDAC-745DCAA576E5}" sibTransId="{07566AE0-8E60-4554-9C74-EFA996B889DB}"/>
+    <dgm:cxn modelId="{434B3EC1-33EE-4171-927F-6021DD49496A}" type="presOf" srcId="{0DDA0BF9-D726-4089-BE10-DF1ECE465D2B}" destId="{ECB945CC-E646-44C9-8AF2-80EB45062F28}" srcOrd="0" destOrd="0" presId="urn:microsoft.com/office/officeart/2005/8/layout/architecture"/>
+    <dgm:cxn modelId="{824412D6-C604-473C-A142-93572E81ACAD}" type="presOf" srcId="{90CDBD93-0AFD-444D-9118-E14FA93E5023}" destId="{B346889B-897C-4850-8A67-B970F7028392}" srcOrd="0" destOrd="0" presId="urn:microsoft.com/office/officeart/2005/8/layout/architecture"/>
+    <dgm:cxn modelId="{6BB1EB0E-BF72-48A3-A15D-6D81AA38FFD1}" srcId="{E61C1320-D8DD-4FFE-8981-69EE7DF827E2}" destId="{F7AA38A3-D7F8-4ECE-9C7E-1B6339330209}" srcOrd="0" destOrd="0" parTransId="{F2AA0439-EEC5-49FA-B3EA-29755E771305}" sibTransId="{63A91FFE-340F-4854-9001-3AE8FD69C78B}"/>
+    <dgm:cxn modelId="{62423563-CA03-4F3B-AB6B-279057B3963F}" type="presOf" srcId="{8BEF7DED-18CB-48A1-A4DD-9D154E4F5C6E}" destId="{F4408782-5710-4D8D-898D-805F1023BBFC}" srcOrd="0" destOrd="0" presId="urn:microsoft.com/office/officeart/2005/8/layout/architecture"/>
+    <dgm:cxn modelId="{FD085E01-05FE-473E-BA9E-905337A91BCD}" srcId="{A821592E-17D0-46AE-8EF4-A248C6EA3BB5}" destId="{416CB22B-242E-471F-BEB5-C9CE27A17DE8}" srcOrd="0" destOrd="0" parTransId="{6DEF6842-F601-4812-BF6A-C1AF518E8A28}" sibTransId="{C9B54623-BB59-4FDF-8C50-782F2611CB38}"/>
+    <dgm:cxn modelId="{7F6ECB09-1FED-416F-B1CA-8245EC60655D}" srcId="{8F30FFF5-9F28-49E6-9697-A3C740854886}" destId="{9FD8616A-6A9A-475B-ADF8-0C86B84A4FA0}" srcOrd="0" destOrd="0" parTransId="{90DE8656-3146-4993-A839-39C88F115184}" sibTransId="{71D1416C-C71A-4FAA-A567-945C3F307C76}"/>
+    <dgm:cxn modelId="{D69FF543-1F1C-4B80-9D7F-434D75D4B349}" type="presOf" srcId="{592C5FAE-F77C-46FE-9EA0-A5CE0A4AFF02}" destId="{711A6885-259C-40EC-AC09-17EDF2A83AF9}" srcOrd="0" destOrd="0" presId="urn:microsoft.com/office/officeart/2005/8/layout/architecture"/>
+    <dgm:cxn modelId="{177D3AFD-B7FD-42BF-90D9-B49F60E85572}" type="presOf" srcId="{8F30FFF5-9F28-49E6-9697-A3C740854886}" destId="{3234883F-A727-41EE-B4E1-599A81CFFA3D}" srcOrd="0" destOrd="0" presId="urn:microsoft.com/office/officeart/2005/8/layout/architecture"/>
+    <dgm:cxn modelId="{CEC626AA-A361-4838-8BF9-343603986A09}" srcId="{FBD632EB-A7D8-46EB-AA95-2440E9B2FFC8}" destId="{73B89225-0891-456B-9622-7D85C799C272}" srcOrd="0" destOrd="0" parTransId="{A6272573-EDA8-4DE6-B996-FAD0BD5D7C4B}" sibTransId="{EF6EB010-80BD-4DE0-9EE9-989B1BB84002}"/>
+    <dgm:cxn modelId="{85826225-171D-48F4-B1E3-B3A303010C40}" type="presOf" srcId="{F38E31E7-DFB6-4748-AACC-52FAEAF2A3BE}" destId="{0BA582AB-B19C-4084-87C0-79271C14F25F}" srcOrd="0" destOrd="0" presId="urn:microsoft.com/office/officeart/2005/8/layout/architecture"/>
+    <dgm:cxn modelId="{AF002D66-ED1C-409E-8531-32018B4DA8CD}" type="presOf" srcId="{F61E1512-79AE-4F33-9E15-8FC6EA232F72}" destId="{FECE9988-646B-4824-B695-1CFD0148B5D3}" srcOrd="0" destOrd="0" presId="urn:microsoft.com/office/officeart/2005/8/layout/architecture"/>
+    <dgm:cxn modelId="{87D3D7E2-C8EE-487B-A01B-1FAA70B63ABC}" type="presOf" srcId="{84BB72F2-8662-4AE9-9C8D-913724FC41DB}" destId="{E5E16191-18A9-4DD1-96C1-9E2E931E8179}" srcOrd="0" destOrd="0" presId="urn:microsoft.com/office/officeart/2005/8/layout/architecture"/>
+    <dgm:cxn modelId="{A406A8A1-4FFA-4109-A141-2FFDC6E2781A}" type="presOf" srcId="{F1B2A119-D5AD-42C0-987F-A4D2D7DBAAD7}" destId="{5E64CC48-21FD-42BF-8699-82BFFFD556E1}" srcOrd="0" destOrd="0" presId="urn:microsoft.com/office/officeart/2005/8/layout/architecture"/>
+    <dgm:cxn modelId="{73ACC0E1-CD86-43EF-AF17-EA9A5854314A}" srcId="{CDAB2BCB-3C6A-45A0-AC98-06974DFD73B0}" destId="{1719D34C-196C-49A2-A89A-355858F697C6}" srcOrd="0" destOrd="0" parTransId="{E56F8A34-A6B7-4017-BD00-E093BA5DE64A}" sibTransId="{740883EE-CE46-4474-943F-06B463B2EAFD}"/>
+    <dgm:cxn modelId="{A8B6B306-FCEB-43E0-9E75-75DAED574C0A}" type="presOf" srcId="{80E4A2FF-22B9-4912-8024-31CED4B4E7A1}" destId="{0E2361F5-C08F-482C-9318-ACE43BD40691}" srcOrd="0" destOrd="0" presId="urn:microsoft.com/office/officeart/2005/8/layout/architecture"/>
+    <dgm:cxn modelId="{631B1246-9548-4CDE-B7FE-20BEE1DB65F7}" srcId="{ADF22F6A-7ED7-4D48-972D-2FAE68857649}" destId="{29F0E033-FD9A-4014-B05C-2CB013DF3760}" srcOrd="1" destOrd="0" parTransId="{F053B2BC-E4F3-499A-9AB6-F8E07BF3E329}" sibTransId="{C99E6FF8-F090-4DB4-A944-ED244F8CCB63}"/>
+    <dgm:cxn modelId="{2A85407D-BDDF-42B4-B0A2-337578EA2C9B}" type="presOf" srcId="{9FD8616A-6A9A-475B-ADF8-0C86B84A4FA0}" destId="{1507869D-D0A6-4C09-BDA5-1D1942D72EFD}" srcOrd="0" destOrd="0" presId="urn:microsoft.com/office/officeart/2005/8/layout/architecture"/>
+    <dgm:cxn modelId="{C0C75FB5-69E8-4C0E-938B-179E93083262}" srcId="{E61C1320-D8DD-4FFE-8981-69EE7DF827E2}" destId="{CDAB2BCB-3C6A-45A0-AC98-06974DFD73B0}" srcOrd="4" destOrd="0" parTransId="{A84EC539-B4EA-480F-A635-A2A806894DFD}" sibTransId="{DDB32936-FBA7-4FB1-BA26-C3FFB9AA0BB5}"/>
+    <dgm:cxn modelId="{DF668A5D-EACF-4651-BA76-6F8D087A5700}" srcId="{0DDA0BF9-D726-4089-BE10-DF1ECE465D2B}" destId="{592C5FAE-F77C-46FE-9EA0-A5CE0A4AFF02}" srcOrd="0" destOrd="0" parTransId="{D2B9A9B3-FFA7-43AA-A04D-6A45D01F3DE3}" sibTransId="{F720890B-CF79-4327-977E-1DAEC5164ED4}"/>
+    <dgm:cxn modelId="{A0259A11-0DB9-48DF-95C7-B3D66F50E325}" type="presOf" srcId="{29F0E033-FD9A-4014-B05C-2CB013DF3760}" destId="{EFF9B8B5-4553-433B-9691-2B0EC3DEE077}" srcOrd="0" destOrd="0" presId="urn:microsoft.com/office/officeart/2005/8/layout/architecture"/>
+    <dgm:cxn modelId="{9BC265DE-3B2A-4655-85C8-38611C77EA9C}" type="presOf" srcId="{CDAB2BCB-3C6A-45A0-AC98-06974DFD73B0}" destId="{F89E0054-9EE3-4F18-A21B-54BBD1257618}" srcOrd="0" destOrd="0" presId="urn:microsoft.com/office/officeart/2005/8/layout/architecture"/>
+    <dgm:cxn modelId="{374CC6FC-12A4-4F77-A1A0-D94358A6769C}" type="presOf" srcId="{416CB22B-242E-471F-BEB5-C9CE27A17DE8}" destId="{F6DFA980-6191-4028-8822-D30DBF108D7D}" srcOrd="0" destOrd="0" presId="urn:microsoft.com/office/officeart/2005/8/layout/architecture"/>
+    <dgm:cxn modelId="{1EE718B0-33B4-46C4-9B66-288B038CBECE}" type="presOf" srcId="{163E281D-895D-41D8-BDA4-BB18780A9852}" destId="{D34F9321-E05C-4D6C-8997-E71D65DD6A0E}" srcOrd="0" destOrd="0" presId="urn:microsoft.com/office/officeart/2005/8/layout/architecture"/>
+    <dgm:cxn modelId="{ADEFE4A5-BAB8-4D1F-BBF5-321C54CEAD80}" type="presOf" srcId="{A821592E-17D0-46AE-8EF4-A248C6EA3BB5}" destId="{D1813C29-80A8-4F27-B5C9-A358707E514D}" srcOrd="0" destOrd="0" presId="urn:microsoft.com/office/officeart/2005/8/layout/architecture"/>
+    <dgm:cxn modelId="{4F38CBDB-514A-4DD0-82DC-C3E17BD24998}" type="presParOf" srcId="{5E64CC48-21FD-42BF-8699-82BFFFD556E1}" destId="{85D8FE0C-EFFE-4F2F-BD02-18B5F25E0EB7}" srcOrd="0" destOrd="0" presId="urn:microsoft.com/office/officeart/2005/8/layout/architecture"/>
+    <dgm:cxn modelId="{A833AC8E-1D83-406A-826D-203274484C7A}" type="presParOf" srcId="{85D8FE0C-EFFE-4F2F-BD02-18B5F25E0EB7}" destId="{B5326312-7E99-4039-AFCE-AC8965EBB456}" srcOrd="0" destOrd="0" presId="urn:microsoft.com/office/officeart/2005/8/layout/architecture"/>
+    <dgm:cxn modelId="{C1915D7F-22C9-4AEA-B206-699CD88A2F02}" type="presParOf" srcId="{85D8FE0C-EFFE-4F2F-BD02-18B5F25E0EB7}" destId="{FF6DF6E6-C437-4C47-A908-BCAD16006942}" srcOrd="1" destOrd="0" presId="urn:microsoft.com/office/officeart/2005/8/layout/architecture"/>
+    <dgm:cxn modelId="{22C017CA-C07D-474E-8A03-849700A2AC5A}" type="presParOf" srcId="{85D8FE0C-EFFE-4F2F-BD02-18B5F25E0EB7}" destId="{42191B07-3E80-46F8-B0B0-0897E880C918}" srcOrd="2" destOrd="0" presId="urn:microsoft.com/office/officeart/2005/8/layout/architecture"/>
+    <dgm:cxn modelId="{24AF2DEB-0817-46DA-8F58-B08B9C1D6B4D}" type="presParOf" srcId="{42191B07-3E80-46F8-B0B0-0897E880C918}" destId="{B441C3B8-6601-46F0-9827-8CA1C8046F3F}" srcOrd="0" destOrd="0" presId="urn:microsoft.com/office/officeart/2005/8/layout/architecture"/>
+    <dgm:cxn modelId="{CE0CDC67-94E9-4E1B-9226-08619B5DD188}" type="presParOf" srcId="{B441C3B8-6601-46F0-9827-8CA1C8046F3F}" destId="{AB7B2458-7E0D-4794-A908-15BE2F5E1B5F}" srcOrd="0" destOrd="0" presId="urn:microsoft.com/office/officeart/2005/8/layout/architecture"/>
+    <dgm:cxn modelId="{2FBB54E9-2779-4BEE-98D0-94CA8EEF02BC}" type="presParOf" srcId="{B441C3B8-6601-46F0-9827-8CA1C8046F3F}" destId="{91C3AB00-24E5-467B-A117-3AF5BCCC91DC}" srcOrd="1" destOrd="0" presId="urn:microsoft.com/office/officeart/2005/8/layout/architecture"/>
+    <dgm:cxn modelId="{ED829905-B525-4778-AF0F-AEE58C6CA8AC}" type="presParOf" srcId="{B441C3B8-6601-46F0-9827-8CA1C8046F3F}" destId="{A319AF31-5814-4F3D-BF16-CD162D5F6281}" srcOrd="2" destOrd="0" presId="urn:microsoft.com/office/officeart/2005/8/layout/architecture"/>
+    <dgm:cxn modelId="{BC94B2CC-852C-46C0-BE43-A4C091A58C5C}" type="presParOf" srcId="{A319AF31-5814-4F3D-BF16-CD162D5F6281}" destId="{6F8748FB-6DAA-4A66-85F4-578060D39BD2}" srcOrd="0" destOrd="0" presId="urn:microsoft.com/office/officeart/2005/8/layout/architecture"/>
+    <dgm:cxn modelId="{3B4B6D0A-EFF0-4021-AB27-31B18DD78E55}" type="presParOf" srcId="{6F8748FB-6DAA-4A66-85F4-578060D39BD2}" destId="{96FB1193-8D1F-4922-91E5-A7029736AED7}" srcOrd="0" destOrd="0" presId="urn:microsoft.com/office/officeart/2005/8/layout/architecture"/>
+    <dgm:cxn modelId="{2C06F67F-13CD-4B1B-A228-60563046E951}" type="presParOf" srcId="{6F8748FB-6DAA-4A66-85F4-578060D39BD2}" destId="{B88DDBC5-763B-475F-8D57-75F982A7FE05}" srcOrd="1" destOrd="0" presId="urn:microsoft.com/office/officeart/2005/8/layout/architecture"/>
+    <dgm:cxn modelId="{60F9CAA3-9E40-4F63-BD3B-F36DCAC785E7}" type="presParOf" srcId="{6F8748FB-6DAA-4A66-85F4-578060D39BD2}" destId="{E3175A56-7671-4F3D-943E-A53055388158}" srcOrd="2" destOrd="0" presId="urn:microsoft.com/office/officeart/2005/8/layout/architecture"/>
+    <dgm:cxn modelId="{DD0FD2F8-31C1-44F1-8E52-627D5269E1F9}" type="presParOf" srcId="{E3175A56-7671-4F3D-943E-A53055388158}" destId="{B07F01CC-12CB-4E02-A92E-54A24E7C54C7}" srcOrd="0" destOrd="0" presId="urn:microsoft.com/office/officeart/2005/8/layout/architecture"/>
+    <dgm:cxn modelId="{6F55FADC-A492-4A41-95FC-65AA2B3DF7CD}" type="presParOf" srcId="{B07F01CC-12CB-4E02-A92E-54A24E7C54C7}" destId="{D34F9321-E05C-4D6C-8997-E71D65DD6A0E}" srcOrd="0" destOrd="0" presId="urn:microsoft.com/office/officeart/2005/8/layout/architecture"/>
+    <dgm:cxn modelId="{B02C9879-B131-414C-A005-544F6975CAE8}" type="presParOf" srcId="{B07F01CC-12CB-4E02-A92E-54A24E7C54C7}" destId="{9785DE87-9C2F-4365-9133-31A68AADDECD}" srcOrd="1" destOrd="0" presId="urn:microsoft.com/office/officeart/2005/8/layout/architecture"/>
+    <dgm:cxn modelId="{7F124478-F92F-4BD2-92EB-20389C6936D3}" type="presParOf" srcId="{A319AF31-5814-4F3D-BF16-CD162D5F6281}" destId="{9875D169-0F3B-49AF-A7E5-B12A3F6CE2FB}" srcOrd="1" destOrd="0" presId="urn:microsoft.com/office/officeart/2005/8/layout/architecture"/>
+    <dgm:cxn modelId="{D0447A77-995F-4741-8A69-310DFAE0E7BE}" type="presParOf" srcId="{A319AF31-5814-4F3D-BF16-CD162D5F6281}" destId="{DC0F6032-28EE-48AD-A570-2C7850869E3B}" srcOrd="2" destOrd="0" presId="urn:microsoft.com/office/officeart/2005/8/layout/architecture"/>
+    <dgm:cxn modelId="{237CC475-B76E-44FD-A88F-BE2487E431DA}" type="presParOf" srcId="{DC0F6032-28EE-48AD-A570-2C7850869E3B}" destId="{ECB945CC-E646-44C9-8AF2-80EB45062F28}" srcOrd="0" destOrd="0" presId="urn:microsoft.com/office/officeart/2005/8/layout/architecture"/>
+    <dgm:cxn modelId="{ED42141D-A110-4E68-B930-C2B9F712CC0A}" type="presParOf" srcId="{DC0F6032-28EE-48AD-A570-2C7850869E3B}" destId="{7AEA2E74-5D78-4513-B32B-D5F2E5278225}" srcOrd="1" destOrd="0" presId="urn:microsoft.com/office/officeart/2005/8/layout/architecture"/>
+    <dgm:cxn modelId="{336A1138-A4A5-4499-BF74-0C58B8661AC7}" type="presParOf" srcId="{DC0F6032-28EE-48AD-A570-2C7850869E3B}" destId="{E4012BF5-EE90-47BA-81D9-D1F38CACCC54}" srcOrd="2" destOrd="0" presId="urn:microsoft.com/office/officeart/2005/8/layout/architecture"/>
+    <dgm:cxn modelId="{F5CCE34C-02F2-46BE-98EE-4780D8A5EA66}" type="presParOf" srcId="{E4012BF5-EE90-47BA-81D9-D1F38CACCC54}" destId="{9B1CE27F-2812-428E-B439-237F8AE2206C}" srcOrd="0" destOrd="0" presId="urn:microsoft.com/office/officeart/2005/8/layout/architecture"/>
+    <dgm:cxn modelId="{5A0FCCBE-9374-4563-82FC-5A53FDC08A29}" type="presParOf" srcId="{9B1CE27F-2812-428E-B439-237F8AE2206C}" destId="{711A6885-259C-40EC-AC09-17EDF2A83AF9}" srcOrd="0" destOrd="0" presId="urn:microsoft.com/office/officeart/2005/8/layout/architecture"/>
+    <dgm:cxn modelId="{956BE921-A585-4D06-9645-87B82EB6201F}" type="presParOf" srcId="{9B1CE27F-2812-428E-B439-237F8AE2206C}" destId="{C7FFA11C-CF7F-471A-857C-6663C76B60EE}" srcOrd="1" destOrd="0" presId="urn:microsoft.com/office/officeart/2005/8/layout/architecture"/>
+    <dgm:cxn modelId="{D7FF8FFD-1AA7-4AEC-92FE-114A36FEEF3F}" type="presParOf" srcId="{A319AF31-5814-4F3D-BF16-CD162D5F6281}" destId="{099393A1-F4A3-4501-9621-96192096542C}" srcOrd="3" destOrd="0" presId="urn:microsoft.com/office/officeart/2005/8/layout/architecture"/>
+    <dgm:cxn modelId="{5ED5458D-0923-44C2-9FEC-E61A3E5BB0CB}" type="presParOf" srcId="{A319AF31-5814-4F3D-BF16-CD162D5F6281}" destId="{EB668C47-BAC1-4A25-B822-F7EA7BF10772}" srcOrd="4" destOrd="0" presId="urn:microsoft.com/office/officeart/2005/8/layout/architecture"/>
+    <dgm:cxn modelId="{DE34BFA2-799B-45B7-9B73-D2C3507C4401}" type="presParOf" srcId="{EB668C47-BAC1-4A25-B822-F7EA7BF10772}" destId="{E5E16191-18A9-4DD1-96C1-9E2E931E8179}" srcOrd="0" destOrd="0" presId="urn:microsoft.com/office/officeart/2005/8/layout/architecture"/>
+    <dgm:cxn modelId="{29AB05FD-F9EC-47E9-BC58-337A92D3335E}" type="presParOf" srcId="{EB668C47-BAC1-4A25-B822-F7EA7BF10772}" destId="{64C595DA-9CF0-4C31-A7FB-D1B131F0B016}" srcOrd="1" destOrd="0" presId="urn:microsoft.com/office/officeart/2005/8/layout/architecture"/>
+    <dgm:cxn modelId="{6C624F4E-3FBE-4CB4-93AC-DF58B2C52A2A}" type="presParOf" srcId="{EB668C47-BAC1-4A25-B822-F7EA7BF10772}" destId="{E488F786-133C-4FF6-AE58-4EEE80ED6142}" srcOrd="2" destOrd="0" presId="urn:microsoft.com/office/officeart/2005/8/layout/architecture"/>
+    <dgm:cxn modelId="{1071EEF6-1301-42FA-B9CF-445874874B33}" type="presParOf" srcId="{E488F786-133C-4FF6-AE58-4EEE80ED6142}" destId="{0666B748-CC4C-4864-948F-5D3F7F4B5406}" srcOrd="0" destOrd="0" presId="urn:microsoft.com/office/officeart/2005/8/layout/architecture"/>
+    <dgm:cxn modelId="{6345FC4C-139A-45CC-B090-F6215794AD18}" type="presParOf" srcId="{0666B748-CC4C-4864-948F-5D3F7F4B5406}" destId="{B346889B-897C-4850-8A67-B970F7028392}" srcOrd="0" destOrd="0" presId="urn:microsoft.com/office/officeart/2005/8/layout/architecture"/>
+    <dgm:cxn modelId="{F07CC6B1-5847-43E6-9916-196C0C8D612F}" type="presParOf" srcId="{0666B748-CC4C-4864-948F-5D3F7F4B5406}" destId="{D1E3B6A6-4D48-4833-B4A0-28DB9C3D761A}" srcOrd="1" destOrd="0" presId="urn:microsoft.com/office/officeart/2005/8/layout/architecture"/>
+    <dgm:cxn modelId="{F8784C0E-64CD-4FAA-9399-D028FB794C6A}" type="presParOf" srcId="{A319AF31-5814-4F3D-BF16-CD162D5F6281}" destId="{EB2D0376-B7CD-4E2F-90B8-BD3C73283AA2}" srcOrd="5" destOrd="0" presId="urn:microsoft.com/office/officeart/2005/8/layout/architecture"/>
+    <dgm:cxn modelId="{DE1A763C-A2A6-4F57-BCE3-9E523A4BEF28}" type="presParOf" srcId="{A319AF31-5814-4F3D-BF16-CD162D5F6281}" destId="{B4A62C2D-F683-4623-B619-8419134CEC20}" srcOrd="6" destOrd="0" presId="urn:microsoft.com/office/officeart/2005/8/layout/architecture"/>
+    <dgm:cxn modelId="{A5BA4DDB-38A9-4C51-91B4-548A4D10236E}" type="presParOf" srcId="{B4A62C2D-F683-4623-B619-8419134CEC20}" destId="{D1813C29-80A8-4F27-B5C9-A358707E514D}" srcOrd="0" destOrd="0" presId="urn:microsoft.com/office/officeart/2005/8/layout/architecture"/>
+    <dgm:cxn modelId="{8C446EDA-56C1-4F2C-973C-37810F79B15D}" type="presParOf" srcId="{B4A62C2D-F683-4623-B619-8419134CEC20}" destId="{AE7F062E-F77A-4349-93D5-72247A50AB4E}" srcOrd="1" destOrd="0" presId="urn:microsoft.com/office/officeart/2005/8/layout/architecture"/>
+    <dgm:cxn modelId="{3EFB9332-6AB2-4722-A24E-899F19F987CC}" type="presParOf" srcId="{B4A62C2D-F683-4623-B619-8419134CEC20}" destId="{3440FC1B-560C-4F6E-A717-860DE7CB4AA1}" srcOrd="2" destOrd="0" presId="urn:microsoft.com/office/officeart/2005/8/layout/architecture"/>
+    <dgm:cxn modelId="{3B92F819-1CA4-4BE4-8170-DA34CE59B3F1}" type="presParOf" srcId="{3440FC1B-560C-4F6E-A717-860DE7CB4AA1}" destId="{B6938472-ACE2-48C5-A418-136C831E44DA}" srcOrd="0" destOrd="0" presId="urn:microsoft.com/office/officeart/2005/8/layout/architecture"/>
+    <dgm:cxn modelId="{11941400-988D-493C-A942-014290D306FD}" type="presParOf" srcId="{B6938472-ACE2-48C5-A418-136C831E44DA}" destId="{F6DFA980-6191-4028-8822-D30DBF108D7D}" srcOrd="0" destOrd="0" presId="urn:microsoft.com/office/officeart/2005/8/layout/architecture"/>
+    <dgm:cxn modelId="{83A98F6C-CD8E-4ED3-AC33-608305F09C39}" type="presParOf" srcId="{B6938472-ACE2-48C5-A418-136C831E44DA}" destId="{1CEFD183-8769-4E44-96BA-69D737252F04}" srcOrd="1" destOrd="0" presId="urn:microsoft.com/office/officeart/2005/8/layout/architecture"/>
+    <dgm:cxn modelId="{9A436B4D-06CA-49F5-90FA-9254D6AD6A0F}" type="presParOf" srcId="{A319AF31-5814-4F3D-BF16-CD162D5F6281}" destId="{CFCE2B29-6276-44C9-BD0C-768678A95255}" srcOrd="7" destOrd="0" presId="urn:microsoft.com/office/officeart/2005/8/layout/architecture"/>
+    <dgm:cxn modelId="{FC86A574-4A3C-437E-89C3-4C1BFC88C156}" type="presParOf" srcId="{A319AF31-5814-4F3D-BF16-CD162D5F6281}" destId="{E57DE6B2-6311-4FFE-AF05-94F11F9EC9FA}" srcOrd="8" destOrd="0" presId="urn:microsoft.com/office/officeart/2005/8/layout/architecture"/>
+    <dgm:cxn modelId="{A0D2CA5F-EAEC-4A5B-88B0-F1E604048FBC}" type="presParOf" srcId="{E57DE6B2-6311-4FFE-AF05-94F11F9EC9FA}" destId="{F89E0054-9EE3-4F18-A21B-54BBD1257618}" srcOrd="0" destOrd="0" presId="urn:microsoft.com/office/officeart/2005/8/layout/architecture"/>
+    <dgm:cxn modelId="{49E98375-3CF7-416F-98A8-F8A7730CE74D}" type="presParOf" srcId="{E57DE6B2-6311-4FFE-AF05-94F11F9EC9FA}" destId="{3D9FD2FE-3738-4900-B52D-DCCDD14B8B9C}" srcOrd="1" destOrd="0" presId="urn:microsoft.com/office/officeart/2005/8/layout/architecture"/>
+    <dgm:cxn modelId="{249E8404-F3A7-4289-8F5E-85DE5DEEA59F}" type="presParOf" srcId="{E57DE6B2-6311-4FFE-AF05-94F11F9EC9FA}" destId="{3C1295DE-974D-43F4-A3DE-A20E7C3807EB}" srcOrd="2" destOrd="0" presId="urn:microsoft.com/office/officeart/2005/8/layout/architecture"/>
+    <dgm:cxn modelId="{E4C41497-2FD3-4392-9376-786F79209371}" type="presParOf" srcId="{3C1295DE-974D-43F4-A3DE-A20E7C3807EB}" destId="{D472E22D-48DE-4911-A468-777C142E0F83}" srcOrd="0" destOrd="0" presId="urn:microsoft.com/office/officeart/2005/8/layout/architecture"/>
+    <dgm:cxn modelId="{65507485-D867-4D99-9E72-E2605A322698}" type="presParOf" srcId="{D472E22D-48DE-4911-A468-777C142E0F83}" destId="{813524EB-7DFB-4791-A4BB-9FC2ACD2681F}" srcOrd="0" destOrd="0" presId="urn:microsoft.com/office/officeart/2005/8/layout/architecture"/>
+    <dgm:cxn modelId="{210C4D96-9135-4566-A5C1-754D433AF3AE}" type="presParOf" srcId="{D472E22D-48DE-4911-A468-777C142E0F83}" destId="{77AD5241-8BC9-426F-84CF-AFAAFA282398}" srcOrd="1" destOrd="0" presId="urn:microsoft.com/office/officeart/2005/8/layout/architecture"/>
+    <dgm:cxn modelId="{F1F60894-9154-4066-8653-EED781E7211F}" type="presParOf" srcId="{42191B07-3E80-46F8-B0B0-0897E880C918}" destId="{FB734FDB-2ED1-4018-8347-36936407336C}" srcOrd="1" destOrd="0" presId="urn:microsoft.com/office/officeart/2005/8/layout/architecture"/>
+    <dgm:cxn modelId="{B8E6D59B-F540-4600-9811-F5A14388C5C4}" type="presParOf" srcId="{42191B07-3E80-46F8-B0B0-0897E880C918}" destId="{8E9AE2EE-5282-460A-BDD0-B1F349747186}" srcOrd="2" destOrd="0" presId="urn:microsoft.com/office/officeart/2005/8/layout/architecture"/>
+    <dgm:cxn modelId="{D44E003D-E3D2-4A3E-8AC4-C849B88F8170}" type="presParOf" srcId="{8E9AE2EE-5282-460A-BDD0-B1F349747186}" destId="{EFF9B8B5-4553-433B-9691-2B0EC3DEE077}" srcOrd="0" destOrd="0" presId="urn:microsoft.com/office/officeart/2005/8/layout/architecture"/>
+    <dgm:cxn modelId="{F6C8D102-A565-42B8-B13E-6CDE66039BAA}" type="presParOf" srcId="{8E9AE2EE-5282-460A-BDD0-B1F349747186}" destId="{9FA4D1BB-4973-4706-A1DE-D9F964C9F3A1}" srcOrd="1" destOrd="0" presId="urn:microsoft.com/office/officeart/2005/8/layout/architecture"/>
+    <dgm:cxn modelId="{155484BB-A438-47A0-8320-02CC23643FCC}" type="presParOf" srcId="{8E9AE2EE-5282-460A-BDD0-B1F349747186}" destId="{E1DCD628-FD0F-4CF6-8D38-6A23A4081F34}" srcOrd="2" destOrd="0" presId="urn:microsoft.com/office/officeart/2005/8/layout/architecture"/>
+    <dgm:cxn modelId="{CEBDE06B-9E23-4324-85AD-FD85319D7854}" type="presParOf" srcId="{E1DCD628-FD0F-4CF6-8D38-6A23A4081F34}" destId="{64538BCE-6036-431A-B660-9877865E7D09}" srcOrd="0" destOrd="0" presId="urn:microsoft.com/office/officeart/2005/8/layout/architecture"/>
+    <dgm:cxn modelId="{052AE5EA-E77E-48C1-8503-D3C7CC05E8E9}" type="presParOf" srcId="{64538BCE-6036-431A-B660-9877865E7D09}" destId="{FECE9988-646B-4824-B695-1CFD0148B5D3}" srcOrd="0" destOrd="0" presId="urn:microsoft.com/office/officeart/2005/8/layout/architecture"/>
+    <dgm:cxn modelId="{191ED6D7-5637-4157-BDF6-33FF052C9F2B}" type="presParOf" srcId="{64538BCE-6036-431A-B660-9877865E7D09}" destId="{0231B2A7-1132-4BCC-A1F1-011D432608FE}" srcOrd="1" destOrd="0" presId="urn:microsoft.com/office/officeart/2005/8/layout/architecture"/>
+    <dgm:cxn modelId="{462B91A1-9CE3-4ABC-BF0D-8F51B76C394A}" type="presParOf" srcId="{64538BCE-6036-431A-B660-9877865E7D09}" destId="{37E21B18-46E9-41DE-8014-0DE9EFEA9EA7}" srcOrd="2" destOrd="0" presId="urn:microsoft.com/office/officeart/2005/8/layout/architecture"/>
+    <dgm:cxn modelId="{56AFA93C-8A60-4823-801B-EB6D719F6DEB}" type="presParOf" srcId="{37E21B18-46E9-41DE-8014-0DE9EFEA9EA7}" destId="{3D63FAB8-C68A-490D-9B02-93CF5ACE40B9}" srcOrd="0" destOrd="0" presId="urn:microsoft.com/office/officeart/2005/8/layout/architecture"/>
+    <dgm:cxn modelId="{719C7B1B-8C07-40C8-9DE4-4792295A30A0}" type="presParOf" srcId="{3D63FAB8-C68A-490D-9B02-93CF5ACE40B9}" destId="{0BA582AB-B19C-4084-87C0-79271C14F25F}" srcOrd="0" destOrd="0" presId="urn:microsoft.com/office/officeart/2005/8/layout/architecture"/>
+    <dgm:cxn modelId="{14B83DA2-BEFE-45E1-BD99-CC851031560D}" type="presParOf" srcId="{3D63FAB8-C68A-490D-9B02-93CF5ACE40B9}" destId="{3B1373E5-F30B-4CE4-A567-790D87ACA6BB}" srcOrd="1" destOrd="0" presId="urn:microsoft.com/office/officeart/2005/8/layout/architecture"/>
+    <dgm:cxn modelId="{49F8840D-ECBD-486A-AADA-5A79D856E914}" type="presParOf" srcId="{E1DCD628-FD0F-4CF6-8D38-6A23A4081F34}" destId="{55084E64-28A3-40C5-B363-D5B83CD5E6DC}" srcOrd="1" destOrd="0" presId="urn:microsoft.com/office/officeart/2005/8/layout/architecture"/>
+    <dgm:cxn modelId="{398859EB-F010-4C8C-B5E5-7E45CA5A4DC6}" type="presParOf" srcId="{E1DCD628-FD0F-4CF6-8D38-6A23A4081F34}" destId="{7B6BC110-1818-4909-8082-0660546B6151}" srcOrd="2" destOrd="0" presId="urn:microsoft.com/office/officeart/2005/8/layout/architecture"/>
+    <dgm:cxn modelId="{2B598F04-98CE-4B06-BBA0-EDE05E5835D1}" type="presParOf" srcId="{7B6BC110-1818-4909-8082-0660546B6151}" destId="{0A89EB91-EF61-405E-99D0-732ADA877D79}" srcOrd="0" destOrd="0" presId="urn:microsoft.com/office/officeart/2005/8/layout/architecture"/>
+    <dgm:cxn modelId="{B24A6FA7-A428-4CCE-898F-7716E740C91B}" type="presParOf" srcId="{7B6BC110-1818-4909-8082-0660546B6151}" destId="{A77DF8B5-6CF2-4162-B033-C252FF2365C0}" srcOrd="1" destOrd="0" presId="urn:microsoft.com/office/officeart/2005/8/layout/architecture"/>
+    <dgm:cxn modelId="{D12709D8-04AE-49EC-94A6-9BFDACA39073}" type="presParOf" srcId="{7B6BC110-1818-4909-8082-0660546B6151}" destId="{F007A687-C17C-4393-B433-0D25610F1DA7}" srcOrd="2" destOrd="0" presId="urn:microsoft.com/office/officeart/2005/8/layout/architecture"/>
+    <dgm:cxn modelId="{B4A3627B-9B3E-4D5D-876D-3311086E26EF}" type="presParOf" srcId="{F007A687-C17C-4393-B433-0D25610F1DA7}" destId="{3A44532A-7CD6-44E1-BC75-68B900A6597C}" srcOrd="0" destOrd="0" presId="urn:microsoft.com/office/officeart/2005/8/layout/architecture"/>
+    <dgm:cxn modelId="{8F71E3C8-1540-4B0E-9CBB-41A93C63080E}" type="presParOf" srcId="{3A44532A-7CD6-44E1-BC75-68B900A6597C}" destId="{2C16BB24-AE4F-4AA2-99E7-30610E504ED2}" srcOrd="0" destOrd="0" presId="urn:microsoft.com/office/officeart/2005/8/layout/architecture"/>
+    <dgm:cxn modelId="{CA139C32-90DF-4D1C-B07D-5E8A8855F621}" type="presParOf" srcId="{3A44532A-7CD6-44E1-BC75-68B900A6597C}" destId="{0FC88170-0C40-4589-B414-6AB645A201E1}" srcOrd="1" destOrd="0" presId="urn:microsoft.com/office/officeart/2005/8/layout/architecture"/>
+    <dgm:cxn modelId="{D030C83A-C874-46D9-A1B1-3238CF216EB1}" type="presParOf" srcId="{E1DCD628-FD0F-4CF6-8D38-6A23A4081F34}" destId="{CA2F7690-9571-4F77-B2C5-C88151465565}" srcOrd="3" destOrd="0" presId="urn:microsoft.com/office/officeart/2005/8/layout/architecture"/>
+    <dgm:cxn modelId="{84E87C3D-8F88-4D8A-958C-DED12604B570}" type="presParOf" srcId="{E1DCD628-FD0F-4CF6-8D38-6A23A4081F34}" destId="{2CA70C50-A2D3-43C2-BCEC-B60FEA27D940}" srcOrd="4" destOrd="0" presId="urn:microsoft.com/office/officeart/2005/8/layout/architecture"/>
+    <dgm:cxn modelId="{26807451-FEAE-4DBB-A491-87765575EEAE}" type="presParOf" srcId="{2CA70C50-A2D3-43C2-BCEC-B60FEA27D940}" destId="{0E2361F5-C08F-482C-9318-ACE43BD40691}" srcOrd="0" destOrd="0" presId="urn:microsoft.com/office/officeart/2005/8/layout/architecture"/>
+    <dgm:cxn modelId="{D36AEF3E-62E4-4FB3-8381-90D6F4025C02}" type="presParOf" srcId="{2CA70C50-A2D3-43C2-BCEC-B60FEA27D940}" destId="{85D3E3BE-1CF4-4C0F-A9C1-B2026D893097}" srcOrd="1" destOrd="0" presId="urn:microsoft.com/office/officeart/2005/8/layout/architecture"/>
+    <dgm:cxn modelId="{F69D2FE3-626D-42E2-970E-B4B987104436}" type="presParOf" srcId="{2CA70C50-A2D3-43C2-BCEC-B60FEA27D940}" destId="{D93A7DA3-B264-4FD8-86CB-22F92D4A5A5F}" srcOrd="2" destOrd="0" presId="urn:microsoft.com/office/officeart/2005/8/layout/architecture"/>
+    <dgm:cxn modelId="{14378564-F845-43A0-A417-A58C670B6A1A}" type="presParOf" srcId="{D93A7DA3-B264-4FD8-86CB-22F92D4A5A5F}" destId="{F34BE03E-DA6C-4BC8-94C7-11AB0850D2B6}" srcOrd="0" destOrd="0" presId="urn:microsoft.com/office/officeart/2005/8/layout/architecture"/>
+    <dgm:cxn modelId="{5E5C369F-216D-4FBB-A771-BA902DCCB120}" type="presParOf" srcId="{F34BE03E-DA6C-4BC8-94C7-11AB0850D2B6}" destId="{9618C31A-E27D-42B0-A2E1-EEC38F5D4C28}" srcOrd="0" destOrd="0" presId="urn:microsoft.com/office/officeart/2005/8/layout/architecture"/>
+    <dgm:cxn modelId="{E89EB253-34B2-4BF7-88DC-8F45CAB64FBB}" type="presParOf" srcId="{F34BE03E-DA6C-4BC8-94C7-11AB0850D2B6}" destId="{D98BAF97-267D-4F57-A0B2-4D054760ADD0}" srcOrd="1" destOrd="0" presId="urn:microsoft.com/office/officeart/2005/8/layout/architecture"/>
+    <dgm:cxn modelId="{8D18B71D-4604-4955-B5CF-B592117A789D}" type="presParOf" srcId="{E1DCD628-FD0F-4CF6-8D38-6A23A4081F34}" destId="{B511A4EF-6E33-41F8-8C3A-165CAC0F1C99}" srcOrd="5" destOrd="0" presId="urn:microsoft.com/office/officeart/2005/8/layout/architecture"/>
+    <dgm:cxn modelId="{53F17523-476B-4A76-8A85-D34EE1C1150E}" type="presParOf" srcId="{E1DCD628-FD0F-4CF6-8D38-6A23A4081F34}" destId="{B6C90C82-519A-4471-8953-E4792F16093F}" srcOrd="6" destOrd="0" presId="urn:microsoft.com/office/officeart/2005/8/layout/architecture"/>
+    <dgm:cxn modelId="{20DFE9DD-C5E2-4B4C-9304-8FA51FF89FD8}" type="presParOf" srcId="{B6C90C82-519A-4471-8953-E4792F16093F}" destId="{F4408782-5710-4D8D-898D-805F1023BBFC}" srcOrd="0" destOrd="0" presId="urn:microsoft.com/office/officeart/2005/8/layout/architecture"/>
+    <dgm:cxn modelId="{864C356A-1FBE-4195-AFB3-7F3DE03F55AB}" type="presParOf" srcId="{B6C90C82-519A-4471-8953-E4792F16093F}" destId="{D6895A6B-B544-4184-8B72-5B62CFFB3470}" srcOrd="1" destOrd="0" presId="urn:microsoft.com/office/officeart/2005/8/layout/architecture"/>
+    <dgm:cxn modelId="{54A9C1A6-4B17-4F74-869A-A907E0031463}" type="presParOf" srcId="{B6C90C82-519A-4471-8953-E4792F16093F}" destId="{E83AC6BF-1174-424A-A97E-7ED8507D8C2E}" srcOrd="2" destOrd="0" presId="urn:microsoft.com/office/officeart/2005/8/layout/architecture"/>
+    <dgm:cxn modelId="{07F96803-9AC2-4B0D-9E21-03C34C71958D}" type="presParOf" srcId="{E83AC6BF-1174-424A-A97E-7ED8507D8C2E}" destId="{CAA9652F-6B92-4BCA-82A3-CF5ABAC1B600}" srcOrd="0" destOrd="0" presId="urn:microsoft.com/office/officeart/2005/8/layout/architecture"/>
+    <dgm:cxn modelId="{948DF20B-D570-444D-BD3D-AE71D5BD5594}" type="presParOf" srcId="{CAA9652F-6B92-4BCA-82A3-CF5ABAC1B600}" destId="{2F02E625-6014-4E93-A6C1-AF7FDAA75108}" srcOrd="0" destOrd="0" presId="urn:microsoft.com/office/officeart/2005/8/layout/architecture"/>
+    <dgm:cxn modelId="{7CF3376D-D886-4249-A0BE-0A389D6EBFA0}" type="presParOf" srcId="{CAA9652F-6B92-4BCA-82A3-CF5ABAC1B600}" destId="{CCF7EF43-8152-4CAA-84F8-C1E2F0110D2C}" srcOrd="1" destOrd="0" presId="urn:microsoft.com/office/officeart/2005/8/layout/architecture"/>
+    <dgm:cxn modelId="{5EAF527C-7A25-427D-B29F-814269B4D0BD}" type="presParOf" srcId="{E1DCD628-FD0F-4CF6-8D38-6A23A4081F34}" destId="{29AFE3B9-2C61-458F-9297-6D1C241DBE8D}" srcOrd="7" destOrd="0" presId="urn:microsoft.com/office/officeart/2005/8/layout/architecture"/>
+    <dgm:cxn modelId="{9DEA3267-3067-4C4F-B68D-1DCEC356C131}" type="presParOf" srcId="{E1DCD628-FD0F-4CF6-8D38-6A23A4081F34}" destId="{E1A2BBFA-FEE4-4FCE-8EE4-5A621BBDBF3A}" srcOrd="8" destOrd="0" presId="urn:microsoft.com/office/officeart/2005/8/layout/architecture"/>
+    <dgm:cxn modelId="{DE912348-5CBC-4581-82CC-B271CAB76882}" type="presParOf" srcId="{E1A2BBFA-FEE4-4FCE-8EE4-5A621BBDBF3A}" destId="{BC510668-3EF3-4B39-BC11-0CEBF603F35F}" srcOrd="0" destOrd="0" presId="urn:microsoft.com/office/officeart/2005/8/layout/architecture"/>
+    <dgm:cxn modelId="{B07608BE-BC67-4703-9EAB-2CEFC7238CB3}" type="presParOf" srcId="{E1A2BBFA-FEE4-4FCE-8EE4-5A621BBDBF3A}" destId="{B1586B06-9734-491E-B8DF-FE40BB679B8A}" srcOrd="1" destOrd="0" presId="urn:microsoft.com/office/officeart/2005/8/layout/architecture"/>
+    <dgm:cxn modelId="{F4590F89-82A6-44DA-AC4D-E5F69E7897F3}" type="presParOf" srcId="{E1A2BBFA-FEE4-4FCE-8EE4-5A621BBDBF3A}" destId="{48632F8E-D9E0-4DB3-B80E-F1828A5BC643}" srcOrd="2" destOrd="0" presId="urn:microsoft.com/office/officeart/2005/8/layout/architecture"/>
+    <dgm:cxn modelId="{6A05F7AC-4C33-4C4F-9400-701DAF632FEF}" type="presParOf" srcId="{48632F8E-D9E0-4DB3-B80E-F1828A5BC643}" destId="{F8170AA2-FC1D-41EE-AB83-CC20B3AD2AF5}" srcOrd="0" destOrd="0" presId="urn:microsoft.com/office/officeart/2005/8/layout/architecture"/>
+    <dgm:cxn modelId="{9A04E8AD-D103-48A0-9800-ED7DA6D85086}" type="presParOf" srcId="{F8170AA2-FC1D-41EE-AB83-CC20B3AD2AF5}" destId="{B4274971-6243-4878-9949-B6DB441E62A3}" srcOrd="0" destOrd="0" presId="urn:microsoft.com/office/officeart/2005/8/layout/architecture"/>
+    <dgm:cxn modelId="{3387E39D-370C-4865-96EF-8411844053BC}" type="presParOf" srcId="{F8170AA2-FC1D-41EE-AB83-CC20B3AD2AF5}" destId="{DC8EDE88-9552-467C-999C-24297D7495B8}" srcOrd="1" destOrd="0" presId="urn:microsoft.com/office/officeart/2005/8/layout/architecture"/>
+    <dgm:cxn modelId="{373CF710-2F55-4CE5-A8DF-B202AA471DD6}" type="presParOf" srcId="{42191B07-3E80-46F8-B0B0-0897E880C918}" destId="{BE6715F4-1953-471D-8F8E-C5E3FB11F5B2}" srcOrd="3" destOrd="0" presId="urn:microsoft.com/office/officeart/2005/8/layout/architecture"/>
+    <dgm:cxn modelId="{C9010C56-208D-449A-B9B7-E8FFB828D5AF}" type="presParOf" srcId="{42191B07-3E80-46F8-B0B0-0897E880C918}" destId="{C170A0DF-06BE-4291-99BC-D7B23EE524B1}" srcOrd="4" destOrd="0" presId="urn:microsoft.com/office/officeart/2005/8/layout/architecture"/>
+    <dgm:cxn modelId="{7D9EB5C9-4CB3-44A2-9C8E-7FFC48C0153E}" type="presParOf" srcId="{C170A0DF-06BE-4291-99BC-D7B23EE524B1}" destId="{BBCE1C62-DB27-454A-9CEF-688E33CF3052}" srcOrd="0" destOrd="0" presId="urn:microsoft.com/office/officeart/2005/8/layout/architecture"/>
+    <dgm:cxn modelId="{B322AFCB-69EC-4CD8-8435-D9374F8378CE}" type="presParOf" srcId="{C170A0DF-06BE-4291-99BC-D7B23EE524B1}" destId="{50499380-2F9E-4B20-B7A2-8E02824C7718}" srcOrd="1" destOrd="0" presId="urn:microsoft.com/office/officeart/2005/8/layout/architecture"/>
+    <dgm:cxn modelId="{42E55B20-499C-43B8-A6E7-E8B9E967F9CE}" type="presParOf" srcId="{C170A0DF-06BE-4291-99BC-D7B23EE524B1}" destId="{4C8E2886-EF4D-49B1-BDD4-689B49FF5607}" srcOrd="2" destOrd="0" presId="urn:microsoft.com/office/officeart/2005/8/layout/architecture"/>
+    <dgm:cxn modelId="{2F5A3FD9-C33E-4EB9-9A95-FDABA8B2D663}" type="presParOf" srcId="{4C8E2886-EF4D-49B1-BDD4-689B49FF5607}" destId="{9F3F816E-E0ED-4BA2-BC33-B5D2FCBD6549}" srcOrd="0" destOrd="0" presId="urn:microsoft.com/office/officeart/2005/8/layout/architecture"/>
+    <dgm:cxn modelId="{599ABD7B-FDB4-4423-941E-EDA76DD129D6}" type="presParOf" srcId="{9F3F816E-E0ED-4BA2-BC33-B5D2FCBD6549}" destId="{3234883F-A727-41EE-B4E1-599A81CFFA3D}" srcOrd="0" destOrd="0" presId="urn:microsoft.com/office/officeart/2005/8/layout/architecture"/>
+    <dgm:cxn modelId="{F488897C-26DB-4EDA-B604-81DCD66A7A1E}" type="presParOf" srcId="{9F3F816E-E0ED-4BA2-BC33-B5D2FCBD6549}" destId="{4180DFA7-94EF-4B58-B4A6-BA5C65DBAFA1}" srcOrd="1" destOrd="0" presId="urn:microsoft.com/office/officeart/2005/8/layout/architecture"/>
+    <dgm:cxn modelId="{64EF9BE7-2A85-4DBE-8D14-53351E2866F3}" type="presParOf" srcId="{9F3F816E-E0ED-4BA2-BC33-B5D2FCBD6549}" destId="{9A5C4FA1-471F-4454-94DD-F349C46EB42B}" srcOrd="2" destOrd="0" presId="urn:microsoft.com/office/officeart/2005/8/layout/architecture"/>
+    <dgm:cxn modelId="{C0DFBBD8-045C-484B-8B8D-3404CDCC1C69}" type="presParOf" srcId="{9A5C4FA1-471F-4454-94DD-F349C46EB42B}" destId="{81B1EC1F-60C3-4983-97AB-3BCEB7BE4BDB}" srcOrd="0" destOrd="0" presId="urn:microsoft.com/office/officeart/2005/8/layout/architecture"/>
+    <dgm:cxn modelId="{60CC1250-8325-4BBD-92F0-E29C58DCBF08}" type="presParOf" srcId="{81B1EC1F-60C3-4983-97AB-3BCEB7BE4BDB}" destId="{1507869D-D0A6-4C09-BDA5-1D1942D72EFD}" srcOrd="0" destOrd="0" presId="urn:microsoft.com/office/officeart/2005/8/layout/architecture"/>
+    <dgm:cxn modelId="{DF16DCB8-F752-40BD-AD66-2628030FC153}" type="presParOf" srcId="{81B1EC1F-60C3-4983-97AB-3BCEB7BE4BDB}" destId="{71CCCB90-2E14-4637-BF19-A19B1A02860C}" srcOrd="1" destOrd="0" presId="urn:microsoft.com/office/officeart/2005/8/layout/architecture"/>
+  </dgm:cxnLst>
+  <dgm:bg/>
+  <dgm:whole/>
+  <dgm:extLst>
+    <a:ext uri="http://schemas.microsoft.com/office/drawing/2008/diagram">
+      <dsp:dataModelExt xmlns:dsp="http://schemas.microsoft.com/office/drawing/2008/diagram" relId="rId6" minVer="http://schemas.openxmlformats.org/drawingml/2006/diagram"/>
+    </a:ext>
+  </dgm:extLst>
+</dgm:dataModel>
+</file>
+
+<file path=ppt/diagrams/drawing1.xml><?xml version="1.0" encoding="utf-8"?>
+<dsp:drawing xmlns:dgm="http://schemas.openxmlformats.org/drawingml/2006/diagram" xmlns:dsp="http://schemas.microsoft.com/office/drawing/2008/diagram" xmlns:a="http://schemas.openxmlformats.org/drawingml/2006/main">
+  <dsp:spTree>
+    <dsp:nvGrpSpPr>
+      <dsp:cNvPr id="0" name=""/>
+      <dsp:cNvGrpSpPr/>
+    </dsp:nvGrpSpPr>
+    <dsp:grpSpPr/>
+    <dsp:sp modelId="{B5326312-7E99-4039-AFCE-AC8965EBB456}">
+      <dsp:nvSpPr>
+        <dsp:cNvPr id="0" name=""/>
+        <dsp:cNvSpPr/>
+      </dsp:nvSpPr>
+      <dsp:spPr>
+        <a:xfrm>
+          <a:off x="541" y="2428691"/>
+          <a:ext cx="7694769" cy="711662"/>
+        </a:xfrm>
+        <a:prstGeom prst="roundRect">
+          <a:avLst>
+            <a:gd name="adj" fmla="val 10000"/>
+          </a:avLst>
+        </a:prstGeom>
+        <a:solidFill>
+          <a:schemeClr val="accent1">
+            <a:hueOff val="0"/>
+            <a:satOff val="0"/>
+            <a:lumOff val="0"/>
+            <a:alphaOff val="0"/>
+          </a:schemeClr>
+        </a:solidFill>
+        <a:ln w="25400" cap="flat" cmpd="sng" algn="ctr">
+          <a:solidFill>
+            <a:schemeClr val="lt1">
+              <a:hueOff val="0"/>
+              <a:satOff val="0"/>
+              <a:lumOff val="0"/>
+              <a:alphaOff val="0"/>
+            </a:schemeClr>
+          </a:solidFill>
+          <a:prstDash val="solid"/>
+        </a:ln>
+        <a:effectLst/>
+      </dsp:spPr>
+      <dsp:style>
+        <a:lnRef idx="2">
+          <a:scrgbClr r="0" g="0" b="0"/>
+        </a:lnRef>
+        <a:fillRef idx="1">
+          <a:scrgbClr r="0" g="0" b="0"/>
+        </a:fillRef>
+        <a:effectRef idx="0">
+          <a:scrgbClr r="0" g="0" b="0"/>
+        </a:effectRef>
+        <a:fontRef idx="minor">
+          <a:schemeClr val="lt1"/>
+        </a:fontRef>
+      </dsp:style>
+      <dsp:txBody>
+        <a:bodyPr spcFirstLastPara="0" vert="horz" wrap="square" lIns="118110" tIns="118110" rIns="118110" bIns="118110" numCol="1" spcCol="1270" anchor="ctr" anchorCtr="0">
+          <a:noAutofit/>
+        </a:bodyPr>
+        <a:lstStyle/>
+        <a:p>
+          <a:pPr lvl="0" algn="ctr" defTabSz="1377950">
+            <a:lnSpc>
+              <a:spcPct val="90000"/>
+            </a:lnSpc>
+            <a:spcBef>
+              <a:spcPct val="0"/>
+            </a:spcBef>
+            <a:spcAft>
+              <a:spcPct val="35000"/>
+            </a:spcAft>
+          </a:pPr>
+          <a:r>
+            <a:rPr lang="en-GB" sz="3100" kern="1200" dirty="0" err="1" smtClean="0"/>
+            <a:t>Wavefront</a:t>
+          </a:r>
+          <a:r>
+            <a:rPr lang="en-GB" sz="3100" kern="1200" dirty="0" smtClean="0"/>
+            <a:t> (aka. Warp)</a:t>
+          </a:r>
+          <a:endParaRPr lang="lv-LV" sz="3100" kern="1200" dirty="0"/>
+        </a:p>
+      </dsp:txBody>
+      <dsp:txXfrm>
+        <a:off x="21385" y="2449535"/>
+        <a:ext cx="7653081" cy="669974"/>
+      </dsp:txXfrm>
+    </dsp:sp>
+    <dsp:sp modelId="{AB7B2458-7E0D-4794-A908-15BE2F5E1B5F}">
+      <dsp:nvSpPr>
+        <dsp:cNvPr id="0" name=""/>
+        <dsp:cNvSpPr/>
+      </dsp:nvSpPr>
+      <dsp:spPr>
+        <a:xfrm>
+          <a:off x="541" y="1619387"/>
+          <a:ext cx="3456760" cy="711662"/>
+        </a:xfrm>
+        <a:prstGeom prst="roundRect">
+          <a:avLst>
+            <a:gd name="adj" fmla="val 10000"/>
+          </a:avLst>
+        </a:prstGeom>
+        <a:solidFill>
+          <a:schemeClr val="accent1">
+            <a:hueOff val="0"/>
+            <a:satOff val="0"/>
+            <a:lumOff val="0"/>
+            <a:alphaOff val="0"/>
+          </a:schemeClr>
+        </a:solidFill>
+        <a:ln w="25400" cap="flat" cmpd="sng" algn="ctr">
+          <a:solidFill>
+            <a:schemeClr val="lt1">
+              <a:hueOff val="0"/>
+              <a:satOff val="0"/>
+              <a:lumOff val="0"/>
+              <a:alphaOff val="0"/>
+            </a:schemeClr>
+          </a:solidFill>
+          <a:prstDash val="solid"/>
+        </a:ln>
+        <a:effectLst/>
+      </dsp:spPr>
+      <dsp:style>
+        <a:lnRef idx="2">
+          <a:scrgbClr r="0" g="0" b="0"/>
+        </a:lnRef>
+        <a:fillRef idx="1">
+          <a:scrgbClr r="0" g="0" b="0"/>
+        </a:fillRef>
+        <a:effectRef idx="0">
+          <a:scrgbClr r="0" g="0" b="0"/>
+        </a:effectRef>
+        <a:fontRef idx="minor">
+          <a:schemeClr val="lt1"/>
+        </a:fontRef>
+      </dsp:style>
+      <dsp:txBody>
+        <a:bodyPr spcFirstLastPara="0" vert="horz" wrap="square" lIns="118110" tIns="118110" rIns="118110" bIns="118110" numCol="1" spcCol="1270" anchor="ctr" anchorCtr="0">
+          <a:noAutofit/>
+        </a:bodyPr>
+        <a:lstStyle/>
+        <a:p>
+          <a:pPr lvl="0" algn="ctr" defTabSz="1377950">
+            <a:lnSpc>
+              <a:spcPct val="90000"/>
+            </a:lnSpc>
+            <a:spcBef>
+              <a:spcPct val="0"/>
+            </a:spcBef>
+            <a:spcAft>
+              <a:spcPct val="35000"/>
+            </a:spcAft>
+          </a:pPr>
+          <a:r>
+            <a:rPr lang="en-GB" sz="3100" kern="1200" dirty="0" smtClean="0"/>
+            <a:t>Compute unit</a:t>
+          </a:r>
+          <a:endParaRPr lang="lv-LV" sz="3100" kern="1200" dirty="0"/>
+        </a:p>
+      </dsp:txBody>
+      <dsp:txXfrm>
+        <a:off x="21385" y="1640231"/>
+        <a:ext cx="3415072" cy="669974"/>
+      </dsp:txXfrm>
+    </dsp:sp>
+    <dsp:sp modelId="{96FB1193-8D1F-4922-91E5-A7029736AED7}">
+      <dsp:nvSpPr>
+        <dsp:cNvPr id="0" name=""/>
+        <dsp:cNvSpPr/>
+      </dsp:nvSpPr>
+      <dsp:spPr>
+        <a:xfrm>
+          <a:off x="300" y="809609"/>
+          <a:ext cx="668877" cy="711662"/>
+        </a:xfrm>
+        <a:prstGeom prst="roundRect">
+          <a:avLst>
+            <a:gd name="adj" fmla="val 10000"/>
+          </a:avLst>
+        </a:prstGeom>
+        <a:solidFill>
+          <a:schemeClr val="accent1">
+            <a:hueOff val="0"/>
+            <a:satOff val="0"/>
+            <a:lumOff val="0"/>
+            <a:alphaOff val="0"/>
+          </a:schemeClr>
+        </a:solidFill>
+        <a:ln w="25400" cap="flat" cmpd="sng" algn="ctr">
+          <a:solidFill>
+            <a:schemeClr val="lt1">
+              <a:hueOff val="0"/>
+              <a:satOff val="0"/>
+              <a:lumOff val="0"/>
+              <a:alphaOff val="0"/>
+            </a:schemeClr>
+          </a:solidFill>
+          <a:prstDash val="solid"/>
+        </a:ln>
+        <a:effectLst/>
+      </dsp:spPr>
+      <dsp:style>
+        <a:lnRef idx="2">
+          <a:scrgbClr r="0" g="0" b="0"/>
+        </a:lnRef>
+        <a:fillRef idx="1">
+          <a:scrgbClr r="0" g="0" b="0"/>
+        </a:fillRef>
+        <a:effectRef idx="0">
+          <a:scrgbClr r="0" g="0" b="0"/>
+        </a:effectRef>
+        <a:fontRef idx="minor">
+          <a:schemeClr val="lt1"/>
+        </a:fontRef>
+      </dsp:style>
+      <dsp:txBody>
+        <a:bodyPr spcFirstLastPara="0" vert="horz" wrap="square" lIns="53340" tIns="53340" rIns="53340" bIns="53340" numCol="1" spcCol="1270" anchor="ctr" anchorCtr="0">
+          <a:noAutofit/>
+        </a:bodyPr>
+        <a:lstStyle/>
+        <a:p>
+          <a:pPr lvl="0" algn="ctr" defTabSz="622300">
+            <a:lnSpc>
+              <a:spcPct val="90000"/>
+            </a:lnSpc>
+            <a:spcBef>
+              <a:spcPct val="0"/>
+            </a:spcBef>
+            <a:spcAft>
+              <a:spcPct val="35000"/>
+            </a:spcAft>
+          </a:pPr>
+          <a:r>
+            <a:rPr lang="en-GB" sz="1400" kern="1200" dirty="0" smtClean="0"/>
+            <a:t>PE “Core”</a:t>
+          </a:r>
+          <a:endParaRPr lang="lv-LV" sz="1400" kern="1200" dirty="0"/>
+        </a:p>
+      </dsp:txBody>
+      <dsp:txXfrm>
+        <a:off x="19891" y="829200"/>
+        <a:ext cx="629695" cy="672480"/>
+      </dsp:txXfrm>
+    </dsp:sp>
+    <dsp:sp modelId="{D34F9321-E05C-4D6C-8997-E71D65DD6A0E}">
+      <dsp:nvSpPr>
+        <dsp:cNvPr id="0" name=""/>
+        <dsp:cNvSpPr/>
+      </dsp:nvSpPr>
+      <dsp:spPr>
+        <a:xfrm>
+          <a:off x="541" y="778"/>
+          <a:ext cx="668877" cy="711662"/>
+        </a:xfrm>
+        <a:prstGeom prst="flowChartOffpageConnector">
+          <a:avLst/>
+        </a:prstGeom>
+        <a:solidFill>
+          <a:schemeClr val="accent1">
+            <a:hueOff val="0"/>
+            <a:satOff val="0"/>
+            <a:lumOff val="0"/>
+            <a:alphaOff val="0"/>
+          </a:schemeClr>
+        </a:solidFill>
+        <a:ln w="25400" cap="flat" cmpd="sng" algn="ctr">
+          <a:solidFill>
+            <a:schemeClr val="lt1">
+              <a:hueOff val="0"/>
+              <a:satOff val="0"/>
+              <a:lumOff val="0"/>
+              <a:alphaOff val="0"/>
+            </a:schemeClr>
+          </a:solidFill>
+          <a:prstDash val="solid"/>
+        </a:ln>
+        <a:effectLst/>
+      </dsp:spPr>
+      <dsp:style>
+        <a:lnRef idx="2">
+          <a:scrgbClr r="0" g="0" b="0"/>
+        </a:lnRef>
+        <a:fillRef idx="1">
+          <a:scrgbClr r="0" g="0" b="0"/>
+        </a:fillRef>
+        <a:effectRef idx="0">
+          <a:scrgbClr r="0" g="0" b="0"/>
+        </a:effectRef>
+        <a:fontRef idx="minor">
+          <a:schemeClr val="lt1"/>
+        </a:fontRef>
+      </dsp:style>
+      <dsp:txBody>
+        <a:bodyPr spcFirstLastPara="0" vert="horz" wrap="square" lIns="53340" tIns="53340" rIns="53340" bIns="53340" numCol="1" spcCol="1270" anchor="ctr" anchorCtr="0">
+          <a:noAutofit/>
+        </a:bodyPr>
+        <a:lstStyle/>
+        <a:p>
+          <a:pPr lvl="0" algn="ctr" defTabSz="622300">
+            <a:lnSpc>
+              <a:spcPct val="90000"/>
+            </a:lnSpc>
+            <a:spcBef>
+              <a:spcPct val="0"/>
+            </a:spcBef>
+            <a:spcAft>
+              <a:spcPct val="35000"/>
+            </a:spcAft>
+          </a:pPr>
+          <a:r>
+            <a:rPr lang="en-GB" sz="1400" kern="1200" dirty="0" smtClean="0"/>
+            <a:t>Task</a:t>
+          </a:r>
+          <a:endParaRPr lang="lv-LV" sz="1400" kern="1200" dirty="0"/>
+        </a:p>
+      </dsp:txBody>
+      <dsp:txXfrm>
+        <a:off x="541" y="778"/>
+        <a:ext cx="668877" cy="569330"/>
+      </dsp:txXfrm>
+    </dsp:sp>
+    <dsp:sp modelId="{ECB945CC-E646-44C9-8AF2-80EB45062F28}">
+      <dsp:nvSpPr>
+        <dsp:cNvPr id="0" name=""/>
+        <dsp:cNvSpPr/>
+      </dsp:nvSpPr>
+      <dsp:spPr>
+        <a:xfrm>
+          <a:off x="697270" y="809609"/>
+          <a:ext cx="668877" cy="711662"/>
+        </a:xfrm>
+        <a:prstGeom prst="roundRect">
+          <a:avLst>
+            <a:gd name="adj" fmla="val 10000"/>
+          </a:avLst>
+        </a:prstGeom>
+        <a:solidFill>
+          <a:schemeClr val="accent1">
+            <a:hueOff val="0"/>
+            <a:satOff val="0"/>
+            <a:lumOff val="0"/>
+            <a:alphaOff val="0"/>
+          </a:schemeClr>
+        </a:solidFill>
+        <a:ln w="25400" cap="flat" cmpd="sng" algn="ctr">
+          <a:solidFill>
+            <a:schemeClr val="lt1">
+              <a:hueOff val="0"/>
+              <a:satOff val="0"/>
+              <a:lumOff val="0"/>
+              <a:alphaOff val="0"/>
+            </a:schemeClr>
+          </a:solidFill>
+          <a:prstDash val="solid"/>
+        </a:ln>
+        <a:effectLst/>
+      </dsp:spPr>
+      <dsp:style>
+        <a:lnRef idx="2">
+          <a:scrgbClr r="0" g="0" b="0"/>
+        </a:lnRef>
+        <a:fillRef idx="1">
+          <a:scrgbClr r="0" g="0" b="0"/>
+        </a:fillRef>
+        <a:effectRef idx="0">
+          <a:scrgbClr r="0" g="0" b="0"/>
+        </a:effectRef>
+        <a:fontRef idx="minor">
+          <a:schemeClr val="lt1"/>
+        </a:fontRef>
+      </dsp:style>
+      <dsp:txBody>
+        <a:bodyPr spcFirstLastPara="0" vert="horz" wrap="square" lIns="53340" tIns="53340" rIns="53340" bIns="53340" numCol="1" spcCol="1270" anchor="ctr" anchorCtr="0">
+          <a:noAutofit/>
+        </a:bodyPr>
+        <a:lstStyle/>
+        <a:p>
+          <a:pPr lvl="0" algn="ctr" defTabSz="622300">
+            <a:lnSpc>
+              <a:spcPct val="90000"/>
+            </a:lnSpc>
+            <a:spcBef>
+              <a:spcPct val="0"/>
+            </a:spcBef>
+            <a:spcAft>
+              <a:spcPct val="35000"/>
+            </a:spcAft>
+          </a:pPr>
+          <a:r>
+            <a:rPr lang="en-GB" sz="1400" kern="1200" dirty="0" smtClean="0"/>
+            <a:t>PE “Core”</a:t>
+          </a:r>
+          <a:endParaRPr lang="lv-LV" sz="1400" kern="1200" dirty="0"/>
+        </a:p>
+      </dsp:txBody>
+      <dsp:txXfrm>
+        <a:off x="716861" y="829200"/>
+        <a:ext cx="629695" cy="672480"/>
+      </dsp:txXfrm>
+    </dsp:sp>
+    <dsp:sp modelId="{711A6885-259C-40EC-AC09-17EDF2A83AF9}">
+      <dsp:nvSpPr>
+        <dsp:cNvPr id="0" name=""/>
+        <dsp:cNvSpPr/>
+      </dsp:nvSpPr>
+      <dsp:spPr>
+        <a:xfrm>
+          <a:off x="697511" y="778"/>
+          <a:ext cx="668877" cy="711662"/>
+        </a:xfrm>
+        <a:prstGeom prst="flowChartOffpageConnector">
+          <a:avLst/>
+        </a:prstGeom>
+        <a:solidFill>
+          <a:schemeClr val="accent1">
+            <a:hueOff val="0"/>
+            <a:satOff val="0"/>
+            <a:lumOff val="0"/>
+            <a:alphaOff val="0"/>
+          </a:schemeClr>
+        </a:solidFill>
+        <a:ln w="25400" cap="flat" cmpd="sng" algn="ctr">
+          <a:solidFill>
+            <a:schemeClr val="lt1">
+              <a:hueOff val="0"/>
+              <a:satOff val="0"/>
+              <a:lumOff val="0"/>
+              <a:alphaOff val="0"/>
+            </a:schemeClr>
+          </a:solidFill>
+          <a:prstDash val="solid"/>
+        </a:ln>
+        <a:effectLst/>
+      </dsp:spPr>
+      <dsp:style>
+        <a:lnRef idx="2">
+          <a:scrgbClr r="0" g="0" b="0"/>
+        </a:lnRef>
+        <a:fillRef idx="1">
+          <a:scrgbClr r="0" g="0" b="0"/>
+        </a:fillRef>
+        <a:effectRef idx="0">
+          <a:scrgbClr r="0" g="0" b="0"/>
+        </a:effectRef>
+        <a:fontRef idx="minor">
+          <a:schemeClr val="lt1"/>
+        </a:fontRef>
+      </dsp:style>
+      <dsp:txBody>
+        <a:bodyPr spcFirstLastPara="0" vert="horz" wrap="square" lIns="53340" tIns="53340" rIns="53340" bIns="53340" numCol="1" spcCol="1270" anchor="ctr" anchorCtr="0">
+          <a:noAutofit/>
+        </a:bodyPr>
+        <a:lstStyle/>
+        <a:p>
+          <a:pPr lvl="0" algn="ctr" defTabSz="622300">
+            <a:lnSpc>
+              <a:spcPct val="90000"/>
+            </a:lnSpc>
+            <a:spcBef>
+              <a:spcPct val="0"/>
+            </a:spcBef>
+            <a:spcAft>
+              <a:spcPct val="35000"/>
+            </a:spcAft>
+          </a:pPr>
+          <a:r>
+            <a:rPr lang="en-GB" sz="1400" kern="1200" dirty="0" smtClean="0"/>
+            <a:t>Task</a:t>
+          </a:r>
+          <a:endParaRPr lang="lv-LV" sz="1400" kern="1200" dirty="0"/>
+        </a:p>
+      </dsp:txBody>
+      <dsp:txXfrm>
+        <a:off x="697511" y="778"/>
+        <a:ext cx="668877" cy="569330"/>
+      </dsp:txXfrm>
+    </dsp:sp>
+    <dsp:sp modelId="{E5E16191-18A9-4DD1-96C1-9E2E931E8179}">
+      <dsp:nvSpPr>
+        <dsp:cNvPr id="0" name=""/>
+        <dsp:cNvSpPr/>
+      </dsp:nvSpPr>
+      <dsp:spPr>
+        <a:xfrm>
+          <a:off x="1394241" y="809609"/>
+          <a:ext cx="668877" cy="711662"/>
+        </a:xfrm>
+        <a:prstGeom prst="roundRect">
+          <a:avLst>
+            <a:gd name="adj" fmla="val 10000"/>
+          </a:avLst>
+        </a:prstGeom>
+        <a:solidFill>
+          <a:schemeClr val="accent1">
+            <a:hueOff val="0"/>
+            <a:satOff val="0"/>
+            <a:lumOff val="0"/>
+            <a:alphaOff val="0"/>
+          </a:schemeClr>
+        </a:solidFill>
+        <a:ln w="25400" cap="flat" cmpd="sng" algn="ctr">
+          <a:solidFill>
+            <a:schemeClr val="lt1">
+              <a:hueOff val="0"/>
+              <a:satOff val="0"/>
+              <a:lumOff val="0"/>
+              <a:alphaOff val="0"/>
+            </a:schemeClr>
+          </a:solidFill>
+          <a:prstDash val="solid"/>
+        </a:ln>
+        <a:effectLst/>
+      </dsp:spPr>
+      <dsp:style>
+        <a:lnRef idx="2">
+          <a:scrgbClr r="0" g="0" b="0"/>
+        </a:lnRef>
+        <a:fillRef idx="1">
+          <a:scrgbClr r="0" g="0" b="0"/>
+        </a:fillRef>
+        <a:effectRef idx="0">
+          <a:scrgbClr r="0" g="0" b="0"/>
+        </a:effectRef>
+        <a:fontRef idx="minor">
+          <a:schemeClr val="lt1"/>
+        </a:fontRef>
+      </dsp:style>
+      <dsp:txBody>
+        <a:bodyPr spcFirstLastPara="0" vert="horz" wrap="square" lIns="53340" tIns="53340" rIns="53340" bIns="53340" numCol="1" spcCol="1270" anchor="ctr" anchorCtr="0">
+          <a:noAutofit/>
+        </a:bodyPr>
+        <a:lstStyle/>
+        <a:p>
+          <a:pPr lvl="0" algn="ctr" defTabSz="622300">
+            <a:lnSpc>
+              <a:spcPct val="90000"/>
+            </a:lnSpc>
+            <a:spcBef>
+              <a:spcPct val="0"/>
+            </a:spcBef>
+            <a:spcAft>
+              <a:spcPct val="35000"/>
+            </a:spcAft>
+          </a:pPr>
+          <a:r>
+            <a:rPr lang="en-GB" sz="1400" kern="1200" dirty="0" smtClean="0"/>
+            <a:t>PE “Core”</a:t>
+          </a:r>
+          <a:endParaRPr lang="lv-LV" sz="1400" kern="1200" dirty="0"/>
+        </a:p>
+      </dsp:txBody>
+      <dsp:txXfrm>
+        <a:off x="1413832" y="829200"/>
+        <a:ext cx="629695" cy="672480"/>
+      </dsp:txXfrm>
+    </dsp:sp>
+    <dsp:sp modelId="{B346889B-897C-4850-8A67-B970F7028392}">
+      <dsp:nvSpPr>
+        <dsp:cNvPr id="0" name=""/>
+        <dsp:cNvSpPr/>
+      </dsp:nvSpPr>
+      <dsp:spPr>
+        <a:xfrm>
+          <a:off x="1394482" y="778"/>
+          <a:ext cx="668877" cy="711662"/>
+        </a:xfrm>
+        <a:prstGeom prst="flowChartOffpageConnector">
+          <a:avLst/>
+        </a:prstGeom>
+        <a:solidFill>
+          <a:schemeClr val="accent1">
+            <a:hueOff val="0"/>
+            <a:satOff val="0"/>
+            <a:lumOff val="0"/>
+            <a:alphaOff val="0"/>
+          </a:schemeClr>
+        </a:solidFill>
+        <a:ln w="25400" cap="flat" cmpd="sng" algn="ctr">
+          <a:solidFill>
+            <a:schemeClr val="lt1">
+              <a:hueOff val="0"/>
+              <a:satOff val="0"/>
+              <a:lumOff val="0"/>
+              <a:alphaOff val="0"/>
+            </a:schemeClr>
+          </a:solidFill>
+          <a:prstDash val="solid"/>
+        </a:ln>
+        <a:effectLst/>
+      </dsp:spPr>
+      <dsp:style>
+        <a:lnRef idx="2">
+          <a:scrgbClr r="0" g="0" b="0"/>
+        </a:lnRef>
+        <a:fillRef idx="1">
+          <a:scrgbClr r="0" g="0" b="0"/>
+        </a:fillRef>
+        <a:effectRef idx="0">
+          <a:scrgbClr r="0" g="0" b="0"/>
+        </a:effectRef>
+        <a:fontRef idx="minor">
+          <a:schemeClr val="lt1"/>
+        </a:fontRef>
+      </dsp:style>
+      <dsp:txBody>
+        <a:bodyPr spcFirstLastPara="0" vert="horz" wrap="square" lIns="53340" tIns="53340" rIns="53340" bIns="53340" numCol="1" spcCol="1270" anchor="ctr" anchorCtr="0">
+          <a:noAutofit/>
+        </a:bodyPr>
+        <a:lstStyle/>
+        <a:p>
+          <a:pPr lvl="0" algn="ctr" defTabSz="622300">
+            <a:lnSpc>
+              <a:spcPct val="90000"/>
+            </a:lnSpc>
+            <a:spcBef>
+              <a:spcPct val="0"/>
+            </a:spcBef>
+            <a:spcAft>
+              <a:spcPct val="35000"/>
+            </a:spcAft>
+          </a:pPr>
+          <a:r>
+            <a:rPr lang="en-GB" sz="1400" kern="1200" smtClean="0"/>
+            <a:t>Task</a:t>
+          </a:r>
+          <a:endParaRPr lang="lv-LV" sz="1400" kern="1200" dirty="0"/>
+        </a:p>
+      </dsp:txBody>
+      <dsp:txXfrm>
+        <a:off x="1394482" y="778"/>
+        <a:ext cx="668877" cy="569330"/>
+      </dsp:txXfrm>
+    </dsp:sp>
+    <dsp:sp modelId="{D1813C29-80A8-4F27-B5C9-A358707E514D}">
+      <dsp:nvSpPr>
+        <dsp:cNvPr id="0" name=""/>
+        <dsp:cNvSpPr/>
+      </dsp:nvSpPr>
+      <dsp:spPr>
+        <a:xfrm>
+          <a:off x="2091212" y="809609"/>
+          <a:ext cx="668877" cy="711662"/>
+        </a:xfrm>
+        <a:prstGeom prst="roundRect">
+          <a:avLst>
+            <a:gd name="adj" fmla="val 10000"/>
+          </a:avLst>
+        </a:prstGeom>
+        <a:solidFill>
+          <a:schemeClr val="accent1">
+            <a:hueOff val="0"/>
+            <a:satOff val="0"/>
+            <a:lumOff val="0"/>
+            <a:alphaOff val="0"/>
+          </a:schemeClr>
+        </a:solidFill>
+        <a:ln w="25400" cap="flat" cmpd="sng" algn="ctr">
+          <a:solidFill>
+            <a:schemeClr val="lt1">
+              <a:hueOff val="0"/>
+              <a:satOff val="0"/>
+              <a:lumOff val="0"/>
+              <a:alphaOff val="0"/>
+            </a:schemeClr>
+          </a:solidFill>
+          <a:prstDash val="solid"/>
+        </a:ln>
+        <a:effectLst/>
+      </dsp:spPr>
+      <dsp:style>
+        <a:lnRef idx="2">
+          <a:scrgbClr r="0" g="0" b="0"/>
+        </a:lnRef>
+        <a:fillRef idx="1">
+          <a:scrgbClr r="0" g="0" b="0"/>
+        </a:fillRef>
+        <a:effectRef idx="0">
+          <a:scrgbClr r="0" g="0" b="0"/>
+        </a:effectRef>
+        <a:fontRef idx="minor">
+          <a:schemeClr val="lt1"/>
+        </a:fontRef>
+      </dsp:style>
+      <dsp:txBody>
+        <a:bodyPr spcFirstLastPara="0" vert="horz" wrap="square" lIns="53340" tIns="53340" rIns="53340" bIns="53340" numCol="1" spcCol="1270" anchor="ctr" anchorCtr="0">
+          <a:noAutofit/>
+        </a:bodyPr>
+        <a:lstStyle/>
+        <a:p>
+          <a:pPr lvl="0" algn="ctr" defTabSz="622300">
+            <a:lnSpc>
+              <a:spcPct val="90000"/>
+            </a:lnSpc>
+            <a:spcBef>
+              <a:spcPct val="0"/>
+            </a:spcBef>
+            <a:spcAft>
+              <a:spcPct val="35000"/>
+            </a:spcAft>
+          </a:pPr>
+          <a:r>
+            <a:rPr lang="en-GB" sz="1400" kern="1200" dirty="0" smtClean="0"/>
+            <a:t>PE “Core”</a:t>
+          </a:r>
+          <a:endParaRPr lang="lv-LV" sz="1400" kern="1200" dirty="0"/>
+        </a:p>
+      </dsp:txBody>
+      <dsp:txXfrm>
+        <a:off x="2110803" y="829200"/>
+        <a:ext cx="629695" cy="672480"/>
+      </dsp:txXfrm>
+    </dsp:sp>
+    <dsp:sp modelId="{F6DFA980-6191-4028-8822-D30DBF108D7D}">
+      <dsp:nvSpPr>
+        <dsp:cNvPr id="0" name=""/>
+        <dsp:cNvSpPr/>
+      </dsp:nvSpPr>
+      <dsp:spPr>
+        <a:xfrm>
+          <a:off x="2091452" y="778"/>
+          <a:ext cx="668877" cy="711662"/>
+        </a:xfrm>
+        <a:prstGeom prst="flowChartOffpageConnector">
+          <a:avLst/>
+        </a:prstGeom>
+        <a:solidFill>
+          <a:schemeClr val="accent1">
+            <a:hueOff val="0"/>
+            <a:satOff val="0"/>
+            <a:lumOff val="0"/>
+            <a:alphaOff val="0"/>
+          </a:schemeClr>
+        </a:solidFill>
+        <a:ln w="25400" cap="flat" cmpd="sng" algn="ctr">
+          <a:solidFill>
+            <a:schemeClr val="lt1">
+              <a:hueOff val="0"/>
+              <a:satOff val="0"/>
+              <a:lumOff val="0"/>
+              <a:alphaOff val="0"/>
+            </a:schemeClr>
+          </a:solidFill>
+          <a:prstDash val="solid"/>
+        </a:ln>
+        <a:effectLst/>
+      </dsp:spPr>
+      <dsp:style>
+        <a:lnRef idx="2">
+          <a:scrgbClr r="0" g="0" b="0"/>
+        </a:lnRef>
+        <a:fillRef idx="1">
+          <a:scrgbClr r="0" g="0" b="0"/>
+        </a:fillRef>
+        <a:effectRef idx="0">
+          <a:scrgbClr r="0" g="0" b="0"/>
+        </a:effectRef>
+        <a:fontRef idx="minor">
+          <a:schemeClr val="lt1"/>
+        </a:fontRef>
+      </dsp:style>
+      <dsp:txBody>
+        <a:bodyPr spcFirstLastPara="0" vert="horz" wrap="square" lIns="53340" tIns="53340" rIns="53340" bIns="53340" numCol="1" spcCol="1270" anchor="ctr" anchorCtr="0">
+          <a:noAutofit/>
+        </a:bodyPr>
+        <a:lstStyle/>
+        <a:p>
+          <a:pPr lvl="0" algn="ctr" defTabSz="622300">
+            <a:lnSpc>
+              <a:spcPct val="90000"/>
+            </a:lnSpc>
+            <a:spcBef>
+              <a:spcPct val="0"/>
+            </a:spcBef>
+            <a:spcAft>
+              <a:spcPct val="35000"/>
+            </a:spcAft>
+          </a:pPr>
+          <a:r>
+            <a:rPr lang="en-GB" sz="1400" kern="1200" smtClean="0"/>
+            <a:t>Task</a:t>
+          </a:r>
+          <a:endParaRPr lang="lv-LV" sz="1400" kern="1200" dirty="0"/>
+        </a:p>
+      </dsp:txBody>
+      <dsp:txXfrm>
+        <a:off x="2091452" y="778"/>
+        <a:ext cx="668877" cy="569330"/>
+      </dsp:txXfrm>
+    </dsp:sp>
+    <dsp:sp modelId="{F89E0054-9EE3-4F18-A21B-54BBD1257618}">
+      <dsp:nvSpPr>
+        <dsp:cNvPr id="0" name=""/>
+        <dsp:cNvSpPr/>
+      </dsp:nvSpPr>
+      <dsp:spPr>
+        <a:xfrm>
+          <a:off x="2788423" y="810082"/>
+          <a:ext cx="668877" cy="711662"/>
+        </a:xfrm>
+        <a:prstGeom prst="roundRect">
+          <a:avLst>
+            <a:gd name="adj" fmla="val 10000"/>
+          </a:avLst>
+        </a:prstGeom>
+        <a:solidFill>
+          <a:schemeClr val="accent1">
+            <a:hueOff val="0"/>
+            <a:satOff val="0"/>
+            <a:lumOff val="0"/>
+            <a:alphaOff val="0"/>
+          </a:schemeClr>
+        </a:solidFill>
+        <a:ln w="25400" cap="flat" cmpd="sng" algn="ctr">
+          <a:solidFill>
+            <a:schemeClr val="lt1">
+              <a:hueOff val="0"/>
+              <a:satOff val="0"/>
+              <a:lumOff val="0"/>
+              <a:alphaOff val="0"/>
+            </a:schemeClr>
+          </a:solidFill>
+          <a:prstDash val="solid"/>
+        </a:ln>
+        <a:effectLst/>
+      </dsp:spPr>
+      <dsp:style>
+        <a:lnRef idx="2">
+          <a:scrgbClr r="0" g="0" b="0"/>
+        </a:lnRef>
+        <a:fillRef idx="1">
+          <a:scrgbClr r="0" g="0" b="0"/>
+        </a:fillRef>
+        <a:effectRef idx="0">
+          <a:scrgbClr r="0" g="0" b="0"/>
+        </a:effectRef>
+        <a:fontRef idx="minor">
+          <a:schemeClr val="lt1"/>
+        </a:fontRef>
+      </dsp:style>
+      <dsp:txBody>
+        <a:bodyPr spcFirstLastPara="0" vert="horz" wrap="square" lIns="53340" tIns="53340" rIns="53340" bIns="53340" numCol="1" spcCol="1270" anchor="ctr" anchorCtr="0">
+          <a:noAutofit/>
+        </a:bodyPr>
+        <a:lstStyle/>
+        <a:p>
+          <a:pPr lvl="0" algn="ctr" defTabSz="622300">
+            <a:lnSpc>
+              <a:spcPct val="90000"/>
+            </a:lnSpc>
+            <a:spcBef>
+              <a:spcPct val="0"/>
+            </a:spcBef>
+            <a:spcAft>
+              <a:spcPct val="35000"/>
+            </a:spcAft>
+          </a:pPr>
+          <a:r>
+            <a:rPr lang="en-GB" sz="1400" kern="1200" dirty="0" smtClean="0"/>
+            <a:t>…</a:t>
+          </a:r>
+          <a:endParaRPr lang="lv-LV" sz="1400" kern="1200" dirty="0"/>
+        </a:p>
+      </dsp:txBody>
+      <dsp:txXfrm>
+        <a:off x="2808014" y="829673"/>
+        <a:ext cx="629695" cy="672480"/>
+      </dsp:txXfrm>
+    </dsp:sp>
+    <dsp:sp modelId="{813524EB-7DFB-4791-A4BB-9FC2ACD2681F}">
+      <dsp:nvSpPr>
+        <dsp:cNvPr id="0" name=""/>
+        <dsp:cNvSpPr/>
+      </dsp:nvSpPr>
+      <dsp:spPr>
+        <a:xfrm>
+          <a:off x="2788423" y="778"/>
+          <a:ext cx="668877" cy="711662"/>
+        </a:xfrm>
+        <a:prstGeom prst="flowChartOffpageConnector">
+          <a:avLst/>
+        </a:prstGeom>
+        <a:solidFill>
+          <a:schemeClr val="accent1">
+            <a:hueOff val="0"/>
+            <a:satOff val="0"/>
+            <a:lumOff val="0"/>
+            <a:alphaOff val="0"/>
+          </a:schemeClr>
+        </a:solidFill>
+        <a:ln w="25400" cap="flat" cmpd="sng" algn="ctr">
+          <a:solidFill>
+            <a:schemeClr val="lt1">
+              <a:hueOff val="0"/>
+              <a:satOff val="0"/>
+              <a:lumOff val="0"/>
+              <a:alphaOff val="0"/>
+            </a:schemeClr>
+          </a:solidFill>
+          <a:prstDash val="solid"/>
+        </a:ln>
+        <a:effectLst/>
+      </dsp:spPr>
+      <dsp:style>
+        <a:lnRef idx="2">
+          <a:scrgbClr r="0" g="0" b="0"/>
+        </a:lnRef>
+        <a:fillRef idx="1">
+          <a:scrgbClr r="0" g="0" b="0"/>
+        </a:fillRef>
+        <a:effectRef idx="0">
+          <a:scrgbClr r="0" g="0" b="0"/>
+        </a:effectRef>
+        <a:fontRef idx="minor">
+          <a:schemeClr val="lt1"/>
+        </a:fontRef>
+      </dsp:style>
+      <dsp:txBody>
+        <a:bodyPr spcFirstLastPara="0" vert="horz" wrap="square" lIns="53340" tIns="53340" rIns="53340" bIns="53340" numCol="1" spcCol="1270" anchor="ctr" anchorCtr="0">
+          <a:noAutofit/>
+        </a:bodyPr>
+        <a:lstStyle/>
+        <a:p>
+          <a:pPr lvl="0" algn="ctr" defTabSz="622300">
+            <a:lnSpc>
+              <a:spcPct val="90000"/>
+            </a:lnSpc>
+            <a:spcBef>
+              <a:spcPct val="0"/>
+            </a:spcBef>
+            <a:spcAft>
+              <a:spcPct val="35000"/>
+            </a:spcAft>
+          </a:pPr>
+          <a:r>
+            <a:rPr lang="en-GB" sz="1400" kern="1200" dirty="0" smtClean="0"/>
+            <a:t>…</a:t>
+          </a:r>
+          <a:endParaRPr lang="lv-LV" sz="1400" kern="1200" dirty="0"/>
+        </a:p>
+      </dsp:txBody>
+      <dsp:txXfrm>
+        <a:off x="2788423" y="778"/>
+        <a:ext cx="668877" cy="569330"/>
+      </dsp:txXfrm>
+    </dsp:sp>
+    <dsp:sp modelId="{EFF9B8B5-4553-433B-9691-2B0EC3DEE077}">
+      <dsp:nvSpPr>
+        <dsp:cNvPr id="0" name=""/>
+        <dsp:cNvSpPr/>
+      </dsp:nvSpPr>
+      <dsp:spPr>
+        <a:xfrm>
+          <a:off x="3513487" y="1619387"/>
+          <a:ext cx="3456760" cy="711662"/>
+        </a:xfrm>
+        <a:prstGeom prst="roundRect">
+          <a:avLst>
+            <a:gd name="adj" fmla="val 10000"/>
+          </a:avLst>
+        </a:prstGeom>
+        <a:solidFill>
+          <a:schemeClr val="accent1">
+            <a:hueOff val="0"/>
+            <a:satOff val="0"/>
+            <a:lumOff val="0"/>
+            <a:alphaOff val="0"/>
+          </a:schemeClr>
+        </a:solidFill>
+        <a:ln w="25400" cap="flat" cmpd="sng" algn="ctr">
+          <a:solidFill>
+            <a:schemeClr val="lt1">
+              <a:hueOff val="0"/>
+              <a:satOff val="0"/>
+              <a:lumOff val="0"/>
+              <a:alphaOff val="0"/>
+            </a:schemeClr>
+          </a:solidFill>
+          <a:prstDash val="solid"/>
+        </a:ln>
+        <a:effectLst/>
+      </dsp:spPr>
+      <dsp:style>
+        <a:lnRef idx="2">
+          <a:scrgbClr r="0" g="0" b="0"/>
+        </a:lnRef>
+        <a:fillRef idx="1">
+          <a:scrgbClr r="0" g="0" b="0"/>
+        </a:fillRef>
+        <a:effectRef idx="0">
+          <a:scrgbClr r="0" g="0" b="0"/>
+        </a:effectRef>
+        <a:fontRef idx="minor">
+          <a:schemeClr val="lt1"/>
+        </a:fontRef>
+      </dsp:style>
+      <dsp:txBody>
+        <a:bodyPr spcFirstLastPara="0" vert="horz" wrap="square" lIns="118110" tIns="118110" rIns="118110" bIns="118110" numCol="1" spcCol="1270" anchor="ctr" anchorCtr="0">
+          <a:noAutofit/>
+        </a:bodyPr>
+        <a:lstStyle/>
+        <a:p>
+          <a:pPr lvl="0" algn="ctr" defTabSz="1377950">
+            <a:lnSpc>
+              <a:spcPct val="90000"/>
+            </a:lnSpc>
+            <a:spcBef>
+              <a:spcPct val="0"/>
+            </a:spcBef>
+            <a:spcAft>
+              <a:spcPct val="35000"/>
+            </a:spcAft>
+          </a:pPr>
+          <a:r>
+            <a:rPr lang="en-GB" sz="3100" kern="1200" dirty="0" smtClean="0"/>
+            <a:t>Compute unit</a:t>
+          </a:r>
+          <a:endParaRPr lang="lv-LV" sz="3100" kern="1200" dirty="0"/>
+        </a:p>
+      </dsp:txBody>
+      <dsp:txXfrm>
+        <a:off x="3534331" y="1640231"/>
+        <a:ext cx="3415072" cy="669974"/>
+      </dsp:txXfrm>
+    </dsp:sp>
+    <dsp:sp modelId="{FECE9988-646B-4824-B695-1CFD0148B5D3}">
+      <dsp:nvSpPr>
+        <dsp:cNvPr id="0" name=""/>
+        <dsp:cNvSpPr/>
+      </dsp:nvSpPr>
+      <dsp:spPr>
+        <a:xfrm>
+          <a:off x="3513246" y="809609"/>
+          <a:ext cx="668877" cy="711662"/>
+        </a:xfrm>
+        <a:prstGeom prst="roundRect">
+          <a:avLst>
+            <a:gd name="adj" fmla="val 10000"/>
+          </a:avLst>
+        </a:prstGeom>
+        <a:solidFill>
+          <a:schemeClr val="accent1">
+            <a:hueOff val="0"/>
+            <a:satOff val="0"/>
+            <a:lumOff val="0"/>
+            <a:alphaOff val="0"/>
+          </a:schemeClr>
+        </a:solidFill>
+        <a:ln w="25400" cap="flat" cmpd="sng" algn="ctr">
+          <a:solidFill>
+            <a:schemeClr val="lt1">
+              <a:hueOff val="0"/>
+              <a:satOff val="0"/>
+              <a:lumOff val="0"/>
+              <a:alphaOff val="0"/>
+            </a:schemeClr>
+          </a:solidFill>
+          <a:prstDash val="solid"/>
+        </a:ln>
+        <a:effectLst/>
+      </dsp:spPr>
+      <dsp:style>
+        <a:lnRef idx="2">
+          <a:scrgbClr r="0" g="0" b="0"/>
+        </a:lnRef>
+        <a:fillRef idx="1">
+          <a:scrgbClr r="0" g="0" b="0"/>
+        </a:fillRef>
+        <a:effectRef idx="0">
+          <a:scrgbClr r="0" g="0" b="0"/>
+        </a:effectRef>
+        <a:fontRef idx="minor">
+          <a:schemeClr val="lt1"/>
+        </a:fontRef>
+      </dsp:style>
+      <dsp:txBody>
+        <a:bodyPr spcFirstLastPara="0" vert="horz" wrap="square" lIns="53340" tIns="53340" rIns="53340" bIns="53340" numCol="1" spcCol="1270" anchor="ctr" anchorCtr="0">
+          <a:noAutofit/>
+        </a:bodyPr>
+        <a:lstStyle/>
+        <a:p>
+          <a:pPr lvl="0" algn="ctr" defTabSz="622300">
+            <a:lnSpc>
+              <a:spcPct val="90000"/>
+            </a:lnSpc>
+            <a:spcBef>
+              <a:spcPct val="0"/>
+            </a:spcBef>
+            <a:spcAft>
+              <a:spcPct val="35000"/>
+            </a:spcAft>
+          </a:pPr>
+          <a:r>
+            <a:rPr lang="en-GB" sz="1400" kern="1200" dirty="0" smtClean="0"/>
+            <a:t>PE “Core”</a:t>
+          </a:r>
+          <a:endParaRPr lang="lv-LV" sz="1400" kern="1200" dirty="0"/>
+        </a:p>
+      </dsp:txBody>
+      <dsp:txXfrm>
+        <a:off x="3532837" y="829200"/>
+        <a:ext cx="629695" cy="672480"/>
+      </dsp:txXfrm>
+    </dsp:sp>
+    <dsp:sp modelId="{0BA582AB-B19C-4084-87C0-79271C14F25F}">
+      <dsp:nvSpPr>
+        <dsp:cNvPr id="0" name=""/>
+        <dsp:cNvSpPr/>
+      </dsp:nvSpPr>
+      <dsp:spPr>
+        <a:xfrm>
+          <a:off x="3513487" y="778"/>
+          <a:ext cx="668877" cy="711662"/>
+        </a:xfrm>
+        <a:prstGeom prst="flowChartOffpageConnector">
+          <a:avLst/>
+        </a:prstGeom>
+        <a:solidFill>
+          <a:schemeClr val="accent1">
+            <a:hueOff val="0"/>
+            <a:satOff val="0"/>
+            <a:lumOff val="0"/>
+            <a:alphaOff val="0"/>
+          </a:schemeClr>
+        </a:solidFill>
+        <a:ln w="25400" cap="flat" cmpd="sng" algn="ctr">
+          <a:solidFill>
+            <a:schemeClr val="lt1">
+              <a:hueOff val="0"/>
+              <a:satOff val="0"/>
+              <a:lumOff val="0"/>
+              <a:alphaOff val="0"/>
+            </a:schemeClr>
+          </a:solidFill>
+          <a:prstDash val="solid"/>
+        </a:ln>
+        <a:effectLst/>
+      </dsp:spPr>
+      <dsp:style>
+        <a:lnRef idx="2">
+          <a:scrgbClr r="0" g="0" b="0"/>
+        </a:lnRef>
+        <a:fillRef idx="1">
+          <a:scrgbClr r="0" g="0" b="0"/>
+        </a:fillRef>
+        <a:effectRef idx="0">
+          <a:scrgbClr r="0" g="0" b="0"/>
+        </a:effectRef>
+        <a:fontRef idx="minor">
+          <a:schemeClr val="lt1"/>
+        </a:fontRef>
+      </dsp:style>
+      <dsp:txBody>
+        <a:bodyPr spcFirstLastPara="0" vert="horz" wrap="square" lIns="53340" tIns="53340" rIns="53340" bIns="53340" numCol="1" spcCol="1270" anchor="ctr" anchorCtr="0">
+          <a:noAutofit/>
+        </a:bodyPr>
+        <a:lstStyle/>
+        <a:p>
+          <a:pPr lvl="0" algn="ctr" defTabSz="622300">
+            <a:lnSpc>
+              <a:spcPct val="90000"/>
+            </a:lnSpc>
+            <a:spcBef>
+              <a:spcPct val="0"/>
+            </a:spcBef>
+            <a:spcAft>
+              <a:spcPct val="35000"/>
+            </a:spcAft>
+          </a:pPr>
+          <a:r>
+            <a:rPr lang="en-GB" sz="1400" kern="1200" dirty="0" smtClean="0"/>
+            <a:t>Task</a:t>
+          </a:r>
+          <a:endParaRPr lang="lv-LV" sz="1400" kern="1200" dirty="0"/>
+        </a:p>
+      </dsp:txBody>
+      <dsp:txXfrm>
+        <a:off x="3513487" y="778"/>
+        <a:ext cx="668877" cy="569330"/>
+      </dsp:txXfrm>
+    </dsp:sp>
+    <dsp:sp modelId="{0A89EB91-EF61-405E-99D0-732ADA877D79}">
+      <dsp:nvSpPr>
+        <dsp:cNvPr id="0" name=""/>
+        <dsp:cNvSpPr/>
+      </dsp:nvSpPr>
+      <dsp:spPr>
+        <a:xfrm>
+          <a:off x="4210216" y="809609"/>
+          <a:ext cx="668877" cy="711662"/>
+        </a:xfrm>
+        <a:prstGeom prst="roundRect">
+          <a:avLst>
+            <a:gd name="adj" fmla="val 10000"/>
+          </a:avLst>
+        </a:prstGeom>
+        <a:solidFill>
+          <a:schemeClr val="accent1">
+            <a:hueOff val="0"/>
+            <a:satOff val="0"/>
+            <a:lumOff val="0"/>
+            <a:alphaOff val="0"/>
+          </a:schemeClr>
+        </a:solidFill>
+        <a:ln w="25400" cap="flat" cmpd="sng" algn="ctr">
+          <a:solidFill>
+            <a:schemeClr val="lt1">
+              <a:hueOff val="0"/>
+              <a:satOff val="0"/>
+              <a:lumOff val="0"/>
+              <a:alphaOff val="0"/>
+            </a:schemeClr>
+          </a:solidFill>
+          <a:prstDash val="solid"/>
+        </a:ln>
+        <a:effectLst/>
+      </dsp:spPr>
+      <dsp:style>
+        <a:lnRef idx="2">
+          <a:scrgbClr r="0" g="0" b="0"/>
+        </a:lnRef>
+        <a:fillRef idx="1">
+          <a:scrgbClr r="0" g="0" b="0"/>
+        </a:fillRef>
+        <a:effectRef idx="0">
+          <a:scrgbClr r="0" g="0" b="0"/>
+        </a:effectRef>
+        <a:fontRef idx="minor">
+          <a:schemeClr val="lt1"/>
+        </a:fontRef>
+      </dsp:style>
+      <dsp:txBody>
+        <a:bodyPr spcFirstLastPara="0" vert="horz" wrap="square" lIns="53340" tIns="53340" rIns="53340" bIns="53340" numCol="1" spcCol="1270" anchor="ctr" anchorCtr="0">
+          <a:noAutofit/>
+        </a:bodyPr>
+        <a:lstStyle/>
+        <a:p>
+          <a:pPr lvl="0" algn="ctr" defTabSz="622300">
+            <a:lnSpc>
+              <a:spcPct val="90000"/>
+            </a:lnSpc>
+            <a:spcBef>
+              <a:spcPct val="0"/>
+            </a:spcBef>
+            <a:spcAft>
+              <a:spcPct val="35000"/>
+            </a:spcAft>
+          </a:pPr>
+          <a:r>
+            <a:rPr lang="en-GB" sz="1400" kern="1200" dirty="0" smtClean="0"/>
+            <a:t>PE “Core”</a:t>
+          </a:r>
+          <a:endParaRPr lang="lv-LV" sz="1400" kern="1200" dirty="0"/>
+        </a:p>
+      </dsp:txBody>
+      <dsp:txXfrm>
+        <a:off x="4229807" y="829200"/>
+        <a:ext cx="629695" cy="672480"/>
+      </dsp:txXfrm>
+    </dsp:sp>
+    <dsp:sp modelId="{2C16BB24-AE4F-4AA2-99E7-30610E504ED2}">
+      <dsp:nvSpPr>
+        <dsp:cNvPr id="0" name=""/>
+        <dsp:cNvSpPr/>
+      </dsp:nvSpPr>
+      <dsp:spPr>
+        <a:xfrm>
+          <a:off x="4210457" y="778"/>
+          <a:ext cx="668877" cy="711662"/>
+        </a:xfrm>
+        <a:prstGeom prst="flowChartOffpageConnector">
+          <a:avLst/>
+        </a:prstGeom>
+        <a:solidFill>
+          <a:schemeClr val="accent1">
+            <a:hueOff val="0"/>
+            <a:satOff val="0"/>
+            <a:lumOff val="0"/>
+            <a:alphaOff val="0"/>
+          </a:schemeClr>
+        </a:solidFill>
+        <a:ln w="25400" cap="flat" cmpd="sng" algn="ctr">
+          <a:solidFill>
+            <a:schemeClr val="lt1">
+              <a:hueOff val="0"/>
+              <a:satOff val="0"/>
+              <a:lumOff val="0"/>
+              <a:alphaOff val="0"/>
+            </a:schemeClr>
+          </a:solidFill>
+          <a:prstDash val="solid"/>
+        </a:ln>
+        <a:effectLst/>
+      </dsp:spPr>
+      <dsp:style>
+        <a:lnRef idx="2">
+          <a:scrgbClr r="0" g="0" b="0"/>
+        </a:lnRef>
+        <a:fillRef idx="1">
+          <a:scrgbClr r="0" g="0" b="0"/>
+        </a:fillRef>
+        <a:effectRef idx="0">
+          <a:scrgbClr r="0" g="0" b="0"/>
+        </a:effectRef>
+        <a:fontRef idx="minor">
+          <a:schemeClr val="lt1"/>
+        </a:fontRef>
+      </dsp:style>
+      <dsp:txBody>
+        <a:bodyPr spcFirstLastPara="0" vert="horz" wrap="square" lIns="53340" tIns="53340" rIns="53340" bIns="53340" numCol="1" spcCol="1270" anchor="ctr" anchorCtr="0">
+          <a:noAutofit/>
+        </a:bodyPr>
+        <a:lstStyle/>
+        <a:p>
+          <a:pPr lvl="0" algn="ctr" defTabSz="622300">
+            <a:lnSpc>
+              <a:spcPct val="90000"/>
+            </a:lnSpc>
+            <a:spcBef>
+              <a:spcPct val="0"/>
+            </a:spcBef>
+            <a:spcAft>
+              <a:spcPct val="35000"/>
+            </a:spcAft>
+          </a:pPr>
+          <a:r>
+            <a:rPr lang="en-GB" sz="1400" kern="1200" dirty="0" smtClean="0"/>
+            <a:t>Task</a:t>
+          </a:r>
+          <a:endParaRPr lang="lv-LV" sz="1400" kern="1200" dirty="0"/>
+        </a:p>
+      </dsp:txBody>
+      <dsp:txXfrm>
+        <a:off x="4210457" y="778"/>
+        <a:ext cx="668877" cy="569330"/>
+      </dsp:txXfrm>
+    </dsp:sp>
+    <dsp:sp modelId="{0E2361F5-C08F-482C-9318-ACE43BD40691}">
+      <dsp:nvSpPr>
+        <dsp:cNvPr id="0" name=""/>
+        <dsp:cNvSpPr/>
+      </dsp:nvSpPr>
+      <dsp:spPr>
+        <a:xfrm>
+          <a:off x="4907187" y="809609"/>
+          <a:ext cx="668877" cy="711662"/>
+        </a:xfrm>
+        <a:prstGeom prst="roundRect">
+          <a:avLst>
+            <a:gd name="adj" fmla="val 10000"/>
+          </a:avLst>
+        </a:prstGeom>
+        <a:solidFill>
+          <a:schemeClr val="accent1">
+            <a:hueOff val="0"/>
+            <a:satOff val="0"/>
+            <a:lumOff val="0"/>
+            <a:alphaOff val="0"/>
+          </a:schemeClr>
+        </a:solidFill>
+        <a:ln w="25400" cap="flat" cmpd="sng" algn="ctr">
+          <a:solidFill>
+            <a:schemeClr val="lt1">
+              <a:hueOff val="0"/>
+              <a:satOff val="0"/>
+              <a:lumOff val="0"/>
+              <a:alphaOff val="0"/>
+            </a:schemeClr>
+          </a:solidFill>
+          <a:prstDash val="solid"/>
+        </a:ln>
+        <a:effectLst/>
+      </dsp:spPr>
+      <dsp:style>
+        <a:lnRef idx="2">
+          <a:scrgbClr r="0" g="0" b="0"/>
+        </a:lnRef>
+        <a:fillRef idx="1">
+          <a:scrgbClr r="0" g="0" b="0"/>
+        </a:fillRef>
+        <a:effectRef idx="0">
+          <a:scrgbClr r="0" g="0" b="0"/>
+        </a:effectRef>
+        <a:fontRef idx="minor">
+          <a:schemeClr val="lt1"/>
+        </a:fontRef>
+      </dsp:style>
+      <dsp:txBody>
+        <a:bodyPr spcFirstLastPara="0" vert="horz" wrap="square" lIns="53340" tIns="53340" rIns="53340" bIns="53340" numCol="1" spcCol="1270" anchor="ctr" anchorCtr="0">
+          <a:noAutofit/>
+        </a:bodyPr>
+        <a:lstStyle/>
+        <a:p>
+          <a:pPr lvl="0" algn="ctr" defTabSz="622300">
+            <a:lnSpc>
+              <a:spcPct val="90000"/>
+            </a:lnSpc>
+            <a:spcBef>
+              <a:spcPct val="0"/>
+            </a:spcBef>
+            <a:spcAft>
+              <a:spcPct val="35000"/>
+            </a:spcAft>
+          </a:pPr>
+          <a:r>
+            <a:rPr lang="en-GB" sz="1400" kern="1200" dirty="0" smtClean="0"/>
+            <a:t>PE “Core”</a:t>
+          </a:r>
+          <a:endParaRPr lang="lv-LV" sz="1400" kern="1200" dirty="0"/>
+        </a:p>
+      </dsp:txBody>
+      <dsp:txXfrm>
+        <a:off x="4926778" y="829200"/>
+        <a:ext cx="629695" cy="672480"/>
+      </dsp:txXfrm>
+    </dsp:sp>
+    <dsp:sp modelId="{9618C31A-E27D-42B0-A2E1-EEC38F5D4C28}">
+      <dsp:nvSpPr>
+        <dsp:cNvPr id="0" name=""/>
+        <dsp:cNvSpPr/>
+      </dsp:nvSpPr>
+      <dsp:spPr>
+        <a:xfrm>
+          <a:off x="4907428" y="778"/>
+          <a:ext cx="668877" cy="711662"/>
+        </a:xfrm>
+        <a:prstGeom prst="flowChartOffpageConnector">
+          <a:avLst/>
+        </a:prstGeom>
+        <a:solidFill>
+          <a:schemeClr val="accent1">
+            <a:hueOff val="0"/>
+            <a:satOff val="0"/>
+            <a:lumOff val="0"/>
+            <a:alphaOff val="0"/>
+          </a:schemeClr>
+        </a:solidFill>
+        <a:ln w="25400" cap="flat" cmpd="sng" algn="ctr">
+          <a:solidFill>
+            <a:schemeClr val="lt1">
+              <a:hueOff val="0"/>
+              <a:satOff val="0"/>
+              <a:lumOff val="0"/>
+              <a:alphaOff val="0"/>
+            </a:schemeClr>
+          </a:solidFill>
+          <a:prstDash val="solid"/>
+        </a:ln>
+        <a:effectLst/>
+      </dsp:spPr>
+      <dsp:style>
+        <a:lnRef idx="2">
+          <a:scrgbClr r="0" g="0" b="0"/>
+        </a:lnRef>
+        <a:fillRef idx="1">
+          <a:scrgbClr r="0" g="0" b="0"/>
+        </a:fillRef>
+        <a:effectRef idx="0">
+          <a:scrgbClr r="0" g="0" b="0"/>
+        </a:effectRef>
+        <a:fontRef idx="minor">
+          <a:schemeClr val="lt1"/>
+        </a:fontRef>
+      </dsp:style>
+      <dsp:txBody>
+        <a:bodyPr spcFirstLastPara="0" vert="horz" wrap="square" lIns="53340" tIns="53340" rIns="53340" bIns="53340" numCol="1" spcCol="1270" anchor="ctr" anchorCtr="0">
+          <a:noAutofit/>
+        </a:bodyPr>
+        <a:lstStyle/>
+        <a:p>
+          <a:pPr lvl="0" algn="ctr" defTabSz="622300">
+            <a:lnSpc>
+              <a:spcPct val="90000"/>
+            </a:lnSpc>
+            <a:spcBef>
+              <a:spcPct val="0"/>
+            </a:spcBef>
+            <a:spcAft>
+              <a:spcPct val="35000"/>
+            </a:spcAft>
+          </a:pPr>
+          <a:r>
+            <a:rPr lang="en-GB" sz="1400" kern="1200" dirty="0" smtClean="0"/>
+            <a:t>Task</a:t>
+          </a:r>
+          <a:endParaRPr lang="lv-LV" sz="1400" kern="1200" dirty="0"/>
+        </a:p>
+      </dsp:txBody>
+      <dsp:txXfrm>
+        <a:off x="4907428" y="778"/>
+        <a:ext cx="668877" cy="569330"/>
+      </dsp:txXfrm>
+    </dsp:sp>
+    <dsp:sp modelId="{F4408782-5710-4D8D-898D-805F1023BBFC}">
+      <dsp:nvSpPr>
+        <dsp:cNvPr id="0" name=""/>
+        <dsp:cNvSpPr/>
+      </dsp:nvSpPr>
+      <dsp:spPr>
+        <a:xfrm>
+          <a:off x="5604158" y="809609"/>
+          <a:ext cx="668877" cy="711662"/>
+        </a:xfrm>
+        <a:prstGeom prst="roundRect">
+          <a:avLst>
+            <a:gd name="adj" fmla="val 10000"/>
+          </a:avLst>
+        </a:prstGeom>
+        <a:solidFill>
+          <a:schemeClr val="accent1">
+            <a:hueOff val="0"/>
+            <a:satOff val="0"/>
+            <a:lumOff val="0"/>
+            <a:alphaOff val="0"/>
+          </a:schemeClr>
+        </a:solidFill>
+        <a:ln w="25400" cap="flat" cmpd="sng" algn="ctr">
+          <a:solidFill>
+            <a:schemeClr val="lt1">
+              <a:hueOff val="0"/>
+              <a:satOff val="0"/>
+              <a:lumOff val="0"/>
+              <a:alphaOff val="0"/>
+            </a:schemeClr>
+          </a:solidFill>
+          <a:prstDash val="solid"/>
+        </a:ln>
+        <a:effectLst/>
+      </dsp:spPr>
+      <dsp:style>
+        <a:lnRef idx="2">
+          <a:scrgbClr r="0" g="0" b="0"/>
+        </a:lnRef>
+        <a:fillRef idx="1">
+          <a:scrgbClr r="0" g="0" b="0"/>
+        </a:fillRef>
+        <a:effectRef idx="0">
+          <a:scrgbClr r="0" g="0" b="0"/>
+        </a:effectRef>
+        <a:fontRef idx="minor">
+          <a:schemeClr val="lt1"/>
+        </a:fontRef>
+      </dsp:style>
+      <dsp:txBody>
+        <a:bodyPr spcFirstLastPara="0" vert="horz" wrap="square" lIns="53340" tIns="53340" rIns="53340" bIns="53340" numCol="1" spcCol="1270" anchor="ctr" anchorCtr="0">
+          <a:noAutofit/>
+        </a:bodyPr>
+        <a:lstStyle/>
+        <a:p>
+          <a:pPr lvl="0" algn="ctr" defTabSz="622300">
+            <a:lnSpc>
+              <a:spcPct val="90000"/>
+            </a:lnSpc>
+            <a:spcBef>
+              <a:spcPct val="0"/>
+            </a:spcBef>
+            <a:spcAft>
+              <a:spcPct val="35000"/>
+            </a:spcAft>
+          </a:pPr>
+          <a:r>
+            <a:rPr lang="en-GB" sz="1400" kern="1200" dirty="0" smtClean="0"/>
+            <a:t>PE “Core”</a:t>
+          </a:r>
+          <a:endParaRPr lang="lv-LV" sz="1400" kern="1200" dirty="0"/>
+        </a:p>
+      </dsp:txBody>
+      <dsp:txXfrm>
+        <a:off x="5623749" y="829200"/>
+        <a:ext cx="629695" cy="672480"/>
+      </dsp:txXfrm>
+    </dsp:sp>
+    <dsp:sp modelId="{2F02E625-6014-4E93-A6C1-AF7FDAA75108}">
+      <dsp:nvSpPr>
+        <dsp:cNvPr id="0" name=""/>
+        <dsp:cNvSpPr/>
+      </dsp:nvSpPr>
+      <dsp:spPr>
+        <a:xfrm>
+          <a:off x="5604399" y="778"/>
+          <a:ext cx="668877" cy="711662"/>
+        </a:xfrm>
+        <a:prstGeom prst="flowChartOffpageConnector">
+          <a:avLst/>
+        </a:prstGeom>
+        <a:solidFill>
+          <a:schemeClr val="accent1">
+            <a:hueOff val="0"/>
+            <a:satOff val="0"/>
+            <a:lumOff val="0"/>
+            <a:alphaOff val="0"/>
+          </a:schemeClr>
+        </a:solidFill>
+        <a:ln w="25400" cap="flat" cmpd="sng" algn="ctr">
+          <a:solidFill>
+            <a:schemeClr val="lt1">
+              <a:hueOff val="0"/>
+              <a:satOff val="0"/>
+              <a:lumOff val="0"/>
+              <a:alphaOff val="0"/>
+            </a:schemeClr>
+          </a:solidFill>
+          <a:prstDash val="solid"/>
+        </a:ln>
+        <a:effectLst/>
+      </dsp:spPr>
+      <dsp:style>
+        <a:lnRef idx="2">
+          <a:scrgbClr r="0" g="0" b="0"/>
+        </a:lnRef>
+        <a:fillRef idx="1">
+          <a:scrgbClr r="0" g="0" b="0"/>
+        </a:fillRef>
+        <a:effectRef idx="0">
+          <a:scrgbClr r="0" g="0" b="0"/>
+        </a:effectRef>
+        <a:fontRef idx="minor">
+          <a:schemeClr val="lt1"/>
+        </a:fontRef>
+      </dsp:style>
+      <dsp:txBody>
+        <a:bodyPr spcFirstLastPara="0" vert="horz" wrap="square" lIns="53340" tIns="53340" rIns="53340" bIns="53340" numCol="1" spcCol="1270" anchor="ctr" anchorCtr="0">
+          <a:noAutofit/>
+        </a:bodyPr>
+        <a:lstStyle/>
+        <a:p>
+          <a:pPr lvl="0" algn="ctr" defTabSz="622300">
+            <a:lnSpc>
+              <a:spcPct val="90000"/>
+            </a:lnSpc>
+            <a:spcBef>
+              <a:spcPct val="0"/>
+            </a:spcBef>
+            <a:spcAft>
+              <a:spcPct val="35000"/>
+            </a:spcAft>
+          </a:pPr>
+          <a:r>
+            <a:rPr lang="en-GB" sz="1400" kern="1200" smtClean="0"/>
+            <a:t>Task</a:t>
+          </a:r>
+          <a:endParaRPr lang="lv-LV" sz="1400" kern="1200" dirty="0"/>
+        </a:p>
+      </dsp:txBody>
+      <dsp:txXfrm>
+        <a:off x="5604399" y="778"/>
+        <a:ext cx="668877" cy="569330"/>
+      </dsp:txXfrm>
+    </dsp:sp>
+    <dsp:sp modelId="{BC510668-3EF3-4B39-BC11-0CEBF603F35F}">
+      <dsp:nvSpPr>
+        <dsp:cNvPr id="0" name=""/>
+        <dsp:cNvSpPr/>
+      </dsp:nvSpPr>
+      <dsp:spPr>
+        <a:xfrm>
+          <a:off x="6301369" y="810082"/>
+          <a:ext cx="668877" cy="711662"/>
+        </a:xfrm>
+        <a:prstGeom prst="roundRect">
+          <a:avLst>
+            <a:gd name="adj" fmla="val 10000"/>
+          </a:avLst>
+        </a:prstGeom>
+        <a:solidFill>
+          <a:schemeClr val="accent1">
+            <a:hueOff val="0"/>
+            <a:satOff val="0"/>
+            <a:lumOff val="0"/>
+            <a:alphaOff val="0"/>
+          </a:schemeClr>
+        </a:solidFill>
+        <a:ln w="25400" cap="flat" cmpd="sng" algn="ctr">
+          <a:solidFill>
+            <a:schemeClr val="lt1">
+              <a:hueOff val="0"/>
+              <a:satOff val="0"/>
+              <a:lumOff val="0"/>
+              <a:alphaOff val="0"/>
+            </a:schemeClr>
+          </a:solidFill>
+          <a:prstDash val="solid"/>
+        </a:ln>
+        <a:effectLst/>
+      </dsp:spPr>
+      <dsp:style>
+        <a:lnRef idx="2">
+          <a:scrgbClr r="0" g="0" b="0"/>
+        </a:lnRef>
+        <a:fillRef idx="1">
+          <a:scrgbClr r="0" g="0" b="0"/>
+        </a:fillRef>
+        <a:effectRef idx="0">
+          <a:scrgbClr r="0" g="0" b="0"/>
+        </a:effectRef>
+        <a:fontRef idx="minor">
+          <a:schemeClr val="lt1"/>
+        </a:fontRef>
+      </dsp:style>
+      <dsp:txBody>
+        <a:bodyPr spcFirstLastPara="0" vert="horz" wrap="square" lIns="53340" tIns="53340" rIns="53340" bIns="53340" numCol="1" spcCol="1270" anchor="ctr" anchorCtr="0">
+          <a:noAutofit/>
+        </a:bodyPr>
+        <a:lstStyle/>
+        <a:p>
+          <a:pPr lvl="0" algn="ctr" defTabSz="622300">
+            <a:lnSpc>
+              <a:spcPct val="90000"/>
+            </a:lnSpc>
+            <a:spcBef>
+              <a:spcPct val="0"/>
+            </a:spcBef>
+            <a:spcAft>
+              <a:spcPct val="35000"/>
+            </a:spcAft>
+          </a:pPr>
+          <a:r>
+            <a:rPr lang="en-GB" sz="1400" kern="1200" dirty="0" smtClean="0"/>
+            <a:t>…</a:t>
+          </a:r>
+          <a:endParaRPr lang="lv-LV" sz="1400" kern="1200" dirty="0"/>
+        </a:p>
+      </dsp:txBody>
+      <dsp:txXfrm>
+        <a:off x="6320960" y="829673"/>
+        <a:ext cx="629695" cy="672480"/>
+      </dsp:txXfrm>
+    </dsp:sp>
+    <dsp:sp modelId="{B4274971-6243-4878-9949-B6DB441E62A3}">
+      <dsp:nvSpPr>
+        <dsp:cNvPr id="0" name=""/>
+        <dsp:cNvSpPr/>
+      </dsp:nvSpPr>
+      <dsp:spPr>
+        <a:xfrm>
+          <a:off x="6301369" y="778"/>
+          <a:ext cx="668877" cy="711662"/>
+        </a:xfrm>
+        <a:prstGeom prst="flowChartOffpageConnector">
+          <a:avLst/>
+        </a:prstGeom>
+        <a:solidFill>
+          <a:schemeClr val="accent1">
+            <a:hueOff val="0"/>
+            <a:satOff val="0"/>
+            <a:lumOff val="0"/>
+            <a:alphaOff val="0"/>
+          </a:schemeClr>
+        </a:solidFill>
+        <a:ln w="25400" cap="flat" cmpd="sng" algn="ctr">
+          <a:solidFill>
+            <a:schemeClr val="lt1">
+              <a:hueOff val="0"/>
+              <a:satOff val="0"/>
+              <a:lumOff val="0"/>
+              <a:alphaOff val="0"/>
+            </a:schemeClr>
+          </a:solidFill>
+          <a:prstDash val="solid"/>
+        </a:ln>
+        <a:effectLst/>
+      </dsp:spPr>
+      <dsp:style>
+        <a:lnRef idx="2">
+          <a:scrgbClr r="0" g="0" b="0"/>
+        </a:lnRef>
+        <a:fillRef idx="1">
+          <a:scrgbClr r="0" g="0" b="0"/>
+        </a:fillRef>
+        <a:effectRef idx="0">
+          <a:scrgbClr r="0" g="0" b="0"/>
+        </a:effectRef>
+        <a:fontRef idx="minor">
+          <a:schemeClr val="lt1"/>
+        </a:fontRef>
+      </dsp:style>
+      <dsp:txBody>
+        <a:bodyPr spcFirstLastPara="0" vert="horz" wrap="square" lIns="53340" tIns="53340" rIns="53340" bIns="53340" numCol="1" spcCol="1270" anchor="ctr" anchorCtr="0">
+          <a:noAutofit/>
+        </a:bodyPr>
+        <a:lstStyle/>
+        <a:p>
+          <a:pPr lvl="0" algn="ctr" defTabSz="622300">
+            <a:lnSpc>
+              <a:spcPct val="90000"/>
+            </a:lnSpc>
+            <a:spcBef>
+              <a:spcPct val="0"/>
+            </a:spcBef>
+            <a:spcAft>
+              <a:spcPct val="35000"/>
+            </a:spcAft>
+          </a:pPr>
+          <a:r>
+            <a:rPr lang="en-GB" sz="1400" kern="1200" dirty="0" smtClean="0"/>
+            <a:t>…</a:t>
+          </a:r>
+          <a:endParaRPr lang="lv-LV" sz="1400" kern="1200" dirty="0"/>
+        </a:p>
+      </dsp:txBody>
+      <dsp:txXfrm>
+        <a:off x="6301369" y="778"/>
+        <a:ext cx="668877" cy="569330"/>
+      </dsp:txXfrm>
+    </dsp:sp>
+    <dsp:sp modelId="{BBCE1C62-DB27-454A-9CEF-688E33CF3052}">
+      <dsp:nvSpPr>
+        <dsp:cNvPr id="0" name=""/>
+        <dsp:cNvSpPr/>
+      </dsp:nvSpPr>
+      <dsp:spPr>
+        <a:xfrm>
+          <a:off x="7026433" y="1619387"/>
+          <a:ext cx="668877" cy="711662"/>
+        </a:xfrm>
+        <a:prstGeom prst="roundRect">
+          <a:avLst>
+            <a:gd name="adj" fmla="val 10000"/>
+          </a:avLst>
+        </a:prstGeom>
+        <a:solidFill>
+          <a:schemeClr val="accent1">
+            <a:hueOff val="0"/>
+            <a:satOff val="0"/>
+            <a:lumOff val="0"/>
+            <a:alphaOff val="0"/>
+          </a:schemeClr>
+        </a:solidFill>
+        <a:ln w="25400" cap="flat" cmpd="sng" algn="ctr">
+          <a:solidFill>
+            <a:schemeClr val="lt1">
+              <a:hueOff val="0"/>
+              <a:satOff val="0"/>
+              <a:lumOff val="0"/>
+              <a:alphaOff val="0"/>
+            </a:schemeClr>
+          </a:solidFill>
+          <a:prstDash val="solid"/>
+        </a:ln>
+        <a:effectLst/>
+      </dsp:spPr>
+      <dsp:style>
+        <a:lnRef idx="2">
+          <a:scrgbClr r="0" g="0" b="0"/>
+        </a:lnRef>
+        <a:fillRef idx="1">
+          <a:scrgbClr r="0" g="0" b="0"/>
+        </a:fillRef>
+        <a:effectRef idx="0">
+          <a:scrgbClr r="0" g="0" b="0"/>
+        </a:effectRef>
+        <a:fontRef idx="minor">
+          <a:schemeClr val="lt1"/>
+        </a:fontRef>
+      </dsp:style>
+      <dsp:txBody>
+        <a:bodyPr spcFirstLastPara="0" vert="horz" wrap="square" lIns="118110" tIns="118110" rIns="118110" bIns="118110" numCol="1" spcCol="1270" anchor="ctr" anchorCtr="0">
+          <a:noAutofit/>
+        </a:bodyPr>
+        <a:lstStyle/>
+        <a:p>
+          <a:pPr lvl="0" algn="ctr" defTabSz="1377950">
+            <a:lnSpc>
+              <a:spcPct val="90000"/>
+            </a:lnSpc>
+            <a:spcBef>
+              <a:spcPct val="0"/>
+            </a:spcBef>
+            <a:spcAft>
+              <a:spcPct val="35000"/>
+            </a:spcAft>
+          </a:pPr>
+          <a:r>
+            <a:rPr lang="en-GB" sz="3100" kern="1200" dirty="0" smtClean="0"/>
+            <a:t>…</a:t>
+          </a:r>
+          <a:endParaRPr lang="lv-LV" sz="3100" kern="1200" dirty="0"/>
+        </a:p>
+      </dsp:txBody>
+      <dsp:txXfrm>
+        <a:off x="7046024" y="1638978"/>
+        <a:ext cx="629695" cy="672480"/>
+      </dsp:txXfrm>
+    </dsp:sp>
+    <dsp:sp modelId="{3234883F-A727-41EE-B4E1-599A81CFFA3D}">
+      <dsp:nvSpPr>
+        <dsp:cNvPr id="0" name=""/>
+        <dsp:cNvSpPr/>
+      </dsp:nvSpPr>
+      <dsp:spPr>
+        <a:xfrm>
+          <a:off x="7026433" y="810082"/>
+          <a:ext cx="668877" cy="711662"/>
+        </a:xfrm>
+        <a:prstGeom prst="roundRect">
+          <a:avLst>
+            <a:gd name="adj" fmla="val 10000"/>
+          </a:avLst>
+        </a:prstGeom>
+        <a:solidFill>
+          <a:schemeClr val="accent1">
+            <a:hueOff val="0"/>
+            <a:satOff val="0"/>
+            <a:lumOff val="0"/>
+            <a:alphaOff val="0"/>
+          </a:schemeClr>
+        </a:solidFill>
+        <a:ln w="25400" cap="flat" cmpd="sng" algn="ctr">
+          <a:solidFill>
+            <a:schemeClr val="lt1">
+              <a:hueOff val="0"/>
+              <a:satOff val="0"/>
+              <a:lumOff val="0"/>
+              <a:alphaOff val="0"/>
+            </a:schemeClr>
+          </a:solidFill>
+          <a:prstDash val="solid"/>
+        </a:ln>
+        <a:effectLst/>
+      </dsp:spPr>
+      <dsp:style>
+        <a:lnRef idx="2">
+          <a:scrgbClr r="0" g="0" b="0"/>
+        </a:lnRef>
+        <a:fillRef idx="1">
+          <a:scrgbClr r="0" g="0" b="0"/>
+        </a:fillRef>
+        <a:effectRef idx="0">
+          <a:scrgbClr r="0" g="0" b="0"/>
+        </a:effectRef>
+        <a:fontRef idx="minor">
+          <a:schemeClr val="lt1"/>
+        </a:fontRef>
+      </dsp:style>
+      <dsp:txBody>
+        <a:bodyPr spcFirstLastPara="0" vert="horz" wrap="square" lIns="53340" tIns="53340" rIns="53340" bIns="53340" numCol="1" spcCol="1270" anchor="ctr" anchorCtr="0">
+          <a:noAutofit/>
+        </a:bodyPr>
+        <a:lstStyle/>
+        <a:p>
+          <a:pPr lvl="0" algn="ctr" defTabSz="622300">
+            <a:lnSpc>
+              <a:spcPct val="90000"/>
+            </a:lnSpc>
+            <a:spcBef>
+              <a:spcPct val="0"/>
+            </a:spcBef>
+            <a:spcAft>
+              <a:spcPct val="35000"/>
+            </a:spcAft>
+          </a:pPr>
+          <a:r>
+            <a:rPr lang="en-GB" sz="1400" kern="1200" dirty="0" smtClean="0"/>
+            <a:t>…</a:t>
+          </a:r>
+          <a:endParaRPr lang="lv-LV" sz="1400" kern="1200" dirty="0"/>
+        </a:p>
+      </dsp:txBody>
+      <dsp:txXfrm>
+        <a:off x="7046024" y="829673"/>
+        <a:ext cx="629695" cy="672480"/>
+      </dsp:txXfrm>
+    </dsp:sp>
+    <dsp:sp modelId="{1507869D-D0A6-4C09-BDA5-1D1942D72EFD}">
+      <dsp:nvSpPr>
+        <dsp:cNvPr id="0" name=""/>
+        <dsp:cNvSpPr/>
+      </dsp:nvSpPr>
+      <dsp:spPr>
+        <a:xfrm>
+          <a:off x="7026433" y="778"/>
+          <a:ext cx="668877" cy="711662"/>
+        </a:xfrm>
+        <a:prstGeom prst="flowChartOffpageConnector">
+          <a:avLst/>
+        </a:prstGeom>
+        <a:solidFill>
+          <a:schemeClr val="accent1">
+            <a:hueOff val="0"/>
+            <a:satOff val="0"/>
+            <a:lumOff val="0"/>
+            <a:alphaOff val="0"/>
+          </a:schemeClr>
+        </a:solidFill>
+        <a:ln w="25400" cap="flat" cmpd="sng" algn="ctr">
+          <a:solidFill>
+            <a:schemeClr val="lt1">
+              <a:hueOff val="0"/>
+              <a:satOff val="0"/>
+              <a:lumOff val="0"/>
+              <a:alphaOff val="0"/>
+            </a:schemeClr>
+          </a:solidFill>
+          <a:prstDash val="solid"/>
+        </a:ln>
+        <a:effectLst/>
+      </dsp:spPr>
+      <dsp:style>
+        <a:lnRef idx="2">
+          <a:scrgbClr r="0" g="0" b="0"/>
+        </a:lnRef>
+        <a:fillRef idx="1">
+          <a:scrgbClr r="0" g="0" b="0"/>
+        </a:fillRef>
+        <a:effectRef idx="0">
+          <a:scrgbClr r="0" g="0" b="0"/>
+        </a:effectRef>
+        <a:fontRef idx="minor">
+          <a:schemeClr val="lt1"/>
+        </a:fontRef>
+      </dsp:style>
+      <dsp:txBody>
+        <a:bodyPr spcFirstLastPara="0" vert="horz" wrap="square" lIns="53340" tIns="53340" rIns="53340" bIns="53340" numCol="1" spcCol="1270" anchor="ctr" anchorCtr="0">
+          <a:noAutofit/>
+        </a:bodyPr>
+        <a:lstStyle/>
+        <a:p>
+          <a:pPr lvl="0" algn="ctr" defTabSz="622300">
+            <a:lnSpc>
+              <a:spcPct val="90000"/>
+            </a:lnSpc>
+            <a:spcBef>
+              <a:spcPct val="0"/>
+            </a:spcBef>
+            <a:spcAft>
+              <a:spcPct val="35000"/>
+            </a:spcAft>
+          </a:pPr>
+          <a:r>
+            <a:rPr lang="en-GB" sz="1400" kern="1200" dirty="0" smtClean="0"/>
+            <a:t>…</a:t>
+          </a:r>
+          <a:endParaRPr lang="lv-LV" sz="1400" kern="1200" dirty="0"/>
+        </a:p>
+      </dsp:txBody>
+      <dsp:txXfrm>
+        <a:off x="7026433" y="778"/>
+        <a:ext cx="668877" cy="569330"/>
+      </dsp:txXfrm>
+    </dsp:sp>
+  </dsp:spTree>
+</dsp:drawing>
+</file>
+
+<file path=ppt/diagrams/layout1.xml><?xml version="1.0" encoding="utf-8"?>
+<dgm:layoutDef xmlns:dgm="http://schemas.openxmlformats.org/drawingml/2006/diagram" xmlns:a="http://schemas.openxmlformats.org/drawingml/2006/main" uniqueId="urn:microsoft.com/office/officeart/2005/8/layout/architecture">
+  <dgm:title val="Architecture Layout"/>
+  <dgm:desc val="Use to show hierarchical relationships that build from the bottom up. This layout works well for showing architectural components or objects that build on other objects."/>
+  <dgm:catLst>
+    <dgm:cat type="hierarchy" pri="4500"/>
+    <dgm:cat type="list" pri="24500"/>
+    <dgm:cat type="relationship" pri="10500"/>
+    <dgm:cat type="officeonline" pri="7000"/>
+  </dgm:catLst>
+  <dgm:sampData>
+    <dgm:dataModel>
+      <dgm:ptLst>
+        <dgm:pt modelId="0" type="doc"/>
+        <dgm:pt modelId="1">
+          <dgm:prSet phldr="1"/>
+        </dgm:pt>
+        <dgm:pt modelId="2">
+          <dgm:prSet phldr="1"/>
+        </dgm:pt>
+        <dgm:pt modelId="21">
+          <dgm:prSet phldr="1"/>
+        </dgm:pt>
+        <dgm:pt modelId="22">
+          <dgm:prSet phldr="1"/>
+        </dgm:pt>
+        <dgm:pt modelId="3">
+          <dgm:prSet phldr="1"/>
+        </dgm:pt>
+        <dgm:pt modelId="31">
+          <dgm:prSet phldr="1"/>
+        </dgm:pt>
+      </dgm:ptLst>
+      <dgm:cxnLst>
+        <dgm:cxn modelId="4" srcId="0" destId="1" srcOrd="0" destOrd="0"/>
+        <dgm:cxn modelId="5" srcId="1" destId="2" srcOrd="0" destOrd="0"/>
+        <dgm:cxn modelId="6" srcId="1" destId="3" srcOrd="1" destOrd="0"/>
+        <dgm:cxn modelId="23" srcId="2" destId="21" srcOrd="0" destOrd="0"/>
+        <dgm:cxn modelId="24" srcId="2" destId="22" srcOrd="1" destOrd="0"/>
+        <dgm:cxn modelId="33" srcId="3" destId="31" srcOrd="0" destOrd="0"/>
+      </dgm:cxnLst>
+      <dgm:bg/>
+      <dgm:whole/>
+    </dgm:dataModel>
+  </dgm:sampData>
+  <dgm:styleData>
+    <dgm:dataModel>
+      <dgm:ptLst>
+        <dgm:pt modelId="0" type="doc"/>
+        <dgm:pt modelId="1"/>
+        <dgm:pt modelId="11"/>
+        <dgm:pt modelId="12"/>
+      </dgm:ptLst>
+      <dgm:cxnLst>
+        <dgm:cxn modelId="2" srcId="0" destId="1" srcOrd="0" destOrd="0"/>
+        <dgm:cxn modelId="13" srcId="1" destId="11" srcOrd="0" destOrd="0"/>
+        <dgm:cxn modelId="14" srcId="1" destId="12" srcOrd="1" destOrd="0"/>
+      </dgm:cxnLst>
+      <dgm:bg/>
+      <dgm:whole/>
+    </dgm:dataModel>
+  </dgm:styleData>
+  <dgm:clrData>
+    <dgm:dataModel>
+      <dgm:ptLst>
+        <dgm:pt modelId="0" type="doc"/>
+        <dgm:pt modelId="1"/>
+        <dgm:pt modelId="2"/>
+        <dgm:pt modelId="21"/>
+        <dgm:pt modelId="211"/>
+        <dgm:pt modelId="3"/>
+        <dgm:pt modelId="31"/>
+        <dgm:pt modelId="311"/>
+      </dgm:ptLst>
+      <dgm:cxnLst>
+        <dgm:cxn modelId="4" srcId="0" destId="1" srcOrd="0" destOrd="0"/>
+        <dgm:cxn modelId="5" srcId="1" destId="2" srcOrd="0" destOrd="0"/>
+        <dgm:cxn modelId="6" srcId="1" destId="3" srcOrd="1" destOrd="0"/>
+        <dgm:cxn modelId="23" srcId="2" destId="21" srcOrd="0" destOrd="0"/>
+        <dgm:cxn modelId="24" srcId="21" destId="211" srcOrd="0" destOrd="0"/>
+        <dgm:cxn modelId="33" srcId="3" destId="31" srcOrd="0" destOrd="0"/>
+        <dgm:cxn modelId="34" srcId="31" destId="311" srcOrd="0" destOrd="0"/>
+      </dgm:cxnLst>
+      <dgm:bg/>
+      <dgm:whole/>
+    </dgm:dataModel>
+  </dgm:clrData>
+  <dgm:layoutNode name="Name0">
+    <dgm:varLst>
+      <dgm:chPref val="1"/>
+      <dgm:dir/>
+      <dgm:animOne val="branch"/>
+      <dgm:animLvl val="lvl"/>
+      <dgm:resizeHandles/>
+    </dgm:varLst>
+    <dgm:choose name="Name1">
+      <dgm:if name="Name2" func="var" arg="dir" op="equ" val="norm">
+        <dgm:alg type="lin">
+          <dgm:param type="linDir" val="fromL"/>
+          <dgm:param type="nodeVertAlign" val="b"/>
+        </dgm:alg>
+      </dgm:if>
+      <dgm:else name="Name3">
+        <dgm:alg type="lin">
+          <dgm:param type="linDir" val="fromR"/>
+          <dgm:param type="nodeVertAlign" val="b"/>
+        </dgm:alg>
+      </dgm:else>
+    </dgm:choose>
+    <dgm:shape xmlns:r="http://schemas.openxmlformats.org/officeDocument/2006/relationships" r:blip="">
+      <dgm:adjLst/>
+    </dgm:shape>
+    <dgm:presOf/>
+    <dgm:constrLst>
+      <dgm:constr type="w" for="ch" forName="vertOne" refType="w"/>
+      <dgm:constr type="w" for="des" forName="horzOne" refType="w"/>
+      <dgm:constr type="w" for="des" forName="txOne" refType="w"/>
+      <dgm:constr type="w" for="des" forName="vertTwo" refType="w"/>
+      <dgm:constr type="w" for="des" forName="horzTwo" refType="w"/>
+      <dgm:constr type="w" for="des" forName="txTwo" refType="w"/>
+      <dgm:constr type="w" for="des" forName="vertThree" refType="w"/>
+      <dgm:constr type="w" for="des" forName="horzThree" refType="w"/>
+      <dgm:constr type="w" for="des" forName="txThree" refType="w"/>
+      <dgm:constr type="w" for="des" forName="vertFour" refType="w"/>
+      <dgm:constr type="w" for="des" forName="horzFour" refType="w"/>
+      <dgm:constr type="w" for="des" forName="txFour" refType="w"/>
+      <dgm:constr type="h" for="des" ptType="node" op="equ"/>
+      <dgm:constr type="h" for="des" forName="txOne" refType="h"/>
+      <dgm:constr type="userH" for="des" ptType="node" refType="h" refFor="des" refForName="txOne"/>
+      <dgm:constr type="primFontSz" for="des" forName="txOne" val="65"/>
+      <dgm:constr type="primFontSz" for="des" forName="txTwo" val="65"/>
+      <dgm:constr type="primFontSz" for="des" forName="txTwo" refType="primFontSz" refFor="des" refForName="txOne" op="lte"/>
+      <dgm:constr type="primFontSz" for="des" forName="txThree" val="65"/>
+      <dgm:constr type="primFontSz" for="des" forName="txThree" refType="primFontSz" refFor="des" refForName="txOne" op="lte"/>
+      <dgm:constr type="primFontSz" for="des" forName="txThree" refType="primFontSz" refFor="des" refForName="txTwo" op="lte"/>
+      <dgm:constr type="primFontSz" for="des" forName="txFour" val="65"/>
+      <dgm:constr type="primFontSz" for="des" forName="txFour" refType="primFontSz" refFor="des" refForName="txOne" op="lte"/>
+      <dgm:constr type="primFontSz" for="des" forName="txFour" refType="primFontSz" refFor="des" refForName="txTwo" op="lte"/>
+      <dgm:constr type="primFontSz" for="des" forName="txFour" refType="primFontSz" refFor="des" refForName="txThree" op="lte"/>
+      <dgm:constr type="w" for="des" forName="sibSpaceOne" refType="w" fact="0.168"/>
+      <dgm:constr type="w" for="des" forName="sibSpaceTwo" refType="w" refFor="des" refForName="sibSpaceOne" op="equ" fact="0.5"/>
+      <dgm:constr type="w" for="des" forName="sibSpaceThree" refType="w" refFor="des" refForName="sibSpaceTwo" op="equ" fact="0.5"/>
+      <dgm:constr type="w" for="des" forName="sibSpaceFour" refType="w" refFor="des" refForName="sibSpaceThree" op="equ" fact="0.5"/>
+      <dgm:constr type="h" for="des" forName="parTransOne" refType="w" fact="0.056"/>
+      <dgm:constr type="h" for="des" forName="parTransTwo" refType="h" refFor="des" refForName="parTransOne" op="equ"/>
+      <dgm:constr type="h" for="des" forName="parTransThree" refType="h" refFor="des" refForName="parTransTwo" op="equ"/>
+      <dgm:constr type="h" for="des" forName="parTransFour" refType="h" refFor="des" refForName="parTransThree" op="equ"/>
+    </dgm:constrLst>
+    <dgm:ruleLst/>
+    <dgm:forEach name="Name4" axis="ch" ptType="node">
+      <dgm:layoutNode name="vertOne">
+        <dgm:alg type="lin">
+          <dgm:param type="linDir" val="fromB"/>
+        </dgm:alg>
+        <dgm:shape xmlns:r="http://schemas.openxmlformats.org/officeDocument/2006/relationships" r:blip="">
+          <dgm:adjLst/>
+        </dgm:shape>
+        <dgm:presOf/>
+        <dgm:constrLst>
+          <dgm:constr type="w" for="ch" forName="txOne" refType="w" refFor="ch" refForName="horzOne" op="gte"/>
+        </dgm:constrLst>
+        <dgm:ruleLst/>
+        <dgm:layoutNode name="txOne" styleLbl="node0">
+          <dgm:varLst>
+            <dgm:chPref val="3"/>
+          </dgm:varLst>
+          <dgm:alg type="tx"/>
+          <dgm:shape xmlns:r="http://schemas.openxmlformats.org/officeDocument/2006/relationships" type="roundRect" r:blip="">
+            <dgm:adjLst>
+              <dgm:adj idx="1" val="0.1"/>
+            </dgm:adjLst>
+          </dgm:shape>
+          <dgm:presOf axis="self"/>
+          <dgm:constrLst>
+            <dgm:constr type="tMarg" refType="primFontSz" fact="0.3"/>
+            <dgm:constr type="bMarg" refType="primFontSz" fact="0.3"/>
+            <dgm:constr type="lMarg" refType="primFontSz" fact="0.3"/>
+            <dgm:constr type="rMarg" refType="primFontSz" fact="0.3"/>
+          </dgm:constrLst>
+          <dgm:ruleLst>
+            <dgm:rule type="primFontSz" val="5" fact="NaN" max="NaN"/>
+          </dgm:ruleLst>
+        </dgm:layoutNode>
+        <dgm:choose name="Name5">
+          <dgm:if name="Name6" axis="des" ptType="node" func="cnt" op="gt" val="0">
+            <dgm:layoutNode name="parTransOne">
+              <dgm:alg type="sp"/>
+              <dgm:shape xmlns:r="http://schemas.openxmlformats.org/officeDocument/2006/relationships" r:blip="">
+                <dgm:adjLst/>
+              </dgm:shape>
+              <dgm:presOf/>
+              <dgm:constrLst/>
+              <dgm:ruleLst/>
+            </dgm:layoutNode>
+          </dgm:if>
+          <dgm:else name="Name7"/>
+        </dgm:choose>
+        <dgm:layoutNode name="horzOne">
+          <dgm:choose name="Name8">
+            <dgm:if name="Name9" func="var" arg="dir" op="equ" val="norm">
+              <dgm:alg type="lin">
+                <dgm:param type="linDir" val="fromL"/>
+                <dgm:param type="nodeVertAlign" val="b"/>
+              </dgm:alg>
+            </dgm:if>
+            <dgm:else name="Name10">
+              <dgm:alg type="lin">
+                <dgm:param type="linDir" val="fromR"/>
+                <dgm:param type="nodeVertAlign" val="b"/>
+              </dgm:alg>
+            </dgm:else>
+          </dgm:choose>
+          <dgm:shape xmlns:r="http://schemas.openxmlformats.org/officeDocument/2006/relationships" r:blip="">
+            <dgm:adjLst/>
+          </dgm:shape>
+          <dgm:presOf/>
+          <dgm:constrLst/>
+          <dgm:ruleLst>
+            <dgm:rule type="w" val="INF" fact="NaN" max="NaN"/>
+          </dgm:ruleLst>
+          <dgm:forEach name="Name11" axis="ch" ptType="node">
+            <dgm:layoutNode name="vertTwo">
+              <dgm:alg type="lin">
+                <dgm:param type="linDir" val="fromB"/>
+              </dgm:alg>
+              <dgm:shape xmlns:r="http://schemas.openxmlformats.org/officeDocument/2006/relationships" r:blip="">
+                <dgm:adjLst/>
+              </dgm:shape>
+              <dgm:presOf/>
+              <dgm:constrLst>
+                <dgm:constr type="w" for="ch" forName="txTwo" refType="w" refFor="ch" refForName="horzTwo" op="gte"/>
+              </dgm:constrLst>
+              <dgm:ruleLst/>
+              <dgm:layoutNode name="txTwo">
+                <dgm:varLst>
+                  <dgm:chPref val="3"/>
+                </dgm:varLst>
+                <dgm:alg type="tx"/>
+                <dgm:shape xmlns:r="http://schemas.openxmlformats.org/officeDocument/2006/relationships" type="roundRect" r:blip="">
+                  <dgm:adjLst>
+                    <dgm:adj idx="1" val="0.1"/>
+                  </dgm:adjLst>
+                </dgm:shape>
+                <dgm:presOf axis="self"/>
+                <dgm:constrLst>
+                  <dgm:constr type="userH"/>
+                  <dgm:constr type="h" refType="userH"/>
+                  <dgm:constr type="tMarg" refType="primFontSz" fact="0.3"/>
+                  <dgm:constr type="bMarg" refType="primFontSz" fact="0.3"/>
+                  <dgm:constr type="lMarg" refType="primFontSz" fact="0.3"/>
+                  <dgm:constr type="rMarg" refType="primFontSz" fact="0.3"/>
+                </dgm:constrLst>
+                <dgm:ruleLst>
+                  <dgm:rule type="primFontSz" val="5" fact="NaN" max="NaN"/>
+                </dgm:ruleLst>
+              </dgm:layoutNode>
+              <dgm:choose name="Name12">
+                <dgm:if name="Name13" axis="des" ptType="node" func="cnt" op="gt" val="0">
+                  <dgm:layoutNode name="parTransTwo">
+                    <dgm:alg type="sp"/>
+                    <dgm:shape xmlns:r="http://schemas.openxmlformats.org/officeDocument/2006/relationships" r:blip="">
+                      <dgm:adjLst/>
+                    </dgm:shape>
+                    <dgm:presOf/>
+                    <dgm:constrLst/>
+                    <dgm:ruleLst/>
+                  </dgm:layoutNode>
+                </dgm:if>
+                <dgm:else name="Name14"/>
+              </dgm:choose>
+              <dgm:layoutNode name="horzTwo">
+                <dgm:choose name="Name15">
+                  <dgm:if name="Name16" func="var" arg="dir" op="equ" val="norm">
+                    <dgm:alg type="lin">
+                      <dgm:param type="linDir" val="fromL"/>
+                      <dgm:param type="nodeVertAlign" val="b"/>
+                    </dgm:alg>
+                  </dgm:if>
+                  <dgm:else name="Name17">
+                    <dgm:alg type="lin">
+                      <dgm:param type="linDir" val="fromR"/>
+                      <dgm:param type="nodeVertAlign" val="b"/>
+                    </dgm:alg>
+                  </dgm:else>
+                </dgm:choose>
+                <dgm:shape xmlns:r="http://schemas.openxmlformats.org/officeDocument/2006/relationships" r:blip="">
+                  <dgm:adjLst/>
+                </dgm:shape>
+                <dgm:presOf/>
+                <dgm:constrLst/>
+                <dgm:ruleLst>
+                  <dgm:rule type="w" val="INF" fact="NaN" max="NaN"/>
+                </dgm:ruleLst>
+                <dgm:forEach name="Name18" axis="ch" ptType="node">
+                  <dgm:layoutNode name="vertThree">
+                    <dgm:alg type="lin">
+                      <dgm:param type="linDir" val="fromB"/>
+                    </dgm:alg>
+                    <dgm:shape xmlns:r="http://schemas.openxmlformats.org/officeDocument/2006/relationships" r:blip="">
+                      <dgm:adjLst/>
+                    </dgm:shape>
+                    <dgm:presOf/>
+                    <dgm:constrLst>
+                      <dgm:constr type="w" for="ch" forName="txThree" refType="w" refFor="ch" refForName="horzThree" op="gte"/>
+                    </dgm:constrLst>
+                    <dgm:ruleLst/>
+                    <dgm:layoutNode name="txThree">
+                      <dgm:varLst>
+                        <dgm:chPref val="3"/>
+                      </dgm:varLst>
+                      <dgm:alg type="tx"/>
+                      <dgm:shape xmlns:r="http://schemas.openxmlformats.org/officeDocument/2006/relationships" type="roundRect" r:blip="">
+                        <dgm:adjLst>
+                          <dgm:adj idx="1" val="0.1"/>
+                        </dgm:adjLst>
+                      </dgm:shape>
+                      <dgm:presOf axis="self"/>
+                      <dgm:constrLst>
+                        <dgm:constr type="userH"/>
+                        <dgm:constr type="h" refType="userH"/>
+                        <dgm:constr type="tMarg" refType="primFontSz" fact="0.3"/>
+                        <dgm:constr type="bMarg" refType="primFontSz" fact="0.3"/>
+                        <dgm:constr type="lMarg" refType="primFontSz" fact="0.3"/>
+                        <dgm:constr type="rMarg" refType="primFontSz" fact="0.3"/>
+                      </dgm:constrLst>
+                      <dgm:ruleLst>
+                        <dgm:rule type="primFontSz" val="5" fact="NaN" max="NaN"/>
+                      </dgm:ruleLst>
+                    </dgm:layoutNode>
+                    <dgm:choose name="Name19">
+                      <dgm:if name="Name20" axis="des" ptType="node" func="cnt" op="gt" val="0">
+                        <dgm:layoutNode name="parTransThree">
+                          <dgm:alg type="sp"/>
+                          <dgm:shape xmlns:r="http://schemas.openxmlformats.org/officeDocument/2006/relationships" r:blip="">
+                            <dgm:adjLst/>
+                          </dgm:shape>
+                          <dgm:presOf/>
+                          <dgm:constrLst/>
+                          <dgm:ruleLst/>
+                        </dgm:layoutNode>
+                      </dgm:if>
+                      <dgm:else name="Name21"/>
+                    </dgm:choose>
+                    <dgm:layoutNode name="horzThree">
+                      <dgm:choose name="Name22">
+                        <dgm:if name="Name23" func="var" arg="dir" op="equ" val="norm">
+                          <dgm:alg type="lin">
+                            <dgm:param type="linDir" val="fromL"/>
+                            <dgm:param type="nodeVertAlign" val="b"/>
+                          </dgm:alg>
+                        </dgm:if>
+                        <dgm:else name="Name24">
+                          <dgm:alg type="lin">
+                            <dgm:param type="linDir" val="fromR"/>
+                            <dgm:param type="nodeVertAlign" val="b"/>
+                          </dgm:alg>
+                        </dgm:else>
+                      </dgm:choose>
+                      <dgm:shape xmlns:r="http://schemas.openxmlformats.org/officeDocument/2006/relationships" r:blip="">
+                        <dgm:adjLst/>
+                      </dgm:shape>
+                      <dgm:presOf/>
+                      <dgm:constrLst/>
+                      <dgm:ruleLst>
+                        <dgm:rule type="w" val="INF" fact="NaN" max="NaN"/>
+                      </dgm:ruleLst>
+                      <dgm:forEach name="repeat" axis="ch" ptType="node">
+                        <dgm:layoutNode name="vertFour">
+                          <dgm:varLst>
+                            <dgm:chPref val="3"/>
+                          </dgm:varLst>
+                          <dgm:alg type="lin">
+                            <dgm:param type="linDir" val="fromB"/>
+                          </dgm:alg>
+                          <dgm:shape xmlns:r="http://schemas.openxmlformats.org/officeDocument/2006/relationships" r:blip="">
+                            <dgm:adjLst/>
+                          </dgm:shape>
+                          <dgm:presOf/>
+                          <dgm:constrLst>
+                            <dgm:constr type="w" for="ch" forName="txFour" refType="w" refFor="ch" refForName="horzFour" op="gte"/>
+                          </dgm:constrLst>
+                          <dgm:ruleLst/>
+                          <dgm:layoutNode name="txFour">
+                            <dgm:varLst>
+                              <dgm:chPref val="3"/>
+                            </dgm:varLst>
+                            <dgm:alg type="tx"/>
+                            <dgm:shape xmlns:r="http://schemas.openxmlformats.org/officeDocument/2006/relationships" type="roundRect" r:blip="">
+                              <dgm:adjLst>
+                                <dgm:adj idx="1" val="0.1"/>
+                              </dgm:adjLst>
+                            </dgm:shape>
+                            <dgm:presOf axis="self"/>
+                            <dgm:constrLst>
+                              <dgm:constr type="userH"/>
+                              <dgm:constr type="h" refType="userH"/>
+                              <dgm:constr type="tMarg" refType="primFontSz" fact="0.3"/>
+                              <dgm:constr type="bMarg" refType="primFontSz" fact="0.3"/>
+                              <dgm:constr type="lMarg" refType="primFontSz" fact="0.3"/>
+                              <dgm:constr type="rMarg" refType="primFontSz" fact="0.3"/>
+                            </dgm:constrLst>
+                            <dgm:ruleLst>
+                              <dgm:rule type="primFontSz" val="5" fact="NaN" max="NaN"/>
+                            </dgm:ruleLst>
+                          </dgm:layoutNode>
+                          <dgm:choose name="Name25">
+                            <dgm:if name="Name26" axis="des" ptType="node" func="cnt" op="gt" val="0">
+                              <dgm:layoutNode name="parTransFour">
+                                <dgm:alg type="sp"/>
+                                <dgm:shape xmlns:r="http://schemas.openxmlformats.org/officeDocument/2006/relationships" r:blip="">
+                                  <dgm:adjLst/>
+                                </dgm:shape>
+                                <dgm:presOf/>
+                                <dgm:constrLst/>
+                                <dgm:ruleLst/>
+                              </dgm:layoutNode>
+                            </dgm:if>
+                            <dgm:else name="Name27"/>
+                          </dgm:choose>
+                          <dgm:layoutNode name="horzFour">
+                            <dgm:choose name="Name28">
+                              <dgm:if name="Name29" func="var" arg="dir" op="equ" val="norm">
+                                <dgm:alg type="lin">
+                                  <dgm:param type="linDir" val="fromL"/>
+                                  <dgm:param type="nodeVertAlign" val="b"/>
+                                </dgm:alg>
+                              </dgm:if>
+                              <dgm:else name="Name30">
+                                <dgm:alg type="lin">
+                                  <dgm:param type="linDir" val="fromR"/>
+                                  <dgm:param type="nodeVertAlign" val="b"/>
+                                </dgm:alg>
+                              </dgm:else>
+                            </dgm:choose>
+                            <dgm:shape xmlns:r="http://schemas.openxmlformats.org/officeDocument/2006/relationships" r:blip="">
+                              <dgm:adjLst/>
+                            </dgm:shape>
+                            <dgm:presOf/>
+                            <dgm:constrLst/>
+                            <dgm:ruleLst>
+                              <dgm:rule type="w" val="INF" fact="NaN" max="NaN"/>
+                            </dgm:ruleLst>
+                            <dgm:forEach name="Name31" ref="repeat"/>
+                          </dgm:layoutNode>
+                        </dgm:layoutNode>
+                        <dgm:choose name="Name32">
+                          <dgm:if name="Name33" axis="self" ptType="node" func="revPos" op="gte" val="2">
+                            <dgm:forEach name="Name34" axis="followSib" ptType="sibTrans" cnt="1">
+                              <dgm:layoutNode name="sibSpaceFour">
+                                <dgm:alg type="sp"/>
+                                <dgm:shape xmlns:r="http://schemas.openxmlformats.org/officeDocument/2006/relationships" r:blip="">
+                                  <dgm:adjLst/>
+                                </dgm:shape>
+                                <dgm:presOf/>
+                                <dgm:constrLst/>
+                                <dgm:ruleLst/>
+                              </dgm:layoutNode>
+                            </dgm:forEach>
+                          </dgm:if>
+                          <dgm:else name="Name35"/>
+                        </dgm:choose>
+                      </dgm:forEach>
+                    </dgm:layoutNode>
+                  </dgm:layoutNode>
+                  <dgm:choose name="Name36">
+                    <dgm:if name="Name37" axis="self" ptType="node" func="revPos" op="gte" val="2">
+                      <dgm:forEach name="Name38" axis="followSib" ptType="sibTrans" cnt="1">
+                        <dgm:layoutNode name="sibSpaceThree">
+                          <dgm:alg type="sp"/>
+                          <dgm:shape xmlns:r="http://schemas.openxmlformats.org/officeDocument/2006/relationships" r:blip="">
+                            <dgm:adjLst/>
+                          </dgm:shape>
+                          <dgm:presOf/>
+                          <dgm:constrLst/>
+                          <dgm:ruleLst/>
+                        </dgm:layoutNode>
+                      </dgm:forEach>
+                    </dgm:if>
+                    <dgm:else name="Name39"/>
+                  </dgm:choose>
+                </dgm:forEach>
+              </dgm:layoutNode>
+            </dgm:layoutNode>
+            <dgm:choose name="Name40">
+              <dgm:if name="Name41" axis="self" ptType="node" func="revPos" op="gte" val="2">
+                <dgm:forEach name="Name42" axis="followSib" ptType="sibTrans" cnt="1">
+                  <dgm:layoutNode name="sibSpaceTwo">
+                    <dgm:alg type="sp"/>
+                    <dgm:shape xmlns:r="http://schemas.openxmlformats.org/officeDocument/2006/relationships" r:blip="">
+                      <dgm:adjLst/>
+                    </dgm:shape>
+                    <dgm:presOf/>
+                    <dgm:constrLst/>
+                    <dgm:ruleLst/>
+                  </dgm:layoutNode>
+                </dgm:forEach>
+              </dgm:if>
+              <dgm:else name="Name43"/>
+            </dgm:choose>
+          </dgm:forEach>
+        </dgm:layoutNode>
+      </dgm:layoutNode>
+      <dgm:choose name="Name44">
+        <dgm:if name="Name45" axis="self" ptType="node" func="revPos" op="gte" val="2">
+          <dgm:forEach name="Name46" axis="followSib" ptType="sibTrans" cnt="1">
+            <dgm:layoutNode name="sibSpaceOne">
+              <dgm:alg type="sp"/>
+              <dgm:shape xmlns:r="http://schemas.openxmlformats.org/officeDocument/2006/relationships" r:blip="">
+                <dgm:adjLst/>
+              </dgm:shape>
+              <dgm:presOf/>
+              <dgm:constrLst/>
+              <dgm:ruleLst/>
+            </dgm:layoutNode>
+          </dgm:forEach>
+        </dgm:if>
+        <dgm:else name="Name47"/>
+      </dgm:choose>
+    </dgm:forEach>
+  </dgm:layoutNode>
+</dgm:layoutDef>
+</file>
+
+<file path=ppt/diagrams/quickStyle1.xml><?xml version="1.0" encoding="utf-8"?>
+<dgm:styleDef xmlns:dgm="http://schemas.openxmlformats.org/drawingml/2006/diagram" xmlns:a="http://schemas.openxmlformats.org/drawingml/2006/main" uniqueId="urn:microsoft.com/office/officeart/2005/8/quickstyle/simple1">
+  <dgm:title val=""/>
+  <dgm:desc val=""/>
+  <dgm:catLst>
+    <dgm:cat type="simple" pri="10100"/>
+  </dgm:catLst>
+  <dgm:scene3d>
+    <a:camera prst="orthographicFront"/>
+    <a:lightRig rig="threePt" dir="t"/>
+  </dgm:scene3d>
+  <dgm:styleLbl name="node0">
+    <dgm:scene3d>
+      <a:camera prst="orthographicFront"/>
+      <a:lightRig rig="threePt" dir="t"/>
+    </dgm:scene3d>
+    <dgm:sp3d/>
+    <dgm:txPr/>
+    <dgm:style>
+      <a:lnRef idx="2">
+        <a:scrgbClr r="0" g="0" b="0"/>
+      </a:lnRef>
+      <a:fillRef idx="1">
+        <a:scrgbClr r="0" g="0" b="0"/>
+      </a:fillRef>
+      <a:effectRef idx="0">
+        <a:scrgbClr r="0" g="0" b="0"/>
+      </a:effectRef>
+      <a:fontRef idx="minor">
+        <a:schemeClr val="lt1"/>
+      </a:fontRef>
+    </dgm:style>
+  </dgm:styleLbl>
+  <dgm:styleLbl name="lnNode1">
+    <dgm:scene3d>
+      <a:camera prst="orthographicFront"/>
+      <a:lightRig rig="threePt" dir="t"/>
+    </dgm:scene3d>
+    <dgm:sp3d/>
+    <dgm:txPr/>
+    <dgm:style>
+      <a:lnRef idx="2">
+        <a:scrgbClr r="0" g="0" b="0"/>
+      </a:lnRef>
+      <a:fillRef idx="1">
+        <a:scrgbClr r="0" g="0" b="0"/>
+      </a:fillRef>
+      <a:effectRef idx="0">
+        <a:scrgbClr r="0" g="0" b="0"/>
+      </a:effectRef>
+      <a:fontRef idx="minor">
+        <a:schemeClr val="lt1"/>
+      </a:fontRef>
+    </dgm:style>
+  </dgm:styleLbl>
+  <dgm:styleLbl name="vennNode1">
+    <dgm:scene3d>
+      <a:camera prst="orthographicFront"/>
+      <a:lightRig rig="threePt" dir="t"/>
+    </dgm:scene3d>
+    <dgm:sp3d/>
+    <dgm:txPr/>
+    <dgm:style>
+      <a:lnRef idx="2">
+        <a:scrgbClr r="0" g="0" b="0"/>
+      </a:lnRef>
+      <a:fillRef idx="1">
+        <a:scrgbClr r="0" g="0" b="0"/>
+      </a:fillRef>
+      <a:effectRef idx="0">
+        <a:scrgbClr r="0" g="0" b="0"/>
+      </a:effectRef>
+      <a:fontRef idx="minor">
+        <a:schemeClr val="tx1"/>
+      </a:fontRef>
+    </dgm:style>
+  </dgm:styleLbl>
+  <dgm:styleLbl name="alignNode1">
+    <dgm:scene3d>
+      <a:camera prst="orthographicFront"/>
+      <a:lightRig rig="threePt" dir="t"/>
+    </dgm:scene3d>
+    <dgm:sp3d/>
+    <dgm:txPr/>
+    <dgm:style>
+      <a:lnRef idx="2">
+        <a:scrgbClr r="0" g="0" b="0"/>
+      </a:lnRef>
+      <a:fillRef idx="1">
+        <a:scrgbClr r="0" g="0" b="0"/>
+      </a:fillRef>
+      <a:effectRef idx="0">
+        <a:scrgbClr r="0" g="0" b="0"/>
+      </a:effectRef>
+      <a:fontRef idx="minor">
+        <a:schemeClr val="lt1"/>
+      </a:fontRef>
+    </dgm:style>
+  </dgm:styleLbl>
+  <dgm:styleLbl name="node1">
+    <dgm:scene3d>
+      <a:camera prst="orthographicFront"/>
+      <a:lightRig rig="threePt" dir="t"/>
+    </dgm:scene3d>
+    <dgm:sp3d/>
+    <dgm:txPr/>
+    <dgm:style>
+      <a:lnRef idx="2">
+        <a:scrgbClr r="0" g="0" b="0"/>
+      </a:lnRef>
+      <a:fillRef idx="1">
+        <a:scrgbClr r="0" g="0" b="0"/>
+      </a:fillRef>
+      <a:effectRef idx="0">
+        <a:scrgbClr r="0" g="0" b="0"/>
+      </a:effectRef>
+      <a:fontRef idx="minor">
+        <a:schemeClr val="lt1"/>
+      </a:fontRef>
+    </dgm:style>
+  </dgm:styleLbl>
+  <dgm:styleLbl name="node2">
+    <dgm:scene3d>
+      <a:camera prst="orthographicFront"/>
+      <a:lightRig rig="threePt" dir="t"/>
+    </dgm:scene3d>
+    <dgm:sp3d/>
+    <dgm:txPr/>
+    <dgm:style>
+      <a:lnRef idx="2">
+        <a:scrgbClr r="0" g="0" b="0"/>
+      </a:lnRef>
+      <a:fillRef idx="1">
+        <a:scrgbClr r="0" g="0" b="0"/>
+      </a:fillRef>
+      <a:effectRef idx="0">
+        <a:scrgbClr r="0" g="0" b="0"/>
+      </a:effectRef>
+      <a:fontRef idx="minor">
+        <a:schemeClr val="lt1"/>
+      </a:fontRef>
+    </dgm:style>
+  </dgm:styleLbl>
+  <dgm:styleLbl name="node3">
+    <dgm:scene3d>
+      <a:camera prst="orthographicFront"/>
+      <a:lightRig rig="threePt" dir="t"/>
+    </dgm:scene3d>
+    <dgm:sp3d/>
+    <dgm:txPr/>
+    <dgm:style>
+      <a:lnRef idx="2">
+        <a:scrgbClr r="0" g="0" b="0"/>
+      </a:lnRef>
+      <a:fillRef idx="1">
+        <a:scrgbClr r="0" g="0" b="0"/>
+      </a:fillRef>
+      <a:effectRef idx="0">
+        <a:scrgbClr r="0" g="0" b="0"/>
+      </a:effectRef>
+      <a:fontRef idx="minor">
+        <a:schemeClr val="lt1"/>
+      </a:fontRef>
+    </dgm:style>
+  </dgm:styleLbl>
+  <dgm:styleLbl name="node4">
+    <dgm:scene3d>
+      <a:camera prst="orthographicFront"/>
+      <a:lightRig rig="threePt" dir="t"/>
+    </dgm:scene3d>
+    <dgm:sp3d/>
+    <dgm:txPr/>
+    <dgm:style>
+      <a:lnRef idx="2">
+        <a:scrgbClr r="0" g="0" b="0"/>
+      </a:lnRef>
+      <a:fillRef idx="1">
+        <a:scrgbClr r="0" g="0" b="0"/>
+      </a:fillRef>
+      <a:effectRef idx="0">
+        <a:scrgbClr r="0" g="0" b="0"/>
+      </a:effectRef>
+      <a:fontRef idx="minor">
+        <a:schemeClr val="lt1"/>
+      </a:fontRef>
+    </dgm:style>
+  </dgm:styleLbl>
+  <dgm:styleLbl name="fgImgPlace1">
+    <dgm:scene3d>
+      <a:camera prst="orthographicFront"/>
+      <a:lightRig rig="threePt" dir="t"/>
+    </dgm:scene3d>
+    <dgm:sp3d/>
+    <dgm:txPr/>
+    <dgm:style>
+      <a:lnRef idx="2">
+        <a:scrgbClr r="0" g="0" b="0"/>
+      </a:lnRef>
+      <a:fillRef idx="1">
+        <a:scrgbClr r="0" g="0" b="0"/>
+      </a:fillRef>
+      <a:effectRef idx="0">
+        <a:scrgbClr r="0" g="0" b="0"/>
+      </a:effectRef>
+      <a:fontRef idx="minor"/>
+    </dgm:style>
+  </dgm:styleLbl>
+  <dgm:styleLbl name="alignImgPlace1">
+    <dgm:scene3d>
+      <a:camera prst="orthographicFront"/>
+      <a:lightRig rig="threePt" dir="t"/>
+    </dgm:scene3d>
+    <dgm:sp3d/>
+    <dgm:txPr/>
+    <dgm:style>
+      <a:lnRef idx="2">
+        <a:scrgbClr r="0" g="0" b="0"/>
+      </a:lnRef>
+      <a:fillRef idx="1">
+        <a:scrgbClr r="0" g="0" b="0"/>
+      </a:fillRef>
+      <a:effectRef idx="0">
+        <a:scrgbClr r="0" g="0" b="0"/>
+      </a:effectRef>
+      <a:fontRef idx="minor"/>
+    </dgm:style>
+  </dgm:styleLbl>
+  <dgm:styleLbl name="bgImgPlace1">
+    <dgm:scene3d>
+      <a:camera prst="orthographicFront"/>
+      <a:lightRig rig="threePt" dir="t"/>
+    </dgm:scene3d>
+    <dgm:sp3d/>
+    <dgm:txPr/>
+    <dgm:style>
+      <a:lnRef idx="2">
+        <a:scrgbClr r="0" g="0" b="0"/>
+      </a:lnRef>
+      <a:fillRef idx="1">
+        <a:scrgbClr r="0" g="0" b="0"/>
+      </a:fillRef>
+      <a:effectRef idx="0">
+        <a:scrgbClr r="0" g="0" b="0"/>
+      </a:effectRef>
+      <a:fontRef idx="minor"/>
+    </dgm:style>
+  </dgm:styleLbl>
+  <dgm:styleLbl name="sibTrans2D1">
+    <dgm:scene3d>
+      <a:camera prst="orthographicFront"/>
+      <a:lightRig rig="threePt" dir="t"/>
+    </dgm:scene3d>
+    <dgm:sp3d/>
+    <dgm:txPr/>
+    <dgm:style>
+      <a:lnRef idx="0">
+        <a:scrgbClr r="0" g="0" b="0"/>
+      </a:lnRef>
+      <a:fillRef idx="1">
+        <a:scrgbClr r="0" g="0" b="0"/>
+      </a:fillRef>
+      <a:effectRef idx="0">
+        <a:scrgbClr r="0" g="0" b="0"/>
+      </a:effectRef>
+      <a:fontRef idx="minor">
+        <a:schemeClr val="lt1"/>
+      </a:fontRef>
+    </dgm:style>
+  </dgm:styleLbl>
+  <dgm:styleLbl name="fgSibTrans2D1">
+    <dgm:scene3d>
+      <a:camera prst="orthographicFront"/>
+      <a:lightRig rig="threePt" dir="t"/>
+    </dgm:scene3d>
+    <dgm:sp3d/>
+    <dgm:txPr/>
+    <dgm:style>
+      <a:lnRef idx="0">
+        <a:scrgbClr r="0" g="0" b="0"/>
+      </a:lnRef>
+      <a:fillRef idx="1">
+        <a:scrgbClr r="0" g="0" b="0"/>
+      </a:fillRef>
+      <a:effectRef idx="0">
+        <a:scrgbClr r="0" g="0" b="0"/>
+      </a:effectRef>
+      <a:fontRef idx="minor">
+        <a:schemeClr val="lt1"/>
+      </a:fontRef>
+    </dgm:style>
+  </dgm:styleLbl>
+  <dgm:styleLbl name="bgSibTrans2D1">
+    <dgm:scene3d>
+      <a:camera prst="orthographicFront"/>
+      <a:lightRig rig="threePt" dir="t"/>
+    </dgm:scene3d>
+    <dgm:sp3d/>
+    <dgm:txPr/>
+    <dgm:style>
+      <a:lnRef idx="0">
+        <a:scrgbClr r="0" g="0" b="0"/>
+      </a:lnRef>
+      <a:fillRef idx="1">
+        <a:scrgbClr r="0" g="0" b="0"/>
+      </a:fillRef>
+      <a:effectRef idx="0">
+        <a:scrgbClr r="0" g="0" b="0"/>
+      </a:effectRef>
+      <a:fontRef idx="minor">
+        <a:schemeClr val="lt1"/>
+      </a:fontRef>
+    </dgm:style>
+  </dgm:styleLbl>
+  <dgm:styleLbl name="sibTrans1D1">
+    <dgm:scene3d>
+      <a:camera prst="orthographicFront"/>
+      <a:lightRig rig="threePt" dir="t"/>
+    </dgm:scene3d>
+    <dgm:sp3d/>
+    <dgm:txPr/>
+    <dgm:style>
+      <a:lnRef idx="1">
+        <a:scrgbClr r="0" g="0" b="0"/>
+      </a:lnRef>
+      <a:fillRef idx="0">
+        <a:scrgbClr r="0" g="0" b="0"/>
+      </a:fillRef>
+      <a:effectRef idx="0">
+        <a:scrgbClr r="0" g="0" b="0"/>
+      </a:effectRef>
+      <a:fontRef idx="minor"/>
+    </dgm:style>
+  </dgm:styleLbl>
+  <dgm:styleLbl name="callout">
+    <dgm:scene3d>
+      <a:camera prst="orthographicFront"/>
+      <a:lightRig rig="threePt" dir="t"/>
+    </dgm:scene3d>
+    <dgm:sp3d/>
+    <dgm:txPr/>
+    <dgm:style>
+      <a:lnRef idx="2">
+        <a:scrgbClr r="0" g="0" b="0"/>
+      </a:lnRef>
+      <a:fillRef idx="1">
+        <a:scrgbClr r="0" g="0" b="0"/>
+      </a:fillRef>
+      <a:effectRef idx="0">
+        <a:scrgbClr r="0" g="0" b="0"/>
+      </a:effectRef>
+      <a:fontRef idx="minor"/>
+    </dgm:style>
+  </dgm:styleLbl>
+  <dgm:styleLbl name="asst0">
+    <dgm:scene3d>
+      <a:camera prst="orthographicFront"/>
+      <a:lightRig rig="threePt" dir="t"/>
+    </dgm:scene3d>
+    <dgm:sp3d/>
+    <dgm:txPr/>
+    <dgm:style>
+      <a:lnRef idx="2">
+        <a:scrgbClr r="0" g="0" b="0"/>
+      </a:lnRef>
+      <a:fillRef idx="1">
+        <a:scrgbClr r="0" g="0" b="0"/>
+      </a:fillRef>
+      <a:effectRef idx="0">
+        <a:scrgbClr r="0" g="0" b="0"/>
+      </a:effectRef>
+      <a:fontRef idx="minor">
+        <a:schemeClr val="lt1"/>
+      </a:fontRef>
+    </dgm:style>
+  </dgm:styleLbl>
+  <dgm:styleLbl name="asst1">
+    <dgm:scene3d>
+      <a:camera prst="orthographicFront"/>
+      <a:lightRig rig="threePt" dir="t"/>
+    </dgm:scene3d>
+    <dgm:sp3d/>
+    <dgm:txPr/>
+    <dgm:style>
+      <a:lnRef idx="2">
+        <a:scrgbClr r="0" g="0" b="0"/>
+      </a:lnRef>
+      <a:fillRef idx="1">
+        <a:scrgbClr r="0" g="0" b="0"/>
+      </a:fillRef>
+      <a:effectRef idx="0">
+        <a:scrgbClr r="0" g="0" b="0"/>
+      </a:effectRef>
+      <a:fontRef idx="minor">
+        <a:schemeClr val="lt1"/>
+      </a:fontRef>
+    </dgm:style>
+  </dgm:styleLbl>
+  <dgm:styleLbl name="asst2">
+    <dgm:scene3d>
+      <a:camera prst="orthographicFront"/>
+      <a:lightRig rig="threePt" dir="t"/>
+    </dgm:scene3d>
+    <dgm:sp3d/>
+    <dgm:txPr/>
+    <dgm:style>
+      <a:lnRef idx="2">
+        <a:scrgbClr r="0" g="0" b="0"/>
+      </a:lnRef>
+      <a:fillRef idx="1">
+        <a:scrgbClr r="0" g="0" b="0"/>
+      </a:fillRef>
+      <a:effectRef idx="0">
+        <a:scrgbClr r="0" g="0" b="0"/>
+      </a:effectRef>
+      <a:fontRef idx="minor">
+        <a:schemeClr val="lt1"/>
+      </a:fontRef>
+    </dgm:style>
+  </dgm:styleLbl>
+  <dgm:styleLbl name="asst3">
+    <dgm:scene3d>
+      <a:camera prst="orthographicFront"/>
+      <a:lightRig rig="threePt" dir="t"/>
+    </dgm:scene3d>
+    <dgm:sp3d/>
+    <dgm:txPr/>
+    <dgm:style>
+      <a:lnRef idx="2">
+        <a:scrgbClr r="0" g="0" b="0"/>
+      </a:lnRef>
+      <a:fillRef idx="1">
+        <a:scrgbClr r="0" g="0" b="0"/>
+      </a:fillRef>
+      <a:effectRef idx="0">
+        <a:scrgbClr r="0" g="0" b="0"/>
+      </a:effectRef>
+      <a:fontRef idx="minor">
+        <a:schemeClr val="lt1"/>
+      </a:fontRef>
+    </dgm:style>
+  </dgm:styleLbl>
+  <dgm:styleLbl name="asst4">
+    <dgm:scene3d>
+      <a:camera prst="orthographicFront"/>
+      <a:lightRig rig="threePt" dir="t"/>
+    </dgm:scene3d>
+    <dgm:sp3d/>
+    <dgm:txPr/>
+    <dgm:style>
+      <a:lnRef idx="2">
+        <a:scrgbClr r="0" g="0" b="0"/>
+      </a:lnRef>
+      <a:fillRef idx="1">
+        <a:scrgbClr r="0" g="0" b="0"/>
+      </a:fillRef>
+      <a:effectRef idx="0">
+        <a:scrgbClr r="0" g="0" b="0"/>
+      </a:effectRef>
+      <a:fontRef idx="minor">
+        <a:schemeClr val="lt1"/>
+      </a:fontRef>
+    </dgm:style>
+  </dgm:styleLbl>
+  <dgm:styleLbl name="parChTrans2D1">
+    <dgm:scene3d>
+      <a:camera prst="orthographicFront"/>
+      <a:lightRig rig="threePt" dir="t"/>
+    </dgm:scene3d>
+    <dgm:sp3d/>
+    <dgm:txPr/>
+    <dgm:style>
+      <a:lnRef idx="2">
+        <a:scrgbClr r="0" g="0" b="0"/>
+      </a:lnRef>
+      <a:fillRef idx="1">
+        <a:scrgbClr r="0" g="0" b="0"/>
+      </a:fillRef>
+      <a:effectRef idx="0">
+        <a:scrgbClr r="0" g="0" b="0"/>
+      </a:effectRef>
+      <a:fontRef idx="minor">
+        <a:schemeClr val="lt1"/>
+      </a:fontRef>
+    </dgm:style>
+  </dgm:styleLbl>
+  <dgm:styleLbl name="parChTrans2D2">
+    <dgm:scene3d>
+      <a:camera prst="orthographicFront"/>
+      <a:lightRig rig="threePt" dir="t"/>
+    </dgm:scene3d>
+    <dgm:sp3d/>
+    <dgm:txPr/>
+    <dgm:style>
+      <a:lnRef idx="2">
+        <a:scrgbClr r="0" g="0" b="0"/>
+      </a:lnRef>
+      <a:fillRef idx="1">
+        <a:scrgbClr r="0" g="0" b="0"/>
+      </a:fillRef>
+      <a:effectRef idx="0">
+        <a:scrgbClr r="0" g="0" b="0"/>
+      </a:effectRef>
+      <a:fontRef idx="minor">
+        <a:schemeClr val="lt1"/>
+      </a:fontRef>
+    </dgm:style>
+  </dgm:styleLbl>
+  <dgm:styleLbl name="parChTrans2D3">
+    <dgm:scene3d>
+      <a:camera prst="orthographicFront"/>
+      <a:lightRig rig="threePt" dir="t"/>
+    </dgm:scene3d>
+    <dgm:sp3d/>
+    <dgm:txPr/>
+    <dgm:style>
+      <a:lnRef idx="2">
+        <a:scrgbClr r="0" g="0" b="0"/>
+      </a:lnRef>
+      <a:fillRef idx="1">
+        <a:scrgbClr r="0" g="0" b="0"/>
+      </a:fillRef>
+      <a:effectRef idx="0">
+        <a:scrgbClr r="0" g="0" b="0"/>
+      </a:effectRef>
+      <a:fontRef idx="minor">
+        <a:schemeClr val="lt1"/>
+      </a:fontRef>
+    </dgm:style>
+  </dgm:styleLbl>
+  <dgm:styleLbl name="parChTrans2D4">
+    <dgm:scene3d>
+      <a:camera prst="orthographicFront"/>
+      <a:lightRig rig="threePt" dir="t"/>
+    </dgm:scene3d>
+    <dgm:sp3d/>
+    <dgm:txPr/>
+    <dgm:style>
+      <a:lnRef idx="2">
+        <a:scrgbClr r="0" g="0" b="0"/>
+      </a:lnRef>
+      <a:fillRef idx="1">
+        <a:scrgbClr r="0" g="0" b="0"/>
+      </a:fillRef>
+      <a:effectRef idx="0">
+        <a:scrgbClr r="0" g="0" b="0"/>
+      </a:effectRef>
+      <a:fontRef idx="minor">
+        <a:schemeClr val="lt1"/>
+      </a:fontRef>
+    </dgm:style>
+  </dgm:styleLbl>
+  <dgm:styleLbl name="parChTrans1D1">
+    <dgm:scene3d>
+      <a:camera prst="orthographicFront"/>
+      <a:lightRig rig="threePt" dir="t"/>
+    </dgm:scene3d>
+    <dgm:sp3d/>
+    <dgm:txPr/>
+    <dgm:style>
+      <a:lnRef idx="2">
+        <a:scrgbClr r="0" g="0" b="0"/>
+      </a:lnRef>
+      <a:fillRef idx="0">
+        <a:scrgbClr r="0" g="0" b="0"/>
+      </a:fillRef>
+      <a:effectRef idx="0">
+        <a:scrgbClr r="0" g="0" b="0"/>
+      </a:effectRef>
+      <a:fontRef idx="minor"/>
+    </dgm:style>
+  </dgm:styleLbl>
+  <dgm:styleLbl name="parChTrans1D2">
+    <dgm:scene3d>
+      <a:camera prst="orthographicFront"/>
+      <a:lightRig rig="threePt" dir="t"/>
+    </dgm:scene3d>
+    <dgm:sp3d/>
+    <dgm:txPr/>
+    <dgm:style>
+      <a:lnRef idx="2">
+        <a:scrgbClr r="0" g="0" b="0"/>
+      </a:lnRef>
+      <a:fillRef idx="0">
+        <a:scrgbClr r="0" g="0" b="0"/>
+      </a:fillRef>
+      <a:effectRef idx="0">
+        <a:scrgbClr r="0" g="0" b="0"/>
+      </a:effectRef>
+      <a:fontRef idx="minor"/>
+    </dgm:style>
+  </dgm:styleLbl>
+  <dgm:styleLbl name="parChTrans1D3">
+    <dgm:scene3d>
+      <a:camera prst="orthographicFront"/>
+      <a:lightRig rig="threePt" dir="t"/>
+    </dgm:scene3d>
+    <dgm:sp3d/>
+    <dgm:txPr/>
+    <dgm:style>
+      <a:lnRef idx="2">
+        <a:scrgbClr r="0" g="0" b="0"/>
+      </a:lnRef>
+      <a:fillRef idx="0">
+        <a:scrgbClr r="0" g="0" b="0"/>
+      </a:fillRef>
+      <a:effectRef idx="0">
+        <a:scrgbClr r="0" g="0" b="0"/>
+      </a:effectRef>
+      <a:fontRef idx="minor"/>
+    </dgm:style>
+  </dgm:styleLbl>
+  <dgm:styleLbl name="parChTrans1D4">
+    <dgm:scene3d>
+      <a:camera prst="orthographicFront"/>
+      <a:lightRig rig="threePt" dir="t"/>
+    </dgm:scene3d>
+    <dgm:sp3d/>
+    <dgm:txPr/>
+    <dgm:style>
+      <a:lnRef idx="2">
+        <a:scrgbClr r="0" g="0" b="0"/>
+      </a:lnRef>
+      <a:fillRef idx="0">
+        <a:scrgbClr r="0" g="0" b="0"/>
+      </a:fillRef>
+      <a:effectRef idx="0">
+        <a:scrgbClr r="0" g="0" b="0"/>
+      </a:effectRef>
+      <a:fontRef idx="minor"/>
+    </dgm:style>
+  </dgm:styleLbl>
+  <dgm:styleLbl name="fgAcc1">
+    <dgm:scene3d>
+      <a:camera prst="orthographicFront"/>
+      <a:lightRig rig="threePt" dir="t"/>
+    </dgm:scene3d>
+    <dgm:sp3d/>
+    <dgm:txPr/>
+    <dgm:style>
+      <a:lnRef idx="2">
+        <a:scrgbClr r="0" g="0" b="0"/>
+      </a:lnRef>
+      <a:fillRef idx="1">
+        <a:scrgbClr r="0" g="0" b="0"/>
+      </a:fillRef>
+      <a:effectRef idx="0">
+        <a:scrgbClr r="0" g="0" b="0"/>
+      </a:effectRef>
+      <a:fontRef idx="minor"/>
+    </dgm:style>
+  </dgm:styleLbl>
+  <dgm:styleLbl name="conFgAcc1">
+    <dgm:scene3d>
+      <a:camera prst="orthographicFront"/>
+      <a:lightRig rig="threePt" dir="t"/>
+    </dgm:scene3d>
+    <dgm:sp3d/>
+    <dgm:txPr/>
+    <dgm:style>
+      <a:lnRef idx="2">
+        <a:scrgbClr r="0" g="0" b="0"/>
+      </a:lnRef>
+      <a:fillRef idx="1">
+        <a:scrgbClr r="0" g="0" b="0"/>
+      </a:fillRef>
+      <a:effectRef idx="0">
+        <a:scrgbClr r="0" g="0" b="0"/>
+      </a:effectRef>
+      <a:fontRef idx="minor"/>
+    </dgm:style>
+  </dgm:styleLbl>
+  <dgm:styleLbl name="alignAcc1">
+    <dgm:scene3d>
+      <a:camera prst="orthographicFront"/>
+      <a:lightRig rig="threePt" dir="t"/>
+    </dgm:scene3d>
+    <dgm:sp3d/>
+    <dgm:txPr/>
+    <dgm:style>
+      <a:lnRef idx="2">
+        <a:scrgbClr r="0" g="0" b="0"/>
+      </a:lnRef>
+      <a:fillRef idx="1">
+        <a:scrgbClr r="0" g="0" b="0"/>
+      </a:fillRef>
+      <a:effectRef idx="0">
+        <a:scrgbClr r="0" g="0" b="0"/>
+      </a:effectRef>
+      <a:fontRef idx="minor"/>
+    </dgm:style>
+  </dgm:styleLbl>
+  <dgm:styleLbl name="trAlignAcc1">
+    <dgm:scene3d>
+      <a:camera prst="orthographicFront"/>
+      <a:lightRig rig="threePt" dir="t"/>
+    </dgm:scene3d>
+    <dgm:sp3d/>
+    <dgm:txPr/>
+    <dgm:style>
+      <a:lnRef idx="1">
+        <a:scrgbClr r="0" g="0" b="0"/>
+      </a:lnRef>
+      <a:fillRef idx="1">
+        <a:scrgbClr r="0" g="0" b="0"/>
+      </a:fillRef>
+      <a:effectRef idx="0">
+        <a:scrgbClr r="0" g="0" b="0"/>
+      </a:effectRef>
+      <a:fontRef idx="minor"/>
+    </dgm:style>
+  </dgm:styleLbl>
+  <dgm:styleLbl name="bgAcc1">
+    <dgm:scene3d>
+      <a:camera prst="orthographicFront"/>
+      <a:lightRig rig="threePt" dir="t"/>
+    </dgm:scene3d>
+    <dgm:sp3d/>
+    <dgm:txPr/>
+    <dgm:style>
+      <a:lnRef idx="2">
+        <a:scrgbClr r="0" g="0" b="0"/>
+      </a:lnRef>
+      <a:fillRef idx="1">
+        <a:scrgbClr r="0" g="0" b="0"/>
+      </a:fillRef>
+      <a:effectRef idx="0">
+        <a:scrgbClr r="0" g="0" b="0"/>
+      </a:effectRef>
+      <a:fontRef idx="minor"/>
+    </dgm:style>
+  </dgm:styleLbl>
+  <dgm:styleLbl name="solidFgAcc1">
+    <dgm:scene3d>
+      <a:camera prst="orthographicFront"/>
+      <a:lightRig rig="threePt" dir="t"/>
+    </dgm:scene3d>
+    <dgm:sp3d/>
+    <dgm:txPr/>
+    <dgm:style>
+      <a:lnRef idx="2">
+        <a:scrgbClr r="0" g="0" b="0"/>
+      </a:lnRef>
+      <a:fillRef idx="1">
+        <a:scrgbClr r="0" g="0" b="0"/>
+      </a:fillRef>
+      <a:effectRef idx="0">
+        <a:scrgbClr r="0" g="0" b="0"/>
+      </a:effectRef>
+      <a:fontRef idx="minor"/>
+    </dgm:style>
+  </dgm:styleLbl>
+  <dgm:styleLbl name="solidAlignAcc1">
+    <dgm:scene3d>
+      <a:camera prst="orthographicFront"/>
+      <a:lightRig rig="threePt" dir="t"/>
+    </dgm:scene3d>
+    <dgm:sp3d/>
+    <dgm:txPr/>
+    <dgm:style>
+      <a:lnRef idx="2">
+        <a:scrgbClr r="0" g="0" b="0"/>
+      </a:lnRef>
+      <a:fillRef idx="1">
+        <a:scrgbClr r="0" g="0" b="0"/>
+      </a:fillRef>
+      <a:effectRef idx="0">
+        <a:scrgbClr r="0" g="0" b="0"/>
+      </a:effectRef>
+      <a:fontRef idx="minor"/>
+    </dgm:style>
+  </dgm:styleLbl>
+  <dgm:styleLbl name="solidBgAcc1">
+    <dgm:scene3d>
+      <a:camera prst="orthographicFront"/>
+      <a:lightRig rig="threePt" dir="t"/>
+    </dgm:scene3d>
+    <dgm:sp3d/>
+    <dgm:txPr/>
+    <dgm:style>
+      <a:lnRef idx="2">
+        <a:scrgbClr r="0" g="0" b="0"/>
+      </a:lnRef>
+      <a:fillRef idx="1">
+        <a:scrgbClr r="0" g="0" b="0"/>
+      </a:fillRef>
+      <a:effectRef idx="0">
+        <a:scrgbClr r="0" g="0" b="0"/>
+      </a:effectRef>
+      <a:fontRef idx="minor"/>
+    </dgm:style>
+  </dgm:styleLbl>
+  <dgm:styleLbl name="fgAccFollowNode1">
+    <dgm:scene3d>
+      <a:camera prst="orthographicFront"/>
+      <a:lightRig rig="threePt" dir="t"/>
+    </dgm:scene3d>
+    <dgm:sp3d/>
+    <dgm:txPr/>
+    <dgm:style>
+      <a:lnRef idx="2">
+        <a:scrgbClr r="0" g="0" b="0"/>
+      </a:lnRef>
+      <a:fillRef idx="1">
+        <a:scrgbClr r="0" g="0" b="0"/>
+      </a:fillRef>
+      <a:effectRef idx="0">
+        <a:scrgbClr r="0" g="0" b="0"/>
+      </a:effectRef>
+      <a:fontRef idx="minor"/>
+    </dgm:style>
+  </dgm:styleLbl>
+  <dgm:styleLbl name="alignAccFollowNode1">
+    <dgm:scene3d>
+      <a:camera prst="orthographicFront"/>
+      <a:lightRig rig="threePt" dir="t"/>
+    </dgm:scene3d>
+    <dgm:sp3d/>
+    <dgm:txPr/>
+    <dgm:style>
+      <a:lnRef idx="2">
+        <a:scrgbClr r="0" g="0" b="0"/>
+      </a:lnRef>
+      <a:fillRef idx="1">
+        <a:scrgbClr r="0" g="0" b="0"/>
+      </a:fillRef>
+      <a:effectRef idx="0">
+        <a:scrgbClr r="0" g="0" b="0"/>
+      </a:effectRef>
+      <a:fontRef idx="minor"/>
+    </dgm:style>
+  </dgm:styleLbl>
+  <dgm:styleLbl name="bgAccFollowNode1">
+    <dgm:scene3d>
+      <a:camera prst="orthographicFront"/>
+      <a:lightRig rig="threePt" dir="t"/>
+    </dgm:scene3d>
+    <dgm:sp3d/>
+    <dgm:txPr/>
+    <dgm:style>
+      <a:lnRef idx="2">
+        <a:scrgbClr r="0" g="0" b="0"/>
+      </a:lnRef>
+      <a:fillRef idx="1">
+        <a:scrgbClr r="0" g="0" b="0"/>
+      </a:fillRef>
+      <a:effectRef idx="0">
+        <a:scrgbClr r="0" g="0" b="0"/>
+      </a:effectRef>
+      <a:fontRef idx="minor"/>
+    </dgm:style>
+  </dgm:styleLbl>
+  <dgm:styleLbl name="fgAcc0">
+    <dgm:scene3d>
+      <a:camera prst="orthographicFront"/>
+      <a:lightRig rig="threePt" dir="t"/>
+    </dgm:scene3d>
+    <dgm:sp3d/>
+    <dgm:txPr/>
+    <dgm:style>
+      <a:lnRef idx="2">
+        <a:scrgbClr r="0" g="0" b="0"/>
+      </a:lnRef>
+      <a:fillRef idx="1">
+        <a:scrgbClr r="0" g="0" b="0"/>
+      </a:fillRef>
+      <a:effectRef idx="0">
+        <a:scrgbClr r="0" g="0" b="0"/>
+      </a:effectRef>
+      <a:fontRef idx="minor"/>
+    </dgm:style>
+  </dgm:styleLbl>
+  <dgm:styleLbl name="fgAcc2">
+    <dgm:scene3d>
+      <a:camera prst="orthographicFront"/>
+      <a:lightRig rig="threePt" dir="t"/>
+    </dgm:scene3d>
+    <dgm:sp3d/>
+    <dgm:txPr/>
+    <dgm:style>
+      <a:lnRef idx="2">
+        <a:scrgbClr r="0" g="0" b="0"/>
+      </a:lnRef>
+      <a:fillRef idx="1">
+        <a:scrgbClr r="0" g="0" b="0"/>
+      </a:fillRef>
+      <a:effectRef idx="0">
+        <a:scrgbClr r="0" g="0" b="0"/>
+      </a:effectRef>
+      <a:fontRef idx="minor"/>
+    </dgm:style>
+  </dgm:styleLbl>
+  <dgm:styleLbl name="fgAcc3">
+    <dgm:scene3d>
+      <a:camera prst="orthographicFront"/>
+      <a:lightRig rig="threePt" dir="t"/>
+    </dgm:scene3d>
+    <dgm:sp3d/>
+    <dgm:txPr/>
+    <dgm:style>
+      <a:lnRef idx="2">
+        <a:scrgbClr r="0" g="0" b="0"/>
+      </a:lnRef>
+      <a:fillRef idx="1">
+        <a:scrgbClr r="0" g="0" b="0"/>
+      </a:fillRef>
+      <a:effectRef idx="0">
+        <a:scrgbClr r="0" g="0" b="0"/>
+      </a:effectRef>
+      <a:fontRef idx="minor"/>
+    </dgm:style>
+  </dgm:styleLbl>
+  <dgm:styleLbl name="fgAcc4">
+    <dgm:scene3d>
+      <a:camera prst="orthographicFront"/>
+      <a:lightRig rig="threePt" dir="t"/>
+    </dgm:scene3d>
+    <dgm:sp3d/>
+    <dgm:txPr/>
+    <dgm:style>
+      <a:lnRef idx="2">
+        <a:scrgbClr r="0" g="0" b="0"/>
+      </a:lnRef>
+      <a:fillRef idx="1">
+        <a:scrgbClr r="0" g="0" b="0"/>
+      </a:fillRef>
+      <a:effectRef idx="0">
+        <a:scrgbClr r="0" g="0" b="0"/>
+      </a:effectRef>
+      <a:fontRef idx="minor"/>
+    </dgm:style>
+  </dgm:styleLbl>
+  <dgm:styleLbl name="bgShp">
+    <dgm:scene3d>
+      <a:camera prst="orthographicFront"/>
+      <a:lightRig rig="threePt" dir="t"/>
+    </dgm:scene3d>
+    <dgm:sp3d/>
+    <dgm:txPr/>
+    <dgm:style>
+      <a:lnRef idx="0">
+        <a:scrgbClr r="0" g="0" b="0"/>
+      </a:lnRef>
+      <a:fillRef idx="1">
+        <a:scrgbClr r="0" g="0" b="0"/>
+      </a:fillRef>
+      <a:effectRef idx="0">
+        <a:scrgbClr r="0" g="0" b="0"/>
+      </a:effectRef>
+      <a:fontRef idx="minor"/>
+    </dgm:style>
+  </dgm:styleLbl>
+  <dgm:styleLbl name="dkBgShp">
+    <dgm:scene3d>
+      <a:camera prst="orthographicFront"/>
+      <a:lightRig rig="threePt" dir="t"/>
+    </dgm:scene3d>
+    <dgm:sp3d/>
+    <dgm:txPr/>
+    <dgm:style>
+      <a:lnRef idx="0">
+        <a:scrgbClr r="0" g="0" b="0"/>
+      </a:lnRef>
+      <a:fillRef idx="1">
+        <a:scrgbClr r="0" g="0" b="0"/>
+      </a:fillRef>
+      <a:effectRef idx="0">
+        <a:scrgbClr r="0" g="0" b="0"/>
+      </a:effectRef>
+      <a:fontRef idx="minor"/>
+    </dgm:style>
+  </dgm:styleLbl>
+  <dgm:styleLbl name="trBgShp">
+    <dgm:scene3d>
+      <a:camera prst="orthographicFront"/>
+      <a:lightRig rig="threePt" dir="t"/>
+    </dgm:scene3d>
+    <dgm:sp3d/>
+    <dgm:txPr/>
+    <dgm:style>
+      <a:lnRef idx="0">
+        <a:scrgbClr r="0" g="0" b="0"/>
+      </a:lnRef>
+      <a:fillRef idx="1">
+        <a:scrgbClr r="0" g="0" b="0"/>
+      </a:fillRef>
+      <a:effectRef idx="0">
+        <a:scrgbClr r="0" g="0" b="0"/>
+      </a:effectRef>
+      <a:fontRef idx="minor"/>
+    </dgm:style>
+  </dgm:styleLbl>
+  <dgm:styleLbl name="fgShp">
+    <dgm:scene3d>
+      <a:camera prst="orthographicFront"/>
+      <a:lightRig rig="threePt" dir="t"/>
+    </dgm:scene3d>
+    <dgm:sp3d/>
+    <dgm:txPr/>
+    <dgm:style>
+      <a:lnRef idx="2">
+        <a:scrgbClr r="0" g="0" b="0"/>
+      </a:lnRef>
+      <a:fillRef idx="1">
+        <a:scrgbClr r="0" g="0" b="0"/>
+      </a:fillRef>
+      <a:effectRef idx="0">
+        <a:scrgbClr r="0" g="0" b="0"/>
+      </a:effectRef>
+      <a:fontRef idx="minor"/>
+    </dgm:style>
+  </dgm:styleLbl>
+  <dgm:styleLbl name="revTx">
+    <dgm:scene3d>
+      <a:camera prst="orthographicFront"/>
+      <a:lightRig rig="threePt" dir="t"/>
+    </dgm:scene3d>
+    <dgm:sp3d/>
+    <dgm:txPr/>
+    <dgm:style>
+      <a:lnRef idx="0">
+        <a:scrgbClr r="0" g="0" b="0"/>
+      </a:lnRef>
+      <a:fillRef idx="0">
+        <a:scrgbClr r="0" g="0" b="0"/>
+      </a:fillRef>
+      <a:effectRef idx="0">
+        <a:scrgbClr r="0" g="0" b="0"/>
+      </a:effectRef>
+      <a:fontRef idx="minor"/>
+    </dgm:style>
+  </dgm:styleLbl>
+</dgm:styleDef>
+</file>
+
 <file path=ppt/notesMasters/notesMaster1.xml><?xml version="1.0" encoding="utf-8"?>
 <p:notesMaster xmlns:a="http://schemas.openxmlformats.org/drawingml/2006/main" xmlns:r="http://schemas.openxmlformats.org/officeDocument/2006/relationships" xmlns:p="http://schemas.openxmlformats.org/presentationml/2006/main">
   <p:cSld>
@@ -214,7 +6396,7 @@
           <a:p>
             <a:fld id="{067803CE-B60F-43EB-9075-5B30E94D311F}" type="datetimeFigureOut">
               <a:rPr lang="en-US" smtClean="0"/>
-              <a:t>6/29/2014</a:t>
+              <a:t>7/6/2014</a:t>
             </a:fld>
             <a:endParaRPr lang="en-US"/>
           </a:p>
@@ -663,7 +6845,7 @@
           <a:p>
             <a:fld id="{9B6A8A6C-B969-4849-A48A-2FD437CE6A36}" type="datetimeFigureOut">
               <a:rPr lang="en-US" smtClean="0"/>
-              <a:t>6/29/2014</a:t>
+              <a:t>7/6/2014</a:t>
             </a:fld>
             <a:endParaRPr lang="en-US"/>
           </a:p>
@@ -828,7 +7010,7 @@
           <a:p>
             <a:fld id="{9B6A8A6C-B969-4849-A48A-2FD437CE6A36}" type="datetimeFigureOut">
               <a:rPr lang="en-US" smtClean="0"/>
-              <a:t>6/29/2014</a:t>
+              <a:t>7/6/2014</a:t>
             </a:fld>
             <a:endParaRPr lang="en-US"/>
           </a:p>
@@ -1003,7 +7185,7 @@
           <a:p>
             <a:fld id="{9B6A8A6C-B969-4849-A48A-2FD437CE6A36}" type="datetimeFigureOut">
               <a:rPr lang="en-US" smtClean="0"/>
-              <a:t>6/29/2014</a:t>
+              <a:t>7/6/2014</a:t>
             </a:fld>
             <a:endParaRPr lang="en-US"/>
           </a:p>
@@ -1168,7 +7350,7 @@
           <a:p>
             <a:fld id="{9B6A8A6C-B969-4849-A48A-2FD437CE6A36}" type="datetimeFigureOut">
               <a:rPr lang="en-US" smtClean="0"/>
-              <a:t>6/29/2014</a:t>
+              <a:t>7/6/2014</a:t>
             </a:fld>
             <a:endParaRPr lang="en-US"/>
           </a:p>
@@ -1409,7 +7591,7 @@
           <a:p>
             <a:fld id="{9B6A8A6C-B969-4849-A48A-2FD437CE6A36}" type="datetimeFigureOut">
               <a:rPr lang="en-US" smtClean="0"/>
-              <a:t>6/29/2014</a:t>
+              <a:t>7/6/2014</a:t>
             </a:fld>
             <a:endParaRPr lang="en-US"/>
           </a:p>
@@ -1692,7 +7874,7 @@
           <a:p>
             <a:fld id="{9B6A8A6C-B969-4849-A48A-2FD437CE6A36}" type="datetimeFigureOut">
               <a:rPr lang="en-US" smtClean="0"/>
-              <a:t>6/29/2014</a:t>
+              <a:t>7/6/2014</a:t>
             </a:fld>
             <a:endParaRPr lang="en-US"/>
           </a:p>
@@ -2109,7 +8291,7 @@
           <a:p>
             <a:fld id="{9B6A8A6C-B969-4849-A48A-2FD437CE6A36}" type="datetimeFigureOut">
               <a:rPr lang="en-US" smtClean="0"/>
-              <a:t>6/29/2014</a:t>
+              <a:t>7/6/2014</a:t>
             </a:fld>
             <a:endParaRPr lang="en-US"/>
           </a:p>
@@ -2222,7 +8404,7 @@
           <a:p>
             <a:fld id="{9B6A8A6C-B969-4849-A48A-2FD437CE6A36}" type="datetimeFigureOut">
               <a:rPr lang="en-US" smtClean="0"/>
-              <a:t>6/29/2014</a:t>
+              <a:t>7/6/2014</a:t>
             </a:fld>
             <a:endParaRPr lang="en-US"/>
           </a:p>
@@ -2312,7 +8494,7 @@
           <a:p>
             <a:fld id="{9B6A8A6C-B969-4849-A48A-2FD437CE6A36}" type="datetimeFigureOut">
               <a:rPr lang="en-US" smtClean="0"/>
-              <a:t>6/29/2014</a:t>
+              <a:t>7/6/2014</a:t>
             </a:fld>
             <a:endParaRPr lang="en-US"/>
           </a:p>
@@ -2584,7 +8766,7 @@
           <a:p>
             <a:fld id="{9B6A8A6C-B969-4849-A48A-2FD437CE6A36}" type="datetimeFigureOut">
               <a:rPr lang="en-US" smtClean="0"/>
-              <a:t>6/29/2014</a:t>
+              <a:t>7/6/2014</a:t>
             </a:fld>
             <a:endParaRPr lang="en-US"/>
           </a:p>
@@ -2832,7 +9014,7 @@
           <a:p>
             <a:fld id="{9B6A8A6C-B969-4849-A48A-2FD437CE6A36}" type="datetimeFigureOut">
               <a:rPr lang="en-US" smtClean="0"/>
-              <a:t>6/29/2014</a:t>
+              <a:t>7/6/2014</a:t>
             </a:fld>
             <a:endParaRPr lang="en-US"/>
           </a:p>
@@ -3040,7 +9222,7 @@
           <a:p>
             <a:fld id="{9B6A8A6C-B969-4849-A48A-2FD437CE6A36}" type="datetimeFigureOut">
               <a:rPr lang="en-US" smtClean="0"/>
-              <a:t>6/29/2014</a:t>
+              <a:t>7/6/2014</a:t>
             </a:fld>
             <a:endParaRPr lang="en-US"/>
           </a:p>
@@ -3471,19 +9653,8 @@
                 <a:latin typeface="Comic Sans MS" panose="030F0702030302020204" pitchFamily="66" charset="0"/>
                 <a:cs typeface="Consolas" panose="020B0609020204030204" pitchFamily="49" charset="0"/>
               </a:rPr>
-              <a:t>Valdis</a:t>
-            </a:r>
-            <a:r>
-              <a:rPr lang="lv-LV" dirty="0">
-                <a:latin typeface="Comic Sans MS" panose="030F0702030302020204" pitchFamily="66" charset="0"/>
-                <a:cs typeface="Consolas" panose="020B0609020204030204" pitchFamily="49" charset="0"/>
-              </a:rPr>
-              <a:t> Ādamsons</a:t>
-            </a:r>
-            <a:endParaRPr lang="lv-LV" dirty="0">
-              <a:latin typeface="Comic Sans MS" panose="030F0702030302020204" pitchFamily="66" charset="0"/>
-              <a:cs typeface="Consolas" panose="020B0609020204030204" pitchFamily="49" charset="0"/>
-            </a:endParaRPr>
+              <a:t>Valdis Ādamsons</a:t>
+            </a:r>
           </a:p>
         </p:txBody>
       </p:sp>
@@ -3572,7 +9743,7 @@
         <p:spPr>
           <a:xfrm>
             <a:off x="889348" y="1691014"/>
-            <a:ext cx="5320687" cy="2031325"/>
+            <a:ext cx="6181500" cy="3970318"/>
           </a:xfrm>
           <a:prstGeom prst="rect">
             <a:avLst/>
@@ -3695,8 +9866,136 @@
                 <a:latin typeface="Comic Sans MS" panose="030F0702030302020204" pitchFamily="66" charset="0"/>
                 <a:cs typeface="Consolas" panose="020B0609020204030204" pitchFamily="49" charset="0"/>
               </a:rPr>
-              <a:t>Most graphics cards</a:t>
-            </a:r>
+              <a:t>Most graphics </a:t>
+            </a:r>
+            <a:r>
+              <a:rPr lang="en-GB" dirty="0" smtClean="0">
+                <a:latin typeface="Comic Sans MS" panose="030F0702030302020204" pitchFamily="66" charset="0"/>
+                <a:cs typeface="Consolas" panose="020B0609020204030204" pitchFamily="49" charset="0"/>
+              </a:rPr>
+              <a:t>cards</a:t>
+            </a:r>
+          </a:p>
+          <a:p>
+            <a:pPr marL="742950" lvl="1" indent="-285750">
+              <a:buFont typeface="Arial" panose="020B0604020202020204" pitchFamily="34" charset="0"/>
+              <a:buChar char="•"/>
+            </a:pPr>
+            <a:r>
+              <a:rPr lang="en-GB" dirty="0" smtClean="0">
+                <a:latin typeface="Comic Sans MS" panose="030F0702030302020204" pitchFamily="66" charset="0"/>
+                <a:cs typeface="Consolas" panose="020B0609020204030204" pitchFamily="49" charset="0"/>
+              </a:rPr>
+              <a:t>Intel Phi cards</a:t>
+            </a:r>
+            <a:endParaRPr lang="lv-LV" dirty="0" smtClean="0">
+              <a:latin typeface="Comic Sans MS" panose="030F0702030302020204" pitchFamily="66" charset="0"/>
+              <a:cs typeface="Consolas" panose="020B0609020204030204" pitchFamily="49" charset="0"/>
+            </a:endParaRPr>
+          </a:p>
+          <a:p>
+            <a:pPr marL="742950" lvl="1" indent="-285750">
+              <a:buFont typeface="Arial" panose="020B0604020202020204" pitchFamily="34" charset="0"/>
+              <a:buChar char="•"/>
+            </a:pPr>
+            <a:r>
+              <a:rPr lang="en-GB" dirty="0" smtClean="0">
+                <a:latin typeface="Comic Sans MS" panose="030F0702030302020204" pitchFamily="66" charset="0"/>
+                <a:cs typeface="Consolas" panose="020B0609020204030204" pitchFamily="49" charset="0"/>
+              </a:rPr>
+              <a:t>CPUs</a:t>
+            </a:r>
+            <a:r>
+              <a:rPr lang="lv-LV" dirty="0" smtClean="0">
+                <a:latin typeface="Comic Sans MS" panose="030F0702030302020204" pitchFamily="66" charset="0"/>
+                <a:cs typeface="Consolas" panose="020B0609020204030204" pitchFamily="49" charset="0"/>
+              </a:rPr>
+              <a:t> </a:t>
+            </a:r>
+            <a:r>
+              <a:rPr lang="en-GB" dirty="0" smtClean="0">
+                <a:latin typeface="Comic Sans MS" panose="030F0702030302020204" pitchFamily="66" charset="0"/>
+                <a:cs typeface="Consolas" panose="020B0609020204030204" pitchFamily="49" charset="0"/>
+              </a:rPr>
+              <a:t>using</a:t>
+            </a:r>
+            <a:r>
+              <a:rPr lang="lv-LV" dirty="0" smtClean="0">
+                <a:latin typeface="Comic Sans MS" panose="030F0702030302020204" pitchFamily="66" charset="0"/>
+                <a:cs typeface="Consolas" panose="020B0609020204030204" pitchFamily="49" charset="0"/>
+              </a:rPr>
+              <a:t> </a:t>
+            </a:r>
+            <a:r>
+              <a:rPr lang="en-GB" dirty="0" smtClean="0">
+                <a:latin typeface="Comic Sans MS" panose="030F0702030302020204" pitchFamily="66" charset="0"/>
+                <a:cs typeface="Consolas" panose="020B0609020204030204" pitchFamily="49" charset="0"/>
+              </a:rPr>
+              <a:t>vector instructions</a:t>
+            </a:r>
+          </a:p>
+          <a:p>
+            <a:pPr marL="742950" lvl="1" indent="-285750">
+              <a:buFont typeface="Arial" panose="020B0604020202020204" pitchFamily="34" charset="0"/>
+              <a:buChar char="•"/>
+            </a:pPr>
+            <a:r>
+              <a:rPr lang="en-GB" dirty="0" smtClean="0">
+                <a:latin typeface="Comic Sans MS" panose="030F0702030302020204" pitchFamily="66" charset="0"/>
+                <a:cs typeface="Consolas" panose="020B0609020204030204" pitchFamily="49" charset="0"/>
+              </a:rPr>
+              <a:t>FPGAs</a:t>
+            </a:r>
+          </a:p>
+          <a:p>
+            <a:pPr marL="742950" lvl="1" indent="-285750">
+              <a:buFont typeface="Arial" panose="020B0604020202020204" pitchFamily="34" charset="0"/>
+              <a:buChar char="•"/>
+            </a:pPr>
+            <a:r>
+              <a:rPr lang="en-GB" dirty="0" smtClean="0">
+                <a:latin typeface="Comic Sans MS" panose="030F0702030302020204" pitchFamily="66" charset="0"/>
+                <a:cs typeface="Consolas" panose="020B0609020204030204" pitchFamily="49" charset="0"/>
+              </a:rPr>
+              <a:t>Other devices, like </a:t>
+            </a:r>
+            <a:r>
+              <a:rPr lang="en-GB" dirty="0" err="1" smtClean="0">
+                <a:latin typeface="Comic Sans MS" panose="030F0702030302020204" pitchFamily="66" charset="0"/>
+                <a:cs typeface="Consolas" panose="020B0609020204030204" pitchFamily="49" charset="0"/>
+              </a:rPr>
+              <a:t>Adapteva</a:t>
+            </a:r>
+            <a:r>
+              <a:rPr lang="en-GB" dirty="0" smtClean="0">
+                <a:latin typeface="Comic Sans MS" panose="030F0702030302020204" pitchFamily="66" charset="0"/>
+                <a:cs typeface="Consolas" panose="020B0609020204030204" pitchFamily="49" charset="0"/>
+              </a:rPr>
+              <a:t> Empathy processor</a:t>
+            </a:r>
+          </a:p>
+          <a:p>
+            <a:pPr marL="742950" lvl="1" indent="-285750">
+              <a:buFont typeface="Arial" panose="020B0604020202020204" pitchFamily="34" charset="0"/>
+              <a:buChar char="•"/>
+            </a:pPr>
+            <a:r>
+              <a:rPr lang="en-GB" dirty="0" smtClean="0">
+                <a:latin typeface="Comic Sans MS" panose="030F0702030302020204" pitchFamily="66" charset="0"/>
+                <a:cs typeface="Consolas" panose="020B0609020204030204" pitchFamily="49" charset="0"/>
+              </a:rPr>
+              <a:t>etc.</a:t>
+            </a:r>
+          </a:p>
+          <a:p>
+            <a:pPr marL="742950" lvl="1" indent="-285750">
+              <a:buFont typeface="Arial" panose="020B0604020202020204" pitchFamily="34" charset="0"/>
+              <a:buChar char="•"/>
+            </a:pPr>
+            <a:endParaRPr lang="en-GB" dirty="0">
+              <a:latin typeface="Comic Sans MS" panose="030F0702030302020204" pitchFamily="66" charset="0"/>
+              <a:cs typeface="Consolas" panose="020B0609020204030204" pitchFamily="49" charset="0"/>
+            </a:endParaRPr>
           </a:p>
           <a:p>
             <a:pPr marL="742950" lvl="1" indent="-285750">
@@ -3713,6 +10012,16 @@
               <a:buFont typeface="Arial" panose="020B0604020202020204" pitchFamily="34" charset="0"/>
               <a:buChar char="•"/>
             </a:pPr>
+            <a:endParaRPr lang="en-GB" dirty="0" smtClean="0">
+              <a:latin typeface="Comic Sans MS" panose="030F0702030302020204" pitchFamily="66" charset="0"/>
+              <a:cs typeface="Consolas" panose="020B0609020204030204" pitchFamily="49" charset="0"/>
+            </a:endParaRPr>
+          </a:p>
+          <a:p>
+            <a:pPr marL="742950" lvl="1" indent="-285750">
+              <a:buFont typeface="Arial" panose="020B0604020202020204" pitchFamily="34" charset="0"/>
+              <a:buChar char="•"/>
+            </a:pPr>
             <a:endParaRPr lang="lv-LV" dirty="0">
               <a:latin typeface="Comic Sans MS" panose="030F0702030302020204" pitchFamily="66" charset="0"/>
               <a:cs typeface="Consolas" panose="020B0609020204030204" pitchFamily="49" charset="0"/>
@@ -3720,36 +10029,94 @@
           </a:p>
         </p:txBody>
       </p:sp>
-      <p:sp>
-        <p:nvSpPr>
-          <p:cNvPr id="5" name="TextBox 4"/>
-          <p:cNvSpPr txBox="1"/>
+      <p:pic>
+        <p:nvPicPr>
+          <p:cNvPr id="2" name="Picture 1"/>
+          <p:cNvPicPr>
+            <a:picLocks noChangeAspect="1"/>
+          </p:cNvPicPr>
           <p:nvPr/>
-        </p:nvSpPr>
+        </p:nvPicPr>
+        <p:blipFill>
+          <a:blip r:embed="rId2">
+            <a:extLst>
+              <a:ext uri="{28A0092B-C50C-407E-A947-70E740481C1C}">
+                <a14:useLocalDpi xmlns:a14="http://schemas.microsoft.com/office/drawing/2010/main" val="0"/>
+              </a:ext>
+            </a:extLst>
+          </a:blip>
+          <a:stretch>
+            <a:fillRect/>
+          </a:stretch>
+        </p:blipFill>
         <p:spPr>
           <a:xfrm>
-            <a:off x="1402915" y="4058433"/>
-            <a:ext cx="1544077" cy="369332"/>
+            <a:off x="889348" y="4753048"/>
+            <a:ext cx="2446555" cy="1816567"/>
           </a:xfrm>
           <a:prstGeom prst="rect">
             <a:avLst/>
           </a:prstGeom>
-          <a:noFill/>
         </p:spPr>
-        <p:txBody>
-          <a:bodyPr wrap="none" rtlCol="0">
-            <a:spAutoFit/>
-          </a:bodyPr>
-          <a:lstStyle/>
-          <a:p>
-            <a:r>
-              <a:rPr lang="en-GB" dirty="0" smtClean="0"/>
-              <a:t>TODO pictures</a:t>
-            </a:r>
-            <a:endParaRPr lang="lv-LV" dirty="0"/>
-          </a:p>
-        </p:txBody>
-      </p:sp>
+      </p:pic>
+      <p:pic>
+        <p:nvPicPr>
+          <p:cNvPr id="3" name="Picture 2"/>
+          <p:cNvPicPr>
+            <a:picLocks noChangeAspect="1"/>
+          </p:cNvPicPr>
+          <p:nvPr/>
+        </p:nvPicPr>
+        <p:blipFill rotWithShape="1">
+          <a:blip r:embed="rId3">
+            <a:extLst>
+              <a:ext uri="{28A0092B-C50C-407E-A947-70E740481C1C}">
+                <a14:useLocalDpi xmlns:a14="http://schemas.microsoft.com/office/drawing/2010/main" val="0"/>
+              </a:ext>
+            </a:extLst>
+          </a:blip>
+          <a:srcRect l="11711" t="18678" r="14636" b="21651"/>
+          <a:stretch/>
+        </p:blipFill>
+        <p:spPr>
+          <a:xfrm>
+            <a:off x="6019836" y="4753048"/>
+            <a:ext cx="2055383" cy="1362426"/>
+          </a:xfrm>
+          <a:prstGeom prst="rect">
+            <a:avLst/>
+          </a:prstGeom>
+        </p:spPr>
+      </p:pic>
+      <p:pic>
+        <p:nvPicPr>
+          <p:cNvPr id="6" name="Picture 5"/>
+          <p:cNvPicPr>
+            <a:picLocks noChangeAspect="1"/>
+          </p:cNvPicPr>
+          <p:nvPr/>
+        </p:nvPicPr>
+        <p:blipFill rotWithShape="1">
+          <a:blip r:embed="rId4">
+            <a:extLst>
+              <a:ext uri="{28A0092B-C50C-407E-A947-70E740481C1C}">
+                <a14:useLocalDpi xmlns:a14="http://schemas.microsoft.com/office/drawing/2010/main" val="0"/>
+              </a:ext>
+            </a:extLst>
+          </a:blip>
+          <a:srcRect l="22275" t="19674" r="14484" b="20488"/>
+          <a:stretch/>
+        </p:blipFill>
+        <p:spPr>
+          <a:xfrm>
+            <a:off x="3335903" y="4753048"/>
+            <a:ext cx="2683933" cy="1693668"/>
+          </a:xfrm>
+          <a:prstGeom prst="rect">
+            <a:avLst/>
+          </a:prstGeom>
+        </p:spPr>
+      </p:pic>
     </p:spTree>
     <p:extLst>
       <p:ext uri="{BB962C8B-B14F-4D97-AF65-F5344CB8AC3E}">
@@ -3771,6 +10138,312 @@
 </file>
 
 <file path=ppt/slides/slide3.xml><?xml version="1.0" encoding="utf-8"?>
+<p:sld xmlns:a="http://schemas.openxmlformats.org/drawingml/2006/main" xmlns:r="http://schemas.openxmlformats.org/officeDocument/2006/relationships" xmlns:p="http://schemas.openxmlformats.org/presentationml/2006/main">
+  <p:cSld>
+    <p:spTree>
+      <p:nvGrpSpPr>
+        <p:cNvPr id="1" name=""/>
+        <p:cNvGrpSpPr/>
+        <p:nvPr/>
+      </p:nvGrpSpPr>
+      <p:grpSpPr>
+        <a:xfrm>
+          <a:off x="0" y="0"/>
+          <a:ext cx="0" cy="0"/>
+          <a:chOff x="0" y="0"/>
+          <a:chExt cx="0" cy="0"/>
+        </a:xfrm>
+      </p:grpSpPr>
+      <p:sp>
+        <p:nvSpPr>
+          <p:cNvPr id="13" name="Title 1"/>
+          <p:cNvSpPr>
+            <a:spLocks noGrp="1"/>
+          </p:cNvSpPr>
+          <p:nvPr>
+            <p:ph type="title"/>
+          </p:nvPr>
+        </p:nvSpPr>
+        <p:spPr>
+          <a:xfrm>
+            <a:off x="457200" y="274638"/>
+            <a:ext cx="8229600" cy="1143000"/>
+          </a:xfrm>
+        </p:spPr>
+        <p:txBody>
+          <a:bodyPr>
+            <a:normAutofit/>
+          </a:bodyPr>
+          <a:lstStyle/>
+          <a:p>
+            <a:pPr algn="l"/>
+            <a:r>
+              <a:rPr lang="lv-LV" dirty="0" err="1" smtClean="0">
+                <a:solidFill>
+                  <a:schemeClr val="bg1">
+                    <a:lumMod val="50000"/>
+                  </a:schemeClr>
+                </a:solidFill>
+                <a:latin typeface="Comic Sans MS"/>
+                <a:cs typeface="Comic Sans MS"/>
+              </a:rPr>
+              <a:t>OpenCL</a:t>
+            </a:r>
+            <a:r>
+              <a:rPr lang="lv-LV" dirty="0" smtClean="0">
+                <a:solidFill>
+                  <a:schemeClr val="bg1">
+                    <a:lumMod val="50000"/>
+                  </a:schemeClr>
+                </a:solidFill>
+                <a:latin typeface="Comic Sans MS"/>
+                <a:cs typeface="Comic Sans MS"/>
+              </a:rPr>
+              <a:t> </a:t>
+            </a:r>
+            <a:r>
+              <a:rPr lang="en-GB" dirty="0" smtClean="0">
+                <a:solidFill>
+                  <a:schemeClr val="bg1">
+                    <a:lumMod val="50000"/>
+                  </a:schemeClr>
+                </a:solidFill>
+                <a:latin typeface="Comic Sans MS"/>
+                <a:cs typeface="Comic Sans MS"/>
+              </a:rPr>
+              <a:t>computation</a:t>
+            </a:r>
+            <a:r>
+              <a:rPr lang="lv-LV" dirty="0" smtClean="0">
+                <a:solidFill>
+                  <a:schemeClr val="bg1">
+                    <a:lumMod val="50000"/>
+                  </a:schemeClr>
+                </a:solidFill>
+                <a:latin typeface="Comic Sans MS"/>
+                <a:cs typeface="Comic Sans MS"/>
+              </a:rPr>
+              <a:t> </a:t>
+            </a:r>
+            <a:r>
+              <a:rPr lang="en-GB" dirty="0" smtClean="0">
+                <a:solidFill>
+                  <a:schemeClr val="bg1">
+                    <a:lumMod val="50000"/>
+                  </a:schemeClr>
+                </a:solidFill>
+                <a:latin typeface="Comic Sans MS"/>
+                <a:cs typeface="Comic Sans MS"/>
+              </a:rPr>
+              <a:t>model</a:t>
+            </a:r>
+            <a:endParaRPr lang="en-GB" dirty="0"/>
+          </a:p>
+        </p:txBody>
+      </p:sp>
+      <p:sp>
+        <p:nvSpPr>
+          <p:cNvPr id="4" name="TextBox 3"/>
+          <p:cNvSpPr txBox="1"/>
+          <p:nvPr/>
+        </p:nvSpPr>
+        <p:spPr>
+          <a:xfrm>
+            <a:off x="906281" y="1417638"/>
+            <a:ext cx="8254652" cy="1754326"/>
+          </a:xfrm>
+          <a:prstGeom prst="rect">
+            <a:avLst/>
+          </a:prstGeom>
+          <a:noFill/>
+        </p:spPr>
+        <p:txBody>
+          <a:bodyPr wrap="square" rtlCol="0">
+            <a:spAutoFit/>
+          </a:bodyPr>
+          <a:lstStyle/>
+          <a:p>
+            <a:pPr marL="285750" indent="-285750">
+              <a:buFont typeface="Arial" panose="020B0604020202020204" pitchFamily="34" charset="0"/>
+              <a:buChar char="•"/>
+            </a:pPr>
+            <a:r>
+              <a:rPr lang="en-GB" dirty="0" smtClean="0">
+                <a:latin typeface="Comic Sans MS" panose="030F0702030302020204" pitchFamily="66" charset="0"/>
+                <a:cs typeface="Consolas" panose="020B0609020204030204" pitchFamily="49" charset="0"/>
+              </a:rPr>
+              <a:t>The job is split into many tasks</a:t>
+            </a:r>
+          </a:p>
+          <a:p>
+            <a:pPr marL="285750" indent="-285750">
+              <a:buFont typeface="Arial" panose="020B0604020202020204" pitchFamily="34" charset="0"/>
+              <a:buChar char="•"/>
+            </a:pPr>
+            <a:r>
+              <a:rPr lang="en-GB" dirty="0" smtClean="0">
+                <a:latin typeface="Comic Sans MS" panose="030F0702030302020204" pitchFamily="66" charset="0"/>
+                <a:cs typeface="Consolas" panose="020B0609020204030204" pitchFamily="49" charset="0"/>
+              </a:rPr>
+              <a:t>Processing elements(PEs) execute these tasks</a:t>
+            </a:r>
+          </a:p>
+          <a:p>
+            <a:pPr marL="285750" indent="-285750">
+              <a:buFont typeface="Arial" panose="020B0604020202020204" pitchFamily="34" charset="0"/>
+              <a:buChar char="•"/>
+            </a:pPr>
+            <a:r>
+              <a:rPr lang="en-GB" dirty="0" smtClean="0">
+                <a:latin typeface="Comic Sans MS" panose="030F0702030302020204" pitchFamily="66" charset="0"/>
+                <a:cs typeface="Consolas" panose="020B0609020204030204" pitchFamily="49" charset="0"/>
+              </a:rPr>
+              <a:t>Each processing element(PE)</a:t>
+            </a:r>
+            <a:r>
+              <a:rPr lang="en-GB" dirty="0" smtClean="0">
+                <a:latin typeface="Comic Sans MS" panose="030F0702030302020204" pitchFamily="66" charset="0"/>
+                <a:cs typeface="Consolas" panose="020B0609020204030204" pitchFamily="49" charset="0"/>
+              </a:rPr>
+              <a:t> </a:t>
+            </a:r>
+            <a:r>
+              <a:rPr lang="en-GB" dirty="0" smtClean="0">
+                <a:latin typeface="Comic Sans MS" panose="030F0702030302020204" pitchFamily="66" charset="0"/>
+                <a:cs typeface="Consolas" panose="020B0609020204030204" pitchFamily="49" charset="0"/>
+              </a:rPr>
+              <a:t>does </a:t>
+            </a:r>
+            <a:r>
+              <a:rPr lang="en-GB" b="1" dirty="0" smtClean="0">
+                <a:latin typeface="Comic Sans MS" panose="030F0702030302020204" pitchFamily="66" charset="0"/>
+                <a:cs typeface="Consolas" panose="020B0609020204030204" pitchFamily="49" charset="0"/>
+              </a:rPr>
+              <a:t>the</a:t>
+            </a:r>
+            <a:r>
+              <a:rPr lang="en-GB" dirty="0" smtClean="0">
+                <a:latin typeface="Comic Sans MS" panose="030F0702030302020204" pitchFamily="66" charset="0"/>
+                <a:cs typeface="Consolas" panose="020B0609020204030204" pitchFamily="49" charset="0"/>
+              </a:rPr>
+              <a:t> </a:t>
+            </a:r>
+            <a:r>
+              <a:rPr lang="en-GB" b="1" dirty="0" smtClean="0">
+                <a:latin typeface="Comic Sans MS" panose="030F0702030302020204" pitchFamily="66" charset="0"/>
+                <a:cs typeface="Consolas" panose="020B0609020204030204" pitchFamily="49" charset="0"/>
+              </a:rPr>
+              <a:t>same instructions</a:t>
+            </a:r>
+            <a:r>
+              <a:rPr lang="en-GB" dirty="0" smtClean="0">
+                <a:latin typeface="Comic Sans MS" panose="030F0702030302020204" pitchFamily="66" charset="0"/>
+                <a:cs typeface="Consolas" panose="020B0609020204030204" pitchFamily="49" charset="0"/>
+              </a:rPr>
+              <a:t>, but on </a:t>
+            </a:r>
+            <a:r>
+              <a:rPr lang="en-GB" b="1" dirty="0" smtClean="0">
+                <a:latin typeface="Comic Sans MS" panose="030F0702030302020204" pitchFamily="66" charset="0"/>
+                <a:cs typeface="Consolas" panose="020B0609020204030204" pitchFamily="49" charset="0"/>
+              </a:rPr>
+              <a:t>different data(task)</a:t>
+            </a:r>
+          </a:p>
+          <a:p>
+            <a:pPr marL="285750" indent="-285750">
+              <a:buFont typeface="Arial" panose="020B0604020202020204" pitchFamily="34" charset="0"/>
+              <a:buChar char="•"/>
+            </a:pPr>
+            <a:endParaRPr lang="en-GB" b="1" dirty="0" smtClean="0">
+              <a:latin typeface="Comic Sans MS" panose="030F0702030302020204" pitchFamily="66" charset="0"/>
+              <a:cs typeface="Consolas" panose="020B0609020204030204" pitchFamily="49" charset="0"/>
+            </a:endParaRPr>
+          </a:p>
+          <a:p>
+            <a:pPr marL="285750" indent="-285750">
+              <a:buFont typeface="Arial" panose="020B0604020202020204" pitchFamily="34" charset="0"/>
+              <a:buChar char="•"/>
+            </a:pPr>
+            <a:r>
+              <a:rPr lang="en-GB" dirty="0" smtClean="0">
+                <a:latin typeface="Comic Sans MS" panose="030F0702030302020204" pitchFamily="66" charset="0"/>
+                <a:cs typeface="Consolas" panose="020B0609020204030204" pitchFamily="49" charset="0"/>
+              </a:rPr>
+              <a:t>Not everything translates well to </a:t>
+            </a:r>
+            <a:r>
+              <a:rPr lang="en-GB" dirty="0" err="1" smtClean="0">
+                <a:latin typeface="Comic Sans MS" panose="030F0702030302020204" pitchFamily="66" charset="0"/>
+                <a:cs typeface="Consolas" panose="020B0609020204030204" pitchFamily="49" charset="0"/>
+              </a:rPr>
+              <a:t>OpenCL</a:t>
+            </a:r>
+            <a:r>
+              <a:rPr lang="en-GB" dirty="0" smtClean="0">
+                <a:latin typeface="Comic Sans MS" panose="030F0702030302020204" pitchFamily="66" charset="0"/>
+                <a:cs typeface="Consolas" panose="020B0609020204030204" pitchFamily="49" charset="0"/>
+              </a:rPr>
+              <a:t> </a:t>
+            </a:r>
+            <a:r>
+              <a:rPr lang="en-GB" dirty="0" smtClean="0">
+                <a:latin typeface="Comic Sans MS" panose="030F0702030302020204" pitchFamily="66" charset="0"/>
+                <a:cs typeface="Consolas" panose="020B0609020204030204" pitchFamily="49" charset="0"/>
+                <a:sym typeface="Wingdings" panose="05000000000000000000" pitchFamily="2" charset="2"/>
+              </a:rPr>
+              <a:t></a:t>
+            </a:r>
+            <a:endParaRPr lang="lv-LV" dirty="0">
+              <a:latin typeface="Comic Sans MS" panose="030F0702030302020204" pitchFamily="66" charset="0"/>
+              <a:cs typeface="Consolas" panose="020B0609020204030204" pitchFamily="49" charset="0"/>
+            </a:endParaRPr>
+          </a:p>
+        </p:txBody>
+      </p:sp>
+      <p:graphicFrame>
+        <p:nvGraphicFramePr>
+          <p:cNvPr id="7" name="Diagram 6"/>
+          <p:cNvGraphicFramePr/>
+          <p:nvPr>
+            <p:extLst>
+              <p:ext uri="{D42A27DB-BD31-4B8C-83A1-F6EECF244321}">
+                <p14:modId xmlns:p14="http://schemas.microsoft.com/office/powerpoint/2010/main" val="2274838872"/>
+              </p:ext>
+            </p:extLst>
+          </p:nvPr>
+        </p:nvGraphicFramePr>
+        <p:xfrm>
+          <a:off x="906281" y="3606799"/>
+          <a:ext cx="7695852" cy="3141133"/>
+        </p:xfrm>
+        <a:graphic>
+          <a:graphicData uri="http://schemas.openxmlformats.org/drawingml/2006/diagram">
+            <dgm:relIds xmlns:dgm="http://schemas.openxmlformats.org/drawingml/2006/diagram" xmlns:r="http://schemas.openxmlformats.org/officeDocument/2006/relationships" r:dm="rId2" r:lo="rId3" r:qs="rId4" r:cs="rId5"/>
+          </a:graphicData>
+        </a:graphic>
+      </p:graphicFrame>
+    </p:spTree>
+    <p:extLst>
+      <p:ext uri="{BB962C8B-B14F-4D97-AF65-F5344CB8AC3E}">
+        <p14:creationId xmlns:p14="http://schemas.microsoft.com/office/powerpoint/2010/main" val="1842279727"/>
+      </p:ext>
+    </p:extLst>
+  </p:cSld>
+  <p:clrMapOvr>
+    <a:masterClrMapping/>
+  </p:clrMapOvr>
+  <p:timing>
+    <p:tnLst>
+      <p:par>
+        <p:cTn id="1" dur="indefinite" restart="never" nodeType="tmRoot"/>
+      </p:par>
+    </p:tnLst>
+  </p:timing>
+</p:sld>
+</file>
+
+<file path=ppt/slides/slide4.xml><?xml version="1.0" encoding="utf-8"?>
 <p:sld xmlns:a="http://schemas.openxmlformats.org/drawingml/2006/main" xmlns:r="http://schemas.openxmlformats.org/officeDocument/2006/relationships" xmlns:p="http://schemas.openxmlformats.org/presentationml/2006/main">
   <p:cSld>
     <p:spTree>
@@ -4567,10 +11240,6 @@
               </a:rPr>
               <a:t> here! </a:t>
             </a:r>
-            <a:endParaRPr lang="en-GB" sz="2400" dirty="0">
-              <a:latin typeface="Comic Sans MS" panose="030F0702030302020204" pitchFamily="66" charset="0"/>
-              <a:cs typeface="Consolas" panose="020B0609020204030204" pitchFamily="49" charset="0"/>
-            </a:endParaRPr>
           </a:p>
         </p:txBody>
       </p:sp>
@@ -4594,7 +11263,7 @@
 </p:sld>
 </file>
 
-<file path=ppt/slides/slide4.xml><?xml version="1.0" encoding="utf-8"?>
+<file path=ppt/slides/slide5.xml><?xml version="1.0" encoding="utf-8"?>
 <p:sld xmlns:a="http://schemas.openxmlformats.org/drawingml/2006/main" xmlns:r="http://schemas.openxmlformats.org/officeDocument/2006/relationships" xmlns:p="http://schemas.openxmlformats.org/presentationml/2006/main">
   <p:cSld>
     <p:spTree>
@@ -5531,7 +12200,7 @@
 </p:sld>
 </file>
 
-<file path=ppt/slides/slide5.xml><?xml version="1.0" encoding="utf-8"?>
+<file path=ppt/slides/slide6.xml><?xml version="1.0" encoding="utf-8"?>
 <p:sld xmlns:a="http://schemas.openxmlformats.org/drawingml/2006/main" xmlns:r="http://schemas.openxmlformats.org/officeDocument/2006/relationships" xmlns:p="http://schemas.openxmlformats.org/presentationml/2006/main">
   <p:cSld>
     <p:spTree>
@@ -6526,13 +13195,6 @@
               </a:rPr>
               <a:t>}</a:t>
             </a:r>
-            <a:endParaRPr lang="en-US" sz="1050" dirty="0">
-              <a:solidFill>
-                <a:srgbClr val="92D050"/>
-              </a:solidFill>
-              <a:latin typeface="Courier New" panose="02070309020205020404" pitchFamily="49" charset="0"/>
-              <a:cs typeface="Courier New" panose="02070309020205020404" pitchFamily="49" charset="0"/>
-            </a:endParaRPr>
           </a:p>
         </p:txBody>
       </p:sp>
@@ -8324,7 +14986,7 @@
 </p:sld>
 </file>
 
-<file path=ppt/slides/slide6.xml><?xml version="1.0" encoding="utf-8"?>
+<file path=ppt/slides/slide7.xml><?xml version="1.0" encoding="utf-8"?>
 <p:sld xmlns:a="http://schemas.openxmlformats.org/drawingml/2006/main" xmlns:r="http://schemas.openxmlformats.org/officeDocument/2006/relationships" xmlns:p="http://schemas.openxmlformats.org/presentationml/2006/main">
   <p:cSld>
     <p:spTree>
@@ -8447,7 +15109,21 @@
                 <a:latin typeface="Comic Sans MS" panose="030F0702030302020204" pitchFamily="66" charset="0"/>
                 <a:cs typeface="Consolas" panose="020B0609020204030204" pitchFamily="49" charset="0"/>
               </a:rPr>
-              <a:t>Some operations might still be running on the CPU.  The compiler can warn you.</a:t>
+              <a:t>Some operations might still be running on the </a:t>
+            </a:r>
+            <a:r>
+              <a:rPr lang="en-GB" dirty="0" smtClean="0">
+                <a:latin typeface="Comic Sans MS" panose="030F0702030302020204" pitchFamily="66" charset="0"/>
+                <a:cs typeface="Consolas" panose="020B0609020204030204" pitchFamily="49" charset="0"/>
+              </a:rPr>
+              <a:t>CPU!  </a:t>
+            </a:r>
+            <a:r>
+              <a:rPr lang="en-GB" dirty="0" smtClean="0">
+                <a:latin typeface="Comic Sans MS" panose="030F0702030302020204" pitchFamily="66" charset="0"/>
+                <a:cs typeface="Consolas" panose="020B0609020204030204" pitchFamily="49" charset="0"/>
+              </a:rPr>
+              <a:t>The compiler can warn you.</a:t>
             </a:r>
           </a:p>
           <a:p>
@@ -8657,7 +15333,132 @@
 </p:sld>
 </file>
 
-<file path=ppt/slides/slide7.xml><?xml version="1.0" encoding="utf-8"?>
+<file path=ppt/slides/slide8.xml><?xml version="1.0" encoding="utf-8"?>
+<p:sld xmlns:a="http://schemas.openxmlformats.org/drawingml/2006/main" xmlns:r="http://schemas.openxmlformats.org/officeDocument/2006/relationships" xmlns:p="http://schemas.openxmlformats.org/presentationml/2006/main">
+  <p:cSld>
+    <p:spTree>
+      <p:nvGrpSpPr>
+        <p:cNvPr id="1" name=""/>
+        <p:cNvGrpSpPr/>
+        <p:nvPr/>
+      </p:nvGrpSpPr>
+      <p:grpSpPr>
+        <a:xfrm>
+          <a:off x="0" y="0"/>
+          <a:ext cx="0" cy="0"/>
+          <a:chOff x="0" y="0"/>
+          <a:chExt cx="0" cy="0"/>
+        </a:xfrm>
+      </p:grpSpPr>
+      <p:sp>
+        <p:nvSpPr>
+          <p:cNvPr id="13" name="Title 1"/>
+          <p:cNvSpPr>
+            <a:spLocks noGrp="1"/>
+          </p:cNvSpPr>
+          <p:nvPr>
+            <p:ph type="title"/>
+          </p:nvPr>
+        </p:nvSpPr>
+        <p:spPr>
+          <a:xfrm>
+            <a:off x="457200" y="274638"/>
+            <a:ext cx="8229600" cy="1143000"/>
+          </a:xfrm>
+        </p:spPr>
+        <p:txBody>
+          <a:bodyPr>
+            <a:normAutofit/>
+          </a:bodyPr>
+          <a:lstStyle/>
+          <a:p>
+            <a:pPr algn="l"/>
+            <a:r>
+              <a:rPr lang="en-GB" dirty="0" smtClean="0">
+                <a:solidFill>
+                  <a:schemeClr val="bg1">
+                    <a:lumMod val="50000"/>
+                  </a:schemeClr>
+                </a:solidFill>
+                <a:latin typeface="Comic Sans MS"/>
+              </a:rPr>
+              <a:t>Chisel</a:t>
+            </a:r>
+            <a:endParaRPr lang="en-US" dirty="0"/>
+          </a:p>
+        </p:txBody>
+      </p:sp>
+      <p:sp>
+        <p:nvSpPr>
+          <p:cNvPr id="4" name="TextBox 3"/>
+          <p:cNvSpPr txBox="1"/>
+          <p:nvPr/>
+        </p:nvSpPr>
+        <p:spPr>
+          <a:xfrm>
+            <a:off x="563672" y="1691014"/>
+            <a:ext cx="5715294" cy="646331"/>
+          </a:xfrm>
+          <a:prstGeom prst="rect">
+            <a:avLst/>
+          </a:prstGeom>
+          <a:noFill/>
+        </p:spPr>
+        <p:txBody>
+          <a:bodyPr wrap="square" rtlCol="0">
+            <a:spAutoFit/>
+          </a:bodyPr>
+          <a:lstStyle/>
+          <a:p>
+            <a:pPr marL="285750" indent="-285750">
+              <a:buFont typeface="Arial" panose="020B0604020202020204" pitchFamily="34" charset="0"/>
+              <a:buChar char="•"/>
+            </a:pPr>
+            <a:r>
+              <a:rPr lang="en-GB" smtClean="0">
+                <a:latin typeface="Comic Sans MS" panose="030F0702030302020204" pitchFamily="66" charset="0"/>
+                <a:cs typeface="Consolas" panose="020B0609020204030204" pitchFamily="49" charset="0"/>
+              </a:rPr>
+              <a:t>TODO</a:t>
+            </a:r>
+            <a:endParaRPr lang="en-GB" dirty="0" smtClean="0">
+              <a:latin typeface="Comic Sans MS" panose="030F0702030302020204" pitchFamily="66" charset="0"/>
+              <a:cs typeface="Consolas" panose="020B0609020204030204" pitchFamily="49" charset="0"/>
+            </a:endParaRPr>
+          </a:p>
+          <a:p>
+            <a:pPr marL="285750" indent="-285750">
+              <a:buFont typeface="Arial" panose="020B0604020202020204" pitchFamily="34" charset="0"/>
+              <a:buChar char="•"/>
+            </a:pPr>
+            <a:endParaRPr lang="en-GB" dirty="0">
+              <a:latin typeface="Comic Sans MS" panose="030F0702030302020204" pitchFamily="66" charset="0"/>
+              <a:cs typeface="Consolas" panose="020B0609020204030204" pitchFamily="49" charset="0"/>
+            </a:endParaRPr>
+          </a:p>
+        </p:txBody>
+      </p:sp>
+    </p:spTree>
+    <p:extLst>
+      <p:ext uri="{BB962C8B-B14F-4D97-AF65-F5344CB8AC3E}">
+        <p14:creationId xmlns:p14="http://schemas.microsoft.com/office/powerpoint/2010/main" val="3049562135"/>
+      </p:ext>
+    </p:extLst>
+  </p:cSld>
+  <p:clrMapOvr>
+    <a:masterClrMapping/>
+  </p:clrMapOvr>
+  <p:timing>
+    <p:tnLst>
+      <p:par>
+        <p:cTn id="1" dur="indefinite" restart="never" nodeType="tmRoot"/>
+      </p:par>
+    </p:tnLst>
+  </p:timing>
+</p:sld>
+</file>
+
+<file path=ppt/slides/slide9.xml><?xml version="1.0" encoding="utf-8"?>
 <p:sld xmlns:a="http://schemas.openxmlformats.org/drawingml/2006/main" xmlns:r="http://schemas.openxmlformats.org/officeDocument/2006/relationships" xmlns:p="http://schemas.openxmlformats.org/presentationml/2006/main">
   <p:cSld>
     <p:spTree>

--- a/ScalaCL_Chissel.pptx
+++ b/ScalaCL_Chissel.pptx
@@ -5,7 +5,7 @@
     <p:sldMasterId id="2147483648" r:id="rId1"/>
   </p:sldMasterIdLst>
   <p:notesMasterIdLst>
-    <p:notesMasterId r:id="rId11"/>
+    <p:notesMasterId r:id="rId12"/>
   </p:notesMasterIdLst>
   <p:sldIdLst>
     <p:sldId id="351" r:id="rId2"/>
@@ -16,7 +16,8 @@
     <p:sldId id="450" r:id="rId7"/>
     <p:sldId id="449" r:id="rId8"/>
     <p:sldId id="452" r:id="rId9"/>
-    <p:sldId id="445" r:id="rId10"/>
+    <p:sldId id="453" r:id="rId10"/>
+    <p:sldId id="445" r:id="rId11"/>
   </p:sldIdLst>
   <p:sldSz cx="9144000" cy="6858000" type="screen4x3"/>
   <p:notesSz cx="6858000" cy="9144000"/>
@@ -1872,6 +1873,13 @@
         </dgm:presLayoutVars>
       </dgm:prSet>
       <dgm:spPr/>
+      <dgm:t>
+        <a:bodyPr/>
+        <a:lstStyle/>
+        <a:p>
+          <a:endParaRPr lang="lv-LV"/>
+        </a:p>
+      </dgm:t>
     </dgm:pt>
     <dgm:pt modelId="{85D8FE0C-EFFE-4F2F-BD02-18B5F25E0EB7}" type="pres">
       <dgm:prSet presAssocID="{ADF22F6A-7ED7-4D48-972D-2FAE68857649}" presName="vertOne" presStyleCnt="0"/>
@@ -1973,6 +1981,13 @@
           <a:avLst/>
         </a:prstGeom>
       </dgm:spPr>
+      <dgm:t>
+        <a:bodyPr/>
+        <a:lstStyle/>
+        <a:p>
+          <a:endParaRPr lang="lv-LV"/>
+        </a:p>
+      </dgm:t>
     </dgm:pt>
     <dgm:pt modelId="{9785DE87-9C2F-4365-9133-31A68AADDECD}" type="pres">
       <dgm:prSet presAssocID="{163E281D-895D-41D8-BDA4-BB18780A9852}" presName="horzFour" presStyleCnt="0"/>
@@ -2028,6 +2043,13 @@
           <a:avLst/>
         </a:prstGeom>
       </dgm:spPr>
+      <dgm:t>
+        <a:bodyPr/>
+        <a:lstStyle/>
+        <a:p>
+          <a:endParaRPr lang="lv-LV"/>
+        </a:p>
+      </dgm:t>
     </dgm:pt>
     <dgm:pt modelId="{C7FFA11C-CF7F-471A-857C-6663C76B60EE}" type="pres">
       <dgm:prSet presAssocID="{592C5FAE-F77C-46FE-9EA0-A5CE0A4AFF02}" presName="horzFour" presStyleCnt="0"/>
@@ -2083,6 +2105,13 @@
           <a:avLst/>
         </a:prstGeom>
       </dgm:spPr>
+      <dgm:t>
+        <a:bodyPr/>
+        <a:lstStyle/>
+        <a:p>
+          <a:endParaRPr lang="lv-LV"/>
+        </a:p>
+      </dgm:t>
     </dgm:pt>
     <dgm:pt modelId="{D1E3B6A6-4D48-4833-B4A0-28DB9C3D761A}" type="pres">
       <dgm:prSet presAssocID="{90CDBD93-0AFD-444D-9118-E14FA93E5023}" presName="horzFour" presStyleCnt="0"/>
@@ -2138,6 +2167,13 @@
           <a:avLst/>
         </a:prstGeom>
       </dgm:spPr>
+      <dgm:t>
+        <a:bodyPr/>
+        <a:lstStyle/>
+        <a:p>
+          <a:endParaRPr lang="lv-LV"/>
+        </a:p>
+      </dgm:t>
     </dgm:pt>
     <dgm:pt modelId="{1CEFD183-8769-4E44-96BA-69D737252F04}" type="pres">
       <dgm:prSet presAssocID="{416CB22B-242E-471F-BEB5-C9CE27A17DE8}" presName="horzFour" presStyleCnt="0"/>
@@ -2158,6 +2194,13 @@
         </dgm:presLayoutVars>
       </dgm:prSet>
       <dgm:spPr/>
+      <dgm:t>
+        <a:bodyPr/>
+        <a:lstStyle/>
+        <a:p>
+          <a:endParaRPr lang="lv-LV"/>
+        </a:p>
+      </dgm:t>
     </dgm:pt>
     <dgm:pt modelId="{3D9FD2FE-3738-4900-B52D-DCCDD14B8B9C}" type="pres">
       <dgm:prSet presAssocID="{CDAB2BCB-3C6A-45A0-AC98-06974DFD73B0}" presName="parTransThree" presStyleCnt="0"/>
@@ -2186,26 +2229,6 @@
           <a:avLst/>
         </a:prstGeom>
       </dgm:spPr>
-    </dgm:pt>
-    <dgm:pt modelId="{77AD5241-8BC9-426F-84CF-AFAAFA282398}" type="pres">
-      <dgm:prSet presAssocID="{1719D34C-196C-49A2-A89A-355858F697C6}" presName="horzFour" presStyleCnt="0"/>
-      <dgm:spPr/>
-    </dgm:pt>
-    <dgm:pt modelId="{FB734FDB-2ED1-4018-8347-36936407336C}" type="pres">
-      <dgm:prSet presAssocID="{6F337A62-98F3-4285-B566-179A04B41C56}" presName="sibSpaceTwo" presStyleCnt="0"/>
-      <dgm:spPr/>
-    </dgm:pt>
-    <dgm:pt modelId="{8E9AE2EE-5282-460A-BDD0-B1F349747186}" type="pres">
-      <dgm:prSet presAssocID="{29F0E033-FD9A-4014-B05C-2CB013DF3760}" presName="vertTwo" presStyleCnt="0"/>
-      <dgm:spPr/>
-    </dgm:pt>
-    <dgm:pt modelId="{EFF9B8B5-4553-433B-9691-2B0EC3DEE077}" type="pres">
-      <dgm:prSet presAssocID="{29F0E033-FD9A-4014-B05C-2CB013DF3760}" presName="txTwo" presStyleLbl="node2" presStyleIdx="1" presStyleCnt="3">
-        <dgm:presLayoutVars>
-          <dgm:chPref val="3"/>
-        </dgm:presLayoutVars>
-      </dgm:prSet>
-      <dgm:spPr/>
       <dgm:t>
         <a:bodyPr/>
         <a:lstStyle/>
@@ -2214,6 +2237,33 @@
         </a:p>
       </dgm:t>
     </dgm:pt>
+    <dgm:pt modelId="{77AD5241-8BC9-426F-84CF-AFAAFA282398}" type="pres">
+      <dgm:prSet presAssocID="{1719D34C-196C-49A2-A89A-355858F697C6}" presName="horzFour" presStyleCnt="0"/>
+      <dgm:spPr/>
+    </dgm:pt>
+    <dgm:pt modelId="{FB734FDB-2ED1-4018-8347-36936407336C}" type="pres">
+      <dgm:prSet presAssocID="{6F337A62-98F3-4285-B566-179A04B41C56}" presName="sibSpaceTwo" presStyleCnt="0"/>
+      <dgm:spPr/>
+    </dgm:pt>
+    <dgm:pt modelId="{8E9AE2EE-5282-460A-BDD0-B1F349747186}" type="pres">
+      <dgm:prSet presAssocID="{29F0E033-FD9A-4014-B05C-2CB013DF3760}" presName="vertTwo" presStyleCnt="0"/>
+      <dgm:spPr/>
+    </dgm:pt>
+    <dgm:pt modelId="{EFF9B8B5-4553-433B-9691-2B0EC3DEE077}" type="pres">
+      <dgm:prSet presAssocID="{29F0E033-FD9A-4014-B05C-2CB013DF3760}" presName="txTwo" presStyleLbl="node2" presStyleIdx="1" presStyleCnt="3">
+        <dgm:presLayoutVars>
+          <dgm:chPref val="3"/>
+        </dgm:presLayoutVars>
+      </dgm:prSet>
+      <dgm:spPr/>
+      <dgm:t>
+        <a:bodyPr/>
+        <a:lstStyle/>
+        <a:p>
+          <a:endParaRPr lang="lv-LV"/>
+        </a:p>
+      </dgm:t>
+    </dgm:pt>
     <dgm:pt modelId="{9FA4D1BB-4973-4706-A1DE-D9F964C9F3A1}" type="pres">
       <dgm:prSet presAssocID="{29F0E033-FD9A-4014-B05C-2CB013DF3760}" presName="parTransTwo" presStyleCnt="0"/>
       <dgm:spPr/>
@@ -2233,6 +2283,13 @@
         </dgm:presLayoutVars>
       </dgm:prSet>
       <dgm:spPr/>
+      <dgm:t>
+        <a:bodyPr/>
+        <a:lstStyle/>
+        <a:p>
+          <a:endParaRPr lang="lv-LV"/>
+        </a:p>
+      </dgm:t>
     </dgm:pt>
     <dgm:pt modelId="{0231B2A7-1132-4BCC-A1F1-011D432608FE}" type="pres">
       <dgm:prSet presAssocID="{F61E1512-79AE-4F33-9E15-8FC6EA232F72}" presName="parTransThree" presStyleCnt="0"/>
@@ -2261,6 +2318,13 @@
           <a:avLst/>
         </a:prstGeom>
       </dgm:spPr>
+      <dgm:t>
+        <a:bodyPr/>
+        <a:lstStyle/>
+        <a:p>
+          <a:endParaRPr lang="lv-LV"/>
+        </a:p>
+      </dgm:t>
     </dgm:pt>
     <dgm:pt modelId="{3B1373E5-F30B-4CE4-A567-790D87ACA6BB}" type="pres">
       <dgm:prSet presAssocID="{F38E31E7-DFB6-4748-AACC-52FAEAF2A3BE}" presName="horzFour" presStyleCnt="0"/>
@@ -2281,6 +2345,13 @@
         </dgm:presLayoutVars>
       </dgm:prSet>
       <dgm:spPr/>
+      <dgm:t>
+        <a:bodyPr/>
+        <a:lstStyle/>
+        <a:p>
+          <a:endParaRPr lang="lv-LV"/>
+        </a:p>
+      </dgm:t>
     </dgm:pt>
     <dgm:pt modelId="{A77DF8B5-6CF2-4162-B033-C252FF2365C0}" type="pres">
       <dgm:prSet presAssocID="{6BF2128C-656F-4ADF-828E-ACCE81095BD6}" presName="parTransThree" presStyleCnt="0"/>
@@ -2309,6 +2380,13 @@
           <a:avLst/>
         </a:prstGeom>
       </dgm:spPr>
+      <dgm:t>
+        <a:bodyPr/>
+        <a:lstStyle/>
+        <a:p>
+          <a:endParaRPr lang="lv-LV"/>
+        </a:p>
+      </dgm:t>
     </dgm:pt>
     <dgm:pt modelId="{0FC88170-0C40-4589-B414-6AB645A201E1}" type="pres">
       <dgm:prSet presAssocID="{56DB4253-DBE9-4F9E-8526-228E9BD6C0B0}" presName="horzFour" presStyleCnt="0"/>
@@ -2329,6 +2407,13 @@
         </dgm:presLayoutVars>
       </dgm:prSet>
       <dgm:spPr/>
+      <dgm:t>
+        <a:bodyPr/>
+        <a:lstStyle/>
+        <a:p>
+          <a:endParaRPr lang="lv-LV"/>
+        </a:p>
+      </dgm:t>
     </dgm:pt>
     <dgm:pt modelId="{85D3E3BE-1CF4-4C0F-A9C1-B2026D893097}" type="pres">
       <dgm:prSet presAssocID="{80E4A2FF-22B9-4912-8024-31CED4B4E7A1}" presName="parTransThree" presStyleCnt="0"/>
@@ -2357,6 +2442,13 @@
           <a:avLst/>
         </a:prstGeom>
       </dgm:spPr>
+      <dgm:t>
+        <a:bodyPr/>
+        <a:lstStyle/>
+        <a:p>
+          <a:endParaRPr lang="lv-LV"/>
+        </a:p>
+      </dgm:t>
     </dgm:pt>
     <dgm:pt modelId="{D98BAF97-267D-4F57-A0B2-4D054760ADD0}" type="pres">
       <dgm:prSet presAssocID="{7EDD278C-C7AE-43E6-B841-5B4093E25396}" presName="horzFour" presStyleCnt="0"/>
@@ -2377,6 +2469,13 @@
         </dgm:presLayoutVars>
       </dgm:prSet>
       <dgm:spPr/>
+      <dgm:t>
+        <a:bodyPr/>
+        <a:lstStyle/>
+        <a:p>
+          <a:endParaRPr lang="lv-LV"/>
+        </a:p>
+      </dgm:t>
     </dgm:pt>
     <dgm:pt modelId="{D6895A6B-B544-4184-8B72-5B62CFFB3470}" type="pres">
       <dgm:prSet presAssocID="{8BEF7DED-18CB-48A1-A4DD-9D154E4F5C6E}" presName="parTransThree" presStyleCnt="0"/>
@@ -2405,6 +2504,13 @@
           <a:avLst/>
         </a:prstGeom>
       </dgm:spPr>
+      <dgm:t>
+        <a:bodyPr/>
+        <a:lstStyle/>
+        <a:p>
+          <a:endParaRPr lang="lv-LV"/>
+        </a:p>
+      </dgm:t>
     </dgm:pt>
     <dgm:pt modelId="{CCF7EF43-8152-4CAA-84F8-C1E2F0110D2C}" type="pres">
       <dgm:prSet presAssocID="{6788E626-6A67-4B3D-8937-179CCDD1A284}" presName="horzFour" presStyleCnt="0"/>
@@ -2460,6 +2566,13 @@
           <a:avLst/>
         </a:prstGeom>
       </dgm:spPr>
+      <dgm:t>
+        <a:bodyPr/>
+        <a:lstStyle/>
+        <a:p>
+          <a:endParaRPr lang="lv-LV"/>
+        </a:p>
+      </dgm:t>
     </dgm:pt>
     <dgm:pt modelId="{DC8EDE88-9552-467C-999C-24297D7495B8}" type="pres">
       <dgm:prSet presAssocID="{73B89225-0891-456B-9622-7D85C799C272}" presName="horzFour" presStyleCnt="0"/>
@@ -2480,6 +2593,13 @@
         </dgm:presLayoutVars>
       </dgm:prSet>
       <dgm:spPr/>
+      <dgm:t>
+        <a:bodyPr/>
+        <a:lstStyle/>
+        <a:p>
+          <a:endParaRPr lang="lv-LV"/>
+        </a:p>
+      </dgm:t>
     </dgm:pt>
     <dgm:pt modelId="{50499380-2F9E-4B20-B7A2-8E02824C7718}" type="pres">
       <dgm:prSet presAssocID="{D24436CA-4050-4D42-9B48-7DBC8CE2417F}" presName="parTransTwo" presStyleCnt="0"/>
@@ -2500,6 +2620,13 @@
         </dgm:presLayoutVars>
       </dgm:prSet>
       <dgm:spPr/>
+      <dgm:t>
+        <a:bodyPr/>
+        <a:lstStyle/>
+        <a:p>
+          <a:endParaRPr lang="lv-LV"/>
+        </a:p>
+      </dgm:t>
     </dgm:pt>
     <dgm:pt modelId="{4180DFA7-94EF-4B58-B4A6-BA5C65DBAFA1}" type="pres">
       <dgm:prSet presAssocID="{8F30FFF5-9F28-49E6-9697-A3C740854886}" presName="parTransThree" presStyleCnt="0"/>
@@ -2566,8 +2693,8 @@
     <dgm:cxn modelId="{6D0CF322-29A4-4ACF-8EF7-0054F2061F41}" srcId="{ADF22F6A-7ED7-4D48-972D-2FAE68857649}" destId="{D24436CA-4050-4D42-9B48-7DBC8CE2417F}" srcOrd="2" destOrd="0" parTransId="{EB45D7C9-28CC-46D3-A80A-516DB0111DD2}" sibTransId="{D26569F3-892B-4CB4-ADDC-993FA0719A0A}"/>
     <dgm:cxn modelId="{10C7BEDE-7A56-4DD8-B7B4-1DE038C08DD3}" srcId="{E61C1320-D8DD-4FFE-8981-69EE7DF827E2}" destId="{0DDA0BF9-D726-4089-BE10-DF1ECE465D2B}" srcOrd="1" destOrd="0" parTransId="{E4E5166A-AF31-491A-8B9D-EBE4E966DF7D}" sibTransId="{C5670EE4-549F-42BE-B7D1-086497A2874F}"/>
     <dgm:cxn modelId="{01AB9DCC-9806-48BA-8EAF-D0B7B6F48454}" type="presOf" srcId="{56DB4253-DBE9-4F9E-8526-228E9BD6C0B0}" destId="{2C16BB24-AE4F-4AA2-99E7-30610E504ED2}" srcOrd="0" destOrd="0" presId="urn:microsoft.com/office/officeart/2005/8/layout/architecture"/>
+    <dgm:cxn modelId="{B7334B45-D6BD-45C2-AF67-2039021835CE}" srcId="{F1B2A119-D5AD-42C0-987F-A4D2D7DBAAD7}" destId="{ADF22F6A-7ED7-4D48-972D-2FAE68857649}" srcOrd="0" destOrd="0" parTransId="{2F00EE0F-2C19-49C5-AC85-FCA48A775036}" sibTransId="{93CAFCA9-3051-42D2-B5A5-BAA32B6F05F9}"/>
     <dgm:cxn modelId="{802A5C1D-DA09-480F-92FE-7D478EF7721D}" type="presOf" srcId="{FBD632EB-A7D8-46EB-AA95-2440E9B2FFC8}" destId="{BC510668-3EF3-4B39-BC11-0CEBF603F35F}" srcOrd="0" destOrd="0" presId="urn:microsoft.com/office/officeart/2005/8/layout/architecture"/>
-    <dgm:cxn modelId="{B7334B45-D6BD-45C2-AF67-2039021835CE}" srcId="{F1B2A119-D5AD-42C0-987F-A4D2D7DBAAD7}" destId="{ADF22F6A-7ED7-4D48-972D-2FAE68857649}" srcOrd="0" destOrd="0" parTransId="{2F00EE0F-2C19-49C5-AC85-FCA48A775036}" sibTransId="{93CAFCA9-3051-42D2-B5A5-BAA32B6F05F9}"/>
     <dgm:cxn modelId="{69A6F8E6-EC29-4BB0-98A1-1AE335C865A5}" srcId="{6BF2128C-656F-4ADF-828E-ACCE81095BD6}" destId="{56DB4253-DBE9-4F9E-8526-228E9BD6C0B0}" srcOrd="0" destOrd="0" parTransId="{9CC4DC53-5C71-465C-9BA0-6BFFB125D448}" sibTransId="{21A46DC2-AD95-4DEB-98F1-292C75AE4244}"/>
     <dgm:cxn modelId="{E53BDF51-724E-4E70-90E1-E91D385D4C90}" type="presOf" srcId="{73B89225-0891-456B-9622-7D85C799C272}" destId="{B4274971-6243-4878-9949-B6DB441E62A3}" srcOrd="0" destOrd="0" presId="urn:microsoft.com/office/officeart/2005/8/layout/architecture"/>
     <dgm:cxn modelId="{C85BF7E3-D8D1-4AB0-A1F0-EE40E32293A2}" srcId="{8BEF7DED-18CB-48A1-A4DD-9D154E4F5C6E}" destId="{6788E626-6A67-4B3D-8937-179CCDD1A284}" srcOrd="0" destOrd="0" parTransId="{87AD127C-8C9D-4143-BDAC-745DCAA576E5}" sibTransId="{07566AE0-8E60-4554-9C74-EFA996B889DB}"/>
@@ -9678,6 +9805,183 @@
 </p:sld>
 </file>
 
+<file path=ppt/slides/slide10.xml><?xml version="1.0" encoding="utf-8"?>
+<p:sld xmlns:a="http://schemas.openxmlformats.org/drawingml/2006/main" xmlns:r="http://schemas.openxmlformats.org/officeDocument/2006/relationships" xmlns:p="http://schemas.openxmlformats.org/presentationml/2006/main">
+  <p:cSld>
+    <p:spTree>
+      <p:nvGrpSpPr>
+        <p:cNvPr id="1" name=""/>
+        <p:cNvGrpSpPr/>
+        <p:nvPr/>
+      </p:nvGrpSpPr>
+      <p:grpSpPr>
+        <a:xfrm>
+          <a:off x="0" y="0"/>
+          <a:ext cx="0" cy="0"/>
+          <a:chOff x="0" y="0"/>
+          <a:chExt cx="0" cy="0"/>
+        </a:xfrm>
+      </p:grpSpPr>
+      <p:sp>
+        <p:nvSpPr>
+          <p:cNvPr id="4" name="TextBox 3"/>
+          <p:cNvSpPr txBox="1"/>
+          <p:nvPr/>
+        </p:nvSpPr>
+        <p:spPr>
+          <a:xfrm>
+            <a:off x="683568" y="2780928"/>
+            <a:ext cx="8280920" cy="707886"/>
+          </a:xfrm>
+          <a:prstGeom prst="rect">
+            <a:avLst/>
+          </a:prstGeom>
+          <a:noFill/>
+        </p:spPr>
+        <p:txBody>
+          <a:bodyPr wrap="square" rtlCol="0">
+            <a:spAutoFit/>
+          </a:bodyPr>
+          <a:lstStyle/>
+          <a:p>
+            <a:pPr algn="ctr"/>
+            <a:r>
+              <a:rPr lang="en-US" sz="4000" dirty="0">
+                <a:solidFill>
+                  <a:schemeClr val="bg1">
+                    <a:lumMod val="50000"/>
+                  </a:schemeClr>
+                </a:solidFill>
+                <a:latin typeface="Comic Sans MS" panose="030F0702030302020204" pitchFamily="66" charset="0"/>
+              </a:rPr>
+              <a:t>Thanks for your attention</a:t>
+            </a:r>
+            <a:endParaRPr lang="sk-SK" sz="4000" dirty="0">
+              <a:solidFill>
+                <a:schemeClr val="bg1">
+                  <a:lumMod val="50000"/>
+                </a:schemeClr>
+              </a:solidFill>
+              <a:latin typeface="Comic Sans MS" panose="030F0702030302020204" pitchFamily="66" charset="0"/>
+            </a:endParaRPr>
+          </a:p>
+        </p:txBody>
+      </p:sp>
+      <p:sp>
+        <p:nvSpPr>
+          <p:cNvPr id="2" name="TextBox 1"/>
+          <p:cNvSpPr txBox="1"/>
+          <p:nvPr/>
+        </p:nvSpPr>
+        <p:spPr>
+          <a:xfrm>
+            <a:off x="1761066" y="5215467"/>
+            <a:ext cx="5555239" cy="646331"/>
+          </a:xfrm>
+          <a:prstGeom prst="rect">
+            <a:avLst/>
+          </a:prstGeom>
+          <a:noFill/>
+        </p:spPr>
+        <p:txBody>
+          <a:bodyPr wrap="none" rtlCol="0">
+            <a:spAutoFit/>
+          </a:bodyPr>
+          <a:lstStyle/>
+          <a:p>
+            <a:r>
+              <a:rPr lang="en-GB" dirty="0" smtClean="0"/>
+              <a:t>Presentation available on </a:t>
+            </a:r>
+          </a:p>
+          <a:p>
+            <a:r>
+              <a:rPr lang="lv-LV" dirty="0" smtClean="0">
+                <a:hlinkClick r:id="rId2"/>
+              </a:rPr>
+              <a:t>https</a:t>
+            </a:r>
+            <a:r>
+              <a:rPr lang="lv-LV" dirty="0">
+                <a:hlinkClick r:id="rId2"/>
+              </a:rPr>
+              <a:t>://</a:t>
+            </a:r>
+            <a:r>
+              <a:rPr lang="lv-LV" dirty="0" smtClean="0">
+                <a:hlinkClick r:id="rId2"/>
+              </a:rPr>
+              <a:t>github.com/valdisxp1/scalaCL-chisel-presentation</a:t>
+            </a:r>
+            <a:endParaRPr lang="lv-LV" dirty="0" smtClean="0"/>
+          </a:p>
+        </p:txBody>
+      </p:sp>
+      <p:sp>
+        <p:nvSpPr>
+          <p:cNvPr id="5" name="TextBox 4"/>
+          <p:cNvSpPr txBox="1"/>
+          <p:nvPr/>
+        </p:nvSpPr>
+        <p:spPr>
+          <a:xfrm>
+            <a:off x="683568" y="3797657"/>
+            <a:ext cx="8280920" cy="707886"/>
+          </a:xfrm>
+          <a:prstGeom prst="rect">
+            <a:avLst/>
+          </a:prstGeom>
+          <a:noFill/>
+        </p:spPr>
+        <p:txBody>
+          <a:bodyPr wrap="square" rtlCol="0">
+            <a:spAutoFit/>
+          </a:bodyPr>
+          <a:lstStyle/>
+          <a:p>
+            <a:pPr algn="ctr"/>
+            <a:r>
+              <a:rPr lang="en-US" sz="4000" dirty="0" smtClean="0">
+                <a:solidFill>
+                  <a:schemeClr val="bg1">
+                    <a:lumMod val="50000"/>
+                  </a:schemeClr>
+                </a:solidFill>
+                <a:latin typeface="Comic Sans MS" panose="030F0702030302020204" pitchFamily="66" charset="0"/>
+              </a:rPr>
+              <a:t>Any other questions?</a:t>
+            </a:r>
+            <a:endParaRPr lang="sk-SK" sz="4000" dirty="0">
+              <a:solidFill>
+                <a:schemeClr val="bg1">
+                  <a:lumMod val="50000"/>
+                </a:schemeClr>
+              </a:solidFill>
+              <a:latin typeface="Comic Sans MS" panose="030F0702030302020204" pitchFamily="66" charset="0"/>
+            </a:endParaRPr>
+          </a:p>
+        </p:txBody>
+      </p:sp>
+    </p:spTree>
+    <p:extLst>
+      <p:ext uri="{BB962C8B-B14F-4D97-AF65-F5344CB8AC3E}">
+        <p14:creationId xmlns:p14="http://schemas.microsoft.com/office/powerpoint/2010/main" val="2927479122"/>
+      </p:ext>
+    </p:extLst>
+  </p:cSld>
+  <p:clrMapOvr>
+    <a:masterClrMapping/>
+  </p:clrMapOvr>
+  <p:timing>
+    <p:tnLst>
+      <p:par>
+        <p:cTn id="1" dur="indefinite" restart="never" nodeType="tmRoot"/>
+      </p:par>
+    </p:tnLst>
+  </p:timing>
+</p:sld>
+</file>
+
 <file path=ppt/slides/slide2.xml><?xml version="1.0" encoding="utf-8"?>
 <p:sld xmlns:a="http://schemas.openxmlformats.org/drawingml/2006/main" xmlns:r="http://schemas.openxmlformats.org/officeDocument/2006/relationships" xmlns:p="http://schemas.openxmlformats.org/presentationml/2006/main">
   <p:cSld>
@@ -9866,14 +10170,7 @@
                 <a:latin typeface="Comic Sans MS" panose="030F0702030302020204" pitchFamily="66" charset="0"/>
                 <a:cs typeface="Consolas" panose="020B0609020204030204" pitchFamily="49" charset="0"/>
               </a:rPr>
-              <a:t>Most graphics </a:t>
-            </a:r>
-            <a:r>
-              <a:rPr lang="en-GB" dirty="0" smtClean="0">
-                <a:latin typeface="Comic Sans MS" panose="030F0702030302020204" pitchFamily="66" charset="0"/>
-                <a:cs typeface="Consolas" panose="020B0609020204030204" pitchFamily="49" charset="0"/>
-              </a:rPr>
-              <a:t>cards</a:t>
+              <a:t>Most graphics cards</a:t>
             </a:r>
           </a:p>
           <a:p>
@@ -10298,21 +10595,7 @@
                 <a:latin typeface="Comic Sans MS" panose="030F0702030302020204" pitchFamily="66" charset="0"/>
                 <a:cs typeface="Consolas" panose="020B0609020204030204" pitchFamily="49" charset="0"/>
               </a:rPr>
-              <a:t>Each processing element(PE)</a:t>
-            </a:r>
-            <a:r>
-              <a:rPr lang="en-GB" dirty="0" smtClean="0">
-                <a:latin typeface="Comic Sans MS" panose="030F0702030302020204" pitchFamily="66" charset="0"/>
-                <a:cs typeface="Consolas" panose="020B0609020204030204" pitchFamily="49" charset="0"/>
-              </a:rPr>
-              <a:t> </a:t>
-            </a:r>
-            <a:r>
-              <a:rPr lang="en-GB" dirty="0" smtClean="0">
-                <a:latin typeface="Comic Sans MS" panose="030F0702030302020204" pitchFamily="66" charset="0"/>
-                <a:cs typeface="Consolas" panose="020B0609020204030204" pitchFamily="49" charset="0"/>
-              </a:rPr>
-              <a:t>does </a:t>
+              <a:t>Each processing element(PE) does </a:t>
             </a:r>
             <a:r>
               <a:rPr lang="en-GB" b="1" dirty="0" smtClean="0">
@@ -15109,21 +15392,7 @@
                 <a:latin typeface="Comic Sans MS" panose="030F0702030302020204" pitchFamily="66" charset="0"/>
                 <a:cs typeface="Consolas" panose="020B0609020204030204" pitchFamily="49" charset="0"/>
               </a:rPr>
-              <a:t>Some operations might still be running on the </a:t>
-            </a:r>
-            <a:r>
-              <a:rPr lang="en-GB" dirty="0" smtClean="0">
-                <a:latin typeface="Comic Sans MS" panose="030F0702030302020204" pitchFamily="66" charset="0"/>
-                <a:cs typeface="Consolas" panose="020B0609020204030204" pitchFamily="49" charset="0"/>
-              </a:rPr>
-              <a:t>CPU!  </a:t>
-            </a:r>
-            <a:r>
-              <a:rPr lang="en-GB" dirty="0" smtClean="0">
-                <a:latin typeface="Comic Sans MS" panose="030F0702030302020204" pitchFamily="66" charset="0"/>
-                <a:cs typeface="Consolas" panose="020B0609020204030204" pitchFamily="49" charset="0"/>
-              </a:rPr>
-              <a:t>The compiler can warn you.</a:t>
+              <a:t>Some operations might still be running on the CPU!  The compiler can warn you.</a:t>
             </a:r>
           </a:p>
           <a:p>
@@ -15415,16 +15684,12 @@
               <a:buChar char="•"/>
             </a:pPr>
             <a:r>
-              <a:rPr lang="en-GB" smtClean="0">
+              <a:rPr lang="en-GB" dirty="0" smtClean="0">
                 <a:latin typeface="Comic Sans MS" panose="030F0702030302020204" pitchFamily="66" charset="0"/>
                 <a:cs typeface="Consolas" panose="020B0609020204030204" pitchFamily="49" charset="0"/>
               </a:rPr>
               <a:t>TODO</a:t>
             </a:r>
-            <a:endParaRPr lang="en-GB" dirty="0" smtClean="0">
-              <a:latin typeface="Comic Sans MS" panose="030F0702030302020204" pitchFamily="66" charset="0"/>
-              <a:cs typeface="Consolas" panose="020B0609020204030204" pitchFamily="49" charset="0"/>
-            </a:endParaRPr>
           </a:p>
           <a:p>
             <a:pPr marL="285750" indent="-285750">
@@ -15477,53 +15742,441 @@
       </p:grpSpPr>
       <p:sp>
         <p:nvSpPr>
-          <p:cNvPr id="4" name="TextBox 3"/>
-          <p:cNvSpPr txBox="1"/>
+          <p:cNvPr id="13" name="Title 1"/>
+          <p:cNvSpPr>
+            <a:spLocks noGrp="1"/>
+          </p:cNvSpPr>
+          <p:nvPr>
+            <p:ph type="title"/>
+          </p:nvPr>
+        </p:nvSpPr>
+        <p:spPr>
+          <a:xfrm>
+            <a:off x="457200" y="274638"/>
+            <a:ext cx="8229600" cy="1143000"/>
+          </a:xfrm>
+        </p:spPr>
+        <p:txBody>
+          <a:bodyPr>
+            <a:normAutofit/>
+          </a:bodyPr>
+          <a:lstStyle/>
+          <a:p>
+            <a:pPr algn="l"/>
+            <a:r>
+              <a:rPr lang="en-GB" dirty="0" smtClean="0">
+                <a:solidFill>
+                  <a:schemeClr val="bg1">
+                    <a:lumMod val="50000"/>
+                  </a:schemeClr>
+                </a:solidFill>
+                <a:latin typeface="Comic Sans MS"/>
+              </a:rPr>
+              <a:t>From Chisel to working FPGA</a:t>
+            </a:r>
+            <a:endParaRPr lang="en-US" dirty="0"/>
+          </a:p>
+        </p:txBody>
+      </p:sp>
+      <p:sp>
+        <p:nvSpPr>
+          <p:cNvPr id="2" name="Oval 1"/>
+          <p:cNvSpPr/>
           <p:nvPr/>
         </p:nvSpPr>
         <p:spPr>
           <a:xfrm>
-            <a:off x="683568" y="2780928"/>
-            <a:ext cx="8280920" cy="707886"/>
+            <a:off x="660400" y="2387600"/>
+            <a:ext cx="1253067" cy="1278467"/>
+          </a:xfrm>
+          <a:prstGeom prst="ellipse">
+            <a:avLst/>
+          </a:prstGeom>
+        </p:spPr>
+        <p:style>
+          <a:lnRef idx="0">
+            <a:schemeClr val="accent6"/>
+          </a:lnRef>
+          <a:fillRef idx="3">
+            <a:schemeClr val="accent6"/>
+          </a:fillRef>
+          <a:effectRef idx="3">
+            <a:schemeClr val="accent6"/>
+          </a:effectRef>
+          <a:fontRef idx="minor">
+            <a:schemeClr val="lt1"/>
+          </a:fontRef>
+        </p:style>
+        <p:txBody>
+          <a:bodyPr rtlCol="0" anchor="ctr"/>
+          <a:lstStyle/>
+          <a:p>
+            <a:pPr algn="ctr"/>
+            <a:r>
+              <a:rPr lang="en-GB" dirty="0"/>
+              <a:t>Chisel</a:t>
+            </a:r>
+            <a:endParaRPr lang="lv-LV" dirty="0"/>
+          </a:p>
+          <a:p>
+            <a:pPr algn="ctr"/>
+            <a:r>
+              <a:rPr lang="en-GB" dirty="0" smtClean="0"/>
+              <a:t>Scala code</a:t>
+            </a:r>
+            <a:endParaRPr lang="lv-LV" dirty="0"/>
+          </a:p>
+        </p:txBody>
+      </p:sp>
+      <p:sp>
+        <p:nvSpPr>
+          <p:cNvPr id="3" name="Right Arrow 2"/>
+          <p:cNvSpPr/>
+          <p:nvPr/>
+        </p:nvSpPr>
+        <p:spPr>
+          <a:xfrm>
+            <a:off x="1913468" y="2496513"/>
+            <a:ext cx="846667" cy="982134"/>
+          </a:xfrm>
+          <a:prstGeom prst="rightArrow">
+            <a:avLst/>
+          </a:prstGeom>
+        </p:spPr>
+        <p:style>
+          <a:lnRef idx="1">
+            <a:schemeClr val="accent1"/>
+          </a:lnRef>
+          <a:fillRef idx="3">
+            <a:schemeClr val="accent1"/>
+          </a:fillRef>
+          <a:effectRef idx="2">
+            <a:schemeClr val="accent1"/>
+          </a:effectRef>
+          <a:fontRef idx="minor">
+            <a:schemeClr val="lt1"/>
+          </a:fontRef>
+        </p:style>
+        <p:txBody>
+          <a:bodyPr rtlCol="0" anchor="ctr"/>
+          <a:lstStyle/>
+          <a:p>
+            <a:pPr algn="ctr"/>
+            <a:endParaRPr lang="lv-LV" dirty="0"/>
+          </a:p>
+        </p:txBody>
+      </p:sp>
+      <p:sp>
+        <p:nvSpPr>
+          <p:cNvPr id="6" name="Down Arrow 5"/>
+          <p:cNvSpPr/>
+          <p:nvPr/>
+        </p:nvSpPr>
+        <p:spPr>
+          <a:xfrm>
+            <a:off x="554567" y="3666067"/>
+            <a:ext cx="1363133" cy="1356975"/>
+          </a:xfrm>
+          <a:prstGeom prst="downArrow">
+            <a:avLst>
+              <a:gd name="adj1" fmla="val 31367"/>
+              <a:gd name="adj2" fmla="val 50000"/>
+            </a:avLst>
+          </a:prstGeom>
+          <a:ln>
+            <a:prstDash val="dash"/>
+          </a:ln>
+        </p:spPr>
+        <p:style>
+          <a:lnRef idx="2">
+            <a:schemeClr val="accent1"/>
+          </a:lnRef>
+          <a:fillRef idx="1">
+            <a:schemeClr val="lt1"/>
+          </a:fillRef>
+          <a:effectRef idx="0">
+            <a:schemeClr val="accent1"/>
+          </a:effectRef>
+          <a:fontRef idx="minor">
+            <a:schemeClr val="dk1"/>
+          </a:fontRef>
+        </p:style>
+        <p:txBody>
+          <a:bodyPr rtlCol="0" anchor="ctr"/>
+          <a:lstStyle/>
+          <a:p>
+            <a:pPr algn="ctr"/>
+            <a:endParaRPr lang="lv-LV" dirty="0"/>
+          </a:p>
+        </p:txBody>
+      </p:sp>
+      <p:sp>
+        <p:nvSpPr>
+          <p:cNvPr id="5" name="Oval 4"/>
+          <p:cNvSpPr/>
+          <p:nvPr/>
+        </p:nvSpPr>
+        <p:spPr>
+          <a:xfrm>
+            <a:off x="408516" y="5023041"/>
+            <a:ext cx="1655233" cy="1278467"/>
+          </a:xfrm>
+          <a:prstGeom prst="ellipse">
+            <a:avLst/>
+          </a:prstGeom>
+          <a:ln>
+            <a:prstDash val="dash"/>
+          </a:ln>
+        </p:spPr>
+        <p:style>
+          <a:lnRef idx="2">
+            <a:schemeClr val="accent1"/>
+          </a:lnRef>
+          <a:fillRef idx="1">
+            <a:schemeClr val="lt1"/>
+          </a:fillRef>
+          <a:effectRef idx="0">
+            <a:schemeClr val="accent1"/>
+          </a:effectRef>
+          <a:fontRef idx="minor">
+            <a:schemeClr val="dk1"/>
+          </a:fontRef>
+        </p:style>
+        <p:txBody>
+          <a:bodyPr rtlCol="0" anchor="ctr"/>
+          <a:lstStyle/>
+          <a:p>
+            <a:pPr algn="ctr"/>
+            <a:r>
+              <a:rPr lang="en-GB" dirty="0" smtClean="0"/>
+              <a:t>C simulation code</a:t>
+            </a:r>
+            <a:endParaRPr lang="lv-LV" dirty="0"/>
+          </a:p>
+        </p:txBody>
+      </p:sp>
+      <p:sp>
+        <p:nvSpPr>
+          <p:cNvPr id="8" name="Oval 7"/>
+          <p:cNvSpPr/>
+          <p:nvPr/>
+        </p:nvSpPr>
+        <p:spPr>
+          <a:xfrm>
+            <a:off x="2768600" y="2459377"/>
+            <a:ext cx="1405466" cy="1056406"/>
+          </a:xfrm>
+          <a:prstGeom prst="ellipse">
+            <a:avLst/>
+          </a:prstGeom>
+        </p:spPr>
+        <p:style>
+          <a:lnRef idx="1">
+            <a:schemeClr val="accent1"/>
+          </a:lnRef>
+          <a:fillRef idx="3">
+            <a:schemeClr val="accent1"/>
+          </a:fillRef>
+          <a:effectRef idx="2">
+            <a:schemeClr val="accent1"/>
+          </a:effectRef>
+          <a:fontRef idx="minor">
+            <a:schemeClr val="lt1"/>
+          </a:fontRef>
+        </p:style>
+        <p:txBody>
+          <a:bodyPr rtlCol="0" anchor="ctr"/>
+          <a:lstStyle/>
+          <a:p>
+            <a:pPr algn="ctr"/>
+            <a:r>
+              <a:rPr lang="en-GB" dirty="0" smtClean="0"/>
+              <a:t>Verilog</a:t>
+            </a:r>
+          </a:p>
+          <a:p>
+            <a:pPr algn="ctr"/>
+            <a:r>
+              <a:rPr lang="en-GB" dirty="0" smtClean="0"/>
+              <a:t>code</a:t>
+            </a:r>
+            <a:endParaRPr lang="lv-LV" dirty="0"/>
+          </a:p>
+        </p:txBody>
+      </p:sp>
+      <p:sp>
+        <p:nvSpPr>
+          <p:cNvPr id="9" name="Right Arrow 8"/>
+          <p:cNvSpPr/>
+          <p:nvPr/>
+        </p:nvSpPr>
+        <p:spPr>
+          <a:xfrm>
+            <a:off x="4174066" y="2496513"/>
+            <a:ext cx="838200" cy="982134"/>
+          </a:xfrm>
+          <a:prstGeom prst="rightArrow">
+            <a:avLst/>
+          </a:prstGeom>
+        </p:spPr>
+        <p:style>
+          <a:lnRef idx="1">
+            <a:schemeClr val="accent1"/>
+          </a:lnRef>
+          <a:fillRef idx="3">
+            <a:schemeClr val="accent1"/>
+          </a:fillRef>
+          <a:effectRef idx="2">
+            <a:schemeClr val="accent1"/>
+          </a:effectRef>
+          <a:fontRef idx="minor">
+            <a:schemeClr val="lt1"/>
+          </a:fontRef>
+        </p:style>
+        <p:txBody>
+          <a:bodyPr rtlCol="0" anchor="ctr"/>
+          <a:lstStyle/>
+          <a:p>
+            <a:pPr algn="ctr"/>
+            <a:endParaRPr lang="lv-LV" dirty="0"/>
+          </a:p>
+        </p:txBody>
+      </p:sp>
+      <p:sp>
+        <p:nvSpPr>
+          <p:cNvPr id="10" name="Oval 9"/>
+          <p:cNvSpPr/>
+          <p:nvPr/>
+        </p:nvSpPr>
+        <p:spPr>
+          <a:xfrm>
+            <a:off x="4834467" y="4535846"/>
+            <a:ext cx="1803400" cy="705813"/>
+          </a:xfrm>
+          <a:prstGeom prst="ellipse">
+            <a:avLst/>
+          </a:prstGeom>
+        </p:spPr>
+        <p:style>
+          <a:lnRef idx="0">
+            <a:schemeClr val="accent2"/>
+          </a:lnRef>
+          <a:fillRef idx="3">
+            <a:schemeClr val="accent2"/>
+          </a:fillRef>
+          <a:effectRef idx="3">
+            <a:schemeClr val="accent2"/>
+          </a:effectRef>
+          <a:fontRef idx="minor">
+            <a:schemeClr val="lt1"/>
+          </a:fontRef>
+        </p:style>
+        <p:txBody>
+          <a:bodyPr rtlCol="0" anchor="ctr"/>
+          <a:lstStyle/>
+          <a:p>
+            <a:pPr algn="ctr"/>
+            <a:r>
+              <a:rPr lang="en-GB" dirty="0" smtClean="0"/>
+              <a:t>Constraints</a:t>
+            </a:r>
+            <a:endParaRPr lang="lv-LV" dirty="0"/>
+          </a:p>
+        </p:txBody>
+      </p:sp>
+      <p:sp>
+        <p:nvSpPr>
+          <p:cNvPr id="7" name="Up Arrow 6"/>
+          <p:cNvSpPr/>
+          <p:nvPr/>
+        </p:nvSpPr>
+        <p:spPr>
+          <a:xfrm>
+            <a:off x="5359400" y="3502913"/>
+            <a:ext cx="728133" cy="1032933"/>
+          </a:xfrm>
+          <a:prstGeom prst="upArrow">
+            <a:avLst/>
+          </a:prstGeom>
+        </p:spPr>
+        <p:style>
+          <a:lnRef idx="1">
+            <a:schemeClr val="accent1"/>
+          </a:lnRef>
+          <a:fillRef idx="3">
+            <a:schemeClr val="accent1"/>
+          </a:fillRef>
+          <a:effectRef idx="2">
+            <a:schemeClr val="accent1"/>
+          </a:effectRef>
+          <a:fontRef idx="minor">
+            <a:schemeClr val="lt1"/>
+          </a:fontRef>
+        </p:style>
+        <p:txBody>
+          <a:bodyPr rtlCol="0" anchor="ctr"/>
+          <a:lstStyle/>
+          <a:p>
+            <a:pPr algn="ctr"/>
+            <a:endParaRPr lang="lv-LV"/>
+          </a:p>
+        </p:txBody>
+      </p:sp>
+      <p:sp>
+        <p:nvSpPr>
+          <p:cNvPr id="12" name="Rectangle 11"/>
+          <p:cNvSpPr/>
+          <p:nvPr/>
+        </p:nvSpPr>
+        <p:spPr>
+          <a:xfrm>
+            <a:off x="5020733" y="2352599"/>
+            <a:ext cx="1617133" cy="1150314"/>
           </a:xfrm>
           <a:prstGeom prst="rect">
             <a:avLst/>
           </a:prstGeom>
-          <a:noFill/>
         </p:spPr>
+        <p:style>
+          <a:lnRef idx="2">
+            <a:schemeClr val="dk1">
+              <a:shade val="50000"/>
+            </a:schemeClr>
+          </a:lnRef>
+          <a:fillRef idx="1">
+            <a:schemeClr val="dk1"/>
+          </a:fillRef>
+          <a:effectRef idx="0">
+            <a:schemeClr val="dk1"/>
+          </a:effectRef>
+          <a:fontRef idx="minor">
+            <a:schemeClr val="lt1"/>
+          </a:fontRef>
+        </p:style>
         <p:txBody>
-          <a:bodyPr wrap="square" rtlCol="0">
-            <a:spAutoFit/>
-          </a:bodyPr>
+          <a:bodyPr rtlCol="0" anchor="ctr"/>
           <a:lstStyle/>
           <a:p>
             <a:pPr algn="ctr"/>
             <a:r>
-              <a:rPr lang="en-US" sz="4000" dirty="0">
-                <a:solidFill>
-                  <a:schemeClr val="bg1">
-                    <a:lumMod val="50000"/>
-                  </a:schemeClr>
-                </a:solidFill>
-                <a:latin typeface="Comic Sans MS" panose="030F0702030302020204" pitchFamily="66" charset="0"/>
-              </a:rPr>
-              <a:t>Thanks for your attention</a:t>
-            </a:r>
-            <a:endParaRPr lang="sk-SK" sz="4000" dirty="0">
-              <a:solidFill>
-                <a:schemeClr val="bg1">
-                  <a:lumMod val="50000"/>
-                </a:schemeClr>
-              </a:solidFill>
-              <a:latin typeface="Comic Sans MS" panose="030F0702030302020204" pitchFamily="66" charset="0"/>
-            </a:endParaRPr>
+              <a:rPr lang="en-GB" dirty="0" smtClean="0"/>
+              <a:t>FPGA manufacturer's</a:t>
+            </a:r>
+          </a:p>
+          <a:p>
+            <a:pPr algn="ctr"/>
+            <a:r>
+              <a:rPr lang="en-GB" dirty="0" smtClean="0"/>
+              <a:t>tools</a:t>
+            </a:r>
+            <a:endParaRPr lang="lv-LV" dirty="0"/>
           </a:p>
         </p:txBody>
       </p:sp>
     </p:spTree>
     <p:extLst>
       <p:ext uri="{BB962C8B-B14F-4D97-AF65-F5344CB8AC3E}">
-        <p14:creationId xmlns:p14="http://schemas.microsoft.com/office/powerpoint/2010/main" val="2927479122"/>
+        <p14:creationId xmlns:p14="http://schemas.microsoft.com/office/powerpoint/2010/main" val="1862552492"/>
       </p:ext>
     </p:extLst>
   </p:cSld>

--- a/ScalaCL_Chissel.pptx
+++ b/ScalaCL_Chissel.pptx
@@ -5,7 +5,7 @@
     <p:sldMasterId id="2147483648" r:id="rId1"/>
   </p:sldMasterIdLst>
   <p:notesMasterIdLst>
-    <p:notesMasterId r:id="rId12"/>
+    <p:notesMasterId r:id="rId15"/>
   </p:notesMasterIdLst>
   <p:sldIdLst>
     <p:sldId id="351" r:id="rId2"/>
@@ -16,8 +16,11 @@
     <p:sldId id="450" r:id="rId7"/>
     <p:sldId id="449" r:id="rId8"/>
     <p:sldId id="452" r:id="rId9"/>
-    <p:sldId id="453" r:id="rId10"/>
-    <p:sldId id="445" r:id="rId11"/>
+    <p:sldId id="457" r:id="rId10"/>
+    <p:sldId id="456" r:id="rId11"/>
+    <p:sldId id="453" r:id="rId12"/>
+    <p:sldId id="458" r:id="rId13"/>
+    <p:sldId id="445" r:id="rId14"/>
   </p:sldIdLst>
   <p:sldSz cx="9144000" cy="6858000" type="screen4x3"/>
   <p:notesSz cx="6858000" cy="9144000"/>
@@ -9824,6 +9827,1617 @@
       </p:grpSpPr>
       <p:sp>
         <p:nvSpPr>
+          <p:cNvPr id="13" name="Title 1"/>
+          <p:cNvSpPr>
+            <a:spLocks noGrp="1"/>
+          </p:cNvSpPr>
+          <p:nvPr>
+            <p:ph type="title"/>
+          </p:nvPr>
+        </p:nvSpPr>
+        <p:spPr>
+          <a:xfrm>
+            <a:off x="457200" y="274638"/>
+            <a:ext cx="8229600" cy="1143000"/>
+          </a:xfrm>
+        </p:spPr>
+        <p:txBody>
+          <a:bodyPr>
+            <a:normAutofit/>
+          </a:bodyPr>
+          <a:lstStyle/>
+          <a:p>
+            <a:pPr algn="l"/>
+            <a:r>
+              <a:rPr lang="en-GB" dirty="0" smtClean="0">
+                <a:solidFill>
+                  <a:schemeClr val="bg1">
+                    <a:lumMod val="50000"/>
+                  </a:schemeClr>
+                </a:solidFill>
+                <a:latin typeface="Comic Sans MS"/>
+                <a:cs typeface="Comic Sans MS"/>
+              </a:rPr>
+              <a:t>More complex logic</a:t>
+            </a:r>
+            <a:endParaRPr lang="en-US" dirty="0"/>
+          </a:p>
+        </p:txBody>
+      </p:sp>
+      <p:sp>
+        <p:nvSpPr>
+          <p:cNvPr id="7" name="Rectangle 6"/>
+          <p:cNvSpPr/>
+          <p:nvPr/>
+        </p:nvSpPr>
+        <p:spPr>
+          <a:xfrm>
+            <a:off x="457199" y="1417638"/>
+            <a:ext cx="3823687" cy="360040"/>
+          </a:xfrm>
+          <a:prstGeom prst="rect">
+            <a:avLst/>
+          </a:prstGeom>
+        </p:spPr>
+        <p:style>
+          <a:lnRef idx="2">
+            <a:schemeClr val="accent1"/>
+          </a:lnRef>
+          <a:fillRef idx="1">
+            <a:schemeClr val="lt1"/>
+          </a:fillRef>
+          <a:effectRef idx="0">
+            <a:schemeClr val="accent1"/>
+          </a:effectRef>
+          <a:fontRef idx="minor">
+            <a:schemeClr val="dk1"/>
+          </a:fontRef>
+        </p:style>
+        <p:txBody>
+          <a:bodyPr rtlCol="0" anchor="ctr"/>
+          <a:lstStyle/>
+          <a:p>
+            <a:pPr algn="ctr"/>
+            <a:r>
+              <a:rPr lang="en-GB" dirty="0" err="1" smtClean="0"/>
+              <a:t>Max</a:t>
+            </a:r>
+            <a:r>
+              <a:rPr lang="en-GB" dirty="0" err="1" smtClean="0"/>
+              <a:t>.scala</a:t>
+            </a:r>
+            <a:r>
+              <a:rPr lang="en-GB" dirty="0" smtClean="0"/>
+              <a:t> (fragment)</a:t>
+            </a:r>
+            <a:endParaRPr lang="en-US" dirty="0"/>
+          </a:p>
+        </p:txBody>
+      </p:sp>
+      <p:sp>
+        <p:nvSpPr>
+          <p:cNvPr id="8" name="Rectangle 7"/>
+          <p:cNvSpPr/>
+          <p:nvPr/>
+        </p:nvSpPr>
+        <p:spPr>
+          <a:xfrm>
+            <a:off x="457200" y="1751582"/>
+            <a:ext cx="6866468" cy="2308324"/>
+          </a:xfrm>
+          <a:prstGeom prst="rect">
+            <a:avLst/>
+          </a:prstGeom>
+        </p:spPr>
+        <p:style>
+          <a:lnRef idx="3">
+            <a:schemeClr val="lt1"/>
+          </a:lnRef>
+          <a:fillRef idx="1">
+            <a:schemeClr val="dk1"/>
+          </a:fillRef>
+          <a:effectRef idx="1">
+            <a:schemeClr val="dk1"/>
+          </a:effectRef>
+          <a:fontRef idx="minor">
+            <a:schemeClr val="lt1"/>
+          </a:fontRef>
+        </p:style>
+        <p:txBody>
+          <a:bodyPr wrap="square" rtlCol="0" anchor="t">
+            <a:spAutoFit/>
+          </a:bodyPr>
+          <a:lstStyle/>
+          <a:p>
+            <a:r>
+              <a:rPr lang="en-US" sz="1600" dirty="0">
+                <a:solidFill>
+                  <a:srgbClr val="92D050"/>
+                </a:solidFill>
+                <a:latin typeface="Courier New" panose="02070309020205020404" pitchFamily="49" charset="0"/>
+                <a:cs typeface="Courier New" panose="02070309020205020404" pitchFamily="49" charset="0"/>
+              </a:rPr>
+              <a:t>class </a:t>
+            </a:r>
+            <a:r>
+              <a:rPr lang="en-US" sz="1600" dirty="0" err="1">
+                <a:solidFill>
+                  <a:srgbClr val="92D050"/>
+                </a:solidFill>
+                <a:latin typeface="Courier New" panose="02070309020205020404" pitchFamily="49" charset="0"/>
+                <a:cs typeface="Courier New" panose="02070309020205020404" pitchFamily="49" charset="0"/>
+              </a:rPr>
+              <a:t>MaxN</a:t>
+            </a:r>
+            <a:r>
+              <a:rPr lang="en-US" sz="1600" dirty="0">
+                <a:solidFill>
+                  <a:srgbClr val="92D050"/>
+                </a:solidFill>
+                <a:latin typeface="Courier New" panose="02070309020205020404" pitchFamily="49" charset="0"/>
+                <a:cs typeface="Courier New" panose="02070309020205020404" pitchFamily="49" charset="0"/>
+              </a:rPr>
+              <a:t>(n: </a:t>
+            </a:r>
+            <a:r>
+              <a:rPr lang="en-US" sz="1600" dirty="0" err="1">
+                <a:solidFill>
+                  <a:srgbClr val="92D050"/>
+                </a:solidFill>
+                <a:latin typeface="Courier New" panose="02070309020205020404" pitchFamily="49" charset="0"/>
+                <a:cs typeface="Courier New" panose="02070309020205020404" pitchFamily="49" charset="0"/>
+              </a:rPr>
+              <a:t>Int</a:t>
+            </a:r>
+            <a:r>
+              <a:rPr lang="en-US" sz="1600" dirty="0">
+                <a:solidFill>
+                  <a:srgbClr val="92D050"/>
+                </a:solidFill>
+                <a:latin typeface="Courier New" panose="02070309020205020404" pitchFamily="49" charset="0"/>
+                <a:cs typeface="Courier New" panose="02070309020205020404" pitchFamily="49" charset="0"/>
+              </a:rPr>
+              <a:t>, w: </a:t>
+            </a:r>
+            <a:r>
+              <a:rPr lang="en-US" sz="1600" dirty="0" err="1" smtClean="0">
+                <a:solidFill>
+                  <a:srgbClr val="92D050"/>
+                </a:solidFill>
+                <a:latin typeface="Courier New" panose="02070309020205020404" pitchFamily="49" charset="0"/>
+                <a:cs typeface="Courier New" panose="02070309020205020404" pitchFamily="49" charset="0"/>
+              </a:rPr>
+              <a:t>Int</a:t>
+            </a:r>
+            <a:r>
+              <a:rPr lang="en-US" sz="1600" dirty="0" smtClean="0">
+                <a:solidFill>
+                  <a:srgbClr val="92D050"/>
+                </a:solidFill>
+                <a:latin typeface="Courier New" panose="02070309020205020404" pitchFamily="49" charset="0"/>
+                <a:cs typeface="Courier New" panose="02070309020205020404" pitchFamily="49" charset="0"/>
+              </a:rPr>
+              <a:t>) extends Module{</a:t>
+            </a:r>
+            <a:endParaRPr lang="en-US" sz="1600" dirty="0">
+              <a:solidFill>
+                <a:srgbClr val="92D050"/>
+              </a:solidFill>
+              <a:latin typeface="Courier New" panose="02070309020205020404" pitchFamily="49" charset="0"/>
+              <a:cs typeface="Courier New" panose="02070309020205020404" pitchFamily="49" charset="0"/>
+            </a:endParaRPr>
+          </a:p>
+          <a:p>
+            <a:r>
+              <a:rPr lang="en-US" sz="1600" dirty="0" smtClean="0">
+                <a:solidFill>
+                  <a:srgbClr val="92D050"/>
+                </a:solidFill>
+                <a:latin typeface="Courier New" panose="02070309020205020404" pitchFamily="49" charset="0"/>
+                <a:cs typeface="Courier New" panose="02070309020205020404" pitchFamily="49" charset="0"/>
+              </a:rPr>
+              <a:t> </a:t>
+            </a:r>
+            <a:r>
+              <a:rPr lang="en-US" sz="1600" dirty="0">
+                <a:solidFill>
+                  <a:srgbClr val="92D050"/>
+                </a:solidFill>
+                <a:latin typeface="Courier New" panose="02070309020205020404" pitchFamily="49" charset="0"/>
+                <a:cs typeface="Courier New" panose="02070309020205020404" pitchFamily="49" charset="0"/>
+              </a:rPr>
+              <a:t>private </a:t>
+            </a:r>
+            <a:r>
+              <a:rPr lang="en-US" sz="1600" dirty="0" err="1">
+                <a:solidFill>
+                  <a:srgbClr val="92D050"/>
+                </a:solidFill>
+                <a:latin typeface="Courier New" panose="02070309020205020404" pitchFamily="49" charset="0"/>
+                <a:cs typeface="Courier New" panose="02070309020205020404" pitchFamily="49" charset="0"/>
+              </a:rPr>
+              <a:t>def</a:t>
+            </a:r>
+            <a:r>
+              <a:rPr lang="en-US" sz="1600" dirty="0">
+                <a:solidFill>
+                  <a:srgbClr val="92D050"/>
+                </a:solidFill>
+                <a:latin typeface="Courier New" panose="02070309020205020404" pitchFamily="49" charset="0"/>
+                <a:cs typeface="Courier New" panose="02070309020205020404" pitchFamily="49" charset="0"/>
+              </a:rPr>
+              <a:t> Max2(x: </a:t>
+            </a:r>
+            <a:r>
+              <a:rPr lang="en-US" sz="1600" dirty="0" err="1">
+                <a:solidFill>
+                  <a:srgbClr val="92D050"/>
+                </a:solidFill>
+                <a:latin typeface="Courier New" panose="02070309020205020404" pitchFamily="49" charset="0"/>
+                <a:cs typeface="Courier New" panose="02070309020205020404" pitchFamily="49" charset="0"/>
+              </a:rPr>
+              <a:t>UInt</a:t>
+            </a:r>
+            <a:r>
+              <a:rPr lang="en-US" sz="1600" dirty="0">
+                <a:solidFill>
+                  <a:srgbClr val="92D050"/>
+                </a:solidFill>
+                <a:latin typeface="Courier New" panose="02070309020205020404" pitchFamily="49" charset="0"/>
+                <a:cs typeface="Courier New" panose="02070309020205020404" pitchFamily="49" charset="0"/>
+              </a:rPr>
+              <a:t>, y: </a:t>
+            </a:r>
+            <a:r>
+              <a:rPr lang="en-US" sz="1600" dirty="0" err="1">
+                <a:solidFill>
+                  <a:srgbClr val="92D050"/>
+                </a:solidFill>
+                <a:latin typeface="Courier New" panose="02070309020205020404" pitchFamily="49" charset="0"/>
+                <a:cs typeface="Courier New" panose="02070309020205020404" pitchFamily="49" charset="0"/>
+              </a:rPr>
+              <a:t>UInt</a:t>
+            </a:r>
+            <a:r>
+              <a:rPr lang="en-US" sz="1600" dirty="0">
+                <a:solidFill>
+                  <a:srgbClr val="92D050"/>
+                </a:solidFill>
+                <a:latin typeface="Courier New" panose="02070309020205020404" pitchFamily="49" charset="0"/>
+                <a:cs typeface="Courier New" panose="02070309020205020404" pitchFamily="49" charset="0"/>
+              </a:rPr>
+              <a:t>) = Mux(x &gt; y, x, y)</a:t>
+            </a:r>
+          </a:p>
+          <a:p>
+            <a:endParaRPr lang="en-US" sz="1600" dirty="0">
+              <a:solidFill>
+                <a:srgbClr val="92D050"/>
+              </a:solidFill>
+              <a:latin typeface="Courier New" panose="02070309020205020404" pitchFamily="49" charset="0"/>
+              <a:cs typeface="Courier New" panose="02070309020205020404" pitchFamily="49" charset="0"/>
+            </a:endParaRPr>
+          </a:p>
+          <a:p>
+            <a:r>
+              <a:rPr lang="en-US" sz="1600" dirty="0">
+                <a:solidFill>
+                  <a:srgbClr val="92D050"/>
+                </a:solidFill>
+                <a:latin typeface="Courier New" panose="02070309020205020404" pitchFamily="49" charset="0"/>
+                <a:cs typeface="Courier New" panose="02070309020205020404" pitchFamily="49" charset="0"/>
+              </a:rPr>
+              <a:t> </a:t>
+            </a:r>
+            <a:r>
+              <a:rPr lang="en-US" sz="1600" dirty="0" err="1">
+                <a:solidFill>
+                  <a:srgbClr val="92D050"/>
+                </a:solidFill>
+                <a:latin typeface="Courier New" panose="02070309020205020404" pitchFamily="49" charset="0"/>
+                <a:cs typeface="Courier New" panose="02070309020205020404" pitchFamily="49" charset="0"/>
+              </a:rPr>
+              <a:t>val</a:t>
+            </a:r>
+            <a:r>
+              <a:rPr lang="en-US" sz="1600" dirty="0">
+                <a:solidFill>
+                  <a:srgbClr val="92D050"/>
+                </a:solidFill>
+                <a:latin typeface="Courier New" panose="02070309020205020404" pitchFamily="49" charset="0"/>
+                <a:cs typeface="Courier New" panose="02070309020205020404" pitchFamily="49" charset="0"/>
+              </a:rPr>
+              <a:t> </a:t>
+            </a:r>
+            <a:r>
+              <a:rPr lang="en-US" sz="1600" dirty="0" err="1">
+                <a:solidFill>
+                  <a:srgbClr val="92D050"/>
+                </a:solidFill>
+                <a:latin typeface="Courier New" panose="02070309020205020404" pitchFamily="49" charset="0"/>
+                <a:cs typeface="Courier New" panose="02070309020205020404" pitchFamily="49" charset="0"/>
+              </a:rPr>
+              <a:t>io</a:t>
+            </a:r>
+            <a:r>
+              <a:rPr lang="en-US" sz="1600" dirty="0">
+                <a:solidFill>
+                  <a:srgbClr val="92D050"/>
+                </a:solidFill>
+                <a:latin typeface="Courier New" panose="02070309020205020404" pitchFamily="49" charset="0"/>
+                <a:cs typeface="Courier New" panose="02070309020205020404" pitchFamily="49" charset="0"/>
+              </a:rPr>
+              <a:t> = new Bundle {</a:t>
+            </a:r>
+          </a:p>
+          <a:p>
+            <a:r>
+              <a:rPr lang="en-US" sz="1600" dirty="0">
+                <a:solidFill>
+                  <a:srgbClr val="92D050"/>
+                </a:solidFill>
+                <a:latin typeface="Courier New" panose="02070309020205020404" pitchFamily="49" charset="0"/>
+                <a:cs typeface="Courier New" panose="02070309020205020404" pitchFamily="49" charset="0"/>
+              </a:rPr>
+              <a:t>   </a:t>
+            </a:r>
+            <a:r>
+              <a:rPr lang="en-US" sz="1600" dirty="0" err="1">
+                <a:solidFill>
+                  <a:srgbClr val="92D050"/>
+                </a:solidFill>
+                <a:latin typeface="Courier New" panose="02070309020205020404" pitchFamily="49" charset="0"/>
+                <a:cs typeface="Courier New" panose="02070309020205020404" pitchFamily="49" charset="0"/>
+              </a:rPr>
+              <a:t>val</a:t>
+            </a:r>
+            <a:r>
+              <a:rPr lang="en-US" sz="1600" dirty="0">
+                <a:solidFill>
+                  <a:srgbClr val="92D050"/>
+                </a:solidFill>
+                <a:latin typeface="Courier New" panose="02070309020205020404" pitchFamily="49" charset="0"/>
+                <a:cs typeface="Courier New" panose="02070309020205020404" pitchFamily="49" charset="0"/>
+              </a:rPr>
+              <a:t> in  = </a:t>
+            </a:r>
+            <a:r>
+              <a:rPr lang="en-US" sz="1600" dirty="0" err="1">
+                <a:solidFill>
+                  <a:srgbClr val="92D050"/>
+                </a:solidFill>
+                <a:latin typeface="Courier New" panose="02070309020205020404" pitchFamily="49" charset="0"/>
+                <a:cs typeface="Courier New" panose="02070309020205020404" pitchFamily="49" charset="0"/>
+              </a:rPr>
+              <a:t>Vec.fill</a:t>
+            </a:r>
+            <a:r>
+              <a:rPr lang="en-US" sz="1600" dirty="0">
+                <a:solidFill>
+                  <a:srgbClr val="92D050"/>
+                </a:solidFill>
+                <a:latin typeface="Courier New" panose="02070309020205020404" pitchFamily="49" charset="0"/>
+                <a:cs typeface="Courier New" panose="02070309020205020404" pitchFamily="49" charset="0"/>
+              </a:rPr>
+              <a:t>(n){ </a:t>
+            </a:r>
+            <a:r>
+              <a:rPr lang="en-US" sz="1600" dirty="0" err="1">
+                <a:solidFill>
+                  <a:srgbClr val="92D050"/>
+                </a:solidFill>
+                <a:latin typeface="Courier New" panose="02070309020205020404" pitchFamily="49" charset="0"/>
+                <a:cs typeface="Courier New" panose="02070309020205020404" pitchFamily="49" charset="0"/>
+              </a:rPr>
+              <a:t>UInt</a:t>
+            </a:r>
+            <a:r>
+              <a:rPr lang="en-US" sz="1600" dirty="0">
+                <a:solidFill>
+                  <a:srgbClr val="92D050"/>
+                </a:solidFill>
+                <a:latin typeface="Courier New" panose="02070309020205020404" pitchFamily="49" charset="0"/>
+                <a:cs typeface="Courier New" panose="02070309020205020404" pitchFamily="49" charset="0"/>
+              </a:rPr>
+              <a:t>(INPUT, w) }</a:t>
+            </a:r>
+          </a:p>
+          <a:p>
+            <a:r>
+              <a:rPr lang="en-US" sz="1600" dirty="0">
+                <a:solidFill>
+                  <a:srgbClr val="92D050"/>
+                </a:solidFill>
+                <a:latin typeface="Courier New" panose="02070309020205020404" pitchFamily="49" charset="0"/>
+                <a:cs typeface="Courier New" panose="02070309020205020404" pitchFamily="49" charset="0"/>
+              </a:rPr>
+              <a:t>   </a:t>
+            </a:r>
+            <a:r>
+              <a:rPr lang="en-US" sz="1600" dirty="0" err="1">
+                <a:solidFill>
+                  <a:srgbClr val="92D050"/>
+                </a:solidFill>
+                <a:latin typeface="Courier New" panose="02070309020205020404" pitchFamily="49" charset="0"/>
+                <a:cs typeface="Courier New" panose="02070309020205020404" pitchFamily="49" charset="0"/>
+              </a:rPr>
+              <a:t>val</a:t>
+            </a:r>
+            <a:r>
+              <a:rPr lang="en-US" sz="1600" dirty="0">
+                <a:solidFill>
+                  <a:srgbClr val="92D050"/>
+                </a:solidFill>
+                <a:latin typeface="Courier New" panose="02070309020205020404" pitchFamily="49" charset="0"/>
+                <a:cs typeface="Courier New" panose="02070309020205020404" pitchFamily="49" charset="0"/>
+              </a:rPr>
+              <a:t> out = </a:t>
+            </a:r>
+            <a:r>
+              <a:rPr lang="en-US" sz="1600" dirty="0" err="1">
+                <a:solidFill>
+                  <a:srgbClr val="92D050"/>
+                </a:solidFill>
+                <a:latin typeface="Courier New" panose="02070309020205020404" pitchFamily="49" charset="0"/>
+                <a:cs typeface="Courier New" panose="02070309020205020404" pitchFamily="49" charset="0"/>
+              </a:rPr>
+              <a:t>UInt</a:t>
+            </a:r>
+            <a:r>
+              <a:rPr lang="en-US" sz="1600" dirty="0">
+                <a:solidFill>
+                  <a:srgbClr val="92D050"/>
+                </a:solidFill>
+                <a:latin typeface="Courier New" panose="02070309020205020404" pitchFamily="49" charset="0"/>
+                <a:cs typeface="Courier New" panose="02070309020205020404" pitchFamily="49" charset="0"/>
+              </a:rPr>
+              <a:t>(OUTPUT, w)</a:t>
+            </a:r>
+          </a:p>
+          <a:p>
+            <a:r>
+              <a:rPr lang="en-US" sz="1600" dirty="0">
+                <a:solidFill>
+                  <a:srgbClr val="92D050"/>
+                </a:solidFill>
+                <a:latin typeface="Courier New" panose="02070309020205020404" pitchFamily="49" charset="0"/>
+                <a:cs typeface="Courier New" panose="02070309020205020404" pitchFamily="49" charset="0"/>
+              </a:rPr>
+              <a:t> }</a:t>
+            </a:r>
+          </a:p>
+          <a:p>
+            <a:r>
+              <a:rPr lang="en-US" sz="1600" dirty="0">
+                <a:solidFill>
+                  <a:srgbClr val="92D050"/>
+                </a:solidFill>
+                <a:latin typeface="Courier New" panose="02070309020205020404" pitchFamily="49" charset="0"/>
+                <a:cs typeface="Courier New" panose="02070309020205020404" pitchFamily="49" charset="0"/>
+              </a:rPr>
+              <a:t> </a:t>
+            </a:r>
+            <a:r>
+              <a:rPr lang="en-US" sz="1600" dirty="0" err="1">
+                <a:solidFill>
+                  <a:srgbClr val="92D050"/>
+                </a:solidFill>
+                <a:latin typeface="Courier New" panose="02070309020205020404" pitchFamily="49" charset="0"/>
+                <a:cs typeface="Courier New" panose="02070309020205020404" pitchFamily="49" charset="0"/>
+              </a:rPr>
+              <a:t>io.out</a:t>
+            </a:r>
+            <a:r>
+              <a:rPr lang="en-US" sz="1600" dirty="0">
+                <a:solidFill>
+                  <a:srgbClr val="92D050"/>
+                </a:solidFill>
+                <a:latin typeface="Courier New" panose="02070309020205020404" pitchFamily="49" charset="0"/>
+                <a:cs typeface="Courier New" panose="02070309020205020404" pitchFamily="49" charset="0"/>
+              </a:rPr>
+              <a:t> := </a:t>
+            </a:r>
+            <a:r>
+              <a:rPr lang="en-US" sz="1600" dirty="0" err="1">
+                <a:solidFill>
+                  <a:srgbClr val="92D050"/>
+                </a:solidFill>
+                <a:latin typeface="Courier New" panose="02070309020205020404" pitchFamily="49" charset="0"/>
+                <a:cs typeface="Courier New" panose="02070309020205020404" pitchFamily="49" charset="0"/>
+              </a:rPr>
+              <a:t>io.in.reduceLeft</a:t>
+            </a:r>
+            <a:r>
+              <a:rPr lang="en-US" sz="1600" dirty="0">
+                <a:solidFill>
+                  <a:srgbClr val="92D050"/>
+                </a:solidFill>
+                <a:latin typeface="Courier New" panose="02070309020205020404" pitchFamily="49" charset="0"/>
+                <a:cs typeface="Courier New" panose="02070309020205020404" pitchFamily="49" charset="0"/>
+              </a:rPr>
+              <a:t>(Max2)</a:t>
+            </a:r>
+          </a:p>
+          <a:p>
+            <a:r>
+              <a:rPr lang="en-US" sz="1600" dirty="0">
+                <a:solidFill>
+                  <a:srgbClr val="92D050"/>
+                </a:solidFill>
+                <a:latin typeface="Courier New" panose="02070309020205020404" pitchFamily="49" charset="0"/>
+                <a:cs typeface="Courier New" panose="02070309020205020404" pitchFamily="49" charset="0"/>
+              </a:rPr>
+              <a:t>}</a:t>
+            </a:r>
+            <a:endParaRPr lang="en-US" sz="1600" b="1" i="1" dirty="0" smtClean="0">
+              <a:solidFill>
+                <a:srgbClr val="0070C0"/>
+              </a:solidFill>
+              <a:latin typeface="Courier New" panose="02070309020205020404" pitchFamily="49" charset="0"/>
+              <a:cs typeface="Courier New" panose="02070309020205020404" pitchFamily="49" charset="0"/>
+            </a:endParaRPr>
+          </a:p>
+        </p:txBody>
+      </p:sp>
+      <p:sp>
+        <p:nvSpPr>
+          <p:cNvPr id="11" name="TextBox 10"/>
+          <p:cNvSpPr txBox="1"/>
+          <p:nvPr/>
+        </p:nvSpPr>
+        <p:spPr>
+          <a:xfrm>
+            <a:off x="563672" y="5111547"/>
+            <a:ext cx="7818328" cy="1200329"/>
+          </a:xfrm>
+          <a:prstGeom prst="rect">
+            <a:avLst/>
+          </a:prstGeom>
+          <a:noFill/>
+        </p:spPr>
+        <p:txBody>
+          <a:bodyPr wrap="square" rtlCol="0">
+            <a:spAutoFit/>
+          </a:bodyPr>
+          <a:lstStyle/>
+          <a:p>
+            <a:r>
+              <a:rPr lang="en-GB" sz="2400" dirty="0" smtClean="0">
+                <a:latin typeface="Comic Sans MS" panose="030F0702030302020204" pitchFamily="66" charset="0"/>
+                <a:cs typeface="Consolas" panose="020B0609020204030204" pitchFamily="49" charset="0"/>
+              </a:rPr>
+              <a:t>…also there is an example for a simple processor – 3 registers and 2 operations. </a:t>
+            </a:r>
+            <a:r>
+              <a:rPr lang="en-GB" sz="2400" i="1" dirty="0" smtClean="0">
+                <a:latin typeface="Comic Sans MS" panose="030F0702030302020204" pitchFamily="66" charset="0"/>
+                <a:cs typeface="Consolas" panose="020B0609020204030204" pitchFamily="49" charset="0"/>
+              </a:rPr>
+              <a:t>(</a:t>
+            </a:r>
+            <a:r>
+              <a:rPr lang="en-GB" sz="2400" i="1" dirty="0" err="1" smtClean="0">
+                <a:latin typeface="Comic Sans MS" panose="030F0702030302020204" pitchFamily="66" charset="0"/>
+                <a:cs typeface="Consolas" panose="020B0609020204030204" pitchFamily="49" charset="0"/>
+              </a:rPr>
+              <a:t>Risc.scala</a:t>
+            </a:r>
+            <a:r>
+              <a:rPr lang="en-GB" sz="2400" i="1" dirty="0" smtClean="0">
+                <a:latin typeface="Comic Sans MS" panose="030F0702030302020204" pitchFamily="66" charset="0"/>
+                <a:cs typeface="Consolas" panose="020B0609020204030204" pitchFamily="49" charset="0"/>
+              </a:rPr>
+              <a:t>)</a:t>
+            </a:r>
+            <a:endParaRPr lang="en-GB" sz="2400" i="1" dirty="0" smtClean="0">
+              <a:latin typeface="Comic Sans MS" panose="030F0702030302020204" pitchFamily="66" charset="0"/>
+              <a:cs typeface="Consolas" panose="020B0609020204030204" pitchFamily="49" charset="0"/>
+            </a:endParaRPr>
+          </a:p>
+          <a:p>
+            <a:pPr marL="742950" lvl="1" indent="-285750">
+              <a:buFont typeface="Arial" panose="020B0604020202020204" pitchFamily="34" charset="0"/>
+              <a:buChar char="•"/>
+            </a:pPr>
+            <a:endParaRPr lang="en-GB" sz="2400" dirty="0">
+              <a:latin typeface="Comic Sans MS" panose="030F0702030302020204" pitchFamily="66" charset="0"/>
+              <a:cs typeface="Consolas" panose="020B0609020204030204" pitchFamily="49" charset="0"/>
+            </a:endParaRPr>
+          </a:p>
+        </p:txBody>
+      </p:sp>
+    </p:spTree>
+    <p:extLst>
+      <p:ext uri="{BB962C8B-B14F-4D97-AF65-F5344CB8AC3E}">
+        <p14:creationId xmlns:p14="http://schemas.microsoft.com/office/powerpoint/2010/main" val="1395974610"/>
+      </p:ext>
+    </p:extLst>
+  </p:cSld>
+  <p:clrMapOvr>
+    <a:masterClrMapping/>
+  </p:clrMapOvr>
+  <p:timing>
+    <p:tnLst>
+      <p:par>
+        <p:cTn id="1" dur="indefinite" restart="never" nodeType="tmRoot"/>
+      </p:par>
+    </p:tnLst>
+  </p:timing>
+</p:sld>
+</file>
+
+<file path=ppt/slides/slide11.xml><?xml version="1.0" encoding="utf-8"?>
+<p:sld xmlns:a="http://schemas.openxmlformats.org/drawingml/2006/main" xmlns:r="http://schemas.openxmlformats.org/officeDocument/2006/relationships" xmlns:p="http://schemas.openxmlformats.org/presentationml/2006/main">
+  <p:cSld>
+    <p:spTree>
+      <p:nvGrpSpPr>
+        <p:cNvPr id="1" name=""/>
+        <p:cNvGrpSpPr/>
+        <p:nvPr/>
+      </p:nvGrpSpPr>
+      <p:grpSpPr>
+        <a:xfrm>
+          <a:off x="0" y="0"/>
+          <a:ext cx="0" cy="0"/>
+          <a:chOff x="0" y="0"/>
+          <a:chExt cx="0" cy="0"/>
+        </a:xfrm>
+      </p:grpSpPr>
+      <p:sp>
+        <p:nvSpPr>
+          <p:cNvPr id="13" name="Title 1"/>
+          <p:cNvSpPr>
+            <a:spLocks noGrp="1"/>
+          </p:cNvSpPr>
+          <p:nvPr>
+            <p:ph type="title"/>
+          </p:nvPr>
+        </p:nvSpPr>
+        <p:spPr>
+          <a:xfrm>
+            <a:off x="457200" y="274638"/>
+            <a:ext cx="8229600" cy="1143000"/>
+          </a:xfrm>
+        </p:spPr>
+        <p:txBody>
+          <a:bodyPr>
+            <a:normAutofit/>
+          </a:bodyPr>
+          <a:lstStyle/>
+          <a:p>
+            <a:pPr algn="l"/>
+            <a:r>
+              <a:rPr lang="en-GB" dirty="0" smtClean="0">
+                <a:solidFill>
+                  <a:schemeClr val="bg1">
+                    <a:lumMod val="50000"/>
+                  </a:schemeClr>
+                </a:solidFill>
+                <a:latin typeface="Comic Sans MS"/>
+              </a:rPr>
+              <a:t>From Chisel to working FPGA</a:t>
+            </a:r>
+            <a:endParaRPr lang="en-US" dirty="0"/>
+          </a:p>
+        </p:txBody>
+      </p:sp>
+      <p:sp>
+        <p:nvSpPr>
+          <p:cNvPr id="2" name="Oval 1"/>
+          <p:cNvSpPr/>
+          <p:nvPr/>
+        </p:nvSpPr>
+        <p:spPr>
+          <a:xfrm>
+            <a:off x="16926" y="2387600"/>
+            <a:ext cx="1253067" cy="1278467"/>
+          </a:xfrm>
+          <a:prstGeom prst="ellipse">
+            <a:avLst/>
+          </a:prstGeom>
+        </p:spPr>
+        <p:style>
+          <a:lnRef idx="0">
+            <a:schemeClr val="accent6"/>
+          </a:lnRef>
+          <a:fillRef idx="3">
+            <a:schemeClr val="accent6"/>
+          </a:fillRef>
+          <a:effectRef idx="3">
+            <a:schemeClr val="accent6"/>
+          </a:effectRef>
+          <a:fontRef idx="minor">
+            <a:schemeClr val="lt1"/>
+          </a:fontRef>
+        </p:style>
+        <p:txBody>
+          <a:bodyPr rtlCol="0" anchor="ctr"/>
+          <a:lstStyle/>
+          <a:p>
+            <a:pPr algn="ctr"/>
+            <a:r>
+              <a:rPr lang="en-GB" dirty="0"/>
+              <a:t>Chisel</a:t>
+            </a:r>
+            <a:endParaRPr lang="lv-LV" dirty="0"/>
+          </a:p>
+          <a:p>
+            <a:pPr algn="ctr"/>
+            <a:r>
+              <a:rPr lang="en-GB" dirty="0" smtClean="0"/>
+              <a:t>Scala code</a:t>
+            </a:r>
+            <a:endParaRPr lang="lv-LV" dirty="0"/>
+          </a:p>
+        </p:txBody>
+      </p:sp>
+      <p:sp>
+        <p:nvSpPr>
+          <p:cNvPr id="3" name="Right Arrow 2"/>
+          <p:cNvSpPr/>
+          <p:nvPr/>
+        </p:nvSpPr>
+        <p:spPr>
+          <a:xfrm>
+            <a:off x="1269995" y="2496513"/>
+            <a:ext cx="375060" cy="982134"/>
+          </a:xfrm>
+          <a:prstGeom prst="rightArrow">
+            <a:avLst/>
+          </a:prstGeom>
+        </p:spPr>
+        <p:style>
+          <a:lnRef idx="1">
+            <a:schemeClr val="accent1"/>
+          </a:lnRef>
+          <a:fillRef idx="3">
+            <a:schemeClr val="accent1"/>
+          </a:fillRef>
+          <a:effectRef idx="2">
+            <a:schemeClr val="accent1"/>
+          </a:effectRef>
+          <a:fontRef idx="minor">
+            <a:schemeClr val="lt1"/>
+          </a:fontRef>
+        </p:style>
+        <p:txBody>
+          <a:bodyPr rtlCol="0" anchor="ctr"/>
+          <a:lstStyle/>
+          <a:p>
+            <a:pPr algn="ctr"/>
+            <a:endParaRPr lang="lv-LV" dirty="0"/>
+          </a:p>
+        </p:txBody>
+      </p:sp>
+      <p:sp>
+        <p:nvSpPr>
+          <p:cNvPr id="6" name="Down Arrow 5"/>
+          <p:cNvSpPr/>
+          <p:nvPr/>
+        </p:nvSpPr>
+        <p:spPr>
+          <a:xfrm rot="19737766">
+            <a:off x="718364" y="3578813"/>
+            <a:ext cx="732367" cy="891455"/>
+          </a:xfrm>
+          <a:prstGeom prst="downArrow">
+            <a:avLst>
+              <a:gd name="adj1" fmla="val 31367"/>
+              <a:gd name="adj2" fmla="val 50000"/>
+            </a:avLst>
+          </a:prstGeom>
+          <a:ln>
+            <a:prstDash val="dash"/>
+          </a:ln>
+        </p:spPr>
+        <p:style>
+          <a:lnRef idx="2">
+            <a:schemeClr val="accent1"/>
+          </a:lnRef>
+          <a:fillRef idx="1">
+            <a:schemeClr val="lt1"/>
+          </a:fillRef>
+          <a:effectRef idx="0">
+            <a:schemeClr val="accent1"/>
+          </a:effectRef>
+          <a:fontRef idx="minor">
+            <a:schemeClr val="dk1"/>
+          </a:fontRef>
+        </p:style>
+        <p:txBody>
+          <a:bodyPr rtlCol="0" anchor="ctr"/>
+          <a:lstStyle/>
+          <a:p>
+            <a:pPr algn="ctr"/>
+            <a:endParaRPr lang="lv-LV" dirty="0"/>
+          </a:p>
+        </p:txBody>
+      </p:sp>
+      <p:sp>
+        <p:nvSpPr>
+          <p:cNvPr id="5" name="Oval 4"/>
+          <p:cNvSpPr/>
+          <p:nvPr/>
+        </p:nvSpPr>
+        <p:spPr>
+          <a:xfrm>
+            <a:off x="618058" y="4435958"/>
+            <a:ext cx="1655233" cy="1278467"/>
+          </a:xfrm>
+          <a:prstGeom prst="ellipse">
+            <a:avLst/>
+          </a:prstGeom>
+          <a:ln>
+            <a:prstDash val="dash"/>
+          </a:ln>
+        </p:spPr>
+        <p:style>
+          <a:lnRef idx="2">
+            <a:schemeClr val="accent1"/>
+          </a:lnRef>
+          <a:fillRef idx="1">
+            <a:schemeClr val="lt1"/>
+          </a:fillRef>
+          <a:effectRef idx="0">
+            <a:schemeClr val="accent1"/>
+          </a:effectRef>
+          <a:fontRef idx="minor">
+            <a:schemeClr val="dk1"/>
+          </a:fontRef>
+        </p:style>
+        <p:txBody>
+          <a:bodyPr rtlCol="0" anchor="ctr"/>
+          <a:lstStyle/>
+          <a:p>
+            <a:pPr algn="ctr"/>
+            <a:r>
+              <a:rPr lang="en-GB" dirty="0" smtClean="0"/>
+              <a:t>C simulation code</a:t>
+            </a:r>
+            <a:endParaRPr lang="lv-LV" dirty="0"/>
+          </a:p>
+        </p:txBody>
+      </p:sp>
+      <p:sp>
+        <p:nvSpPr>
+          <p:cNvPr id="8" name="Oval 7"/>
+          <p:cNvSpPr/>
+          <p:nvPr/>
+        </p:nvSpPr>
+        <p:spPr>
+          <a:xfrm>
+            <a:off x="1645055" y="2459377"/>
+            <a:ext cx="1176864" cy="1056406"/>
+          </a:xfrm>
+          <a:prstGeom prst="ellipse">
+            <a:avLst/>
+          </a:prstGeom>
+        </p:spPr>
+        <p:style>
+          <a:lnRef idx="1">
+            <a:schemeClr val="accent1"/>
+          </a:lnRef>
+          <a:fillRef idx="3">
+            <a:schemeClr val="accent1"/>
+          </a:fillRef>
+          <a:effectRef idx="2">
+            <a:schemeClr val="accent1"/>
+          </a:effectRef>
+          <a:fontRef idx="minor">
+            <a:schemeClr val="lt1"/>
+          </a:fontRef>
+        </p:style>
+        <p:txBody>
+          <a:bodyPr rtlCol="0" anchor="ctr"/>
+          <a:lstStyle/>
+          <a:p>
+            <a:pPr algn="ctr"/>
+            <a:r>
+              <a:rPr lang="en-GB" dirty="0" smtClean="0"/>
+              <a:t>Verilog</a:t>
+            </a:r>
+          </a:p>
+          <a:p>
+            <a:pPr algn="ctr"/>
+            <a:r>
+              <a:rPr lang="en-GB" dirty="0" smtClean="0"/>
+              <a:t>code</a:t>
+            </a:r>
+            <a:endParaRPr lang="lv-LV" dirty="0"/>
+          </a:p>
+        </p:txBody>
+      </p:sp>
+      <p:sp>
+        <p:nvSpPr>
+          <p:cNvPr id="9" name="Right Arrow 8"/>
+          <p:cNvSpPr/>
+          <p:nvPr/>
+        </p:nvSpPr>
+        <p:spPr>
+          <a:xfrm>
+            <a:off x="2817680" y="2492279"/>
+            <a:ext cx="379299" cy="982134"/>
+          </a:xfrm>
+          <a:prstGeom prst="rightArrow">
+            <a:avLst/>
+          </a:prstGeom>
+        </p:spPr>
+        <p:style>
+          <a:lnRef idx="1">
+            <a:schemeClr val="accent1"/>
+          </a:lnRef>
+          <a:fillRef idx="3">
+            <a:schemeClr val="accent1"/>
+          </a:fillRef>
+          <a:effectRef idx="2">
+            <a:schemeClr val="accent1"/>
+          </a:effectRef>
+          <a:fontRef idx="minor">
+            <a:schemeClr val="lt1"/>
+          </a:fontRef>
+        </p:style>
+        <p:txBody>
+          <a:bodyPr rtlCol="0" anchor="ctr"/>
+          <a:lstStyle/>
+          <a:p>
+            <a:pPr algn="ctr"/>
+            <a:endParaRPr lang="lv-LV" dirty="0"/>
+          </a:p>
+        </p:txBody>
+      </p:sp>
+      <p:sp>
+        <p:nvSpPr>
+          <p:cNvPr id="10" name="Oval 9"/>
+          <p:cNvSpPr/>
+          <p:nvPr/>
+        </p:nvSpPr>
+        <p:spPr>
+          <a:xfrm>
+            <a:off x="3124189" y="4570847"/>
+            <a:ext cx="1803400" cy="705813"/>
+          </a:xfrm>
+          <a:prstGeom prst="ellipse">
+            <a:avLst/>
+          </a:prstGeom>
+        </p:spPr>
+        <p:style>
+          <a:lnRef idx="0">
+            <a:schemeClr val="accent6"/>
+          </a:lnRef>
+          <a:fillRef idx="3">
+            <a:schemeClr val="accent6"/>
+          </a:fillRef>
+          <a:effectRef idx="3">
+            <a:schemeClr val="accent6"/>
+          </a:effectRef>
+          <a:fontRef idx="minor">
+            <a:schemeClr val="lt1"/>
+          </a:fontRef>
+        </p:style>
+        <p:txBody>
+          <a:bodyPr rtlCol="0" anchor="ctr"/>
+          <a:lstStyle/>
+          <a:p>
+            <a:pPr algn="ctr"/>
+            <a:r>
+              <a:rPr lang="en-GB" dirty="0" smtClean="0"/>
+              <a:t>Constraints</a:t>
+            </a:r>
+            <a:endParaRPr lang="lv-LV" dirty="0"/>
+          </a:p>
+        </p:txBody>
+      </p:sp>
+      <p:sp>
+        <p:nvSpPr>
+          <p:cNvPr id="7" name="Up Arrow 6"/>
+          <p:cNvSpPr/>
+          <p:nvPr/>
+        </p:nvSpPr>
+        <p:spPr>
+          <a:xfrm>
+            <a:off x="3666057" y="3537914"/>
+            <a:ext cx="728133" cy="1032933"/>
+          </a:xfrm>
+          <a:prstGeom prst="upArrow">
+            <a:avLst/>
+          </a:prstGeom>
+        </p:spPr>
+        <p:style>
+          <a:lnRef idx="1">
+            <a:schemeClr val="accent1"/>
+          </a:lnRef>
+          <a:fillRef idx="3">
+            <a:schemeClr val="accent1"/>
+          </a:fillRef>
+          <a:effectRef idx="2">
+            <a:schemeClr val="accent1"/>
+          </a:effectRef>
+          <a:fontRef idx="minor">
+            <a:schemeClr val="lt1"/>
+          </a:fontRef>
+        </p:style>
+        <p:txBody>
+          <a:bodyPr rtlCol="0" anchor="ctr"/>
+          <a:lstStyle/>
+          <a:p>
+            <a:pPr algn="ctr"/>
+            <a:endParaRPr lang="lv-LV"/>
+          </a:p>
+        </p:txBody>
+      </p:sp>
+      <p:sp>
+        <p:nvSpPr>
+          <p:cNvPr id="12" name="Rectangle 11"/>
+          <p:cNvSpPr/>
+          <p:nvPr/>
+        </p:nvSpPr>
+        <p:spPr>
+          <a:xfrm>
+            <a:off x="3217323" y="2387600"/>
+            <a:ext cx="1617133" cy="1150314"/>
+          </a:xfrm>
+          <a:prstGeom prst="rect">
+            <a:avLst/>
+          </a:prstGeom>
+        </p:spPr>
+        <p:style>
+          <a:lnRef idx="2">
+            <a:schemeClr val="dk1">
+              <a:shade val="50000"/>
+            </a:schemeClr>
+          </a:lnRef>
+          <a:fillRef idx="1">
+            <a:schemeClr val="dk1"/>
+          </a:fillRef>
+          <a:effectRef idx="0">
+            <a:schemeClr val="dk1"/>
+          </a:effectRef>
+          <a:fontRef idx="minor">
+            <a:schemeClr val="lt1"/>
+          </a:fontRef>
+        </p:style>
+        <p:txBody>
+          <a:bodyPr rtlCol="0" anchor="ctr"/>
+          <a:lstStyle/>
+          <a:p>
+            <a:pPr algn="ctr"/>
+            <a:r>
+              <a:rPr lang="en-GB" dirty="0" smtClean="0"/>
+              <a:t>FPGA manufacturer's</a:t>
+            </a:r>
+          </a:p>
+          <a:p>
+            <a:pPr algn="ctr"/>
+            <a:r>
+              <a:rPr lang="en-GB" dirty="0" smtClean="0"/>
+              <a:t>tools</a:t>
+            </a:r>
+            <a:endParaRPr lang="lv-LV" dirty="0"/>
+          </a:p>
+        </p:txBody>
+      </p:sp>
+      <p:sp>
+        <p:nvSpPr>
+          <p:cNvPr id="14" name="Right Arrow 13"/>
+          <p:cNvSpPr/>
+          <p:nvPr/>
+        </p:nvSpPr>
+        <p:spPr>
+          <a:xfrm>
+            <a:off x="4854800" y="2471690"/>
+            <a:ext cx="414875" cy="982134"/>
+          </a:xfrm>
+          <a:prstGeom prst="rightArrow">
+            <a:avLst/>
+          </a:prstGeom>
+        </p:spPr>
+        <p:style>
+          <a:lnRef idx="1">
+            <a:schemeClr val="accent1"/>
+          </a:lnRef>
+          <a:fillRef idx="3">
+            <a:schemeClr val="accent1"/>
+          </a:fillRef>
+          <a:effectRef idx="2">
+            <a:schemeClr val="accent1"/>
+          </a:effectRef>
+          <a:fontRef idx="minor">
+            <a:schemeClr val="lt1"/>
+          </a:fontRef>
+        </p:style>
+        <p:txBody>
+          <a:bodyPr rtlCol="0" anchor="ctr"/>
+          <a:lstStyle/>
+          <a:p>
+            <a:pPr algn="ctr"/>
+            <a:endParaRPr lang="lv-LV" dirty="0"/>
+          </a:p>
+        </p:txBody>
+      </p:sp>
+      <p:sp>
+        <p:nvSpPr>
+          <p:cNvPr id="15" name="Oval 14"/>
+          <p:cNvSpPr/>
+          <p:nvPr/>
+        </p:nvSpPr>
+        <p:spPr>
+          <a:xfrm>
+            <a:off x="5269675" y="2397418"/>
+            <a:ext cx="1261532" cy="1056406"/>
+          </a:xfrm>
+          <a:prstGeom prst="ellipse">
+            <a:avLst/>
+          </a:prstGeom>
+        </p:spPr>
+        <p:style>
+          <a:lnRef idx="1">
+            <a:schemeClr val="accent1"/>
+          </a:lnRef>
+          <a:fillRef idx="3">
+            <a:schemeClr val="accent1"/>
+          </a:fillRef>
+          <a:effectRef idx="2">
+            <a:schemeClr val="accent1"/>
+          </a:effectRef>
+          <a:fontRef idx="minor">
+            <a:schemeClr val="lt1"/>
+          </a:fontRef>
+        </p:style>
+        <p:txBody>
+          <a:bodyPr rtlCol="0" anchor="ctr"/>
+          <a:lstStyle/>
+          <a:p>
+            <a:pPr algn="ctr"/>
+            <a:r>
+              <a:rPr lang="en-GB" dirty="0" smtClean="0"/>
+              <a:t>Device </a:t>
+            </a:r>
+            <a:r>
+              <a:rPr lang="en-GB" dirty="0" err="1" smtClean="0"/>
+              <a:t>bitcode</a:t>
+            </a:r>
+            <a:endParaRPr lang="lv-LV" dirty="0"/>
+          </a:p>
+        </p:txBody>
+      </p:sp>
+      <p:sp>
+        <p:nvSpPr>
+          <p:cNvPr id="18" name="Right Arrow 17"/>
+          <p:cNvSpPr/>
+          <p:nvPr/>
+        </p:nvSpPr>
+        <p:spPr>
+          <a:xfrm>
+            <a:off x="6531207" y="2434554"/>
+            <a:ext cx="330193" cy="982134"/>
+          </a:xfrm>
+          <a:prstGeom prst="rightArrow">
+            <a:avLst/>
+          </a:prstGeom>
+        </p:spPr>
+        <p:style>
+          <a:lnRef idx="1">
+            <a:schemeClr val="accent1"/>
+          </a:lnRef>
+          <a:fillRef idx="3">
+            <a:schemeClr val="accent1"/>
+          </a:fillRef>
+          <a:effectRef idx="2">
+            <a:schemeClr val="accent1"/>
+          </a:effectRef>
+          <a:fontRef idx="minor">
+            <a:schemeClr val="lt1"/>
+          </a:fontRef>
+        </p:style>
+        <p:txBody>
+          <a:bodyPr rtlCol="0" anchor="ctr"/>
+          <a:lstStyle/>
+          <a:p>
+            <a:pPr algn="ctr"/>
+            <a:endParaRPr lang="lv-LV" dirty="0"/>
+          </a:p>
+        </p:txBody>
+      </p:sp>
+      <p:sp>
+        <p:nvSpPr>
+          <p:cNvPr id="19" name="Oval 18"/>
+          <p:cNvSpPr/>
+          <p:nvPr/>
+        </p:nvSpPr>
+        <p:spPr>
+          <a:xfrm>
+            <a:off x="6861399" y="2387600"/>
+            <a:ext cx="1952401" cy="1056406"/>
+          </a:xfrm>
+          <a:prstGeom prst="ellipse">
+            <a:avLst/>
+          </a:prstGeom>
+        </p:spPr>
+        <p:style>
+          <a:lnRef idx="1">
+            <a:schemeClr val="accent1"/>
+          </a:lnRef>
+          <a:fillRef idx="3">
+            <a:schemeClr val="accent1"/>
+          </a:fillRef>
+          <a:effectRef idx="2">
+            <a:schemeClr val="accent1"/>
+          </a:effectRef>
+          <a:fontRef idx="minor">
+            <a:schemeClr val="lt1"/>
+          </a:fontRef>
+        </p:style>
+        <p:txBody>
+          <a:bodyPr rtlCol="0" anchor="ctr"/>
+          <a:lstStyle/>
+          <a:p>
+            <a:pPr algn="ctr"/>
+            <a:r>
+              <a:rPr lang="en-GB" dirty="0" smtClean="0"/>
+              <a:t>Device</a:t>
+            </a:r>
+          </a:p>
+          <a:p>
+            <a:pPr algn="ctr"/>
+            <a:r>
+              <a:rPr lang="en-GB" dirty="0" smtClean="0"/>
+              <a:t>programmer</a:t>
+            </a:r>
+            <a:endParaRPr lang="lv-LV" dirty="0"/>
+          </a:p>
+        </p:txBody>
+      </p:sp>
+      <p:sp>
+        <p:nvSpPr>
+          <p:cNvPr id="20" name="Down Arrow 19"/>
+          <p:cNvSpPr/>
+          <p:nvPr/>
+        </p:nvSpPr>
+        <p:spPr>
+          <a:xfrm>
+            <a:off x="7662333" y="3478647"/>
+            <a:ext cx="389467" cy="1321953"/>
+          </a:xfrm>
+          <a:prstGeom prst="downArrow">
+            <a:avLst/>
+          </a:prstGeom>
+        </p:spPr>
+        <p:style>
+          <a:lnRef idx="1">
+            <a:schemeClr val="accent1"/>
+          </a:lnRef>
+          <a:fillRef idx="3">
+            <a:schemeClr val="accent1"/>
+          </a:fillRef>
+          <a:effectRef idx="2">
+            <a:schemeClr val="accent1"/>
+          </a:effectRef>
+          <a:fontRef idx="minor">
+            <a:schemeClr val="lt1"/>
+          </a:fontRef>
+        </p:style>
+        <p:txBody>
+          <a:bodyPr rtlCol="0" anchor="ctr"/>
+          <a:lstStyle/>
+          <a:p>
+            <a:pPr algn="ctr"/>
+            <a:endParaRPr lang="lv-LV"/>
+          </a:p>
+        </p:txBody>
+      </p:sp>
+      <p:sp>
+        <p:nvSpPr>
+          <p:cNvPr id="21" name="Rectangle 20"/>
+          <p:cNvSpPr/>
+          <p:nvPr/>
+        </p:nvSpPr>
+        <p:spPr>
+          <a:xfrm>
+            <a:off x="6663267" y="4859867"/>
+            <a:ext cx="2269066" cy="1058333"/>
+          </a:xfrm>
+          <a:prstGeom prst="rect">
+            <a:avLst/>
+          </a:prstGeom>
+        </p:spPr>
+        <p:style>
+          <a:lnRef idx="2">
+            <a:schemeClr val="accent3">
+              <a:shade val="50000"/>
+            </a:schemeClr>
+          </a:lnRef>
+          <a:fillRef idx="1">
+            <a:schemeClr val="accent3"/>
+          </a:fillRef>
+          <a:effectRef idx="0">
+            <a:schemeClr val="accent3"/>
+          </a:effectRef>
+          <a:fontRef idx="minor">
+            <a:schemeClr val="lt1"/>
+          </a:fontRef>
+        </p:style>
+        <p:txBody>
+          <a:bodyPr rtlCol="0" anchor="ctr"/>
+          <a:lstStyle/>
+          <a:p>
+            <a:pPr algn="ctr"/>
+            <a:r>
+              <a:rPr lang="en-GB" dirty="0" smtClean="0"/>
+              <a:t>FPGA</a:t>
+            </a:r>
+            <a:endParaRPr lang="lv-LV" dirty="0"/>
+          </a:p>
+        </p:txBody>
+      </p:sp>
+      <p:sp>
+        <p:nvSpPr>
+          <p:cNvPr id="22" name="TextBox 21"/>
+          <p:cNvSpPr txBox="1"/>
+          <p:nvPr/>
+        </p:nvSpPr>
+        <p:spPr>
+          <a:xfrm>
+            <a:off x="2989938" y="5234448"/>
+            <a:ext cx="2072299" cy="369332"/>
+          </a:xfrm>
+          <a:prstGeom prst="rect">
+            <a:avLst/>
+          </a:prstGeom>
+          <a:noFill/>
+        </p:spPr>
+        <p:txBody>
+          <a:bodyPr wrap="none" rtlCol="0">
+            <a:spAutoFit/>
+          </a:bodyPr>
+          <a:lstStyle/>
+          <a:p>
+            <a:r>
+              <a:rPr lang="en-GB" dirty="0" smtClean="0"/>
+              <a:t>“What pin is what?”</a:t>
+            </a:r>
+            <a:endParaRPr lang="lv-LV" dirty="0"/>
+          </a:p>
+        </p:txBody>
+      </p:sp>
+    </p:spTree>
+    <p:extLst>
+      <p:ext uri="{BB962C8B-B14F-4D97-AF65-F5344CB8AC3E}">
+        <p14:creationId xmlns:p14="http://schemas.microsoft.com/office/powerpoint/2010/main" val="1862552492"/>
+      </p:ext>
+    </p:extLst>
+  </p:cSld>
+  <p:clrMapOvr>
+    <a:masterClrMapping/>
+  </p:clrMapOvr>
+  <p:timing>
+    <p:tnLst>
+      <p:par>
+        <p:cTn id="1" dur="indefinite" restart="never" nodeType="tmRoot"/>
+      </p:par>
+    </p:tnLst>
+  </p:timing>
+</p:sld>
+</file>
+
+<file path=ppt/slides/slide12.xml><?xml version="1.0" encoding="utf-8"?>
+<p:sld xmlns:a="http://schemas.openxmlformats.org/drawingml/2006/main" xmlns:r="http://schemas.openxmlformats.org/officeDocument/2006/relationships" xmlns:p="http://schemas.openxmlformats.org/presentationml/2006/main">
+  <p:cSld>
+    <p:spTree>
+      <p:nvGrpSpPr>
+        <p:cNvPr id="1" name=""/>
+        <p:cNvGrpSpPr/>
+        <p:nvPr/>
+      </p:nvGrpSpPr>
+      <p:grpSpPr>
+        <a:xfrm>
+          <a:off x="0" y="0"/>
+          <a:ext cx="0" cy="0"/>
+          <a:chOff x="0" y="0"/>
+          <a:chExt cx="0" cy="0"/>
+        </a:xfrm>
+      </p:grpSpPr>
+      <p:sp>
+        <p:nvSpPr>
+          <p:cNvPr id="13" name="Title 1"/>
+          <p:cNvSpPr>
+            <a:spLocks noGrp="1"/>
+          </p:cNvSpPr>
+          <p:nvPr>
+            <p:ph type="title"/>
+          </p:nvPr>
+        </p:nvSpPr>
+        <p:spPr>
+          <a:xfrm>
+            <a:off x="457200" y="274638"/>
+            <a:ext cx="8229600" cy="1143000"/>
+          </a:xfrm>
+        </p:spPr>
+        <p:txBody>
+          <a:bodyPr>
+            <a:normAutofit/>
+          </a:bodyPr>
+          <a:lstStyle/>
+          <a:p>
+            <a:pPr algn="l"/>
+            <a:r>
+              <a:rPr lang="en-GB" dirty="0" smtClean="0">
+                <a:solidFill>
+                  <a:schemeClr val="bg1">
+                    <a:lumMod val="50000"/>
+                  </a:schemeClr>
+                </a:solidFill>
+                <a:latin typeface="Comic Sans MS"/>
+              </a:rPr>
+              <a:t>ASICs</a:t>
+            </a:r>
+            <a:endParaRPr lang="en-US" dirty="0"/>
+          </a:p>
+        </p:txBody>
+      </p:sp>
+      <p:sp>
+        <p:nvSpPr>
+          <p:cNvPr id="4" name="TextBox 3"/>
+          <p:cNvSpPr txBox="1"/>
+          <p:nvPr/>
+        </p:nvSpPr>
+        <p:spPr>
+          <a:xfrm>
+            <a:off x="563672" y="1691014"/>
+            <a:ext cx="7818328" cy="2308324"/>
+          </a:xfrm>
+          <a:prstGeom prst="rect">
+            <a:avLst/>
+          </a:prstGeom>
+          <a:noFill/>
+        </p:spPr>
+        <p:txBody>
+          <a:bodyPr wrap="square" rtlCol="0">
+            <a:spAutoFit/>
+          </a:bodyPr>
+          <a:lstStyle/>
+          <a:p>
+            <a:pPr marL="285750" indent="-285750">
+              <a:buFont typeface="Arial" panose="020B0604020202020204" pitchFamily="34" charset="0"/>
+              <a:buChar char="•"/>
+            </a:pPr>
+            <a:r>
+              <a:rPr lang="en-GB" dirty="0" smtClean="0">
+                <a:latin typeface="Comic Sans MS" panose="030F0702030302020204" pitchFamily="66" charset="0"/>
+                <a:cs typeface="Consolas" panose="020B0609020204030204" pitchFamily="49" charset="0"/>
+              </a:rPr>
+              <a:t>Application Specific </a:t>
+            </a:r>
+            <a:r>
+              <a:rPr lang="en-GB" dirty="0" smtClean="0">
+                <a:latin typeface="Comic Sans MS" panose="030F0702030302020204" pitchFamily="66" charset="0"/>
+                <a:cs typeface="Consolas" panose="020B0609020204030204" pitchFamily="49" charset="0"/>
+              </a:rPr>
+              <a:t>Integrated Circuit – Your own custom microchips</a:t>
+            </a:r>
+          </a:p>
+          <a:p>
+            <a:pPr marL="285750" indent="-285750">
+              <a:buFont typeface="Arial" panose="020B0604020202020204" pitchFamily="34" charset="0"/>
+              <a:buChar char="•"/>
+            </a:pPr>
+            <a:r>
+              <a:rPr lang="en-GB" dirty="0" smtClean="0">
+                <a:latin typeface="Comic Sans MS" panose="030F0702030302020204" pitchFamily="66" charset="0"/>
+                <a:cs typeface="Consolas" panose="020B0609020204030204" pitchFamily="49" charset="0"/>
+              </a:rPr>
+              <a:t>The same Verilog code</a:t>
+            </a:r>
+          </a:p>
+          <a:p>
+            <a:pPr marL="285750" indent="-285750">
+              <a:buFont typeface="Arial" panose="020B0604020202020204" pitchFamily="34" charset="0"/>
+              <a:buChar char="•"/>
+            </a:pPr>
+            <a:r>
+              <a:rPr lang="en-GB" dirty="0" smtClean="0">
+                <a:latin typeface="Comic Sans MS" panose="030F0702030302020204" pitchFamily="66" charset="0"/>
+                <a:cs typeface="Consolas" panose="020B0609020204030204" pitchFamily="49" charset="0"/>
+              </a:rPr>
+              <a:t>Prices have gone down</a:t>
+            </a:r>
+          </a:p>
+          <a:p>
+            <a:pPr marL="742950" lvl="1" indent="-285750">
+              <a:buFont typeface="Arial" panose="020B0604020202020204" pitchFamily="34" charset="0"/>
+              <a:buChar char="•"/>
+            </a:pPr>
+            <a:r>
+              <a:rPr lang="en-GB" dirty="0" smtClean="0">
+                <a:latin typeface="Comic Sans MS" panose="030F0702030302020204" pitchFamily="66" charset="0"/>
+                <a:cs typeface="Consolas" panose="020B0609020204030204" pitchFamily="49" charset="0"/>
+              </a:rPr>
+              <a:t>Shuttle services – get a piece of the wafer</a:t>
+            </a:r>
+          </a:p>
+          <a:p>
+            <a:pPr marL="742950" lvl="1" indent="-285750">
+              <a:buFont typeface="Arial" panose="020B0604020202020204" pitchFamily="34" charset="0"/>
+              <a:buChar char="•"/>
+            </a:pPr>
+            <a:r>
+              <a:rPr lang="en-GB" dirty="0" smtClean="0">
+                <a:latin typeface="Comic Sans MS" panose="030F0702030302020204" pitchFamily="66" charset="0"/>
+                <a:cs typeface="Consolas" panose="020B0609020204030204" pitchFamily="49" charset="0"/>
+              </a:rPr>
+              <a:t>Specialized companies offer full service</a:t>
+            </a:r>
+          </a:p>
+          <a:p>
+            <a:pPr marL="742950" lvl="1" indent="-285750">
+              <a:buFont typeface="Arial" panose="020B0604020202020204" pitchFamily="34" charset="0"/>
+              <a:buChar char="•"/>
+            </a:pPr>
+            <a:r>
+              <a:rPr lang="en-GB" dirty="0" smtClean="0">
+                <a:latin typeface="Comic Sans MS" panose="030F0702030302020204" pitchFamily="66" charset="0"/>
+                <a:cs typeface="Consolas" panose="020B0609020204030204" pitchFamily="49" charset="0"/>
+              </a:rPr>
+              <a:t>No longer a matter of millions of $, but </a:t>
+            </a:r>
+            <a:r>
+              <a:rPr lang="en-GB" b="1" dirty="0" smtClean="0">
+                <a:latin typeface="Comic Sans MS" panose="030F0702030302020204" pitchFamily="66" charset="0"/>
+                <a:cs typeface="Consolas" panose="020B0609020204030204" pitchFamily="49" charset="0"/>
+              </a:rPr>
+              <a:t>thousands of $</a:t>
+            </a:r>
+          </a:p>
+          <a:p>
+            <a:pPr marL="742950" lvl="1" indent="-285750">
+              <a:buFont typeface="Arial" panose="020B0604020202020204" pitchFamily="34" charset="0"/>
+              <a:buChar char="•"/>
+            </a:pPr>
+            <a:endParaRPr lang="en-GB" dirty="0">
+              <a:latin typeface="Comic Sans MS" panose="030F0702030302020204" pitchFamily="66" charset="0"/>
+              <a:cs typeface="Consolas" panose="020B0609020204030204" pitchFamily="49" charset="0"/>
+            </a:endParaRPr>
+          </a:p>
+        </p:txBody>
+      </p:sp>
+    </p:spTree>
+    <p:extLst>
+      <p:ext uri="{BB962C8B-B14F-4D97-AF65-F5344CB8AC3E}">
+        <p14:creationId xmlns:p14="http://schemas.microsoft.com/office/powerpoint/2010/main" val="4011140094"/>
+      </p:ext>
+    </p:extLst>
+  </p:cSld>
+  <p:clrMapOvr>
+    <a:masterClrMapping/>
+  </p:clrMapOvr>
+  <p:timing>
+    <p:tnLst>
+      <p:par>
+        <p:cTn id="1" dur="indefinite" restart="never" nodeType="tmRoot"/>
+      </p:par>
+    </p:tnLst>
+  </p:timing>
+</p:sld>
+</file>
+
+<file path=ppt/slides/slide13.xml><?xml version="1.0" encoding="utf-8"?>
+<p:sld xmlns:a="http://schemas.openxmlformats.org/drawingml/2006/main" xmlns:r="http://schemas.openxmlformats.org/officeDocument/2006/relationships" xmlns:p="http://schemas.openxmlformats.org/presentationml/2006/main">
+  <p:cSld>
+    <p:spTree>
+      <p:nvGrpSpPr>
+        <p:cNvPr id="1" name=""/>
+        <p:cNvGrpSpPr/>
+        <p:nvPr/>
+      </p:nvGrpSpPr>
+      <p:grpSpPr>
+        <a:xfrm>
+          <a:off x="0" y="0"/>
+          <a:ext cx="0" cy="0"/>
+          <a:chOff x="0" y="0"/>
+          <a:chExt cx="0" cy="0"/>
+        </a:xfrm>
+      </p:grpSpPr>
+      <p:sp>
+        <p:nvSpPr>
           <p:cNvPr id="4" name="TextBox 3"/>
           <p:cNvSpPr txBox="1"/>
           <p:nvPr/>
@@ -9854,7 +11468,18 @@
                 </a:solidFill>
                 <a:latin typeface="Comic Sans MS" panose="030F0702030302020204" pitchFamily="66" charset="0"/>
               </a:rPr>
-              <a:t>Thanks for your attention</a:t>
+              <a:t>Thanks for your </a:t>
+            </a:r>
+            <a:r>
+              <a:rPr lang="en-US" sz="4000" dirty="0" smtClean="0">
+                <a:solidFill>
+                  <a:schemeClr val="bg1">
+                    <a:lumMod val="50000"/>
+                  </a:schemeClr>
+                </a:solidFill>
+                <a:latin typeface="Comic Sans MS" panose="030F0702030302020204" pitchFamily="66" charset="0"/>
+              </a:rPr>
+              <a:t>attention.</a:t>
             </a:r>
             <a:endParaRPr lang="sk-SK" sz="4000" dirty="0">
               <a:solidFill>
@@ -15666,7 +17291,7 @@
         <p:spPr>
           <a:xfrm>
             <a:off x="563672" y="1691014"/>
-            <a:ext cx="5715294" cy="646331"/>
+            <a:ext cx="7818328" cy="3970318"/>
           </a:xfrm>
           <a:prstGeom prst="rect">
             <a:avLst/>
@@ -15684,15 +17309,222 @@
               <a:buChar char="•"/>
             </a:pPr>
             <a:r>
+              <a:rPr lang="en-GB" dirty="0">
+                <a:latin typeface="Comic Sans MS" panose="030F0702030302020204" pitchFamily="66" charset="0"/>
+                <a:cs typeface="Consolas" panose="020B0609020204030204" pitchFamily="49" charset="0"/>
+              </a:rPr>
+              <a:t>Free and open </a:t>
+            </a:r>
+            <a:r>
               <a:rPr lang="en-GB" dirty="0" smtClean="0">
                 <a:latin typeface="Comic Sans MS" panose="030F0702030302020204" pitchFamily="66" charset="0"/>
                 <a:cs typeface="Consolas" panose="020B0609020204030204" pitchFamily="49" charset="0"/>
               </a:rPr>
-              <a:t>TODO</a:t>
+              <a:t>source</a:t>
             </a:r>
           </a:p>
           <a:p>
             <a:pPr marL="285750" indent="-285750">
+              <a:buFont typeface="Arial" panose="020B0604020202020204" pitchFamily="34" charset="0"/>
+              <a:buChar char="•"/>
+            </a:pPr>
+            <a:r>
+              <a:rPr lang="en-GB" dirty="0" smtClean="0">
+                <a:latin typeface="Comic Sans MS" panose="030F0702030302020204" pitchFamily="66" charset="0"/>
+                <a:cs typeface="Consolas" panose="020B0609020204030204" pitchFamily="49" charset="0"/>
+              </a:rPr>
+              <a:t>2 </a:t>
+            </a:r>
+            <a:r>
+              <a:rPr lang="en-GB" dirty="0">
+                <a:latin typeface="Comic Sans MS" panose="030F0702030302020204" pitchFamily="66" charset="0"/>
+                <a:cs typeface="Consolas" panose="020B0609020204030204" pitchFamily="49" charset="0"/>
+              </a:rPr>
+              <a:t>lines to enable in a SBT </a:t>
+            </a:r>
+            <a:r>
+              <a:rPr lang="en-GB" dirty="0" smtClean="0">
+                <a:latin typeface="Comic Sans MS" panose="030F0702030302020204" pitchFamily="66" charset="0"/>
+                <a:cs typeface="Consolas" panose="020B0609020204030204" pitchFamily="49" charset="0"/>
+              </a:rPr>
+              <a:t>project</a:t>
+            </a:r>
+            <a:endParaRPr lang="en-GB" dirty="0">
+              <a:latin typeface="Comic Sans MS" panose="030F0702030302020204" pitchFamily="66" charset="0"/>
+              <a:cs typeface="Consolas" panose="020B0609020204030204" pitchFamily="49" charset="0"/>
+            </a:endParaRPr>
+          </a:p>
+          <a:p>
+            <a:pPr marL="285750" indent="-285750">
+              <a:buFont typeface="Arial" panose="020B0604020202020204" pitchFamily="34" charset="0"/>
+              <a:buChar char="•"/>
+            </a:pPr>
+            <a:r>
+              <a:rPr lang="en-GB" dirty="0" smtClean="0">
+                <a:latin typeface="Comic Sans MS" panose="030F0702030302020204" pitchFamily="66" charset="0"/>
+                <a:cs typeface="Consolas" panose="020B0609020204030204" pitchFamily="49" charset="0"/>
+              </a:rPr>
+              <a:t>Uses Scala to “reinvent” Verilog</a:t>
+            </a:r>
+          </a:p>
+          <a:p>
+            <a:pPr marL="742950" lvl="1" indent="-285750">
+              <a:buFont typeface="Arial" panose="020B0604020202020204" pitchFamily="34" charset="0"/>
+              <a:buChar char="•"/>
+            </a:pPr>
+            <a:r>
+              <a:rPr lang="en-GB" dirty="0" smtClean="0">
+                <a:latin typeface="Comic Sans MS" panose="030F0702030302020204" pitchFamily="66" charset="0"/>
+                <a:cs typeface="Consolas" panose="020B0609020204030204" pitchFamily="49" charset="0"/>
+              </a:rPr>
+              <a:t>Number of wires for results are inferred</a:t>
+            </a:r>
+          </a:p>
+          <a:p>
+            <a:pPr marL="742950" lvl="1" indent="-285750">
+              <a:buFont typeface="Arial" panose="020B0604020202020204" pitchFamily="34" charset="0"/>
+              <a:buChar char="•"/>
+            </a:pPr>
+            <a:r>
+              <a:rPr lang="en-GB" dirty="0" smtClean="0">
+                <a:latin typeface="Comic Sans MS" panose="030F0702030302020204" pitchFamily="66" charset="0"/>
+                <a:cs typeface="Consolas" panose="020B0609020204030204" pitchFamily="49" charset="0"/>
+              </a:rPr>
+              <a:t>Functional constructions can create parameterized </a:t>
+            </a:r>
+            <a:r>
+              <a:rPr lang="en-GB" dirty="0">
+                <a:latin typeface="Comic Sans MS" panose="030F0702030302020204" pitchFamily="66" charset="0"/>
+                <a:cs typeface="Consolas" panose="020B0609020204030204" pitchFamily="49" charset="0"/>
+              </a:rPr>
+              <a:t>circuits</a:t>
+            </a:r>
+            <a:endParaRPr lang="en-GB" dirty="0" smtClean="0">
+              <a:latin typeface="Comic Sans MS" panose="030F0702030302020204" pitchFamily="66" charset="0"/>
+              <a:cs typeface="Consolas" panose="020B0609020204030204" pitchFamily="49" charset="0"/>
+            </a:endParaRPr>
+          </a:p>
+          <a:p>
+            <a:pPr marL="742950" lvl="1" indent="-285750">
+              <a:buFont typeface="Arial" panose="020B0604020202020204" pitchFamily="34" charset="0"/>
+              <a:buChar char="•"/>
+            </a:pPr>
+            <a:r>
+              <a:rPr lang="en-GB" dirty="0" smtClean="0">
+                <a:latin typeface="Comic Sans MS" panose="030F0702030302020204" pitchFamily="66" charset="0"/>
+                <a:cs typeface="Consolas" panose="020B0609020204030204" pitchFamily="49" charset="0"/>
+              </a:rPr>
+              <a:t>Implicit clock available by default</a:t>
+            </a:r>
+          </a:p>
+          <a:p>
+            <a:pPr marL="742950" lvl="1" indent="-285750">
+              <a:buFont typeface="Arial" panose="020B0604020202020204" pitchFamily="34" charset="0"/>
+              <a:buChar char="•"/>
+            </a:pPr>
+            <a:r>
+              <a:rPr lang="en-GB" dirty="0">
+                <a:latin typeface="Comic Sans MS" panose="030F0702030302020204" pitchFamily="66" charset="0"/>
+                <a:cs typeface="Consolas" panose="020B0609020204030204" pitchFamily="49" charset="0"/>
+              </a:rPr>
+              <a:t>a</a:t>
+            </a:r>
+            <a:r>
+              <a:rPr lang="en-GB" dirty="0" smtClean="0">
+                <a:latin typeface="Comic Sans MS" panose="030F0702030302020204" pitchFamily="66" charset="0"/>
+                <a:cs typeface="Consolas" panose="020B0609020204030204" pitchFamily="49" charset="0"/>
+              </a:rPr>
+              <a:t>nd much more</a:t>
+            </a:r>
+            <a:endParaRPr lang="en-GB" dirty="0" smtClean="0">
+              <a:latin typeface="Comic Sans MS" panose="030F0702030302020204" pitchFamily="66" charset="0"/>
+              <a:cs typeface="Consolas" panose="020B0609020204030204" pitchFamily="49" charset="0"/>
+            </a:endParaRPr>
+          </a:p>
+          <a:p>
+            <a:pPr marL="285750" indent="-285750">
+              <a:buFont typeface="Arial" panose="020B0604020202020204" pitchFamily="34" charset="0"/>
+              <a:buChar char="•"/>
+            </a:pPr>
+            <a:r>
+              <a:rPr lang="en-GB" dirty="0">
+                <a:latin typeface="Comic Sans MS" panose="030F0702030302020204" pitchFamily="66" charset="0"/>
+                <a:cs typeface="Consolas" panose="020B0609020204030204" pitchFamily="49" charset="0"/>
+              </a:rPr>
+              <a:t>Plenty of examples </a:t>
+            </a:r>
+            <a:r>
+              <a:rPr lang="en-GB" dirty="0" smtClean="0">
+                <a:latin typeface="Comic Sans MS" panose="030F0702030302020204" pitchFamily="66" charset="0"/>
+                <a:cs typeface="Consolas" panose="020B0609020204030204" pitchFamily="49" charset="0"/>
+              </a:rPr>
+              <a:t>available</a:t>
+            </a:r>
+          </a:p>
+          <a:p>
+            <a:pPr marL="285750" indent="-285750">
+              <a:buFont typeface="Arial" panose="020B0604020202020204" pitchFamily="34" charset="0"/>
+              <a:buChar char="•"/>
+            </a:pPr>
+            <a:endParaRPr lang="en-GB" dirty="0">
+              <a:latin typeface="Comic Sans MS" panose="030F0702030302020204" pitchFamily="66" charset="0"/>
+              <a:cs typeface="Consolas" panose="020B0609020204030204" pitchFamily="49" charset="0"/>
+            </a:endParaRPr>
+          </a:p>
+          <a:p>
+            <a:pPr marL="285750" indent="-285750">
+              <a:buFont typeface="Arial" panose="020B0604020202020204" pitchFamily="34" charset="0"/>
+              <a:buChar char="•"/>
+            </a:pPr>
+            <a:endParaRPr lang="en-GB" dirty="0" smtClean="0">
+              <a:latin typeface="Comic Sans MS" panose="030F0702030302020204" pitchFamily="66" charset="0"/>
+              <a:cs typeface="Consolas" panose="020B0609020204030204" pitchFamily="49" charset="0"/>
+            </a:endParaRPr>
+          </a:p>
+          <a:p>
+            <a:pPr marL="285750" indent="-285750">
+              <a:buFont typeface="Arial" panose="020B0604020202020204" pitchFamily="34" charset="0"/>
+              <a:buChar char="•"/>
+            </a:pPr>
+            <a:endParaRPr lang="en-GB" dirty="0" smtClean="0">
+              <a:latin typeface="Comic Sans MS" panose="030F0702030302020204" pitchFamily="66" charset="0"/>
+              <a:cs typeface="Consolas" panose="020B0609020204030204" pitchFamily="49" charset="0"/>
+            </a:endParaRPr>
+          </a:p>
+          <a:p>
+            <a:pPr marL="285750" indent="-285750">
+              <a:buFont typeface="Arial" panose="020B0604020202020204" pitchFamily="34" charset="0"/>
+              <a:buChar char="•"/>
+            </a:pPr>
+            <a:r>
+              <a:rPr lang="en-GB" dirty="0">
+                <a:latin typeface="Comic Sans MS" panose="030F0702030302020204" pitchFamily="66" charset="0"/>
+                <a:cs typeface="Consolas" panose="020B0609020204030204" pitchFamily="49" charset="0"/>
+                <a:hlinkClick r:id="rId2"/>
+              </a:rPr>
+              <a:t>https://chisel.eecs.berkeley.edu</a:t>
+            </a:r>
+            <a:r>
+              <a:rPr lang="en-GB" dirty="0" smtClean="0">
+                <a:latin typeface="Comic Sans MS" panose="030F0702030302020204" pitchFamily="66" charset="0"/>
+                <a:cs typeface="Consolas" panose="020B0609020204030204" pitchFamily="49" charset="0"/>
+                <a:hlinkClick r:id="rId2"/>
+              </a:rPr>
+              <a:t>/</a:t>
+            </a:r>
+            <a:endParaRPr lang="en-GB" dirty="0" smtClean="0">
+              <a:latin typeface="Comic Sans MS" panose="030F0702030302020204" pitchFamily="66" charset="0"/>
+              <a:cs typeface="Consolas" panose="020B0609020204030204" pitchFamily="49" charset="0"/>
+            </a:endParaRPr>
+          </a:p>
+          <a:p>
+            <a:endParaRPr lang="en-GB" dirty="0" smtClean="0">
+              <a:latin typeface="Comic Sans MS" panose="030F0702030302020204" pitchFamily="66" charset="0"/>
+              <a:cs typeface="Consolas" panose="020B0609020204030204" pitchFamily="49" charset="0"/>
+            </a:endParaRPr>
+          </a:p>
+          <a:p>
+            <a:pPr marL="742950" lvl="1" indent="-285750">
               <a:buFont typeface="Arial" panose="020B0604020202020204" pitchFamily="34" charset="0"/>
               <a:buChar char="•"/>
             </a:pPr>
@@ -15771,8 +17603,9 @@
                   </a:schemeClr>
                 </a:solidFill>
                 <a:latin typeface="Comic Sans MS"/>
-              </a:rPr>
-              <a:t>From Chisel to working FPGA</a:t>
+                <a:cs typeface="Comic Sans MS"/>
+              </a:rPr>
+              <a:t>A simple example</a:t>
             </a:r>
             <a:endParaRPr lang="en-US" dirty="0"/>
           </a:p>
@@ -15780,112 +17613,18 @@
       </p:sp>
       <p:sp>
         <p:nvSpPr>
-          <p:cNvPr id="2" name="Oval 1"/>
+          <p:cNvPr id="7" name="Rectangle 6"/>
           <p:cNvSpPr/>
           <p:nvPr/>
         </p:nvSpPr>
         <p:spPr>
           <a:xfrm>
-            <a:off x="660400" y="2387600"/>
-            <a:ext cx="1253067" cy="1278467"/>
+            <a:off x="457199" y="1417638"/>
+            <a:ext cx="3823687" cy="360040"/>
           </a:xfrm>
-          <a:prstGeom prst="ellipse">
+          <a:prstGeom prst="rect">
             <a:avLst/>
           </a:prstGeom>
-        </p:spPr>
-        <p:style>
-          <a:lnRef idx="0">
-            <a:schemeClr val="accent6"/>
-          </a:lnRef>
-          <a:fillRef idx="3">
-            <a:schemeClr val="accent6"/>
-          </a:fillRef>
-          <a:effectRef idx="3">
-            <a:schemeClr val="accent6"/>
-          </a:effectRef>
-          <a:fontRef idx="minor">
-            <a:schemeClr val="lt1"/>
-          </a:fontRef>
-        </p:style>
-        <p:txBody>
-          <a:bodyPr rtlCol="0" anchor="ctr"/>
-          <a:lstStyle/>
-          <a:p>
-            <a:pPr algn="ctr"/>
-            <a:r>
-              <a:rPr lang="en-GB" dirty="0"/>
-              <a:t>Chisel</a:t>
-            </a:r>
-            <a:endParaRPr lang="lv-LV" dirty="0"/>
-          </a:p>
-          <a:p>
-            <a:pPr algn="ctr"/>
-            <a:r>
-              <a:rPr lang="en-GB" dirty="0" smtClean="0"/>
-              <a:t>Scala code</a:t>
-            </a:r>
-            <a:endParaRPr lang="lv-LV" dirty="0"/>
-          </a:p>
-        </p:txBody>
-      </p:sp>
-      <p:sp>
-        <p:nvSpPr>
-          <p:cNvPr id="3" name="Right Arrow 2"/>
-          <p:cNvSpPr/>
-          <p:nvPr/>
-        </p:nvSpPr>
-        <p:spPr>
-          <a:xfrm>
-            <a:off x="1913468" y="2496513"/>
-            <a:ext cx="846667" cy="982134"/>
-          </a:xfrm>
-          <a:prstGeom prst="rightArrow">
-            <a:avLst/>
-          </a:prstGeom>
-        </p:spPr>
-        <p:style>
-          <a:lnRef idx="1">
-            <a:schemeClr val="accent1"/>
-          </a:lnRef>
-          <a:fillRef idx="3">
-            <a:schemeClr val="accent1"/>
-          </a:fillRef>
-          <a:effectRef idx="2">
-            <a:schemeClr val="accent1"/>
-          </a:effectRef>
-          <a:fontRef idx="minor">
-            <a:schemeClr val="lt1"/>
-          </a:fontRef>
-        </p:style>
-        <p:txBody>
-          <a:bodyPr rtlCol="0" anchor="ctr"/>
-          <a:lstStyle/>
-          <a:p>
-            <a:pPr algn="ctr"/>
-            <a:endParaRPr lang="lv-LV" dirty="0"/>
-          </a:p>
-        </p:txBody>
-      </p:sp>
-      <p:sp>
-        <p:nvSpPr>
-          <p:cNvPr id="6" name="Down Arrow 5"/>
-          <p:cNvSpPr/>
-          <p:nvPr/>
-        </p:nvSpPr>
-        <p:spPr>
-          <a:xfrm>
-            <a:off x="554567" y="3666067"/>
-            <a:ext cx="1363133" cy="1356975"/>
-          </a:xfrm>
-          <a:prstGeom prst="downArrow">
-            <a:avLst>
-              <a:gd name="adj1" fmla="val 31367"/>
-              <a:gd name="adj2" fmla="val 50000"/>
-            </a:avLst>
-          </a:prstGeom>
-          <a:ln>
-            <a:prstDash val="dash"/>
-          </a:ln>
         </p:spPr>
         <p:style>
           <a:lnRef idx="2">
@@ -15906,247 +17645,41 @@
           <a:lstStyle/>
           <a:p>
             <a:pPr algn="ctr"/>
-            <a:endParaRPr lang="lv-LV" dirty="0"/>
+            <a:r>
+              <a:rPr lang="en-GB" dirty="0" err="1" smtClean="0"/>
+              <a:t>GCD</a:t>
+            </a:r>
+            <a:r>
+              <a:rPr lang="en-GB" dirty="0" err="1" smtClean="0"/>
+              <a:t>.scala</a:t>
+            </a:r>
+            <a:endParaRPr lang="en-US" dirty="0"/>
           </a:p>
         </p:txBody>
       </p:sp>
       <p:sp>
         <p:nvSpPr>
-          <p:cNvPr id="5" name="Oval 4"/>
+          <p:cNvPr id="8" name="Rectangle 7"/>
           <p:cNvSpPr/>
           <p:nvPr/>
         </p:nvSpPr>
         <p:spPr>
           <a:xfrm>
-            <a:off x="408516" y="5023041"/>
-            <a:ext cx="1655233" cy="1278467"/>
-          </a:xfrm>
-          <a:prstGeom prst="ellipse">
-            <a:avLst/>
-          </a:prstGeom>
-          <a:ln>
-            <a:prstDash val="dash"/>
-          </a:ln>
-        </p:spPr>
-        <p:style>
-          <a:lnRef idx="2">
-            <a:schemeClr val="accent1"/>
-          </a:lnRef>
-          <a:fillRef idx="1">
-            <a:schemeClr val="lt1"/>
-          </a:fillRef>
-          <a:effectRef idx="0">
-            <a:schemeClr val="accent1"/>
-          </a:effectRef>
-          <a:fontRef idx="minor">
-            <a:schemeClr val="dk1"/>
-          </a:fontRef>
-        </p:style>
-        <p:txBody>
-          <a:bodyPr rtlCol="0" anchor="ctr"/>
-          <a:lstStyle/>
-          <a:p>
-            <a:pPr algn="ctr"/>
-            <a:r>
-              <a:rPr lang="en-GB" dirty="0" smtClean="0"/>
-              <a:t>C simulation code</a:t>
-            </a:r>
-            <a:endParaRPr lang="lv-LV" dirty="0"/>
-          </a:p>
-        </p:txBody>
-      </p:sp>
-      <p:sp>
-        <p:nvSpPr>
-          <p:cNvPr id="8" name="Oval 7"/>
-          <p:cNvSpPr/>
-          <p:nvPr/>
-        </p:nvSpPr>
-        <p:spPr>
-          <a:xfrm>
-            <a:off x="2768600" y="2459377"/>
-            <a:ext cx="1405466" cy="1056406"/>
-          </a:xfrm>
-          <a:prstGeom prst="ellipse">
-            <a:avLst/>
-          </a:prstGeom>
-        </p:spPr>
-        <p:style>
-          <a:lnRef idx="1">
-            <a:schemeClr val="accent1"/>
-          </a:lnRef>
-          <a:fillRef idx="3">
-            <a:schemeClr val="accent1"/>
-          </a:fillRef>
-          <a:effectRef idx="2">
-            <a:schemeClr val="accent1"/>
-          </a:effectRef>
-          <a:fontRef idx="minor">
-            <a:schemeClr val="lt1"/>
-          </a:fontRef>
-        </p:style>
-        <p:txBody>
-          <a:bodyPr rtlCol="0" anchor="ctr"/>
-          <a:lstStyle/>
-          <a:p>
-            <a:pPr algn="ctr"/>
-            <a:r>
-              <a:rPr lang="en-GB" dirty="0" smtClean="0"/>
-              <a:t>Verilog</a:t>
-            </a:r>
-          </a:p>
-          <a:p>
-            <a:pPr algn="ctr"/>
-            <a:r>
-              <a:rPr lang="en-GB" dirty="0" smtClean="0"/>
-              <a:t>code</a:t>
-            </a:r>
-            <a:endParaRPr lang="lv-LV" dirty="0"/>
-          </a:p>
-        </p:txBody>
-      </p:sp>
-      <p:sp>
-        <p:nvSpPr>
-          <p:cNvPr id="9" name="Right Arrow 8"/>
-          <p:cNvSpPr/>
-          <p:nvPr/>
-        </p:nvSpPr>
-        <p:spPr>
-          <a:xfrm>
-            <a:off x="4174066" y="2496513"/>
-            <a:ext cx="838200" cy="982134"/>
-          </a:xfrm>
-          <a:prstGeom prst="rightArrow">
-            <a:avLst/>
-          </a:prstGeom>
-        </p:spPr>
-        <p:style>
-          <a:lnRef idx="1">
-            <a:schemeClr val="accent1"/>
-          </a:lnRef>
-          <a:fillRef idx="3">
-            <a:schemeClr val="accent1"/>
-          </a:fillRef>
-          <a:effectRef idx="2">
-            <a:schemeClr val="accent1"/>
-          </a:effectRef>
-          <a:fontRef idx="minor">
-            <a:schemeClr val="lt1"/>
-          </a:fontRef>
-        </p:style>
-        <p:txBody>
-          <a:bodyPr rtlCol="0" anchor="ctr"/>
-          <a:lstStyle/>
-          <a:p>
-            <a:pPr algn="ctr"/>
-            <a:endParaRPr lang="lv-LV" dirty="0"/>
-          </a:p>
-        </p:txBody>
-      </p:sp>
-      <p:sp>
-        <p:nvSpPr>
-          <p:cNvPr id="10" name="Oval 9"/>
-          <p:cNvSpPr/>
-          <p:nvPr/>
-        </p:nvSpPr>
-        <p:spPr>
-          <a:xfrm>
-            <a:off x="4834467" y="4535846"/>
-            <a:ext cx="1803400" cy="705813"/>
-          </a:xfrm>
-          <a:prstGeom prst="ellipse">
-            <a:avLst/>
-          </a:prstGeom>
-        </p:spPr>
-        <p:style>
-          <a:lnRef idx="0">
-            <a:schemeClr val="accent2"/>
-          </a:lnRef>
-          <a:fillRef idx="3">
-            <a:schemeClr val="accent2"/>
-          </a:fillRef>
-          <a:effectRef idx="3">
-            <a:schemeClr val="accent2"/>
-          </a:effectRef>
-          <a:fontRef idx="minor">
-            <a:schemeClr val="lt1"/>
-          </a:fontRef>
-        </p:style>
-        <p:txBody>
-          <a:bodyPr rtlCol="0" anchor="ctr"/>
-          <a:lstStyle/>
-          <a:p>
-            <a:pPr algn="ctr"/>
-            <a:r>
-              <a:rPr lang="en-GB" dirty="0" smtClean="0"/>
-              <a:t>Constraints</a:t>
-            </a:r>
-            <a:endParaRPr lang="lv-LV" dirty="0"/>
-          </a:p>
-        </p:txBody>
-      </p:sp>
-      <p:sp>
-        <p:nvSpPr>
-          <p:cNvPr id="7" name="Up Arrow 6"/>
-          <p:cNvSpPr/>
-          <p:nvPr/>
-        </p:nvSpPr>
-        <p:spPr>
-          <a:xfrm>
-            <a:off x="5359400" y="3502913"/>
-            <a:ext cx="728133" cy="1032933"/>
-          </a:xfrm>
-          <a:prstGeom prst="upArrow">
-            <a:avLst/>
-          </a:prstGeom>
-        </p:spPr>
-        <p:style>
-          <a:lnRef idx="1">
-            <a:schemeClr val="accent1"/>
-          </a:lnRef>
-          <a:fillRef idx="3">
-            <a:schemeClr val="accent1"/>
-          </a:fillRef>
-          <a:effectRef idx="2">
-            <a:schemeClr val="accent1"/>
-          </a:effectRef>
-          <a:fontRef idx="minor">
-            <a:schemeClr val="lt1"/>
-          </a:fontRef>
-        </p:style>
-        <p:txBody>
-          <a:bodyPr rtlCol="0" anchor="ctr"/>
-          <a:lstStyle/>
-          <a:p>
-            <a:pPr algn="ctr"/>
-            <a:endParaRPr lang="lv-LV"/>
-          </a:p>
-        </p:txBody>
-      </p:sp>
-      <p:sp>
-        <p:nvSpPr>
-          <p:cNvPr id="12" name="Rectangle 11"/>
-          <p:cNvSpPr/>
-          <p:nvPr/>
-        </p:nvSpPr>
-        <p:spPr>
-          <a:xfrm>
-            <a:off x="5020733" y="2352599"/>
-            <a:ext cx="1617133" cy="1150314"/>
+            <a:off x="457200" y="1751582"/>
+            <a:ext cx="5088468" cy="4524315"/>
           </a:xfrm>
           <a:prstGeom prst="rect">
             <a:avLst/>
           </a:prstGeom>
         </p:spPr>
         <p:style>
-          <a:lnRef idx="2">
-            <a:schemeClr val="dk1">
-              <a:shade val="50000"/>
-            </a:schemeClr>
+          <a:lnRef idx="3">
+            <a:schemeClr val="lt1"/>
           </a:lnRef>
           <a:fillRef idx="1">
             <a:schemeClr val="dk1"/>
           </a:fillRef>
-          <a:effectRef idx="0">
+          <a:effectRef idx="1">
             <a:schemeClr val="dk1"/>
           </a:effectRef>
           <a:fontRef idx="minor">
@@ -16154,29 +17687,716 @@
           </a:fontRef>
         </p:style>
         <p:txBody>
-          <a:bodyPr rtlCol="0" anchor="ctr"/>
+          <a:bodyPr wrap="square" rtlCol="0" anchor="t">
+            <a:spAutoFit/>
+          </a:bodyPr>
           <a:lstStyle/>
           <a:p>
-            <a:pPr algn="ctr"/>
-            <a:r>
-              <a:rPr lang="en-GB" dirty="0" smtClean="0"/>
-              <a:t>FPGA manufacturer's</a:t>
-            </a:r>
-          </a:p>
-          <a:p>
-            <a:pPr algn="ctr"/>
-            <a:r>
-              <a:rPr lang="en-GB" dirty="0" smtClean="0"/>
-              <a:t>tools</a:t>
-            </a:r>
-            <a:endParaRPr lang="lv-LV" dirty="0"/>
+            <a:r>
+              <a:rPr lang="en-US" sz="1600" dirty="0">
+                <a:solidFill>
+                  <a:srgbClr val="92D050"/>
+                </a:solidFill>
+                <a:latin typeface="Courier New" panose="02070309020205020404" pitchFamily="49" charset="0"/>
+                <a:cs typeface="Courier New" panose="02070309020205020404" pitchFamily="49" charset="0"/>
+              </a:rPr>
+              <a:t>import Chisel._</a:t>
+            </a:r>
+          </a:p>
+          <a:p>
+            <a:endParaRPr lang="en-US" sz="1600" dirty="0">
+              <a:solidFill>
+                <a:srgbClr val="92D050"/>
+              </a:solidFill>
+              <a:latin typeface="Courier New" panose="02070309020205020404" pitchFamily="49" charset="0"/>
+              <a:cs typeface="Courier New" panose="02070309020205020404" pitchFamily="49" charset="0"/>
+            </a:endParaRPr>
+          </a:p>
+          <a:p>
+            <a:r>
+              <a:rPr lang="en-US" sz="1600" dirty="0">
+                <a:solidFill>
+                  <a:srgbClr val="92D050"/>
+                </a:solidFill>
+                <a:latin typeface="Courier New" panose="02070309020205020404" pitchFamily="49" charset="0"/>
+                <a:cs typeface="Courier New" panose="02070309020205020404" pitchFamily="49" charset="0"/>
+              </a:rPr>
+              <a:t>class GCD extends Module {</a:t>
+            </a:r>
+          </a:p>
+          <a:p>
+            <a:r>
+              <a:rPr lang="en-US" sz="1600" dirty="0">
+                <a:solidFill>
+                  <a:srgbClr val="92D050"/>
+                </a:solidFill>
+                <a:latin typeface="Courier New" panose="02070309020205020404" pitchFamily="49" charset="0"/>
+                <a:cs typeface="Courier New" panose="02070309020205020404" pitchFamily="49" charset="0"/>
+              </a:rPr>
+              <a:t>  </a:t>
+            </a:r>
+            <a:r>
+              <a:rPr lang="en-US" sz="1600" dirty="0" err="1">
+                <a:solidFill>
+                  <a:srgbClr val="92D050"/>
+                </a:solidFill>
+                <a:latin typeface="Courier New" panose="02070309020205020404" pitchFamily="49" charset="0"/>
+                <a:cs typeface="Courier New" panose="02070309020205020404" pitchFamily="49" charset="0"/>
+              </a:rPr>
+              <a:t>val</a:t>
+            </a:r>
+            <a:r>
+              <a:rPr lang="en-US" sz="1600" dirty="0">
+                <a:solidFill>
+                  <a:srgbClr val="92D050"/>
+                </a:solidFill>
+                <a:latin typeface="Courier New" panose="02070309020205020404" pitchFamily="49" charset="0"/>
+                <a:cs typeface="Courier New" panose="02070309020205020404" pitchFamily="49" charset="0"/>
+              </a:rPr>
+              <a:t> </a:t>
+            </a:r>
+            <a:r>
+              <a:rPr lang="en-US" sz="1600" dirty="0" err="1">
+                <a:solidFill>
+                  <a:srgbClr val="92D050"/>
+                </a:solidFill>
+                <a:latin typeface="Courier New" panose="02070309020205020404" pitchFamily="49" charset="0"/>
+                <a:cs typeface="Courier New" panose="02070309020205020404" pitchFamily="49" charset="0"/>
+              </a:rPr>
+              <a:t>io</a:t>
+            </a:r>
+            <a:r>
+              <a:rPr lang="en-US" sz="1600" dirty="0">
+                <a:solidFill>
+                  <a:srgbClr val="92D050"/>
+                </a:solidFill>
+                <a:latin typeface="Courier New" panose="02070309020205020404" pitchFamily="49" charset="0"/>
+                <a:cs typeface="Courier New" panose="02070309020205020404" pitchFamily="49" charset="0"/>
+              </a:rPr>
+              <a:t> = new Bundle {</a:t>
+            </a:r>
+          </a:p>
+          <a:p>
+            <a:r>
+              <a:rPr lang="en-US" sz="1600" dirty="0">
+                <a:solidFill>
+                  <a:srgbClr val="92D050"/>
+                </a:solidFill>
+                <a:latin typeface="Courier New" panose="02070309020205020404" pitchFamily="49" charset="0"/>
+                <a:cs typeface="Courier New" panose="02070309020205020404" pitchFamily="49" charset="0"/>
+              </a:rPr>
+              <a:t>    </a:t>
+            </a:r>
+            <a:r>
+              <a:rPr lang="en-US" sz="1600" dirty="0" err="1">
+                <a:solidFill>
+                  <a:srgbClr val="92D050"/>
+                </a:solidFill>
+                <a:latin typeface="Courier New" panose="02070309020205020404" pitchFamily="49" charset="0"/>
+                <a:cs typeface="Courier New" panose="02070309020205020404" pitchFamily="49" charset="0"/>
+              </a:rPr>
+              <a:t>val</a:t>
+            </a:r>
+            <a:r>
+              <a:rPr lang="en-US" sz="1600" dirty="0">
+                <a:solidFill>
+                  <a:srgbClr val="92D050"/>
+                </a:solidFill>
+                <a:latin typeface="Courier New" panose="02070309020205020404" pitchFamily="49" charset="0"/>
+                <a:cs typeface="Courier New" panose="02070309020205020404" pitchFamily="49" charset="0"/>
+              </a:rPr>
+              <a:t> a  = </a:t>
+            </a:r>
+            <a:r>
+              <a:rPr lang="en-US" sz="1600" dirty="0" err="1">
+                <a:solidFill>
+                  <a:srgbClr val="92D050"/>
+                </a:solidFill>
+                <a:latin typeface="Courier New" panose="02070309020205020404" pitchFamily="49" charset="0"/>
+                <a:cs typeface="Courier New" panose="02070309020205020404" pitchFamily="49" charset="0"/>
+              </a:rPr>
+              <a:t>UInt</a:t>
+            </a:r>
+            <a:r>
+              <a:rPr lang="en-US" sz="1600" dirty="0">
+                <a:solidFill>
+                  <a:srgbClr val="92D050"/>
+                </a:solidFill>
+                <a:latin typeface="Courier New" panose="02070309020205020404" pitchFamily="49" charset="0"/>
+                <a:cs typeface="Courier New" panose="02070309020205020404" pitchFamily="49" charset="0"/>
+              </a:rPr>
+              <a:t>(INPUT,  16)</a:t>
+            </a:r>
+          </a:p>
+          <a:p>
+            <a:r>
+              <a:rPr lang="en-US" sz="1600" dirty="0">
+                <a:solidFill>
+                  <a:srgbClr val="92D050"/>
+                </a:solidFill>
+                <a:latin typeface="Courier New" panose="02070309020205020404" pitchFamily="49" charset="0"/>
+                <a:cs typeface="Courier New" panose="02070309020205020404" pitchFamily="49" charset="0"/>
+              </a:rPr>
+              <a:t>    </a:t>
+            </a:r>
+            <a:r>
+              <a:rPr lang="en-US" sz="1600" dirty="0" err="1">
+                <a:solidFill>
+                  <a:srgbClr val="92D050"/>
+                </a:solidFill>
+                <a:latin typeface="Courier New" panose="02070309020205020404" pitchFamily="49" charset="0"/>
+                <a:cs typeface="Courier New" panose="02070309020205020404" pitchFamily="49" charset="0"/>
+              </a:rPr>
+              <a:t>val</a:t>
+            </a:r>
+            <a:r>
+              <a:rPr lang="en-US" sz="1600" dirty="0">
+                <a:solidFill>
+                  <a:srgbClr val="92D050"/>
+                </a:solidFill>
+                <a:latin typeface="Courier New" panose="02070309020205020404" pitchFamily="49" charset="0"/>
+                <a:cs typeface="Courier New" panose="02070309020205020404" pitchFamily="49" charset="0"/>
+              </a:rPr>
+              <a:t> b  = </a:t>
+            </a:r>
+            <a:r>
+              <a:rPr lang="en-US" sz="1600" dirty="0" err="1">
+                <a:solidFill>
+                  <a:srgbClr val="92D050"/>
+                </a:solidFill>
+                <a:latin typeface="Courier New" panose="02070309020205020404" pitchFamily="49" charset="0"/>
+                <a:cs typeface="Courier New" panose="02070309020205020404" pitchFamily="49" charset="0"/>
+              </a:rPr>
+              <a:t>UInt</a:t>
+            </a:r>
+            <a:r>
+              <a:rPr lang="en-US" sz="1600" dirty="0">
+                <a:solidFill>
+                  <a:srgbClr val="92D050"/>
+                </a:solidFill>
+                <a:latin typeface="Courier New" panose="02070309020205020404" pitchFamily="49" charset="0"/>
+                <a:cs typeface="Courier New" panose="02070309020205020404" pitchFamily="49" charset="0"/>
+              </a:rPr>
+              <a:t>(INPUT,  16)</a:t>
+            </a:r>
+          </a:p>
+          <a:p>
+            <a:r>
+              <a:rPr lang="en-US" sz="1600" dirty="0">
+                <a:solidFill>
+                  <a:srgbClr val="92D050"/>
+                </a:solidFill>
+                <a:latin typeface="Courier New" panose="02070309020205020404" pitchFamily="49" charset="0"/>
+                <a:cs typeface="Courier New" panose="02070309020205020404" pitchFamily="49" charset="0"/>
+              </a:rPr>
+              <a:t>    </a:t>
+            </a:r>
+            <a:r>
+              <a:rPr lang="en-US" sz="1600" dirty="0" err="1">
+                <a:solidFill>
+                  <a:srgbClr val="92D050"/>
+                </a:solidFill>
+                <a:latin typeface="Courier New" panose="02070309020205020404" pitchFamily="49" charset="0"/>
+                <a:cs typeface="Courier New" panose="02070309020205020404" pitchFamily="49" charset="0"/>
+              </a:rPr>
+              <a:t>val</a:t>
+            </a:r>
+            <a:r>
+              <a:rPr lang="en-US" sz="1600" dirty="0">
+                <a:solidFill>
+                  <a:srgbClr val="92D050"/>
+                </a:solidFill>
+                <a:latin typeface="Courier New" panose="02070309020205020404" pitchFamily="49" charset="0"/>
+                <a:cs typeface="Courier New" panose="02070309020205020404" pitchFamily="49" charset="0"/>
+              </a:rPr>
+              <a:t> e  = </a:t>
+            </a:r>
+            <a:r>
+              <a:rPr lang="en-US" sz="1600" dirty="0" err="1">
+                <a:solidFill>
+                  <a:srgbClr val="92D050"/>
+                </a:solidFill>
+                <a:latin typeface="Courier New" panose="02070309020205020404" pitchFamily="49" charset="0"/>
+                <a:cs typeface="Courier New" panose="02070309020205020404" pitchFamily="49" charset="0"/>
+              </a:rPr>
+              <a:t>Bool</a:t>
+            </a:r>
+            <a:r>
+              <a:rPr lang="en-US" sz="1600" dirty="0">
+                <a:solidFill>
+                  <a:srgbClr val="92D050"/>
+                </a:solidFill>
+                <a:latin typeface="Courier New" panose="02070309020205020404" pitchFamily="49" charset="0"/>
+                <a:cs typeface="Courier New" panose="02070309020205020404" pitchFamily="49" charset="0"/>
+              </a:rPr>
+              <a:t>(INPUT)</a:t>
+            </a:r>
+          </a:p>
+          <a:p>
+            <a:r>
+              <a:rPr lang="en-US" sz="1600" dirty="0">
+                <a:solidFill>
+                  <a:srgbClr val="92D050"/>
+                </a:solidFill>
+                <a:latin typeface="Courier New" panose="02070309020205020404" pitchFamily="49" charset="0"/>
+                <a:cs typeface="Courier New" panose="02070309020205020404" pitchFamily="49" charset="0"/>
+              </a:rPr>
+              <a:t>    </a:t>
+            </a:r>
+            <a:r>
+              <a:rPr lang="en-US" sz="1600" dirty="0" err="1">
+                <a:solidFill>
+                  <a:srgbClr val="92D050"/>
+                </a:solidFill>
+                <a:latin typeface="Courier New" panose="02070309020205020404" pitchFamily="49" charset="0"/>
+                <a:cs typeface="Courier New" panose="02070309020205020404" pitchFamily="49" charset="0"/>
+              </a:rPr>
+              <a:t>val</a:t>
+            </a:r>
+            <a:r>
+              <a:rPr lang="en-US" sz="1600" dirty="0">
+                <a:solidFill>
+                  <a:srgbClr val="92D050"/>
+                </a:solidFill>
+                <a:latin typeface="Courier New" panose="02070309020205020404" pitchFamily="49" charset="0"/>
+                <a:cs typeface="Courier New" panose="02070309020205020404" pitchFamily="49" charset="0"/>
+              </a:rPr>
+              <a:t> z  = </a:t>
+            </a:r>
+            <a:r>
+              <a:rPr lang="en-US" sz="1600" dirty="0" err="1">
+                <a:solidFill>
+                  <a:srgbClr val="92D050"/>
+                </a:solidFill>
+                <a:latin typeface="Courier New" panose="02070309020205020404" pitchFamily="49" charset="0"/>
+                <a:cs typeface="Courier New" panose="02070309020205020404" pitchFamily="49" charset="0"/>
+              </a:rPr>
+              <a:t>UInt</a:t>
+            </a:r>
+            <a:r>
+              <a:rPr lang="en-US" sz="1600" dirty="0">
+                <a:solidFill>
+                  <a:srgbClr val="92D050"/>
+                </a:solidFill>
+                <a:latin typeface="Courier New" panose="02070309020205020404" pitchFamily="49" charset="0"/>
+                <a:cs typeface="Courier New" panose="02070309020205020404" pitchFamily="49" charset="0"/>
+              </a:rPr>
+              <a:t>(OUTPUT, 16)</a:t>
+            </a:r>
+          </a:p>
+          <a:p>
+            <a:r>
+              <a:rPr lang="en-US" sz="1600" dirty="0">
+                <a:solidFill>
+                  <a:srgbClr val="92D050"/>
+                </a:solidFill>
+                <a:latin typeface="Courier New" panose="02070309020205020404" pitchFamily="49" charset="0"/>
+                <a:cs typeface="Courier New" panose="02070309020205020404" pitchFamily="49" charset="0"/>
+              </a:rPr>
+              <a:t>    </a:t>
+            </a:r>
+            <a:r>
+              <a:rPr lang="en-US" sz="1600" dirty="0" err="1">
+                <a:solidFill>
+                  <a:srgbClr val="92D050"/>
+                </a:solidFill>
+                <a:latin typeface="Courier New" panose="02070309020205020404" pitchFamily="49" charset="0"/>
+                <a:cs typeface="Courier New" panose="02070309020205020404" pitchFamily="49" charset="0"/>
+              </a:rPr>
+              <a:t>val</a:t>
+            </a:r>
+            <a:r>
+              <a:rPr lang="en-US" sz="1600" dirty="0">
+                <a:solidFill>
+                  <a:srgbClr val="92D050"/>
+                </a:solidFill>
+                <a:latin typeface="Courier New" panose="02070309020205020404" pitchFamily="49" charset="0"/>
+                <a:cs typeface="Courier New" panose="02070309020205020404" pitchFamily="49" charset="0"/>
+              </a:rPr>
+              <a:t> v  = </a:t>
+            </a:r>
+            <a:r>
+              <a:rPr lang="en-US" sz="1600" dirty="0" err="1">
+                <a:solidFill>
+                  <a:srgbClr val="92D050"/>
+                </a:solidFill>
+                <a:latin typeface="Courier New" panose="02070309020205020404" pitchFamily="49" charset="0"/>
+                <a:cs typeface="Courier New" panose="02070309020205020404" pitchFamily="49" charset="0"/>
+              </a:rPr>
+              <a:t>Bool</a:t>
+            </a:r>
+            <a:r>
+              <a:rPr lang="en-US" sz="1600" dirty="0">
+                <a:solidFill>
+                  <a:srgbClr val="92D050"/>
+                </a:solidFill>
+                <a:latin typeface="Courier New" panose="02070309020205020404" pitchFamily="49" charset="0"/>
+                <a:cs typeface="Courier New" panose="02070309020205020404" pitchFamily="49" charset="0"/>
+              </a:rPr>
+              <a:t>(OUTPUT)</a:t>
+            </a:r>
+          </a:p>
+          <a:p>
+            <a:r>
+              <a:rPr lang="en-US" sz="1600" dirty="0">
+                <a:solidFill>
+                  <a:srgbClr val="92D050"/>
+                </a:solidFill>
+                <a:latin typeface="Courier New" panose="02070309020205020404" pitchFamily="49" charset="0"/>
+                <a:cs typeface="Courier New" panose="02070309020205020404" pitchFamily="49" charset="0"/>
+              </a:rPr>
+              <a:t>  }</a:t>
+            </a:r>
+          </a:p>
+          <a:p>
+            <a:r>
+              <a:rPr lang="en-US" sz="1600" dirty="0">
+                <a:solidFill>
+                  <a:srgbClr val="92D050"/>
+                </a:solidFill>
+                <a:latin typeface="Courier New" panose="02070309020205020404" pitchFamily="49" charset="0"/>
+                <a:cs typeface="Courier New" panose="02070309020205020404" pitchFamily="49" charset="0"/>
+              </a:rPr>
+              <a:t>  </a:t>
+            </a:r>
+            <a:r>
+              <a:rPr lang="en-US" sz="1600" dirty="0" err="1">
+                <a:solidFill>
+                  <a:srgbClr val="92D050"/>
+                </a:solidFill>
+                <a:latin typeface="Courier New" panose="02070309020205020404" pitchFamily="49" charset="0"/>
+                <a:cs typeface="Courier New" panose="02070309020205020404" pitchFamily="49" charset="0"/>
+              </a:rPr>
+              <a:t>val</a:t>
+            </a:r>
+            <a:r>
+              <a:rPr lang="en-US" sz="1600" dirty="0">
+                <a:solidFill>
+                  <a:srgbClr val="92D050"/>
+                </a:solidFill>
+                <a:latin typeface="Courier New" panose="02070309020205020404" pitchFamily="49" charset="0"/>
+                <a:cs typeface="Courier New" panose="02070309020205020404" pitchFamily="49" charset="0"/>
+              </a:rPr>
+              <a:t> x  = </a:t>
+            </a:r>
+            <a:r>
+              <a:rPr lang="en-US" sz="1600" dirty="0" err="1">
+                <a:solidFill>
+                  <a:srgbClr val="92D050"/>
+                </a:solidFill>
+                <a:latin typeface="Courier New" panose="02070309020205020404" pitchFamily="49" charset="0"/>
+                <a:cs typeface="Courier New" panose="02070309020205020404" pitchFamily="49" charset="0"/>
+              </a:rPr>
+              <a:t>Reg</a:t>
+            </a:r>
+            <a:r>
+              <a:rPr lang="en-US" sz="1600" dirty="0">
+                <a:solidFill>
+                  <a:srgbClr val="92D050"/>
+                </a:solidFill>
+                <a:latin typeface="Courier New" panose="02070309020205020404" pitchFamily="49" charset="0"/>
+                <a:cs typeface="Courier New" panose="02070309020205020404" pitchFamily="49" charset="0"/>
+              </a:rPr>
+              <a:t>(</a:t>
+            </a:r>
+            <a:r>
+              <a:rPr lang="en-US" sz="1600" dirty="0" err="1">
+                <a:solidFill>
+                  <a:srgbClr val="92D050"/>
+                </a:solidFill>
+                <a:latin typeface="Courier New" panose="02070309020205020404" pitchFamily="49" charset="0"/>
+                <a:cs typeface="Courier New" panose="02070309020205020404" pitchFamily="49" charset="0"/>
+              </a:rPr>
+              <a:t>UInt</a:t>
+            </a:r>
+            <a:r>
+              <a:rPr lang="en-US" sz="1600" dirty="0">
+                <a:solidFill>
+                  <a:srgbClr val="92D050"/>
+                </a:solidFill>
+                <a:latin typeface="Courier New" panose="02070309020205020404" pitchFamily="49" charset="0"/>
+                <a:cs typeface="Courier New" panose="02070309020205020404" pitchFamily="49" charset="0"/>
+              </a:rPr>
+              <a:t>())</a:t>
+            </a:r>
+          </a:p>
+          <a:p>
+            <a:r>
+              <a:rPr lang="en-US" sz="1600" dirty="0">
+                <a:solidFill>
+                  <a:srgbClr val="92D050"/>
+                </a:solidFill>
+                <a:latin typeface="Courier New" panose="02070309020205020404" pitchFamily="49" charset="0"/>
+                <a:cs typeface="Courier New" panose="02070309020205020404" pitchFamily="49" charset="0"/>
+              </a:rPr>
+              <a:t>  </a:t>
+            </a:r>
+            <a:r>
+              <a:rPr lang="en-US" sz="1600" dirty="0" err="1">
+                <a:solidFill>
+                  <a:srgbClr val="92D050"/>
+                </a:solidFill>
+                <a:latin typeface="Courier New" panose="02070309020205020404" pitchFamily="49" charset="0"/>
+                <a:cs typeface="Courier New" panose="02070309020205020404" pitchFamily="49" charset="0"/>
+              </a:rPr>
+              <a:t>val</a:t>
+            </a:r>
+            <a:r>
+              <a:rPr lang="en-US" sz="1600" dirty="0">
+                <a:solidFill>
+                  <a:srgbClr val="92D050"/>
+                </a:solidFill>
+                <a:latin typeface="Courier New" panose="02070309020205020404" pitchFamily="49" charset="0"/>
+                <a:cs typeface="Courier New" panose="02070309020205020404" pitchFamily="49" charset="0"/>
+              </a:rPr>
+              <a:t> y  = </a:t>
+            </a:r>
+            <a:r>
+              <a:rPr lang="en-US" sz="1600" dirty="0" err="1">
+                <a:solidFill>
+                  <a:srgbClr val="92D050"/>
+                </a:solidFill>
+                <a:latin typeface="Courier New" panose="02070309020205020404" pitchFamily="49" charset="0"/>
+                <a:cs typeface="Courier New" panose="02070309020205020404" pitchFamily="49" charset="0"/>
+              </a:rPr>
+              <a:t>Reg</a:t>
+            </a:r>
+            <a:r>
+              <a:rPr lang="en-US" sz="1600" dirty="0">
+                <a:solidFill>
+                  <a:srgbClr val="92D050"/>
+                </a:solidFill>
+                <a:latin typeface="Courier New" panose="02070309020205020404" pitchFamily="49" charset="0"/>
+                <a:cs typeface="Courier New" panose="02070309020205020404" pitchFamily="49" charset="0"/>
+              </a:rPr>
+              <a:t>(</a:t>
+            </a:r>
+            <a:r>
+              <a:rPr lang="en-US" sz="1600" dirty="0" err="1">
+                <a:solidFill>
+                  <a:srgbClr val="92D050"/>
+                </a:solidFill>
+                <a:latin typeface="Courier New" panose="02070309020205020404" pitchFamily="49" charset="0"/>
+                <a:cs typeface="Courier New" panose="02070309020205020404" pitchFamily="49" charset="0"/>
+              </a:rPr>
+              <a:t>UInt</a:t>
+            </a:r>
+            <a:r>
+              <a:rPr lang="en-US" sz="1600" dirty="0">
+                <a:solidFill>
+                  <a:srgbClr val="92D050"/>
+                </a:solidFill>
+                <a:latin typeface="Courier New" panose="02070309020205020404" pitchFamily="49" charset="0"/>
+                <a:cs typeface="Courier New" panose="02070309020205020404" pitchFamily="49" charset="0"/>
+              </a:rPr>
+              <a:t>())</a:t>
+            </a:r>
+          </a:p>
+          <a:p>
+            <a:r>
+              <a:rPr lang="en-US" sz="1600" dirty="0">
+                <a:solidFill>
+                  <a:srgbClr val="92D050"/>
+                </a:solidFill>
+                <a:latin typeface="Courier New" panose="02070309020205020404" pitchFamily="49" charset="0"/>
+                <a:cs typeface="Courier New" panose="02070309020205020404" pitchFamily="49" charset="0"/>
+              </a:rPr>
+              <a:t>  when   (x &gt; y) { x := x - y }</a:t>
+            </a:r>
+          </a:p>
+          <a:p>
+            <a:r>
+              <a:rPr lang="en-US" sz="1600" dirty="0">
+                <a:solidFill>
+                  <a:srgbClr val="92D050"/>
+                </a:solidFill>
+                <a:latin typeface="Courier New" panose="02070309020205020404" pitchFamily="49" charset="0"/>
+                <a:cs typeface="Courier New" panose="02070309020205020404" pitchFamily="49" charset="0"/>
+              </a:rPr>
+              <a:t>  unless (x &gt; y) { y := y - x }</a:t>
+            </a:r>
+          </a:p>
+          <a:p>
+            <a:r>
+              <a:rPr lang="en-US" sz="1600" dirty="0">
+                <a:solidFill>
+                  <a:srgbClr val="92D050"/>
+                </a:solidFill>
+                <a:latin typeface="Courier New" panose="02070309020205020404" pitchFamily="49" charset="0"/>
+                <a:cs typeface="Courier New" panose="02070309020205020404" pitchFamily="49" charset="0"/>
+              </a:rPr>
+              <a:t>  when (</a:t>
+            </a:r>
+            <a:r>
+              <a:rPr lang="en-US" sz="1600" dirty="0" err="1">
+                <a:solidFill>
+                  <a:srgbClr val="92D050"/>
+                </a:solidFill>
+                <a:latin typeface="Courier New" panose="02070309020205020404" pitchFamily="49" charset="0"/>
+                <a:cs typeface="Courier New" panose="02070309020205020404" pitchFamily="49" charset="0"/>
+              </a:rPr>
+              <a:t>io.e</a:t>
+            </a:r>
+            <a:r>
+              <a:rPr lang="en-US" sz="1600" dirty="0">
+                <a:solidFill>
+                  <a:srgbClr val="92D050"/>
+                </a:solidFill>
+                <a:latin typeface="Courier New" panose="02070309020205020404" pitchFamily="49" charset="0"/>
+                <a:cs typeface="Courier New" panose="02070309020205020404" pitchFamily="49" charset="0"/>
+              </a:rPr>
+              <a:t>) { x := </a:t>
+            </a:r>
+            <a:r>
+              <a:rPr lang="en-US" sz="1600" dirty="0" err="1">
+                <a:solidFill>
+                  <a:srgbClr val="92D050"/>
+                </a:solidFill>
+                <a:latin typeface="Courier New" panose="02070309020205020404" pitchFamily="49" charset="0"/>
+                <a:cs typeface="Courier New" panose="02070309020205020404" pitchFamily="49" charset="0"/>
+              </a:rPr>
+              <a:t>io.a</a:t>
+            </a:r>
+            <a:r>
+              <a:rPr lang="en-US" sz="1600" dirty="0">
+                <a:solidFill>
+                  <a:srgbClr val="92D050"/>
+                </a:solidFill>
+                <a:latin typeface="Courier New" panose="02070309020205020404" pitchFamily="49" charset="0"/>
+                <a:cs typeface="Courier New" panose="02070309020205020404" pitchFamily="49" charset="0"/>
+              </a:rPr>
+              <a:t>; y := </a:t>
+            </a:r>
+            <a:r>
+              <a:rPr lang="en-US" sz="1600" dirty="0" err="1">
+                <a:solidFill>
+                  <a:srgbClr val="92D050"/>
+                </a:solidFill>
+                <a:latin typeface="Courier New" panose="02070309020205020404" pitchFamily="49" charset="0"/>
+                <a:cs typeface="Courier New" panose="02070309020205020404" pitchFamily="49" charset="0"/>
+              </a:rPr>
+              <a:t>io.b</a:t>
+            </a:r>
+            <a:r>
+              <a:rPr lang="en-US" sz="1600" dirty="0">
+                <a:solidFill>
+                  <a:srgbClr val="92D050"/>
+                </a:solidFill>
+                <a:latin typeface="Courier New" panose="02070309020205020404" pitchFamily="49" charset="0"/>
+                <a:cs typeface="Courier New" panose="02070309020205020404" pitchFamily="49" charset="0"/>
+              </a:rPr>
+              <a:t> }</a:t>
+            </a:r>
+          </a:p>
+          <a:p>
+            <a:r>
+              <a:rPr lang="en-US" sz="1600" dirty="0">
+                <a:solidFill>
+                  <a:srgbClr val="92D050"/>
+                </a:solidFill>
+                <a:latin typeface="Courier New" panose="02070309020205020404" pitchFamily="49" charset="0"/>
+                <a:cs typeface="Courier New" panose="02070309020205020404" pitchFamily="49" charset="0"/>
+              </a:rPr>
+              <a:t>  </a:t>
+            </a:r>
+            <a:r>
+              <a:rPr lang="en-US" sz="1600" dirty="0" err="1">
+                <a:solidFill>
+                  <a:srgbClr val="92D050"/>
+                </a:solidFill>
+                <a:latin typeface="Courier New" panose="02070309020205020404" pitchFamily="49" charset="0"/>
+                <a:cs typeface="Courier New" panose="02070309020205020404" pitchFamily="49" charset="0"/>
+              </a:rPr>
+              <a:t>io.z</a:t>
+            </a:r>
+            <a:r>
+              <a:rPr lang="en-US" sz="1600" dirty="0">
+                <a:solidFill>
+                  <a:srgbClr val="92D050"/>
+                </a:solidFill>
+                <a:latin typeface="Courier New" panose="02070309020205020404" pitchFamily="49" charset="0"/>
+                <a:cs typeface="Courier New" panose="02070309020205020404" pitchFamily="49" charset="0"/>
+              </a:rPr>
+              <a:t> := x</a:t>
+            </a:r>
+          </a:p>
+          <a:p>
+            <a:r>
+              <a:rPr lang="en-US" sz="1600" dirty="0">
+                <a:solidFill>
+                  <a:srgbClr val="92D050"/>
+                </a:solidFill>
+                <a:latin typeface="Courier New" panose="02070309020205020404" pitchFamily="49" charset="0"/>
+                <a:cs typeface="Courier New" panose="02070309020205020404" pitchFamily="49" charset="0"/>
+              </a:rPr>
+              <a:t>  </a:t>
+            </a:r>
+            <a:r>
+              <a:rPr lang="en-US" sz="1600" dirty="0" err="1">
+                <a:solidFill>
+                  <a:srgbClr val="92D050"/>
+                </a:solidFill>
+                <a:latin typeface="Courier New" panose="02070309020205020404" pitchFamily="49" charset="0"/>
+                <a:cs typeface="Courier New" panose="02070309020205020404" pitchFamily="49" charset="0"/>
+              </a:rPr>
+              <a:t>io.v</a:t>
+            </a:r>
+            <a:r>
+              <a:rPr lang="en-US" sz="1600" dirty="0">
+                <a:solidFill>
+                  <a:srgbClr val="92D050"/>
+                </a:solidFill>
+                <a:latin typeface="Courier New" panose="02070309020205020404" pitchFamily="49" charset="0"/>
+                <a:cs typeface="Courier New" panose="02070309020205020404" pitchFamily="49" charset="0"/>
+              </a:rPr>
+              <a:t> := y === </a:t>
+            </a:r>
+            <a:r>
+              <a:rPr lang="en-US" sz="1600" dirty="0" err="1">
+                <a:solidFill>
+                  <a:srgbClr val="92D050"/>
+                </a:solidFill>
+                <a:latin typeface="Courier New" panose="02070309020205020404" pitchFamily="49" charset="0"/>
+                <a:cs typeface="Courier New" panose="02070309020205020404" pitchFamily="49" charset="0"/>
+              </a:rPr>
+              <a:t>UInt</a:t>
+            </a:r>
+            <a:r>
+              <a:rPr lang="en-US" sz="1600" dirty="0">
+                <a:solidFill>
+                  <a:srgbClr val="92D050"/>
+                </a:solidFill>
+                <a:latin typeface="Courier New" panose="02070309020205020404" pitchFamily="49" charset="0"/>
+                <a:cs typeface="Courier New" panose="02070309020205020404" pitchFamily="49" charset="0"/>
+              </a:rPr>
+              <a:t>(0)</a:t>
+            </a:r>
+          </a:p>
+          <a:p>
+            <a:r>
+              <a:rPr lang="en-US" sz="1600" dirty="0" smtClean="0">
+                <a:solidFill>
+                  <a:srgbClr val="92D050"/>
+                </a:solidFill>
+                <a:latin typeface="Courier New" panose="02070309020205020404" pitchFamily="49" charset="0"/>
+                <a:cs typeface="Courier New" panose="02070309020205020404" pitchFamily="49" charset="0"/>
+              </a:rPr>
+              <a:t>}</a:t>
+            </a:r>
+            <a:endParaRPr lang="en-US" sz="1600" dirty="0">
+              <a:solidFill>
+                <a:srgbClr val="92D050"/>
+              </a:solidFill>
+              <a:latin typeface="Courier New" panose="02070309020205020404" pitchFamily="49" charset="0"/>
+              <a:cs typeface="Courier New" panose="02070309020205020404" pitchFamily="49" charset="0"/>
+            </a:endParaRPr>
           </a:p>
         </p:txBody>
       </p:sp>
     </p:spTree>
     <p:extLst>
       <p:ext uri="{BB962C8B-B14F-4D97-AF65-F5344CB8AC3E}">
-        <p14:creationId xmlns:p14="http://schemas.microsoft.com/office/powerpoint/2010/main" val="1862552492"/>
+        <p14:creationId xmlns:p14="http://schemas.microsoft.com/office/powerpoint/2010/main" val="3300286505"/>
       </p:ext>
     </p:extLst>
   </p:cSld>

--- a/ScalaCL_Chissel.pptx
+++ b/ScalaCL_Chissel.pptx
@@ -10459,9 +10459,126 @@
   <p:timing>
     <p:tnLst>
       <p:par>
-        <p:cTn id="1" dur="indefinite" restart="never" nodeType="tmRoot"/>
+        <p:cTn id="1" dur="indefinite" restart="never" nodeType="tmRoot">
+          <p:childTnLst>
+            <p:seq concurrent="1" nextAc="seek">
+              <p:cTn id="2" dur="indefinite" nodeType="mainSeq">
+                <p:childTnLst>
+                  <p:par>
+                    <p:cTn id="3" fill="hold">
+                      <p:stCondLst>
+                        <p:cond delay="indefinite"/>
+                      </p:stCondLst>
+                      <p:childTnLst>
+                        <p:par>
+                          <p:cTn id="4" fill="hold">
+                            <p:stCondLst>
+                              <p:cond delay="0"/>
+                            </p:stCondLst>
+                            <p:childTnLst>
+                              <p:par>
+                                <p:cTn id="5" presetID="2" presetClass="entr" presetSubtype="4" fill="hold" grpId="0" nodeType="clickEffect">
+                                  <p:stCondLst>
+                                    <p:cond delay="0"/>
+                                  </p:stCondLst>
+                                  <p:childTnLst>
+                                    <p:set>
+                                      <p:cBhvr>
+                                        <p:cTn id="6" dur="1" fill="hold">
+                                          <p:stCondLst>
+                                            <p:cond delay="0"/>
+                                          </p:stCondLst>
+                                        </p:cTn>
+                                        <p:tgtEl>
+                                          <p:spTgt spid="11"/>
+                                        </p:tgtEl>
+                                        <p:attrNameLst>
+                                          <p:attrName>style.visibility</p:attrName>
+                                        </p:attrNameLst>
+                                      </p:cBhvr>
+                                      <p:to>
+                                        <p:strVal val="visible"/>
+                                      </p:to>
+                                    </p:set>
+                                    <p:anim calcmode="lin" valueType="num">
+                                      <p:cBhvr additive="base">
+                                        <p:cTn id="7" dur="500" fill="hold"/>
+                                        <p:tgtEl>
+                                          <p:spTgt spid="11"/>
+                                        </p:tgtEl>
+                                        <p:attrNameLst>
+                                          <p:attrName>ppt_x</p:attrName>
+                                        </p:attrNameLst>
+                                      </p:cBhvr>
+                                      <p:tavLst>
+                                        <p:tav tm="0">
+                                          <p:val>
+                                            <p:strVal val="#ppt_x"/>
+                                          </p:val>
+                                        </p:tav>
+                                        <p:tav tm="100000">
+                                          <p:val>
+                                            <p:strVal val="#ppt_x"/>
+                                          </p:val>
+                                        </p:tav>
+                                      </p:tavLst>
+                                    </p:anim>
+                                    <p:anim calcmode="lin" valueType="num">
+                                      <p:cBhvr additive="base">
+                                        <p:cTn id="8" dur="500" fill="hold"/>
+                                        <p:tgtEl>
+                                          <p:spTgt spid="11"/>
+                                        </p:tgtEl>
+                                        <p:attrNameLst>
+                                          <p:attrName>ppt_y</p:attrName>
+                                        </p:attrNameLst>
+                                      </p:cBhvr>
+                                      <p:tavLst>
+                                        <p:tav tm="0">
+                                          <p:val>
+                                            <p:strVal val="1+#ppt_h/2"/>
+                                          </p:val>
+                                        </p:tav>
+                                        <p:tav tm="100000">
+                                          <p:val>
+                                            <p:strVal val="#ppt_y"/>
+                                          </p:val>
+                                        </p:tav>
+                                      </p:tavLst>
+                                    </p:anim>
+                                  </p:childTnLst>
+                                </p:cTn>
+                              </p:par>
+                            </p:childTnLst>
+                          </p:cTn>
+                        </p:par>
+                      </p:childTnLst>
+                    </p:cTn>
+                  </p:par>
+                </p:childTnLst>
+              </p:cTn>
+              <p:prevCondLst>
+                <p:cond evt="onPrev" delay="0">
+                  <p:tgtEl>
+                    <p:sldTgt/>
+                  </p:tgtEl>
+                </p:cond>
+              </p:prevCondLst>
+              <p:nextCondLst>
+                <p:cond evt="onNext" delay="0">
+                  <p:tgtEl>
+                    <p:sldTgt/>
+                  </p:tgtEl>
+                </p:cond>
+              </p:nextCondLst>
+            </p:seq>
+          </p:childTnLst>
+        </p:cTn>
       </p:par>
     </p:tnLst>
+    <p:bldLst>
+      <p:bldP spid="11" grpId="0"/>
+    </p:bldLst>
   </p:timing>
 </p:sld>
 </file>
@@ -11412,7 +11529,220 @@
   <p:timing>
     <p:tnLst>
       <p:par>
-        <p:cTn id="1" dur="indefinite" restart="never" nodeType="tmRoot"/>
+        <p:cTn id="1" dur="indefinite" restart="never" nodeType="tmRoot">
+          <p:childTnLst>
+            <p:seq concurrent="1" nextAc="seek">
+              <p:cTn id="2" dur="indefinite" nodeType="mainSeq">
+                <p:childTnLst>
+                  <p:par>
+                    <p:cTn id="3" fill="hold">
+                      <p:stCondLst>
+                        <p:cond delay="indefinite"/>
+                      </p:stCondLst>
+                      <p:childTnLst>
+                        <p:par>
+                          <p:cTn id="4" fill="hold">
+                            <p:stCondLst>
+                              <p:cond delay="0"/>
+                            </p:stCondLst>
+                            <p:childTnLst>
+                              <p:par>
+                                <p:cTn id="5" presetID="14" presetClass="entr" presetSubtype="10" fill="hold" nodeType="clickEffect">
+                                  <p:stCondLst>
+                                    <p:cond delay="0"/>
+                                  </p:stCondLst>
+                                  <p:childTnLst>
+                                    <p:set>
+                                      <p:cBhvr>
+                                        <p:cTn id="6" dur="1" fill="hold">
+                                          <p:stCondLst>
+                                            <p:cond delay="0"/>
+                                          </p:stCondLst>
+                                        </p:cTn>
+                                        <p:tgtEl>
+                                          <p:spTgt spid="4">
+                                            <p:txEl>
+                                              <p:pRg st="2" end="2"/>
+                                            </p:txEl>
+                                          </p:spTgt>
+                                        </p:tgtEl>
+                                        <p:attrNameLst>
+                                          <p:attrName>style.visibility</p:attrName>
+                                        </p:attrNameLst>
+                                      </p:cBhvr>
+                                      <p:to>
+                                        <p:strVal val="visible"/>
+                                      </p:to>
+                                    </p:set>
+                                    <p:animEffect transition="in" filter="randombar(horizontal)">
+                                      <p:cBhvr>
+                                        <p:cTn id="7" dur="500"/>
+                                        <p:tgtEl>
+                                          <p:spTgt spid="4">
+                                            <p:txEl>
+                                              <p:pRg st="2" end="2"/>
+                                            </p:txEl>
+                                          </p:spTgt>
+                                        </p:tgtEl>
+                                      </p:cBhvr>
+                                    </p:animEffect>
+                                  </p:childTnLst>
+                                </p:cTn>
+                              </p:par>
+                              <p:par>
+                                <p:cTn id="8" presetID="14" presetClass="entr" presetSubtype="10" fill="hold" nodeType="withEffect">
+                                  <p:stCondLst>
+                                    <p:cond delay="0"/>
+                                  </p:stCondLst>
+                                  <p:childTnLst>
+                                    <p:set>
+                                      <p:cBhvr>
+                                        <p:cTn id="9" dur="1" fill="hold">
+                                          <p:stCondLst>
+                                            <p:cond delay="0"/>
+                                          </p:stCondLst>
+                                        </p:cTn>
+                                        <p:tgtEl>
+                                          <p:spTgt spid="4">
+                                            <p:txEl>
+                                              <p:pRg st="3" end="3"/>
+                                            </p:txEl>
+                                          </p:spTgt>
+                                        </p:tgtEl>
+                                        <p:attrNameLst>
+                                          <p:attrName>style.visibility</p:attrName>
+                                        </p:attrNameLst>
+                                      </p:cBhvr>
+                                      <p:to>
+                                        <p:strVal val="visible"/>
+                                      </p:to>
+                                    </p:set>
+                                    <p:animEffect transition="in" filter="randombar(horizontal)">
+                                      <p:cBhvr>
+                                        <p:cTn id="10" dur="500"/>
+                                        <p:tgtEl>
+                                          <p:spTgt spid="4">
+                                            <p:txEl>
+                                              <p:pRg st="3" end="3"/>
+                                            </p:txEl>
+                                          </p:spTgt>
+                                        </p:tgtEl>
+                                      </p:cBhvr>
+                                    </p:animEffect>
+                                  </p:childTnLst>
+                                </p:cTn>
+                              </p:par>
+                              <p:par>
+                                <p:cTn id="11" presetID="14" presetClass="entr" presetSubtype="10" fill="hold" nodeType="withEffect">
+                                  <p:stCondLst>
+                                    <p:cond delay="0"/>
+                                  </p:stCondLst>
+                                  <p:childTnLst>
+                                    <p:set>
+                                      <p:cBhvr>
+                                        <p:cTn id="12" dur="1" fill="hold">
+                                          <p:stCondLst>
+                                            <p:cond delay="0"/>
+                                          </p:stCondLst>
+                                        </p:cTn>
+                                        <p:tgtEl>
+                                          <p:spTgt spid="4">
+                                            <p:txEl>
+                                              <p:pRg st="4" end="4"/>
+                                            </p:txEl>
+                                          </p:spTgt>
+                                        </p:tgtEl>
+                                        <p:attrNameLst>
+                                          <p:attrName>style.visibility</p:attrName>
+                                        </p:attrNameLst>
+                                      </p:cBhvr>
+                                      <p:to>
+                                        <p:strVal val="visible"/>
+                                      </p:to>
+                                    </p:set>
+                                    <p:animEffect transition="in" filter="randombar(horizontal)">
+                                      <p:cBhvr>
+                                        <p:cTn id="13" dur="500"/>
+                                        <p:tgtEl>
+                                          <p:spTgt spid="4">
+                                            <p:txEl>
+                                              <p:pRg st="4" end="4"/>
+                                            </p:txEl>
+                                          </p:spTgt>
+                                        </p:tgtEl>
+                                      </p:cBhvr>
+                                    </p:animEffect>
+                                  </p:childTnLst>
+                                </p:cTn>
+                              </p:par>
+                              <p:par>
+                                <p:cTn id="14" presetID="14" presetClass="entr" presetSubtype="10" fill="hold" nodeType="withEffect">
+                                  <p:stCondLst>
+                                    <p:cond delay="0"/>
+                                  </p:stCondLst>
+                                  <p:childTnLst>
+                                    <p:set>
+                                      <p:cBhvr>
+                                        <p:cTn id="15" dur="1" fill="hold">
+                                          <p:stCondLst>
+                                            <p:cond delay="0"/>
+                                          </p:stCondLst>
+                                        </p:cTn>
+                                        <p:tgtEl>
+                                          <p:spTgt spid="4">
+                                            <p:txEl>
+                                              <p:pRg st="5" end="5"/>
+                                            </p:txEl>
+                                          </p:spTgt>
+                                        </p:tgtEl>
+                                        <p:attrNameLst>
+                                          <p:attrName>style.visibility</p:attrName>
+                                        </p:attrNameLst>
+                                      </p:cBhvr>
+                                      <p:to>
+                                        <p:strVal val="visible"/>
+                                      </p:to>
+                                    </p:set>
+                                    <p:animEffect transition="in" filter="randombar(horizontal)">
+                                      <p:cBhvr>
+                                        <p:cTn id="16" dur="500"/>
+                                        <p:tgtEl>
+                                          <p:spTgt spid="4">
+                                            <p:txEl>
+                                              <p:pRg st="5" end="5"/>
+                                            </p:txEl>
+                                          </p:spTgt>
+                                        </p:tgtEl>
+                                      </p:cBhvr>
+                                    </p:animEffect>
+                                  </p:childTnLst>
+                                </p:cTn>
+                              </p:par>
+                            </p:childTnLst>
+                          </p:cTn>
+                        </p:par>
+                      </p:childTnLst>
+                    </p:cTn>
+                  </p:par>
+                </p:childTnLst>
+              </p:cTn>
+              <p:prevCondLst>
+                <p:cond evt="onPrev" delay="0">
+                  <p:tgtEl>
+                    <p:sldTgt/>
+                  </p:tgtEl>
+                </p:cond>
+              </p:prevCondLst>
+              <p:nextCondLst>
+                <p:cond evt="onNext" delay="0">
+                  <p:tgtEl>
+                    <p:sldTgt/>
+                  </p:tgtEl>
+                </p:cond>
+              </p:nextCondLst>
+            </p:seq>
+          </p:childTnLst>
+        </p:cTn>
       </p:par>
     </p:tnLst>
   </p:timing>
@@ -11769,7 +12099,21 @@
                 <a:latin typeface="Comic Sans MS" panose="030F0702030302020204" pitchFamily="66" charset="0"/>
                 <a:cs typeface="Consolas" panose="020B0609020204030204" pitchFamily="49" charset="0"/>
               </a:rPr>
-              <a:t>The kernels are called by using a C/C++ API</a:t>
+              <a:t>The kernels are called </a:t>
+            </a:r>
+            <a:r>
+              <a:rPr lang="en-GB" dirty="0" smtClean="0">
+                <a:latin typeface="Comic Sans MS" panose="030F0702030302020204" pitchFamily="66" charset="0"/>
+                <a:cs typeface="Consolas" panose="020B0609020204030204" pitchFamily="49" charset="0"/>
+              </a:rPr>
+              <a:t>using </a:t>
+            </a:r>
+            <a:r>
+              <a:rPr lang="en-GB" dirty="0" smtClean="0">
+                <a:latin typeface="Comic Sans MS" panose="030F0702030302020204" pitchFamily="66" charset="0"/>
+                <a:cs typeface="Consolas" panose="020B0609020204030204" pitchFamily="49" charset="0"/>
+              </a:rPr>
+              <a:t>a C/C++ API</a:t>
             </a:r>
           </a:p>
           <a:p>
@@ -12052,7 +12396,912 @@
   <p:timing>
     <p:tnLst>
       <p:par>
-        <p:cTn id="1" dur="indefinite" restart="never" nodeType="tmRoot"/>
+        <p:cTn id="1" dur="indefinite" restart="never" nodeType="tmRoot">
+          <p:childTnLst>
+            <p:seq concurrent="1" nextAc="seek">
+              <p:cTn id="2" dur="indefinite" nodeType="mainSeq">
+                <p:childTnLst>
+                  <p:par>
+                    <p:cTn id="3" fill="hold">
+                      <p:stCondLst>
+                        <p:cond delay="indefinite"/>
+                      </p:stCondLst>
+                      <p:childTnLst>
+                        <p:par>
+                          <p:cTn id="4" fill="hold">
+                            <p:stCondLst>
+                              <p:cond delay="0"/>
+                            </p:stCondLst>
+                            <p:childTnLst>
+                              <p:par>
+                                <p:cTn id="5" presetID="2" presetClass="entr" presetSubtype="4" fill="hold" nodeType="clickEffect">
+                                  <p:stCondLst>
+                                    <p:cond delay="0"/>
+                                  </p:stCondLst>
+                                  <p:childTnLst>
+                                    <p:set>
+                                      <p:cBhvr>
+                                        <p:cTn id="6" dur="1" fill="hold">
+                                          <p:stCondLst>
+                                            <p:cond delay="0"/>
+                                          </p:stCondLst>
+                                        </p:cTn>
+                                        <p:tgtEl>
+                                          <p:spTgt spid="4">
+                                            <p:txEl>
+                                              <p:pRg st="1" end="1"/>
+                                            </p:txEl>
+                                          </p:spTgt>
+                                        </p:tgtEl>
+                                        <p:attrNameLst>
+                                          <p:attrName>style.visibility</p:attrName>
+                                        </p:attrNameLst>
+                                      </p:cBhvr>
+                                      <p:to>
+                                        <p:strVal val="visible"/>
+                                      </p:to>
+                                    </p:set>
+                                    <p:anim calcmode="lin" valueType="num">
+                                      <p:cBhvr additive="base">
+                                        <p:cTn id="7" dur="500" fill="hold"/>
+                                        <p:tgtEl>
+                                          <p:spTgt spid="4">
+                                            <p:txEl>
+                                              <p:pRg st="1" end="1"/>
+                                            </p:txEl>
+                                          </p:spTgt>
+                                        </p:tgtEl>
+                                        <p:attrNameLst>
+                                          <p:attrName>ppt_x</p:attrName>
+                                        </p:attrNameLst>
+                                      </p:cBhvr>
+                                      <p:tavLst>
+                                        <p:tav tm="0">
+                                          <p:val>
+                                            <p:strVal val="#ppt_x"/>
+                                          </p:val>
+                                        </p:tav>
+                                        <p:tav tm="100000">
+                                          <p:val>
+                                            <p:strVal val="#ppt_x"/>
+                                          </p:val>
+                                        </p:tav>
+                                      </p:tavLst>
+                                    </p:anim>
+                                    <p:anim calcmode="lin" valueType="num">
+                                      <p:cBhvr additive="base">
+                                        <p:cTn id="8" dur="500" fill="hold"/>
+                                        <p:tgtEl>
+                                          <p:spTgt spid="4">
+                                            <p:txEl>
+                                              <p:pRg st="1" end="1"/>
+                                            </p:txEl>
+                                          </p:spTgt>
+                                        </p:tgtEl>
+                                        <p:attrNameLst>
+                                          <p:attrName>ppt_y</p:attrName>
+                                        </p:attrNameLst>
+                                      </p:cBhvr>
+                                      <p:tavLst>
+                                        <p:tav tm="0">
+                                          <p:val>
+                                            <p:strVal val="1+#ppt_h/2"/>
+                                          </p:val>
+                                        </p:tav>
+                                        <p:tav tm="100000">
+                                          <p:val>
+                                            <p:strVal val="#ppt_y"/>
+                                          </p:val>
+                                        </p:tav>
+                                      </p:tavLst>
+                                    </p:anim>
+                                  </p:childTnLst>
+                                </p:cTn>
+                              </p:par>
+                              <p:par>
+                                <p:cTn id="9" presetID="2" presetClass="entr" presetSubtype="4" fill="hold" nodeType="withEffect">
+                                  <p:stCondLst>
+                                    <p:cond delay="0"/>
+                                  </p:stCondLst>
+                                  <p:childTnLst>
+                                    <p:set>
+                                      <p:cBhvr>
+                                        <p:cTn id="10" dur="1" fill="hold">
+                                          <p:stCondLst>
+                                            <p:cond delay="0"/>
+                                          </p:stCondLst>
+                                        </p:cTn>
+                                        <p:tgtEl>
+                                          <p:spTgt spid="4">
+                                            <p:txEl>
+                                              <p:pRg st="2" end="2"/>
+                                            </p:txEl>
+                                          </p:spTgt>
+                                        </p:tgtEl>
+                                        <p:attrNameLst>
+                                          <p:attrName>style.visibility</p:attrName>
+                                        </p:attrNameLst>
+                                      </p:cBhvr>
+                                      <p:to>
+                                        <p:strVal val="visible"/>
+                                      </p:to>
+                                    </p:set>
+                                    <p:anim calcmode="lin" valueType="num">
+                                      <p:cBhvr additive="base">
+                                        <p:cTn id="11" dur="500" fill="hold"/>
+                                        <p:tgtEl>
+                                          <p:spTgt spid="4">
+                                            <p:txEl>
+                                              <p:pRg st="2" end="2"/>
+                                            </p:txEl>
+                                          </p:spTgt>
+                                        </p:tgtEl>
+                                        <p:attrNameLst>
+                                          <p:attrName>ppt_x</p:attrName>
+                                        </p:attrNameLst>
+                                      </p:cBhvr>
+                                      <p:tavLst>
+                                        <p:tav tm="0">
+                                          <p:val>
+                                            <p:strVal val="#ppt_x"/>
+                                          </p:val>
+                                        </p:tav>
+                                        <p:tav tm="100000">
+                                          <p:val>
+                                            <p:strVal val="#ppt_x"/>
+                                          </p:val>
+                                        </p:tav>
+                                      </p:tavLst>
+                                    </p:anim>
+                                    <p:anim calcmode="lin" valueType="num">
+                                      <p:cBhvr additive="base">
+                                        <p:cTn id="12" dur="500" fill="hold"/>
+                                        <p:tgtEl>
+                                          <p:spTgt spid="4">
+                                            <p:txEl>
+                                              <p:pRg st="2" end="2"/>
+                                            </p:txEl>
+                                          </p:spTgt>
+                                        </p:tgtEl>
+                                        <p:attrNameLst>
+                                          <p:attrName>ppt_y</p:attrName>
+                                        </p:attrNameLst>
+                                      </p:cBhvr>
+                                      <p:tavLst>
+                                        <p:tav tm="0">
+                                          <p:val>
+                                            <p:strVal val="1+#ppt_h/2"/>
+                                          </p:val>
+                                        </p:tav>
+                                        <p:tav tm="100000">
+                                          <p:val>
+                                            <p:strVal val="#ppt_y"/>
+                                          </p:val>
+                                        </p:tav>
+                                      </p:tavLst>
+                                    </p:anim>
+                                  </p:childTnLst>
+                                </p:cTn>
+                              </p:par>
+                            </p:childTnLst>
+                          </p:cTn>
+                        </p:par>
+                      </p:childTnLst>
+                    </p:cTn>
+                  </p:par>
+                  <p:par>
+                    <p:cTn id="13" fill="hold">
+                      <p:stCondLst>
+                        <p:cond delay="indefinite"/>
+                      </p:stCondLst>
+                      <p:childTnLst>
+                        <p:par>
+                          <p:cTn id="14" fill="hold">
+                            <p:stCondLst>
+                              <p:cond delay="0"/>
+                            </p:stCondLst>
+                            <p:childTnLst>
+                              <p:par>
+                                <p:cTn id="15" presetID="2" presetClass="entr" presetSubtype="4" fill="hold" nodeType="clickEffect">
+                                  <p:stCondLst>
+                                    <p:cond delay="0"/>
+                                  </p:stCondLst>
+                                  <p:childTnLst>
+                                    <p:set>
+                                      <p:cBhvr>
+                                        <p:cTn id="16" dur="1" fill="hold">
+                                          <p:stCondLst>
+                                            <p:cond delay="0"/>
+                                          </p:stCondLst>
+                                        </p:cTn>
+                                        <p:tgtEl>
+                                          <p:spTgt spid="4">
+                                            <p:txEl>
+                                              <p:pRg st="3" end="3"/>
+                                            </p:txEl>
+                                          </p:spTgt>
+                                        </p:tgtEl>
+                                        <p:attrNameLst>
+                                          <p:attrName>style.visibility</p:attrName>
+                                        </p:attrNameLst>
+                                      </p:cBhvr>
+                                      <p:to>
+                                        <p:strVal val="visible"/>
+                                      </p:to>
+                                    </p:set>
+                                    <p:anim calcmode="lin" valueType="num">
+                                      <p:cBhvr additive="base">
+                                        <p:cTn id="17" dur="500" fill="hold"/>
+                                        <p:tgtEl>
+                                          <p:spTgt spid="4">
+                                            <p:txEl>
+                                              <p:pRg st="3" end="3"/>
+                                            </p:txEl>
+                                          </p:spTgt>
+                                        </p:tgtEl>
+                                        <p:attrNameLst>
+                                          <p:attrName>ppt_x</p:attrName>
+                                        </p:attrNameLst>
+                                      </p:cBhvr>
+                                      <p:tavLst>
+                                        <p:tav tm="0">
+                                          <p:val>
+                                            <p:strVal val="#ppt_x"/>
+                                          </p:val>
+                                        </p:tav>
+                                        <p:tav tm="100000">
+                                          <p:val>
+                                            <p:strVal val="#ppt_x"/>
+                                          </p:val>
+                                        </p:tav>
+                                      </p:tavLst>
+                                    </p:anim>
+                                    <p:anim calcmode="lin" valueType="num">
+                                      <p:cBhvr additive="base">
+                                        <p:cTn id="18" dur="500" fill="hold"/>
+                                        <p:tgtEl>
+                                          <p:spTgt spid="4">
+                                            <p:txEl>
+                                              <p:pRg st="3" end="3"/>
+                                            </p:txEl>
+                                          </p:spTgt>
+                                        </p:tgtEl>
+                                        <p:attrNameLst>
+                                          <p:attrName>ppt_y</p:attrName>
+                                        </p:attrNameLst>
+                                      </p:cBhvr>
+                                      <p:tavLst>
+                                        <p:tav tm="0">
+                                          <p:val>
+                                            <p:strVal val="1+#ppt_h/2"/>
+                                          </p:val>
+                                        </p:tav>
+                                        <p:tav tm="100000">
+                                          <p:val>
+                                            <p:strVal val="#ppt_y"/>
+                                          </p:val>
+                                        </p:tav>
+                                      </p:tavLst>
+                                    </p:anim>
+                                  </p:childTnLst>
+                                </p:cTn>
+                              </p:par>
+                              <p:par>
+                                <p:cTn id="19" presetID="2" presetClass="entr" presetSubtype="4" fill="hold" nodeType="withEffect">
+                                  <p:stCondLst>
+                                    <p:cond delay="0"/>
+                                  </p:stCondLst>
+                                  <p:childTnLst>
+                                    <p:set>
+                                      <p:cBhvr>
+                                        <p:cTn id="20" dur="1" fill="hold">
+                                          <p:stCondLst>
+                                            <p:cond delay="0"/>
+                                          </p:stCondLst>
+                                        </p:cTn>
+                                        <p:tgtEl>
+                                          <p:spTgt spid="4">
+                                            <p:txEl>
+                                              <p:pRg st="4" end="4"/>
+                                            </p:txEl>
+                                          </p:spTgt>
+                                        </p:tgtEl>
+                                        <p:attrNameLst>
+                                          <p:attrName>style.visibility</p:attrName>
+                                        </p:attrNameLst>
+                                      </p:cBhvr>
+                                      <p:to>
+                                        <p:strVal val="visible"/>
+                                      </p:to>
+                                    </p:set>
+                                    <p:anim calcmode="lin" valueType="num">
+                                      <p:cBhvr additive="base">
+                                        <p:cTn id="21" dur="500" fill="hold"/>
+                                        <p:tgtEl>
+                                          <p:spTgt spid="4">
+                                            <p:txEl>
+                                              <p:pRg st="4" end="4"/>
+                                            </p:txEl>
+                                          </p:spTgt>
+                                        </p:tgtEl>
+                                        <p:attrNameLst>
+                                          <p:attrName>ppt_x</p:attrName>
+                                        </p:attrNameLst>
+                                      </p:cBhvr>
+                                      <p:tavLst>
+                                        <p:tav tm="0">
+                                          <p:val>
+                                            <p:strVal val="#ppt_x"/>
+                                          </p:val>
+                                        </p:tav>
+                                        <p:tav tm="100000">
+                                          <p:val>
+                                            <p:strVal val="#ppt_x"/>
+                                          </p:val>
+                                        </p:tav>
+                                      </p:tavLst>
+                                    </p:anim>
+                                    <p:anim calcmode="lin" valueType="num">
+                                      <p:cBhvr additive="base">
+                                        <p:cTn id="22" dur="500" fill="hold"/>
+                                        <p:tgtEl>
+                                          <p:spTgt spid="4">
+                                            <p:txEl>
+                                              <p:pRg st="4" end="4"/>
+                                            </p:txEl>
+                                          </p:spTgt>
+                                        </p:tgtEl>
+                                        <p:attrNameLst>
+                                          <p:attrName>ppt_y</p:attrName>
+                                        </p:attrNameLst>
+                                      </p:cBhvr>
+                                      <p:tavLst>
+                                        <p:tav tm="0">
+                                          <p:val>
+                                            <p:strVal val="1+#ppt_h/2"/>
+                                          </p:val>
+                                        </p:tav>
+                                        <p:tav tm="100000">
+                                          <p:val>
+                                            <p:strVal val="#ppt_y"/>
+                                          </p:val>
+                                        </p:tav>
+                                      </p:tavLst>
+                                    </p:anim>
+                                  </p:childTnLst>
+                                </p:cTn>
+                              </p:par>
+                              <p:par>
+                                <p:cTn id="23" presetID="2" presetClass="entr" presetSubtype="4" fill="hold" nodeType="withEffect">
+                                  <p:stCondLst>
+                                    <p:cond delay="0"/>
+                                  </p:stCondLst>
+                                  <p:childTnLst>
+                                    <p:set>
+                                      <p:cBhvr>
+                                        <p:cTn id="24" dur="1" fill="hold">
+                                          <p:stCondLst>
+                                            <p:cond delay="0"/>
+                                          </p:stCondLst>
+                                        </p:cTn>
+                                        <p:tgtEl>
+                                          <p:spTgt spid="4">
+                                            <p:txEl>
+                                              <p:pRg st="5" end="5"/>
+                                            </p:txEl>
+                                          </p:spTgt>
+                                        </p:tgtEl>
+                                        <p:attrNameLst>
+                                          <p:attrName>style.visibility</p:attrName>
+                                        </p:attrNameLst>
+                                      </p:cBhvr>
+                                      <p:to>
+                                        <p:strVal val="visible"/>
+                                      </p:to>
+                                    </p:set>
+                                    <p:anim calcmode="lin" valueType="num">
+                                      <p:cBhvr additive="base">
+                                        <p:cTn id="25" dur="500" fill="hold"/>
+                                        <p:tgtEl>
+                                          <p:spTgt spid="4">
+                                            <p:txEl>
+                                              <p:pRg st="5" end="5"/>
+                                            </p:txEl>
+                                          </p:spTgt>
+                                        </p:tgtEl>
+                                        <p:attrNameLst>
+                                          <p:attrName>ppt_x</p:attrName>
+                                        </p:attrNameLst>
+                                      </p:cBhvr>
+                                      <p:tavLst>
+                                        <p:tav tm="0">
+                                          <p:val>
+                                            <p:strVal val="#ppt_x"/>
+                                          </p:val>
+                                        </p:tav>
+                                        <p:tav tm="100000">
+                                          <p:val>
+                                            <p:strVal val="#ppt_x"/>
+                                          </p:val>
+                                        </p:tav>
+                                      </p:tavLst>
+                                    </p:anim>
+                                    <p:anim calcmode="lin" valueType="num">
+                                      <p:cBhvr additive="base">
+                                        <p:cTn id="26" dur="500" fill="hold"/>
+                                        <p:tgtEl>
+                                          <p:spTgt spid="4">
+                                            <p:txEl>
+                                              <p:pRg st="5" end="5"/>
+                                            </p:txEl>
+                                          </p:spTgt>
+                                        </p:tgtEl>
+                                        <p:attrNameLst>
+                                          <p:attrName>ppt_y</p:attrName>
+                                        </p:attrNameLst>
+                                      </p:cBhvr>
+                                      <p:tavLst>
+                                        <p:tav tm="0">
+                                          <p:val>
+                                            <p:strVal val="1+#ppt_h/2"/>
+                                          </p:val>
+                                        </p:tav>
+                                        <p:tav tm="100000">
+                                          <p:val>
+                                            <p:strVal val="#ppt_y"/>
+                                          </p:val>
+                                        </p:tav>
+                                      </p:tavLst>
+                                    </p:anim>
+                                  </p:childTnLst>
+                                </p:cTn>
+                              </p:par>
+                              <p:par>
+                                <p:cTn id="27" presetID="2" presetClass="entr" presetSubtype="4" fill="hold" nodeType="withEffect">
+                                  <p:stCondLst>
+                                    <p:cond delay="0"/>
+                                  </p:stCondLst>
+                                  <p:childTnLst>
+                                    <p:set>
+                                      <p:cBhvr>
+                                        <p:cTn id="28" dur="1" fill="hold">
+                                          <p:stCondLst>
+                                            <p:cond delay="0"/>
+                                          </p:stCondLst>
+                                        </p:cTn>
+                                        <p:tgtEl>
+                                          <p:spTgt spid="4">
+                                            <p:txEl>
+                                              <p:pRg st="6" end="6"/>
+                                            </p:txEl>
+                                          </p:spTgt>
+                                        </p:tgtEl>
+                                        <p:attrNameLst>
+                                          <p:attrName>style.visibility</p:attrName>
+                                        </p:attrNameLst>
+                                      </p:cBhvr>
+                                      <p:to>
+                                        <p:strVal val="visible"/>
+                                      </p:to>
+                                    </p:set>
+                                    <p:anim calcmode="lin" valueType="num">
+                                      <p:cBhvr additive="base">
+                                        <p:cTn id="29" dur="500" fill="hold"/>
+                                        <p:tgtEl>
+                                          <p:spTgt spid="4">
+                                            <p:txEl>
+                                              <p:pRg st="6" end="6"/>
+                                            </p:txEl>
+                                          </p:spTgt>
+                                        </p:tgtEl>
+                                        <p:attrNameLst>
+                                          <p:attrName>ppt_x</p:attrName>
+                                        </p:attrNameLst>
+                                      </p:cBhvr>
+                                      <p:tavLst>
+                                        <p:tav tm="0">
+                                          <p:val>
+                                            <p:strVal val="#ppt_x"/>
+                                          </p:val>
+                                        </p:tav>
+                                        <p:tav tm="100000">
+                                          <p:val>
+                                            <p:strVal val="#ppt_x"/>
+                                          </p:val>
+                                        </p:tav>
+                                      </p:tavLst>
+                                    </p:anim>
+                                    <p:anim calcmode="lin" valueType="num">
+                                      <p:cBhvr additive="base">
+                                        <p:cTn id="30" dur="500" fill="hold"/>
+                                        <p:tgtEl>
+                                          <p:spTgt spid="4">
+                                            <p:txEl>
+                                              <p:pRg st="6" end="6"/>
+                                            </p:txEl>
+                                          </p:spTgt>
+                                        </p:tgtEl>
+                                        <p:attrNameLst>
+                                          <p:attrName>ppt_y</p:attrName>
+                                        </p:attrNameLst>
+                                      </p:cBhvr>
+                                      <p:tavLst>
+                                        <p:tav tm="0">
+                                          <p:val>
+                                            <p:strVal val="1+#ppt_h/2"/>
+                                          </p:val>
+                                        </p:tav>
+                                        <p:tav tm="100000">
+                                          <p:val>
+                                            <p:strVal val="#ppt_y"/>
+                                          </p:val>
+                                        </p:tav>
+                                      </p:tavLst>
+                                    </p:anim>
+                                  </p:childTnLst>
+                                </p:cTn>
+                              </p:par>
+                              <p:par>
+                                <p:cTn id="31" presetID="2" presetClass="entr" presetSubtype="4" fill="hold" nodeType="withEffect">
+                                  <p:stCondLst>
+                                    <p:cond delay="0"/>
+                                  </p:stCondLst>
+                                  <p:childTnLst>
+                                    <p:set>
+                                      <p:cBhvr>
+                                        <p:cTn id="32" dur="1" fill="hold">
+                                          <p:stCondLst>
+                                            <p:cond delay="0"/>
+                                          </p:stCondLst>
+                                        </p:cTn>
+                                        <p:tgtEl>
+                                          <p:spTgt spid="4">
+                                            <p:txEl>
+                                              <p:pRg st="7" end="7"/>
+                                            </p:txEl>
+                                          </p:spTgt>
+                                        </p:tgtEl>
+                                        <p:attrNameLst>
+                                          <p:attrName>style.visibility</p:attrName>
+                                        </p:attrNameLst>
+                                      </p:cBhvr>
+                                      <p:to>
+                                        <p:strVal val="visible"/>
+                                      </p:to>
+                                    </p:set>
+                                    <p:anim calcmode="lin" valueType="num">
+                                      <p:cBhvr additive="base">
+                                        <p:cTn id="33" dur="500" fill="hold"/>
+                                        <p:tgtEl>
+                                          <p:spTgt spid="4">
+                                            <p:txEl>
+                                              <p:pRg st="7" end="7"/>
+                                            </p:txEl>
+                                          </p:spTgt>
+                                        </p:tgtEl>
+                                        <p:attrNameLst>
+                                          <p:attrName>ppt_x</p:attrName>
+                                        </p:attrNameLst>
+                                      </p:cBhvr>
+                                      <p:tavLst>
+                                        <p:tav tm="0">
+                                          <p:val>
+                                            <p:strVal val="#ppt_x"/>
+                                          </p:val>
+                                        </p:tav>
+                                        <p:tav tm="100000">
+                                          <p:val>
+                                            <p:strVal val="#ppt_x"/>
+                                          </p:val>
+                                        </p:tav>
+                                      </p:tavLst>
+                                    </p:anim>
+                                    <p:anim calcmode="lin" valueType="num">
+                                      <p:cBhvr additive="base">
+                                        <p:cTn id="34" dur="500" fill="hold"/>
+                                        <p:tgtEl>
+                                          <p:spTgt spid="4">
+                                            <p:txEl>
+                                              <p:pRg st="7" end="7"/>
+                                            </p:txEl>
+                                          </p:spTgt>
+                                        </p:tgtEl>
+                                        <p:attrNameLst>
+                                          <p:attrName>ppt_y</p:attrName>
+                                        </p:attrNameLst>
+                                      </p:cBhvr>
+                                      <p:tavLst>
+                                        <p:tav tm="0">
+                                          <p:val>
+                                            <p:strVal val="1+#ppt_h/2"/>
+                                          </p:val>
+                                        </p:tav>
+                                        <p:tav tm="100000">
+                                          <p:val>
+                                            <p:strVal val="#ppt_y"/>
+                                          </p:val>
+                                        </p:tav>
+                                      </p:tavLst>
+                                    </p:anim>
+                                  </p:childTnLst>
+                                </p:cTn>
+                              </p:par>
+                              <p:par>
+                                <p:cTn id="35" presetID="2" presetClass="entr" presetSubtype="4" fill="hold" nodeType="withEffect">
+                                  <p:stCondLst>
+                                    <p:cond delay="0"/>
+                                  </p:stCondLst>
+                                  <p:childTnLst>
+                                    <p:set>
+                                      <p:cBhvr>
+                                        <p:cTn id="36" dur="1" fill="hold">
+                                          <p:stCondLst>
+                                            <p:cond delay="0"/>
+                                          </p:stCondLst>
+                                        </p:cTn>
+                                        <p:tgtEl>
+                                          <p:spTgt spid="4">
+                                            <p:txEl>
+                                              <p:pRg st="8" end="8"/>
+                                            </p:txEl>
+                                          </p:spTgt>
+                                        </p:tgtEl>
+                                        <p:attrNameLst>
+                                          <p:attrName>style.visibility</p:attrName>
+                                        </p:attrNameLst>
+                                      </p:cBhvr>
+                                      <p:to>
+                                        <p:strVal val="visible"/>
+                                      </p:to>
+                                    </p:set>
+                                    <p:anim calcmode="lin" valueType="num">
+                                      <p:cBhvr additive="base">
+                                        <p:cTn id="37" dur="500" fill="hold"/>
+                                        <p:tgtEl>
+                                          <p:spTgt spid="4">
+                                            <p:txEl>
+                                              <p:pRg st="8" end="8"/>
+                                            </p:txEl>
+                                          </p:spTgt>
+                                        </p:tgtEl>
+                                        <p:attrNameLst>
+                                          <p:attrName>ppt_x</p:attrName>
+                                        </p:attrNameLst>
+                                      </p:cBhvr>
+                                      <p:tavLst>
+                                        <p:tav tm="0">
+                                          <p:val>
+                                            <p:strVal val="#ppt_x"/>
+                                          </p:val>
+                                        </p:tav>
+                                        <p:tav tm="100000">
+                                          <p:val>
+                                            <p:strVal val="#ppt_x"/>
+                                          </p:val>
+                                        </p:tav>
+                                      </p:tavLst>
+                                    </p:anim>
+                                    <p:anim calcmode="lin" valueType="num">
+                                      <p:cBhvr additive="base">
+                                        <p:cTn id="38" dur="500" fill="hold"/>
+                                        <p:tgtEl>
+                                          <p:spTgt spid="4">
+                                            <p:txEl>
+                                              <p:pRg st="8" end="8"/>
+                                            </p:txEl>
+                                          </p:spTgt>
+                                        </p:tgtEl>
+                                        <p:attrNameLst>
+                                          <p:attrName>ppt_y</p:attrName>
+                                        </p:attrNameLst>
+                                      </p:cBhvr>
+                                      <p:tavLst>
+                                        <p:tav tm="0">
+                                          <p:val>
+                                            <p:strVal val="1+#ppt_h/2"/>
+                                          </p:val>
+                                        </p:tav>
+                                        <p:tav tm="100000">
+                                          <p:val>
+                                            <p:strVal val="#ppt_y"/>
+                                          </p:val>
+                                        </p:tav>
+                                      </p:tavLst>
+                                    </p:anim>
+                                  </p:childTnLst>
+                                </p:cTn>
+                              </p:par>
+                              <p:par>
+                                <p:cTn id="39" presetID="2" presetClass="entr" presetSubtype="4" fill="hold" nodeType="withEffect">
+                                  <p:stCondLst>
+                                    <p:cond delay="0"/>
+                                  </p:stCondLst>
+                                  <p:childTnLst>
+                                    <p:set>
+                                      <p:cBhvr>
+                                        <p:cTn id="40" dur="1" fill="hold">
+                                          <p:stCondLst>
+                                            <p:cond delay="0"/>
+                                          </p:stCondLst>
+                                        </p:cTn>
+                                        <p:tgtEl>
+                                          <p:spTgt spid="4">
+                                            <p:txEl>
+                                              <p:pRg st="9" end="9"/>
+                                            </p:txEl>
+                                          </p:spTgt>
+                                        </p:tgtEl>
+                                        <p:attrNameLst>
+                                          <p:attrName>style.visibility</p:attrName>
+                                        </p:attrNameLst>
+                                      </p:cBhvr>
+                                      <p:to>
+                                        <p:strVal val="visible"/>
+                                      </p:to>
+                                    </p:set>
+                                    <p:anim calcmode="lin" valueType="num">
+                                      <p:cBhvr additive="base">
+                                        <p:cTn id="41" dur="500" fill="hold"/>
+                                        <p:tgtEl>
+                                          <p:spTgt spid="4">
+                                            <p:txEl>
+                                              <p:pRg st="9" end="9"/>
+                                            </p:txEl>
+                                          </p:spTgt>
+                                        </p:tgtEl>
+                                        <p:attrNameLst>
+                                          <p:attrName>ppt_x</p:attrName>
+                                        </p:attrNameLst>
+                                      </p:cBhvr>
+                                      <p:tavLst>
+                                        <p:tav tm="0">
+                                          <p:val>
+                                            <p:strVal val="#ppt_x"/>
+                                          </p:val>
+                                        </p:tav>
+                                        <p:tav tm="100000">
+                                          <p:val>
+                                            <p:strVal val="#ppt_x"/>
+                                          </p:val>
+                                        </p:tav>
+                                      </p:tavLst>
+                                    </p:anim>
+                                    <p:anim calcmode="lin" valueType="num">
+                                      <p:cBhvr additive="base">
+                                        <p:cTn id="42" dur="500" fill="hold"/>
+                                        <p:tgtEl>
+                                          <p:spTgt spid="4">
+                                            <p:txEl>
+                                              <p:pRg st="9" end="9"/>
+                                            </p:txEl>
+                                          </p:spTgt>
+                                        </p:tgtEl>
+                                        <p:attrNameLst>
+                                          <p:attrName>ppt_y</p:attrName>
+                                        </p:attrNameLst>
+                                      </p:cBhvr>
+                                      <p:tavLst>
+                                        <p:tav tm="0">
+                                          <p:val>
+                                            <p:strVal val="1+#ppt_h/2"/>
+                                          </p:val>
+                                        </p:tav>
+                                        <p:tav tm="100000">
+                                          <p:val>
+                                            <p:strVal val="#ppt_y"/>
+                                          </p:val>
+                                        </p:tav>
+                                      </p:tavLst>
+                                    </p:anim>
+                                  </p:childTnLst>
+                                </p:cTn>
+                              </p:par>
+                              <p:par>
+                                <p:cTn id="43" presetID="1" presetClass="entr" presetSubtype="0" fill="hold" nodeType="withEffect">
+                                  <p:stCondLst>
+                                    <p:cond delay="0"/>
+                                  </p:stCondLst>
+                                  <p:childTnLst>
+                                    <p:set>
+                                      <p:cBhvr>
+                                        <p:cTn id="44" dur="1" fill="hold">
+                                          <p:stCondLst>
+                                            <p:cond delay="0"/>
+                                          </p:stCondLst>
+                                        </p:cTn>
+                                        <p:tgtEl>
+                                          <p:spTgt spid="2"/>
+                                        </p:tgtEl>
+                                        <p:attrNameLst>
+                                          <p:attrName>style.visibility</p:attrName>
+                                        </p:attrNameLst>
+                                      </p:cBhvr>
+                                      <p:to>
+                                        <p:strVal val="visible"/>
+                                      </p:to>
+                                    </p:set>
+                                  </p:childTnLst>
+                                </p:cTn>
+                              </p:par>
+                              <p:par>
+                                <p:cTn id="45" presetID="1" presetClass="entr" presetSubtype="0" fill="hold" nodeType="withEffect">
+                                  <p:stCondLst>
+                                    <p:cond delay="0"/>
+                                  </p:stCondLst>
+                                  <p:childTnLst>
+                                    <p:set>
+                                      <p:cBhvr>
+                                        <p:cTn id="46" dur="1" fill="hold">
+                                          <p:stCondLst>
+                                            <p:cond delay="0"/>
+                                          </p:stCondLst>
+                                        </p:cTn>
+                                        <p:tgtEl>
+                                          <p:spTgt spid="6"/>
+                                        </p:tgtEl>
+                                        <p:attrNameLst>
+                                          <p:attrName>style.visibility</p:attrName>
+                                        </p:attrNameLst>
+                                      </p:cBhvr>
+                                      <p:to>
+                                        <p:strVal val="visible"/>
+                                      </p:to>
+                                    </p:set>
+                                  </p:childTnLst>
+                                </p:cTn>
+                              </p:par>
+                              <p:par>
+                                <p:cTn id="47" presetID="1" presetClass="entr" presetSubtype="0" fill="hold" nodeType="withEffect">
+                                  <p:stCondLst>
+                                    <p:cond delay="0"/>
+                                  </p:stCondLst>
+                                  <p:childTnLst>
+                                    <p:set>
+                                      <p:cBhvr>
+                                        <p:cTn id="48" dur="1" fill="hold">
+                                          <p:stCondLst>
+                                            <p:cond delay="0"/>
+                                          </p:stCondLst>
+                                        </p:cTn>
+                                        <p:tgtEl>
+                                          <p:spTgt spid="3"/>
+                                        </p:tgtEl>
+                                        <p:attrNameLst>
+                                          <p:attrName>style.visibility</p:attrName>
+                                        </p:attrNameLst>
+                                      </p:cBhvr>
+                                      <p:to>
+                                        <p:strVal val="visible"/>
+                                      </p:to>
+                                    </p:set>
+                                  </p:childTnLst>
+                                </p:cTn>
+                              </p:par>
+                            </p:childTnLst>
+                          </p:cTn>
+                        </p:par>
+                      </p:childTnLst>
+                    </p:cTn>
+                  </p:par>
+                </p:childTnLst>
+              </p:cTn>
+              <p:prevCondLst>
+                <p:cond evt="onPrev" delay="0">
+                  <p:tgtEl>
+                    <p:sldTgt/>
+                  </p:tgtEl>
+                </p:cond>
+              </p:prevCondLst>
+              <p:nextCondLst>
+                <p:cond evt="onNext" delay="0">
+                  <p:tgtEl>
+                    <p:sldTgt/>
+                  </p:tgtEl>
+                </p:cond>
+              </p:nextCondLst>
+            </p:seq>
+          </p:childTnLst>
+        </p:cTn>
       </p:par>
     </p:tnLst>
   </p:timing>
@@ -12215,58 +13464,65 @@
               <a:buFont typeface="Arial" panose="020B0604020202020204" pitchFamily="34" charset="0"/>
               <a:buChar char="•"/>
             </a:pPr>
-            <a:r>
-              <a:rPr lang="en-GB" dirty="0" smtClean="0">
-                <a:latin typeface="Comic Sans MS" panose="030F0702030302020204" pitchFamily="66" charset="0"/>
-                <a:cs typeface="Consolas" panose="020B0609020204030204" pitchFamily="49" charset="0"/>
-              </a:rPr>
-              <a:t>Each processing element(PE) does </a:t>
-            </a:r>
-            <a:r>
-              <a:rPr lang="en-GB" b="1" dirty="0" smtClean="0">
-                <a:latin typeface="Comic Sans MS" panose="030F0702030302020204" pitchFamily="66" charset="0"/>
-                <a:cs typeface="Consolas" panose="020B0609020204030204" pitchFamily="49" charset="0"/>
-              </a:rPr>
-              <a:t>the</a:t>
-            </a:r>
-            <a:r>
-              <a:rPr lang="en-GB" dirty="0" smtClean="0">
-                <a:latin typeface="Comic Sans MS" panose="030F0702030302020204" pitchFamily="66" charset="0"/>
-                <a:cs typeface="Consolas" panose="020B0609020204030204" pitchFamily="49" charset="0"/>
-              </a:rPr>
-              <a:t> </a:t>
-            </a:r>
-            <a:r>
-              <a:rPr lang="en-GB" b="1" dirty="0" smtClean="0">
-                <a:latin typeface="Comic Sans MS" panose="030F0702030302020204" pitchFamily="66" charset="0"/>
-                <a:cs typeface="Consolas" panose="020B0609020204030204" pitchFamily="49" charset="0"/>
-              </a:rPr>
-              <a:t>same instructions</a:t>
-            </a:r>
-            <a:r>
-              <a:rPr lang="en-GB" dirty="0" smtClean="0">
-                <a:latin typeface="Comic Sans MS" panose="030F0702030302020204" pitchFamily="66" charset="0"/>
-                <a:cs typeface="Consolas" panose="020B0609020204030204" pitchFamily="49" charset="0"/>
-              </a:rPr>
-              <a:t>, but on </a:t>
-            </a:r>
-            <a:r>
-              <a:rPr lang="en-GB" b="1" dirty="0" smtClean="0">
-                <a:latin typeface="Comic Sans MS" panose="030F0702030302020204" pitchFamily="66" charset="0"/>
-                <a:cs typeface="Consolas" panose="020B0609020204030204" pitchFamily="49" charset="0"/>
-              </a:rPr>
-              <a:t>different data(task)</a:t>
-            </a:r>
+            <a:endParaRPr lang="en-GB" dirty="0" smtClean="0">
+              <a:latin typeface="Comic Sans MS" panose="030F0702030302020204" pitchFamily="66" charset="0"/>
+              <a:cs typeface="Consolas" panose="020B0609020204030204" pitchFamily="49" charset="0"/>
+            </a:endParaRPr>
           </a:p>
           <a:p>
             <a:pPr marL="285750" indent="-285750">
               <a:buFont typeface="Arial" panose="020B0604020202020204" pitchFamily="34" charset="0"/>
               <a:buChar char="•"/>
             </a:pPr>
-            <a:endParaRPr lang="en-GB" b="1" dirty="0" smtClean="0">
-              <a:latin typeface="Comic Sans MS" panose="030F0702030302020204" pitchFamily="66" charset="0"/>
-              <a:cs typeface="Consolas" panose="020B0609020204030204" pitchFamily="49" charset="0"/>
-            </a:endParaRPr>
+            <a:r>
+              <a:rPr lang="en-GB" dirty="0" smtClean="0">
+                <a:latin typeface="Comic Sans MS" panose="030F0702030302020204" pitchFamily="66" charset="0"/>
+                <a:cs typeface="Consolas" panose="020B0609020204030204" pitchFamily="49" charset="0"/>
+              </a:rPr>
+              <a:t>Each </a:t>
+            </a:r>
+            <a:r>
+              <a:rPr lang="en-GB" dirty="0" smtClean="0">
+                <a:latin typeface="Comic Sans MS" panose="030F0702030302020204" pitchFamily="66" charset="0"/>
+                <a:cs typeface="Consolas" panose="020B0609020204030204" pitchFamily="49" charset="0"/>
+              </a:rPr>
+              <a:t>processing element(PE) does </a:t>
+            </a:r>
+            <a:r>
+              <a:rPr lang="en-GB" b="1" dirty="0" smtClean="0">
+                <a:latin typeface="Comic Sans MS" panose="030F0702030302020204" pitchFamily="66" charset="0"/>
+                <a:cs typeface="Consolas" panose="020B0609020204030204" pitchFamily="49" charset="0"/>
+              </a:rPr>
+              <a:t>the</a:t>
+            </a:r>
+            <a:r>
+              <a:rPr lang="en-GB" dirty="0" smtClean="0">
+                <a:latin typeface="Comic Sans MS" panose="030F0702030302020204" pitchFamily="66" charset="0"/>
+                <a:cs typeface="Consolas" panose="020B0609020204030204" pitchFamily="49" charset="0"/>
+              </a:rPr>
+              <a:t> </a:t>
+            </a:r>
+            <a:r>
+              <a:rPr lang="en-GB" b="1" dirty="0" smtClean="0">
+                <a:latin typeface="Comic Sans MS" panose="030F0702030302020204" pitchFamily="66" charset="0"/>
+                <a:cs typeface="Consolas" panose="020B0609020204030204" pitchFamily="49" charset="0"/>
+              </a:rPr>
+              <a:t>same instructions</a:t>
+            </a:r>
+            <a:r>
+              <a:rPr lang="en-GB" dirty="0" smtClean="0">
+                <a:latin typeface="Comic Sans MS" panose="030F0702030302020204" pitchFamily="66" charset="0"/>
+                <a:cs typeface="Consolas" panose="020B0609020204030204" pitchFamily="49" charset="0"/>
+              </a:rPr>
+              <a:t>, but on </a:t>
+            </a:r>
+            <a:r>
+              <a:rPr lang="en-GB" b="1" dirty="0" smtClean="0">
+                <a:latin typeface="Comic Sans MS" panose="030F0702030302020204" pitchFamily="66" charset="0"/>
+                <a:cs typeface="Consolas" panose="020B0609020204030204" pitchFamily="49" charset="0"/>
+              </a:rPr>
+              <a:t>different data(task)</a:t>
+            </a:r>
           </a:p>
           <a:p>
             <a:pPr marL="285750" indent="-285750">
@@ -12278,7 +13534,14 @@
                 <a:latin typeface="Comic Sans MS" panose="030F0702030302020204" pitchFamily="66" charset="0"/>
                 <a:cs typeface="Consolas" panose="020B0609020204030204" pitchFamily="49" charset="0"/>
               </a:rPr>
-              <a:t>Not everything translates well to </a:t>
+              <a:t>Not </a:t>
+            </a:r>
+            <a:r>
+              <a:rPr lang="en-GB" dirty="0" smtClean="0">
+                <a:latin typeface="Comic Sans MS" panose="030F0702030302020204" pitchFamily="66" charset="0"/>
+                <a:cs typeface="Consolas" panose="020B0609020204030204" pitchFamily="49" charset="0"/>
+              </a:rPr>
+              <a:t>everything translates well to </a:t>
             </a:r>
             <a:r>
               <a:rPr lang="en-GB" dirty="0" err="1" smtClean="0">
@@ -12344,7 +13607,134 @@
   <p:timing>
     <p:tnLst>
       <p:par>
-        <p:cTn id="1" dur="indefinite" restart="never" nodeType="tmRoot"/>
+        <p:cTn id="1" dur="indefinite" restart="never" nodeType="tmRoot">
+          <p:childTnLst>
+            <p:seq concurrent="1" nextAc="seek">
+              <p:cTn id="2" dur="indefinite" nodeType="mainSeq">
+                <p:childTnLst>
+                  <p:par>
+                    <p:cTn id="3" fill="hold">
+                      <p:stCondLst>
+                        <p:cond delay="indefinite"/>
+                      </p:stCondLst>
+                      <p:childTnLst>
+                        <p:par>
+                          <p:cTn id="4" fill="hold">
+                            <p:stCondLst>
+                              <p:cond delay="0"/>
+                            </p:stCondLst>
+                            <p:childTnLst>
+                              <p:par>
+                                <p:cTn id="5" presetID="14" presetClass="entr" presetSubtype="10" fill="hold" nodeType="clickEffect">
+                                  <p:stCondLst>
+                                    <p:cond delay="0"/>
+                                  </p:stCondLst>
+                                  <p:childTnLst>
+                                    <p:set>
+                                      <p:cBhvr>
+                                        <p:cTn id="6" dur="1" fill="hold">
+                                          <p:stCondLst>
+                                            <p:cond delay="0"/>
+                                          </p:stCondLst>
+                                        </p:cTn>
+                                        <p:tgtEl>
+                                          <p:spTgt spid="4">
+                                            <p:txEl>
+                                              <p:pRg st="3" end="3"/>
+                                            </p:txEl>
+                                          </p:spTgt>
+                                        </p:tgtEl>
+                                        <p:attrNameLst>
+                                          <p:attrName>style.visibility</p:attrName>
+                                        </p:attrNameLst>
+                                      </p:cBhvr>
+                                      <p:to>
+                                        <p:strVal val="visible"/>
+                                      </p:to>
+                                    </p:set>
+                                    <p:animEffect transition="in" filter="randombar(horizontal)">
+                                      <p:cBhvr>
+                                        <p:cTn id="7" dur="500"/>
+                                        <p:tgtEl>
+                                          <p:spTgt spid="4">
+                                            <p:txEl>
+                                              <p:pRg st="3" end="3"/>
+                                            </p:txEl>
+                                          </p:spTgt>
+                                        </p:tgtEl>
+                                      </p:cBhvr>
+                                    </p:animEffect>
+                                  </p:childTnLst>
+                                </p:cTn>
+                              </p:par>
+                              <p:par>
+                                <p:cTn id="8" presetID="14" presetClass="entr" presetSubtype="10" fill="hold" nodeType="withEffect">
+                                  <p:stCondLst>
+                                    <p:cond delay="0"/>
+                                  </p:stCondLst>
+                                  <p:childTnLst>
+                                    <p:set>
+                                      <p:cBhvr>
+                                        <p:cTn id="9" dur="1" fill="hold">
+                                          <p:stCondLst>
+                                            <p:cond delay="0"/>
+                                          </p:stCondLst>
+                                        </p:cTn>
+                                        <p:tgtEl>
+                                          <p:spTgt spid="4">
+                                            <p:txEl>
+                                              <p:pRg st="4" end="4"/>
+                                            </p:txEl>
+                                          </p:spTgt>
+                                        </p:tgtEl>
+                                        <p:attrNameLst>
+                                          <p:attrName>style.visibility</p:attrName>
+                                        </p:attrNameLst>
+                                      </p:cBhvr>
+                                      <p:to>
+                                        <p:strVal val="visible"/>
+                                      </p:to>
+                                    </p:set>
+                                    <p:animEffect transition="in" filter="randombar(horizontal)">
+                                      <p:cBhvr>
+                                        <p:cTn id="10" dur="500"/>
+                                        <p:tgtEl>
+                                          <p:spTgt spid="4">
+                                            <p:txEl>
+                                              <p:pRg st="4" end="4"/>
+                                            </p:txEl>
+                                          </p:spTgt>
+                                        </p:tgtEl>
+                                      </p:cBhvr>
+                                    </p:animEffect>
+                                  </p:childTnLst>
+                                </p:cTn>
+                              </p:par>
+                            </p:childTnLst>
+                          </p:cTn>
+                        </p:par>
+                      </p:childTnLst>
+                    </p:cTn>
+                  </p:par>
+                </p:childTnLst>
+              </p:cTn>
+              <p:prevCondLst>
+                <p:cond evt="onPrev" delay="0">
+                  <p:tgtEl>
+                    <p:sldTgt/>
+                  </p:tgtEl>
+                </p:cond>
+              </p:prevCondLst>
+              <p:nextCondLst>
+                <p:cond evt="onNext" delay="0">
+                  <p:tgtEl>
+                    <p:sldTgt/>
+                  </p:tgtEl>
+                </p:cond>
+              </p:nextCondLst>
+            </p:seq>
+          </p:childTnLst>
+        </p:cTn>
       </p:par>
     </p:tnLst>
   </p:timing>
@@ -17220,7 +18610,643 @@
   <p:timing>
     <p:tnLst>
       <p:par>
-        <p:cTn id="1" dur="indefinite" restart="never" nodeType="tmRoot"/>
+        <p:cTn id="1" dur="indefinite" restart="never" nodeType="tmRoot">
+          <p:childTnLst>
+            <p:seq concurrent="1" nextAc="seek">
+              <p:cTn id="2" dur="indefinite" nodeType="mainSeq">
+                <p:childTnLst>
+                  <p:par>
+                    <p:cTn id="3" fill="hold">
+                      <p:stCondLst>
+                        <p:cond delay="indefinite"/>
+                      </p:stCondLst>
+                      <p:childTnLst>
+                        <p:par>
+                          <p:cTn id="4" fill="hold">
+                            <p:stCondLst>
+                              <p:cond delay="0"/>
+                            </p:stCondLst>
+                            <p:childTnLst>
+                              <p:par>
+                                <p:cTn id="5" presetID="2" presetClass="entr" presetSubtype="4" fill="hold" nodeType="clickEffect">
+                                  <p:stCondLst>
+                                    <p:cond delay="0"/>
+                                  </p:stCondLst>
+                                  <p:childTnLst>
+                                    <p:set>
+                                      <p:cBhvr>
+                                        <p:cTn id="6" dur="1" fill="hold">
+                                          <p:stCondLst>
+                                            <p:cond delay="0"/>
+                                          </p:stCondLst>
+                                        </p:cTn>
+                                        <p:tgtEl>
+                                          <p:spTgt spid="4">
+                                            <p:txEl>
+                                              <p:pRg st="5" end="5"/>
+                                            </p:txEl>
+                                          </p:spTgt>
+                                        </p:tgtEl>
+                                        <p:attrNameLst>
+                                          <p:attrName>style.visibility</p:attrName>
+                                        </p:attrNameLst>
+                                      </p:cBhvr>
+                                      <p:to>
+                                        <p:strVal val="visible"/>
+                                      </p:to>
+                                    </p:set>
+                                    <p:anim calcmode="lin" valueType="num">
+                                      <p:cBhvr additive="base">
+                                        <p:cTn id="7" dur="500" fill="hold"/>
+                                        <p:tgtEl>
+                                          <p:spTgt spid="4">
+                                            <p:txEl>
+                                              <p:pRg st="5" end="5"/>
+                                            </p:txEl>
+                                          </p:spTgt>
+                                        </p:tgtEl>
+                                        <p:attrNameLst>
+                                          <p:attrName>ppt_x</p:attrName>
+                                        </p:attrNameLst>
+                                      </p:cBhvr>
+                                      <p:tavLst>
+                                        <p:tav tm="0">
+                                          <p:val>
+                                            <p:strVal val="#ppt_x"/>
+                                          </p:val>
+                                        </p:tav>
+                                        <p:tav tm="100000">
+                                          <p:val>
+                                            <p:strVal val="#ppt_x"/>
+                                          </p:val>
+                                        </p:tav>
+                                      </p:tavLst>
+                                    </p:anim>
+                                    <p:anim calcmode="lin" valueType="num">
+                                      <p:cBhvr additive="base">
+                                        <p:cTn id="8" dur="500" fill="hold"/>
+                                        <p:tgtEl>
+                                          <p:spTgt spid="4">
+                                            <p:txEl>
+                                              <p:pRg st="5" end="5"/>
+                                            </p:txEl>
+                                          </p:spTgt>
+                                        </p:tgtEl>
+                                        <p:attrNameLst>
+                                          <p:attrName>ppt_y</p:attrName>
+                                        </p:attrNameLst>
+                                      </p:cBhvr>
+                                      <p:tavLst>
+                                        <p:tav tm="0">
+                                          <p:val>
+                                            <p:strVal val="1+#ppt_h/2"/>
+                                          </p:val>
+                                        </p:tav>
+                                        <p:tav tm="100000">
+                                          <p:val>
+                                            <p:strVal val="#ppt_y"/>
+                                          </p:val>
+                                        </p:tav>
+                                      </p:tavLst>
+                                    </p:anim>
+                                  </p:childTnLst>
+                                </p:cTn>
+                              </p:par>
+                              <p:par>
+                                <p:cTn id="9" presetID="2" presetClass="entr" presetSubtype="4" fill="hold" nodeType="withEffect">
+                                  <p:stCondLst>
+                                    <p:cond delay="0"/>
+                                  </p:stCondLst>
+                                  <p:childTnLst>
+                                    <p:set>
+                                      <p:cBhvr>
+                                        <p:cTn id="10" dur="1" fill="hold">
+                                          <p:stCondLst>
+                                            <p:cond delay="0"/>
+                                          </p:stCondLst>
+                                        </p:cTn>
+                                        <p:tgtEl>
+                                          <p:spTgt spid="4">
+                                            <p:txEl>
+                                              <p:pRg st="6" end="6"/>
+                                            </p:txEl>
+                                          </p:spTgt>
+                                        </p:tgtEl>
+                                        <p:attrNameLst>
+                                          <p:attrName>style.visibility</p:attrName>
+                                        </p:attrNameLst>
+                                      </p:cBhvr>
+                                      <p:to>
+                                        <p:strVal val="visible"/>
+                                      </p:to>
+                                    </p:set>
+                                    <p:anim calcmode="lin" valueType="num">
+                                      <p:cBhvr additive="base">
+                                        <p:cTn id="11" dur="500" fill="hold"/>
+                                        <p:tgtEl>
+                                          <p:spTgt spid="4">
+                                            <p:txEl>
+                                              <p:pRg st="6" end="6"/>
+                                            </p:txEl>
+                                          </p:spTgt>
+                                        </p:tgtEl>
+                                        <p:attrNameLst>
+                                          <p:attrName>ppt_x</p:attrName>
+                                        </p:attrNameLst>
+                                      </p:cBhvr>
+                                      <p:tavLst>
+                                        <p:tav tm="0">
+                                          <p:val>
+                                            <p:strVal val="#ppt_x"/>
+                                          </p:val>
+                                        </p:tav>
+                                        <p:tav tm="100000">
+                                          <p:val>
+                                            <p:strVal val="#ppt_x"/>
+                                          </p:val>
+                                        </p:tav>
+                                      </p:tavLst>
+                                    </p:anim>
+                                    <p:anim calcmode="lin" valueType="num">
+                                      <p:cBhvr additive="base">
+                                        <p:cTn id="12" dur="500" fill="hold"/>
+                                        <p:tgtEl>
+                                          <p:spTgt spid="4">
+                                            <p:txEl>
+                                              <p:pRg st="6" end="6"/>
+                                            </p:txEl>
+                                          </p:spTgt>
+                                        </p:tgtEl>
+                                        <p:attrNameLst>
+                                          <p:attrName>ppt_y</p:attrName>
+                                        </p:attrNameLst>
+                                      </p:cBhvr>
+                                      <p:tavLst>
+                                        <p:tav tm="0">
+                                          <p:val>
+                                            <p:strVal val="1+#ppt_h/2"/>
+                                          </p:val>
+                                        </p:tav>
+                                        <p:tav tm="100000">
+                                          <p:val>
+                                            <p:strVal val="#ppt_y"/>
+                                          </p:val>
+                                        </p:tav>
+                                      </p:tavLst>
+                                    </p:anim>
+                                  </p:childTnLst>
+                                </p:cTn>
+                              </p:par>
+                              <p:par>
+                                <p:cTn id="13" presetID="2" presetClass="entr" presetSubtype="4" fill="hold" nodeType="withEffect">
+                                  <p:stCondLst>
+                                    <p:cond delay="0"/>
+                                  </p:stCondLst>
+                                  <p:childTnLst>
+                                    <p:set>
+                                      <p:cBhvr>
+                                        <p:cTn id="14" dur="1" fill="hold">
+                                          <p:stCondLst>
+                                            <p:cond delay="0"/>
+                                          </p:stCondLst>
+                                        </p:cTn>
+                                        <p:tgtEl>
+                                          <p:spTgt spid="4">
+                                            <p:txEl>
+                                              <p:pRg st="7" end="7"/>
+                                            </p:txEl>
+                                          </p:spTgt>
+                                        </p:tgtEl>
+                                        <p:attrNameLst>
+                                          <p:attrName>style.visibility</p:attrName>
+                                        </p:attrNameLst>
+                                      </p:cBhvr>
+                                      <p:to>
+                                        <p:strVal val="visible"/>
+                                      </p:to>
+                                    </p:set>
+                                    <p:anim calcmode="lin" valueType="num">
+                                      <p:cBhvr additive="base">
+                                        <p:cTn id="15" dur="500" fill="hold"/>
+                                        <p:tgtEl>
+                                          <p:spTgt spid="4">
+                                            <p:txEl>
+                                              <p:pRg st="7" end="7"/>
+                                            </p:txEl>
+                                          </p:spTgt>
+                                        </p:tgtEl>
+                                        <p:attrNameLst>
+                                          <p:attrName>ppt_x</p:attrName>
+                                        </p:attrNameLst>
+                                      </p:cBhvr>
+                                      <p:tavLst>
+                                        <p:tav tm="0">
+                                          <p:val>
+                                            <p:strVal val="#ppt_x"/>
+                                          </p:val>
+                                        </p:tav>
+                                        <p:tav tm="100000">
+                                          <p:val>
+                                            <p:strVal val="#ppt_x"/>
+                                          </p:val>
+                                        </p:tav>
+                                      </p:tavLst>
+                                    </p:anim>
+                                    <p:anim calcmode="lin" valueType="num">
+                                      <p:cBhvr additive="base">
+                                        <p:cTn id="16" dur="500" fill="hold"/>
+                                        <p:tgtEl>
+                                          <p:spTgt spid="4">
+                                            <p:txEl>
+                                              <p:pRg st="7" end="7"/>
+                                            </p:txEl>
+                                          </p:spTgt>
+                                        </p:tgtEl>
+                                        <p:attrNameLst>
+                                          <p:attrName>ppt_y</p:attrName>
+                                        </p:attrNameLst>
+                                      </p:cBhvr>
+                                      <p:tavLst>
+                                        <p:tav tm="0">
+                                          <p:val>
+                                            <p:strVal val="1+#ppt_h/2"/>
+                                          </p:val>
+                                        </p:tav>
+                                        <p:tav tm="100000">
+                                          <p:val>
+                                            <p:strVal val="#ppt_y"/>
+                                          </p:val>
+                                        </p:tav>
+                                      </p:tavLst>
+                                    </p:anim>
+                                  </p:childTnLst>
+                                </p:cTn>
+                              </p:par>
+                              <p:par>
+                                <p:cTn id="17" presetID="2" presetClass="entr" presetSubtype="4" fill="hold" nodeType="withEffect">
+                                  <p:stCondLst>
+                                    <p:cond delay="0"/>
+                                  </p:stCondLst>
+                                  <p:childTnLst>
+                                    <p:set>
+                                      <p:cBhvr>
+                                        <p:cTn id="18" dur="1" fill="hold">
+                                          <p:stCondLst>
+                                            <p:cond delay="0"/>
+                                          </p:stCondLst>
+                                        </p:cTn>
+                                        <p:tgtEl>
+                                          <p:spTgt spid="4">
+                                            <p:txEl>
+                                              <p:pRg st="8" end="8"/>
+                                            </p:txEl>
+                                          </p:spTgt>
+                                        </p:tgtEl>
+                                        <p:attrNameLst>
+                                          <p:attrName>style.visibility</p:attrName>
+                                        </p:attrNameLst>
+                                      </p:cBhvr>
+                                      <p:to>
+                                        <p:strVal val="visible"/>
+                                      </p:to>
+                                    </p:set>
+                                    <p:anim calcmode="lin" valueType="num">
+                                      <p:cBhvr additive="base">
+                                        <p:cTn id="19" dur="500" fill="hold"/>
+                                        <p:tgtEl>
+                                          <p:spTgt spid="4">
+                                            <p:txEl>
+                                              <p:pRg st="8" end="8"/>
+                                            </p:txEl>
+                                          </p:spTgt>
+                                        </p:tgtEl>
+                                        <p:attrNameLst>
+                                          <p:attrName>ppt_x</p:attrName>
+                                        </p:attrNameLst>
+                                      </p:cBhvr>
+                                      <p:tavLst>
+                                        <p:tav tm="0">
+                                          <p:val>
+                                            <p:strVal val="#ppt_x"/>
+                                          </p:val>
+                                        </p:tav>
+                                        <p:tav tm="100000">
+                                          <p:val>
+                                            <p:strVal val="#ppt_x"/>
+                                          </p:val>
+                                        </p:tav>
+                                      </p:tavLst>
+                                    </p:anim>
+                                    <p:anim calcmode="lin" valueType="num">
+                                      <p:cBhvr additive="base">
+                                        <p:cTn id="20" dur="500" fill="hold"/>
+                                        <p:tgtEl>
+                                          <p:spTgt spid="4">
+                                            <p:txEl>
+                                              <p:pRg st="8" end="8"/>
+                                            </p:txEl>
+                                          </p:spTgt>
+                                        </p:tgtEl>
+                                        <p:attrNameLst>
+                                          <p:attrName>ppt_y</p:attrName>
+                                        </p:attrNameLst>
+                                      </p:cBhvr>
+                                      <p:tavLst>
+                                        <p:tav tm="0">
+                                          <p:val>
+                                            <p:strVal val="1+#ppt_h/2"/>
+                                          </p:val>
+                                        </p:tav>
+                                        <p:tav tm="100000">
+                                          <p:val>
+                                            <p:strVal val="#ppt_y"/>
+                                          </p:val>
+                                        </p:tav>
+                                      </p:tavLst>
+                                    </p:anim>
+                                  </p:childTnLst>
+                                </p:cTn>
+                              </p:par>
+                              <p:par>
+                                <p:cTn id="21" presetID="2" presetClass="entr" presetSubtype="4" fill="hold" nodeType="withEffect">
+                                  <p:stCondLst>
+                                    <p:cond delay="0"/>
+                                  </p:stCondLst>
+                                  <p:childTnLst>
+                                    <p:set>
+                                      <p:cBhvr>
+                                        <p:cTn id="22" dur="1" fill="hold">
+                                          <p:stCondLst>
+                                            <p:cond delay="0"/>
+                                          </p:stCondLst>
+                                        </p:cTn>
+                                        <p:tgtEl>
+                                          <p:spTgt spid="4">
+                                            <p:txEl>
+                                              <p:pRg st="9" end="9"/>
+                                            </p:txEl>
+                                          </p:spTgt>
+                                        </p:tgtEl>
+                                        <p:attrNameLst>
+                                          <p:attrName>style.visibility</p:attrName>
+                                        </p:attrNameLst>
+                                      </p:cBhvr>
+                                      <p:to>
+                                        <p:strVal val="visible"/>
+                                      </p:to>
+                                    </p:set>
+                                    <p:anim calcmode="lin" valueType="num">
+                                      <p:cBhvr additive="base">
+                                        <p:cTn id="23" dur="500" fill="hold"/>
+                                        <p:tgtEl>
+                                          <p:spTgt spid="4">
+                                            <p:txEl>
+                                              <p:pRg st="9" end="9"/>
+                                            </p:txEl>
+                                          </p:spTgt>
+                                        </p:tgtEl>
+                                        <p:attrNameLst>
+                                          <p:attrName>ppt_x</p:attrName>
+                                        </p:attrNameLst>
+                                      </p:cBhvr>
+                                      <p:tavLst>
+                                        <p:tav tm="0">
+                                          <p:val>
+                                            <p:strVal val="#ppt_x"/>
+                                          </p:val>
+                                        </p:tav>
+                                        <p:tav tm="100000">
+                                          <p:val>
+                                            <p:strVal val="#ppt_x"/>
+                                          </p:val>
+                                        </p:tav>
+                                      </p:tavLst>
+                                    </p:anim>
+                                    <p:anim calcmode="lin" valueType="num">
+                                      <p:cBhvr additive="base">
+                                        <p:cTn id="24" dur="500" fill="hold"/>
+                                        <p:tgtEl>
+                                          <p:spTgt spid="4">
+                                            <p:txEl>
+                                              <p:pRg st="9" end="9"/>
+                                            </p:txEl>
+                                          </p:spTgt>
+                                        </p:tgtEl>
+                                        <p:attrNameLst>
+                                          <p:attrName>ppt_y</p:attrName>
+                                        </p:attrNameLst>
+                                      </p:cBhvr>
+                                      <p:tavLst>
+                                        <p:tav tm="0">
+                                          <p:val>
+                                            <p:strVal val="1+#ppt_h/2"/>
+                                          </p:val>
+                                        </p:tav>
+                                        <p:tav tm="100000">
+                                          <p:val>
+                                            <p:strVal val="#ppt_y"/>
+                                          </p:val>
+                                        </p:tav>
+                                      </p:tavLst>
+                                    </p:anim>
+                                  </p:childTnLst>
+                                </p:cTn>
+                              </p:par>
+                              <p:par>
+                                <p:cTn id="25" presetID="2" presetClass="entr" presetSubtype="4" fill="hold" nodeType="withEffect">
+                                  <p:stCondLst>
+                                    <p:cond delay="0"/>
+                                  </p:stCondLst>
+                                  <p:childTnLst>
+                                    <p:set>
+                                      <p:cBhvr>
+                                        <p:cTn id="26" dur="1" fill="hold">
+                                          <p:stCondLst>
+                                            <p:cond delay="0"/>
+                                          </p:stCondLst>
+                                        </p:cTn>
+                                        <p:tgtEl>
+                                          <p:spTgt spid="4">
+                                            <p:txEl>
+                                              <p:pRg st="10" end="10"/>
+                                            </p:txEl>
+                                          </p:spTgt>
+                                        </p:tgtEl>
+                                        <p:attrNameLst>
+                                          <p:attrName>style.visibility</p:attrName>
+                                        </p:attrNameLst>
+                                      </p:cBhvr>
+                                      <p:to>
+                                        <p:strVal val="visible"/>
+                                      </p:to>
+                                    </p:set>
+                                    <p:anim calcmode="lin" valueType="num">
+                                      <p:cBhvr additive="base">
+                                        <p:cTn id="27" dur="500" fill="hold"/>
+                                        <p:tgtEl>
+                                          <p:spTgt spid="4">
+                                            <p:txEl>
+                                              <p:pRg st="10" end="10"/>
+                                            </p:txEl>
+                                          </p:spTgt>
+                                        </p:tgtEl>
+                                        <p:attrNameLst>
+                                          <p:attrName>ppt_x</p:attrName>
+                                        </p:attrNameLst>
+                                      </p:cBhvr>
+                                      <p:tavLst>
+                                        <p:tav tm="0">
+                                          <p:val>
+                                            <p:strVal val="#ppt_x"/>
+                                          </p:val>
+                                        </p:tav>
+                                        <p:tav tm="100000">
+                                          <p:val>
+                                            <p:strVal val="#ppt_x"/>
+                                          </p:val>
+                                        </p:tav>
+                                      </p:tavLst>
+                                    </p:anim>
+                                    <p:anim calcmode="lin" valueType="num">
+                                      <p:cBhvr additive="base">
+                                        <p:cTn id="28" dur="500" fill="hold"/>
+                                        <p:tgtEl>
+                                          <p:spTgt spid="4">
+                                            <p:txEl>
+                                              <p:pRg st="10" end="10"/>
+                                            </p:txEl>
+                                          </p:spTgt>
+                                        </p:tgtEl>
+                                        <p:attrNameLst>
+                                          <p:attrName>ppt_y</p:attrName>
+                                        </p:attrNameLst>
+                                      </p:cBhvr>
+                                      <p:tavLst>
+                                        <p:tav tm="0">
+                                          <p:val>
+                                            <p:strVal val="1+#ppt_h/2"/>
+                                          </p:val>
+                                        </p:tav>
+                                        <p:tav tm="100000">
+                                          <p:val>
+                                            <p:strVal val="#ppt_y"/>
+                                          </p:val>
+                                        </p:tav>
+                                      </p:tavLst>
+                                    </p:anim>
+                                  </p:childTnLst>
+                                </p:cTn>
+                              </p:par>
+                              <p:par>
+                                <p:cTn id="29" presetID="2" presetClass="entr" presetSubtype="4" fill="hold" nodeType="withEffect">
+                                  <p:stCondLst>
+                                    <p:cond delay="0"/>
+                                  </p:stCondLst>
+                                  <p:childTnLst>
+                                    <p:set>
+                                      <p:cBhvr>
+                                        <p:cTn id="30" dur="1" fill="hold">
+                                          <p:stCondLst>
+                                            <p:cond delay="0"/>
+                                          </p:stCondLst>
+                                        </p:cTn>
+                                        <p:tgtEl>
+                                          <p:spTgt spid="4">
+                                            <p:txEl>
+                                              <p:pRg st="11" end="11"/>
+                                            </p:txEl>
+                                          </p:spTgt>
+                                        </p:tgtEl>
+                                        <p:attrNameLst>
+                                          <p:attrName>style.visibility</p:attrName>
+                                        </p:attrNameLst>
+                                      </p:cBhvr>
+                                      <p:to>
+                                        <p:strVal val="visible"/>
+                                      </p:to>
+                                    </p:set>
+                                    <p:anim calcmode="lin" valueType="num">
+                                      <p:cBhvr additive="base">
+                                        <p:cTn id="31" dur="500" fill="hold"/>
+                                        <p:tgtEl>
+                                          <p:spTgt spid="4">
+                                            <p:txEl>
+                                              <p:pRg st="11" end="11"/>
+                                            </p:txEl>
+                                          </p:spTgt>
+                                        </p:tgtEl>
+                                        <p:attrNameLst>
+                                          <p:attrName>ppt_x</p:attrName>
+                                        </p:attrNameLst>
+                                      </p:cBhvr>
+                                      <p:tavLst>
+                                        <p:tav tm="0">
+                                          <p:val>
+                                            <p:strVal val="#ppt_x"/>
+                                          </p:val>
+                                        </p:tav>
+                                        <p:tav tm="100000">
+                                          <p:val>
+                                            <p:strVal val="#ppt_x"/>
+                                          </p:val>
+                                        </p:tav>
+                                      </p:tavLst>
+                                    </p:anim>
+                                    <p:anim calcmode="lin" valueType="num">
+                                      <p:cBhvr additive="base">
+                                        <p:cTn id="32" dur="500" fill="hold"/>
+                                        <p:tgtEl>
+                                          <p:spTgt spid="4">
+                                            <p:txEl>
+                                              <p:pRg st="11" end="11"/>
+                                            </p:txEl>
+                                          </p:spTgt>
+                                        </p:tgtEl>
+                                        <p:attrNameLst>
+                                          <p:attrName>ppt_y</p:attrName>
+                                        </p:attrNameLst>
+                                      </p:cBhvr>
+                                      <p:tavLst>
+                                        <p:tav tm="0">
+                                          <p:val>
+                                            <p:strVal val="1+#ppt_h/2"/>
+                                          </p:val>
+                                        </p:tav>
+                                        <p:tav tm="100000">
+                                          <p:val>
+                                            <p:strVal val="#ppt_y"/>
+                                          </p:val>
+                                        </p:tav>
+                                      </p:tavLst>
+                                    </p:anim>
+                                  </p:childTnLst>
+                                </p:cTn>
+                              </p:par>
+                            </p:childTnLst>
+                          </p:cTn>
+                        </p:par>
+                      </p:childTnLst>
+                    </p:cTn>
+                  </p:par>
+                </p:childTnLst>
+              </p:cTn>
+              <p:prevCondLst>
+                <p:cond evt="onPrev" delay="0">
+                  <p:tgtEl>
+                    <p:sldTgt/>
+                  </p:tgtEl>
+                </p:cond>
+              </p:prevCondLst>
+              <p:nextCondLst>
+                <p:cond evt="onNext" delay="0">
+                  <p:tgtEl>
+                    <p:sldTgt/>
+                  </p:tgtEl>
+                </p:cond>
+              </p:nextCondLst>
+            </p:seq>
+          </p:childTnLst>
+        </p:cTn>
       </p:par>
     </p:tnLst>
   </p:timing>
@@ -17291,7 +19317,7 @@
         <p:spPr>
           <a:xfrm>
             <a:off x="563672" y="1691014"/>
-            <a:ext cx="7818328" cy="3970318"/>
+            <a:ext cx="7818328" cy="4247317"/>
           </a:xfrm>
           <a:prstGeom prst="rect">
             <a:avLst/>
@@ -17309,18 +19335,11 @@
               <a:buChar char="•"/>
             </a:pPr>
             <a:r>
-              <a:rPr lang="en-GB" dirty="0">
-                <a:latin typeface="Comic Sans MS" panose="030F0702030302020204" pitchFamily="66" charset="0"/>
-                <a:cs typeface="Consolas" panose="020B0609020204030204" pitchFamily="49" charset="0"/>
-              </a:rPr>
-              <a:t>Free and open </a:t>
-            </a:r>
-            <a:r>
               <a:rPr lang="en-GB" dirty="0" smtClean="0">
                 <a:latin typeface="Comic Sans MS" panose="030F0702030302020204" pitchFamily="66" charset="0"/>
                 <a:cs typeface="Consolas" panose="020B0609020204030204" pitchFamily="49" charset="0"/>
               </a:rPr>
-              <a:t>source</a:t>
+              <a:t>Hardware design framework</a:t>
             </a:r>
           </a:p>
           <a:p>
@@ -17333,6 +19352,33 @@
                 <a:latin typeface="Comic Sans MS" panose="030F0702030302020204" pitchFamily="66" charset="0"/>
                 <a:cs typeface="Consolas" panose="020B0609020204030204" pitchFamily="49" charset="0"/>
               </a:rPr>
+              <a:t>Free </a:t>
+            </a:r>
+            <a:r>
+              <a:rPr lang="en-GB" dirty="0">
+                <a:latin typeface="Comic Sans MS" panose="030F0702030302020204" pitchFamily="66" charset="0"/>
+                <a:cs typeface="Consolas" panose="020B0609020204030204" pitchFamily="49" charset="0"/>
+              </a:rPr>
+              <a:t>and open </a:t>
+            </a:r>
+            <a:r>
+              <a:rPr lang="en-GB" dirty="0" smtClean="0">
+                <a:latin typeface="Comic Sans MS" panose="030F0702030302020204" pitchFamily="66" charset="0"/>
+                <a:cs typeface="Consolas" panose="020B0609020204030204" pitchFamily="49" charset="0"/>
+              </a:rPr>
+              <a:t>source</a:t>
+            </a:r>
+          </a:p>
+          <a:p>
+            <a:pPr marL="285750" indent="-285750">
+              <a:buFont typeface="Arial" panose="020B0604020202020204" pitchFamily="34" charset="0"/>
+              <a:buChar char="•"/>
+            </a:pPr>
+            <a:r>
+              <a:rPr lang="en-GB" dirty="0" smtClean="0">
+                <a:latin typeface="Comic Sans MS" panose="030F0702030302020204" pitchFamily="66" charset="0"/>
+                <a:cs typeface="Consolas" panose="020B0609020204030204" pitchFamily="49" charset="0"/>
+              </a:rPr>
               <a:t>2 </a:t>
             </a:r>
             <a:r>
@@ -17364,7 +19410,7 @@
                 <a:latin typeface="Comic Sans MS" panose="030F0702030302020204" pitchFamily="66" charset="0"/>
                 <a:cs typeface="Consolas" panose="020B0609020204030204" pitchFamily="49" charset="0"/>
               </a:rPr>
-              <a:t>Uses Scala to “reinvent” Verilog</a:t>
+              <a:t>Uses Scala to “reinvent Verilog”</a:t>
             </a:r>
           </a:p>
           <a:p>
@@ -17548,7 +19594,873 @@
   <p:timing>
     <p:tnLst>
       <p:par>
-        <p:cTn id="1" dur="indefinite" restart="never" nodeType="tmRoot"/>
+        <p:cTn id="1" dur="indefinite" restart="never" nodeType="tmRoot">
+          <p:childTnLst>
+            <p:seq concurrent="1" nextAc="seek">
+              <p:cTn id="2" dur="indefinite" nodeType="mainSeq">
+                <p:childTnLst>
+                  <p:par>
+                    <p:cTn id="3" fill="hold">
+                      <p:stCondLst>
+                        <p:cond delay="indefinite"/>
+                      </p:stCondLst>
+                      <p:childTnLst>
+                        <p:par>
+                          <p:cTn id="4" fill="hold">
+                            <p:stCondLst>
+                              <p:cond delay="0"/>
+                            </p:stCondLst>
+                            <p:childTnLst>
+                              <p:par>
+                                <p:cTn id="5" presetID="42" presetClass="entr" presetSubtype="0" fill="hold" nodeType="clickEffect">
+                                  <p:stCondLst>
+                                    <p:cond delay="0"/>
+                                  </p:stCondLst>
+                                  <p:childTnLst>
+                                    <p:set>
+                                      <p:cBhvr>
+                                        <p:cTn id="6" dur="1" fill="hold">
+                                          <p:stCondLst>
+                                            <p:cond delay="0"/>
+                                          </p:stCondLst>
+                                        </p:cTn>
+                                        <p:tgtEl>
+                                          <p:spTgt spid="4">
+                                            <p:txEl>
+                                              <p:pRg st="1" end="1"/>
+                                            </p:txEl>
+                                          </p:spTgt>
+                                        </p:tgtEl>
+                                        <p:attrNameLst>
+                                          <p:attrName>style.visibility</p:attrName>
+                                        </p:attrNameLst>
+                                      </p:cBhvr>
+                                      <p:to>
+                                        <p:strVal val="visible"/>
+                                      </p:to>
+                                    </p:set>
+                                    <p:animEffect transition="in" filter="fade">
+                                      <p:cBhvr>
+                                        <p:cTn id="7" dur="1000"/>
+                                        <p:tgtEl>
+                                          <p:spTgt spid="4">
+                                            <p:txEl>
+                                              <p:pRg st="1" end="1"/>
+                                            </p:txEl>
+                                          </p:spTgt>
+                                        </p:tgtEl>
+                                      </p:cBhvr>
+                                    </p:animEffect>
+                                    <p:anim calcmode="lin" valueType="num">
+                                      <p:cBhvr>
+                                        <p:cTn id="8" dur="1000" fill="hold"/>
+                                        <p:tgtEl>
+                                          <p:spTgt spid="4">
+                                            <p:txEl>
+                                              <p:pRg st="1" end="1"/>
+                                            </p:txEl>
+                                          </p:spTgt>
+                                        </p:tgtEl>
+                                        <p:attrNameLst>
+                                          <p:attrName>ppt_x</p:attrName>
+                                        </p:attrNameLst>
+                                      </p:cBhvr>
+                                      <p:tavLst>
+                                        <p:tav tm="0">
+                                          <p:val>
+                                            <p:strVal val="#ppt_x"/>
+                                          </p:val>
+                                        </p:tav>
+                                        <p:tav tm="100000">
+                                          <p:val>
+                                            <p:strVal val="#ppt_x"/>
+                                          </p:val>
+                                        </p:tav>
+                                      </p:tavLst>
+                                    </p:anim>
+                                    <p:anim calcmode="lin" valueType="num">
+                                      <p:cBhvr>
+                                        <p:cTn id="9" dur="1000" fill="hold"/>
+                                        <p:tgtEl>
+                                          <p:spTgt spid="4">
+                                            <p:txEl>
+                                              <p:pRg st="1" end="1"/>
+                                            </p:txEl>
+                                          </p:spTgt>
+                                        </p:tgtEl>
+                                        <p:attrNameLst>
+                                          <p:attrName>ppt_y</p:attrName>
+                                        </p:attrNameLst>
+                                      </p:cBhvr>
+                                      <p:tavLst>
+                                        <p:tav tm="0">
+                                          <p:val>
+                                            <p:strVal val="#ppt_y+.1"/>
+                                          </p:val>
+                                        </p:tav>
+                                        <p:tav tm="100000">
+                                          <p:val>
+                                            <p:strVal val="#ppt_y"/>
+                                          </p:val>
+                                        </p:tav>
+                                      </p:tavLst>
+                                    </p:anim>
+                                  </p:childTnLst>
+                                </p:cTn>
+                              </p:par>
+                              <p:par>
+                                <p:cTn id="10" presetID="42" presetClass="entr" presetSubtype="0" fill="hold" nodeType="withEffect">
+                                  <p:stCondLst>
+                                    <p:cond delay="0"/>
+                                  </p:stCondLst>
+                                  <p:childTnLst>
+                                    <p:set>
+                                      <p:cBhvr>
+                                        <p:cTn id="11" dur="1" fill="hold">
+                                          <p:stCondLst>
+                                            <p:cond delay="0"/>
+                                          </p:stCondLst>
+                                        </p:cTn>
+                                        <p:tgtEl>
+                                          <p:spTgt spid="4">
+                                            <p:txEl>
+                                              <p:pRg st="2" end="2"/>
+                                            </p:txEl>
+                                          </p:spTgt>
+                                        </p:tgtEl>
+                                        <p:attrNameLst>
+                                          <p:attrName>style.visibility</p:attrName>
+                                        </p:attrNameLst>
+                                      </p:cBhvr>
+                                      <p:to>
+                                        <p:strVal val="visible"/>
+                                      </p:to>
+                                    </p:set>
+                                    <p:animEffect transition="in" filter="fade">
+                                      <p:cBhvr>
+                                        <p:cTn id="12" dur="1000"/>
+                                        <p:tgtEl>
+                                          <p:spTgt spid="4">
+                                            <p:txEl>
+                                              <p:pRg st="2" end="2"/>
+                                            </p:txEl>
+                                          </p:spTgt>
+                                        </p:tgtEl>
+                                      </p:cBhvr>
+                                    </p:animEffect>
+                                    <p:anim calcmode="lin" valueType="num">
+                                      <p:cBhvr>
+                                        <p:cTn id="13" dur="1000" fill="hold"/>
+                                        <p:tgtEl>
+                                          <p:spTgt spid="4">
+                                            <p:txEl>
+                                              <p:pRg st="2" end="2"/>
+                                            </p:txEl>
+                                          </p:spTgt>
+                                        </p:tgtEl>
+                                        <p:attrNameLst>
+                                          <p:attrName>ppt_x</p:attrName>
+                                        </p:attrNameLst>
+                                      </p:cBhvr>
+                                      <p:tavLst>
+                                        <p:tav tm="0">
+                                          <p:val>
+                                            <p:strVal val="#ppt_x"/>
+                                          </p:val>
+                                        </p:tav>
+                                        <p:tav tm="100000">
+                                          <p:val>
+                                            <p:strVal val="#ppt_x"/>
+                                          </p:val>
+                                        </p:tav>
+                                      </p:tavLst>
+                                    </p:anim>
+                                    <p:anim calcmode="lin" valueType="num">
+                                      <p:cBhvr>
+                                        <p:cTn id="14" dur="1000" fill="hold"/>
+                                        <p:tgtEl>
+                                          <p:spTgt spid="4">
+                                            <p:txEl>
+                                              <p:pRg st="2" end="2"/>
+                                            </p:txEl>
+                                          </p:spTgt>
+                                        </p:tgtEl>
+                                        <p:attrNameLst>
+                                          <p:attrName>ppt_y</p:attrName>
+                                        </p:attrNameLst>
+                                      </p:cBhvr>
+                                      <p:tavLst>
+                                        <p:tav tm="0">
+                                          <p:val>
+                                            <p:strVal val="#ppt_y+.1"/>
+                                          </p:val>
+                                        </p:tav>
+                                        <p:tav tm="100000">
+                                          <p:val>
+                                            <p:strVal val="#ppt_y"/>
+                                          </p:val>
+                                        </p:tav>
+                                      </p:tavLst>
+                                    </p:anim>
+                                  </p:childTnLst>
+                                </p:cTn>
+                              </p:par>
+                            </p:childTnLst>
+                          </p:cTn>
+                        </p:par>
+                      </p:childTnLst>
+                    </p:cTn>
+                  </p:par>
+                  <p:par>
+                    <p:cTn id="15" fill="hold">
+                      <p:stCondLst>
+                        <p:cond delay="indefinite"/>
+                      </p:stCondLst>
+                      <p:childTnLst>
+                        <p:par>
+                          <p:cTn id="16" fill="hold">
+                            <p:stCondLst>
+                              <p:cond delay="0"/>
+                            </p:stCondLst>
+                            <p:childTnLst>
+                              <p:par>
+                                <p:cTn id="17" presetID="2" presetClass="entr" presetSubtype="4" fill="hold" nodeType="clickEffect">
+                                  <p:stCondLst>
+                                    <p:cond delay="0"/>
+                                  </p:stCondLst>
+                                  <p:childTnLst>
+                                    <p:set>
+                                      <p:cBhvr>
+                                        <p:cTn id="18" dur="1" fill="hold">
+                                          <p:stCondLst>
+                                            <p:cond delay="0"/>
+                                          </p:stCondLst>
+                                        </p:cTn>
+                                        <p:tgtEl>
+                                          <p:spTgt spid="4">
+                                            <p:txEl>
+                                              <p:pRg st="3" end="3"/>
+                                            </p:txEl>
+                                          </p:spTgt>
+                                        </p:tgtEl>
+                                        <p:attrNameLst>
+                                          <p:attrName>style.visibility</p:attrName>
+                                        </p:attrNameLst>
+                                      </p:cBhvr>
+                                      <p:to>
+                                        <p:strVal val="visible"/>
+                                      </p:to>
+                                    </p:set>
+                                    <p:anim calcmode="lin" valueType="num">
+                                      <p:cBhvr additive="base">
+                                        <p:cTn id="19" dur="500" fill="hold"/>
+                                        <p:tgtEl>
+                                          <p:spTgt spid="4">
+                                            <p:txEl>
+                                              <p:pRg st="3" end="3"/>
+                                            </p:txEl>
+                                          </p:spTgt>
+                                        </p:tgtEl>
+                                        <p:attrNameLst>
+                                          <p:attrName>ppt_x</p:attrName>
+                                        </p:attrNameLst>
+                                      </p:cBhvr>
+                                      <p:tavLst>
+                                        <p:tav tm="0">
+                                          <p:val>
+                                            <p:strVal val="#ppt_x"/>
+                                          </p:val>
+                                        </p:tav>
+                                        <p:tav tm="100000">
+                                          <p:val>
+                                            <p:strVal val="#ppt_x"/>
+                                          </p:val>
+                                        </p:tav>
+                                      </p:tavLst>
+                                    </p:anim>
+                                    <p:anim calcmode="lin" valueType="num">
+                                      <p:cBhvr additive="base">
+                                        <p:cTn id="20" dur="500" fill="hold"/>
+                                        <p:tgtEl>
+                                          <p:spTgt spid="4">
+                                            <p:txEl>
+                                              <p:pRg st="3" end="3"/>
+                                            </p:txEl>
+                                          </p:spTgt>
+                                        </p:tgtEl>
+                                        <p:attrNameLst>
+                                          <p:attrName>ppt_y</p:attrName>
+                                        </p:attrNameLst>
+                                      </p:cBhvr>
+                                      <p:tavLst>
+                                        <p:tav tm="0">
+                                          <p:val>
+                                            <p:strVal val="1+#ppt_h/2"/>
+                                          </p:val>
+                                        </p:tav>
+                                        <p:tav tm="100000">
+                                          <p:val>
+                                            <p:strVal val="#ppt_y"/>
+                                          </p:val>
+                                        </p:tav>
+                                      </p:tavLst>
+                                    </p:anim>
+                                  </p:childTnLst>
+                                </p:cTn>
+                              </p:par>
+                              <p:par>
+                                <p:cTn id="21" presetID="2" presetClass="entr" presetSubtype="4" fill="hold" nodeType="withEffect">
+                                  <p:stCondLst>
+                                    <p:cond delay="0"/>
+                                  </p:stCondLst>
+                                  <p:childTnLst>
+                                    <p:set>
+                                      <p:cBhvr>
+                                        <p:cTn id="22" dur="1" fill="hold">
+                                          <p:stCondLst>
+                                            <p:cond delay="0"/>
+                                          </p:stCondLst>
+                                        </p:cTn>
+                                        <p:tgtEl>
+                                          <p:spTgt spid="4">
+                                            <p:txEl>
+                                              <p:pRg st="4" end="4"/>
+                                            </p:txEl>
+                                          </p:spTgt>
+                                        </p:tgtEl>
+                                        <p:attrNameLst>
+                                          <p:attrName>style.visibility</p:attrName>
+                                        </p:attrNameLst>
+                                      </p:cBhvr>
+                                      <p:to>
+                                        <p:strVal val="visible"/>
+                                      </p:to>
+                                    </p:set>
+                                    <p:anim calcmode="lin" valueType="num">
+                                      <p:cBhvr additive="base">
+                                        <p:cTn id="23" dur="500" fill="hold"/>
+                                        <p:tgtEl>
+                                          <p:spTgt spid="4">
+                                            <p:txEl>
+                                              <p:pRg st="4" end="4"/>
+                                            </p:txEl>
+                                          </p:spTgt>
+                                        </p:tgtEl>
+                                        <p:attrNameLst>
+                                          <p:attrName>ppt_x</p:attrName>
+                                        </p:attrNameLst>
+                                      </p:cBhvr>
+                                      <p:tavLst>
+                                        <p:tav tm="0">
+                                          <p:val>
+                                            <p:strVal val="#ppt_x"/>
+                                          </p:val>
+                                        </p:tav>
+                                        <p:tav tm="100000">
+                                          <p:val>
+                                            <p:strVal val="#ppt_x"/>
+                                          </p:val>
+                                        </p:tav>
+                                      </p:tavLst>
+                                    </p:anim>
+                                    <p:anim calcmode="lin" valueType="num">
+                                      <p:cBhvr additive="base">
+                                        <p:cTn id="24" dur="500" fill="hold"/>
+                                        <p:tgtEl>
+                                          <p:spTgt spid="4">
+                                            <p:txEl>
+                                              <p:pRg st="4" end="4"/>
+                                            </p:txEl>
+                                          </p:spTgt>
+                                        </p:tgtEl>
+                                        <p:attrNameLst>
+                                          <p:attrName>ppt_y</p:attrName>
+                                        </p:attrNameLst>
+                                      </p:cBhvr>
+                                      <p:tavLst>
+                                        <p:tav tm="0">
+                                          <p:val>
+                                            <p:strVal val="1+#ppt_h/2"/>
+                                          </p:val>
+                                        </p:tav>
+                                        <p:tav tm="100000">
+                                          <p:val>
+                                            <p:strVal val="#ppt_y"/>
+                                          </p:val>
+                                        </p:tav>
+                                      </p:tavLst>
+                                    </p:anim>
+                                  </p:childTnLst>
+                                </p:cTn>
+                              </p:par>
+                              <p:par>
+                                <p:cTn id="25" presetID="2" presetClass="entr" presetSubtype="4" fill="hold" nodeType="withEffect">
+                                  <p:stCondLst>
+                                    <p:cond delay="0"/>
+                                  </p:stCondLst>
+                                  <p:childTnLst>
+                                    <p:set>
+                                      <p:cBhvr>
+                                        <p:cTn id="26" dur="1" fill="hold">
+                                          <p:stCondLst>
+                                            <p:cond delay="0"/>
+                                          </p:stCondLst>
+                                        </p:cTn>
+                                        <p:tgtEl>
+                                          <p:spTgt spid="4">
+                                            <p:txEl>
+                                              <p:pRg st="5" end="5"/>
+                                            </p:txEl>
+                                          </p:spTgt>
+                                        </p:tgtEl>
+                                        <p:attrNameLst>
+                                          <p:attrName>style.visibility</p:attrName>
+                                        </p:attrNameLst>
+                                      </p:cBhvr>
+                                      <p:to>
+                                        <p:strVal val="visible"/>
+                                      </p:to>
+                                    </p:set>
+                                    <p:anim calcmode="lin" valueType="num">
+                                      <p:cBhvr additive="base">
+                                        <p:cTn id="27" dur="500" fill="hold"/>
+                                        <p:tgtEl>
+                                          <p:spTgt spid="4">
+                                            <p:txEl>
+                                              <p:pRg st="5" end="5"/>
+                                            </p:txEl>
+                                          </p:spTgt>
+                                        </p:tgtEl>
+                                        <p:attrNameLst>
+                                          <p:attrName>ppt_x</p:attrName>
+                                        </p:attrNameLst>
+                                      </p:cBhvr>
+                                      <p:tavLst>
+                                        <p:tav tm="0">
+                                          <p:val>
+                                            <p:strVal val="#ppt_x"/>
+                                          </p:val>
+                                        </p:tav>
+                                        <p:tav tm="100000">
+                                          <p:val>
+                                            <p:strVal val="#ppt_x"/>
+                                          </p:val>
+                                        </p:tav>
+                                      </p:tavLst>
+                                    </p:anim>
+                                    <p:anim calcmode="lin" valueType="num">
+                                      <p:cBhvr additive="base">
+                                        <p:cTn id="28" dur="500" fill="hold"/>
+                                        <p:tgtEl>
+                                          <p:spTgt spid="4">
+                                            <p:txEl>
+                                              <p:pRg st="5" end="5"/>
+                                            </p:txEl>
+                                          </p:spTgt>
+                                        </p:tgtEl>
+                                        <p:attrNameLst>
+                                          <p:attrName>ppt_y</p:attrName>
+                                        </p:attrNameLst>
+                                      </p:cBhvr>
+                                      <p:tavLst>
+                                        <p:tav tm="0">
+                                          <p:val>
+                                            <p:strVal val="1+#ppt_h/2"/>
+                                          </p:val>
+                                        </p:tav>
+                                        <p:tav tm="100000">
+                                          <p:val>
+                                            <p:strVal val="#ppt_y"/>
+                                          </p:val>
+                                        </p:tav>
+                                      </p:tavLst>
+                                    </p:anim>
+                                  </p:childTnLst>
+                                </p:cTn>
+                              </p:par>
+                              <p:par>
+                                <p:cTn id="29" presetID="2" presetClass="entr" presetSubtype="4" fill="hold" nodeType="withEffect">
+                                  <p:stCondLst>
+                                    <p:cond delay="0"/>
+                                  </p:stCondLst>
+                                  <p:childTnLst>
+                                    <p:set>
+                                      <p:cBhvr>
+                                        <p:cTn id="30" dur="1" fill="hold">
+                                          <p:stCondLst>
+                                            <p:cond delay="0"/>
+                                          </p:stCondLst>
+                                        </p:cTn>
+                                        <p:tgtEl>
+                                          <p:spTgt spid="4">
+                                            <p:txEl>
+                                              <p:pRg st="6" end="6"/>
+                                            </p:txEl>
+                                          </p:spTgt>
+                                        </p:tgtEl>
+                                        <p:attrNameLst>
+                                          <p:attrName>style.visibility</p:attrName>
+                                        </p:attrNameLst>
+                                      </p:cBhvr>
+                                      <p:to>
+                                        <p:strVal val="visible"/>
+                                      </p:to>
+                                    </p:set>
+                                    <p:anim calcmode="lin" valueType="num">
+                                      <p:cBhvr additive="base">
+                                        <p:cTn id="31" dur="500" fill="hold"/>
+                                        <p:tgtEl>
+                                          <p:spTgt spid="4">
+                                            <p:txEl>
+                                              <p:pRg st="6" end="6"/>
+                                            </p:txEl>
+                                          </p:spTgt>
+                                        </p:tgtEl>
+                                        <p:attrNameLst>
+                                          <p:attrName>ppt_x</p:attrName>
+                                        </p:attrNameLst>
+                                      </p:cBhvr>
+                                      <p:tavLst>
+                                        <p:tav tm="0">
+                                          <p:val>
+                                            <p:strVal val="#ppt_x"/>
+                                          </p:val>
+                                        </p:tav>
+                                        <p:tav tm="100000">
+                                          <p:val>
+                                            <p:strVal val="#ppt_x"/>
+                                          </p:val>
+                                        </p:tav>
+                                      </p:tavLst>
+                                    </p:anim>
+                                    <p:anim calcmode="lin" valueType="num">
+                                      <p:cBhvr additive="base">
+                                        <p:cTn id="32" dur="500" fill="hold"/>
+                                        <p:tgtEl>
+                                          <p:spTgt spid="4">
+                                            <p:txEl>
+                                              <p:pRg st="6" end="6"/>
+                                            </p:txEl>
+                                          </p:spTgt>
+                                        </p:tgtEl>
+                                        <p:attrNameLst>
+                                          <p:attrName>ppt_y</p:attrName>
+                                        </p:attrNameLst>
+                                      </p:cBhvr>
+                                      <p:tavLst>
+                                        <p:tav tm="0">
+                                          <p:val>
+                                            <p:strVal val="1+#ppt_h/2"/>
+                                          </p:val>
+                                        </p:tav>
+                                        <p:tav tm="100000">
+                                          <p:val>
+                                            <p:strVal val="#ppt_y"/>
+                                          </p:val>
+                                        </p:tav>
+                                      </p:tavLst>
+                                    </p:anim>
+                                  </p:childTnLst>
+                                </p:cTn>
+                              </p:par>
+                              <p:par>
+                                <p:cTn id="33" presetID="2" presetClass="entr" presetSubtype="4" fill="hold" nodeType="withEffect">
+                                  <p:stCondLst>
+                                    <p:cond delay="0"/>
+                                  </p:stCondLst>
+                                  <p:childTnLst>
+                                    <p:set>
+                                      <p:cBhvr>
+                                        <p:cTn id="34" dur="1" fill="hold">
+                                          <p:stCondLst>
+                                            <p:cond delay="0"/>
+                                          </p:stCondLst>
+                                        </p:cTn>
+                                        <p:tgtEl>
+                                          <p:spTgt spid="4">
+                                            <p:txEl>
+                                              <p:pRg st="7" end="7"/>
+                                            </p:txEl>
+                                          </p:spTgt>
+                                        </p:tgtEl>
+                                        <p:attrNameLst>
+                                          <p:attrName>style.visibility</p:attrName>
+                                        </p:attrNameLst>
+                                      </p:cBhvr>
+                                      <p:to>
+                                        <p:strVal val="visible"/>
+                                      </p:to>
+                                    </p:set>
+                                    <p:anim calcmode="lin" valueType="num">
+                                      <p:cBhvr additive="base">
+                                        <p:cTn id="35" dur="500" fill="hold"/>
+                                        <p:tgtEl>
+                                          <p:spTgt spid="4">
+                                            <p:txEl>
+                                              <p:pRg st="7" end="7"/>
+                                            </p:txEl>
+                                          </p:spTgt>
+                                        </p:tgtEl>
+                                        <p:attrNameLst>
+                                          <p:attrName>ppt_x</p:attrName>
+                                        </p:attrNameLst>
+                                      </p:cBhvr>
+                                      <p:tavLst>
+                                        <p:tav tm="0">
+                                          <p:val>
+                                            <p:strVal val="#ppt_x"/>
+                                          </p:val>
+                                        </p:tav>
+                                        <p:tav tm="100000">
+                                          <p:val>
+                                            <p:strVal val="#ppt_x"/>
+                                          </p:val>
+                                        </p:tav>
+                                      </p:tavLst>
+                                    </p:anim>
+                                    <p:anim calcmode="lin" valueType="num">
+                                      <p:cBhvr additive="base">
+                                        <p:cTn id="36" dur="500" fill="hold"/>
+                                        <p:tgtEl>
+                                          <p:spTgt spid="4">
+                                            <p:txEl>
+                                              <p:pRg st="7" end="7"/>
+                                            </p:txEl>
+                                          </p:spTgt>
+                                        </p:tgtEl>
+                                        <p:attrNameLst>
+                                          <p:attrName>ppt_y</p:attrName>
+                                        </p:attrNameLst>
+                                      </p:cBhvr>
+                                      <p:tavLst>
+                                        <p:tav tm="0">
+                                          <p:val>
+                                            <p:strVal val="1+#ppt_h/2"/>
+                                          </p:val>
+                                        </p:tav>
+                                        <p:tav tm="100000">
+                                          <p:val>
+                                            <p:strVal val="#ppt_y"/>
+                                          </p:val>
+                                        </p:tav>
+                                      </p:tavLst>
+                                    </p:anim>
+                                  </p:childTnLst>
+                                </p:cTn>
+                              </p:par>
+                            </p:childTnLst>
+                          </p:cTn>
+                        </p:par>
+                      </p:childTnLst>
+                    </p:cTn>
+                  </p:par>
+                  <p:par>
+                    <p:cTn id="37" fill="hold">
+                      <p:stCondLst>
+                        <p:cond delay="indefinite"/>
+                      </p:stCondLst>
+                      <p:childTnLst>
+                        <p:par>
+                          <p:cTn id="38" fill="hold">
+                            <p:stCondLst>
+                              <p:cond delay="0"/>
+                            </p:stCondLst>
+                            <p:childTnLst>
+                              <p:par>
+                                <p:cTn id="39" presetID="2" presetClass="entr" presetSubtype="4" fill="hold" nodeType="clickEffect">
+                                  <p:stCondLst>
+                                    <p:cond delay="0"/>
+                                  </p:stCondLst>
+                                  <p:childTnLst>
+                                    <p:set>
+                                      <p:cBhvr>
+                                        <p:cTn id="40" dur="1" fill="hold">
+                                          <p:stCondLst>
+                                            <p:cond delay="0"/>
+                                          </p:stCondLst>
+                                        </p:cTn>
+                                        <p:tgtEl>
+                                          <p:spTgt spid="4">
+                                            <p:txEl>
+                                              <p:pRg st="8" end="8"/>
+                                            </p:txEl>
+                                          </p:spTgt>
+                                        </p:tgtEl>
+                                        <p:attrNameLst>
+                                          <p:attrName>style.visibility</p:attrName>
+                                        </p:attrNameLst>
+                                      </p:cBhvr>
+                                      <p:to>
+                                        <p:strVal val="visible"/>
+                                      </p:to>
+                                    </p:set>
+                                    <p:anim calcmode="lin" valueType="num">
+                                      <p:cBhvr additive="base">
+                                        <p:cTn id="41" dur="500" fill="hold"/>
+                                        <p:tgtEl>
+                                          <p:spTgt spid="4">
+                                            <p:txEl>
+                                              <p:pRg st="8" end="8"/>
+                                            </p:txEl>
+                                          </p:spTgt>
+                                        </p:tgtEl>
+                                        <p:attrNameLst>
+                                          <p:attrName>ppt_x</p:attrName>
+                                        </p:attrNameLst>
+                                      </p:cBhvr>
+                                      <p:tavLst>
+                                        <p:tav tm="0">
+                                          <p:val>
+                                            <p:strVal val="#ppt_x"/>
+                                          </p:val>
+                                        </p:tav>
+                                        <p:tav tm="100000">
+                                          <p:val>
+                                            <p:strVal val="#ppt_x"/>
+                                          </p:val>
+                                        </p:tav>
+                                      </p:tavLst>
+                                    </p:anim>
+                                    <p:anim calcmode="lin" valueType="num">
+                                      <p:cBhvr additive="base">
+                                        <p:cTn id="42" dur="500" fill="hold"/>
+                                        <p:tgtEl>
+                                          <p:spTgt spid="4">
+                                            <p:txEl>
+                                              <p:pRg st="8" end="8"/>
+                                            </p:txEl>
+                                          </p:spTgt>
+                                        </p:tgtEl>
+                                        <p:attrNameLst>
+                                          <p:attrName>ppt_y</p:attrName>
+                                        </p:attrNameLst>
+                                      </p:cBhvr>
+                                      <p:tavLst>
+                                        <p:tav tm="0">
+                                          <p:val>
+                                            <p:strVal val="1+#ppt_h/2"/>
+                                          </p:val>
+                                        </p:tav>
+                                        <p:tav tm="100000">
+                                          <p:val>
+                                            <p:strVal val="#ppt_y"/>
+                                          </p:val>
+                                        </p:tav>
+                                      </p:tavLst>
+                                    </p:anim>
+                                  </p:childTnLst>
+                                </p:cTn>
+                              </p:par>
+                              <p:par>
+                                <p:cTn id="43" presetID="2" presetClass="entr" presetSubtype="4" fill="hold" nodeType="withEffect">
+                                  <p:stCondLst>
+                                    <p:cond delay="0"/>
+                                  </p:stCondLst>
+                                  <p:childTnLst>
+                                    <p:set>
+                                      <p:cBhvr>
+                                        <p:cTn id="44" dur="1" fill="hold">
+                                          <p:stCondLst>
+                                            <p:cond delay="0"/>
+                                          </p:stCondLst>
+                                        </p:cTn>
+                                        <p:tgtEl>
+                                          <p:spTgt spid="4">
+                                            <p:txEl>
+                                              <p:pRg st="12" end="12"/>
+                                            </p:txEl>
+                                          </p:spTgt>
+                                        </p:tgtEl>
+                                        <p:attrNameLst>
+                                          <p:attrName>style.visibility</p:attrName>
+                                        </p:attrNameLst>
+                                      </p:cBhvr>
+                                      <p:to>
+                                        <p:strVal val="visible"/>
+                                      </p:to>
+                                    </p:set>
+                                    <p:anim calcmode="lin" valueType="num">
+                                      <p:cBhvr additive="base">
+                                        <p:cTn id="45" dur="500" fill="hold"/>
+                                        <p:tgtEl>
+                                          <p:spTgt spid="4">
+                                            <p:txEl>
+                                              <p:pRg st="12" end="12"/>
+                                            </p:txEl>
+                                          </p:spTgt>
+                                        </p:tgtEl>
+                                        <p:attrNameLst>
+                                          <p:attrName>ppt_x</p:attrName>
+                                        </p:attrNameLst>
+                                      </p:cBhvr>
+                                      <p:tavLst>
+                                        <p:tav tm="0">
+                                          <p:val>
+                                            <p:strVal val="#ppt_x"/>
+                                          </p:val>
+                                        </p:tav>
+                                        <p:tav tm="100000">
+                                          <p:val>
+                                            <p:strVal val="#ppt_x"/>
+                                          </p:val>
+                                        </p:tav>
+                                      </p:tavLst>
+                                    </p:anim>
+                                    <p:anim calcmode="lin" valueType="num">
+                                      <p:cBhvr additive="base">
+                                        <p:cTn id="46" dur="500" fill="hold"/>
+                                        <p:tgtEl>
+                                          <p:spTgt spid="4">
+                                            <p:txEl>
+                                              <p:pRg st="12" end="12"/>
+                                            </p:txEl>
+                                          </p:spTgt>
+                                        </p:tgtEl>
+                                        <p:attrNameLst>
+                                          <p:attrName>ppt_y</p:attrName>
+                                        </p:attrNameLst>
+                                      </p:cBhvr>
+                                      <p:tavLst>
+                                        <p:tav tm="0">
+                                          <p:val>
+                                            <p:strVal val="1+#ppt_h/2"/>
+                                          </p:val>
+                                        </p:tav>
+                                        <p:tav tm="100000">
+                                          <p:val>
+                                            <p:strVal val="#ppt_y"/>
+                                          </p:val>
+                                        </p:tav>
+                                      </p:tavLst>
+                                    </p:anim>
+                                  </p:childTnLst>
+                                </p:cTn>
+                              </p:par>
+                            </p:childTnLst>
+                          </p:cTn>
+                        </p:par>
+                      </p:childTnLst>
+                    </p:cTn>
+                  </p:par>
+                </p:childTnLst>
+              </p:cTn>
+              <p:prevCondLst>
+                <p:cond evt="onPrev" delay="0">
+                  <p:tgtEl>
+                    <p:sldTgt/>
+                  </p:tgtEl>
+                </p:cond>
+              </p:prevCondLst>
+              <p:nextCondLst>
+                <p:cond evt="onNext" delay="0">
+                  <p:tgtEl>
+                    <p:sldTgt/>
+                  </p:tgtEl>
+                </p:cond>
+              </p:nextCondLst>
+            </p:seq>
+          </p:childTnLst>
+        </p:cTn>
       </p:par>
     </p:tnLst>
   </p:timing>

--- a/ScalaCL_Chissel.pptx
+++ b/ScalaCL_Chissel.pptx
@@ -6526,7 +6526,7 @@
           <a:p>
             <a:fld id="{067803CE-B60F-43EB-9075-5B30E94D311F}" type="datetimeFigureOut">
               <a:rPr lang="en-US" smtClean="0"/>
-              <a:t>7/6/2014</a:t>
+              <a:t>7/10/2014</a:t>
             </a:fld>
             <a:endParaRPr lang="en-US"/>
           </a:p>
@@ -6975,7 +6975,7 @@
           <a:p>
             <a:fld id="{9B6A8A6C-B969-4849-A48A-2FD437CE6A36}" type="datetimeFigureOut">
               <a:rPr lang="en-US" smtClean="0"/>
-              <a:t>7/6/2014</a:t>
+              <a:t>7/10/2014</a:t>
             </a:fld>
             <a:endParaRPr lang="en-US"/>
           </a:p>
@@ -7140,7 +7140,7 @@
           <a:p>
             <a:fld id="{9B6A8A6C-B969-4849-A48A-2FD437CE6A36}" type="datetimeFigureOut">
               <a:rPr lang="en-US" smtClean="0"/>
-              <a:t>7/6/2014</a:t>
+              <a:t>7/10/2014</a:t>
             </a:fld>
             <a:endParaRPr lang="en-US"/>
           </a:p>
@@ -7315,7 +7315,7 @@
           <a:p>
             <a:fld id="{9B6A8A6C-B969-4849-A48A-2FD437CE6A36}" type="datetimeFigureOut">
               <a:rPr lang="en-US" smtClean="0"/>
-              <a:t>7/6/2014</a:t>
+              <a:t>7/10/2014</a:t>
             </a:fld>
             <a:endParaRPr lang="en-US"/>
           </a:p>
@@ -7480,7 +7480,7 @@
           <a:p>
             <a:fld id="{9B6A8A6C-B969-4849-A48A-2FD437CE6A36}" type="datetimeFigureOut">
               <a:rPr lang="en-US" smtClean="0"/>
-              <a:t>7/6/2014</a:t>
+              <a:t>7/10/2014</a:t>
             </a:fld>
             <a:endParaRPr lang="en-US"/>
           </a:p>
@@ -7721,7 +7721,7 @@
           <a:p>
             <a:fld id="{9B6A8A6C-B969-4849-A48A-2FD437CE6A36}" type="datetimeFigureOut">
               <a:rPr lang="en-US" smtClean="0"/>
-              <a:t>7/6/2014</a:t>
+              <a:t>7/10/2014</a:t>
             </a:fld>
             <a:endParaRPr lang="en-US"/>
           </a:p>
@@ -8004,7 +8004,7 @@
           <a:p>
             <a:fld id="{9B6A8A6C-B969-4849-A48A-2FD437CE6A36}" type="datetimeFigureOut">
               <a:rPr lang="en-US" smtClean="0"/>
-              <a:t>7/6/2014</a:t>
+              <a:t>7/10/2014</a:t>
             </a:fld>
             <a:endParaRPr lang="en-US"/>
           </a:p>
@@ -8421,7 +8421,7 @@
           <a:p>
             <a:fld id="{9B6A8A6C-B969-4849-A48A-2FD437CE6A36}" type="datetimeFigureOut">
               <a:rPr lang="en-US" smtClean="0"/>
-              <a:t>7/6/2014</a:t>
+              <a:t>7/10/2014</a:t>
             </a:fld>
             <a:endParaRPr lang="en-US"/>
           </a:p>
@@ -8534,7 +8534,7 @@
           <a:p>
             <a:fld id="{9B6A8A6C-B969-4849-A48A-2FD437CE6A36}" type="datetimeFigureOut">
               <a:rPr lang="en-US" smtClean="0"/>
-              <a:t>7/6/2014</a:t>
+              <a:t>7/10/2014</a:t>
             </a:fld>
             <a:endParaRPr lang="en-US"/>
           </a:p>
@@ -8624,7 +8624,7 @@
           <a:p>
             <a:fld id="{9B6A8A6C-B969-4849-A48A-2FD437CE6A36}" type="datetimeFigureOut">
               <a:rPr lang="en-US" smtClean="0"/>
-              <a:t>7/6/2014</a:t>
+              <a:t>7/10/2014</a:t>
             </a:fld>
             <a:endParaRPr lang="en-US"/>
           </a:p>
@@ -8896,7 +8896,7 @@
           <a:p>
             <a:fld id="{9B6A8A6C-B969-4849-A48A-2FD437CE6A36}" type="datetimeFigureOut">
               <a:rPr lang="en-US" smtClean="0"/>
-              <a:t>7/6/2014</a:t>
+              <a:t>7/10/2014</a:t>
             </a:fld>
             <a:endParaRPr lang="en-US"/>
           </a:p>
@@ -9144,7 +9144,7 @@
           <a:p>
             <a:fld id="{9B6A8A6C-B969-4849-A48A-2FD437CE6A36}" type="datetimeFigureOut">
               <a:rPr lang="en-US" smtClean="0"/>
-              <a:t>7/6/2014</a:t>
+              <a:t>7/10/2014</a:t>
             </a:fld>
             <a:endParaRPr lang="en-US"/>
           </a:p>
@@ -9352,7 +9352,7 @@
           <a:p>
             <a:fld id="{9B6A8A6C-B969-4849-A48A-2FD437CE6A36}" type="datetimeFigureOut">
               <a:rPr lang="en-US" smtClean="0"/>
-              <a:t>7/6/2014</a:t>
+              <a:t>7/10/2014</a:t>
             </a:fld>
             <a:endParaRPr lang="en-US"/>
           </a:p>
@@ -9900,11 +9900,7 @@
             <a:pPr algn="ctr"/>
             <a:r>
               <a:rPr lang="en-GB" dirty="0" err="1" smtClean="0"/>
-              <a:t>Max</a:t>
-            </a:r>
-            <a:r>
-              <a:rPr lang="en-GB" dirty="0" err="1" smtClean="0"/>
-              <a:t>.scala</a:t>
+              <a:t>Max.scala</a:t>
             </a:r>
             <a:r>
               <a:rPr lang="en-GB" dirty="0" smtClean="0"/>
@@ -10429,10 +10425,6 @@
               </a:rPr>
               <a:t>)</a:t>
             </a:r>
-            <a:endParaRPr lang="en-GB" sz="2400" i="1" dirty="0" smtClean="0">
-              <a:latin typeface="Comic Sans MS" panose="030F0702030302020204" pitchFamily="66" charset="0"/>
-              <a:cs typeface="Consolas" panose="020B0609020204030204" pitchFamily="49" charset="0"/>
-            </a:endParaRPr>
           </a:p>
           <a:p>
             <a:pPr marL="742950" lvl="1" indent="-285750">
@@ -11422,14 +11414,7 @@
                 <a:latin typeface="Comic Sans MS" panose="030F0702030302020204" pitchFamily="66" charset="0"/>
                 <a:cs typeface="Consolas" panose="020B0609020204030204" pitchFamily="49" charset="0"/>
               </a:rPr>
-              <a:t>Application Specific </a:t>
-            </a:r>
-            <a:r>
-              <a:rPr lang="en-GB" dirty="0" smtClean="0">
-                <a:latin typeface="Comic Sans MS" panose="030F0702030302020204" pitchFamily="66" charset="0"/>
-                <a:cs typeface="Consolas" panose="020B0609020204030204" pitchFamily="49" charset="0"/>
-              </a:rPr>
-              <a:t>Integrated Circuit – Your own custom microchips</a:t>
+              <a:t>Application Specific Integrated Circuit – Your own custom microchips</a:t>
             </a:r>
           </a:p>
           <a:p>
@@ -11516,6 +11501,66 @@
           </a:p>
         </p:txBody>
       </p:sp>
+      <p:pic>
+        <p:nvPicPr>
+          <p:cNvPr id="2" name="Picture 1"/>
+          <p:cNvPicPr>
+            <a:picLocks noChangeAspect="1"/>
+          </p:cNvPicPr>
+          <p:nvPr/>
+        </p:nvPicPr>
+        <p:blipFill>
+          <a:blip r:embed="rId2">
+            <a:extLst>
+              <a:ext uri="{28A0092B-C50C-407E-A947-70E740481C1C}">
+                <a14:useLocalDpi xmlns:a14="http://schemas.microsoft.com/office/drawing/2010/main" val="0"/>
+              </a:ext>
+            </a:extLst>
+          </a:blip>
+          <a:stretch>
+            <a:fillRect/>
+          </a:stretch>
+        </p:blipFill>
+        <p:spPr>
+          <a:xfrm>
+            <a:off x="4823799" y="3999338"/>
+            <a:ext cx="3040635" cy="2478363"/>
+          </a:xfrm>
+          <a:prstGeom prst="rect">
+            <a:avLst/>
+          </a:prstGeom>
+        </p:spPr>
+      </p:pic>
+      <p:pic>
+        <p:nvPicPr>
+          <p:cNvPr id="3" name="Picture 2"/>
+          <p:cNvPicPr>
+            <a:picLocks noChangeAspect="1"/>
+          </p:cNvPicPr>
+          <p:nvPr/>
+        </p:nvPicPr>
+        <p:blipFill>
+          <a:blip r:embed="rId3">
+            <a:extLst>
+              <a:ext uri="{28A0092B-C50C-407E-A947-70E740481C1C}">
+                <a14:useLocalDpi xmlns:a14="http://schemas.microsoft.com/office/drawing/2010/main" val="0"/>
+              </a:ext>
+            </a:extLst>
+          </a:blip>
+          <a:stretch>
+            <a:fillRect/>
+          </a:stretch>
+        </p:blipFill>
+        <p:spPr>
+          <a:xfrm>
+            <a:off x="838200" y="3809188"/>
+            <a:ext cx="2858662" cy="2858662"/>
+          </a:xfrm>
+          <a:prstGeom prst="rect">
+            <a:avLst/>
+          </a:prstGeom>
+        </p:spPr>
+      </p:pic>
     </p:spTree>
     <p:extLst>
       <p:ext uri="{BB962C8B-B14F-4D97-AF65-F5344CB8AC3E}">
@@ -12099,21 +12144,7 @@
                 <a:latin typeface="Comic Sans MS" panose="030F0702030302020204" pitchFamily="66" charset="0"/>
                 <a:cs typeface="Consolas" panose="020B0609020204030204" pitchFamily="49" charset="0"/>
               </a:rPr>
-              <a:t>The kernels are called </a:t>
-            </a:r>
-            <a:r>
-              <a:rPr lang="en-GB" dirty="0" smtClean="0">
-                <a:latin typeface="Comic Sans MS" panose="030F0702030302020204" pitchFamily="66" charset="0"/>
-                <a:cs typeface="Consolas" panose="020B0609020204030204" pitchFamily="49" charset="0"/>
-              </a:rPr>
-              <a:t>using </a:t>
-            </a:r>
-            <a:r>
-              <a:rPr lang="en-GB" dirty="0" smtClean="0">
-                <a:latin typeface="Comic Sans MS" panose="030F0702030302020204" pitchFamily="66" charset="0"/>
-                <a:cs typeface="Consolas" panose="020B0609020204030204" pitchFamily="49" charset="0"/>
-              </a:rPr>
-              <a:t>a C/C++ API</a:t>
+              <a:t>The kernels are called using a C/C++ API</a:t>
             </a:r>
           </a:p>
           <a:p>
@@ -13479,14 +13510,7 @@
                 <a:latin typeface="Comic Sans MS" panose="030F0702030302020204" pitchFamily="66" charset="0"/>
                 <a:cs typeface="Consolas" panose="020B0609020204030204" pitchFamily="49" charset="0"/>
               </a:rPr>
-              <a:t>Each </a:t>
-            </a:r>
-            <a:r>
-              <a:rPr lang="en-GB" dirty="0" smtClean="0">
-                <a:latin typeface="Comic Sans MS" panose="030F0702030302020204" pitchFamily="66" charset="0"/>
-                <a:cs typeface="Consolas" panose="020B0609020204030204" pitchFamily="49" charset="0"/>
-              </a:rPr>
-              <a:t>processing element(PE) does </a:t>
+              <a:t>Each processing element(PE) does </a:t>
             </a:r>
             <a:r>
               <a:rPr lang="en-GB" b="1" dirty="0" smtClean="0">
@@ -13534,14 +13558,7 @@
                 <a:latin typeface="Comic Sans MS" panose="030F0702030302020204" pitchFamily="66" charset="0"/>
                 <a:cs typeface="Consolas" panose="020B0609020204030204" pitchFamily="49" charset="0"/>
               </a:rPr>
-              <a:t>Not </a:t>
-            </a:r>
-            <a:r>
-              <a:rPr lang="en-GB" dirty="0" smtClean="0">
-                <a:latin typeface="Comic Sans MS" panose="030F0702030302020204" pitchFamily="66" charset="0"/>
-                <a:cs typeface="Consolas" panose="020B0609020204030204" pitchFamily="49" charset="0"/>
-              </a:rPr>
-              <a:t>everything translates well to </a:t>
+              <a:t>Not everything translates well to </a:t>
             </a:r>
             <a:r>
               <a:rPr lang="en-GB" dirty="0" err="1" smtClean="0">
@@ -19482,10 +19499,6 @@
               </a:rPr>
               <a:t>nd much more</a:t>
             </a:r>
-            <a:endParaRPr lang="en-GB" dirty="0" smtClean="0">
-              <a:latin typeface="Comic Sans MS" panose="030F0702030302020204" pitchFamily="66" charset="0"/>
-              <a:cs typeface="Consolas" panose="020B0609020204030204" pitchFamily="49" charset="0"/>
-            </a:endParaRPr>
           </a:p>
           <a:p>
             <a:pPr marL="285750" indent="-285750">
@@ -20559,11 +20572,7 @@
             <a:pPr algn="ctr"/>
             <a:r>
               <a:rPr lang="en-GB" dirty="0" err="1" smtClean="0"/>
-              <a:t>GCD</a:t>
-            </a:r>
-            <a:r>
-              <a:rPr lang="en-GB" dirty="0" err="1" smtClean="0"/>
-              <a:t>.scala</a:t>
+              <a:t>GCD.scala</a:t>
             </a:r>
             <a:endParaRPr lang="en-US" dirty="0"/>
           </a:p>

--- a/ScalaCL_Chissel.pptx
+++ b/ScalaCL_Chissel.pptx
@@ -2847,2042 +2847,6 @@
       <dsp:cNvGrpSpPr/>
     </dsp:nvGrpSpPr>
     <dsp:grpSpPr/>
-    <dsp:sp modelId="{B5326312-7E99-4039-AFCE-AC8965EBB456}">
-      <dsp:nvSpPr>
-        <dsp:cNvPr id="0" name=""/>
-        <dsp:cNvSpPr/>
-      </dsp:nvSpPr>
-      <dsp:spPr>
-        <a:xfrm>
-          <a:off x="541" y="2428691"/>
-          <a:ext cx="7694769" cy="711662"/>
-        </a:xfrm>
-        <a:prstGeom prst="roundRect">
-          <a:avLst>
-            <a:gd name="adj" fmla="val 10000"/>
-          </a:avLst>
-        </a:prstGeom>
-        <a:solidFill>
-          <a:schemeClr val="accent1">
-            <a:hueOff val="0"/>
-            <a:satOff val="0"/>
-            <a:lumOff val="0"/>
-            <a:alphaOff val="0"/>
-          </a:schemeClr>
-        </a:solidFill>
-        <a:ln w="25400" cap="flat" cmpd="sng" algn="ctr">
-          <a:solidFill>
-            <a:schemeClr val="lt1">
-              <a:hueOff val="0"/>
-              <a:satOff val="0"/>
-              <a:lumOff val="0"/>
-              <a:alphaOff val="0"/>
-            </a:schemeClr>
-          </a:solidFill>
-          <a:prstDash val="solid"/>
-        </a:ln>
-        <a:effectLst/>
-      </dsp:spPr>
-      <dsp:style>
-        <a:lnRef idx="2">
-          <a:scrgbClr r="0" g="0" b="0"/>
-        </a:lnRef>
-        <a:fillRef idx="1">
-          <a:scrgbClr r="0" g="0" b="0"/>
-        </a:fillRef>
-        <a:effectRef idx="0">
-          <a:scrgbClr r="0" g="0" b="0"/>
-        </a:effectRef>
-        <a:fontRef idx="minor">
-          <a:schemeClr val="lt1"/>
-        </a:fontRef>
-      </dsp:style>
-      <dsp:txBody>
-        <a:bodyPr spcFirstLastPara="0" vert="horz" wrap="square" lIns="118110" tIns="118110" rIns="118110" bIns="118110" numCol="1" spcCol="1270" anchor="ctr" anchorCtr="0">
-          <a:noAutofit/>
-        </a:bodyPr>
-        <a:lstStyle/>
-        <a:p>
-          <a:pPr lvl="0" algn="ctr" defTabSz="1377950">
-            <a:lnSpc>
-              <a:spcPct val="90000"/>
-            </a:lnSpc>
-            <a:spcBef>
-              <a:spcPct val="0"/>
-            </a:spcBef>
-            <a:spcAft>
-              <a:spcPct val="35000"/>
-            </a:spcAft>
-          </a:pPr>
-          <a:r>
-            <a:rPr lang="en-GB" sz="3100" kern="1200" dirty="0" err="1" smtClean="0"/>
-            <a:t>Wavefront</a:t>
-          </a:r>
-          <a:r>
-            <a:rPr lang="en-GB" sz="3100" kern="1200" dirty="0" smtClean="0"/>
-            <a:t> (aka. Warp)</a:t>
-          </a:r>
-          <a:endParaRPr lang="lv-LV" sz="3100" kern="1200" dirty="0"/>
-        </a:p>
-      </dsp:txBody>
-      <dsp:txXfrm>
-        <a:off x="21385" y="2449535"/>
-        <a:ext cx="7653081" cy="669974"/>
-      </dsp:txXfrm>
-    </dsp:sp>
-    <dsp:sp modelId="{AB7B2458-7E0D-4794-A908-15BE2F5E1B5F}">
-      <dsp:nvSpPr>
-        <dsp:cNvPr id="0" name=""/>
-        <dsp:cNvSpPr/>
-      </dsp:nvSpPr>
-      <dsp:spPr>
-        <a:xfrm>
-          <a:off x="541" y="1619387"/>
-          <a:ext cx="3456760" cy="711662"/>
-        </a:xfrm>
-        <a:prstGeom prst="roundRect">
-          <a:avLst>
-            <a:gd name="adj" fmla="val 10000"/>
-          </a:avLst>
-        </a:prstGeom>
-        <a:solidFill>
-          <a:schemeClr val="accent1">
-            <a:hueOff val="0"/>
-            <a:satOff val="0"/>
-            <a:lumOff val="0"/>
-            <a:alphaOff val="0"/>
-          </a:schemeClr>
-        </a:solidFill>
-        <a:ln w="25400" cap="flat" cmpd="sng" algn="ctr">
-          <a:solidFill>
-            <a:schemeClr val="lt1">
-              <a:hueOff val="0"/>
-              <a:satOff val="0"/>
-              <a:lumOff val="0"/>
-              <a:alphaOff val="0"/>
-            </a:schemeClr>
-          </a:solidFill>
-          <a:prstDash val="solid"/>
-        </a:ln>
-        <a:effectLst/>
-      </dsp:spPr>
-      <dsp:style>
-        <a:lnRef idx="2">
-          <a:scrgbClr r="0" g="0" b="0"/>
-        </a:lnRef>
-        <a:fillRef idx="1">
-          <a:scrgbClr r="0" g="0" b="0"/>
-        </a:fillRef>
-        <a:effectRef idx="0">
-          <a:scrgbClr r="0" g="0" b="0"/>
-        </a:effectRef>
-        <a:fontRef idx="minor">
-          <a:schemeClr val="lt1"/>
-        </a:fontRef>
-      </dsp:style>
-      <dsp:txBody>
-        <a:bodyPr spcFirstLastPara="0" vert="horz" wrap="square" lIns="118110" tIns="118110" rIns="118110" bIns="118110" numCol="1" spcCol="1270" anchor="ctr" anchorCtr="0">
-          <a:noAutofit/>
-        </a:bodyPr>
-        <a:lstStyle/>
-        <a:p>
-          <a:pPr lvl="0" algn="ctr" defTabSz="1377950">
-            <a:lnSpc>
-              <a:spcPct val="90000"/>
-            </a:lnSpc>
-            <a:spcBef>
-              <a:spcPct val="0"/>
-            </a:spcBef>
-            <a:spcAft>
-              <a:spcPct val="35000"/>
-            </a:spcAft>
-          </a:pPr>
-          <a:r>
-            <a:rPr lang="en-GB" sz="3100" kern="1200" dirty="0" smtClean="0"/>
-            <a:t>Compute unit</a:t>
-          </a:r>
-          <a:endParaRPr lang="lv-LV" sz="3100" kern="1200" dirty="0"/>
-        </a:p>
-      </dsp:txBody>
-      <dsp:txXfrm>
-        <a:off x="21385" y="1640231"/>
-        <a:ext cx="3415072" cy="669974"/>
-      </dsp:txXfrm>
-    </dsp:sp>
-    <dsp:sp modelId="{96FB1193-8D1F-4922-91E5-A7029736AED7}">
-      <dsp:nvSpPr>
-        <dsp:cNvPr id="0" name=""/>
-        <dsp:cNvSpPr/>
-      </dsp:nvSpPr>
-      <dsp:spPr>
-        <a:xfrm>
-          <a:off x="300" y="809609"/>
-          <a:ext cx="668877" cy="711662"/>
-        </a:xfrm>
-        <a:prstGeom prst="roundRect">
-          <a:avLst>
-            <a:gd name="adj" fmla="val 10000"/>
-          </a:avLst>
-        </a:prstGeom>
-        <a:solidFill>
-          <a:schemeClr val="accent1">
-            <a:hueOff val="0"/>
-            <a:satOff val="0"/>
-            <a:lumOff val="0"/>
-            <a:alphaOff val="0"/>
-          </a:schemeClr>
-        </a:solidFill>
-        <a:ln w="25400" cap="flat" cmpd="sng" algn="ctr">
-          <a:solidFill>
-            <a:schemeClr val="lt1">
-              <a:hueOff val="0"/>
-              <a:satOff val="0"/>
-              <a:lumOff val="0"/>
-              <a:alphaOff val="0"/>
-            </a:schemeClr>
-          </a:solidFill>
-          <a:prstDash val="solid"/>
-        </a:ln>
-        <a:effectLst/>
-      </dsp:spPr>
-      <dsp:style>
-        <a:lnRef idx="2">
-          <a:scrgbClr r="0" g="0" b="0"/>
-        </a:lnRef>
-        <a:fillRef idx="1">
-          <a:scrgbClr r="0" g="0" b="0"/>
-        </a:fillRef>
-        <a:effectRef idx="0">
-          <a:scrgbClr r="0" g="0" b="0"/>
-        </a:effectRef>
-        <a:fontRef idx="minor">
-          <a:schemeClr val="lt1"/>
-        </a:fontRef>
-      </dsp:style>
-      <dsp:txBody>
-        <a:bodyPr spcFirstLastPara="0" vert="horz" wrap="square" lIns="53340" tIns="53340" rIns="53340" bIns="53340" numCol="1" spcCol="1270" anchor="ctr" anchorCtr="0">
-          <a:noAutofit/>
-        </a:bodyPr>
-        <a:lstStyle/>
-        <a:p>
-          <a:pPr lvl="0" algn="ctr" defTabSz="622300">
-            <a:lnSpc>
-              <a:spcPct val="90000"/>
-            </a:lnSpc>
-            <a:spcBef>
-              <a:spcPct val="0"/>
-            </a:spcBef>
-            <a:spcAft>
-              <a:spcPct val="35000"/>
-            </a:spcAft>
-          </a:pPr>
-          <a:r>
-            <a:rPr lang="en-GB" sz="1400" kern="1200" dirty="0" smtClean="0"/>
-            <a:t>PE “Core”</a:t>
-          </a:r>
-          <a:endParaRPr lang="lv-LV" sz="1400" kern="1200" dirty="0"/>
-        </a:p>
-      </dsp:txBody>
-      <dsp:txXfrm>
-        <a:off x="19891" y="829200"/>
-        <a:ext cx="629695" cy="672480"/>
-      </dsp:txXfrm>
-    </dsp:sp>
-    <dsp:sp modelId="{D34F9321-E05C-4D6C-8997-E71D65DD6A0E}">
-      <dsp:nvSpPr>
-        <dsp:cNvPr id="0" name=""/>
-        <dsp:cNvSpPr/>
-      </dsp:nvSpPr>
-      <dsp:spPr>
-        <a:xfrm>
-          <a:off x="541" y="778"/>
-          <a:ext cx="668877" cy="711662"/>
-        </a:xfrm>
-        <a:prstGeom prst="flowChartOffpageConnector">
-          <a:avLst/>
-        </a:prstGeom>
-        <a:solidFill>
-          <a:schemeClr val="accent1">
-            <a:hueOff val="0"/>
-            <a:satOff val="0"/>
-            <a:lumOff val="0"/>
-            <a:alphaOff val="0"/>
-          </a:schemeClr>
-        </a:solidFill>
-        <a:ln w="25400" cap="flat" cmpd="sng" algn="ctr">
-          <a:solidFill>
-            <a:schemeClr val="lt1">
-              <a:hueOff val="0"/>
-              <a:satOff val="0"/>
-              <a:lumOff val="0"/>
-              <a:alphaOff val="0"/>
-            </a:schemeClr>
-          </a:solidFill>
-          <a:prstDash val="solid"/>
-        </a:ln>
-        <a:effectLst/>
-      </dsp:spPr>
-      <dsp:style>
-        <a:lnRef idx="2">
-          <a:scrgbClr r="0" g="0" b="0"/>
-        </a:lnRef>
-        <a:fillRef idx="1">
-          <a:scrgbClr r="0" g="0" b="0"/>
-        </a:fillRef>
-        <a:effectRef idx="0">
-          <a:scrgbClr r="0" g="0" b="0"/>
-        </a:effectRef>
-        <a:fontRef idx="minor">
-          <a:schemeClr val="lt1"/>
-        </a:fontRef>
-      </dsp:style>
-      <dsp:txBody>
-        <a:bodyPr spcFirstLastPara="0" vert="horz" wrap="square" lIns="53340" tIns="53340" rIns="53340" bIns="53340" numCol="1" spcCol="1270" anchor="ctr" anchorCtr="0">
-          <a:noAutofit/>
-        </a:bodyPr>
-        <a:lstStyle/>
-        <a:p>
-          <a:pPr lvl="0" algn="ctr" defTabSz="622300">
-            <a:lnSpc>
-              <a:spcPct val="90000"/>
-            </a:lnSpc>
-            <a:spcBef>
-              <a:spcPct val="0"/>
-            </a:spcBef>
-            <a:spcAft>
-              <a:spcPct val="35000"/>
-            </a:spcAft>
-          </a:pPr>
-          <a:r>
-            <a:rPr lang="en-GB" sz="1400" kern="1200" dirty="0" smtClean="0"/>
-            <a:t>Task</a:t>
-          </a:r>
-          <a:endParaRPr lang="lv-LV" sz="1400" kern="1200" dirty="0"/>
-        </a:p>
-      </dsp:txBody>
-      <dsp:txXfrm>
-        <a:off x="541" y="778"/>
-        <a:ext cx="668877" cy="569330"/>
-      </dsp:txXfrm>
-    </dsp:sp>
-    <dsp:sp modelId="{ECB945CC-E646-44C9-8AF2-80EB45062F28}">
-      <dsp:nvSpPr>
-        <dsp:cNvPr id="0" name=""/>
-        <dsp:cNvSpPr/>
-      </dsp:nvSpPr>
-      <dsp:spPr>
-        <a:xfrm>
-          <a:off x="697270" y="809609"/>
-          <a:ext cx="668877" cy="711662"/>
-        </a:xfrm>
-        <a:prstGeom prst="roundRect">
-          <a:avLst>
-            <a:gd name="adj" fmla="val 10000"/>
-          </a:avLst>
-        </a:prstGeom>
-        <a:solidFill>
-          <a:schemeClr val="accent1">
-            <a:hueOff val="0"/>
-            <a:satOff val="0"/>
-            <a:lumOff val="0"/>
-            <a:alphaOff val="0"/>
-          </a:schemeClr>
-        </a:solidFill>
-        <a:ln w="25400" cap="flat" cmpd="sng" algn="ctr">
-          <a:solidFill>
-            <a:schemeClr val="lt1">
-              <a:hueOff val="0"/>
-              <a:satOff val="0"/>
-              <a:lumOff val="0"/>
-              <a:alphaOff val="0"/>
-            </a:schemeClr>
-          </a:solidFill>
-          <a:prstDash val="solid"/>
-        </a:ln>
-        <a:effectLst/>
-      </dsp:spPr>
-      <dsp:style>
-        <a:lnRef idx="2">
-          <a:scrgbClr r="0" g="0" b="0"/>
-        </a:lnRef>
-        <a:fillRef idx="1">
-          <a:scrgbClr r="0" g="0" b="0"/>
-        </a:fillRef>
-        <a:effectRef idx="0">
-          <a:scrgbClr r="0" g="0" b="0"/>
-        </a:effectRef>
-        <a:fontRef idx="minor">
-          <a:schemeClr val="lt1"/>
-        </a:fontRef>
-      </dsp:style>
-      <dsp:txBody>
-        <a:bodyPr spcFirstLastPara="0" vert="horz" wrap="square" lIns="53340" tIns="53340" rIns="53340" bIns="53340" numCol="1" spcCol="1270" anchor="ctr" anchorCtr="0">
-          <a:noAutofit/>
-        </a:bodyPr>
-        <a:lstStyle/>
-        <a:p>
-          <a:pPr lvl="0" algn="ctr" defTabSz="622300">
-            <a:lnSpc>
-              <a:spcPct val="90000"/>
-            </a:lnSpc>
-            <a:spcBef>
-              <a:spcPct val="0"/>
-            </a:spcBef>
-            <a:spcAft>
-              <a:spcPct val="35000"/>
-            </a:spcAft>
-          </a:pPr>
-          <a:r>
-            <a:rPr lang="en-GB" sz="1400" kern="1200" dirty="0" smtClean="0"/>
-            <a:t>PE “Core”</a:t>
-          </a:r>
-          <a:endParaRPr lang="lv-LV" sz="1400" kern="1200" dirty="0"/>
-        </a:p>
-      </dsp:txBody>
-      <dsp:txXfrm>
-        <a:off x="716861" y="829200"/>
-        <a:ext cx="629695" cy="672480"/>
-      </dsp:txXfrm>
-    </dsp:sp>
-    <dsp:sp modelId="{711A6885-259C-40EC-AC09-17EDF2A83AF9}">
-      <dsp:nvSpPr>
-        <dsp:cNvPr id="0" name=""/>
-        <dsp:cNvSpPr/>
-      </dsp:nvSpPr>
-      <dsp:spPr>
-        <a:xfrm>
-          <a:off x="697511" y="778"/>
-          <a:ext cx="668877" cy="711662"/>
-        </a:xfrm>
-        <a:prstGeom prst="flowChartOffpageConnector">
-          <a:avLst/>
-        </a:prstGeom>
-        <a:solidFill>
-          <a:schemeClr val="accent1">
-            <a:hueOff val="0"/>
-            <a:satOff val="0"/>
-            <a:lumOff val="0"/>
-            <a:alphaOff val="0"/>
-          </a:schemeClr>
-        </a:solidFill>
-        <a:ln w="25400" cap="flat" cmpd="sng" algn="ctr">
-          <a:solidFill>
-            <a:schemeClr val="lt1">
-              <a:hueOff val="0"/>
-              <a:satOff val="0"/>
-              <a:lumOff val="0"/>
-              <a:alphaOff val="0"/>
-            </a:schemeClr>
-          </a:solidFill>
-          <a:prstDash val="solid"/>
-        </a:ln>
-        <a:effectLst/>
-      </dsp:spPr>
-      <dsp:style>
-        <a:lnRef idx="2">
-          <a:scrgbClr r="0" g="0" b="0"/>
-        </a:lnRef>
-        <a:fillRef idx="1">
-          <a:scrgbClr r="0" g="0" b="0"/>
-        </a:fillRef>
-        <a:effectRef idx="0">
-          <a:scrgbClr r="0" g="0" b="0"/>
-        </a:effectRef>
-        <a:fontRef idx="minor">
-          <a:schemeClr val="lt1"/>
-        </a:fontRef>
-      </dsp:style>
-      <dsp:txBody>
-        <a:bodyPr spcFirstLastPara="0" vert="horz" wrap="square" lIns="53340" tIns="53340" rIns="53340" bIns="53340" numCol="1" spcCol="1270" anchor="ctr" anchorCtr="0">
-          <a:noAutofit/>
-        </a:bodyPr>
-        <a:lstStyle/>
-        <a:p>
-          <a:pPr lvl="0" algn="ctr" defTabSz="622300">
-            <a:lnSpc>
-              <a:spcPct val="90000"/>
-            </a:lnSpc>
-            <a:spcBef>
-              <a:spcPct val="0"/>
-            </a:spcBef>
-            <a:spcAft>
-              <a:spcPct val="35000"/>
-            </a:spcAft>
-          </a:pPr>
-          <a:r>
-            <a:rPr lang="en-GB" sz="1400" kern="1200" dirty="0" smtClean="0"/>
-            <a:t>Task</a:t>
-          </a:r>
-          <a:endParaRPr lang="lv-LV" sz="1400" kern="1200" dirty="0"/>
-        </a:p>
-      </dsp:txBody>
-      <dsp:txXfrm>
-        <a:off x="697511" y="778"/>
-        <a:ext cx="668877" cy="569330"/>
-      </dsp:txXfrm>
-    </dsp:sp>
-    <dsp:sp modelId="{E5E16191-18A9-4DD1-96C1-9E2E931E8179}">
-      <dsp:nvSpPr>
-        <dsp:cNvPr id="0" name=""/>
-        <dsp:cNvSpPr/>
-      </dsp:nvSpPr>
-      <dsp:spPr>
-        <a:xfrm>
-          <a:off x="1394241" y="809609"/>
-          <a:ext cx="668877" cy="711662"/>
-        </a:xfrm>
-        <a:prstGeom prst="roundRect">
-          <a:avLst>
-            <a:gd name="adj" fmla="val 10000"/>
-          </a:avLst>
-        </a:prstGeom>
-        <a:solidFill>
-          <a:schemeClr val="accent1">
-            <a:hueOff val="0"/>
-            <a:satOff val="0"/>
-            <a:lumOff val="0"/>
-            <a:alphaOff val="0"/>
-          </a:schemeClr>
-        </a:solidFill>
-        <a:ln w="25400" cap="flat" cmpd="sng" algn="ctr">
-          <a:solidFill>
-            <a:schemeClr val="lt1">
-              <a:hueOff val="0"/>
-              <a:satOff val="0"/>
-              <a:lumOff val="0"/>
-              <a:alphaOff val="0"/>
-            </a:schemeClr>
-          </a:solidFill>
-          <a:prstDash val="solid"/>
-        </a:ln>
-        <a:effectLst/>
-      </dsp:spPr>
-      <dsp:style>
-        <a:lnRef idx="2">
-          <a:scrgbClr r="0" g="0" b="0"/>
-        </a:lnRef>
-        <a:fillRef idx="1">
-          <a:scrgbClr r="0" g="0" b="0"/>
-        </a:fillRef>
-        <a:effectRef idx="0">
-          <a:scrgbClr r="0" g="0" b="0"/>
-        </a:effectRef>
-        <a:fontRef idx="minor">
-          <a:schemeClr val="lt1"/>
-        </a:fontRef>
-      </dsp:style>
-      <dsp:txBody>
-        <a:bodyPr spcFirstLastPara="0" vert="horz" wrap="square" lIns="53340" tIns="53340" rIns="53340" bIns="53340" numCol="1" spcCol="1270" anchor="ctr" anchorCtr="0">
-          <a:noAutofit/>
-        </a:bodyPr>
-        <a:lstStyle/>
-        <a:p>
-          <a:pPr lvl="0" algn="ctr" defTabSz="622300">
-            <a:lnSpc>
-              <a:spcPct val="90000"/>
-            </a:lnSpc>
-            <a:spcBef>
-              <a:spcPct val="0"/>
-            </a:spcBef>
-            <a:spcAft>
-              <a:spcPct val="35000"/>
-            </a:spcAft>
-          </a:pPr>
-          <a:r>
-            <a:rPr lang="en-GB" sz="1400" kern="1200" dirty="0" smtClean="0"/>
-            <a:t>PE “Core”</a:t>
-          </a:r>
-          <a:endParaRPr lang="lv-LV" sz="1400" kern="1200" dirty="0"/>
-        </a:p>
-      </dsp:txBody>
-      <dsp:txXfrm>
-        <a:off x="1413832" y="829200"/>
-        <a:ext cx="629695" cy="672480"/>
-      </dsp:txXfrm>
-    </dsp:sp>
-    <dsp:sp modelId="{B346889B-897C-4850-8A67-B970F7028392}">
-      <dsp:nvSpPr>
-        <dsp:cNvPr id="0" name=""/>
-        <dsp:cNvSpPr/>
-      </dsp:nvSpPr>
-      <dsp:spPr>
-        <a:xfrm>
-          <a:off x="1394482" y="778"/>
-          <a:ext cx="668877" cy="711662"/>
-        </a:xfrm>
-        <a:prstGeom prst="flowChartOffpageConnector">
-          <a:avLst/>
-        </a:prstGeom>
-        <a:solidFill>
-          <a:schemeClr val="accent1">
-            <a:hueOff val="0"/>
-            <a:satOff val="0"/>
-            <a:lumOff val="0"/>
-            <a:alphaOff val="0"/>
-          </a:schemeClr>
-        </a:solidFill>
-        <a:ln w="25400" cap="flat" cmpd="sng" algn="ctr">
-          <a:solidFill>
-            <a:schemeClr val="lt1">
-              <a:hueOff val="0"/>
-              <a:satOff val="0"/>
-              <a:lumOff val="0"/>
-              <a:alphaOff val="0"/>
-            </a:schemeClr>
-          </a:solidFill>
-          <a:prstDash val="solid"/>
-        </a:ln>
-        <a:effectLst/>
-      </dsp:spPr>
-      <dsp:style>
-        <a:lnRef idx="2">
-          <a:scrgbClr r="0" g="0" b="0"/>
-        </a:lnRef>
-        <a:fillRef idx="1">
-          <a:scrgbClr r="0" g="0" b="0"/>
-        </a:fillRef>
-        <a:effectRef idx="0">
-          <a:scrgbClr r="0" g="0" b="0"/>
-        </a:effectRef>
-        <a:fontRef idx="minor">
-          <a:schemeClr val="lt1"/>
-        </a:fontRef>
-      </dsp:style>
-      <dsp:txBody>
-        <a:bodyPr spcFirstLastPara="0" vert="horz" wrap="square" lIns="53340" tIns="53340" rIns="53340" bIns="53340" numCol="1" spcCol="1270" anchor="ctr" anchorCtr="0">
-          <a:noAutofit/>
-        </a:bodyPr>
-        <a:lstStyle/>
-        <a:p>
-          <a:pPr lvl="0" algn="ctr" defTabSz="622300">
-            <a:lnSpc>
-              <a:spcPct val="90000"/>
-            </a:lnSpc>
-            <a:spcBef>
-              <a:spcPct val="0"/>
-            </a:spcBef>
-            <a:spcAft>
-              <a:spcPct val="35000"/>
-            </a:spcAft>
-          </a:pPr>
-          <a:r>
-            <a:rPr lang="en-GB" sz="1400" kern="1200" smtClean="0"/>
-            <a:t>Task</a:t>
-          </a:r>
-          <a:endParaRPr lang="lv-LV" sz="1400" kern="1200" dirty="0"/>
-        </a:p>
-      </dsp:txBody>
-      <dsp:txXfrm>
-        <a:off x="1394482" y="778"/>
-        <a:ext cx="668877" cy="569330"/>
-      </dsp:txXfrm>
-    </dsp:sp>
-    <dsp:sp modelId="{D1813C29-80A8-4F27-B5C9-A358707E514D}">
-      <dsp:nvSpPr>
-        <dsp:cNvPr id="0" name=""/>
-        <dsp:cNvSpPr/>
-      </dsp:nvSpPr>
-      <dsp:spPr>
-        <a:xfrm>
-          <a:off x="2091212" y="809609"/>
-          <a:ext cx="668877" cy="711662"/>
-        </a:xfrm>
-        <a:prstGeom prst="roundRect">
-          <a:avLst>
-            <a:gd name="adj" fmla="val 10000"/>
-          </a:avLst>
-        </a:prstGeom>
-        <a:solidFill>
-          <a:schemeClr val="accent1">
-            <a:hueOff val="0"/>
-            <a:satOff val="0"/>
-            <a:lumOff val="0"/>
-            <a:alphaOff val="0"/>
-          </a:schemeClr>
-        </a:solidFill>
-        <a:ln w="25400" cap="flat" cmpd="sng" algn="ctr">
-          <a:solidFill>
-            <a:schemeClr val="lt1">
-              <a:hueOff val="0"/>
-              <a:satOff val="0"/>
-              <a:lumOff val="0"/>
-              <a:alphaOff val="0"/>
-            </a:schemeClr>
-          </a:solidFill>
-          <a:prstDash val="solid"/>
-        </a:ln>
-        <a:effectLst/>
-      </dsp:spPr>
-      <dsp:style>
-        <a:lnRef idx="2">
-          <a:scrgbClr r="0" g="0" b="0"/>
-        </a:lnRef>
-        <a:fillRef idx="1">
-          <a:scrgbClr r="0" g="0" b="0"/>
-        </a:fillRef>
-        <a:effectRef idx="0">
-          <a:scrgbClr r="0" g="0" b="0"/>
-        </a:effectRef>
-        <a:fontRef idx="minor">
-          <a:schemeClr val="lt1"/>
-        </a:fontRef>
-      </dsp:style>
-      <dsp:txBody>
-        <a:bodyPr spcFirstLastPara="0" vert="horz" wrap="square" lIns="53340" tIns="53340" rIns="53340" bIns="53340" numCol="1" spcCol="1270" anchor="ctr" anchorCtr="0">
-          <a:noAutofit/>
-        </a:bodyPr>
-        <a:lstStyle/>
-        <a:p>
-          <a:pPr lvl="0" algn="ctr" defTabSz="622300">
-            <a:lnSpc>
-              <a:spcPct val="90000"/>
-            </a:lnSpc>
-            <a:spcBef>
-              <a:spcPct val="0"/>
-            </a:spcBef>
-            <a:spcAft>
-              <a:spcPct val="35000"/>
-            </a:spcAft>
-          </a:pPr>
-          <a:r>
-            <a:rPr lang="en-GB" sz="1400" kern="1200" dirty="0" smtClean="0"/>
-            <a:t>PE “Core”</a:t>
-          </a:r>
-          <a:endParaRPr lang="lv-LV" sz="1400" kern="1200" dirty="0"/>
-        </a:p>
-      </dsp:txBody>
-      <dsp:txXfrm>
-        <a:off x="2110803" y="829200"/>
-        <a:ext cx="629695" cy="672480"/>
-      </dsp:txXfrm>
-    </dsp:sp>
-    <dsp:sp modelId="{F6DFA980-6191-4028-8822-D30DBF108D7D}">
-      <dsp:nvSpPr>
-        <dsp:cNvPr id="0" name=""/>
-        <dsp:cNvSpPr/>
-      </dsp:nvSpPr>
-      <dsp:spPr>
-        <a:xfrm>
-          <a:off x="2091452" y="778"/>
-          <a:ext cx="668877" cy="711662"/>
-        </a:xfrm>
-        <a:prstGeom prst="flowChartOffpageConnector">
-          <a:avLst/>
-        </a:prstGeom>
-        <a:solidFill>
-          <a:schemeClr val="accent1">
-            <a:hueOff val="0"/>
-            <a:satOff val="0"/>
-            <a:lumOff val="0"/>
-            <a:alphaOff val="0"/>
-          </a:schemeClr>
-        </a:solidFill>
-        <a:ln w="25400" cap="flat" cmpd="sng" algn="ctr">
-          <a:solidFill>
-            <a:schemeClr val="lt1">
-              <a:hueOff val="0"/>
-              <a:satOff val="0"/>
-              <a:lumOff val="0"/>
-              <a:alphaOff val="0"/>
-            </a:schemeClr>
-          </a:solidFill>
-          <a:prstDash val="solid"/>
-        </a:ln>
-        <a:effectLst/>
-      </dsp:spPr>
-      <dsp:style>
-        <a:lnRef idx="2">
-          <a:scrgbClr r="0" g="0" b="0"/>
-        </a:lnRef>
-        <a:fillRef idx="1">
-          <a:scrgbClr r="0" g="0" b="0"/>
-        </a:fillRef>
-        <a:effectRef idx="0">
-          <a:scrgbClr r="0" g="0" b="0"/>
-        </a:effectRef>
-        <a:fontRef idx="minor">
-          <a:schemeClr val="lt1"/>
-        </a:fontRef>
-      </dsp:style>
-      <dsp:txBody>
-        <a:bodyPr spcFirstLastPara="0" vert="horz" wrap="square" lIns="53340" tIns="53340" rIns="53340" bIns="53340" numCol="1" spcCol="1270" anchor="ctr" anchorCtr="0">
-          <a:noAutofit/>
-        </a:bodyPr>
-        <a:lstStyle/>
-        <a:p>
-          <a:pPr lvl="0" algn="ctr" defTabSz="622300">
-            <a:lnSpc>
-              <a:spcPct val="90000"/>
-            </a:lnSpc>
-            <a:spcBef>
-              <a:spcPct val="0"/>
-            </a:spcBef>
-            <a:spcAft>
-              <a:spcPct val="35000"/>
-            </a:spcAft>
-          </a:pPr>
-          <a:r>
-            <a:rPr lang="en-GB" sz="1400" kern="1200" smtClean="0"/>
-            <a:t>Task</a:t>
-          </a:r>
-          <a:endParaRPr lang="lv-LV" sz="1400" kern="1200" dirty="0"/>
-        </a:p>
-      </dsp:txBody>
-      <dsp:txXfrm>
-        <a:off x="2091452" y="778"/>
-        <a:ext cx="668877" cy="569330"/>
-      </dsp:txXfrm>
-    </dsp:sp>
-    <dsp:sp modelId="{F89E0054-9EE3-4F18-A21B-54BBD1257618}">
-      <dsp:nvSpPr>
-        <dsp:cNvPr id="0" name=""/>
-        <dsp:cNvSpPr/>
-      </dsp:nvSpPr>
-      <dsp:spPr>
-        <a:xfrm>
-          <a:off x="2788423" y="810082"/>
-          <a:ext cx="668877" cy="711662"/>
-        </a:xfrm>
-        <a:prstGeom prst="roundRect">
-          <a:avLst>
-            <a:gd name="adj" fmla="val 10000"/>
-          </a:avLst>
-        </a:prstGeom>
-        <a:solidFill>
-          <a:schemeClr val="accent1">
-            <a:hueOff val="0"/>
-            <a:satOff val="0"/>
-            <a:lumOff val="0"/>
-            <a:alphaOff val="0"/>
-          </a:schemeClr>
-        </a:solidFill>
-        <a:ln w="25400" cap="flat" cmpd="sng" algn="ctr">
-          <a:solidFill>
-            <a:schemeClr val="lt1">
-              <a:hueOff val="0"/>
-              <a:satOff val="0"/>
-              <a:lumOff val="0"/>
-              <a:alphaOff val="0"/>
-            </a:schemeClr>
-          </a:solidFill>
-          <a:prstDash val="solid"/>
-        </a:ln>
-        <a:effectLst/>
-      </dsp:spPr>
-      <dsp:style>
-        <a:lnRef idx="2">
-          <a:scrgbClr r="0" g="0" b="0"/>
-        </a:lnRef>
-        <a:fillRef idx="1">
-          <a:scrgbClr r="0" g="0" b="0"/>
-        </a:fillRef>
-        <a:effectRef idx="0">
-          <a:scrgbClr r="0" g="0" b="0"/>
-        </a:effectRef>
-        <a:fontRef idx="minor">
-          <a:schemeClr val="lt1"/>
-        </a:fontRef>
-      </dsp:style>
-      <dsp:txBody>
-        <a:bodyPr spcFirstLastPara="0" vert="horz" wrap="square" lIns="53340" tIns="53340" rIns="53340" bIns="53340" numCol="1" spcCol="1270" anchor="ctr" anchorCtr="0">
-          <a:noAutofit/>
-        </a:bodyPr>
-        <a:lstStyle/>
-        <a:p>
-          <a:pPr lvl="0" algn="ctr" defTabSz="622300">
-            <a:lnSpc>
-              <a:spcPct val="90000"/>
-            </a:lnSpc>
-            <a:spcBef>
-              <a:spcPct val="0"/>
-            </a:spcBef>
-            <a:spcAft>
-              <a:spcPct val="35000"/>
-            </a:spcAft>
-          </a:pPr>
-          <a:r>
-            <a:rPr lang="en-GB" sz="1400" kern="1200" dirty="0" smtClean="0"/>
-            <a:t>…</a:t>
-          </a:r>
-          <a:endParaRPr lang="lv-LV" sz="1400" kern="1200" dirty="0"/>
-        </a:p>
-      </dsp:txBody>
-      <dsp:txXfrm>
-        <a:off x="2808014" y="829673"/>
-        <a:ext cx="629695" cy="672480"/>
-      </dsp:txXfrm>
-    </dsp:sp>
-    <dsp:sp modelId="{813524EB-7DFB-4791-A4BB-9FC2ACD2681F}">
-      <dsp:nvSpPr>
-        <dsp:cNvPr id="0" name=""/>
-        <dsp:cNvSpPr/>
-      </dsp:nvSpPr>
-      <dsp:spPr>
-        <a:xfrm>
-          <a:off x="2788423" y="778"/>
-          <a:ext cx="668877" cy="711662"/>
-        </a:xfrm>
-        <a:prstGeom prst="flowChartOffpageConnector">
-          <a:avLst/>
-        </a:prstGeom>
-        <a:solidFill>
-          <a:schemeClr val="accent1">
-            <a:hueOff val="0"/>
-            <a:satOff val="0"/>
-            <a:lumOff val="0"/>
-            <a:alphaOff val="0"/>
-          </a:schemeClr>
-        </a:solidFill>
-        <a:ln w="25400" cap="flat" cmpd="sng" algn="ctr">
-          <a:solidFill>
-            <a:schemeClr val="lt1">
-              <a:hueOff val="0"/>
-              <a:satOff val="0"/>
-              <a:lumOff val="0"/>
-              <a:alphaOff val="0"/>
-            </a:schemeClr>
-          </a:solidFill>
-          <a:prstDash val="solid"/>
-        </a:ln>
-        <a:effectLst/>
-      </dsp:spPr>
-      <dsp:style>
-        <a:lnRef idx="2">
-          <a:scrgbClr r="0" g="0" b="0"/>
-        </a:lnRef>
-        <a:fillRef idx="1">
-          <a:scrgbClr r="0" g="0" b="0"/>
-        </a:fillRef>
-        <a:effectRef idx="0">
-          <a:scrgbClr r="0" g="0" b="0"/>
-        </a:effectRef>
-        <a:fontRef idx="minor">
-          <a:schemeClr val="lt1"/>
-        </a:fontRef>
-      </dsp:style>
-      <dsp:txBody>
-        <a:bodyPr spcFirstLastPara="0" vert="horz" wrap="square" lIns="53340" tIns="53340" rIns="53340" bIns="53340" numCol="1" spcCol="1270" anchor="ctr" anchorCtr="0">
-          <a:noAutofit/>
-        </a:bodyPr>
-        <a:lstStyle/>
-        <a:p>
-          <a:pPr lvl="0" algn="ctr" defTabSz="622300">
-            <a:lnSpc>
-              <a:spcPct val="90000"/>
-            </a:lnSpc>
-            <a:spcBef>
-              <a:spcPct val="0"/>
-            </a:spcBef>
-            <a:spcAft>
-              <a:spcPct val="35000"/>
-            </a:spcAft>
-          </a:pPr>
-          <a:r>
-            <a:rPr lang="en-GB" sz="1400" kern="1200" dirty="0" smtClean="0"/>
-            <a:t>…</a:t>
-          </a:r>
-          <a:endParaRPr lang="lv-LV" sz="1400" kern="1200" dirty="0"/>
-        </a:p>
-      </dsp:txBody>
-      <dsp:txXfrm>
-        <a:off x="2788423" y="778"/>
-        <a:ext cx="668877" cy="569330"/>
-      </dsp:txXfrm>
-    </dsp:sp>
-    <dsp:sp modelId="{EFF9B8B5-4553-433B-9691-2B0EC3DEE077}">
-      <dsp:nvSpPr>
-        <dsp:cNvPr id="0" name=""/>
-        <dsp:cNvSpPr/>
-      </dsp:nvSpPr>
-      <dsp:spPr>
-        <a:xfrm>
-          <a:off x="3513487" y="1619387"/>
-          <a:ext cx="3456760" cy="711662"/>
-        </a:xfrm>
-        <a:prstGeom prst="roundRect">
-          <a:avLst>
-            <a:gd name="adj" fmla="val 10000"/>
-          </a:avLst>
-        </a:prstGeom>
-        <a:solidFill>
-          <a:schemeClr val="accent1">
-            <a:hueOff val="0"/>
-            <a:satOff val="0"/>
-            <a:lumOff val="0"/>
-            <a:alphaOff val="0"/>
-          </a:schemeClr>
-        </a:solidFill>
-        <a:ln w="25400" cap="flat" cmpd="sng" algn="ctr">
-          <a:solidFill>
-            <a:schemeClr val="lt1">
-              <a:hueOff val="0"/>
-              <a:satOff val="0"/>
-              <a:lumOff val="0"/>
-              <a:alphaOff val="0"/>
-            </a:schemeClr>
-          </a:solidFill>
-          <a:prstDash val="solid"/>
-        </a:ln>
-        <a:effectLst/>
-      </dsp:spPr>
-      <dsp:style>
-        <a:lnRef idx="2">
-          <a:scrgbClr r="0" g="0" b="0"/>
-        </a:lnRef>
-        <a:fillRef idx="1">
-          <a:scrgbClr r="0" g="0" b="0"/>
-        </a:fillRef>
-        <a:effectRef idx="0">
-          <a:scrgbClr r="0" g="0" b="0"/>
-        </a:effectRef>
-        <a:fontRef idx="minor">
-          <a:schemeClr val="lt1"/>
-        </a:fontRef>
-      </dsp:style>
-      <dsp:txBody>
-        <a:bodyPr spcFirstLastPara="0" vert="horz" wrap="square" lIns="118110" tIns="118110" rIns="118110" bIns="118110" numCol="1" spcCol="1270" anchor="ctr" anchorCtr="0">
-          <a:noAutofit/>
-        </a:bodyPr>
-        <a:lstStyle/>
-        <a:p>
-          <a:pPr lvl="0" algn="ctr" defTabSz="1377950">
-            <a:lnSpc>
-              <a:spcPct val="90000"/>
-            </a:lnSpc>
-            <a:spcBef>
-              <a:spcPct val="0"/>
-            </a:spcBef>
-            <a:spcAft>
-              <a:spcPct val="35000"/>
-            </a:spcAft>
-          </a:pPr>
-          <a:r>
-            <a:rPr lang="en-GB" sz="3100" kern="1200" dirty="0" smtClean="0"/>
-            <a:t>Compute unit</a:t>
-          </a:r>
-          <a:endParaRPr lang="lv-LV" sz="3100" kern="1200" dirty="0"/>
-        </a:p>
-      </dsp:txBody>
-      <dsp:txXfrm>
-        <a:off x="3534331" y="1640231"/>
-        <a:ext cx="3415072" cy="669974"/>
-      </dsp:txXfrm>
-    </dsp:sp>
-    <dsp:sp modelId="{FECE9988-646B-4824-B695-1CFD0148B5D3}">
-      <dsp:nvSpPr>
-        <dsp:cNvPr id="0" name=""/>
-        <dsp:cNvSpPr/>
-      </dsp:nvSpPr>
-      <dsp:spPr>
-        <a:xfrm>
-          <a:off x="3513246" y="809609"/>
-          <a:ext cx="668877" cy="711662"/>
-        </a:xfrm>
-        <a:prstGeom prst="roundRect">
-          <a:avLst>
-            <a:gd name="adj" fmla="val 10000"/>
-          </a:avLst>
-        </a:prstGeom>
-        <a:solidFill>
-          <a:schemeClr val="accent1">
-            <a:hueOff val="0"/>
-            <a:satOff val="0"/>
-            <a:lumOff val="0"/>
-            <a:alphaOff val="0"/>
-          </a:schemeClr>
-        </a:solidFill>
-        <a:ln w="25400" cap="flat" cmpd="sng" algn="ctr">
-          <a:solidFill>
-            <a:schemeClr val="lt1">
-              <a:hueOff val="0"/>
-              <a:satOff val="0"/>
-              <a:lumOff val="0"/>
-              <a:alphaOff val="0"/>
-            </a:schemeClr>
-          </a:solidFill>
-          <a:prstDash val="solid"/>
-        </a:ln>
-        <a:effectLst/>
-      </dsp:spPr>
-      <dsp:style>
-        <a:lnRef idx="2">
-          <a:scrgbClr r="0" g="0" b="0"/>
-        </a:lnRef>
-        <a:fillRef idx="1">
-          <a:scrgbClr r="0" g="0" b="0"/>
-        </a:fillRef>
-        <a:effectRef idx="0">
-          <a:scrgbClr r="0" g="0" b="0"/>
-        </a:effectRef>
-        <a:fontRef idx="minor">
-          <a:schemeClr val="lt1"/>
-        </a:fontRef>
-      </dsp:style>
-      <dsp:txBody>
-        <a:bodyPr spcFirstLastPara="0" vert="horz" wrap="square" lIns="53340" tIns="53340" rIns="53340" bIns="53340" numCol="1" spcCol="1270" anchor="ctr" anchorCtr="0">
-          <a:noAutofit/>
-        </a:bodyPr>
-        <a:lstStyle/>
-        <a:p>
-          <a:pPr lvl="0" algn="ctr" defTabSz="622300">
-            <a:lnSpc>
-              <a:spcPct val="90000"/>
-            </a:lnSpc>
-            <a:spcBef>
-              <a:spcPct val="0"/>
-            </a:spcBef>
-            <a:spcAft>
-              <a:spcPct val="35000"/>
-            </a:spcAft>
-          </a:pPr>
-          <a:r>
-            <a:rPr lang="en-GB" sz="1400" kern="1200" dirty="0" smtClean="0"/>
-            <a:t>PE “Core”</a:t>
-          </a:r>
-          <a:endParaRPr lang="lv-LV" sz="1400" kern="1200" dirty="0"/>
-        </a:p>
-      </dsp:txBody>
-      <dsp:txXfrm>
-        <a:off x="3532837" y="829200"/>
-        <a:ext cx="629695" cy="672480"/>
-      </dsp:txXfrm>
-    </dsp:sp>
-    <dsp:sp modelId="{0BA582AB-B19C-4084-87C0-79271C14F25F}">
-      <dsp:nvSpPr>
-        <dsp:cNvPr id="0" name=""/>
-        <dsp:cNvSpPr/>
-      </dsp:nvSpPr>
-      <dsp:spPr>
-        <a:xfrm>
-          <a:off x="3513487" y="778"/>
-          <a:ext cx="668877" cy="711662"/>
-        </a:xfrm>
-        <a:prstGeom prst="flowChartOffpageConnector">
-          <a:avLst/>
-        </a:prstGeom>
-        <a:solidFill>
-          <a:schemeClr val="accent1">
-            <a:hueOff val="0"/>
-            <a:satOff val="0"/>
-            <a:lumOff val="0"/>
-            <a:alphaOff val="0"/>
-          </a:schemeClr>
-        </a:solidFill>
-        <a:ln w="25400" cap="flat" cmpd="sng" algn="ctr">
-          <a:solidFill>
-            <a:schemeClr val="lt1">
-              <a:hueOff val="0"/>
-              <a:satOff val="0"/>
-              <a:lumOff val="0"/>
-              <a:alphaOff val="0"/>
-            </a:schemeClr>
-          </a:solidFill>
-          <a:prstDash val="solid"/>
-        </a:ln>
-        <a:effectLst/>
-      </dsp:spPr>
-      <dsp:style>
-        <a:lnRef idx="2">
-          <a:scrgbClr r="0" g="0" b="0"/>
-        </a:lnRef>
-        <a:fillRef idx="1">
-          <a:scrgbClr r="0" g="0" b="0"/>
-        </a:fillRef>
-        <a:effectRef idx="0">
-          <a:scrgbClr r="0" g="0" b="0"/>
-        </a:effectRef>
-        <a:fontRef idx="minor">
-          <a:schemeClr val="lt1"/>
-        </a:fontRef>
-      </dsp:style>
-      <dsp:txBody>
-        <a:bodyPr spcFirstLastPara="0" vert="horz" wrap="square" lIns="53340" tIns="53340" rIns="53340" bIns="53340" numCol="1" spcCol="1270" anchor="ctr" anchorCtr="0">
-          <a:noAutofit/>
-        </a:bodyPr>
-        <a:lstStyle/>
-        <a:p>
-          <a:pPr lvl="0" algn="ctr" defTabSz="622300">
-            <a:lnSpc>
-              <a:spcPct val="90000"/>
-            </a:lnSpc>
-            <a:spcBef>
-              <a:spcPct val="0"/>
-            </a:spcBef>
-            <a:spcAft>
-              <a:spcPct val="35000"/>
-            </a:spcAft>
-          </a:pPr>
-          <a:r>
-            <a:rPr lang="en-GB" sz="1400" kern="1200" dirty="0" smtClean="0"/>
-            <a:t>Task</a:t>
-          </a:r>
-          <a:endParaRPr lang="lv-LV" sz="1400" kern="1200" dirty="0"/>
-        </a:p>
-      </dsp:txBody>
-      <dsp:txXfrm>
-        <a:off x="3513487" y="778"/>
-        <a:ext cx="668877" cy="569330"/>
-      </dsp:txXfrm>
-    </dsp:sp>
-    <dsp:sp modelId="{0A89EB91-EF61-405E-99D0-732ADA877D79}">
-      <dsp:nvSpPr>
-        <dsp:cNvPr id="0" name=""/>
-        <dsp:cNvSpPr/>
-      </dsp:nvSpPr>
-      <dsp:spPr>
-        <a:xfrm>
-          <a:off x="4210216" y="809609"/>
-          <a:ext cx="668877" cy="711662"/>
-        </a:xfrm>
-        <a:prstGeom prst="roundRect">
-          <a:avLst>
-            <a:gd name="adj" fmla="val 10000"/>
-          </a:avLst>
-        </a:prstGeom>
-        <a:solidFill>
-          <a:schemeClr val="accent1">
-            <a:hueOff val="0"/>
-            <a:satOff val="0"/>
-            <a:lumOff val="0"/>
-            <a:alphaOff val="0"/>
-          </a:schemeClr>
-        </a:solidFill>
-        <a:ln w="25400" cap="flat" cmpd="sng" algn="ctr">
-          <a:solidFill>
-            <a:schemeClr val="lt1">
-              <a:hueOff val="0"/>
-              <a:satOff val="0"/>
-              <a:lumOff val="0"/>
-              <a:alphaOff val="0"/>
-            </a:schemeClr>
-          </a:solidFill>
-          <a:prstDash val="solid"/>
-        </a:ln>
-        <a:effectLst/>
-      </dsp:spPr>
-      <dsp:style>
-        <a:lnRef idx="2">
-          <a:scrgbClr r="0" g="0" b="0"/>
-        </a:lnRef>
-        <a:fillRef idx="1">
-          <a:scrgbClr r="0" g="0" b="0"/>
-        </a:fillRef>
-        <a:effectRef idx="0">
-          <a:scrgbClr r="0" g="0" b="0"/>
-        </a:effectRef>
-        <a:fontRef idx="minor">
-          <a:schemeClr val="lt1"/>
-        </a:fontRef>
-      </dsp:style>
-      <dsp:txBody>
-        <a:bodyPr spcFirstLastPara="0" vert="horz" wrap="square" lIns="53340" tIns="53340" rIns="53340" bIns="53340" numCol="1" spcCol="1270" anchor="ctr" anchorCtr="0">
-          <a:noAutofit/>
-        </a:bodyPr>
-        <a:lstStyle/>
-        <a:p>
-          <a:pPr lvl="0" algn="ctr" defTabSz="622300">
-            <a:lnSpc>
-              <a:spcPct val="90000"/>
-            </a:lnSpc>
-            <a:spcBef>
-              <a:spcPct val="0"/>
-            </a:spcBef>
-            <a:spcAft>
-              <a:spcPct val="35000"/>
-            </a:spcAft>
-          </a:pPr>
-          <a:r>
-            <a:rPr lang="en-GB" sz="1400" kern="1200" dirty="0" smtClean="0"/>
-            <a:t>PE “Core”</a:t>
-          </a:r>
-          <a:endParaRPr lang="lv-LV" sz="1400" kern="1200" dirty="0"/>
-        </a:p>
-      </dsp:txBody>
-      <dsp:txXfrm>
-        <a:off x="4229807" y="829200"/>
-        <a:ext cx="629695" cy="672480"/>
-      </dsp:txXfrm>
-    </dsp:sp>
-    <dsp:sp modelId="{2C16BB24-AE4F-4AA2-99E7-30610E504ED2}">
-      <dsp:nvSpPr>
-        <dsp:cNvPr id="0" name=""/>
-        <dsp:cNvSpPr/>
-      </dsp:nvSpPr>
-      <dsp:spPr>
-        <a:xfrm>
-          <a:off x="4210457" y="778"/>
-          <a:ext cx="668877" cy="711662"/>
-        </a:xfrm>
-        <a:prstGeom prst="flowChartOffpageConnector">
-          <a:avLst/>
-        </a:prstGeom>
-        <a:solidFill>
-          <a:schemeClr val="accent1">
-            <a:hueOff val="0"/>
-            <a:satOff val="0"/>
-            <a:lumOff val="0"/>
-            <a:alphaOff val="0"/>
-          </a:schemeClr>
-        </a:solidFill>
-        <a:ln w="25400" cap="flat" cmpd="sng" algn="ctr">
-          <a:solidFill>
-            <a:schemeClr val="lt1">
-              <a:hueOff val="0"/>
-              <a:satOff val="0"/>
-              <a:lumOff val="0"/>
-              <a:alphaOff val="0"/>
-            </a:schemeClr>
-          </a:solidFill>
-          <a:prstDash val="solid"/>
-        </a:ln>
-        <a:effectLst/>
-      </dsp:spPr>
-      <dsp:style>
-        <a:lnRef idx="2">
-          <a:scrgbClr r="0" g="0" b="0"/>
-        </a:lnRef>
-        <a:fillRef idx="1">
-          <a:scrgbClr r="0" g="0" b="0"/>
-        </a:fillRef>
-        <a:effectRef idx="0">
-          <a:scrgbClr r="0" g="0" b="0"/>
-        </a:effectRef>
-        <a:fontRef idx="minor">
-          <a:schemeClr val="lt1"/>
-        </a:fontRef>
-      </dsp:style>
-      <dsp:txBody>
-        <a:bodyPr spcFirstLastPara="0" vert="horz" wrap="square" lIns="53340" tIns="53340" rIns="53340" bIns="53340" numCol="1" spcCol="1270" anchor="ctr" anchorCtr="0">
-          <a:noAutofit/>
-        </a:bodyPr>
-        <a:lstStyle/>
-        <a:p>
-          <a:pPr lvl="0" algn="ctr" defTabSz="622300">
-            <a:lnSpc>
-              <a:spcPct val="90000"/>
-            </a:lnSpc>
-            <a:spcBef>
-              <a:spcPct val="0"/>
-            </a:spcBef>
-            <a:spcAft>
-              <a:spcPct val="35000"/>
-            </a:spcAft>
-          </a:pPr>
-          <a:r>
-            <a:rPr lang="en-GB" sz="1400" kern="1200" dirty="0" smtClean="0"/>
-            <a:t>Task</a:t>
-          </a:r>
-          <a:endParaRPr lang="lv-LV" sz="1400" kern="1200" dirty="0"/>
-        </a:p>
-      </dsp:txBody>
-      <dsp:txXfrm>
-        <a:off x="4210457" y="778"/>
-        <a:ext cx="668877" cy="569330"/>
-      </dsp:txXfrm>
-    </dsp:sp>
-    <dsp:sp modelId="{0E2361F5-C08F-482C-9318-ACE43BD40691}">
-      <dsp:nvSpPr>
-        <dsp:cNvPr id="0" name=""/>
-        <dsp:cNvSpPr/>
-      </dsp:nvSpPr>
-      <dsp:spPr>
-        <a:xfrm>
-          <a:off x="4907187" y="809609"/>
-          <a:ext cx="668877" cy="711662"/>
-        </a:xfrm>
-        <a:prstGeom prst="roundRect">
-          <a:avLst>
-            <a:gd name="adj" fmla="val 10000"/>
-          </a:avLst>
-        </a:prstGeom>
-        <a:solidFill>
-          <a:schemeClr val="accent1">
-            <a:hueOff val="0"/>
-            <a:satOff val="0"/>
-            <a:lumOff val="0"/>
-            <a:alphaOff val="0"/>
-          </a:schemeClr>
-        </a:solidFill>
-        <a:ln w="25400" cap="flat" cmpd="sng" algn="ctr">
-          <a:solidFill>
-            <a:schemeClr val="lt1">
-              <a:hueOff val="0"/>
-              <a:satOff val="0"/>
-              <a:lumOff val="0"/>
-              <a:alphaOff val="0"/>
-            </a:schemeClr>
-          </a:solidFill>
-          <a:prstDash val="solid"/>
-        </a:ln>
-        <a:effectLst/>
-      </dsp:spPr>
-      <dsp:style>
-        <a:lnRef idx="2">
-          <a:scrgbClr r="0" g="0" b="0"/>
-        </a:lnRef>
-        <a:fillRef idx="1">
-          <a:scrgbClr r="0" g="0" b="0"/>
-        </a:fillRef>
-        <a:effectRef idx="0">
-          <a:scrgbClr r="0" g="0" b="0"/>
-        </a:effectRef>
-        <a:fontRef idx="minor">
-          <a:schemeClr val="lt1"/>
-        </a:fontRef>
-      </dsp:style>
-      <dsp:txBody>
-        <a:bodyPr spcFirstLastPara="0" vert="horz" wrap="square" lIns="53340" tIns="53340" rIns="53340" bIns="53340" numCol="1" spcCol="1270" anchor="ctr" anchorCtr="0">
-          <a:noAutofit/>
-        </a:bodyPr>
-        <a:lstStyle/>
-        <a:p>
-          <a:pPr lvl="0" algn="ctr" defTabSz="622300">
-            <a:lnSpc>
-              <a:spcPct val="90000"/>
-            </a:lnSpc>
-            <a:spcBef>
-              <a:spcPct val="0"/>
-            </a:spcBef>
-            <a:spcAft>
-              <a:spcPct val="35000"/>
-            </a:spcAft>
-          </a:pPr>
-          <a:r>
-            <a:rPr lang="en-GB" sz="1400" kern="1200" dirty="0" smtClean="0"/>
-            <a:t>PE “Core”</a:t>
-          </a:r>
-          <a:endParaRPr lang="lv-LV" sz="1400" kern="1200" dirty="0"/>
-        </a:p>
-      </dsp:txBody>
-      <dsp:txXfrm>
-        <a:off x="4926778" y="829200"/>
-        <a:ext cx="629695" cy="672480"/>
-      </dsp:txXfrm>
-    </dsp:sp>
-    <dsp:sp modelId="{9618C31A-E27D-42B0-A2E1-EEC38F5D4C28}">
-      <dsp:nvSpPr>
-        <dsp:cNvPr id="0" name=""/>
-        <dsp:cNvSpPr/>
-      </dsp:nvSpPr>
-      <dsp:spPr>
-        <a:xfrm>
-          <a:off x="4907428" y="778"/>
-          <a:ext cx="668877" cy="711662"/>
-        </a:xfrm>
-        <a:prstGeom prst="flowChartOffpageConnector">
-          <a:avLst/>
-        </a:prstGeom>
-        <a:solidFill>
-          <a:schemeClr val="accent1">
-            <a:hueOff val="0"/>
-            <a:satOff val="0"/>
-            <a:lumOff val="0"/>
-            <a:alphaOff val="0"/>
-          </a:schemeClr>
-        </a:solidFill>
-        <a:ln w="25400" cap="flat" cmpd="sng" algn="ctr">
-          <a:solidFill>
-            <a:schemeClr val="lt1">
-              <a:hueOff val="0"/>
-              <a:satOff val="0"/>
-              <a:lumOff val="0"/>
-              <a:alphaOff val="0"/>
-            </a:schemeClr>
-          </a:solidFill>
-          <a:prstDash val="solid"/>
-        </a:ln>
-        <a:effectLst/>
-      </dsp:spPr>
-      <dsp:style>
-        <a:lnRef idx="2">
-          <a:scrgbClr r="0" g="0" b="0"/>
-        </a:lnRef>
-        <a:fillRef idx="1">
-          <a:scrgbClr r="0" g="0" b="0"/>
-        </a:fillRef>
-        <a:effectRef idx="0">
-          <a:scrgbClr r="0" g="0" b="0"/>
-        </a:effectRef>
-        <a:fontRef idx="minor">
-          <a:schemeClr val="lt1"/>
-        </a:fontRef>
-      </dsp:style>
-      <dsp:txBody>
-        <a:bodyPr spcFirstLastPara="0" vert="horz" wrap="square" lIns="53340" tIns="53340" rIns="53340" bIns="53340" numCol="1" spcCol="1270" anchor="ctr" anchorCtr="0">
-          <a:noAutofit/>
-        </a:bodyPr>
-        <a:lstStyle/>
-        <a:p>
-          <a:pPr lvl="0" algn="ctr" defTabSz="622300">
-            <a:lnSpc>
-              <a:spcPct val="90000"/>
-            </a:lnSpc>
-            <a:spcBef>
-              <a:spcPct val="0"/>
-            </a:spcBef>
-            <a:spcAft>
-              <a:spcPct val="35000"/>
-            </a:spcAft>
-          </a:pPr>
-          <a:r>
-            <a:rPr lang="en-GB" sz="1400" kern="1200" dirty="0" smtClean="0"/>
-            <a:t>Task</a:t>
-          </a:r>
-          <a:endParaRPr lang="lv-LV" sz="1400" kern="1200" dirty="0"/>
-        </a:p>
-      </dsp:txBody>
-      <dsp:txXfrm>
-        <a:off x="4907428" y="778"/>
-        <a:ext cx="668877" cy="569330"/>
-      </dsp:txXfrm>
-    </dsp:sp>
-    <dsp:sp modelId="{F4408782-5710-4D8D-898D-805F1023BBFC}">
-      <dsp:nvSpPr>
-        <dsp:cNvPr id="0" name=""/>
-        <dsp:cNvSpPr/>
-      </dsp:nvSpPr>
-      <dsp:spPr>
-        <a:xfrm>
-          <a:off x="5604158" y="809609"/>
-          <a:ext cx="668877" cy="711662"/>
-        </a:xfrm>
-        <a:prstGeom prst="roundRect">
-          <a:avLst>
-            <a:gd name="adj" fmla="val 10000"/>
-          </a:avLst>
-        </a:prstGeom>
-        <a:solidFill>
-          <a:schemeClr val="accent1">
-            <a:hueOff val="0"/>
-            <a:satOff val="0"/>
-            <a:lumOff val="0"/>
-            <a:alphaOff val="0"/>
-          </a:schemeClr>
-        </a:solidFill>
-        <a:ln w="25400" cap="flat" cmpd="sng" algn="ctr">
-          <a:solidFill>
-            <a:schemeClr val="lt1">
-              <a:hueOff val="0"/>
-              <a:satOff val="0"/>
-              <a:lumOff val="0"/>
-              <a:alphaOff val="0"/>
-            </a:schemeClr>
-          </a:solidFill>
-          <a:prstDash val="solid"/>
-        </a:ln>
-        <a:effectLst/>
-      </dsp:spPr>
-      <dsp:style>
-        <a:lnRef idx="2">
-          <a:scrgbClr r="0" g="0" b="0"/>
-        </a:lnRef>
-        <a:fillRef idx="1">
-          <a:scrgbClr r="0" g="0" b="0"/>
-        </a:fillRef>
-        <a:effectRef idx="0">
-          <a:scrgbClr r="0" g="0" b="0"/>
-        </a:effectRef>
-        <a:fontRef idx="minor">
-          <a:schemeClr val="lt1"/>
-        </a:fontRef>
-      </dsp:style>
-      <dsp:txBody>
-        <a:bodyPr spcFirstLastPara="0" vert="horz" wrap="square" lIns="53340" tIns="53340" rIns="53340" bIns="53340" numCol="1" spcCol="1270" anchor="ctr" anchorCtr="0">
-          <a:noAutofit/>
-        </a:bodyPr>
-        <a:lstStyle/>
-        <a:p>
-          <a:pPr lvl="0" algn="ctr" defTabSz="622300">
-            <a:lnSpc>
-              <a:spcPct val="90000"/>
-            </a:lnSpc>
-            <a:spcBef>
-              <a:spcPct val="0"/>
-            </a:spcBef>
-            <a:spcAft>
-              <a:spcPct val="35000"/>
-            </a:spcAft>
-          </a:pPr>
-          <a:r>
-            <a:rPr lang="en-GB" sz="1400" kern="1200" dirty="0" smtClean="0"/>
-            <a:t>PE “Core”</a:t>
-          </a:r>
-          <a:endParaRPr lang="lv-LV" sz="1400" kern="1200" dirty="0"/>
-        </a:p>
-      </dsp:txBody>
-      <dsp:txXfrm>
-        <a:off x="5623749" y="829200"/>
-        <a:ext cx="629695" cy="672480"/>
-      </dsp:txXfrm>
-    </dsp:sp>
-    <dsp:sp modelId="{2F02E625-6014-4E93-A6C1-AF7FDAA75108}">
-      <dsp:nvSpPr>
-        <dsp:cNvPr id="0" name=""/>
-        <dsp:cNvSpPr/>
-      </dsp:nvSpPr>
-      <dsp:spPr>
-        <a:xfrm>
-          <a:off x="5604399" y="778"/>
-          <a:ext cx="668877" cy="711662"/>
-        </a:xfrm>
-        <a:prstGeom prst="flowChartOffpageConnector">
-          <a:avLst/>
-        </a:prstGeom>
-        <a:solidFill>
-          <a:schemeClr val="accent1">
-            <a:hueOff val="0"/>
-            <a:satOff val="0"/>
-            <a:lumOff val="0"/>
-            <a:alphaOff val="0"/>
-          </a:schemeClr>
-        </a:solidFill>
-        <a:ln w="25400" cap="flat" cmpd="sng" algn="ctr">
-          <a:solidFill>
-            <a:schemeClr val="lt1">
-              <a:hueOff val="0"/>
-              <a:satOff val="0"/>
-              <a:lumOff val="0"/>
-              <a:alphaOff val="0"/>
-            </a:schemeClr>
-          </a:solidFill>
-          <a:prstDash val="solid"/>
-        </a:ln>
-        <a:effectLst/>
-      </dsp:spPr>
-      <dsp:style>
-        <a:lnRef idx="2">
-          <a:scrgbClr r="0" g="0" b="0"/>
-        </a:lnRef>
-        <a:fillRef idx="1">
-          <a:scrgbClr r="0" g="0" b="0"/>
-        </a:fillRef>
-        <a:effectRef idx="0">
-          <a:scrgbClr r="0" g="0" b="0"/>
-        </a:effectRef>
-        <a:fontRef idx="minor">
-          <a:schemeClr val="lt1"/>
-        </a:fontRef>
-      </dsp:style>
-      <dsp:txBody>
-        <a:bodyPr spcFirstLastPara="0" vert="horz" wrap="square" lIns="53340" tIns="53340" rIns="53340" bIns="53340" numCol="1" spcCol="1270" anchor="ctr" anchorCtr="0">
-          <a:noAutofit/>
-        </a:bodyPr>
-        <a:lstStyle/>
-        <a:p>
-          <a:pPr lvl="0" algn="ctr" defTabSz="622300">
-            <a:lnSpc>
-              <a:spcPct val="90000"/>
-            </a:lnSpc>
-            <a:spcBef>
-              <a:spcPct val="0"/>
-            </a:spcBef>
-            <a:spcAft>
-              <a:spcPct val="35000"/>
-            </a:spcAft>
-          </a:pPr>
-          <a:r>
-            <a:rPr lang="en-GB" sz="1400" kern="1200" smtClean="0"/>
-            <a:t>Task</a:t>
-          </a:r>
-          <a:endParaRPr lang="lv-LV" sz="1400" kern="1200" dirty="0"/>
-        </a:p>
-      </dsp:txBody>
-      <dsp:txXfrm>
-        <a:off x="5604399" y="778"/>
-        <a:ext cx="668877" cy="569330"/>
-      </dsp:txXfrm>
-    </dsp:sp>
-    <dsp:sp modelId="{BC510668-3EF3-4B39-BC11-0CEBF603F35F}">
-      <dsp:nvSpPr>
-        <dsp:cNvPr id="0" name=""/>
-        <dsp:cNvSpPr/>
-      </dsp:nvSpPr>
-      <dsp:spPr>
-        <a:xfrm>
-          <a:off x="6301369" y="810082"/>
-          <a:ext cx="668877" cy="711662"/>
-        </a:xfrm>
-        <a:prstGeom prst="roundRect">
-          <a:avLst>
-            <a:gd name="adj" fmla="val 10000"/>
-          </a:avLst>
-        </a:prstGeom>
-        <a:solidFill>
-          <a:schemeClr val="accent1">
-            <a:hueOff val="0"/>
-            <a:satOff val="0"/>
-            <a:lumOff val="0"/>
-            <a:alphaOff val="0"/>
-          </a:schemeClr>
-        </a:solidFill>
-        <a:ln w="25400" cap="flat" cmpd="sng" algn="ctr">
-          <a:solidFill>
-            <a:schemeClr val="lt1">
-              <a:hueOff val="0"/>
-              <a:satOff val="0"/>
-              <a:lumOff val="0"/>
-              <a:alphaOff val="0"/>
-            </a:schemeClr>
-          </a:solidFill>
-          <a:prstDash val="solid"/>
-        </a:ln>
-        <a:effectLst/>
-      </dsp:spPr>
-      <dsp:style>
-        <a:lnRef idx="2">
-          <a:scrgbClr r="0" g="0" b="0"/>
-        </a:lnRef>
-        <a:fillRef idx="1">
-          <a:scrgbClr r="0" g="0" b="0"/>
-        </a:fillRef>
-        <a:effectRef idx="0">
-          <a:scrgbClr r="0" g="0" b="0"/>
-        </a:effectRef>
-        <a:fontRef idx="minor">
-          <a:schemeClr val="lt1"/>
-        </a:fontRef>
-      </dsp:style>
-      <dsp:txBody>
-        <a:bodyPr spcFirstLastPara="0" vert="horz" wrap="square" lIns="53340" tIns="53340" rIns="53340" bIns="53340" numCol="1" spcCol="1270" anchor="ctr" anchorCtr="0">
-          <a:noAutofit/>
-        </a:bodyPr>
-        <a:lstStyle/>
-        <a:p>
-          <a:pPr lvl="0" algn="ctr" defTabSz="622300">
-            <a:lnSpc>
-              <a:spcPct val="90000"/>
-            </a:lnSpc>
-            <a:spcBef>
-              <a:spcPct val="0"/>
-            </a:spcBef>
-            <a:spcAft>
-              <a:spcPct val="35000"/>
-            </a:spcAft>
-          </a:pPr>
-          <a:r>
-            <a:rPr lang="en-GB" sz="1400" kern="1200" dirty="0" smtClean="0"/>
-            <a:t>…</a:t>
-          </a:r>
-          <a:endParaRPr lang="lv-LV" sz="1400" kern="1200" dirty="0"/>
-        </a:p>
-      </dsp:txBody>
-      <dsp:txXfrm>
-        <a:off x="6320960" y="829673"/>
-        <a:ext cx="629695" cy="672480"/>
-      </dsp:txXfrm>
-    </dsp:sp>
-    <dsp:sp modelId="{B4274971-6243-4878-9949-B6DB441E62A3}">
-      <dsp:nvSpPr>
-        <dsp:cNvPr id="0" name=""/>
-        <dsp:cNvSpPr/>
-      </dsp:nvSpPr>
-      <dsp:spPr>
-        <a:xfrm>
-          <a:off x="6301369" y="778"/>
-          <a:ext cx="668877" cy="711662"/>
-        </a:xfrm>
-        <a:prstGeom prst="flowChartOffpageConnector">
-          <a:avLst/>
-        </a:prstGeom>
-        <a:solidFill>
-          <a:schemeClr val="accent1">
-            <a:hueOff val="0"/>
-            <a:satOff val="0"/>
-            <a:lumOff val="0"/>
-            <a:alphaOff val="0"/>
-          </a:schemeClr>
-        </a:solidFill>
-        <a:ln w="25400" cap="flat" cmpd="sng" algn="ctr">
-          <a:solidFill>
-            <a:schemeClr val="lt1">
-              <a:hueOff val="0"/>
-              <a:satOff val="0"/>
-              <a:lumOff val="0"/>
-              <a:alphaOff val="0"/>
-            </a:schemeClr>
-          </a:solidFill>
-          <a:prstDash val="solid"/>
-        </a:ln>
-        <a:effectLst/>
-      </dsp:spPr>
-      <dsp:style>
-        <a:lnRef idx="2">
-          <a:scrgbClr r="0" g="0" b="0"/>
-        </a:lnRef>
-        <a:fillRef idx="1">
-          <a:scrgbClr r="0" g="0" b="0"/>
-        </a:fillRef>
-        <a:effectRef idx="0">
-          <a:scrgbClr r="0" g="0" b="0"/>
-        </a:effectRef>
-        <a:fontRef idx="minor">
-          <a:schemeClr val="lt1"/>
-        </a:fontRef>
-      </dsp:style>
-      <dsp:txBody>
-        <a:bodyPr spcFirstLastPara="0" vert="horz" wrap="square" lIns="53340" tIns="53340" rIns="53340" bIns="53340" numCol="1" spcCol="1270" anchor="ctr" anchorCtr="0">
-          <a:noAutofit/>
-        </a:bodyPr>
-        <a:lstStyle/>
-        <a:p>
-          <a:pPr lvl="0" algn="ctr" defTabSz="622300">
-            <a:lnSpc>
-              <a:spcPct val="90000"/>
-            </a:lnSpc>
-            <a:spcBef>
-              <a:spcPct val="0"/>
-            </a:spcBef>
-            <a:spcAft>
-              <a:spcPct val="35000"/>
-            </a:spcAft>
-          </a:pPr>
-          <a:r>
-            <a:rPr lang="en-GB" sz="1400" kern="1200" dirty="0" smtClean="0"/>
-            <a:t>…</a:t>
-          </a:r>
-          <a:endParaRPr lang="lv-LV" sz="1400" kern="1200" dirty="0"/>
-        </a:p>
-      </dsp:txBody>
-      <dsp:txXfrm>
-        <a:off x="6301369" y="778"/>
-        <a:ext cx="668877" cy="569330"/>
-      </dsp:txXfrm>
-    </dsp:sp>
-    <dsp:sp modelId="{BBCE1C62-DB27-454A-9CEF-688E33CF3052}">
-      <dsp:nvSpPr>
-        <dsp:cNvPr id="0" name=""/>
-        <dsp:cNvSpPr/>
-      </dsp:nvSpPr>
-      <dsp:spPr>
-        <a:xfrm>
-          <a:off x="7026433" y="1619387"/>
-          <a:ext cx="668877" cy="711662"/>
-        </a:xfrm>
-        <a:prstGeom prst="roundRect">
-          <a:avLst>
-            <a:gd name="adj" fmla="val 10000"/>
-          </a:avLst>
-        </a:prstGeom>
-        <a:solidFill>
-          <a:schemeClr val="accent1">
-            <a:hueOff val="0"/>
-            <a:satOff val="0"/>
-            <a:lumOff val="0"/>
-            <a:alphaOff val="0"/>
-          </a:schemeClr>
-        </a:solidFill>
-        <a:ln w="25400" cap="flat" cmpd="sng" algn="ctr">
-          <a:solidFill>
-            <a:schemeClr val="lt1">
-              <a:hueOff val="0"/>
-              <a:satOff val="0"/>
-              <a:lumOff val="0"/>
-              <a:alphaOff val="0"/>
-            </a:schemeClr>
-          </a:solidFill>
-          <a:prstDash val="solid"/>
-        </a:ln>
-        <a:effectLst/>
-      </dsp:spPr>
-      <dsp:style>
-        <a:lnRef idx="2">
-          <a:scrgbClr r="0" g="0" b="0"/>
-        </a:lnRef>
-        <a:fillRef idx="1">
-          <a:scrgbClr r="0" g="0" b="0"/>
-        </a:fillRef>
-        <a:effectRef idx="0">
-          <a:scrgbClr r="0" g="0" b="0"/>
-        </a:effectRef>
-        <a:fontRef idx="minor">
-          <a:schemeClr val="lt1"/>
-        </a:fontRef>
-      </dsp:style>
-      <dsp:txBody>
-        <a:bodyPr spcFirstLastPara="0" vert="horz" wrap="square" lIns="118110" tIns="118110" rIns="118110" bIns="118110" numCol="1" spcCol="1270" anchor="ctr" anchorCtr="0">
-          <a:noAutofit/>
-        </a:bodyPr>
-        <a:lstStyle/>
-        <a:p>
-          <a:pPr lvl="0" algn="ctr" defTabSz="1377950">
-            <a:lnSpc>
-              <a:spcPct val="90000"/>
-            </a:lnSpc>
-            <a:spcBef>
-              <a:spcPct val="0"/>
-            </a:spcBef>
-            <a:spcAft>
-              <a:spcPct val="35000"/>
-            </a:spcAft>
-          </a:pPr>
-          <a:r>
-            <a:rPr lang="en-GB" sz="3100" kern="1200" dirty="0" smtClean="0"/>
-            <a:t>…</a:t>
-          </a:r>
-          <a:endParaRPr lang="lv-LV" sz="3100" kern="1200" dirty="0"/>
-        </a:p>
-      </dsp:txBody>
-      <dsp:txXfrm>
-        <a:off x="7046024" y="1638978"/>
-        <a:ext cx="629695" cy="672480"/>
-      </dsp:txXfrm>
-    </dsp:sp>
-    <dsp:sp modelId="{3234883F-A727-41EE-B4E1-599A81CFFA3D}">
-      <dsp:nvSpPr>
-        <dsp:cNvPr id="0" name=""/>
-        <dsp:cNvSpPr/>
-      </dsp:nvSpPr>
-      <dsp:spPr>
-        <a:xfrm>
-          <a:off x="7026433" y="810082"/>
-          <a:ext cx="668877" cy="711662"/>
-        </a:xfrm>
-        <a:prstGeom prst="roundRect">
-          <a:avLst>
-            <a:gd name="adj" fmla="val 10000"/>
-          </a:avLst>
-        </a:prstGeom>
-        <a:solidFill>
-          <a:schemeClr val="accent1">
-            <a:hueOff val="0"/>
-            <a:satOff val="0"/>
-            <a:lumOff val="0"/>
-            <a:alphaOff val="0"/>
-          </a:schemeClr>
-        </a:solidFill>
-        <a:ln w="25400" cap="flat" cmpd="sng" algn="ctr">
-          <a:solidFill>
-            <a:schemeClr val="lt1">
-              <a:hueOff val="0"/>
-              <a:satOff val="0"/>
-              <a:lumOff val="0"/>
-              <a:alphaOff val="0"/>
-            </a:schemeClr>
-          </a:solidFill>
-          <a:prstDash val="solid"/>
-        </a:ln>
-        <a:effectLst/>
-      </dsp:spPr>
-      <dsp:style>
-        <a:lnRef idx="2">
-          <a:scrgbClr r="0" g="0" b="0"/>
-        </a:lnRef>
-        <a:fillRef idx="1">
-          <a:scrgbClr r="0" g="0" b="0"/>
-        </a:fillRef>
-        <a:effectRef idx="0">
-          <a:scrgbClr r="0" g="0" b="0"/>
-        </a:effectRef>
-        <a:fontRef idx="minor">
-          <a:schemeClr val="lt1"/>
-        </a:fontRef>
-      </dsp:style>
-      <dsp:txBody>
-        <a:bodyPr spcFirstLastPara="0" vert="horz" wrap="square" lIns="53340" tIns="53340" rIns="53340" bIns="53340" numCol="1" spcCol="1270" anchor="ctr" anchorCtr="0">
-          <a:noAutofit/>
-        </a:bodyPr>
-        <a:lstStyle/>
-        <a:p>
-          <a:pPr lvl="0" algn="ctr" defTabSz="622300">
-            <a:lnSpc>
-              <a:spcPct val="90000"/>
-            </a:lnSpc>
-            <a:spcBef>
-              <a:spcPct val="0"/>
-            </a:spcBef>
-            <a:spcAft>
-              <a:spcPct val="35000"/>
-            </a:spcAft>
-          </a:pPr>
-          <a:r>
-            <a:rPr lang="en-GB" sz="1400" kern="1200" dirty="0" smtClean="0"/>
-            <a:t>…</a:t>
-          </a:r>
-          <a:endParaRPr lang="lv-LV" sz="1400" kern="1200" dirty="0"/>
-        </a:p>
-      </dsp:txBody>
-      <dsp:txXfrm>
-        <a:off x="7046024" y="829673"/>
-        <a:ext cx="629695" cy="672480"/>
-      </dsp:txXfrm>
-    </dsp:sp>
-    <dsp:sp modelId="{1507869D-D0A6-4C09-BDA5-1D1942D72EFD}">
-      <dsp:nvSpPr>
-        <dsp:cNvPr id="0" name=""/>
-        <dsp:cNvSpPr/>
-      </dsp:nvSpPr>
-      <dsp:spPr>
-        <a:xfrm>
-          <a:off x="7026433" y="778"/>
-          <a:ext cx="668877" cy="711662"/>
-        </a:xfrm>
-        <a:prstGeom prst="flowChartOffpageConnector">
-          <a:avLst/>
-        </a:prstGeom>
-        <a:solidFill>
-          <a:schemeClr val="accent1">
-            <a:hueOff val="0"/>
-            <a:satOff val="0"/>
-            <a:lumOff val="0"/>
-            <a:alphaOff val="0"/>
-          </a:schemeClr>
-        </a:solidFill>
-        <a:ln w="25400" cap="flat" cmpd="sng" algn="ctr">
-          <a:solidFill>
-            <a:schemeClr val="lt1">
-              <a:hueOff val="0"/>
-              <a:satOff val="0"/>
-              <a:lumOff val="0"/>
-              <a:alphaOff val="0"/>
-            </a:schemeClr>
-          </a:solidFill>
-          <a:prstDash val="solid"/>
-        </a:ln>
-        <a:effectLst/>
-      </dsp:spPr>
-      <dsp:style>
-        <a:lnRef idx="2">
-          <a:scrgbClr r="0" g="0" b="0"/>
-        </a:lnRef>
-        <a:fillRef idx="1">
-          <a:scrgbClr r="0" g="0" b="0"/>
-        </a:fillRef>
-        <a:effectRef idx="0">
-          <a:scrgbClr r="0" g="0" b="0"/>
-        </a:effectRef>
-        <a:fontRef idx="minor">
-          <a:schemeClr val="lt1"/>
-        </a:fontRef>
-      </dsp:style>
-      <dsp:txBody>
-        <a:bodyPr spcFirstLastPara="0" vert="horz" wrap="square" lIns="53340" tIns="53340" rIns="53340" bIns="53340" numCol="1" spcCol="1270" anchor="ctr" anchorCtr="0">
-          <a:noAutofit/>
-        </a:bodyPr>
-        <a:lstStyle/>
-        <a:p>
-          <a:pPr lvl="0" algn="ctr" defTabSz="622300">
-            <a:lnSpc>
-              <a:spcPct val="90000"/>
-            </a:lnSpc>
-            <a:spcBef>
-              <a:spcPct val="0"/>
-            </a:spcBef>
-            <a:spcAft>
-              <a:spcPct val="35000"/>
-            </a:spcAft>
-          </a:pPr>
-          <a:r>
-            <a:rPr lang="en-GB" sz="1400" kern="1200" dirty="0" smtClean="0"/>
-            <a:t>…</a:t>
-          </a:r>
-          <a:endParaRPr lang="lv-LV" sz="1400" kern="1200" dirty="0"/>
-        </a:p>
-      </dsp:txBody>
-      <dsp:txXfrm>
-        <a:off x="7026433" y="778"/>
-        <a:ext cx="668877" cy="569330"/>
-      </dsp:txXfrm>
-    </dsp:sp>
   </dsp:spTree>
 </dsp:drawing>
 </file>
@@ -6526,7 +4490,7 @@
           <a:p>
             <a:fld id="{067803CE-B60F-43EB-9075-5B30E94D311F}" type="datetimeFigureOut">
               <a:rPr lang="en-US" smtClean="0"/>
-              <a:t>7/10/2014</a:t>
+              <a:t>7/11/2014</a:t>
             </a:fld>
             <a:endParaRPr lang="en-US"/>
           </a:p>
@@ -6975,7 +4939,7 @@
           <a:p>
             <a:fld id="{9B6A8A6C-B969-4849-A48A-2FD437CE6A36}" type="datetimeFigureOut">
               <a:rPr lang="en-US" smtClean="0"/>
-              <a:t>7/10/2014</a:t>
+              <a:t>7/11/2014</a:t>
             </a:fld>
             <a:endParaRPr lang="en-US"/>
           </a:p>
@@ -7140,7 +5104,7 @@
           <a:p>
             <a:fld id="{9B6A8A6C-B969-4849-A48A-2FD437CE6A36}" type="datetimeFigureOut">
               <a:rPr lang="en-US" smtClean="0"/>
-              <a:t>7/10/2014</a:t>
+              <a:t>7/11/2014</a:t>
             </a:fld>
             <a:endParaRPr lang="en-US"/>
           </a:p>
@@ -7315,7 +5279,7 @@
           <a:p>
             <a:fld id="{9B6A8A6C-B969-4849-A48A-2FD437CE6A36}" type="datetimeFigureOut">
               <a:rPr lang="en-US" smtClean="0"/>
-              <a:t>7/10/2014</a:t>
+              <a:t>7/11/2014</a:t>
             </a:fld>
             <a:endParaRPr lang="en-US"/>
           </a:p>
@@ -7480,7 +5444,7 @@
           <a:p>
             <a:fld id="{9B6A8A6C-B969-4849-A48A-2FD437CE6A36}" type="datetimeFigureOut">
               <a:rPr lang="en-US" smtClean="0"/>
-              <a:t>7/10/2014</a:t>
+              <a:t>7/11/2014</a:t>
             </a:fld>
             <a:endParaRPr lang="en-US"/>
           </a:p>
@@ -7721,7 +5685,7 @@
           <a:p>
             <a:fld id="{9B6A8A6C-B969-4849-A48A-2FD437CE6A36}" type="datetimeFigureOut">
               <a:rPr lang="en-US" smtClean="0"/>
-              <a:t>7/10/2014</a:t>
+              <a:t>7/11/2014</a:t>
             </a:fld>
             <a:endParaRPr lang="en-US"/>
           </a:p>
@@ -8004,7 +5968,7 @@
           <a:p>
             <a:fld id="{9B6A8A6C-B969-4849-A48A-2FD437CE6A36}" type="datetimeFigureOut">
               <a:rPr lang="en-US" smtClean="0"/>
-              <a:t>7/10/2014</a:t>
+              <a:t>7/11/2014</a:t>
             </a:fld>
             <a:endParaRPr lang="en-US"/>
           </a:p>
@@ -8421,7 +6385,7 @@
           <a:p>
             <a:fld id="{9B6A8A6C-B969-4849-A48A-2FD437CE6A36}" type="datetimeFigureOut">
               <a:rPr lang="en-US" smtClean="0"/>
-              <a:t>7/10/2014</a:t>
+              <a:t>7/11/2014</a:t>
             </a:fld>
             <a:endParaRPr lang="en-US"/>
           </a:p>
@@ -8534,7 +6498,7 @@
           <a:p>
             <a:fld id="{9B6A8A6C-B969-4849-A48A-2FD437CE6A36}" type="datetimeFigureOut">
               <a:rPr lang="en-US" smtClean="0"/>
-              <a:t>7/10/2014</a:t>
+              <a:t>7/11/2014</a:t>
             </a:fld>
             <a:endParaRPr lang="en-US"/>
           </a:p>
@@ -8624,7 +6588,7 @@
           <a:p>
             <a:fld id="{9B6A8A6C-B969-4849-A48A-2FD437CE6A36}" type="datetimeFigureOut">
               <a:rPr lang="en-US" smtClean="0"/>
-              <a:t>7/10/2014</a:t>
+              <a:t>7/11/2014</a:t>
             </a:fld>
             <a:endParaRPr lang="en-US"/>
           </a:p>
@@ -8896,7 +6860,7 @@
           <a:p>
             <a:fld id="{9B6A8A6C-B969-4849-A48A-2FD437CE6A36}" type="datetimeFigureOut">
               <a:rPr lang="en-US" smtClean="0"/>
-              <a:t>7/10/2014</a:t>
+              <a:t>7/11/2014</a:t>
             </a:fld>
             <a:endParaRPr lang="en-US"/>
           </a:p>
@@ -9144,7 +7108,7 @@
           <a:p>
             <a:fld id="{9B6A8A6C-B969-4849-A48A-2FD437CE6A36}" type="datetimeFigureOut">
               <a:rPr lang="en-US" smtClean="0"/>
-              <a:t>7/10/2014</a:t>
+              <a:t>7/11/2014</a:t>
             </a:fld>
             <a:endParaRPr lang="en-US"/>
           </a:p>
@@ -9352,7 +7316,7 @@
           <a:p>
             <a:fld id="{9B6A8A6C-B969-4849-A48A-2FD437CE6A36}" type="datetimeFigureOut">
               <a:rPr lang="en-US" smtClean="0"/>
-              <a:t>7/10/2014</a:t>
+              <a:t>7/11/2014</a:t>
             </a:fld>
             <a:endParaRPr lang="en-US"/>
           </a:p>
@@ -19334,7 +17298,7 @@
         <p:spPr>
           <a:xfrm>
             <a:off x="563672" y="1691014"/>
-            <a:ext cx="7818328" cy="4247317"/>
+            <a:ext cx="7818328" cy="4524315"/>
           </a:xfrm>
           <a:prstGeom prst="rect">
             <a:avLst/>
@@ -19412,7 +17376,7 @@
               </a:rPr>
               <a:t>project</a:t>
             </a:r>
-            <a:endParaRPr lang="en-GB" dirty="0">
+            <a:endParaRPr lang="lv-LV" dirty="0" smtClean="0">
               <a:latin typeface="Comic Sans MS" panose="030F0702030302020204" pitchFamily="66" charset="0"/>
               <a:cs typeface="Consolas" panose="020B0609020204030204" pitchFamily="49" charset="0"/>
             </a:endParaRPr>
@@ -19427,7 +17391,52 @@
                 <a:latin typeface="Comic Sans MS" panose="030F0702030302020204" pitchFamily="66" charset="0"/>
                 <a:cs typeface="Consolas" panose="020B0609020204030204" pitchFamily="49" charset="0"/>
               </a:rPr>
-              <a:t>Uses Scala to “reinvent Verilog”</a:t>
+              <a:t>Best </a:t>
+            </a:r>
+            <a:r>
+              <a:rPr lang="en-GB" smtClean="0">
+                <a:latin typeface="Comic Sans MS" panose="030F0702030302020204" pitchFamily="66" charset="0"/>
+                <a:cs typeface="Consolas" panose="020B0609020204030204" pitchFamily="49" charset="0"/>
+              </a:rPr>
+              <a:t>compatible with</a:t>
+            </a:r>
+            <a:r>
+              <a:rPr lang="lv-LV" smtClean="0">
+                <a:latin typeface="Comic Sans MS" panose="030F0702030302020204" pitchFamily="66" charset="0"/>
+                <a:cs typeface="Consolas" panose="020B0609020204030204" pitchFamily="49" charset="0"/>
+              </a:rPr>
+              <a:t> </a:t>
+            </a:r>
+            <a:r>
+              <a:rPr lang="en-GB" dirty="0" smtClean="0">
+                <a:latin typeface="Comic Sans MS" panose="030F0702030302020204" pitchFamily="66" charset="0"/>
+                <a:cs typeface="Consolas" panose="020B0609020204030204" pitchFamily="49" charset="0"/>
+              </a:rPr>
+              <a:t>Linux</a:t>
+            </a:r>
+            <a:endParaRPr lang="en-GB" dirty="0" smtClean="0">
+              <a:latin typeface="Comic Sans MS" panose="030F0702030302020204" pitchFamily="66" charset="0"/>
+              <a:cs typeface="Consolas" panose="020B0609020204030204" pitchFamily="49" charset="0"/>
+            </a:endParaRPr>
+          </a:p>
+          <a:p>
+            <a:pPr marL="285750" indent="-285750">
+              <a:buFont typeface="Arial" panose="020B0604020202020204" pitchFamily="34" charset="0"/>
+              <a:buChar char="•"/>
+            </a:pPr>
+            <a:r>
+              <a:rPr lang="en-GB" dirty="0" smtClean="0">
+                <a:latin typeface="Comic Sans MS" panose="030F0702030302020204" pitchFamily="66" charset="0"/>
+                <a:cs typeface="Consolas" panose="020B0609020204030204" pitchFamily="49" charset="0"/>
+              </a:rPr>
+              <a:t>Uses </a:t>
+            </a:r>
+            <a:r>
+              <a:rPr lang="en-GB" dirty="0" smtClean="0">
+                <a:latin typeface="Comic Sans MS" panose="030F0702030302020204" pitchFamily="66" charset="0"/>
+                <a:cs typeface="Consolas" panose="020B0609020204030204" pitchFamily="49" charset="0"/>
+              </a:rPr>
+              <a:t>Scala to “reinvent Verilog”</a:t>
             </a:r>
           </a:p>
           <a:p>
@@ -19818,33 +17827,15 @@
                                   </p:childTnLst>
                                 </p:cTn>
                               </p:par>
-                            </p:childTnLst>
-                          </p:cTn>
-                        </p:par>
-                      </p:childTnLst>
-                    </p:cTn>
-                  </p:par>
-                  <p:par>
-                    <p:cTn id="15" fill="hold">
-                      <p:stCondLst>
-                        <p:cond delay="indefinite"/>
-                      </p:stCondLst>
-                      <p:childTnLst>
-                        <p:par>
-                          <p:cTn id="16" fill="hold">
-                            <p:stCondLst>
-                              <p:cond delay="0"/>
-                            </p:stCondLst>
-                            <p:childTnLst>
                               <p:par>
-                                <p:cTn id="17" presetID="2" presetClass="entr" presetSubtype="4" fill="hold" nodeType="clickEffect">
+                                <p:cTn id="15" presetID="42" presetClass="entr" presetSubtype="0" fill="hold" nodeType="withEffect">
                                   <p:stCondLst>
                                     <p:cond delay="0"/>
                                   </p:stCondLst>
                                   <p:childTnLst>
                                     <p:set>
                                       <p:cBhvr>
-                                        <p:cTn id="18" dur="1" fill="hold">
+                                        <p:cTn id="16" dur="1" fill="hold">
                                           <p:stCondLst>
                                             <p:cond delay="0"/>
                                           </p:stCondLst>
@@ -19864,9 +17855,21 @@
                                         <p:strVal val="visible"/>
                                       </p:to>
                                     </p:set>
+                                    <p:animEffect transition="in" filter="fade">
+                                      <p:cBhvr>
+                                        <p:cTn id="17" dur="1000"/>
+                                        <p:tgtEl>
+                                          <p:spTgt spid="4">
+                                            <p:txEl>
+                                              <p:pRg st="3" end="3"/>
+                                            </p:txEl>
+                                          </p:spTgt>
+                                        </p:tgtEl>
+                                      </p:cBhvr>
+                                    </p:animEffect>
                                     <p:anim calcmode="lin" valueType="num">
-                                      <p:cBhvr additive="base">
-                                        <p:cTn id="19" dur="500" fill="hold"/>
+                                      <p:cBhvr>
+                                        <p:cTn id="18" dur="1000" fill="hold"/>
                                         <p:tgtEl>
                                           <p:spTgt spid="4">
                                             <p:txEl>
@@ -19892,8 +17895,8 @@
                                       </p:tavLst>
                                     </p:anim>
                                     <p:anim calcmode="lin" valueType="num">
-                                      <p:cBhvr additive="base">
-                                        <p:cTn id="20" dur="500" fill="hold"/>
+                                      <p:cBhvr>
+                                        <p:cTn id="19" dur="1000" fill="hold"/>
                                         <p:tgtEl>
                                           <p:spTgt spid="4">
                                             <p:txEl>
@@ -19908,7 +17911,7 @@
                                       <p:tavLst>
                                         <p:tav tm="0">
                                           <p:val>
-                                            <p:strVal val="1+#ppt_h/2"/>
+                                            <p:strVal val="#ppt_y+.1"/>
                                           </p:val>
                                         </p:tav>
                                         <p:tav tm="100000">
@@ -19921,15 +17924,33 @@
                                   </p:childTnLst>
                                 </p:cTn>
                               </p:par>
+                            </p:childTnLst>
+                          </p:cTn>
+                        </p:par>
+                      </p:childTnLst>
+                    </p:cTn>
+                  </p:par>
+                  <p:par>
+                    <p:cTn id="20" fill="hold">
+                      <p:stCondLst>
+                        <p:cond delay="indefinite"/>
+                      </p:stCondLst>
+                      <p:childTnLst>
+                        <p:par>
+                          <p:cTn id="21" fill="hold">
+                            <p:stCondLst>
+                              <p:cond delay="0"/>
+                            </p:stCondLst>
+                            <p:childTnLst>
                               <p:par>
-                                <p:cTn id="21" presetID="2" presetClass="entr" presetSubtype="4" fill="hold" nodeType="withEffect">
+                                <p:cTn id="22" presetID="2" presetClass="entr" presetSubtype="4" fill="hold" nodeType="clickEffect">
                                   <p:stCondLst>
                                     <p:cond delay="0"/>
                                   </p:stCondLst>
                                   <p:childTnLst>
                                     <p:set>
                                       <p:cBhvr>
-                                        <p:cTn id="22" dur="1" fill="hold">
+                                        <p:cTn id="23" dur="1" fill="hold">
                                           <p:stCondLst>
                                             <p:cond delay="0"/>
                                           </p:stCondLst>
@@ -19951,7 +17972,7 @@
                                     </p:set>
                                     <p:anim calcmode="lin" valueType="num">
                                       <p:cBhvr additive="base">
-                                        <p:cTn id="23" dur="500" fill="hold"/>
+                                        <p:cTn id="24" dur="500" fill="hold"/>
                                         <p:tgtEl>
                                           <p:spTgt spid="4">
                                             <p:txEl>
@@ -19978,7 +17999,7 @@
                                     </p:anim>
                                     <p:anim calcmode="lin" valueType="num">
                                       <p:cBhvr additive="base">
-                                        <p:cTn id="24" dur="500" fill="hold"/>
+                                        <p:cTn id="25" dur="500" fill="hold"/>
                                         <p:tgtEl>
                                           <p:spTgt spid="4">
                                             <p:txEl>
@@ -20007,14 +18028,14 @@
                                 </p:cTn>
                               </p:par>
                               <p:par>
-                                <p:cTn id="25" presetID="2" presetClass="entr" presetSubtype="4" fill="hold" nodeType="withEffect">
+                                <p:cTn id="26" presetID="2" presetClass="entr" presetSubtype="4" fill="hold" nodeType="withEffect">
                                   <p:stCondLst>
                                     <p:cond delay="0"/>
                                   </p:stCondLst>
                                   <p:childTnLst>
                                     <p:set>
                                       <p:cBhvr>
-                                        <p:cTn id="26" dur="1" fill="hold">
+                                        <p:cTn id="27" dur="1" fill="hold">
                                           <p:stCondLst>
                                             <p:cond delay="0"/>
                                           </p:stCondLst>
@@ -20036,7 +18057,7 @@
                                     </p:set>
                                     <p:anim calcmode="lin" valueType="num">
                                       <p:cBhvr additive="base">
-                                        <p:cTn id="27" dur="500" fill="hold"/>
+                                        <p:cTn id="28" dur="500" fill="hold"/>
                                         <p:tgtEl>
                                           <p:spTgt spid="4">
                                             <p:txEl>
@@ -20063,7 +18084,7 @@
                                     </p:anim>
                                     <p:anim calcmode="lin" valueType="num">
                                       <p:cBhvr additive="base">
-                                        <p:cTn id="28" dur="500" fill="hold"/>
+                                        <p:cTn id="29" dur="500" fill="hold"/>
                                         <p:tgtEl>
                                           <p:spTgt spid="4">
                                             <p:txEl>
@@ -20092,14 +18113,14 @@
                                 </p:cTn>
                               </p:par>
                               <p:par>
-                                <p:cTn id="29" presetID="2" presetClass="entr" presetSubtype="4" fill="hold" nodeType="withEffect">
+                                <p:cTn id="30" presetID="2" presetClass="entr" presetSubtype="4" fill="hold" nodeType="withEffect">
                                   <p:stCondLst>
                                     <p:cond delay="0"/>
                                   </p:stCondLst>
                                   <p:childTnLst>
                                     <p:set>
                                       <p:cBhvr>
-                                        <p:cTn id="30" dur="1" fill="hold">
+                                        <p:cTn id="31" dur="1" fill="hold">
                                           <p:stCondLst>
                                             <p:cond delay="0"/>
                                           </p:stCondLst>
@@ -20121,7 +18142,7 @@
                                     </p:set>
                                     <p:anim calcmode="lin" valueType="num">
                                       <p:cBhvr additive="base">
-                                        <p:cTn id="31" dur="500" fill="hold"/>
+                                        <p:cTn id="32" dur="500" fill="hold"/>
                                         <p:tgtEl>
                                           <p:spTgt spid="4">
                                             <p:txEl>
@@ -20148,7 +18169,7 @@
                                     </p:anim>
                                     <p:anim calcmode="lin" valueType="num">
                                       <p:cBhvr additive="base">
-                                        <p:cTn id="32" dur="500" fill="hold"/>
+                                        <p:cTn id="33" dur="500" fill="hold"/>
                                         <p:tgtEl>
                                           <p:spTgt spid="4">
                                             <p:txEl>
@@ -20177,14 +18198,14 @@
                                 </p:cTn>
                               </p:par>
                               <p:par>
-                                <p:cTn id="33" presetID="2" presetClass="entr" presetSubtype="4" fill="hold" nodeType="withEffect">
+                                <p:cTn id="34" presetID="2" presetClass="entr" presetSubtype="4" fill="hold" nodeType="withEffect">
                                   <p:stCondLst>
                                     <p:cond delay="0"/>
                                   </p:stCondLst>
                                   <p:childTnLst>
                                     <p:set>
                                       <p:cBhvr>
-                                        <p:cTn id="34" dur="1" fill="hold">
+                                        <p:cTn id="35" dur="1" fill="hold">
                                           <p:stCondLst>
                                             <p:cond delay="0"/>
                                           </p:stCondLst>
@@ -20206,7 +18227,7 @@
                                     </p:set>
                                     <p:anim calcmode="lin" valueType="num">
                                       <p:cBhvr additive="base">
-                                        <p:cTn id="35" dur="500" fill="hold"/>
+                                        <p:cTn id="36" dur="500" fill="hold"/>
                                         <p:tgtEl>
                                           <p:spTgt spid="4">
                                             <p:txEl>
@@ -20233,11 +18254,96 @@
                                     </p:anim>
                                     <p:anim calcmode="lin" valueType="num">
                                       <p:cBhvr additive="base">
-                                        <p:cTn id="36" dur="500" fill="hold"/>
+                                        <p:cTn id="37" dur="500" fill="hold"/>
                                         <p:tgtEl>
                                           <p:spTgt spid="4">
                                             <p:txEl>
                                               <p:pRg st="7" end="7"/>
+                                            </p:txEl>
+                                          </p:spTgt>
+                                        </p:tgtEl>
+                                        <p:attrNameLst>
+                                          <p:attrName>ppt_y</p:attrName>
+                                        </p:attrNameLst>
+                                      </p:cBhvr>
+                                      <p:tavLst>
+                                        <p:tav tm="0">
+                                          <p:val>
+                                            <p:strVal val="1+#ppt_h/2"/>
+                                          </p:val>
+                                        </p:tav>
+                                        <p:tav tm="100000">
+                                          <p:val>
+                                            <p:strVal val="#ppt_y"/>
+                                          </p:val>
+                                        </p:tav>
+                                      </p:tavLst>
+                                    </p:anim>
+                                  </p:childTnLst>
+                                </p:cTn>
+                              </p:par>
+                              <p:par>
+                                <p:cTn id="38" presetID="2" presetClass="entr" presetSubtype="4" fill="hold" nodeType="withEffect">
+                                  <p:stCondLst>
+                                    <p:cond delay="0"/>
+                                  </p:stCondLst>
+                                  <p:childTnLst>
+                                    <p:set>
+                                      <p:cBhvr>
+                                        <p:cTn id="39" dur="1" fill="hold">
+                                          <p:stCondLst>
+                                            <p:cond delay="0"/>
+                                          </p:stCondLst>
+                                        </p:cTn>
+                                        <p:tgtEl>
+                                          <p:spTgt spid="4">
+                                            <p:txEl>
+                                              <p:pRg st="8" end="8"/>
+                                            </p:txEl>
+                                          </p:spTgt>
+                                        </p:tgtEl>
+                                        <p:attrNameLst>
+                                          <p:attrName>style.visibility</p:attrName>
+                                        </p:attrNameLst>
+                                      </p:cBhvr>
+                                      <p:to>
+                                        <p:strVal val="visible"/>
+                                      </p:to>
+                                    </p:set>
+                                    <p:anim calcmode="lin" valueType="num">
+                                      <p:cBhvr additive="base">
+                                        <p:cTn id="40" dur="500" fill="hold"/>
+                                        <p:tgtEl>
+                                          <p:spTgt spid="4">
+                                            <p:txEl>
+                                              <p:pRg st="8" end="8"/>
+                                            </p:txEl>
+                                          </p:spTgt>
+                                        </p:tgtEl>
+                                        <p:attrNameLst>
+                                          <p:attrName>ppt_x</p:attrName>
+                                        </p:attrNameLst>
+                                      </p:cBhvr>
+                                      <p:tavLst>
+                                        <p:tav tm="0">
+                                          <p:val>
+                                            <p:strVal val="#ppt_x"/>
+                                          </p:val>
+                                        </p:tav>
+                                        <p:tav tm="100000">
+                                          <p:val>
+                                            <p:strVal val="#ppt_x"/>
+                                          </p:val>
+                                        </p:tav>
+                                      </p:tavLst>
+                                    </p:anim>
+                                    <p:anim calcmode="lin" valueType="num">
+                                      <p:cBhvr additive="base">
+                                        <p:cTn id="41" dur="500" fill="hold"/>
+                                        <p:tgtEl>
+                                          <p:spTgt spid="4">
+                                            <p:txEl>
+                                              <p:pRg st="8" end="8"/>
                                             </p:txEl>
                                           </p:spTgt>
                                         </p:tgtEl>
@@ -20268,26 +18374,26 @@
                     </p:cTn>
                   </p:par>
                   <p:par>
-                    <p:cTn id="37" fill="hold">
+                    <p:cTn id="42" fill="hold">
                       <p:stCondLst>
                         <p:cond delay="indefinite"/>
                       </p:stCondLst>
                       <p:childTnLst>
                         <p:par>
-                          <p:cTn id="38" fill="hold">
+                          <p:cTn id="43" fill="hold">
                             <p:stCondLst>
                               <p:cond delay="0"/>
                             </p:stCondLst>
                             <p:childTnLst>
                               <p:par>
-                                <p:cTn id="39" presetID="2" presetClass="entr" presetSubtype="4" fill="hold" nodeType="clickEffect">
+                                <p:cTn id="44" presetID="2" presetClass="entr" presetSubtype="4" fill="hold" nodeType="clickEffect">
                                   <p:stCondLst>
                                     <p:cond delay="0"/>
                                   </p:stCondLst>
                                   <p:childTnLst>
                                     <p:set>
                                       <p:cBhvr>
-                                        <p:cTn id="40" dur="1" fill="hold">
+                                        <p:cTn id="45" dur="1" fill="hold">
                                           <p:stCondLst>
                                             <p:cond delay="0"/>
                                           </p:stCondLst>
@@ -20295,7 +18401,7 @@
                                         <p:tgtEl>
                                           <p:spTgt spid="4">
                                             <p:txEl>
-                                              <p:pRg st="8" end="8"/>
+                                              <p:pRg st="9" end="9"/>
                                             </p:txEl>
                                           </p:spTgt>
                                         </p:tgtEl>
@@ -20309,11 +18415,11 @@
                                     </p:set>
                                     <p:anim calcmode="lin" valueType="num">
                                       <p:cBhvr additive="base">
-                                        <p:cTn id="41" dur="500" fill="hold"/>
+                                        <p:cTn id="46" dur="500" fill="hold"/>
                                         <p:tgtEl>
                                           <p:spTgt spid="4">
                                             <p:txEl>
-                                              <p:pRg st="8" end="8"/>
+                                              <p:pRg st="9" end="9"/>
                                             </p:txEl>
                                           </p:spTgt>
                                         </p:tgtEl>
@@ -20336,11 +18442,11 @@
                                     </p:anim>
                                     <p:anim calcmode="lin" valueType="num">
                                       <p:cBhvr additive="base">
-                                        <p:cTn id="42" dur="500" fill="hold"/>
+                                        <p:cTn id="47" dur="500" fill="hold"/>
                                         <p:tgtEl>
                                           <p:spTgt spid="4">
                                             <p:txEl>
-                                              <p:pRg st="8" end="8"/>
+                                              <p:pRg st="9" end="9"/>
                                             </p:txEl>
                                           </p:spTgt>
                                         </p:tgtEl>
@@ -20365,14 +18471,14 @@
                                 </p:cTn>
                               </p:par>
                               <p:par>
-                                <p:cTn id="43" presetID="2" presetClass="entr" presetSubtype="4" fill="hold" nodeType="withEffect">
+                                <p:cTn id="48" presetID="2" presetClass="entr" presetSubtype="4" fill="hold" nodeType="withEffect">
                                   <p:stCondLst>
                                     <p:cond delay="0"/>
                                   </p:stCondLst>
                                   <p:childTnLst>
                                     <p:set>
                                       <p:cBhvr>
-                                        <p:cTn id="44" dur="1" fill="hold">
+                                        <p:cTn id="49" dur="1" fill="hold">
                                           <p:stCondLst>
                                             <p:cond delay="0"/>
                                           </p:stCondLst>
@@ -20380,7 +18486,7 @@
                                         <p:tgtEl>
                                           <p:spTgt spid="4">
                                             <p:txEl>
-                                              <p:pRg st="12" end="12"/>
+                                              <p:pRg st="13" end="13"/>
                                             </p:txEl>
                                           </p:spTgt>
                                         </p:tgtEl>
@@ -20394,11 +18500,11 @@
                                     </p:set>
                                     <p:anim calcmode="lin" valueType="num">
                                       <p:cBhvr additive="base">
-                                        <p:cTn id="45" dur="500" fill="hold"/>
+                                        <p:cTn id="50" dur="500" fill="hold"/>
                                         <p:tgtEl>
                                           <p:spTgt spid="4">
                                             <p:txEl>
-                                              <p:pRg st="12" end="12"/>
+                                              <p:pRg st="13" end="13"/>
                                             </p:txEl>
                                           </p:spTgt>
                                         </p:tgtEl>
@@ -20421,11 +18527,11 @@
                                     </p:anim>
                                     <p:anim calcmode="lin" valueType="num">
                                       <p:cBhvr additive="base">
-                                        <p:cTn id="46" dur="500" fill="hold"/>
+                                        <p:cTn id="51" dur="500" fill="hold"/>
                                         <p:tgtEl>
                                           <p:spTgt spid="4">
                                             <p:txEl>
-                                              <p:pRg st="12" end="12"/>
+                                              <p:pRg st="13" end="13"/>
                                             </p:txEl>
                                           </p:spTgt>
                                         </p:tgtEl>
